--- a/manual/Pictures 2.0.pptx
+++ b/manual/Pictures 2.0.pptx
@@ -279,7 +279,7 @@
           <a:p>
             <a:fld id="{55465C39-D47E-4138-800A-7D6CA5F3257E}" type="datetimeFigureOut">
               <a:rPr lang="ru-RU" smtClean="0"/>
-              <a:t>02.11.2022</a:t>
+              <a:t>03.11.2022</a:t>
             </a:fld>
             <a:endParaRPr lang="ru-RU"/>
           </a:p>
@@ -449,7 +449,7 @@
           <a:p>
             <a:fld id="{55465C39-D47E-4138-800A-7D6CA5F3257E}" type="datetimeFigureOut">
               <a:rPr lang="ru-RU" smtClean="0"/>
-              <a:t>02.11.2022</a:t>
+              <a:t>03.11.2022</a:t>
             </a:fld>
             <a:endParaRPr lang="ru-RU"/>
           </a:p>
@@ -629,7 +629,7 @@
           <a:p>
             <a:fld id="{55465C39-D47E-4138-800A-7D6CA5F3257E}" type="datetimeFigureOut">
               <a:rPr lang="ru-RU" smtClean="0"/>
-              <a:t>02.11.2022</a:t>
+              <a:t>03.11.2022</a:t>
             </a:fld>
             <a:endParaRPr lang="ru-RU"/>
           </a:p>
@@ -799,7 +799,7 @@
           <a:p>
             <a:fld id="{55465C39-D47E-4138-800A-7D6CA5F3257E}" type="datetimeFigureOut">
               <a:rPr lang="ru-RU" smtClean="0"/>
-              <a:t>02.11.2022</a:t>
+              <a:t>03.11.2022</a:t>
             </a:fld>
             <a:endParaRPr lang="ru-RU"/>
           </a:p>
@@ -1043,7 +1043,7 @@
           <a:p>
             <a:fld id="{55465C39-D47E-4138-800A-7D6CA5F3257E}" type="datetimeFigureOut">
               <a:rPr lang="ru-RU" smtClean="0"/>
-              <a:t>02.11.2022</a:t>
+              <a:t>03.11.2022</a:t>
             </a:fld>
             <a:endParaRPr lang="ru-RU"/>
           </a:p>
@@ -1275,7 +1275,7 @@
           <a:p>
             <a:fld id="{55465C39-D47E-4138-800A-7D6CA5F3257E}" type="datetimeFigureOut">
               <a:rPr lang="ru-RU" smtClean="0"/>
-              <a:t>02.11.2022</a:t>
+              <a:t>03.11.2022</a:t>
             </a:fld>
             <a:endParaRPr lang="ru-RU"/>
           </a:p>
@@ -1642,7 +1642,7 @@
           <a:p>
             <a:fld id="{55465C39-D47E-4138-800A-7D6CA5F3257E}" type="datetimeFigureOut">
               <a:rPr lang="ru-RU" smtClean="0"/>
-              <a:t>02.11.2022</a:t>
+              <a:t>03.11.2022</a:t>
             </a:fld>
             <a:endParaRPr lang="ru-RU"/>
           </a:p>
@@ -1760,7 +1760,7 @@
           <a:p>
             <a:fld id="{55465C39-D47E-4138-800A-7D6CA5F3257E}" type="datetimeFigureOut">
               <a:rPr lang="ru-RU" smtClean="0"/>
-              <a:t>02.11.2022</a:t>
+              <a:t>03.11.2022</a:t>
             </a:fld>
             <a:endParaRPr lang="ru-RU"/>
           </a:p>
@@ -1855,7 +1855,7 @@
           <a:p>
             <a:fld id="{55465C39-D47E-4138-800A-7D6CA5F3257E}" type="datetimeFigureOut">
               <a:rPr lang="ru-RU" smtClean="0"/>
-              <a:t>02.11.2022</a:t>
+              <a:t>03.11.2022</a:t>
             </a:fld>
             <a:endParaRPr lang="ru-RU"/>
           </a:p>
@@ -2132,7 +2132,7 @@
           <a:p>
             <a:fld id="{55465C39-D47E-4138-800A-7D6CA5F3257E}" type="datetimeFigureOut">
               <a:rPr lang="ru-RU" smtClean="0"/>
-              <a:t>02.11.2022</a:t>
+              <a:t>03.11.2022</a:t>
             </a:fld>
             <a:endParaRPr lang="ru-RU"/>
           </a:p>
@@ -2389,7 +2389,7 @@
           <a:p>
             <a:fld id="{55465C39-D47E-4138-800A-7D6CA5F3257E}" type="datetimeFigureOut">
               <a:rPr lang="ru-RU" smtClean="0"/>
-              <a:t>02.11.2022</a:t>
+              <a:t>03.11.2022</a:t>
             </a:fld>
             <a:endParaRPr lang="ru-RU"/>
           </a:p>
@@ -2602,7 +2602,7 @@
           <a:p>
             <a:fld id="{55465C39-D47E-4138-800A-7D6CA5F3257E}" type="datetimeFigureOut">
               <a:rPr lang="ru-RU" smtClean="0"/>
-              <a:t>02.11.2022</a:t>
+              <a:t>03.11.2022</a:t>
             </a:fld>
             <a:endParaRPr lang="ru-RU"/>
           </a:p>
@@ -16781,7 +16781,7 @@
         </p:nvGrpSpPr>
         <p:grpSpPr>
           <a:xfrm>
-            <a:off x="1796928" y="542559"/>
+            <a:off x="425328" y="498597"/>
             <a:ext cx="3914775" cy="5667375"/>
             <a:chOff x="2614612" y="595313"/>
             <a:chExt cx="3914775" cy="5667375"/>
@@ -16890,7 +16890,7 @@
         </p:nvGrpSpPr>
         <p:grpSpPr>
           <a:xfrm>
-            <a:off x="6084276" y="2664069"/>
+            <a:off x="4677506" y="2637692"/>
             <a:ext cx="4310063" cy="1214804"/>
             <a:chOff x="6084276" y="2664069"/>
             <a:chExt cx="4310063" cy="1214804"/>

--- a/manual/Pictures 2.0.pptx
+++ b/manual/Pictures 2.0.pptx
@@ -279,7 +279,7 @@
           <a:p>
             <a:fld id="{55465C39-D47E-4138-800A-7D6CA5F3257E}" type="datetimeFigureOut">
               <a:rPr lang="ru-RU" smtClean="0"/>
-              <a:t>03.11.2022</a:t>
+              <a:t>05.11.2022</a:t>
             </a:fld>
             <a:endParaRPr lang="ru-RU"/>
           </a:p>
@@ -449,7 +449,7 @@
           <a:p>
             <a:fld id="{55465C39-D47E-4138-800A-7D6CA5F3257E}" type="datetimeFigureOut">
               <a:rPr lang="ru-RU" smtClean="0"/>
-              <a:t>03.11.2022</a:t>
+              <a:t>05.11.2022</a:t>
             </a:fld>
             <a:endParaRPr lang="ru-RU"/>
           </a:p>
@@ -629,7 +629,7 @@
           <a:p>
             <a:fld id="{55465C39-D47E-4138-800A-7D6CA5F3257E}" type="datetimeFigureOut">
               <a:rPr lang="ru-RU" smtClean="0"/>
-              <a:t>03.11.2022</a:t>
+              <a:t>05.11.2022</a:t>
             </a:fld>
             <a:endParaRPr lang="ru-RU"/>
           </a:p>
@@ -799,7 +799,7 @@
           <a:p>
             <a:fld id="{55465C39-D47E-4138-800A-7D6CA5F3257E}" type="datetimeFigureOut">
               <a:rPr lang="ru-RU" smtClean="0"/>
-              <a:t>03.11.2022</a:t>
+              <a:t>05.11.2022</a:t>
             </a:fld>
             <a:endParaRPr lang="ru-RU"/>
           </a:p>
@@ -1043,7 +1043,7 @@
           <a:p>
             <a:fld id="{55465C39-D47E-4138-800A-7D6CA5F3257E}" type="datetimeFigureOut">
               <a:rPr lang="ru-RU" smtClean="0"/>
-              <a:t>03.11.2022</a:t>
+              <a:t>05.11.2022</a:t>
             </a:fld>
             <a:endParaRPr lang="ru-RU"/>
           </a:p>
@@ -1275,7 +1275,7 @@
           <a:p>
             <a:fld id="{55465C39-D47E-4138-800A-7D6CA5F3257E}" type="datetimeFigureOut">
               <a:rPr lang="ru-RU" smtClean="0"/>
-              <a:t>03.11.2022</a:t>
+              <a:t>05.11.2022</a:t>
             </a:fld>
             <a:endParaRPr lang="ru-RU"/>
           </a:p>
@@ -1642,7 +1642,7 @@
           <a:p>
             <a:fld id="{55465C39-D47E-4138-800A-7D6CA5F3257E}" type="datetimeFigureOut">
               <a:rPr lang="ru-RU" smtClean="0"/>
-              <a:t>03.11.2022</a:t>
+              <a:t>05.11.2022</a:t>
             </a:fld>
             <a:endParaRPr lang="ru-RU"/>
           </a:p>
@@ -1760,7 +1760,7 @@
           <a:p>
             <a:fld id="{55465C39-D47E-4138-800A-7D6CA5F3257E}" type="datetimeFigureOut">
               <a:rPr lang="ru-RU" smtClean="0"/>
-              <a:t>03.11.2022</a:t>
+              <a:t>05.11.2022</a:t>
             </a:fld>
             <a:endParaRPr lang="ru-RU"/>
           </a:p>
@@ -1855,7 +1855,7 @@
           <a:p>
             <a:fld id="{55465C39-D47E-4138-800A-7D6CA5F3257E}" type="datetimeFigureOut">
               <a:rPr lang="ru-RU" smtClean="0"/>
-              <a:t>03.11.2022</a:t>
+              <a:t>05.11.2022</a:t>
             </a:fld>
             <a:endParaRPr lang="ru-RU"/>
           </a:p>
@@ -2132,7 +2132,7 @@
           <a:p>
             <a:fld id="{55465C39-D47E-4138-800A-7D6CA5F3257E}" type="datetimeFigureOut">
               <a:rPr lang="ru-RU" smtClean="0"/>
-              <a:t>03.11.2022</a:t>
+              <a:t>05.11.2022</a:t>
             </a:fld>
             <a:endParaRPr lang="ru-RU"/>
           </a:p>
@@ -2389,7 +2389,7 @@
           <a:p>
             <a:fld id="{55465C39-D47E-4138-800A-7D6CA5F3257E}" type="datetimeFigureOut">
               <a:rPr lang="ru-RU" smtClean="0"/>
-              <a:t>03.11.2022</a:t>
+              <a:t>05.11.2022</a:t>
             </a:fld>
             <a:endParaRPr lang="ru-RU"/>
           </a:p>
@@ -2602,7 +2602,7 @@
           <a:p>
             <a:fld id="{55465C39-D47E-4138-800A-7D6CA5F3257E}" type="datetimeFigureOut">
               <a:rPr lang="ru-RU" smtClean="0"/>
-              <a:t>03.11.2022</a:t>
+              <a:t>05.11.2022</a:t>
             </a:fld>
             <a:endParaRPr lang="ru-RU"/>
           </a:p>
@@ -9247,7 +9247,7 @@
         </p:blipFill>
         <p:spPr>
           <a:xfrm>
-            <a:off x="5467349" y="3196371"/>
+            <a:off x="7578089" y="3181131"/>
             <a:ext cx="1466851" cy="226220"/>
           </a:xfrm>
           <a:prstGeom prst="rect">
@@ -9334,7 +9334,7 @@
         </p:blipFill>
         <p:spPr>
           <a:xfrm>
-            <a:off x="5245894" y="3651189"/>
+            <a:off x="7615714" y="3651189"/>
             <a:ext cx="1466849" cy="226219"/>
           </a:xfrm>
           <a:prstGeom prst="rect">
@@ -9479,7 +9479,7 @@
         </p:blipFill>
         <p:spPr>
           <a:xfrm>
-            <a:off x="4736307" y="4532984"/>
+            <a:off x="8308915" y="4556431"/>
             <a:ext cx="590550" cy="240506"/>
           </a:xfrm>
           <a:prstGeom prst="rect">
@@ -9858,6 +9858,93 @@
           <a:xfrm>
             <a:off x="5580063" y="5015584"/>
             <a:ext cx="592931" cy="230982"/>
+          </a:xfrm>
+          <a:prstGeom prst="rect">
+            <a:avLst/>
+          </a:prstGeom>
+        </p:spPr>
+      </p:pic>
+      <p:pic>
+        <p:nvPicPr>
+          <p:cNvPr id="3" name="Picture 2">
+            <a:extLst>
+              <a:ext uri="{FF2B5EF4-FFF2-40B4-BE49-F238E27FC236}">
+                <a16:creationId xmlns:a16="http://schemas.microsoft.com/office/drawing/2014/main" id="{7A20AE8B-60F6-F925-7471-F4B8D5406AD7}"/>
+              </a:ext>
+            </a:extLst>
+          </p:cNvPr>
+          <p:cNvPicPr>
+            <a:picLocks noChangeAspect="1"/>
+          </p:cNvPicPr>
+          <p:nvPr/>
+        </p:nvPicPr>
+        <p:blipFill rotWithShape="1">
+          <a:blip r:embed="rId49"/>
+          <a:srcRect l="4385" t="10919" r="4439" b="12468"/>
+          <a:stretch/>
+        </p:blipFill>
+        <p:spPr>
+          <a:xfrm>
+            <a:off x="4755358" y="4538664"/>
+            <a:ext cx="590550" cy="226218"/>
+          </a:xfrm>
+          <a:prstGeom prst="rect">
+            <a:avLst/>
+          </a:prstGeom>
+        </p:spPr>
+      </p:pic>
+      <p:pic>
+        <p:nvPicPr>
+          <p:cNvPr id="9" name="Picture 8">
+            <a:extLst>
+              <a:ext uri="{FF2B5EF4-FFF2-40B4-BE49-F238E27FC236}">
+                <a16:creationId xmlns:a16="http://schemas.microsoft.com/office/drawing/2014/main" id="{4009FA30-4EFB-4B3B-A88E-048933FDAE36}"/>
+              </a:ext>
+            </a:extLst>
+          </p:cNvPr>
+          <p:cNvPicPr>
+            <a:picLocks noChangeAspect="1"/>
+          </p:cNvPicPr>
+          <p:nvPr/>
+        </p:nvPicPr>
+        <p:blipFill rotWithShape="1">
+          <a:blip r:embed="rId50"/>
+          <a:srcRect l="2994" t="6129" r="1790" b="16451"/>
+          <a:stretch/>
+        </p:blipFill>
+        <p:spPr>
+          <a:xfrm>
+            <a:off x="5245893" y="3176587"/>
+            <a:ext cx="1469232" cy="228601"/>
+          </a:xfrm>
+          <a:prstGeom prst="rect">
+            <a:avLst/>
+          </a:prstGeom>
+        </p:spPr>
+      </p:pic>
+      <p:pic>
+        <p:nvPicPr>
+          <p:cNvPr id="13" name="Picture 12">
+            <a:extLst>
+              <a:ext uri="{FF2B5EF4-FFF2-40B4-BE49-F238E27FC236}">
+                <a16:creationId xmlns:a16="http://schemas.microsoft.com/office/drawing/2014/main" id="{84C67F07-BD56-979C-A8C8-899C14658A6E}"/>
+              </a:ext>
+            </a:extLst>
+          </p:cNvPr>
+          <p:cNvPicPr>
+            <a:picLocks noChangeAspect="1"/>
+          </p:cNvPicPr>
+          <p:nvPr/>
+        </p:nvPicPr>
+        <p:blipFill rotWithShape="1">
+          <a:blip r:embed="rId51"/>
+          <a:srcRect l="1771" t="9516" r="2422" b="13065"/>
+          <a:stretch/>
+        </p:blipFill>
+        <p:spPr>
+          <a:xfrm>
+            <a:off x="5262563" y="3659981"/>
+            <a:ext cx="1469231" cy="228600"/>
           </a:xfrm>
           <a:prstGeom prst="rect">
             <a:avLst/>
@@ -15969,6 +16056,36 @@
           </p:txBody>
         </p:sp>
       </p:grpSp>
+      <p:pic>
+        <p:nvPicPr>
+          <p:cNvPr id="3" name="Picture 2">
+            <a:extLst>
+              <a:ext uri="{FF2B5EF4-FFF2-40B4-BE49-F238E27FC236}">
+                <a16:creationId xmlns:a16="http://schemas.microsoft.com/office/drawing/2014/main" id="{8275BB09-DFCA-99AE-C180-961907E01963}"/>
+              </a:ext>
+            </a:extLst>
+          </p:cNvPr>
+          <p:cNvPicPr>
+            <a:picLocks noChangeAspect="1"/>
+          </p:cNvPicPr>
+          <p:nvPr/>
+        </p:nvPicPr>
+        <p:blipFill>
+          <a:blip r:embed="rId4"/>
+          <a:stretch>
+            <a:fillRect/>
+          </a:stretch>
+        </p:blipFill>
+        <p:spPr>
+          <a:xfrm>
+            <a:off x="4953000" y="4838700"/>
+            <a:ext cx="3752850" cy="1504950"/>
+          </a:xfrm>
+          <a:prstGeom prst="rect">
+            <a:avLst/>
+          </a:prstGeom>
+        </p:spPr>
+      </p:pic>
     </p:spTree>
     <p:extLst>
       <p:ext uri="{BB962C8B-B14F-4D97-AF65-F5344CB8AC3E}">
@@ -16767,115 +16884,88 @@
           <a:chExt cx="0" cy="0"/>
         </a:xfrm>
       </p:grpSpPr>
-      <p:grpSp>
-        <p:nvGrpSpPr>
-          <p:cNvPr id="6" name="Group 5">
+      <p:pic>
+        <p:nvPicPr>
+          <p:cNvPr id="38" name="Picture 37">
             <a:extLst>
               <a:ext uri="{FF2B5EF4-FFF2-40B4-BE49-F238E27FC236}">
-                <a16:creationId xmlns:a16="http://schemas.microsoft.com/office/drawing/2014/main" id="{53829110-17DD-5552-0B6F-DE5E9BE66AF2}"/>
+                <a16:creationId xmlns:a16="http://schemas.microsoft.com/office/drawing/2014/main" id="{5C350587-2F63-D54E-413D-F9055440A8EE}"/>
               </a:ext>
             </a:extLst>
           </p:cNvPr>
-          <p:cNvGrpSpPr/>
+          <p:cNvPicPr>
+            <a:picLocks noChangeAspect="1"/>
+          </p:cNvPicPr>
           <p:nvPr/>
-        </p:nvGrpSpPr>
-        <p:grpSpPr>
+        </p:nvPicPr>
+        <p:blipFill>
+          <a:blip r:embed="rId2"/>
+          <a:stretch>
+            <a:fillRect/>
+          </a:stretch>
+        </p:blipFill>
+        <p:spPr>
           <a:xfrm>
-            <a:off x="425328" y="498597"/>
+            <a:off x="433387" y="471487"/>
             <a:ext cx="3914775" cy="5667375"/>
-            <a:chOff x="2614612" y="595313"/>
-            <a:chExt cx="3914775" cy="5667375"/>
           </a:xfrm>
-        </p:grpSpPr>
-        <p:pic>
-          <p:nvPicPr>
-            <p:cNvPr id="4" name="Picture 3" descr="Graphical user interface, application&#10;&#10;Description automatically generated">
-              <a:extLst>
-                <a:ext uri="{FF2B5EF4-FFF2-40B4-BE49-F238E27FC236}">
-                  <a16:creationId xmlns:a16="http://schemas.microsoft.com/office/drawing/2014/main" id="{6AB334B0-6246-C584-8D8C-B08B462945E6}"/>
-                </a:ext>
-              </a:extLst>
-            </p:cNvPr>
-            <p:cNvPicPr>
-              <a:picLocks noChangeAspect="1"/>
-            </p:cNvPicPr>
-            <p:nvPr/>
-          </p:nvPicPr>
-          <p:blipFill>
-            <a:blip r:embed="rId2">
-              <a:extLst>
-                <a:ext uri="{28A0092B-C50C-407E-A947-70E740481C1C}">
-                  <a14:useLocalDpi xmlns:a14="http://schemas.microsoft.com/office/drawing/2010/main" val="0"/>
-                </a:ext>
-              </a:extLst>
-            </a:blip>
-            <a:stretch>
-              <a:fillRect/>
-            </a:stretch>
-          </p:blipFill>
-          <p:spPr>
-            <a:xfrm>
-              <a:off x="2614612" y="595313"/>
-              <a:ext cx="3914775" cy="5667375"/>
-            </a:xfrm>
-            <a:prstGeom prst="rect">
-              <a:avLst/>
-            </a:prstGeom>
-          </p:spPr>
-        </p:pic>
-        <p:sp>
-          <p:nvSpPr>
-            <p:cNvPr id="5" name="Rectangle: Rounded Corners 4">
-              <a:extLst>
-                <a:ext uri="{FF2B5EF4-FFF2-40B4-BE49-F238E27FC236}">
-                  <a16:creationId xmlns:a16="http://schemas.microsoft.com/office/drawing/2014/main" id="{DD3FC999-24B1-B5F0-070A-9553958575F6}"/>
-                </a:ext>
-              </a:extLst>
-            </p:cNvPr>
-            <p:cNvSpPr/>
-            <p:nvPr/>
-          </p:nvSpPr>
-          <p:spPr>
-            <a:xfrm>
-              <a:off x="2642969" y="1497624"/>
-              <a:ext cx="3854546" cy="876300"/>
-            </a:xfrm>
-            <a:prstGeom prst="roundRect">
-              <a:avLst/>
-            </a:prstGeom>
-            <a:noFill/>
-            <a:ln w="25400">
-              <a:solidFill>
-                <a:srgbClr val="FF0000"/>
-              </a:solidFill>
-            </a:ln>
-          </p:spPr>
-          <p:style>
-            <a:lnRef idx="2">
-              <a:schemeClr val="accent1">
-                <a:shade val="50000"/>
-              </a:schemeClr>
-            </a:lnRef>
-            <a:fillRef idx="1">
-              <a:schemeClr val="accent1"/>
-            </a:fillRef>
-            <a:effectRef idx="0">
-              <a:schemeClr val="accent1"/>
-            </a:effectRef>
-            <a:fontRef idx="minor">
-              <a:schemeClr val="lt1"/>
-            </a:fontRef>
-          </p:style>
-          <p:txBody>
-            <a:bodyPr rtlCol="0" anchor="ctr"/>
-            <a:lstStyle/>
-            <a:p>
-              <a:pPr algn="ctr"/>
-              <a:endParaRPr lang="en-US" dirty="0"/>
-            </a:p>
-          </p:txBody>
-        </p:sp>
-      </p:grpSp>
+          <a:prstGeom prst="rect">
+            <a:avLst/>
+          </a:prstGeom>
+        </p:spPr>
+      </p:pic>
+      <p:sp>
+        <p:nvSpPr>
+          <p:cNvPr id="5" name="Rectangle: Rounded Corners 4">
+            <a:extLst>
+              <a:ext uri="{FF2B5EF4-FFF2-40B4-BE49-F238E27FC236}">
+                <a16:creationId xmlns:a16="http://schemas.microsoft.com/office/drawing/2014/main" id="{DD3FC999-24B1-B5F0-070A-9553958575F6}"/>
+              </a:ext>
+            </a:extLst>
+          </p:cNvPr>
+          <p:cNvSpPr/>
+          <p:nvPr/>
+        </p:nvSpPr>
+        <p:spPr>
+          <a:xfrm>
+            <a:off x="453685" y="1400908"/>
+            <a:ext cx="3854546" cy="876300"/>
+          </a:xfrm>
+          <a:prstGeom prst="roundRect">
+            <a:avLst/>
+          </a:prstGeom>
+          <a:noFill/>
+          <a:ln w="25400">
+            <a:solidFill>
+              <a:srgbClr val="FF0000"/>
+            </a:solidFill>
+          </a:ln>
+        </p:spPr>
+        <p:style>
+          <a:lnRef idx="2">
+            <a:schemeClr val="accent1">
+              <a:shade val="50000"/>
+            </a:schemeClr>
+          </a:lnRef>
+          <a:fillRef idx="1">
+            <a:schemeClr val="accent1"/>
+          </a:fillRef>
+          <a:effectRef idx="0">
+            <a:schemeClr val="accent1"/>
+          </a:effectRef>
+          <a:fontRef idx="minor">
+            <a:schemeClr val="lt1"/>
+          </a:fontRef>
+        </p:style>
+        <p:txBody>
+          <a:bodyPr rtlCol="0" anchor="ctr"/>
+          <a:lstStyle/>
+          <a:p>
+            <a:pPr algn="ctr"/>
+            <a:endParaRPr lang="en-US" dirty="0"/>
+          </a:p>
+        </p:txBody>
+      </p:sp>
       <p:grpSp>
         <p:nvGrpSpPr>
           <p:cNvPr id="17" name="Group 16">
@@ -16890,7 +16980,7 @@
         </p:nvGrpSpPr>
         <p:grpSpPr>
           <a:xfrm>
-            <a:off x="4677506" y="2637692"/>
+            <a:off x="4563206" y="1090246"/>
             <a:ext cx="4310063" cy="1214804"/>
             <a:chOff x="6084276" y="2664069"/>
             <a:chExt cx="4310063" cy="1214804"/>
@@ -16981,6 +17071,217 @@
             <a:p>
               <a:pPr algn="ctr"/>
               <a:endParaRPr lang="ru-RU"/>
+            </a:p>
+          </p:txBody>
+        </p:sp>
+      </p:grpSp>
+      <p:grpSp>
+        <p:nvGrpSpPr>
+          <p:cNvPr id="24" name="Group 23">
+            <a:extLst>
+              <a:ext uri="{FF2B5EF4-FFF2-40B4-BE49-F238E27FC236}">
+                <a16:creationId xmlns:a16="http://schemas.microsoft.com/office/drawing/2014/main" id="{B357E11E-8627-0A53-20CC-A694CE2D6A86}"/>
+              </a:ext>
+            </a:extLst>
+          </p:cNvPr>
+          <p:cNvGrpSpPr/>
+          <p:nvPr/>
+        </p:nvGrpSpPr>
+        <p:grpSpPr>
+          <a:xfrm>
+            <a:off x="5935906" y="2602888"/>
+            <a:ext cx="2371725" cy="1511911"/>
+            <a:chOff x="5935906" y="2602888"/>
+            <a:chExt cx="2371725" cy="1511911"/>
+          </a:xfrm>
+        </p:grpSpPr>
+        <p:pic>
+          <p:nvPicPr>
+            <p:cNvPr id="23" name="Picture 22">
+              <a:extLst>
+                <a:ext uri="{FF2B5EF4-FFF2-40B4-BE49-F238E27FC236}">
+                  <a16:creationId xmlns:a16="http://schemas.microsoft.com/office/drawing/2014/main" id="{6E60957E-884A-3174-F2BE-828359645633}"/>
+                </a:ext>
+              </a:extLst>
+            </p:cNvPr>
+            <p:cNvPicPr>
+              <a:picLocks noChangeAspect="1"/>
+            </p:cNvPicPr>
+            <p:nvPr/>
+          </p:nvPicPr>
+          <p:blipFill>
+            <a:blip r:embed="rId4"/>
+            <a:stretch>
+              <a:fillRect/>
+            </a:stretch>
+          </p:blipFill>
+          <p:spPr>
+            <a:xfrm>
+              <a:off x="5935906" y="2602888"/>
+              <a:ext cx="2371725" cy="1476375"/>
+            </a:xfrm>
+            <a:prstGeom prst="rect">
+              <a:avLst/>
+            </a:prstGeom>
+          </p:spPr>
+        </p:pic>
+        <p:sp>
+          <p:nvSpPr>
+            <p:cNvPr id="7" name="Овал 2">
+              <a:extLst>
+                <a:ext uri="{FF2B5EF4-FFF2-40B4-BE49-F238E27FC236}">
+                  <a16:creationId xmlns:a16="http://schemas.microsoft.com/office/drawing/2014/main" id="{1D45BB33-35AD-9407-E59B-FC7382468F42}"/>
+                </a:ext>
+              </a:extLst>
+            </p:cNvPr>
+            <p:cNvSpPr/>
+            <p:nvPr/>
+          </p:nvSpPr>
+          <p:spPr>
+            <a:xfrm>
+              <a:off x="6711459" y="3449514"/>
+              <a:ext cx="841133" cy="665285"/>
+            </a:xfrm>
+            <a:prstGeom prst="ellipse">
+              <a:avLst/>
+            </a:prstGeom>
+            <a:noFill/>
+            <a:ln w="19050">
+              <a:solidFill>
+                <a:srgbClr val="FF0000"/>
+              </a:solidFill>
+            </a:ln>
+          </p:spPr>
+          <p:style>
+            <a:lnRef idx="2">
+              <a:schemeClr val="accent1">
+                <a:shade val="50000"/>
+              </a:schemeClr>
+            </a:lnRef>
+            <a:fillRef idx="1">
+              <a:schemeClr val="accent1"/>
+            </a:fillRef>
+            <a:effectRef idx="0">
+              <a:schemeClr val="accent1"/>
+            </a:effectRef>
+            <a:fontRef idx="minor">
+              <a:schemeClr val="lt1"/>
+            </a:fontRef>
+          </p:style>
+          <p:txBody>
+            <a:bodyPr rtlCol="0" anchor="ctr"/>
+            <a:lstStyle/>
+            <a:p>
+              <a:pPr algn="ctr"/>
+              <a:endParaRPr lang="ru-RU"/>
+            </a:p>
+          </p:txBody>
+        </p:sp>
+      </p:grpSp>
+      <p:grpSp>
+        <p:nvGrpSpPr>
+          <p:cNvPr id="14" name="Group 13">
+            <a:extLst>
+              <a:ext uri="{FF2B5EF4-FFF2-40B4-BE49-F238E27FC236}">
+                <a16:creationId xmlns:a16="http://schemas.microsoft.com/office/drawing/2014/main" id="{5E13B6D3-BA6E-5B5F-6986-6B7F85C8B3DF}"/>
+              </a:ext>
+            </a:extLst>
+          </p:cNvPr>
+          <p:cNvGrpSpPr/>
+          <p:nvPr/>
+        </p:nvGrpSpPr>
+        <p:grpSpPr>
+          <a:xfrm>
+            <a:off x="4818868" y="4580890"/>
+            <a:ext cx="3761740" cy="1811020"/>
+            <a:chOff x="4818868" y="4580890"/>
+            <a:chExt cx="3761740" cy="1811020"/>
+          </a:xfrm>
+        </p:grpSpPr>
+        <p:pic>
+          <p:nvPicPr>
+            <p:cNvPr id="11" name="Picture 10" descr="Graphical user interface, application&#10;&#10;Description automatically generated">
+              <a:extLst>
+                <a:ext uri="{FF2B5EF4-FFF2-40B4-BE49-F238E27FC236}">
+                  <a16:creationId xmlns:a16="http://schemas.microsoft.com/office/drawing/2014/main" id="{74E72711-62C6-4CDD-616B-3411D54E20BE}"/>
+                </a:ext>
+              </a:extLst>
+            </p:cNvPr>
+            <p:cNvPicPr>
+              <a:picLocks noChangeAspect="1"/>
+            </p:cNvPicPr>
+            <p:nvPr/>
+          </p:nvPicPr>
+          <p:blipFill rotWithShape="1">
+            <a:blip r:embed="rId5">
+              <a:extLst>
+                <a:ext uri="{28A0092B-C50C-407E-A947-70E740481C1C}">
+                  <a14:useLocalDpi xmlns:a14="http://schemas.microsoft.com/office/drawing/2010/main" val="0"/>
+                </a:ext>
+              </a:extLst>
+            </a:blip>
+            <a:srcRect l="1950" t="32213" r="1950" b="35827"/>
+            <a:stretch/>
+          </p:blipFill>
+          <p:spPr>
+            <a:xfrm>
+              <a:off x="4818868" y="4580890"/>
+              <a:ext cx="3761740" cy="1811020"/>
+            </a:xfrm>
+            <a:prstGeom prst="rect">
+              <a:avLst/>
+            </a:prstGeom>
+          </p:spPr>
+        </p:pic>
+        <p:sp>
+          <p:nvSpPr>
+            <p:cNvPr id="13" name="Rectangle: Rounded Corners 12">
+              <a:extLst>
+                <a:ext uri="{FF2B5EF4-FFF2-40B4-BE49-F238E27FC236}">
+                  <a16:creationId xmlns:a16="http://schemas.microsoft.com/office/drawing/2014/main" id="{EDC6EC6C-8DBB-9E0B-3A2B-B8A7CB5210F5}"/>
+                </a:ext>
+              </a:extLst>
+            </p:cNvPr>
+            <p:cNvSpPr/>
+            <p:nvPr/>
+          </p:nvSpPr>
+          <p:spPr>
+            <a:xfrm>
+              <a:off x="7165732" y="4668715"/>
+              <a:ext cx="1318846" cy="1072662"/>
+            </a:xfrm>
+            <a:prstGeom prst="roundRect">
+              <a:avLst/>
+            </a:prstGeom>
+            <a:noFill/>
+            <a:ln w="25400">
+              <a:solidFill>
+                <a:srgbClr val="FF0000"/>
+              </a:solidFill>
+            </a:ln>
+          </p:spPr>
+          <p:style>
+            <a:lnRef idx="2">
+              <a:schemeClr val="accent1">
+                <a:shade val="50000"/>
+              </a:schemeClr>
+            </a:lnRef>
+            <a:fillRef idx="1">
+              <a:schemeClr val="accent1"/>
+            </a:fillRef>
+            <a:effectRef idx="0">
+              <a:schemeClr val="accent1"/>
+            </a:effectRef>
+            <a:fontRef idx="minor">
+              <a:schemeClr val="lt1"/>
+            </a:fontRef>
+          </p:style>
+          <p:txBody>
+            <a:bodyPr rtlCol="0" anchor="ctr"/>
+            <a:lstStyle/>
+            <a:p>
+              <a:pPr algn="ctr"/>
+              <a:endParaRPr lang="en-US" dirty="0"/>
             </a:p>
           </p:txBody>
         </p:sp>

--- a/manual/Pictures 2.0.pptx
+++ b/manual/Pictures 2.0.pptx
@@ -13735,7 +13735,7 @@
         </p:nvGrpSpPr>
         <p:grpSpPr>
           <a:xfrm>
-            <a:off x="804188" y="1224643"/>
+            <a:off x="540419" y="424542"/>
             <a:ext cx="4749572" cy="1975757"/>
             <a:chOff x="804188" y="1224643"/>
             <a:chExt cx="4749572" cy="1975757"/>
@@ -16078,7 +16078,7 @@
         </p:blipFill>
         <p:spPr>
           <a:xfrm>
-            <a:off x="4953000" y="4838700"/>
+            <a:off x="521677" y="2183423"/>
             <a:ext cx="3752850" cy="1504950"/>
           </a:xfrm>
           <a:prstGeom prst="rect">
@@ -16086,6 +16086,265 @@
           </a:prstGeom>
         </p:spPr>
       </p:pic>
+      <p:grpSp>
+        <p:nvGrpSpPr>
+          <p:cNvPr id="58" name="Group 57">
+            <a:extLst>
+              <a:ext uri="{FF2B5EF4-FFF2-40B4-BE49-F238E27FC236}">
+                <a16:creationId xmlns:a16="http://schemas.microsoft.com/office/drawing/2014/main" id="{D849DF52-9861-35D3-DDCD-6978BA29C4E5}"/>
+              </a:ext>
+            </a:extLst>
+          </p:cNvPr>
+          <p:cNvGrpSpPr/>
+          <p:nvPr/>
+        </p:nvGrpSpPr>
+        <p:grpSpPr>
+          <a:xfrm>
+            <a:off x="5085617" y="4240090"/>
+            <a:ext cx="2876550" cy="1314450"/>
+            <a:chOff x="5085617" y="4240090"/>
+            <a:chExt cx="2876550" cy="1314450"/>
+          </a:xfrm>
+        </p:grpSpPr>
+        <p:pic>
+          <p:nvPicPr>
+            <p:cNvPr id="54" name="Picture 53">
+              <a:extLst>
+                <a:ext uri="{FF2B5EF4-FFF2-40B4-BE49-F238E27FC236}">
+                  <a16:creationId xmlns:a16="http://schemas.microsoft.com/office/drawing/2014/main" id="{BB9DC41E-0845-21DB-42EE-318229DAB199}"/>
+                </a:ext>
+              </a:extLst>
+            </p:cNvPr>
+            <p:cNvPicPr>
+              <a:picLocks noChangeAspect="1"/>
+            </p:cNvPicPr>
+            <p:nvPr/>
+          </p:nvPicPr>
+          <p:blipFill>
+            <a:blip r:embed="rId5"/>
+            <a:stretch>
+              <a:fillRect/>
+            </a:stretch>
+          </p:blipFill>
+          <p:spPr>
+            <a:xfrm>
+              <a:off x="5085617" y="4240090"/>
+              <a:ext cx="2876550" cy="1314450"/>
+            </a:xfrm>
+            <a:prstGeom prst="rect">
+              <a:avLst/>
+            </a:prstGeom>
+          </p:spPr>
+        </p:pic>
+        <p:sp>
+          <p:nvSpPr>
+            <p:cNvPr id="36" name="Овал 2">
+              <a:extLst>
+                <a:ext uri="{FF2B5EF4-FFF2-40B4-BE49-F238E27FC236}">
+                  <a16:creationId xmlns:a16="http://schemas.microsoft.com/office/drawing/2014/main" id="{40966370-95D3-8474-2D75-A95F0D9406DC}"/>
+                </a:ext>
+              </a:extLst>
+            </p:cNvPr>
+            <p:cNvSpPr/>
+            <p:nvPr/>
+          </p:nvSpPr>
+          <p:spPr>
+            <a:xfrm>
+              <a:off x="5240215" y="4651131"/>
+              <a:ext cx="703385" cy="272561"/>
+            </a:xfrm>
+            <a:prstGeom prst="ellipse">
+              <a:avLst/>
+            </a:prstGeom>
+            <a:noFill/>
+            <a:ln w="19050">
+              <a:solidFill>
+                <a:srgbClr val="FF0000"/>
+              </a:solidFill>
+            </a:ln>
+          </p:spPr>
+          <p:style>
+            <a:lnRef idx="2">
+              <a:schemeClr val="accent1">
+                <a:shade val="50000"/>
+              </a:schemeClr>
+            </a:lnRef>
+            <a:fillRef idx="1">
+              <a:schemeClr val="accent1"/>
+            </a:fillRef>
+            <a:effectRef idx="0">
+              <a:schemeClr val="accent1"/>
+            </a:effectRef>
+            <a:fontRef idx="minor">
+              <a:schemeClr val="lt1"/>
+            </a:fontRef>
+          </p:style>
+          <p:txBody>
+            <a:bodyPr rtlCol="0" anchor="ctr"/>
+            <a:lstStyle/>
+            <a:p>
+              <a:pPr algn="ctr"/>
+              <a:endParaRPr lang="ru-RU"/>
+            </a:p>
+          </p:txBody>
+        </p:sp>
+        <p:sp>
+          <p:nvSpPr>
+            <p:cNvPr id="37" name="Овал 2">
+              <a:extLst>
+                <a:ext uri="{FF2B5EF4-FFF2-40B4-BE49-F238E27FC236}">
+                  <a16:creationId xmlns:a16="http://schemas.microsoft.com/office/drawing/2014/main" id="{97994CF1-0D5C-329E-BDDC-C5DB76FE1A5B}"/>
+                </a:ext>
+              </a:extLst>
+            </p:cNvPr>
+            <p:cNvSpPr/>
+            <p:nvPr/>
+          </p:nvSpPr>
+          <p:spPr>
+            <a:xfrm>
+              <a:off x="7552592" y="4334608"/>
+              <a:ext cx="395654" cy="272561"/>
+            </a:xfrm>
+            <a:prstGeom prst="ellipse">
+              <a:avLst/>
+            </a:prstGeom>
+            <a:noFill/>
+            <a:ln w="19050">
+              <a:solidFill>
+                <a:srgbClr val="FF0000"/>
+              </a:solidFill>
+            </a:ln>
+          </p:spPr>
+          <p:style>
+            <a:lnRef idx="2">
+              <a:schemeClr val="accent1">
+                <a:shade val="50000"/>
+              </a:schemeClr>
+            </a:lnRef>
+            <a:fillRef idx="1">
+              <a:schemeClr val="accent1"/>
+            </a:fillRef>
+            <a:effectRef idx="0">
+              <a:schemeClr val="accent1"/>
+            </a:effectRef>
+            <a:fontRef idx="minor">
+              <a:schemeClr val="lt1"/>
+            </a:fontRef>
+          </p:style>
+          <p:txBody>
+            <a:bodyPr rtlCol="0" anchor="ctr"/>
+            <a:lstStyle/>
+            <a:p>
+              <a:pPr algn="ctr"/>
+              <a:endParaRPr lang="ru-RU"/>
+            </a:p>
+          </p:txBody>
+        </p:sp>
+        <p:sp>
+          <p:nvSpPr>
+            <p:cNvPr id="41" name="Овал 2">
+              <a:extLst>
+                <a:ext uri="{FF2B5EF4-FFF2-40B4-BE49-F238E27FC236}">
+                  <a16:creationId xmlns:a16="http://schemas.microsoft.com/office/drawing/2014/main" id="{76DB7F4D-66C2-A77D-A0F8-80BB52428E6B}"/>
+                </a:ext>
+              </a:extLst>
+            </p:cNvPr>
+            <p:cNvSpPr/>
+            <p:nvPr/>
+          </p:nvSpPr>
+          <p:spPr>
+            <a:xfrm>
+              <a:off x="5152291" y="5187461"/>
+              <a:ext cx="659423" cy="272561"/>
+            </a:xfrm>
+            <a:prstGeom prst="ellipse">
+              <a:avLst/>
+            </a:prstGeom>
+            <a:noFill/>
+            <a:ln w="19050">
+              <a:solidFill>
+                <a:srgbClr val="FF0000"/>
+              </a:solidFill>
+            </a:ln>
+          </p:spPr>
+          <p:style>
+            <a:lnRef idx="2">
+              <a:schemeClr val="accent1">
+                <a:shade val="50000"/>
+              </a:schemeClr>
+            </a:lnRef>
+            <a:fillRef idx="1">
+              <a:schemeClr val="accent1"/>
+            </a:fillRef>
+            <a:effectRef idx="0">
+              <a:schemeClr val="accent1"/>
+            </a:effectRef>
+            <a:fontRef idx="minor">
+              <a:schemeClr val="lt1"/>
+            </a:fontRef>
+          </p:style>
+          <p:txBody>
+            <a:bodyPr rtlCol="0" anchor="ctr"/>
+            <a:lstStyle/>
+            <a:p>
+              <a:pPr algn="ctr"/>
+              <a:endParaRPr lang="ru-RU"/>
+            </a:p>
+          </p:txBody>
+        </p:sp>
+        <p:sp>
+          <p:nvSpPr>
+            <p:cNvPr id="42" name="Овал 2">
+              <a:extLst>
+                <a:ext uri="{FF2B5EF4-FFF2-40B4-BE49-F238E27FC236}">
+                  <a16:creationId xmlns:a16="http://schemas.microsoft.com/office/drawing/2014/main" id="{EDC90AE8-F68F-E827-F7BB-F61EBDB1B7CE}"/>
+                </a:ext>
+              </a:extLst>
+            </p:cNvPr>
+            <p:cNvSpPr/>
+            <p:nvPr/>
+          </p:nvSpPr>
+          <p:spPr>
+            <a:xfrm>
+              <a:off x="7007468" y="5187461"/>
+              <a:ext cx="659423" cy="272561"/>
+            </a:xfrm>
+            <a:prstGeom prst="ellipse">
+              <a:avLst/>
+            </a:prstGeom>
+            <a:noFill/>
+            <a:ln w="19050">
+              <a:solidFill>
+                <a:srgbClr val="FF0000"/>
+              </a:solidFill>
+            </a:ln>
+          </p:spPr>
+          <p:style>
+            <a:lnRef idx="2">
+              <a:schemeClr val="accent1">
+                <a:shade val="50000"/>
+              </a:schemeClr>
+            </a:lnRef>
+            <a:fillRef idx="1">
+              <a:schemeClr val="accent1"/>
+            </a:fillRef>
+            <a:effectRef idx="0">
+              <a:schemeClr val="accent1"/>
+            </a:effectRef>
+            <a:fontRef idx="minor">
+              <a:schemeClr val="lt1"/>
+            </a:fontRef>
+          </p:style>
+          <p:txBody>
+            <a:bodyPr rtlCol="0" anchor="ctr"/>
+            <a:lstStyle/>
+            <a:p>
+              <a:pPr algn="ctr"/>
+              <a:endParaRPr lang="ru-RU"/>
+            </a:p>
+          </p:txBody>
+        </p:sp>
+      </p:grpSp>
     </p:spTree>
     <p:extLst>
       <p:ext uri="{BB962C8B-B14F-4D97-AF65-F5344CB8AC3E}">
@@ -23337,7 +23596,9 @@
         <p:cxnSp>
           <p:nvCxnSpPr>
             <p:cNvPr id="78" name="Прямая со стрелкой 77"/>
-            <p:cNvCxnSpPr/>
+            <p:cNvCxnSpPr>
+              <a:cxnSpLocks/>
+            </p:cNvCxnSpPr>
             <p:nvPr/>
           </p:nvCxnSpPr>
           <p:spPr>

--- a/manual/Pictures 2.0.pptx
+++ b/manual/Pictures 2.0.pptx
@@ -30,7 +30,8 @@
     <p:sldId id="286" r:id="rId24"/>
     <p:sldId id="287" r:id="rId25"/>
     <p:sldId id="268" r:id="rId26"/>
-    <p:sldId id="269" r:id="rId27"/>
+    <p:sldId id="288" r:id="rId27"/>
+    <p:sldId id="269" r:id="rId28"/>
   </p:sldIdLst>
   <p:sldSz cx="9144000" cy="6858000" type="screen4x3"/>
   <p:notesSz cx="6858000" cy="9144000"/>
@@ -279,7 +280,7 @@
           <a:p>
             <a:fld id="{55465C39-D47E-4138-800A-7D6CA5F3257E}" type="datetimeFigureOut">
               <a:rPr lang="ru-RU" smtClean="0"/>
-              <a:t>05.11.2022</a:t>
+              <a:t>07.11.2022</a:t>
             </a:fld>
             <a:endParaRPr lang="ru-RU"/>
           </a:p>
@@ -449,7 +450,7 @@
           <a:p>
             <a:fld id="{55465C39-D47E-4138-800A-7D6CA5F3257E}" type="datetimeFigureOut">
               <a:rPr lang="ru-RU" smtClean="0"/>
-              <a:t>05.11.2022</a:t>
+              <a:t>07.11.2022</a:t>
             </a:fld>
             <a:endParaRPr lang="ru-RU"/>
           </a:p>
@@ -629,7 +630,7 @@
           <a:p>
             <a:fld id="{55465C39-D47E-4138-800A-7D6CA5F3257E}" type="datetimeFigureOut">
               <a:rPr lang="ru-RU" smtClean="0"/>
-              <a:t>05.11.2022</a:t>
+              <a:t>07.11.2022</a:t>
             </a:fld>
             <a:endParaRPr lang="ru-RU"/>
           </a:p>
@@ -799,7 +800,7 @@
           <a:p>
             <a:fld id="{55465C39-D47E-4138-800A-7D6CA5F3257E}" type="datetimeFigureOut">
               <a:rPr lang="ru-RU" smtClean="0"/>
-              <a:t>05.11.2022</a:t>
+              <a:t>07.11.2022</a:t>
             </a:fld>
             <a:endParaRPr lang="ru-RU"/>
           </a:p>
@@ -1043,7 +1044,7 @@
           <a:p>
             <a:fld id="{55465C39-D47E-4138-800A-7D6CA5F3257E}" type="datetimeFigureOut">
               <a:rPr lang="ru-RU" smtClean="0"/>
-              <a:t>05.11.2022</a:t>
+              <a:t>07.11.2022</a:t>
             </a:fld>
             <a:endParaRPr lang="ru-RU"/>
           </a:p>
@@ -1275,7 +1276,7 @@
           <a:p>
             <a:fld id="{55465C39-D47E-4138-800A-7D6CA5F3257E}" type="datetimeFigureOut">
               <a:rPr lang="ru-RU" smtClean="0"/>
-              <a:t>05.11.2022</a:t>
+              <a:t>07.11.2022</a:t>
             </a:fld>
             <a:endParaRPr lang="ru-RU"/>
           </a:p>
@@ -1642,7 +1643,7 @@
           <a:p>
             <a:fld id="{55465C39-D47E-4138-800A-7D6CA5F3257E}" type="datetimeFigureOut">
               <a:rPr lang="ru-RU" smtClean="0"/>
-              <a:t>05.11.2022</a:t>
+              <a:t>07.11.2022</a:t>
             </a:fld>
             <a:endParaRPr lang="ru-RU"/>
           </a:p>
@@ -1760,7 +1761,7 @@
           <a:p>
             <a:fld id="{55465C39-D47E-4138-800A-7D6CA5F3257E}" type="datetimeFigureOut">
               <a:rPr lang="ru-RU" smtClean="0"/>
-              <a:t>05.11.2022</a:t>
+              <a:t>07.11.2022</a:t>
             </a:fld>
             <a:endParaRPr lang="ru-RU"/>
           </a:p>
@@ -1855,7 +1856,7 @@
           <a:p>
             <a:fld id="{55465C39-D47E-4138-800A-7D6CA5F3257E}" type="datetimeFigureOut">
               <a:rPr lang="ru-RU" smtClean="0"/>
-              <a:t>05.11.2022</a:t>
+              <a:t>07.11.2022</a:t>
             </a:fld>
             <a:endParaRPr lang="ru-RU"/>
           </a:p>
@@ -2132,7 +2133,7 @@
           <a:p>
             <a:fld id="{55465C39-D47E-4138-800A-7D6CA5F3257E}" type="datetimeFigureOut">
               <a:rPr lang="ru-RU" smtClean="0"/>
-              <a:t>05.11.2022</a:t>
+              <a:t>07.11.2022</a:t>
             </a:fld>
             <a:endParaRPr lang="ru-RU"/>
           </a:p>
@@ -2389,7 +2390,7 @@
           <a:p>
             <a:fld id="{55465C39-D47E-4138-800A-7D6CA5F3257E}" type="datetimeFigureOut">
               <a:rPr lang="ru-RU" smtClean="0"/>
-              <a:t>05.11.2022</a:t>
+              <a:t>07.11.2022</a:t>
             </a:fld>
             <a:endParaRPr lang="ru-RU"/>
           </a:p>
@@ -2602,7 +2603,7 @@
           <a:p>
             <a:fld id="{55465C39-D47E-4138-800A-7D6CA5F3257E}" type="datetimeFigureOut">
               <a:rPr lang="ru-RU" smtClean="0"/>
-              <a:t>05.11.2022</a:t>
+              <a:t>07.11.2022</a:t>
             </a:fld>
             <a:endParaRPr lang="ru-RU"/>
           </a:p>
@@ -17692,6 +17693,144 @@
       </p:grpSpPr>
       <p:grpSp>
         <p:nvGrpSpPr>
+          <p:cNvPr id="6" name="Group 5">
+            <a:extLst>
+              <a:ext uri="{FF2B5EF4-FFF2-40B4-BE49-F238E27FC236}">
+                <a16:creationId xmlns:a16="http://schemas.microsoft.com/office/drawing/2014/main" id="{B8F7B21F-B130-760A-41CF-6BC74998C3A8}"/>
+              </a:ext>
+            </a:extLst>
+          </p:cNvPr>
+          <p:cNvGrpSpPr/>
+          <p:nvPr/>
+        </p:nvGrpSpPr>
+        <p:grpSpPr>
+          <a:xfrm>
+            <a:off x="1037146" y="4951809"/>
+            <a:ext cx="4895850" cy="1043305"/>
+            <a:chOff x="1037146" y="4951809"/>
+            <a:chExt cx="4895850" cy="1043305"/>
+          </a:xfrm>
+        </p:grpSpPr>
+        <p:pic>
+          <p:nvPicPr>
+            <p:cNvPr id="4" name="Picture 3" descr="Graphical user interface, application&#10;&#10;Description automatically generated">
+              <a:extLst>
+                <a:ext uri="{FF2B5EF4-FFF2-40B4-BE49-F238E27FC236}">
+                  <a16:creationId xmlns:a16="http://schemas.microsoft.com/office/drawing/2014/main" id="{C5FC4235-632A-2818-1959-4B6C87D2D92F}"/>
+                </a:ext>
+              </a:extLst>
+            </p:cNvPr>
+            <p:cNvPicPr>
+              <a:picLocks noChangeAspect="1"/>
+            </p:cNvPicPr>
+            <p:nvPr/>
+          </p:nvPicPr>
+          <p:blipFill rotWithShape="1">
+            <a:blip r:embed="rId2">
+              <a:extLst>
+                <a:ext uri="{28A0092B-C50C-407E-A947-70E740481C1C}">
+                  <a14:useLocalDpi xmlns:a14="http://schemas.microsoft.com/office/drawing/2010/main" val="0"/>
+                </a:ext>
+              </a:extLst>
+            </a:blip>
+            <a:srcRect t="20134" b="64255"/>
+            <a:stretch/>
+          </p:blipFill>
+          <p:spPr>
+            <a:xfrm>
+              <a:off x="1037146" y="4951809"/>
+              <a:ext cx="4895850" cy="1043305"/>
+            </a:xfrm>
+            <a:prstGeom prst="rect">
+              <a:avLst/>
+            </a:prstGeom>
+          </p:spPr>
+        </p:pic>
+        <p:sp>
+          <p:nvSpPr>
+            <p:cNvPr id="5" name="Овал 2">
+              <a:extLst>
+                <a:ext uri="{FF2B5EF4-FFF2-40B4-BE49-F238E27FC236}">
+                  <a16:creationId xmlns:a16="http://schemas.microsoft.com/office/drawing/2014/main" id="{152595A9-A94B-D5BE-C4C2-EB0D7F1E4CE1}"/>
+                </a:ext>
+              </a:extLst>
+            </p:cNvPr>
+            <p:cNvSpPr/>
+            <p:nvPr/>
+          </p:nvSpPr>
+          <p:spPr>
+            <a:xfrm>
+              <a:off x="3950898" y="5608464"/>
+              <a:ext cx="1138687" cy="327660"/>
+            </a:xfrm>
+            <a:prstGeom prst="ellipse">
+              <a:avLst/>
+            </a:prstGeom>
+            <a:noFill/>
+            <a:ln w="19050">
+              <a:solidFill>
+                <a:srgbClr val="FF0000"/>
+              </a:solidFill>
+            </a:ln>
+          </p:spPr>
+          <p:style>
+            <a:lnRef idx="2">
+              <a:schemeClr val="accent1">
+                <a:shade val="50000"/>
+              </a:schemeClr>
+            </a:lnRef>
+            <a:fillRef idx="1">
+              <a:schemeClr val="accent1"/>
+            </a:fillRef>
+            <a:effectRef idx="0">
+              <a:schemeClr val="accent1"/>
+            </a:effectRef>
+            <a:fontRef idx="minor">
+              <a:schemeClr val="lt1"/>
+            </a:fontRef>
+          </p:style>
+          <p:txBody>
+            <a:bodyPr rtlCol="0" anchor="ctr"/>
+            <a:lstStyle/>
+            <a:p>
+              <a:pPr algn="ctr"/>
+              <a:endParaRPr lang="ru-RU"/>
+            </a:p>
+          </p:txBody>
+        </p:sp>
+      </p:grpSp>
+    </p:spTree>
+    <p:extLst>
+      <p:ext uri="{BB962C8B-B14F-4D97-AF65-F5344CB8AC3E}">
+        <p14:creationId xmlns:p14="http://schemas.microsoft.com/office/powerpoint/2010/main" val="749005968"/>
+      </p:ext>
+    </p:extLst>
+  </p:cSld>
+  <p:clrMapOvr>
+    <a:masterClrMapping/>
+  </p:clrMapOvr>
+</p:sld>
+</file>
+
+<file path=ppt/slides/slide27.xml><?xml version="1.0" encoding="utf-8"?>
+<p:sld xmlns:a="http://schemas.openxmlformats.org/drawingml/2006/main" xmlns:r="http://schemas.openxmlformats.org/officeDocument/2006/relationships" xmlns:p="http://schemas.openxmlformats.org/presentationml/2006/main">
+  <p:cSld>
+    <p:spTree>
+      <p:nvGrpSpPr>
+        <p:cNvPr id="1" name=""/>
+        <p:cNvGrpSpPr/>
+        <p:nvPr/>
+      </p:nvGrpSpPr>
+      <p:grpSpPr>
+        <a:xfrm>
+          <a:off x="0" y="0"/>
+          <a:ext cx="0" cy="0"/>
+          <a:chOff x="0" y="0"/>
+          <a:chExt cx="0" cy="0"/>
+        </a:xfrm>
+      </p:grpSpPr>
+      <p:grpSp>
+        <p:nvGrpSpPr>
           <p:cNvPr id="63" name="Группа 62"/>
           <p:cNvGrpSpPr/>
           <p:nvPr/>

--- a/manual/Pictures 2.0.pptx
+++ b/manual/Pictures 2.0.pptx
@@ -17705,7 +17705,7 @@
         </p:nvGrpSpPr>
         <p:grpSpPr>
           <a:xfrm>
-            <a:off x="1037146" y="4951809"/>
+            <a:off x="588573" y="5460768"/>
             <a:ext cx="4895850" cy="1043305"/>
             <a:chOff x="1037146" y="4951809"/>
             <a:chExt cx="4895850" cy="1043305"/>
@@ -17762,6 +17762,109 @@
             <a:xfrm>
               <a:off x="3950898" y="5608464"/>
               <a:ext cx="1138687" cy="327660"/>
+            </a:xfrm>
+            <a:prstGeom prst="ellipse">
+              <a:avLst/>
+            </a:prstGeom>
+            <a:noFill/>
+            <a:ln w="19050">
+              <a:solidFill>
+                <a:srgbClr val="FF0000"/>
+              </a:solidFill>
+            </a:ln>
+          </p:spPr>
+          <p:style>
+            <a:lnRef idx="2">
+              <a:schemeClr val="accent1">
+                <a:shade val="50000"/>
+              </a:schemeClr>
+            </a:lnRef>
+            <a:fillRef idx="1">
+              <a:schemeClr val="accent1"/>
+            </a:fillRef>
+            <a:effectRef idx="0">
+              <a:schemeClr val="accent1"/>
+            </a:effectRef>
+            <a:fontRef idx="minor">
+              <a:schemeClr val="lt1"/>
+            </a:fontRef>
+          </p:style>
+          <p:txBody>
+            <a:bodyPr rtlCol="0" anchor="ctr"/>
+            <a:lstStyle/>
+            <a:p>
+              <a:pPr algn="ctr"/>
+              <a:endParaRPr lang="ru-RU"/>
+            </a:p>
+          </p:txBody>
+        </p:sp>
+      </p:grpSp>
+      <p:grpSp>
+        <p:nvGrpSpPr>
+          <p:cNvPr id="10" name="Group 9">
+            <a:extLst>
+              <a:ext uri="{FF2B5EF4-FFF2-40B4-BE49-F238E27FC236}">
+                <a16:creationId xmlns:a16="http://schemas.microsoft.com/office/drawing/2014/main" id="{8257FDF4-752C-9179-C095-5B56DEA639A2}"/>
+              </a:ext>
+            </a:extLst>
+          </p:cNvPr>
+          <p:cNvGrpSpPr/>
+          <p:nvPr/>
+        </p:nvGrpSpPr>
+        <p:grpSpPr>
+          <a:xfrm>
+            <a:off x="144043" y="560716"/>
+            <a:ext cx="8924925" cy="4114800"/>
+            <a:chOff x="144043" y="560716"/>
+            <a:chExt cx="8924925" cy="4114800"/>
+          </a:xfrm>
+        </p:grpSpPr>
+        <p:pic>
+          <p:nvPicPr>
+            <p:cNvPr id="8" name="Picture 7">
+              <a:extLst>
+                <a:ext uri="{FF2B5EF4-FFF2-40B4-BE49-F238E27FC236}">
+                  <a16:creationId xmlns:a16="http://schemas.microsoft.com/office/drawing/2014/main" id="{C506C6C0-63A8-7157-2BD9-172D5CE4EC4C}"/>
+                </a:ext>
+              </a:extLst>
+            </p:cNvPr>
+            <p:cNvPicPr>
+              <a:picLocks noChangeAspect="1"/>
+            </p:cNvPicPr>
+            <p:nvPr/>
+          </p:nvPicPr>
+          <p:blipFill>
+            <a:blip r:embed="rId3"/>
+            <a:stretch>
+              <a:fillRect/>
+            </a:stretch>
+          </p:blipFill>
+          <p:spPr>
+            <a:xfrm>
+              <a:off x="144043" y="560716"/>
+              <a:ext cx="8924925" cy="4114800"/>
+            </a:xfrm>
+            <a:prstGeom prst="rect">
+              <a:avLst/>
+            </a:prstGeom>
+          </p:spPr>
+        </p:pic>
+        <p:sp>
+          <p:nvSpPr>
+            <p:cNvPr id="9" name="Овал 2">
+              <a:extLst>
+                <a:ext uri="{FF2B5EF4-FFF2-40B4-BE49-F238E27FC236}">
+                  <a16:creationId xmlns:a16="http://schemas.microsoft.com/office/drawing/2014/main" id="{51816316-D90F-1415-1AD0-11F51C2E3945}"/>
+                </a:ext>
+              </a:extLst>
+            </p:cNvPr>
+            <p:cNvSpPr/>
+            <p:nvPr/>
+          </p:nvSpPr>
+          <p:spPr>
+            <a:xfrm>
+              <a:off x="1863306" y="4294374"/>
+              <a:ext cx="638354" cy="327660"/>
             </a:xfrm>
             <a:prstGeom prst="ellipse">
               <a:avLst/>

--- a/manual/Pictures 2.0.pptx
+++ b/manual/Pictures 2.0.pptx
@@ -280,7 +280,7 @@
           <a:p>
             <a:fld id="{55465C39-D47E-4138-800A-7D6CA5F3257E}" type="datetimeFigureOut">
               <a:rPr lang="ru-RU" smtClean="0"/>
-              <a:t>07.11.2022</a:t>
+              <a:t>09.11.2022</a:t>
             </a:fld>
             <a:endParaRPr lang="ru-RU"/>
           </a:p>
@@ -450,7 +450,7 @@
           <a:p>
             <a:fld id="{55465C39-D47E-4138-800A-7D6CA5F3257E}" type="datetimeFigureOut">
               <a:rPr lang="ru-RU" smtClean="0"/>
-              <a:t>07.11.2022</a:t>
+              <a:t>09.11.2022</a:t>
             </a:fld>
             <a:endParaRPr lang="ru-RU"/>
           </a:p>
@@ -630,7 +630,7 @@
           <a:p>
             <a:fld id="{55465C39-D47E-4138-800A-7D6CA5F3257E}" type="datetimeFigureOut">
               <a:rPr lang="ru-RU" smtClean="0"/>
-              <a:t>07.11.2022</a:t>
+              <a:t>09.11.2022</a:t>
             </a:fld>
             <a:endParaRPr lang="ru-RU"/>
           </a:p>
@@ -800,7 +800,7 @@
           <a:p>
             <a:fld id="{55465C39-D47E-4138-800A-7D6CA5F3257E}" type="datetimeFigureOut">
               <a:rPr lang="ru-RU" smtClean="0"/>
-              <a:t>07.11.2022</a:t>
+              <a:t>09.11.2022</a:t>
             </a:fld>
             <a:endParaRPr lang="ru-RU"/>
           </a:p>
@@ -1044,7 +1044,7 @@
           <a:p>
             <a:fld id="{55465C39-D47E-4138-800A-7D6CA5F3257E}" type="datetimeFigureOut">
               <a:rPr lang="ru-RU" smtClean="0"/>
-              <a:t>07.11.2022</a:t>
+              <a:t>09.11.2022</a:t>
             </a:fld>
             <a:endParaRPr lang="ru-RU"/>
           </a:p>
@@ -1276,7 +1276,7 @@
           <a:p>
             <a:fld id="{55465C39-D47E-4138-800A-7D6CA5F3257E}" type="datetimeFigureOut">
               <a:rPr lang="ru-RU" smtClean="0"/>
-              <a:t>07.11.2022</a:t>
+              <a:t>09.11.2022</a:t>
             </a:fld>
             <a:endParaRPr lang="ru-RU"/>
           </a:p>
@@ -1643,7 +1643,7 @@
           <a:p>
             <a:fld id="{55465C39-D47E-4138-800A-7D6CA5F3257E}" type="datetimeFigureOut">
               <a:rPr lang="ru-RU" smtClean="0"/>
-              <a:t>07.11.2022</a:t>
+              <a:t>09.11.2022</a:t>
             </a:fld>
             <a:endParaRPr lang="ru-RU"/>
           </a:p>
@@ -1761,7 +1761,7 @@
           <a:p>
             <a:fld id="{55465C39-D47E-4138-800A-7D6CA5F3257E}" type="datetimeFigureOut">
               <a:rPr lang="ru-RU" smtClean="0"/>
-              <a:t>07.11.2022</a:t>
+              <a:t>09.11.2022</a:t>
             </a:fld>
             <a:endParaRPr lang="ru-RU"/>
           </a:p>
@@ -1856,7 +1856,7 @@
           <a:p>
             <a:fld id="{55465C39-D47E-4138-800A-7D6CA5F3257E}" type="datetimeFigureOut">
               <a:rPr lang="ru-RU" smtClean="0"/>
-              <a:t>07.11.2022</a:t>
+              <a:t>09.11.2022</a:t>
             </a:fld>
             <a:endParaRPr lang="ru-RU"/>
           </a:p>
@@ -2133,7 +2133,7 @@
           <a:p>
             <a:fld id="{55465C39-D47E-4138-800A-7D6CA5F3257E}" type="datetimeFigureOut">
               <a:rPr lang="ru-RU" smtClean="0"/>
-              <a:t>07.11.2022</a:t>
+              <a:t>09.11.2022</a:t>
             </a:fld>
             <a:endParaRPr lang="ru-RU"/>
           </a:p>
@@ -2390,7 +2390,7 @@
           <a:p>
             <a:fld id="{55465C39-D47E-4138-800A-7D6CA5F3257E}" type="datetimeFigureOut">
               <a:rPr lang="ru-RU" smtClean="0"/>
-              <a:t>07.11.2022</a:t>
+              <a:t>09.11.2022</a:t>
             </a:fld>
             <a:endParaRPr lang="ru-RU"/>
           </a:p>
@@ -2603,7 +2603,7 @@
           <a:p>
             <a:fld id="{55465C39-D47E-4138-800A-7D6CA5F3257E}" type="datetimeFigureOut">
               <a:rPr lang="ru-RU" smtClean="0"/>
-              <a:t>07.11.2022</a:t>
+              <a:t>09.11.2022</a:t>
             </a:fld>
             <a:endParaRPr lang="ru-RU"/>
           </a:p>
@@ -12505,7 +12505,13 @@
                     <p:embed/>
                     <p:pic>
                       <p:nvPicPr>
-                        <p:cNvPr id="0" name=""/>
+                        <p:cNvPr id="11" name="Object 10">
+                          <a:extLst>
+                            <a:ext uri="{FF2B5EF4-FFF2-40B4-BE49-F238E27FC236}">
+                              <a16:creationId xmlns:a16="http://schemas.microsoft.com/office/drawing/2014/main" id="{61734494-B75B-40C1-0CCE-A89B8EA29435}"/>
+                            </a:ext>
+                          </a:extLst>
+                        </p:cNvPr>
                         <p:cNvPicPr/>
                         <p:nvPr/>
                       </p:nvPicPr>
@@ -12641,7 +12647,13 @@
                     <p:embed/>
                     <p:pic>
                       <p:nvPicPr>
-                        <p:cNvPr id="0" name=""/>
+                        <p:cNvPr id="14" name="Object 13">
+                          <a:extLst>
+                            <a:ext uri="{FF2B5EF4-FFF2-40B4-BE49-F238E27FC236}">
+                              <a16:creationId xmlns:a16="http://schemas.microsoft.com/office/drawing/2014/main" id="{6F39115B-FD5B-4C5D-FEFC-7AFF06DE6573}"/>
+                            </a:ext>
+                          </a:extLst>
+                        </p:cNvPr>
                         <p:cNvPicPr/>
                         <p:nvPr/>
                       </p:nvPicPr>
@@ -12777,7 +12789,13 @@
                     <p:embed/>
                     <p:pic>
                       <p:nvPicPr>
-                        <p:cNvPr id="0" name=""/>
+                        <p:cNvPr id="17" name="Object 16">
+                          <a:extLst>
+                            <a:ext uri="{FF2B5EF4-FFF2-40B4-BE49-F238E27FC236}">
+                              <a16:creationId xmlns:a16="http://schemas.microsoft.com/office/drawing/2014/main" id="{2892E8B8-8A53-557F-57CC-FE6FC71705A3}"/>
+                            </a:ext>
+                          </a:extLst>
+                        </p:cNvPr>
                         <p:cNvPicPr/>
                         <p:nvPr/>
                       </p:nvPicPr>
@@ -12913,7 +12931,13 @@
                     <p:embed/>
                     <p:pic>
                       <p:nvPicPr>
-                        <p:cNvPr id="0" name=""/>
+                        <p:cNvPr id="21" name="Object 20">
+                          <a:extLst>
+                            <a:ext uri="{FF2B5EF4-FFF2-40B4-BE49-F238E27FC236}">
+                              <a16:creationId xmlns:a16="http://schemas.microsoft.com/office/drawing/2014/main" id="{2E2C0B60-319F-B687-5A1F-B11EE131FA01}"/>
+                            </a:ext>
+                          </a:extLst>
+                        </p:cNvPr>
                         <p:cNvPicPr/>
                         <p:nvPr/>
                       </p:nvPicPr>
@@ -13326,10 +13350,10 @@
                     <p:embed/>
                     <p:pic>
                       <p:nvPicPr>
-                        <p:cNvPr id="13" name="Object 12">
+                        <p:cNvPr id="3" name="Object 2">
                           <a:extLst>
                             <a:ext uri="{FF2B5EF4-FFF2-40B4-BE49-F238E27FC236}">
-                              <a16:creationId xmlns:a16="http://schemas.microsoft.com/office/drawing/2014/main" id="{5366CF25-8B02-37D2-6936-5352BFF2EA85}"/>
+                              <a16:creationId xmlns:a16="http://schemas.microsoft.com/office/drawing/2014/main" id="{6BD11B9D-2658-872D-0DDA-9D92555B604B}"/>
                             </a:ext>
                           </a:extLst>
                         </p:cNvPr>
@@ -17870,7 +17894,7 @@
               <a:avLst/>
             </a:prstGeom>
             <a:noFill/>
-            <a:ln w="19050">
+            <a:ln w="28575">
               <a:solidFill>
                 <a:srgbClr val="FF0000"/>
               </a:solidFill>
@@ -18556,7 +18580,7 @@
                     <p:embed/>
                     <p:pic>
                       <p:nvPicPr>
-                        <p:cNvPr id="64" name="Объект 63"/>
+                        <p:cNvPr id="21" name="Объект 20"/>
                         <p:cNvPicPr/>
                         <p:nvPr/>
                       </p:nvPicPr>
@@ -18613,7 +18637,7 @@
                     <p:embed/>
                     <p:pic>
                       <p:nvPicPr>
-                        <p:cNvPr id="65" name="Объект 64"/>
+                        <p:cNvPr id="22" name="Объект 21"/>
                         <p:cNvPicPr/>
                         <p:nvPr/>
                       </p:nvPicPr>
@@ -18670,7 +18694,7 @@
                     <p:embed/>
                     <p:pic>
                       <p:nvPicPr>
-                        <p:cNvPr id="66" name="Объект 65"/>
+                        <p:cNvPr id="23" name="Объект 22"/>
                         <p:cNvPicPr/>
                         <p:nvPr/>
                       </p:nvPicPr>
@@ -18727,7 +18751,7 @@
                     <p:embed/>
                     <p:pic>
                       <p:nvPicPr>
-                        <p:cNvPr id="67" name="Объект 66"/>
+                        <p:cNvPr id="24" name="Объект 23"/>
                         <p:cNvPicPr/>
                         <p:nvPr/>
                       </p:nvPicPr>
@@ -18784,7 +18808,7 @@
                     <p:embed/>
                     <p:pic>
                       <p:nvPicPr>
-                        <p:cNvPr id="68" name="Объект 67"/>
+                        <p:cNvPr id="25" name="Объект 24"/>
                         <p:cNvPicPr/>
                         <p:nvPr/>
                       </p:nvPicPr>
@@ -18841,7 +18865,7 @@
                     <p:embed/>
                     <p:pic>
                       <p:nvPicPr>
-                        <p:cNvPr id="69" name="Объект 68"/>
+                        <p:cNvPr id="26" name="Объект 25"/>
                         <p:cNvPicPr/>
                         <p:nvPr/>
                       </p:nvPicPr>
@@ -18898,7 +18922,7 @@
                     <p:embed/>
                     <p:pic>
                       <p:nvPicPr>
-                        <p:cNvPr id="70" name="Объект 69"/>
+                        <p:cNvPr id="27" name="Объект 26"/>
                         <p:cNvPicPr/>
                         <p:nvPr/>
                       </p:nvPicPr>
@@ -18955,7 +18979,7 @@
                     <p:embed/>
                     <p:pic>
                       <p:nvPicPr>
-                        <p:cNvPr id="71" name="Объект 70"/>
+                        <p:cNvPr id="28" name="Объект 27"/>
                         <p:cNvPicPr/>
                         <p:nvPr/>
                       </p:nvPicPr>
@@ -19012,7 +19036,7 @@
                     <p:embed/>
                     <p:pic>
                       <p:nvPicPr>
-                        <p:cNvPr id="82" name="Объект 81"/>
+                        <p:cNvPr id="29" name="Объект 28"/>
                         <p:cNvPicPr/>
                         <p:nvPr/>
                       </p:nvPicPr>
@@ -19069,7 +19093,7 @@
                     <p:embed/>
                     <p:pic>
                       <p:nvPicPr>
-                        <p:cNvPr id="83" name="Объект 82"/>
+                        <p:cNvPr id="30" name="Объект 29"/>
                         <p:cNvPicPr/>
                         <p:nvPr/>
                       </p:nvPicPr>
@@ -19318,7 +19342,7 @@
                     <p:embed/>
                     <p:pic>
                       <p:nvPicPr>
-                        <p:cNvPr id="93" name="Объект 92"/>
+                        <p:cNvPr id="35" name="Объект 34"/>
                         <p:cNvPicPr/>
                         <p:nvPr/>
                       </p:nvPicPr>
@@ -19375,7 +19399,7 @@
                     <p:embed/>
                     <p:pic>
                       <p:nvPicPr>
-                        <p:cNvPr id="94" name="Объект 93"/>
+                        <p:cNvPr id="36" name="Объект 35"/>
                         <p:cNvPicPr/>
                         <p:nvPr/>
                       </p:nvPicPr>
@@ -19787,7 +19811,7 @@
                     <p:embed/>
                     <p:pic>
                       <p:nvPicPr>
-                        <p:cNvPr id="100" name="Объект 99"/>
+                        <p:cNvPr id="47" name="Объект 46"/>
                         <p:cNvPicPr/>
                         <p:nvPr/>
                       </p:nvPicPr>
@@ -19933,7 +19957,7 @@
                     <p:embed/>
                     <p:pic>
                       <p:nvPicPr>
-                        <p:cNvPr id="101" name="Объект 100"/>
+                        <p:cNvPr id="50" name="Объект 49"/>
                         <p:cNvPicPr/>
                         <p:nvPr/>
                       </p:nvPicPr>
@@ -20068,7 +20092,7 @@
                     <p:embed/>
                     <p:pic>
                       <p:nvPicPr>
-                        <p:cNvPr id="105" name="Объект 104"/>
+                        <p:cNvPr id="53" name="Объект 52"/>
                         <p:cNvPicPr/>
                         <p:nvPr/>
                       </p:nvPicPr>
@@ -20347,7 +20371,7 @@
                     <p:embed/>
                     <p:pic>
                       <p:nvPicPr>
-                        <p:cNvPr id="113" name="Объект 112"/>
+                        <p:cNvPr id="59" name="Объект 58"/>
                         <p:cNvPicPr/>
                         <p:nvPr/>
                       </p:nvPicPr>
@@ -21142,7 +21166,7 @@
                     <p:embed/>
                     <p:pic>
                       <p:nvPicPr>
-                        <p:cNvPr id="21" name="Объект 20"/>
+                        <p:cNvPr id="81" name="Объект 80"/>
                         <p:cNvPicPr/>
                         <p:nvPr/>
                       </p:nvPicPr>
@@ -21199,7 +21223,7 @@
                     <p:embed/>
                     <p:pic>
                       <p:nvPicPr>
-                        <p:cNvPr id="22" name="Объект 21"/>
+                        <p:cNvPr id="82" name="Объект 81"/>
                         <p:cNvPicPr/>
                         <p:nvPr/>
                       </p:nvPicPr>
@@ -21256,7 +21280,7 @@
                     <p:embed/>
                     <p:pic>
                       <p:nvPicPr>
-                        <p:cNvPr id="23" name="Объект 22"/>
+                        <p:cNvPr id="83" name="Объект 82"/>
                         <p:cNvPicPr/>
                         <p:nvPr/>
                       </p:nvPicPr>
@@ -21313,7 +21337,7 @@
                     <p:embed/>
                     <p:pic>
                       <p:nvPicPr>
-                        <p:cNvPr id="24" name="Объект 23"/>
+                        <p:cNvPr id="84" name="Объект 83"/>
                         <p:cNvPicPr/>
                         <p:nvPr/>
                       </p:nvPicPr>
@@ -21370,7 +21394,7 @@
                     <p:embed/>
                     <p:pic>
                       <p:nvPicPr>
-                        <p:cNvPr id="25" name="Объект 24"/>
+                        <p:cNvPr id="85" name="Объект 84"/>
                         <p:cNvPicPr/>
                         <p:nvPr/>
                       </p:nvPicPr>
@@ -21427,7 +21451,7 @@
                     <p:embed/>
                     <p:pic>
                       <p:nvPicPr>
-                        <p:cNvPr id="26" name="Объект 25"/>
+                        <p:cNvPr id="86" name="Объект 85"/>
                         <p:cNvPicPr/>
                         <p:nvPr/>
                       </p:nvPicPr>
@@ -21484,7 +21508,7 @@
                     <p:embed/>
                     <p:pic>
                       <p:nvPicPr>
-                        <p:cNvPr id="27" name="Объект 26"/>
+                        <p:cNvPr id="87" name="Объект 86"/>
                         <p:cNvPicPr/>
                         <p:nvPr/>
                       </p:nvPicPr>
@@ -21541,7 +21565,7 @@
                     <p:embed/>
                     <p:pic>
                       <p:nvPicPr>
-                        <p:cNvPr id="28" name="Объект 27"/>
+                        <p:cNvPr id="88" name="Объект 87"/>
                         <p:cNvPicPr/>
                         <p:nvPr/>
                       </p:nvPicPr>
@@ -21598,7 +21622,7 @@
                     <p:embed/>
                     <p:pic>
                       <p:nvPicPr>
-                        <p:cNvPr id="29" name="Объект 28"/>
+                        <p:cNvPr id="89" name="Объект 88"/>
                         <p:cNvPicPr/>
                         <p:nvPr/>
                       </p:nvPicPr>
@@ -21655,7 +21679,7 @@
                     <p:embed/>
                     <p:pic>
                       <p:nvPicPr>
-                        <p:cNvPr id="30" name="Объект 29"/>
+                        <p:cNvPr id="90" name="Объект 89"/>
                         <p:cNvPicPr/>
                         <p:nvPr/>
                       </p:nvPicPr>
@@ -21904,7 +21928,7 @@
                     <p:embed/>
                     <p:pic>
                       <p:nvPicPr>
-                        <p:cNvPr id="35" name="Объект 34"/>
+                        <p:cNvPr id="95" name="Объект 94"/>
                         <p:cNvPicPr/>
                         <p:nvPr/>
                       </p:nvPicPr>
@@ -21961,7 +21985,7 @@
                     <p:embed/>
                     <p:pic>
                       <p:nvPicPr>
-                        <p:cNvPr id="36" name="Объект 35"/>
+                        <p:cNvPr id="96" name="Объект 95"/>
                         <p:cNvPicPr/>
                         <p:nvPr/>
                       </p:nvPicPr>
@@ -22373,7 +22397,7 @@
                     <p:embed/>
                     <p:pic>
                       <p:nvPicPr>
-                        <p:cNvPr id="47" name="Объект 46"/>
+                        <p:cNvPr id="107" name="Объект 106"/>
                         <p:cNvPicPr/>
                         <p:nvPr/>
                       </p:nvPicPr>
@@ -22526,7 +22550,7 @@
                     <p:embed/>
                     <p:pic>
                       <p:nvPicPr>
-                        <p:cNvPr id="50" name="Объект 49"/>
+                        <p:cNvPr id="110" name="Объект 109"/>
                         <p:cNvPicPr/>
                         <p:nvPr/>
                       </p:nvPicPr>
@@ -22665,7 +22689,7 @@
                     <p:embed/>
                     <p:pic>
                       <p:nvPicPr>
-                        <p:cNvPr id="53" name="Объект 52"/>
+                        <p:cNvPr id="113" name="Объект 112"/>
                         <p:cNvPicPr/>
                         <p:nvPr/>
                       </p:nvPicPr>
@@ -22948,7 +22972,7 @@
                     <p:embed/>
                     <p:pic>
                       <p:nvPicPr>
-                        <p:cNvPr id="59" name="Объект 58"/>
+                        <p:cNvPr id="119" name="Объект 118"/>
                         <p:cNvPicPr/>
                         <p:nvPr/>
                       </p:nvPicPr>

--- a/manual/Pictures 2.0.pptx
+++ b/manual/Pictures 2.0.pptx
@@ -280,7 +280,7 @@
           <a:p>
             <a:fld id="{55465C39-D47E-4138-800A-7D6CA5F3257E}" type="datetimeFigureOut">
               <a:rPr lang="ru-RU" smtClean="0"/>
-              <a:t>09.11.2022</a:t>
+              <a:t>12.11.2022</a:t>
             </a:fld>
             <a:endParaRPr lang="ru-RU"/>
           </a:p>
@@ -450,7 +450,7 @@
           <a:p>
             <a:fld id="{55465C39-D47E-4138-800A-7D6CA5F3257E}" type="datetimeFigureOut">
               <a:rPr lang="ru-RU" smtClean="0"/>
-              <a:t>09.11.2022</a:t>
+              <a:t>12.11.2022</a:t>
             </a:fld>
             <a:endParaRPr lang="ru-RU"/>
           </a:p>
@@ -630,7 +630,7 @@
           <a:p>
             <a:fld id="{55465C39-D47E-4138-800A-7D6CA5F3257E}" type="datetimeFigureOut">
               <a:rPr lang="ru-RU" smtClean="0"/>
-              <a:t>09.11.2022</a:t>
+              <a:t>12.11.2022</a:t>
             </a:fld>
             <a:endParaRPr lang="ru-RU"/>
           </a:p>
@@ -800,7 +800,7 @@
           <a:p>
             <a:fld id="{55465C39-D47E-4138-800A-7D6CA5F3257E}" type="datetimeFigureOut">
               <a:rPr lang="ru-RU" smtClean="0"/>
-              <a:t>09.11.2022</a:t>
+              <a:t>12.11.2022</a:t>
             </a:fld>
             <a:endParaRPr lang="ru-RU"/>
           </a:p>
@@ -1044,7 +1044,7 @@
           <a:p>
             <a:fld id="{55465C39-D47E-4138-800A-7D6CA5F3257E}" type="datetimeFigureOut">
               <a:rPr lang="ru-RU" smtClean="0"/>
-              <a:t>09.11.2022</a:t>
+              <a:t>12.11.2022</a:t>
             </a:fld>
             <a:endParaRPr lang="ru-RU"/>
           </a:p>
@@ -1276,7 +1276,7 @@
           <a:p>
             <a:fld id="{55465C39-D47E-4138-800A-7D6CA5F3257E}" type="datetimeFigureOut">
               <a:rPr lang="ru-RU" smtClean="0"/>
-              <a:t>09.11.2022</a:t>
+              <a:t>12.11.2022</a:t>
             </a:fld>
             <a:endParaRPr lang="ru-RU"/>
           </a:p>
@@ -1643,7 +1643,7 @@
           <a:p>
             <a:fld id="{55465C39-D47E-4138-800A-7D6CA5F3257E}" type="datetimeFigureOut">
               <a:rPr lang="ru-RU" smtClean="0"/>
-              <a:t>09.11.2022</a:t>
+              <a:t>12.11.2022</a:t>
             </a:fld>
             <a:endParaRPr lang="ru-RU"/>
           </a:p>
@@ -1761,7 +1761,7 @@
           <a:p>
             <a:fld id="{55465C39-D47E-4138-800A-7D6CA5F3257E}" type="datetimeFigureOut">
               <a:rPr lang="ru-RU" smtClean="0"/>
-              <a:t>09.11.2022</a:t>
+              <a:t>12.11.2022</a:t>
             </a:fld>
             <a:endParaRPr lang="ru-RU"/>
           </a:p>
@@ -1856,7 +1856,7 @@
           <a:p>
             <a:fld id="{55465C39-D47E-4138-800A-7D6CA5F3257E}" type="datetimeFigureOut">
               <a:rPr lang="ru-RU" smtClean="0"/>
-              <a:t>09.11.2022</a:t>
+              <a:t>12.11.2022</a:t>
             </a:fld>
             <a:endParaRPr lang="ru-RU"/>
           </a:p>
@@ -2133,7 +2133,7 @@
           <a:p>
             <a:fld id="{55465C39-D47E-4138-800A-7D6CA5F3257E}" type="datetimeFigureOut">
               <a:rPr lang="ru-RU" smtClean="0"/>
-              <a:t>09.11.2022</a:t>
+              <a:t>12.11.2022</a:t>
             </a:fld>
             <a:endParaRPr lang="ru-RU"/>
           </a:p>
@@ -2390,7 +2390,7 @@
           <a:p>
             <a:fld id="{55465C39-D47E-4138-800A-7D6CA5F3257E}" type="datetimeFigureOut">
               <a:rPr lang="ru-RU" smtClean="0"/>
-              <a:t>09.11.2022</a:t>
+              <a:t>12.11.2022</a:t>
             </a:fld>
             <a:endParaRPr lang="ru-RU"/>
           </a:p>
@@ -2603,7 +2603,7 @@
           <a:p>
             <a:fld id="{55465C39-D47E-4138-800A-7D6CA5F3257E}" type="datetimeFigureOut">
               <a:rPr lang="ru-RU" smtClean="0"/>
-              <a:t>09.11.2022</a:t>
+              <a:t>12.11.2022</a:t>
             </a:fld>
             <a:endParaRPr lang="ru-RU"/>
           </a:p>
@@ -17608,7 +17608,7 @@
         </p:nvGrpSpPr>
         <p:grpSpPr>
           <a:xfrm>
-            <a:off x="2141220" y="919162"/>
+            <a:off x="0" y="-72875"/>
             <a:ext cx="4635817" cy="5019675"/>
             <a:chOff x="2141220" y="919162"/>
             <a:chExt cx="4635817" cy="5019675"/>
@@ -17648,6 +17648,1043 @@
             <a:xfrm>
               <a:off x="2141220" y="2537460"/>
               <a:ext cx="1973580" cy="327660"/>
+            </a:xfrm>
+            <a:prstGeom prst="ellipse">
+              <a:avLst/>
+            </a:prstGeom>
+            <a:noFill/>
+            <a:ln w="19050">
+              <a:solidFill>
+                <a:srgbClr val="FF0000"/>
+              </a:solidFill>
+            </a:ln>
+          </p:spPr>
+          <p:style>
+            <a:lnRef idx="2">
+              <a:schemeClr val="accent1">
+                <a:shade val="50000"/>
+              </a:schemeClr>
+            </a:lnRef>
+            <a:fillRef idx="1">
+              <a:schemeClr val="accent1"/>
+            </a:fillRef>
+            <a:effectRef idx="0">
+              <a:schemeClr val="accent1"/>
+            </a:effectRef>
+            <a:fontRef idx="minor">
+              <a:schemeClr val="lt1"/>
+            </a:fontRef>
+          </p:style>
+          <p:txBody>
+            <a:bodyPr rtlCol="0" anchor="ctr"/>
+            <a:lstStyle/>
+            <a:p>
+              <a:pPr algn="ctr"/>
+              <a:endParaRPr lang="ru-RU"/>
+            </a:p>
+          </p:txBody>
+        </p:sp>
+      </p:grpSp>
+      <p:grpSp>
+        <p:nvGrpSpPr>
+          <p:cNvPr id="8" name="Group 7">
+            <a:extLst>
+              <a:ext uri="{FF2B5EF4-FFF2-40B4-BE49-F238E27FC236}">
+                <a16:creationId xmlns:a16="http://schemas.microsoft.com/office/drawing/2014/main" id="{B501ED5B-54EC-F650-CAE1-A81A3857764E}"/>
+              </a:ext>
+            </a:extLst>
+          </p:cNvPr>
+          <p:cNvGrpSpPr/>
+          <p:nvPr/>
+        </p:nvGrpSpPr>
+        <p:grpSpPr>
+          <a:xfrm>
+            <a:off x="5754710" y="5201729"/>
+            <a:ext cx="2620645" cy="1140395"/>
+            <a:chOff x="5306137" y="2191109"/>
+            <a:chExt cx="2620645" cy="1140395"/>
+          </a:xfrm>
+        </p:grpSpPr>
+        <p:pic>
+          <p:nvPicPr>
+            <p:cNvPr id="5" name="Рисунок 1069">
+              <a:extLst>
+                <a:ext uri="{FF2B5EF4-FFF2-40B4-BE49-F238E27FC236}">
+                  <a16:creationId xmlns:a16="http://schemas.microsoft.com/office/drawing/2014/main" id="{4DB962BB-BD49-48EB-41D6-A97FA0D736AB}"/>
+                </a:ext>
+              </a:extLst>
+            </p:cNvPr>
+            <p:cNvPicPr>
+              <a:picLocks noChangeAspect="1"/>
+            </p:cNvPicPr>
+            <p:nvPr/>
+          </p:nvPicPr>
+          <p:blipFill>
+            <a:blip r:embed="rId3">
+              <a:extLst>
+                <a:ext uri="{28A0092B-C50C-407E-A947-70E740481C1C}">
+                  <a14:useLocalDpi xmlns:a14="http://schemas.microsoft.com/office/drawing/2010/main" val="0"/>
+                </a:ext>
+              </a:extLst>
+            </a:blip>
+            <a:stretch>
+              <a:fillRect/>
+            </a:stretch>
+          </p:blipFill>
+          <p:spPr>
+            <a:xfrm>
+              <a:off x="5306137" y="2198029"/>
+              <a:ext cx="2620645" cy="1133475"/>
+            </a:xfrm>
+            <a:prstGeom prst="rect">
+              <a:avLst/>
+            </a:prstGeom>
+          </p:spPr>
+        </p:pic>
+        <p:sp>
+          <p:nvSpPr>
+            <p:cNvPr id="6" name="Овал 2">
+              <a:extLst>
+                <a:ext uri="{FF2B5EF4-FFF2-40B4-BE49-F238E27FC236}">
+                  <a16:creationId xmlns:a16="http://schemas.microsoft.com/office/drawing/2014/main" id="{38A4A412-F941-482B-B6D7-D799D4E8488C}"/>
+                </a:ext>
+              </a:extLst>
+            </p:cNvPr>
+            <p:cNvSpPr/>
+            <p:nvPr/>
+          </p:nvSpPr>
+          <p:spPr>
+            <a:xfrm>
+              <a:off x="5382883" y="2191109"/>
+              <a:ext cx="207035" cy="188056"/>
+            </a:xfrm>
+            <a:prstGeom prst="ellipse">
+              <a:avLst/>
+            </a:prstGeom>
+            <a:noFill/>
+            <a:ln w="19050">
+              <a:solidFill>
+                <a:srgbClr val="FF0000"/>
+              </a:solidFill>
+            </a:ln>
+          </p:spPr>
+          <p:style>
+            <a:lnRef idx="2">
+              <a:schemeClr val="accent1">
+                <a:shade val="50000"/>
+              </a:schemeClr>
+            </a:lnRef>
+            <a:fillRef idx="1">
+              <a:schemeClr val="accent1"/>
+            </a:fillRef>
+            <a:effectRef idx="0">
+              <a:schemeClr val="accent1"/>
+            </a:effectRef>
+            <a:fontRef idx="minor">
+              <a:schemeClr val="lt1"/>
+            </a:fontRef>
+          </p:style>
+          <p:txBody>
+            <a:bodyPr rtlCol="0" anchor="ctr"/>
+            <a:lstStyle/>
+            <a:p>
+              <a:pPr algn="ctr"/>
+              <a:endParaRPr lang="ru-RU"/>
+            </a:p>
+          </p:txBody>
+        </p:sp>
+        <p:sp>
+          <p:nvSpPr>
+            <p:cNvPr id="7" name="Овал 2">
+              <a:extLst>
+                <a:ext uri="{FF2B5EF4-FFF2-40B4-BE49-F238E27FC236}">
+                  <a16:creationId xmlns:a16="http://schemas.microsoft.com/office/drawing/2014/main" id="{4670BA4F-AE09-B599-EA20-321C8ABB7807}"/>
+                </a:ext>
+              </a:extLst>
+            </p:cNvPr>
+            <p:cNvSpPr/>
+            <p:nvPr/>
+          </p:nvSpPr>
+          <p:spPr>
+            <a:xfrm>
+              <a:off x="5345505" y="2378013"/>
+              <a:ext cx="207035" cy="188056"/>
+            </a:xfrm>
+            <a:prstGeom prst="ellipse">
+              <a:avLst/>
+            </a:prstGeom>
+            <a:noFill/>
+            <a:ln w="19050">
+              <a:solidFill>
+                <a:srgbClr val="FF0000"/>
+              </a:solidFill>
+            </a:ln>
+          </p:spPr>
+          <p:style>
+            <a:lnRef idx="2">
+              <a:schemeClr val="accent1">
+                <a:shade val="50000"/>
+              </a:schemeClr>
+            </a:lnRef>
+            <a:fillRef idx="1">
+              <a:schemeClr val="accent1"/>
+            </a:fillRef>
+            <a:effectRef idx="0">
+              <a:schemeClr val="accent1"/>
+            </a:effectRef>
+            <a:fontRef idx="minor">
+              <a:schemeClr val="lt1"/>
+            </a:fontRef>
+          </p:style>
+          <p:txBody>
+            <a:bodyPr rtlCol="0" anchor="ctr"/>
+            <a:lstStyle/>
+            <a:p>
+              <a:pPr algn="ctr"/>
+              <a:endParaRPr lang="ru-RU"/>
+            </a:p>
+          </p:txBody>
+        </p:sp>
+      </p:grpSp>
+      <p:grpSp>
+        <p:nvGrpSpPr>
+          <p:cNvPr id="37" name="Group 36">
+            <a:extLst>
+              <a:ext uri="{FF2B5EF4-FFF2-40B4-BE49-F238E27FC236}">
+                <a16:creationId xmlns:a16="http://schemas.microsoft.com/office/drawing/2014/main" id="{73FE8741-4752-0744-41AB-C5BC0E3B5768}"/>
+              </a:ext>
+            </a:extLst>
+          </p:cNvPr>
+          <p:cNvGrpSpPr/>
+          <p:nvPr/>
+        </p:nvGrpSpPr>
+        <p:grpSpPr>
+          <a:xfrm>
+            <a:off x="2791814" y="5379379"/>
+            <a:ext cx="2227770" cy="1171575"/>
+            <a:chOff x="4594735" y="5560534"/>
+            <a:chExt cx="2227770" cy="1171575"/>
+          </a:xfrm>
+        </p:grpSpPr>
+        <p:cxnSp>
+          <p:nvCxnSpPr>
+            <p:cNvPr id="23" name="Прямая со стрелкой 192">
+              <a:extLst>
+                <a:ext uri="{FF2B5EF4-FFF2-40B4-BE49-F238E27FC236}">
+                  <a16:creationId xmlns:a16="http://schemas.microsoft.com/office/drawing/2014/main" id="{940B541B-01AB-7635-529C-ECD8B1C5C196}"/>
+                </a:ext>
+              </a:extLst>
+            </p:cNvPr>
+            <p:cNvCxnSpPr/>
+            <p:nvPr/>
+          </p:nvCxnSpPr>
+          <p:spPr>
+            <a:xfrm>
+              <a:off x="5895533" y="6121224"/>
+              <a:ext cx="309561" cy="0"/>
+            </a:xfrm>
+            <a:prstGeom prst="straightConnector1">
+              <a:avLst/>
+            </a:prstGeom>
+            <a:ln w="28575">
+              <a:tailEnd type="stealth" w="lg" len="lg"/>
+            </a:ln>
+          </p:spPr>
+          <p:style>
+            <a:lnRef idx="1">
+              <a:schemeClr val="accent1"/>
+            </a:lnRef>
+            <a:fillRef idx="0">
+              <a:schemeClr val="accent1"/>
+            </a:fillRef>
+            <a:effectRef idx="0">
+              <a:schemeClr val="accent1"/>
+            </a:effectRef>
+            <a:fontRef idx="minor">
+              <a:schemeClr val="tx1"/>
+            </a:fontRef>
+          </p:style>
+        </p:cxnSp>
+        <p:cxnSp>
+          <p:nvCxnSpPr>
+            <p:cNvPr id="24" name="Прямая со стрелкой 193">
+              <a:extLst>
+                <a:ext uri="{FF2B5EF4-FFF2-40B4-BE49-F238E27FC236}">
+                  <a16:creationId xmlns:a16="http://schemas.microsoft.com/office/drawing/2014/main" id="{EF577154-B8FA-64A4-AB54-FA83D41BAF8F}"/>
+                </a:ext>
+              </a:extLst>
+            </p:cNvPr>
+            <p:cNvCxnSpPr/>
+            <p:nvPr/>
+          </p:nvCxnSpPr>
+          <p:spPr>
+            <a:xfrm>
+              <a:off x="5895533" y="6330774"/>
+              <a:ext cx="309561" cy="0"/>
+            </a:xfrm>
+            <a:prstGeom prst="straightConnector1">
+              <a:avLst/>
+            </a:prstGeom>
+            <a:ln w="28575">
+              <a:tailEnd type="stealth" w="lg" len="lg"/>
+            </a:ln>
+          </p:spPr>
+          <p:style>
+            <a:lnRef idx="1">
+              <a:schemeClr val="accent1"/>
+            </a:lnRef>
+            <a:fillRef idx="0">
+              <a:schemeClr val="accent1"/>
+            </a:fillRef>
+            <a:effectRef idx="0">
+              <a:schemeClr val="accent1"/>
+            </a:effectRef>
+            <a:fontRef idx="minor">
+              <a:schemeClr val="tx1"/>
+            </a:fontRef>
+          </p:style>
+        </p:cxnSp>
+        <p:cxnSp>
+          <p:nvCxnSpPr>
+            <p:cNvPr id="25" name="Прямая со стрелкой 194">
+              <a:extLst>
+                <a:ext uri="{FF2B5EF4-FFF2-40B4-BE49-F238E27FC236}">
+                  <a16:creationId xmlns:a16="http://schemas.microsoft.com/office/drawing/2014/main" id="{9CE281AB-133C-F2B2-4AD9-D87FA5B4EC69}"/>
+                </a:ext>
+              </a:extLst>
+            </p:cNvPr>
+            <p:cNvCxnSpPr/>
+            <p:nvPr/>
+          </p:nvCxnSpPr>
+          <p:spPr>
+            <a:xfrm>
+              <a:off x="5905059" y="6559374"/>
+              <a:ext cx="309561" cy="0"/>
+            </a:xfrm>
+            <a:prstGeom prst="straightConnector1">
+              <a:avLst/>
+            </a:prstGeom>
+            <a:ln w="28575">
+              <a:tailEnd type="stealth" w="lg" len="lg"/>
+            </a:ln>
+          </p:spPr>
+          <p:style>
+            <a:lnRef idx="1">
+              <a:schemeClr val="accent1"/>
+            </a:lnRef>
+            <a:fillRef idx="0">
+              <a:schemeClr val="accent1"/>
+            </a:fillRef>
+            <a:effectRef idx="0">
+              <a:schemeClr val="accent1"/>
+            </a:effectRef>
+            <a:fontRef idx="minor">
+              <a:schemeClr val="tx1"/>
+            </a:fontRef>
+          </p:style>
+        </p:cxnSp>
+        <p:sp>
+          <p:nvSpPr>
+            <p:cNvPr id="26" name="TextBox 25">
+              <a:extLst>
+                <a:ext uri="{FF2B5EF4-FFF2-40B4-BE49-F238E27FC236}">
+                  <a16:creationId xmlns:a16="http://schemas.microsoft.com/office/drawing/2014/main" id="{2527BBB0-2566-4BE7-0921-0001F495B194}"/>
+                </a:ext>
+              </a:extLst>
+            </p:cNvPr>
+            <p:cNvSpPr txBox="1"/>
+            <p:nvPr/>
+          </p:nvSpPr>
+          <p:spPr>
+            <a:xfrm>
+              <a:off x="4616427" y="5970253"/>
+              <a:ext cx="1365787" cy="261610"/>
+            </a:xfrm>
+            <a:prstGeom prst="rect">
+              <a:avLst/>
+            </a:prstGeom>
+            <a:noFill/>
+          </p:spPr>
+          <p:txBody>
+            <a:bodyPr wrap="square" rtlCol="0">
+              <a:spAutoFit/>
+            </a:bodyPr>
+            <a:lstStyle/>
+            <a:p>
+              <a:pPr algn="ctr"/>
+              <a:r>
+                <a:rPr lang="ru-RU" sz="1100" dirty="0">
+                  <a:latin typeface="Times New Roman" panose="02020603050405020304" pitchFamily="18" charset="0"/>
+                  <a:cs typeface="Times New Roman" panose="02020603050405020304" pitchFamily="18" charset="0"/>
+                </a:rPr>
+                <a:t>фитинг</a:t>
+              </a:r>
+              <a:r>
+                <a:rPr lang="en-US" sz="1100" dirty="0">
+                  <a:latin typeface="Times New Roman" panose="02020603050405020304" pitchFamily="18" charset="0"/>
+                  <a:cs typeface="Times New Roman" panose="02020603050405020304" pitchFamily="18" charset="0"/>
+                </a:rPr>
+                <a:t> </a:t>
+              </a:r>
+              <a:r>
+                <a:rPr lang="ru-RU" sz="1100" dirty="0">
+                  <a:latin typeface="Times New Roman" panose="02020603050405020304" pitchFamily="18" charset="0"/>
+                  <a:cs typeface="Times New Roman" panose="02020603050405020304" pitchFamily="18" charset="0"/>
+                </a:rPr>
+                <a:t>вкл/</a:t>
+              </a:r>
+              <a:r>
+                <a:rPr lang="ru-RU" sz="1100" dirty="0" err="1">
+                  <a:latin typeface="Times New Roman" panose="02020603050405020304" pitchFamily="18" charset="0"/>
+                  <a:cs typeface="Times New Roman" panose="02020603050405020304" pitchFamily="18" charset="0"/>
+                </a:rPr>
+                <a:t>выкл</a:t>
+              </a:r>
+              <a:endParaRPr lang="ru-RU" sz="1100" dirty="0">
+                <a:latin typeface="Times New Roman" panose="02020603050405020304" pitchFamily="18" charset="0"/>
+                <a:cs typeface="Times New Roman" panose="02020603050405020304" pitchFamily="18" charset="0"/>
+              </a:endParaRPr>
+            </a:p>
+          </p:txBody>
+        </p:sp>
+        <p:sp>
+          <p:nvSpPr>
+            <p:cNvPr id="27" name="TextBox 26">
+              <a:extLst>
+                <a:ext uri="{FF2B5EF4-FFF2-40B4-BE49-F238E27FC236}">
+                  <a16:creationId xmlns:a16="http://schemas.microsoft.com/office/drawing/2014/main" id="{C442CD84-08E7-79F8-8333-58F7AE585FE1}"/>
+                </a:ext>
+              </a:extLst>
+            </p:cNvPr>
+            <p:cNvSpPr txBox="1"/>
+            <p:nvPr/>
+          </p:nvSpPr>
+          <p:spPr>
+            <a:xfrm>
+              <a:off x="4981134" y="6184208"/>
+              <a:ext cx="1381125" cy="261610"/>
+            </a:xfrm>
+            <a:prstGeom prst="rect">
+              <a:avLst/>
+            </a:prstGeom>
+            <a:noFill/>
+          </p:spPr>
+          <p:txBody>
+            <a:bodyPr wrap="square" rtlCol="0">
+              <a:spAutoFit/>
+            </a:bodyPr>
+            <a:lstStyle/>
+            <a:p>
+              <a:pPr algn="ctr"/>
+              <a:r>
+                <a:rPr lang="ru-RU" sz="1100" dirty="0">
+                  <a:latin typeface="Times New Roman" panose="02020603050405020304" pitchFamily="18" charset="0"/>
+                  <a:cs typeface="Times New Roman" panose="02020603050405020304" pitchFamily="18" charset="0"/>
+                </a:rPr>
+                <a:t>мин</a:t>
+              </a:r>
+            </a:p>
+          </p:txBody>
+        </p:sp>
+        <p:sp>
+          <p:nvSpPr>
+            <p:cNvPr id="28" name="TextBox 27">
+              <a:extLst>
+                <a:ext uri="{FF2B5EF4-FFF2-40B4-BE49-F238E27FC236}">
+                  <a16:creationId xmlns:a16="http://schemas.microsoft.com/office/drawing/2014/main" id="{09CE617B-E0E4-0A90-2B80-85E8CF36BE25}"/>
+                </a:ext>
+              </a:extLst>
+            </p:cNvPr>
+            <p:cNvSpPr txBox="1"/>
+            <p:nvPr/>
+          </p:nvSpPr>
+          <p:spPr>
+            <a:xfrm>
+              <a:off x="4971609" y="6401079"/>
+              <a:ext cx="1381125" cy="261610"/>
+            </a:xfrm>
+            <a:prstGeom prst="rect">
+              <a:avLst/>
+            </a:prstGeom>
+            <a:noFill/>
+          </p:spPr>
+          <p:txBody>
+            <a:bodyPr wrap="square" rtlCol="0">
+              <a:spAutoFit/>
+            </a:bodyPr>
+            <a:lstStyle/>
+            <a:p>
+              <a:pPr algn="ctr"/>
+              <a:r>
+                <a:rPr lang="ru-RU" sz="1100" dirty="0">
+                  <a:latin typeface="Times New Roman" panose="02020603050405020304" pitchFamily="18" charset="0"/>
+                  <a:cs typeface="Times New Roman" panose="02020603050405020304" pitchFamily="18" charset="0"/>
+                </a:rPr>
+                <a:t>макс</a:t>
+              </a:r>
+            </a:p>
+          </p:txBody>
+        </p:sp>
+        <p:cxnSp>
+          <p:nvCxnSpPr>
+            <p:cNvPr id="29" name="Прямая со стрелкой 198">
+              <a:extLst>
+                <a:ext uri="{FF2B5EF4-FFF2-40B4-BE49-F238E27FC236}">
+                  <a16:creationId xmlns:a16="http://schemas.microsoft.com/office/drawing/2014/main" id="{FD1A10AD-4F4C-46F0-C28F-3AC35E82CEF7}"/>
+                </a:ext>
+              </a:extLst>
+            </p:cNvPr>
+            <p:cNvCxnSpPr/>
+            <p:nvPr/>
+          </p:nvCxnSpPr>
+          <p:spPr>
+            <a:xfrm>
+              <a:off x="5895533" y="5892624"/>
+              <a:ext cx="309561" cy="0"/>
+            </a:xfrm>
+            <a:prstGeom prst="straightConnector1">
+              <a:avLst/>
+            </a:prstGeom>
+            <a:ln w="28575">
+              <a:tailEnd type="stealth" w="lg" len="lg"/>
+            </a:ln>
+          </p:spPr>
+          <p:style>
+            <a:lnRef idx="1">
+              <a:schemeClr val="accent1"/>
+            </a:lnRef>
+            <a:fillRef idx="0">
+              <a:schemeClr val="accent1"/>
+            </a:fillRef>
+            <a:effectRef idx="0">
+              <a:schemeClr val="accent1"/>
+            </a:effectRef>
+            <a:fontRef idx="minor">
+              <a:schemeClr val="tx1"/>
+            </a:fontRef>
+          </p:style>
+        </p:cxnSp>
+        <p:sp>
+          <p:nvSpPr>
+            <p:cNvPr id="32" name="TextBox 31">
+              <a:extLst>
+                <a:ext uri="{FF2B5EF4-FFF2-40B4-BE49-F238E27FC236}">
+                  <a16:creationId xmlns:a16="http://schemas.microsoft.com/office/drawing/2014/main" id="{4354A03B-2EFC-116C-0971-D38434A53F74}"/>
+                </a:ext>
+              </a:extLst>
+            </p:cNvPr>
+            <p:cNvSpPr txBox="1"/>
+            <p:nvPr/>
+          </p:nvSpPr>
+          <p:spPr>
+            <a:xfrm>
+              <a:off x="4594735" y="5750777"/>
+              <a:ext cx="1365787" cy="261610"/>
+            </a:xfrm>
+            <a:prstGeom prst="rect">
+              <a:avLst/>
+            </a:prstGeom>
+            <a:noFill/>
+          </p:spPr>
+          <p:txBody>
+            <a:bodyPr wrap="square" rtlCol="0">
+              <a:spAutoFit/>
+            </a:bodyPr>
+            <a:lstStyle/>
+            <a:p>
+              <a:pPr algn="ctr"/>
+              <a:r>
+                <a:rPr lang="ru-RU" sz="1100" dirty="0">
+                  <a:latin typeface="Times New Roman" panose="02020603050405020304" pitchFamily="18" charset="0"/>
+                  <a:cs typeface="Times New Roman" panose="02020603050405020304" pitchFamily="18" charset="0"/>
+                </a:rPr>
+                <a:t>текущее значение</a:t>
+              </a:r>
+            </a:p>
+          </p:txBody>
+        </p:sp>
+        <p:pic>
+          <p:nvPicPr>
+            <p:cNvPr id="34" name="Picture 33">
+              <a:extLst>
+                <a:ext uri="{FF2B5EF4-FFF2-40B4-BE49-F238E27FC236}">
+                  <a16:creationId xmlns:a16="http://schemas.microsoft.com/office/drawing/2014/main" id="{E4EFE097-DBB1-591E-AA5E-78CDF06E86F6}"/>
+                </a:ext>
+              </a:extLst>
+            </p:cNvPr>
+            <p:cNvPicPr>
+              <a:picLocks noChangeAspect="1"/>
+            </p:cNvPicPr>
+            <p:nvPr/>
+          </p:nvPicPr>
+          <p:blipFill>
+            <a:blip r:embed="rId4"/>
+            <a:stretch>
+              <a:fillRect/>
+            </a:stretch>
+          </p:blipFill>
+          <p:spPr>
+            <a:xfrm>
+              <a:off x="6203380" y="5560534"/>
+              <a:ext cx="619125" cy="1171575"/>
+            </a:xfrm>
+            <a:prstGeom prst="rect">
+              <a:avLst/>
+            </a:prstGeom>
+          </p:spPr>
+        </p:pic>
+      </p:grpSp>
+      <p:grpSp>
+        <p:nvGrpSpPr>
+          <p:cNvPr id="36" name="Group 35">
+            <a:extLst>
+              <a:ext uri="{FF2B5EF4-FFF2-40B4-BE49-F238E27FC236}">
+                <a16:creationId xmlns:a16="http://schemas.microsoft.com/office/drawing/2014/main" id="{FB779CB7-F741-6C76-F3A7-A29C7AA9186E}"/>
+              </a:ext>
+            </a:extLst>
+          </p:cNvPr>
+          <p:cNvGrpSpPr/>
+          <p:nvPr/>
+        </p:nvGrpSpPr>
+        <p:grpSpPr>
+          <a:xfrm>
+            <a:off x="385296" y="5405258"/>
+            <a:ext cx="1985979" cy="1171575"/>
+            <a:chOff x="385296" y="5405258"/>
+            <a:chExt cx="1985979" cy="1171575"/>
+          </a:xfrm>
+        </p:grpSpPr>
+        <p:cxnSp>
+          <p:nvCxnSpPr>
+            <p:cNvPr id="11" name="Прямая со стрелкой 171">
+              <a:extLst>
+                <a:ext uri="{FF2B5EF4-FFF2-40B4-BE49-F238E27FC236}">
+                  <a16:creationId xmlns:a16="http://schemas.microsoft.com/office/drawing/2014/main" id="{BA33AD02-D589-BC21-0F20-8CF8152F26A8}"/>
+                </a:ext>
+              </a:extLst>
+            </p:cNvPr>
+            <p:cNvCxnSpPr/>
+            <p:nvPr/>
+          </p:nvCxnSpPr>
+          <p:spPr>
+            <a:xfrm>
+              <a:off x="1427627" y="5968141"/>
+              <a:ext cx="309561" cy="0"/>
+            </a:xfrm>
+            <a:prstGeom prst="straightConnector1">
+              <a:avLst/>
+            </a:prstGeom>
+            <a:ln w="28575">
+              <a:tailEnd type="stealth" w="lg" len="lg"/>
+            </a:ln>
+          </p:spPr>
+          <p:style>
+            <a:lnRef idx="1">
+              <a:schemeClr val="accent1"/>
+            </a:lnRef>
+            <a:fillRef idx="0">
+              <a:schemeClr val="accent1"/>
+            </a:fillRef>
+            <a:effectRef idx="0">
+              <a:schemeClr val="accent1"/>
+            </a:effectRef>
+            <a:fontRef idx="minor">
+              <a:schemeClr val="tx1"/>
+            </a:fontRef>
+          </p:style>
+        </p:cxnSp>
+        <p:cxnSp>
+          <p:nvCxnSpPr>
+            <p:cNvPr id="12" name="Прямая со стрелкой 172">
+              <a:extLst>
+                <a:ext uri="{FF2B5EF4-FFF2-40B4-BE49-F238E27FC236}">
+                  <a16:creationId xmlns:a16="http://schemas.microsoft.com/office/drawing/2014/main" id="{55CF2E33-B0E9-3E99-7B92-C43100ECE076}"/>
+                </a:ext>
+              </a:extLst>
+            </p:cNvPr>
+            <p:cNvCxnSpPr/>
+            <p:nvPr/>
+          </p:nvCxnSpPr>
+          <p:spPr>
+            <a:xfrm>
+              <a:off x="1427627" y="6177691"/>
+              <a:ext cx="309561" cy="0"/>
+            </a:xfrm>
+            <a:prstGeom prst="straightConnector1">
+              <a:avLst/>
+            </a:prstGeom>
+            <a:ln w="28575">
+              <a:tailEnd type="stealth" w="lg" len="lg"/>
+            </a:ln>
+          </p:spPr>
+          <p:style>
+            <a:lnRef idx="1">
+              <a:schemeClr val="accent1"/>
+            </a:lnRef>
+            <a:fillRef idx="0">
+              <a:schemeClr val="accent1"/>
+            </a:fillRef>
+            <a:effectRef idx="0">
+              <a:schemeClr val="accent1"/>
+            </a:effectRef>
+            <a:fontRef idx="minor">
+              <a:schemeClr val="tx1"/>
+            </a:fontRef>
+          </p:style>
+        </p:cxnSp>
+        <p:cxnSp>
+          <p:nvCxnSpPr>
+            <p:cNvPr id="13" name="Прямая со стрелкой 173">
+              <a:extLst>
+                <a:ext uri="{FF2B5EF4-FFF2-40B4-BE49-F238E27FC236}">
+                  <a16:creationId xmlns:a16="http://schemas.microsoft.com/office/drawing/2014/main" id="{E8E6B963-3892-15EC-A1C4-49F71540B8FE}"/>
+                </a:ext>
+              </a:extLst>
+            </p:cNvPr>
+            <p:cNvCxnSpPr/>
+            <p:nvPr/>
+          </p:nvCxnSpPr>
+          <p:spPr>
+            <a:xfrm>
+              <a:off x="1437153" y="6406291"/>
+              <a:ext cx="309561" cy="0"/>
+            </a:xfrm>
+            <a:prstGeom prst="straightConnector1">
+              <a:avLst/>
+            </a:prstGeom>
+            <a:ln w="28575">
+              <a:tailEnd type="stealth" w="lg" len="lg"/>
+            </a:ln>
+          </p:spPr>
+          <p:style>
+            <a:lnRef idx="1">
+              <a:schemeClr val="accent1"/>
+            </a:lnRef>
+            <a:fillRef idx="0">
+              <a:schemeClr val="accent1"/>
+            </a:fillRef>
+            <a:effectRef idx="0">
+              <a:schemeClr val="accent1"/>
+            </a:effectRef>
+            <a:fontRef idx="minor">
+              <a:schemeClr val="tx1"/>
+            </a:fontRef>
+          </p:style>
+        </p:cxnSp>
+        <p:sp>
+          <p:nvSpPr>
+            <p:cNvPr id="14" name="TextBox 13">
+              <a:extLst>
+                <a:ext uri="{FF2B5EF4-FFF2-40B4-BE49-F238E27FC236}">
+                  <a16:creationId xmlns:a16="http://schemas.microsoft.com/office/drawing/2014/main" id="{419705EA-AAFF-C201-D555-3341E21C3245}"/>
+                </a:ext>
+              </a:extLst>
+            </p:cNvPr>
+            <p:cNvSpPr txBox="1"/>
+            <p:nvPr/>
+          </p:nvSpPr>
+          <p:spPr>
+            <a:xfrm>
+              <a:off x="385296" y="5817170"/>
+              <a:ext cx="1129012" cy="261610"/>
+            </a:xfrm>
+            <a:prstGeom prst="rect">
+              <a:avLst/>
+            </a:prstGeom>
+            <a:noFill/>
+          </p:spPr>
+          <p:txBody>
+            <a:bodyPr wrap="square" rtlCol="0">
+              <a:spAutoFit/>
+            </a:bodyPr>
+            <a:lstStyle/>
+            <a:p>
+              <a:pPr algn="ctr"/>
+              <a:r>
+                <a:rPr lang="en-US" sz="1100" dirty="0">
+                  <a:latin typeface="Times New Roman" panose="02020603050405020304" pitchFamily="18" charset="0"/>
+                  <a:cs typeface="Times New Roman" panose="02020603050405020304" pitchFamily="18" charset="0"/>
+                </a:rPr>
+                <a:t>fitting on/off</a:t>
+              </a:r>
+              <a:endParaRPr lang="ru-RU" sz="1100" dirty="0">
+                <a:latin typeface="Times New Roman" panose="02020603050405020304" pitchFamily="18" charset="0"/>
+                <a:cs typeface="Times New Roman" panose="02020603050405020304" pitchFamily="18" charset="0"/>
+              </a:endParaRPr>
+            </a:p>
+          </p:txBody>
+        </p:sp>
+        <p:sp>
+          <p:nvSpPr>
+            <p:cNvPr id="15" name="TextBox 14">
+              <a:extLst>
+                <a:ext uri="{FF2B5EF4-FFF2-40B4-BE49-F238E27FC236}">
+                  <a16:creationId xmlns:a16="http://schemas.microsoft.com/office/drawing/2014/main" id="{8668E7FD-5308-0C4F-9BDD-8F55D3A53FE0}"/>
+                </a:ext>
+              </a:extLst>
+            </p:cNvPr>
+            <p:cNvSpPr txBox="1"/>
+            <p:nvPr/>
+          </p:nvSpPr>
+          <p:spPr>
+            <a:xfrm>
+              <a:off x="513228" y="6031125"/>
+              <a:ext cx="1381125" cy="261610"/>
+            </a:xfrm>
+            <a:prstGeom prst="rect">
+              <a:avLst/>
+            </a:prstGeom>
+            <a:noFill/>
+          </p:spPr>
+          <p:txBody>
+            <a:bodyPr wrap="square" rtlCol="0">
+              <a:spAutoFit/>
+            </a:bodyPr>
+            <a:lstStyle/>
+            <a:p>
+              <a:pPr algn="ctr"/>
+              <a:r>
+                <a:rPr lang="en-US" sz="1100" dirty="0">
+                  <a:latin typeface="Times New Roman" panose="02020603050405020304" pitchFamily="18" charset="0"/>
+                  <a:cs typeface="Times New Roman" panose="02020603050405020304" pitchFamily="18" charset="0"/>
+                </a:rPr>
+                <a:t>min</a:t>
+              </a:r>
+              <a:endParaRPr lang="ru-RU" sz="1100" dirty="0">
+                <a:latin typeface="Times New Roman" panose="02020603050405020304" pitchFamily="18" charset="0"/>
+                <a:cs typeface="Times New Roman" panose="02020603050405020304" pitchFamily="18" charset="0"/>
+              </a:endParaRPr>
+            </a:p>
+          </p:txBody>
+        </p:sp>
+        <p:sp>
+          <p:nvSpPr>
+            <p:cNvPr id="16" name="TextBox 15">
+              <a:extLst>
+                <a:ext uri="{FF2B5EF4-FFF2-40B4-BE49-F238E27FC236}">
+                  <a16:creationId xmlns:a16="http://schemas.microsoft.com/office/drawing/2014/main" id="{67C772C2-DAC8-C556-D348-F9069CE3552E}"/>
+                </a:ext>
+              </a:extLst>
+            </p:cNvPr>
+            <p:cNvSpPr txBox="1"/>
+            <p:nvPr/>
+          </p:nvSpPr>
+          <p:spPr>
+            <a:xfrm>
+              <a:off x="503703" y="6247996"/>
+              <a:ext cx="1381125" cy="261610"/>
+            </a:xfrm>
+            <a:prstGeom prst="rect">
+              <a:avLst/>
+            </a:prstGeom>
+            <a:noFill/>
+          </p:spPr>
+          <p:txBody>
+            <a:bodyPr wrap="square" rtlCol="0">
+              <a:spAutoFit/>
+            </a:bodyPr>
+            <a:lstStyle/>
+            <a:p>
+              <a:pPr algn="ctr"/>
+              <a:r>
+                <a:rPr lang="en-US" sz="1100" dirty="0">
+                  <a:latin typeface="Times New Roman" panose="02020603050405020304" pitchFamily="18" charset="0"/>
+                  <a:cs typeface="Times New Roman" panose="02020603050405020304" pitchFamily="18" charset="0"/>
+                </a:rPr>
+                <a:t>max</a:t>
+              </a:r>
+              <a:endParaRPr lang="ru-RU" sz="1100" dirty="0">
+                <a:latin typeface="Times New Roman" panose="02020603050405020304" pitchFamily="18" charset="0"/>
+                <a:cs typeface="Times New Roman" panose="02020603050405020304" pitchFamily="18" charset="0"/>
+              </a:endParaRPr>
+            </a:p>
+          </p:txBody>
+        </p:sp>
+        <p:cxnSp>
+          <p:nvCxnSpPr>
+            <p:cNvPr id="17" name="Прямая со стрелкой 177">
+              <a:extLst>
+                <a:ext uri="{FF2B5EF4-FFF2-40B4-BE49-F238E27FC236}">
+                  <a16:creationId xmlns:a16="http://schemas.microsoft.com/office/drawing/2014/main" id="{079F1B9E-11A4-3C5A-A8A4-5595EBBDF58C}"/>
+                </a:ext>
+              </a:extLst>
+            </p:cNvPr>
+            <p:cNvCxnSpPr/>
+            <p:nvPr/>
+          </p:nvCxnSpPr>
+          <p:spPr>
+            <a:xfrm>
+              <a:off x="1427627" y="5739541"/>
+              <a:ext cx="309561" cy="0"/>
+            </a:xfrm>
+            <a:prstGeom prst="straightConnector1">
+              <a:avLst/>
+            </a:prstGeom>
+            <a:ln w="28575">
+              <a:tailEnd type="stealth" w="lg" len="lg"/>
+            </a:ln>
+          </p:spPr>
+          <p:style>
+            <a:lnRef idx="1">
+              <a:schemeClr val="accent1"/>
+            </a:lnRef>
+            <a:fillRef idx="0">
+              <a:schemeClr val="accent1"/>
+            </a:fillRef>
+            <a:effectRef idx="0">
+              <a:schemeClr val="accent1"/>
+            </a:effectRef>
+            <a:fontRef idx="minor">
+              <a:schemeClr val="tx1"/>
+            </a:fontRef>
+          </p:style>
+        </p:cxnSp>
+        <p:sp>
+          <p:nvSpPr>
+            <p:cNvPr id="20" name="TextBox 19">
+              <a:extLst>
+                <a:ext uri="{FF2B5EF4-FFF2-40B4-BE49-F238E27FC236}">
+                  <a16:creationId xmlns:a16="http://schemas.microsoft.com/office/drawing/2014/main" id="{CE151893-0F5B-6683-2229-CE0064444533}"/>
+                </a:ext>
+              </a:extLst>
+            </p:cNvPr>
+            <p:cNvSpPr txBox="1"/>
+            <p:nvPr/>
+          </p:nvSpPr>
+          <p:spPr>
+            <a:xfrm>
+              <a:off x="385296" y="5588733"/>
+              <a:ext cx="1129012" cy="261610"/>
+            </a:xfrm>
+            <a:prstGeom prst="rect">
+              <a:avLst/>
+            </a:prstGeom>
+            <a:noFill/>
+          </p:spPr>
+          <p:txBody>
+            <a:bodyPr wrap="square" rtlCol="0">
+              <a:spAutoFit/>
+            </a:bodyPr>
+            <a:lstStyle/>
+            <a:p>
+              <a:pPr algn="ctr"/>
+              <a:r>
+                <a:rPr lang="en-US" sz="1100" dirty="0">
+                  <a:latin typeface="Times New Roman" panose="02020603050405020304" pitchFamily="18" charset="0"/>
+                  <a:cs typeface="Times New Roman" panose="02020603050405020304" pitchFamily="18" charset="0"/>
+                </a:rPr>
+                <a:t>current value</a:t>
+              </a:r>
+              <a:endParaRPr lang="ru-RU" sz="1100" dirty="0">
+                <a:latin typeface="Times New Roman" panose="02020603050405020304" pitchFamily="18" charset="0"/>
+                <a:cs typeface="Times New Roman" panose="02020603050405020304" pitchFamily="18" charset="0"/>
+              </a:endParaRPr>
+            </a:p>
+          </p:txBody>
+        </p:sp>
+        <p:pic>
+          <p:nvPicPr>
+            <p:cNvPr id="35" name="Picture 34">
+              <a:extLst>
+                <a:ext uri="{FF2B5EF4-FFF2-40B4-BE49-F238E27FC236}">
+                  <a16:creationId xmlns:a16="http://schemas.microsoft.com/office/drawing/2014/main" id="{506D8CF0-09EC-8995-B302-F9C17D2AC107}"/>
+                </a:ext>
+              </a:extLst>
+            </p:cNvPr>
+            <p:cNvPicPr>
+              <a:picLocks noChangeAspect="1"/>
+            </p:cNvPicPr>
+            <p:nvPr/>
+          </p:nvPicPr>
+          <p:blipFill>
+            <a:blip r:embed="rId4"/>
+            <a:stretch>
+              <a:fillRect/>
+            </a:stretch>
+          </p:blipFill>
+          <p:spPr>
+            <a:xfrm>
+              <a:off x="1752150" y="5405258"/>
+              <a:ext cx="619125" cy="1171575"/>
+            </a:xfrm>
+            <a:prstGeom prst="rect">
+              <a:avLst/>
+            </a:prstGeom>
+          </p:spPr>
+        </p:pic>
+      </p:grpSp>
+      <p:grpSp>
+        <p:nvGrpSpPr>
+          <p:cNvPr id="42" name="Group 41">
+            <a:extLst>
+              <a:ext uri="{FF2B5EF4-FFF2-40B4-BE49-F238E27FC236}">
+                <a16:creationId xmlns:a16="http://schemas.microsoft.com/office/drawing/2014/main" id="{47B59C60-12D2-BCE4-C924-04FC19DA2D47}"/>
+              </a:ext>
+            </a:extLst>
+          </p:cNvPr>
+          <p:cNvGrpSpPr/>
+          <p:nvPr/>
+        </p:nvGrpSpPr>
+        <p:grpSpPr>
+          <a:xfrm>
+            <a:off x="5578415" y="-64118"/>
+            <a:ext cx="2748460" cy="4553585"/>
+            <a:chOff x="5578415" y="-64118"/>
+            <a:chExt cx="2748460" cy="4553585"/>
+          </a:xfrm>
+        </p:grpSpPr>
+        <p:pic>
+          <p:nvPicPr>
+            <p:cNvPr id="40" name="Рисунок 1117">
+              <a:extLst>
+                <a:ext uri="{FF2B5EF4-FFF2-40B4-BE49-F238E27FC236}">
+                  <a16:creationId xmlns:a16="http://schemas.microsoft.com/office/drawing/2014/main" id="{66F89D84-40D8-29CE-C41C-248DAB7F6206}"/>
+                </a:ext>
+              </a:extLst>
+            </p:cNvPr>
+            <p:cNvPicPr>
+              <a:picLocks noChangeAspect="1"/>
+            </p:cNvPicPr>
+            <p:nvPr/>
+          </p:nvPicPr>
+          <p:blipFill>
+            <a:blip r:embed="rId5">
+              <a:extLst>
+                <a:ext uri="{28A0092B-C50C-407E-A947-70E740481C1C}">
+                  <a14:useLocalDpi xmlns:a14="http://schemas.microsoft.com/office/drawing/2010/main" val="0"/>
+                </a:ext>
+              </a:extLst>
+            </a:blip>
+            <a:stretch>
+              <a:fillRect/>
+            </a:stretch>
+          </p:blipFill>
+          <p:spPr>
+            <a:xfrm>
+              <a:off x="5630665" y="-64118"/>
+              <a:ext cx="2696210" cy="4553585"/>
+            </a:xfrm>
+            <a:prstGeom prst="rect">
+              <a:avLst/>
+            </a:prstGeom>
+          </p:spPr>
+        </p:pic>
+        <p:sp>
+          <p:nvSpPr>
+            <p:cNvPr id="41" name="Овал 2">
+              <a:extLst>
+                <a:ext uri="{FF2B5EF4-FFF2-40B4-BE49-F238E27FC236}">
+                  <a16:creationId xmlns:a16="http://schemas.microsoft.com/office/drawing/2014/main" id="{94FA0DA5-5DFF-4D1E-1052-DF2D94E13FF4}"/>
+                </a:ext>
+              </a:extLst>
+            </p:cNvPr>
+            <p:cNvSpPr/>
+            <p:nvPr/>
+          </p:nvSpPr>
+          <p:spPr>
+            <a:xfrm>
+              <a:off x="5578415" y="2941608"/>
+              <a:ext cx="1973580" cy="274320"/>
             </a:xfrm>
             <a:prstGeom prst="ellipse">
               <a:avLst/>

--- a/manual/Pictures 2.0.pptx
+++ b/manual/Pictures 2.0.pptx
@@ -30,8 +30,9 @@
     <p:sldId id="286" r:id="rId24"/>
     <p:sldId id="287" r:id="rId25"/>
     <p:sldId id="268" r:id="rId26"/>
-    <p:sldId id="288" r:id="rId27"/>
-    <p:sldId id="269" r:id="rId28"/>
+    <p:sldId id="289" r:id="rId27"/>
+    <p:sldId id="288" r:id="rId28"/>
+    <p:sldId id="269" r:id="rId29"/>
   </p:sldIdLst>
   <p:sldSz cx="9144000" cy="6858000" type="screen4x3"/>
   <p:notesSz cx="6858000" cy="9144000"/>
@@ -18757,6 +18758,302 @@
           <p:cNvPr id="6" name="Group 5">
             <a:extLst>
               <a:ext uri="{FF2B5EF4-FFF2-40B4-BE49-F238E27FC236}">
+                <a16:creationId xmlns:a16="http://schemas.microsoft.com/office/drawing/2014/main" id="{075F8EE3-F20D-6F92-1569-DEAA57A82C28}"/>
+              </a:ext>
+            </a:extLst>
+          </p:cNvPr>
+          <p:cNvGrpSpPr/>
+          <p:nvPr/>
+        </p:nvGrpSpPr>
+        <p:grpSpPr>
+          <a:xfrm>
+            <a:off x="2395537" y="2476500"/>
+            <a:ext cx="4352925" cy="1905000"/>
+            <a:chOff x="2395537" y="2476500"/>
+            <a:chExt cx="4352925" cy="1905000"/>
+          </a:xfrm>
+        </p:grpSpPr>
+        <p:pic>
+          <p:nvPicPr>
+            <p:cNvPr id="4" name="Picture 3">
+              <a:extLst>
+                <a:ext uri="{FF2B5EF4-FFF2-40B4-BE49-F238E27FC236}">
+                  <a16:creationId xmlns:a16="http://schemas.microsoft.com/office/drawing/2014/main" id="{61967D55-016F-06D1-0CBD-EEAE9A0B3FCE}"/>
+                </a:ext>
+              </a:extLst>
+            </p:cNvPr>
+            <p:cNvPicPr>
+              <a:picLocks noChangeAspect="1"/>
+            </p:cNvPicPr>
+            <p:nvPr/>
+          </p:nvPicPr>
+          <p:blipFill>
+            <a:blip r:embed="rId2"/>
+            <a:stretch>
+              <a:fillRect/>
+            </a:stretch>
+          </p:blipFill>
+          <p:spPr>
+            <a:xfrm>
+              <a:off x="2395537" y="2476500"/>
+              <a:ext cx="4352925" cy="1905000"/>
+            </a:xfrm>
+            <a:prstGeom prst="rect">
+              <a:avLst/>
+            </a:prstGeom>
+          </p:spPr>
+        </p:pic>
+        <p:sp>
+          <p:nvSpPr>
+            <p:cNvPr id="5" name="Rectangle: Rounded Corners 4">
+              <a:extLst>
+                <a:ext uri="{FF2B5EF4-FFF2-40B4-BE49-F238E27FC236}">
+                  <a16:creationId xmlns:a16="http://schemas.microsoft.com/office/drawing/2014/main" id="{ACA03396-4644-DB7B-95FA-3048FF5B9A63}"/>
+                </a:ext>
+              </a:extLst>
+            </p:cNvPr>
+            <p:cNvSpPr/>
+            <p:nvPr/>
+          </p:nvSpPr>
+          <p:spPr>
+            <a:xfrm>
+              <a:off x="2415395" y="2777706"/>
+              <a:ext cx="4304581" cy="465826"/>
+            </a:xfrm>
+            <a:prstGeom prst="roundRect">
+              <a:avLst/>
+            </a:prstGeom>
+            <a:noFill/>
+            <a:ln w="25400">
+              <a:solidFill>
+                <a:srgbClr val="FF0000"/>
+              </a:solidFill>
+            </a:ln>
+          </p:spPr>
+          <p:style>
+            <a:lnRef idx="2">
+              <a:schemeClr val="accent1">
+                <a:shade val="50000"/>
+              </a:schemeClr>
+            </a:lnRef>
+            <a:fillRef idx="1">
+              <a:schemeClr val="accent1"/>
+            </a:fillRef>
+            <a:effectRef idx="0">
+              <a:schemeClr val="accent1"/>
+            </a:effectRef>
+            <a:fontRef idx="minor">
+              <a:schemeClr val="lt1"/>
+            </a:fontRef>
+          </p:style>
+          <p:txBody>
+            <a:bodyPr rtlCol="0" anchor="ctr"/>
+            <a:lstStyle/>
+            <a:p>
+              <a:pPr algn="ctr"/>
+              <a:endParaRPr lang="en-US" dirty="0"/>
+            </a:p>
+          </p:txBody>
+        </p:sp>
+      </p:grpSp>
+      <p:grpSp>
+        <p:nvGrpSpPr>
+          <p:cNvPr id="15" name="Group 14">
+            <a:extLst>
+              <a:ext uri="{FF2B5EF4-FFF2-40B4-BE49-F238E27FC236}">
+                <a16:creationId xmlns:a16="http://schemas.microsoft.com/office/drawing/2014/main" id="{D5D32B3D-1683-BCF2-2201-395CB594D7E9}"/>
+              </a:ext>
+            </a:extLst>
+          </p:cNvPr>
+          <p:cNvGrpSpPr/>
+          <p:nvPr/>
+        </p:nvGrpSpPr>
+        <p:grpSpPr>
+          <a:xfrm>
+            <a:off x="1067430" y="4480129"/>
+            <a:ext cx="1985066" cy="1237028"/>
+            <a:chOff x="1067430" y="4480129"/>
+            <a:chExt cx="1985066" cy="1237028"/>
+          </a:xfrm>
+        </p:grpSpPr>
+        <p:pic>
+          <p:nvPicPr>
+            <p:cNvPr id="8" name="Picture 7">
+              <a:extLst>
+                <a:ext uri="{FF2B5EF4-FFF2-40B4-BE49-F238E27FC236}">
+                  <a16:creationId xmlns:a16="http://schemas.microsoft.com/office/drawing/2014/main" id="{100AB3D9-8FB5-9A48-9606-224DA35A0B77}"/>
+                </a:ext>
+              </a:extLst>
+            </p:cNvPr>
+            <p:cNvPicPr>
+              <a:picLocks noChangeAspect="1"/>
+            </p:cNvPicPr>
+            <p:nvPr/>
+          </p:nvPicPr>
+          <p:blipFill>
+            <a:blip r:embed="rId3"/>
+            <a:stretch>
+              <a:fillRect/>
+            </a:stretch>
+          </p:blipFill>
+          <p:spPr>
+            <a:xfrm>
+              <a:off x="1433872" y="4574157"/>
+              <a:ext cx="600075" cy="1143000"/>
+            </a:xfrm>
+            <a:prstGeom prst="rect">
+              <a:avLst/>
+            </a:prstGeom>
+          </p:spPr>
+        </p:pic>
+        <p:pic>
+          <p:nvPicPr>
+            <p:cNvPr id="12" name="Picture 11">
+              <a:extLst>
+                <a:ext uri="{FF2B5EF4-FFF2-40B4-BE49-F238E27FC236}">
+                  <a16:creationId xmlns:a16="http://schemas.microsoft.com/office/drawing/2014/main" id="{CCFC2153-091A-C8DE-2FD6-EB9912A8B517}"/>
+                </a:ext>
+              </a:extLst>
+            </p:cNvPr>
+            <p:cNvPicPr>
+              <a:picLocks noChangeAspect="1"/>
+            </p:cNvPicPr>
+            <p:nvPr/>
+          </p:nvPicPr>
+          <p:blipFill>
+            <a:blip r:embed="rId4"/>
+            <a:stretch>
+              <a:fillRect/>
+            </a:stretch>
+          </p:blipFill>
+          <p:spPr>
+            <a:xfrm>
+              <a:off x="2471471" y="4570294"/>
+              <a:ext cx="581025" cy="1143000"/>
+            </a:xfrm>
+            <a:prstGeom prst="rect">
+              <a:avLst/>
+            </a:prstGeom>
+          </p:spPr>
+        </p:pic>
+        <p:sp>
+          <p:nvSpPr>
+            <p:cNvPr id="13" name="TextBox 12">
+              <a:extLst>
+                <a:ext uri="{FF2B5EF4-FFF2-40B4-BE49-F238E27FC236}">
+                  <a16:creationId xmlns:a16="http://schemas.microsoft.com/office/drawing/2014/main" id="{2F41C986-12FA-8C38-6617-8755795FC86D}"/>
+                </a:ext>
+              </a:extLst>
+            </p:cNvPr>
+            <p:cNvSpPr txBox="1"/>
+            <p:nvPr/>
+          </p:nvSpPr>
+          <p:spPr>
+            <a:xfrm>
+              <a:off x="1067430" y="4480131"/>
+              <a:ext cx="439948" cy="369332"/>
+            </a:xfrm>
+            <a:prstGeom prst="rect">
+              <a:avLst/>
+            </a:prstGeom>
+            <a:noFill/>
+          </p:spPr>
+          <p:txBody>
+            <a:bodyPr wrap="square" rtlCol="0">
+              <a:spAutoFit/>
+            </a:bodyPr>
+            <a:lstStyle/>
+            <a:p>
+              <a:r>
+                <a:rPr lang="en-US" dirty="0">
+                  <a:solidFill>
+                    <a:srgbClr val="FF0000"/>
+                  </a:solidFill>
+                  <a:latin typeface="Times New Roman" panose="02020603050405020304" pitchFamily="18" charset="0"/>
+                  <a:cs typeface="Times New Roman" panose="02020603050405020304" pitchFamily="18" charset="0"/>
+                </a:rPr>
+                <a:t>(a)</a:t>
+              </a:r>
+            </a:p>
+          </p:txBody>
+        </p:sp>
+        <p:sp>
+          <p:nvSpPr>
+            <p:cNvPr id="14" name="TextBox 13">
+              <a:extLst>
+                <a:ext uri="{FF2B5EF4-FFF2-40B4-BE49-F238E27FC236}">
+                  <a16:creationId xmlns:a16="http://schemas.microsoft.com/office/drawing/2014/main" id="{F7875113-59A2-C647-B047-0B5472B0ED6D}"/>
+                </a:ext>
+              </a:extLst>
+            </p:cNvPr>
+            <p:cNvSpPr txBox="1"/>
+            <p:nvPr/>
+          </p:nvSpPr>
+          <p:spPr>
+            <a:xfrm>
+              <a:off x="2097840" y="4480129"/>
+              <a:ext cx="499613" cy="369332"/>
+            </a:xfrm>
+            <a:prstGeom prst="rect">
+              <a:avLst/>
+            </a:prstGeom>
+            <a:noFill/>
+          </p:spPr>
+          <p:txBody>
+            <a:bodyPr wrap="square" rtlCol="0">
+              <a:spAutoFit/>
+            </a:bodyPr>
+            <a:lstStyle/>
+            <a:p>
+              <a:r>
+                <a:rPr lang="en-US" dirty="0">
+                  <a:solidFill>
+                    <a:srgbClr val="FF0000"/>
+                  </a:solidFill>
+                  <a:latin typeface="Times New Roman" panose="02020603050405020304" pitchFamily="18" charset="0"/>
+                  <a:cs typeface="Times New Roman" panose="02020603050405020304" pitchFamily="18" charset="0"/>
+                </a:rPr>
+                <a:t>(b)</a:t>
+              </a:r>
+            </a:p>
+          </p:txBody>
+        </p:sp>
+      </p:grpSp>
+    </p:spTree>
+    <p:extLst>
+      <p:ext uri="{BB962C8B-B14F-4D97-AF65-F5344CB8AC3E}">
+        <p14:creationId xmlns:p14="http://schemas.microsoft.com/office/powerpoint/2010/main" val="2484618554"/>
+      </p:ext>
+    </p:extLst>
+  </p:cSld>
+  <p:clrMapOvr>
+    <a:masterClrMapping/>
+  </p:clrMapOvr>
+</p:sld>
+</file>
+
+<file path=ppt/slides/slide27.xml><?xml version="1.0" encoding="utf-8"?>
+<p:sld xmlns:a="http://schemas.openxmlformats.org/drawingml/2006/main" xmlns:r="http://schemas.openxmlformats.org/officeDocument/2006/relationships" xmlns:p="http://schemas.openxmlformats.org/presentationml/2006/main">
+  <p:cSld>
+    <p:spTree>
+      <p:nvGrpSpPr>
+        <p:cNvPr id="1" name=""/>
+        <p:cNvGrpSpPr/>
+        <p:nvPr/>
+      </p:nvGrpSpPr>
+      <p:grpSpPr>
+        <a:xfrm>
+          <a:off x="0" y="0"/>
+          <a:ext cx="0" cy="0"/>
+          <a:chOff x="0" y="0"/>
+          <a:chExt cx="0" cy="0"/>
+        </a:xfrm>
+      </p:grpSpPr>
+      <p:grpSp>
+        <p:nvGrpSpPr>
+          <p:cNvPr id="6" name="Group 5">
+            <a:extLst>
+              <a:ext uri="{FF2B5EF4-FFF2-40B4-BE49-F238E27FC236}">
                 <a16:creationId xmlns:a16="http://schemas.microsoft.com/office/drawing/2014/main" id="{B8F7B21F-B130-760A-41CF-6BC74998C3A8}"/>
               </a:ext>
             </a:extLst>
@@ -18976,7 +19273,7 @@
 </p:sld>
 </file>
 
-<file path=ppt/slides/slide27.xml><?xml version="1.0" encoding="utf-8"?>
+<file path=ppt/slides/slide28.xml><?xml version="1.0" encoding="utf-8"?>
 <p:sld xmlns:a="http://schemas.openxmlformats.org/drawingml/2006/main" xmlns:r="http://schemas.openxmlformats.org/officeDocument/2006/relationships" xmlns:p="http://schemas.openxmlformats.org/presentationml/2006/main">
   <p:cSld>
     <p:spTree>

--- a/manual/Pictures 2.0.pptx
+++ b/manual/Pictures 2.0.pptx
@@ -281,7 +281,7 @@
           <a:p>
             <a:fld id="{55465C39-D47E-4138-800A-7D6CA5F3257E}" type="datetimeFigureOut">
               <a:rPr lang="ru-RU" smtClean="0"/>
-              <a:t>12.11.2022</a:t>
+              <a:t>13.11.2022</a:t>
             </a:fld>
             <a:endParaRPr lang="ru-RU"/>
           </a:p>
@@ -451,7 +451,7 @@
           <a:p>
             <a:fld id="{55465C39-D47E-4138-800A-7D6CA5F3257E}" type="datetimeFigureOut">
               <a:rPr lang="ru-RU" smtClean="0"/>
-              <a:t>12.11.2022</a:t>
+              <a:t>13.11.2022</a:t>
             </a:fld>
             <a:endParaRPr lang="ru-RU"/>
           </a:p>
@@ -631,7 +631,7 @@
           <a:p>
             <a:fld id="{55465C39-D47E-4138-800A-7D6CA5F3257E}" type="datetimeFigureOut">
               <a:rPr lang="ru-RU" smtClean="0"/>
-              <a:t>12.11.2022</a:t>
+              <a:t>13.11.2022</a:t>
             </a:fld>
             <a:endParaRPr lang="ru-RU"/>
           </a:p>
@@ -801,7 +801,7 @@
           <a:p>
             <a:fld id="{55465C39-D47E-4138-800A-7D6CA5F3257E}" type="datetimeFigureOut">
               <a:rPr lang="ru-RU" smtClean="0"/>
-              <a:t>12.11.2022</a:t>
+              <a:t>13.11.2022</a:t>
             </a:fld>
             <a:endParaRPr lang="ru-RU"/>
           </a:p>
@@ -1045,7 +1045,7 @@
           <a:p>
             <a:fld id="{55465C39-D47E-4138-800A-7D6CA5F3257E}" type="datetimeFigureOut">
               <a:rPr lang="ru-RU" smtClean="0"/>
-              <a:t>12.11.2022</a:t>
+              <a:t>13.11.2022</a:t>
             </a:fld>
             <a:endParaRPr lang="ru-RU"/>
           </a:p>
@@ -1277,7 +1277,7 @@
           <a:p>
             <a:fld id="{55465C39-D47E-4138-800A-7D6CA5F3257E}" type="datetimeFigureOut">
               <a:rPr lang="ru-RU" smtClean="0"/>
-              <a:t>12.11.2022</a:t>
+              <a:t>13.11.2022</a:t>
             </a:fld>
             <a:endParaRPr lang="ru-RU"/>
           </a:p>
@@ -1644,7 +1644,7 @@
           <a:p>
             <a:fld id="{55465C39-D47E-4138-800A-7D6CA5F3257E}" type="datetimeFigureOut">
               <a:rPr lang="ru-RU" smtClean="0"/>
-              <a:t>12.11.2022</a:t>
+              <a:t>13.11.2022</a:t>
             </a:fld>
             <a:endParaRPr lang="ru-RU"/>
           </a:p>
@@ -1762,7 +1762,7 @@
           <a:p>
             <a:fld id="{55465C39-D47E-4138-800A-7D6CA5F3257E}" type="datetimeFigureOut">
               <a:rPr lang="ru-RU" smtClean="0"/>
-              <a:t>12.11.2022</a:t>
+              <a:t>13.11.2022</a:t>
             </a:fld>
             <a:endParaRPr lang="ru-RU"/>
           </a:p>
@@ -1857,7 +1857,7 @@
           <a:p>
             <a:fld id="{55465C39-D47E-4138-800A-7D6CA5F3257E}" type="datetimeFigureOut">
               <a:rPr lang="ru-RU" smtClean="0"/>
-              <a:t>12.11.2022</a:t>
+              <a:t>13.11.2022</a:t>
             </a:fld>
             <a:endParaRPr lang="ru-RU"/>
           </a:p>
@@ -2134,7 +2134,7 @@
           <a:p>
             <a:fld id="{55465C39-D47E-4138-800A-7D6CA5F3257E}" type="datetimeFigureOut">
               <a:rPr lang="ru-RU" smtClean="0"/>
-              <a:t>12.11.2022</a:t>
+              <a:t>13.11.2022</a:t>
             </a:fld>
             <a:endParaRPr lang="ru-RU"/>
           </a:p>
@@ -2391,7 +2391,7 @@
           <a:p>
             <a:fld id="{55465C39-D47E-4138-800A-7D6CA5F3257E}" type="datetimeFigureOut">
               <a:rPr lang="ru-RU" smtClean="0"/>
-              <a:t>12.11.2022</a:t>
+              <a:t>13.11.2022</a:t>
             </a:fld>
             <a:endParaRPr lang="ru-RU"/>
           </a:p>
@@ -2604,7 +2604,7 @@
           <a:p>
             <a:fld id="{55465C39-D47E-4138-800A-7D6CA5F3257E}" type="datetimeFigureOut">
               <a:rPr lang="ru-RU" smtClean="0"/>
-              <a:t>12.11.2022</a:t>
+              <a:t>13.11.2022</a:t>
             </a:fld>
             <a:endParaRPr lang="ru-RU"/>
           </a:p>
@@ -13076,6 +13076,36 @@
           </a:prstGeom>
         </p:spPr>
       </p:pic>
+      <p:pic>
+        <p:nvPicPr>
+          <p:cNvPr id="2" name="Picture 1">
+            <a:extLst>
+              <a:ext uri="{FF2B5EF4-FFF2-40B4-BE49-F238E27FC236}">
+                <a16:creationId xmlns:a16="http://schemas.microsoft.com/office/drawing/2014/main" id="{B0281A3A-BE24-2672-031F-97928E45B97A}"/>
+              </a:ext>
+            </a:extLst>
+          </p:cNvPr>
+          <p:cNvPicPr>
+            <a:picLocks noChangeAspect="1"/>
+          </p:cNvPicPr>
+          <p:nvPr/>
+        </p:nvPicPr>
+        <p:blipFill>
+          <a:blip r:embed="rId12"/>
+          <a:stretch>
+            <a:fillRect/>
+          </a:stretch>
+        </p:blipFill>
+        <p:spPr>
+          <a:xfrm>
+            <a:off x="1223692" y="4186867"/>
+            <a:ext cx="209550" cy="209550"/>
+          </a:xfrm>
+          <a:prstGeom prst="rect">
+            <a:avLst/>
+          </a:prstGeom>
+        </p:spPr>
+      </p:pic>
     </p:spTree>
     <p:extLst>
       <p:ext uri="{BB962C8B-B14F-4D97-AF65-F5344CB8AC3E}">

--- a/manual/Pictures 2.0.pptx
+++ b/manual/Pictures 2.0.pptx
@@ -13,37 +13,39 @@
     <p:sldId id="295" r:id="rId7"/>
     <p:sldId id="296" r:id="rId8"/>
     <p:sldId id="297" r:id="rId9"/>
-    <p:sldId id="298" r:id="rId10"/>
-    <p:sldId id="299" r:id="rId11"/>
-    <p:sldId id="294" r:id="rId12"/>
-    <p:sldId id="300" r:id="rId13"/>
-    <p:sldId id="271" r:id="rId14"/>
-    <p:sldId id="263" r:id="rId15"/>
-    <p:sldId id="272" r:id="rId16"/>
-    <p:sldId id="270" r:id="rId17"/>
-    <p:sldId id="273" r:id="rId18"/>
-    <p:sldId id="274" r:id="rId19"/>
-    <p:sldId id="275" r:id="rId20"/>
-    <p:sldId id="276" r:id="rId21"/>
-    <p:sldId id="277" r:id="rId22"/>
-    <p:sldId id="278" r:id="rId23"/>
-    <p:sldId id="279" r:id="rId24"/>
-    <p:sldId id="264" r:id="rId25"/>
-    <p:sldId id="280" r:id="rId26"/>
-    <p:sldId id="281" r:id="rId27"/>
-    <p:sldId id="265" r:id="rId28"/>
-    <p:sldId id="283" r:id="rId29"/>
-    <p:sldId id="282" r:id="rId30"/>
-    <p:sldId id="284" r:id="rId31"/>
-    <p:sldId id="285" r:id="rId32"/>
-    <p:sldId id="266" r:id="rId33"/>
-    <p:sldId id="267" r:id="rId34"/>
-    <p:sldId id="286" r:id="rId35"/>
-    <p:sldId id="287" r:id="rId36"/>
-    <p:sldId id="268" r:id="rId37"/>
-    <p:sldId id="289" r:id="rId38"/>
-    <p:sldId id="288" r:id="rId39"/>
-    <p:sldId id="269" r:id="rId40"/>
+    <p:sldId id="301" r:id="rId10"/>
+    <p:sldId id="302" r:id="rId11"/>
+    <p:sldId id="298" r:id="rId12"/>
+    <p:sldId id="299" r:id="rId13"/>
+    <p:sldId id="294" r:id="rId14"/>
+    <p:sldId id="300" r:id="rId15"/>
+    <p:sldId id="271" r:id="rId16"/>
+    <p:sldId id="263" r:id="rId17"/>
+    <p:sldId id="272" r:id="rId18"/>
+    <p:sldId id="270" r:id="rId19"/>
+    <p:sldId id="273" r:id="rId20"/>
+    <p:sldId id="274" r:id="rId21"/>
+    <p:sldId id="275" r:id="rId22"/>
+    <p:sldId id="276" r:id="rId23"/>
+    <p:sldId id="277" r:id="rId24"/>
+    <p:sldId id="278" r:id="rId25"/>
+    <p:sldId id="279" r:id="rId26"/>
+    <p:sldId id="264" r:id="rId27"/>
+    <p:sldId id="280" r:id="rId28"/>
+    <p:sldId id="281" r:id="rId29"/>
+    <p:sldId id="265" r:id="rId30"/>
+    <p:sldId id="283" r:id="rId31"/>
+    <p:sldId id="282" r:id="rId32"/>
+    <p:sldId id="284" r:id="rId33"/>
+    <p:sldId id="285" r:id="rId34"/>
+    <p:sldId id="266" r:id="rId35"/>
+    <p:sldId id="267" r:id="rId36"/>
+    <p:sldId id="286" r:id="rId37"/>
+    <p:sldId id="287" r:id="rId38"/>
+    <p:sldId id="268" r:id="rId39"/>
+    <p:sldId id="289" r:id="rId40"/>
+    <p:sldId id="288" r:id="rId41"/>
+    <p:sldId id="269" r:id="rId42"/>
   </p:sldIdLst>
   <p:sldSz cx="9144000" cy="6858000" type="screen4x3"/>
   <p:notesSz cx="6858000" cy="9144000"/>
@@ -292,7 +294,7 @@
           <a:p>
             <a:fld id="{55465C39-D47E-4138-800A-7D6CA5F3257E}" type="datetimeFigureOut">
               <a:rPr lang="ru-RU" smtClean="0"/>
-              <a:t>21.11.2022</a:t>
+              <a:t>22.11.2022</a:t>
             </a:fld>
             <a:endParaRPr lang="ru-RU"/>
           </a:p>
@@ -462,7 +464,7 @@
           <a:p>
             <a:fld id="{55465C39-D47E-4138-800A-7D6CA5F3257E}" type="datetimeFigureOut">
               <a:rPr lang="ru-RU" smtClean="0"/>
-              <a:t>21.11.2022</a:t>
+              <a:t>22.11.2022</a:t>
             </a:fld>
             <a:endParaRPr lang="ru-RU"/>
           </a:p>
@@ -642,7 +644,7 @@
           <a:p>
             <a:fld id="{55465C39-D47E-4138-800A-7D6CA5F3257E}" type="datetimeFigureOut">
               <a:rPr lang="ru-RU" smtClean="0"/>
-              <a:t>21.11.2022</a:t>
+              <a:t>22.11.2022</a:t>
             </a:fld>
             <a:endParaRPr lang="ru-RU"/>
           </a:p>
@@ -812,7 +814,7 @@
           <a:p>
             <a:fld id="{55465C39-D47E-4138-800A-7D6CA5F3257E}" type="datetimeFigureOut">
               <a:rPr lang="ru-RU" smtClean="0"/>
-              <a:t>21.11.2022</a:t>
+              <a:t>22.11.2022</a:t>
             </a:fld>
             <a:endParaRPr lang="ru-RU"/>
           </a:p>
@@ -1056,7 +1058,7 @@
           <a:p>
             <a:fld id="{55465C39-D47E-4138-800A-7D6CA5F3257E}" type="datetimeFigureOut">
               <a:rPr lang="ru-RU" smtClean="0"/>
-              <a:t>21.11.2022</a:t>
+              <a:t>22.11.2022</a:t>
             </a:fld>
             <a:endParaRPr lang="ru-RU"/>
           </a:p>
@@ -1288,7 +1290,7 @@
           <a:p>
             <a:fld id="{55465C39-D47E-4138-800A-7D6CA5F3257E}" type="datetimeFigureOut">
               <a:rPr lang="ru-RU" smtClean="0"/>
-              <a:t>21.11.2022</a:t>
+              <a:t>22.11.2022</a:t>
             </a:fld>
             <a:endParaRPr lang="ru-RU"/>
           </a:p>
@@ -1655,7 +1657,7 @@
           <a:p>
             <a:fld id="{55465C39-D47E-4138-800A-7D6CA5F3257E}" type="datetimeFigureOut">
               <a:rPr lang="ru-RU" smtClean="0"/>
-              <a:t>21.11.2022</a:t>
+              <a:t>22.11.2022</a:t>
             </a:fld>
             <a:endParaRPr lang="ru-RU"/>
           </a:p>
@@ -1773,7 +1775,7 @@
           <a:p>
             <a:fld id="{55465C39-D47E-4138-800A-7D6CA5F3257E}" type="datetimeFigureOut">
               <a:rPr lang="ru-RU" smtClean="0"/>
-              <a:t>21.11.2022</a:t>
+              <a:t>22.11.2022</a:t>
             </a:fld>
             <a:endParaRPr lang="ru-RU"/>
           </a:p>
@@ -1868,7 +1870,7 @@
           <a:p>
             <a:fld id="{55465C39-D47E-4138-800A-7D6CA5F3257E}" type="datetimeFigureOut">
               <a:rPr lang="ru-RU" smtClean="0"/>
-              <a:t>21.11.2022</a:t>
+              <a:t>22.11.2022</a:t>
             </a:fld>
             <a:endParaRPr lang="ru-RU"/>
           </a:p>
@@ -2145,7 +2147,7 @@
           <a:p>
             <a:fld id="{55465C39-D47E-4138-800A-7D6CA5F3257E}" type="datetimeFigureOut">
               <a:rPr lang="ru-RU" smtClean="0"/>
-              <a:t>21.11.2022</a:t>
+              <a:t>22.11.2022</a:t>
             </a:fld>
             <a:endParaRPr lang="ru-RU"/>
           </a:p>
@@ -2402,7 +2404,7 @@
           <a:p>
             <a:fld id="{55465C39-D47E-4138-800A-7D6CA5F3257E}" type="datetimeFigureOut">
               <a:rPr lang="ru-RU" smtClean="0"/>
-              <a:t>21.11.2022</a:t>
+              <a:t>22.11.2022</a:t>
             </a:fld>
             <a:endParaRPr lang="ru-RU"/>
           </a:p>
@@ -2615,7 +2617,7 @@
           <a:p>
             <a:fld id="{55465C39-D47E-4138-800A-7D6CA5F3257E}" type="datetimeFigureOut">
               <a:rPr lang="ru-RU" smtClean="0"/>
-              <a:t>21.11.2022</a:t>
+              <a:t>22.11.2022</a:t>
             </a:fld>
             <a:endParaRPr lang="ru-RU"/>
           </a:p>
@@ -4234,6 +4236,517 @@
       </p:grpSpPr>
       <p:grpSp>
         <p:nvGrpSpPr>
+          <p:cNvPr id="12" name="Group 11">
+            <a:extLst>
+              <a:ext uri="{FF2B5EF4-FFF2-40B4-BE49-F238E27FC236}">
+                <a16:creationId xmlns:a16="http://schemas.microsoft.com/office/drawing/2014/main" id="{290186AC-02E8-517E-5804-143C25121D56}"/>
+              </a:ext>
+            </a:extLst>
+          </p:cNvPr>
+          <p:cNvGrpSpPr/>
+          <p:nvPr/>
+        </p:nvGrpSpPr>
+        <p:grpSpPr>
+          <a:xfrm>
+            <a:off x="1264330" y="0"/>
+            <a:ext cx="6579616" cy="6858000"/>
+            <a:chOff x="1264330" y="0"/>
+            <a:chExt cx="6579616" cy="6858000"/>
+          </a:xfrm>
+        </p:grpSpPr>
+        <p:pic>
+          <p:nvPicPr>
+            <p:cNvPr id="5" name="Picture 4">
+              <a:extLst>
+                <a:ext uri="{FF2B5EF4-FFF2-40B4-BE49-F238E27FC236}">
+                  <a16:creationId xmlns:a16="http://schemas.microsoft.com/office/drawing/2014/main" id="{BC175C5F-680D-DB49-6255-8515B5D98A30}"/>
+                </a:ext>
+              </a:extLst>
+            </p:cNvPr>
+            <p:cNvPicPr>
+              <a:picLocks noChangeAspect="1"/>
+            </p:cNvPicPr>
+            <p:nvPr/>
+          </p:nvPicPr>
+          <p:blipFill>
+            <a:blip r:embed="rId2"/>
+            <a:stretch>
+              <a:fillRect/>
+            </a:stretch>
+          </p:blipFill>
+          <p:spPr>
+            <a:xfrm>
+              <a:off x="1300053" y="0"/>
+              <a:ext cx="6543893" cy="6858000"/>
+            </a:xfrm>
+            <a:prstGeom prst="rect">
+              <a:avLst/>
+            </a:prstGeom>
+          </p:spPr>
+        </p:pic>
+        <p:sp>
+          <p:nvSpPr>
+            <p:cNvPr id="6" name="Овал 5">
+              <a:extLst>
+                <a:ext uri="{FF2B5EF4-FFF2-40B4-BE49-F238E27FC236}">
+                  <a16:creationId xmlns:a16="http://schemas.microsoft.com/office/drawing/2014/main" id="{CEBD5F91-1F25-F091-A5F6-4FA2081D8958}"/>
+                </a:ext>
+              </a:extLst>
+            </p:cNvPr>
+            <p:cNvSpPr/>
+            <p:nvPr/>
+          </p:nvSpPr>
+          <p:spPr>
+            <a:xfrm>
+              <a:off x="1264330" y="2078085"/>
+              <a:ext cx="802596" cy="276225"/>
+            </a:xfrm>
+            <a:prstGeom prst="ellipse">
+              <a:avLst/>
+            </a:prstGeom>
+            <a:noFill/>
+            <a:ln w="19050">
+              <a:solidFill>
+                <a:srgbClr val="FF0000"/>
+              </a:solidFill>
+            </a:ln>
+          </p:spPr>
+          <p:style>
+            <a:lnRef idx="2">
+              <a:schemeClr val="accent1">
+                <a:shade val="50000"/>
+              </a:schemeClr>
+            </a:lnRef>
+            <a:fillRef idx="1">
+              <a:schemeClr val="accent1"/>
+            </a:fillRef>
+            <a:effectRef idx="0">
+              <a:schemeClr val="accent1"/>
+            </a:effectRef>
+            <a:fontRef idx="minor">
+              <a:schemeClr val="lt1"/>
+            </a:fontRef>
+          </p:style>
+          <p:txBody>
+            <a:bodyPr rtlCol="0" anchor="ctr"/>
+            <a:lstStyle/>
+            <a:p>
+              <a:pPr algn="ctr"/>
+              <a:endParaRPr lang="ru-RU"/>
+            </a:p>
+          </p:txBody>
+        </p:sp>
+        <p:sp>
+          <p:nvSpPr>
+            <p:cNvPr id="7" name="TextBox 6">
+              <a:extLst>
+                <a:ext uri="{FF2B5EF4-FFF2-40B4-BE49-F238E27FC236}">
+                  <a16:creationId xmlns:a16="http://schemas.microsoft.com/office/drawing/2014/main" id="{FDB55ABB-8414-DC4F-489C-A136E8A1CF76}"/>
+                </a:ext>
+              </a:extLst>
+            </p:cNvPr>
+            <p:cNvSpPr txBox="1"/>
+            <p:nvPr/>
+          </p:nvSpPr>
+          <p:spPr>
+            <a:xfrm>
+              <a:off x="2308860" y="2541270"/>
+              <a:ext cx="1303019" cy="461665"/>
+            </a:xfrm>
+            <a:prstGeom prst="rect">
+              <a:avLst/>
+            </a:prstGeom>
+            <a:solidFill>
+              <a:schemeClr val="bg1"/>
+            </a:solidFill>
+            <a:ln>
+              <a:solidFill>
+                <a:srgbClr val="FF0000"/>
+              </a:solidFill>
+            </a:ln>
+          </p:spPr>
+          <p:txBody>
+            <a:bodyPr wrap="square" rtlCol="0">
+              <a:spAutoFit/>
+            </a:bodyPr>
+            <a:lstStyle/>
+            <a:p>
+              <a:r>
+                <a:rPr lang="ru-RU" sz="1200" dirty="0">
+                  <a:solidFill>
+                    <a:srgbClr val="FF0000"/>
+                  </a:solidFill>
+                </a:rPr>
+                <a:t>Можно поначалу  отключить</a:t>
+              </a:r>
+              <a:endParaRPr lang="en-US" sz="1200" dirty="0">
+                <a:solidFill>
+                  <a:srgbClr val="FF0000"/>
+                </a:solidFill>
+              </a:endParaRPr>
+            </a:p>
+          </p:txBody>
+        </p:sp>
+        <p:cxnSp>
+          <p:nvCxnSpPr>
+            <p:cNvPr id="10" name="Straight Arrow Connector 9">
+              <a:extLst>
+                <a:ext uri="{FF2B5EF4-FFF2-40B4-BE49-F238E27FC236}">
+                  <a16:creationId xmlns:a16="http://schemas.microsoft.com/office/drawing/2014/main" id="{8DC1BFC4-2FF0-D5A9-EDB6-3E911A833BFB}"/>
+                </a:ext>
+              </a:extLst>
+            </p:cNvPr>
+            <p:cNvCxnSpPr>
+              <a:cxnSpLocks/>
+            </p:cNvCxnSpPr>
+            <p:nvPr/>
+          </p:nvCxnSpPr>
+          <p:spPr>
+            <a:xfrm flipH="1" flipV="1">
+              <a:off x="2034540" y="2346960"/>
+              <a:ext cx="236220" cy="175260"/>
+            </a:xfrm>
+            <a:prstGeom prst="straightConnector1">
+              <a:avLst/>
+            </a:prstGeom>
+            <a:ln w="12700">
+              <a:solidFill>
+                <a:srgbClr val="FF0000"/>
+              </a:solidFill>
+              <a:tailEnd type="triangle"/>
+            </a:ln>
+          </p:spPr>
+          <p:style>
+            <a:lnRef idx="1">
+              <a:schemeClr val="accent1"/>
+            </a:lnRef>
+            <a:fillRef idx="0">
+              <a:schemeClr val="accent1"/>
+            </a:fillRef>
+            <a:effectRef idx="0">
+              <a:schemeClr val="accent1"/>
+            </a:effectRef>
+            <a:fontRef idx="minor">
+              <a:schemeClr val="tx1"/>
+            </a:fontRef>
+          </p:style>
+        </p:cxnSp>
+      </p:grpSp>
+      <p:sp>
+        <p:nvSpPr>
+          <p:cNvPr id="8" name="TextBox 7">
+            <a:extLst>
+              <a:ext uri="{FF2B5EF4-FFF2-40B4-BE49-F238E27FC236}">
+                <a16:creationId xmlns:a16="http://schemas.microsoft.com/office/drawing/2014/main" id="{D260AC5A-7550-E579-D5B0-70FD7D9708C2}"/>
+              </a:ext>
+            </a:extLst>
+          </p:cNvPr>
+          <p:cNvSpPr txBox="1"/>
+          <p:nvPr/>
+        </p:nvSpPr>
+        <p:spPr>
+          <a:xfrm>
+            <a:off x="219075" y="4293870"/>
+            <a:ext cx="1396365" cy="276999"/>
+          </a:xfrm>
+          <a:prstGeom prst="rect">
+            <a:avLst/>
+          </a:prstGeom>
+          <a:solidFill>
+            <a:schemeClr val="bg1"/>
+          </a:solidFill>
+          <a:ln>
+            <a:solidFill>
+              <a:srgbClr val="FF0000"/>
+            </a:solidFill>
+          </a:ln>
+        </p:spPr>
+        <p:txBody>
+          <a:bodyPr wrap="square" rtlCol="0">
+            <a:spAutoFit/>
+          </a:bodyPr>
+          <a:lstStyle/>
+          <a:p>
+            <a:r>
+              <a:rPr lang="en-US" sz="1200" dirty="0">
+                <a:solidFill>
+                  <a:srgbClr val="FF0000"/>
+                </a:solidFill>
+              </a:rPr>
+              <a:t>Disable at first runs</a:t>
+            </a:r>
+          </a:p>
+        </p:txBody>
+      </p:sp>
+    </p:spTree>
+    <p:extLst>
+      <p:ext uri="{BB962C8B-B14F-4D97-AF65-F5344CB8AC3E}">
+        <p14:creationId xmlns:p14="http://schemas.microsoft.com/office/powerpoint/2010/main" val="4263012663"/>
+      </p:ext>
+    </p:extLst>
+  </p:cSld>
+  <p:clrMapOvr>
+    <a:masterClrMapping/>
+  </p:clrMapOvr>
+</p:sld>
+</file>
+
+<file path=ppt/slides/slide11.xml><?xml version="1.0" encoding="utf-8"?>
+<p:sld xmlns:a="http://schemas.openxmlformats.org/drawingml/2006/main" xmlns:r="http://schemas.openxmlformats.org/officeDocument/2006/relationships" xmlns:p="http://schemas.openxmlformats.org/presentationml/2006/main">
+  <p:cSld>
+    <p:spTree>
+      <p:nvGrpSpPr>
+        <p:cNvPr id="1" name=""/>
+        <p:cNvGrpSpPr/>
+        <p:nvPr/>
+      </p:nvGrpSpPr>
+      <p:grpSpPr>
+        <a:xfrm>
+          <a:off x="0" y="0"/>
+          <a:ext cx="0" cy="0"/>
+          <a:chOff x="0" y="0"/>
+          <a:chExt cx="0" cy="0"/>
+        </a:xfrm>
+      </p:grpSpPr>
+      <p:grpSp>
+        <p:nvGrpSpPr>
+          <p:cNvPr id="12" name="Group 11">
+            <a:extLst>
+              <a:ext uri="{FF2B5EF4-FFF2-40B4-BE49-F238E27FC236}">
+                <a16:creationId xmlns:a16="http://schemas.microsoft.com/office/drawing/2014/main" id="{A098D79E-0DB6-F253-01AB-EC87600F4268}"/>
+              </a:ext>
+            </a:extLst>
+          </p:cNvPr>
+          <p:cNvGrpSpPr/>
+          <p:nvPr/>
+        </p:nvGrpSpPr>
+        <p:grpSpPr>
+          <a:xfrm>
+            <a:off x="881704" y="0"/>
+            <a:ext cx="7380591" cy="6858000"/>
+            <a:chOff x="881704" y="0"/>
+            <a:chExt cx="7380591" cy="6858000"/>
+          </a:xfrm>
+        </p:grpSpPr>
+        <p:pic>
+          <p:nvPicPr>
+            <p:cNvPr id="10" name="Picture 9">
+              <a:extLst>
+                <a:ext uri="{FF2B5EF4-FFF2-40B4-BE49-F238E27FC236}">
+                  <a16:creationId xmlns:a16="http://schemas.microsoft.com/office/drawing/2014/main" id="{19BCA880-52FD-E749-D3F7-4A0E323EAFD2}"/>
+                </a:ext>
+              </a:extLst>
+            </p:cNvPr>
+            <p:cNvPicPr>
+              <a:picLocks noChangeAspect="1"/>
+            </p:cNvPicPr>
+            <p:nvPr/>
+          </p:nvPicPr>
+          <p:blipFill>
+            <a:blip r:embed="rId2"/>
+            <a:stretch>
+              <a:fillRect/>
+            </a:stretch>
+          </p:blipFill>
+          <p:spPr>
+            <a:xfrm>
+              <a:off x="881704" y="0"/>
+              <a:ext cx="7380591" cy="6858000"/>
+            </a:xfrm>
+            <a:prstGeom prst="rect">
+              <a:avLst/>
+            </a:prstGeom>
+          </p:spPr>
+        </p:pic>
+        <p:sp>
+          <p:nvSpPr>
+            <p:cNvPr id="6" name="Овал 5">
+              <a:extLst>
+                <a:ext uri="{FF2B5EF4-FFF2-40B4-BE49-F238E27FC236}">
+                  <a16:creationId xmlns:a16="http://schemas.microsoft.com/office/drawing/2014/main" id="{77F11589-BB97-FD61-79A2-752C5A032AEE}"/>
+                </a:ext>
+              </a:extLst>
+            </p:cNvPr>
+            <p:cNvSpPr/>
+            <p:nvPr/>
+          </p:nvSpPr>
+          <p:spPr>
+            <a:xfrm>
+              <a:off x="952902" y="5419023"/>
+              <a:ext cx="1636294" cy="567890"/>
+            </a:xfrm>
+            <a:prstGeom prst="ellipse">
+              <a:avLst/>
+            </a:prstGeom>
+            <a:noFill/>
+            <a:ln w="19050">
+              <a:solidFill>
+                <a:srgbClr val="FF0000"/>
+              </a:solidFill>
+            </a:ln>
+          </p:spPr>
+          <p:style>
+            <a:lnRef idx="2">
+              <a:schemeClr val="accent1">
+                <a:shade val="50000"/>
+              </a:schemeClr>
+            </a:lnRef>
+            <a:fillRef idx="1">
+              <a:schemeClr val="accent1"/>
+            </a:fillRef>
+            <a:effectRef idx="0">
+              <a:schemeClr val="accent1"/>
+            </a:effectRef>
+            <a:fontRef idx="minor">
+              <a:schemeClr val="lt1"/>
+            </a:fontRef>
+          </p:style>
+          <p:txBody>
+            <a:bodyPr rtlCol="0" anchor="ctr"/>
+            <a:lstStyle/>
+            <a:p>
+              <a:pPr algn="ctr"/>
+              <a:endParaRPr lang="ru-RU"/>
+            </a:p>
+          </p:txBody>
+        </p:sp>
+        <p:sp>
+          <p:nvSpPr>
+            <p:cNvPr id="7" name="Овал 5">
+              <a:extLst>
+                <a:ext uri="{FF2B5EF4-FFF2-40B4-BE49-F238E27FC236}">
+                  <a16:creationId xmlns:a16="http://schemas.microsoft.com/office/drawing/2014/main" id="{48525BCB-B1AA-00A8-770C-3B1302137806}"/>
+                </a:ext>
+              </a:extLst>
+            </p:cNvPr>
+            <p:cNvSpPr/>
+            <p:nvPr/>
+          </p:nvSpPr>
+          <p:spPr>
+            <a:xfrm>
+              <a:off x="4331368" y="5427044"/>
+              <a:ext cx="1405289" cy="567890"/>
+            </a:xfrm>
+            <a:prstGeom prst="ellipse">
+              <a:avLst/>
+            </a:prstGeom>
+            <a:noFill/>
+            <a:ln w="19050">
+              <a:solidFill>
+                <a:srgbClr val="FF0000"/>
+              </a:solidFill>
+            </a:ln>
+          </p:spPr>
+          <p:style>
+            <a:lnRef idx="2">
+              <a:schemeClr val="accent1">
+                <a:shade val="50000"/>
+              </a:schemeClr>
+            </a:lnRef>
+            <a:fillRef idx="1">
+              <a:schemeClr val="accent1"/>
+            </a:fillRef>
+            <a:effectRef idx="0">
+              <a:schemeClr val="accent1"/>
+            </a:effectRef>
+            <a:fontRef idx="minor">
+              <a:schemeClr val="lt1"/>
+            </a:fontRef>
+          </p:style>
+          <p:txBody>
+            <a:bodyPr rtlCol="0" anchor="ctr"/>
+            <a:lstStyle/>
+            <a:p>
+              <a:pPr algn="ctr"/>
+              <a:endParaRPr lang="ru-RU"/>
+            </a:p>
+          </p:txBody>
+        </p:sp>
+        <p:sp>
+          <p:nvSpPr>
+            <p:cNvPr id="11" name="Овал 5">
+              <a:extLst>
+                <a:ext uri="{FF2B5EF4-FFF2-40B4-BE49-F238E27FC236}">
+                  <a16:creationId xmlns:a16="http://schemas.microsoft.com/office/drawing/2014/main" id="{3E214288-5DE7-51FC-271E-E664B405DBC3}"/>
+                </a:ext>
+              </a:extLst>
+            </p:cNvPr>
+            <p:cNvSpPr/>
+            <p:nvPr/>
+          </p:nvSpPr>
+          <p:spPr>
+            <a:xfrm>
+              <a:off x="4618522" y="3060833"/>
+              <a:ext cx="2792931" cy="452387"/>
+            </a:xfrm>
+            <a:prstGeom prst="ellipse">
+              <a:avLst/>
+            </a:prstGeom>
+            <a:noFill/>
+            <a:ln w="19050">
+              <a:solidFill>
+                <a:srgbClr val="FF0000"/>
+              </a:solidFill>
+            </a:ln>
+          </p:spPr>
+          <p:style>
+            <a:lnRef idx="2">
+              <a:schemeClr val="accent1">
+                <a:shade val="50000"/>
+              </a:schemeClr>
+            </a:lnRef>
+            <a:fillRef idx="1">
+              <a:schemeClr val="accent1"/>
+            </a:fillRef>
+            <a:effectRef idx="0">
+              <a:schemeClr val="accent1"/>
+            </a:effectRef>
+            <a:fontRef idx="minor">
+              <a:schemeClr val="lt1"/>
+            </a:fontRef>
+          </p:style>
+          <p:txBody>
+            <a:bodyPr rtlCol="0" anchor="ctr"/>
+            <a:lstStyle/>
+            <a:p>
+              <a:pPr algn="ctr"/>
+              <a:endParaRPr lang="ru-RU"/>
+            </a:p>
+          </p:txBody>
+        </p:sp>
+      </p:grpSp>
+    </p:spTree>
+    <p:extLst>
+      <p:ext uri="{BB962C8B-B14F-4D97-AF65-F5344CB8AC3E}">
+        <p14:creationId xmlns:p14="http://schemas.microsoft.com/office/powerpoint/2010/main" val="1695933048"/>
+      </p:ext>
+    </p:extLst>
+  </p:cSld>
+  <p:clrMapOvr>
+    <a:masterClrMapping/>
+  </p:clrMapOvr>
+</p:sld>
+</file>
+
+<file path=ppt/slides/slide12.xml><?xml version="1.0" encoding="utf-8"?>
+<p:sld xmlns:a="http://schemas.openxmlformats.org/drawingml/2006/main" xmlns:r="http://schemas.openxmlformats.org/officeDocument/2006/relationships" xmlns:p="http://schemas.openxmlformats.org/presentationml/2006/main">
+  <p:cSld>
+    <p:spTree>
+      <p:nvGrpSpPr>
+        <p:cNvPr id="1" name=""/>
+        <p:cNvGrpSpPr/>
+        <p:nvPr/>
+      </p:nvGrpSpPr>
+      <p:grpSpPr>
+        <a:xfrm>
+          <a:off x="0" y="0"/>
+          <a:ext cx="0" cy="0"/>
+          <a:chOff x="0" y="0"/>
+          <a:chExt cx="0" cy="0"/>
+        </a:xfrm>
+      </p:grpSpPr>
+      <p:grpSp>
+        <p:nvGrpSpPr>
           <p:cNvPr id="10" name="Group 9">
             <a:extLst>
               <a:ext uri="{FF2B5EF4-FFF2-40B4-BE49-F238E27FC236}">
@@ -4348,7 +4861,7 @@
 </p:sld>
 </file>
 
-<file path=ppt/slides/slide11.xml><?xml version="1.0" encoding="utf-8"?>
+<file path=ppt/slides/slide13.xml><?xml version="1.0" encoding="utf-8"?>
 <p:sld xmlns:a="http://schemas.openxmlformats.org/drawingml/2006/main" xmlns:r="http://schemas.openxmlformats.org/officeDocument/2006/relationships" xmlns:p="http://schemas.openxmlformats.org/presentationml/2006/main">
   <p:cSld>
     <p:spTree>
@@ -4583,7 +5096,7 @@
 </p:sld>
 </file>
 
-<file path=ppt/slides/slide12.xml><?xml version="1.0" encoding="utf-8"?>
+<file path=ppt/slides/slide14.xml><?xml version="1.0" encoding="utf-8"?>
 <p:sld xmlns:a="http://schemas.openxmlformats.org/drawingml/2006/main" xmlns:r="http://schemas.openxmlformats.org/officeDocument/2006/relationships" xmlns:p="http://schemas.openxmlformats.org/presentationml/2006/main">
   <p:cSld>
     <p:spTree>
@@ -4942,7 +5455,7 @@
 </p:sld>
 </file>
 
-<file path=ppt/slides/slide13.xml><?xml version="1.0" encoding="utf-8"?>
+<file path=ppt/slides/slide15.xml><?xml version="1.0" encoding="utf-8"?>
 <p:sld xmlns:a="http://schemas.openxmlformats.org/drawingml/2006/main" xmlns:r="http://schemas.openxmlformats.org/officeDocument/2006/relationships" xmlns:p="http://schemas.openxmlformats.org/presentationml/2006/main">
   <p:cSld>
     <p:spTree>
@@ -5629,7 +6142,7 @@
 </p:sld>
 </file>
 
-<file path=ppt/slides/slide14.xml><?xml version="1.0" encoding="utf-8"?>
+<file path=ppt/slides/slide16.xml><?xml version="1.0" encoding="utf-8"?>
 <p:sld xmlns:a="http://schemas.openxmlformats.org/drawingml/2006/main" xmlns:r="http://schemas.openxmlformats.org/officeDocument/2006/relationships" xmlns:p="http://schemas.openxmlformats.org/presentationml/2006/main">
   <p:cSld>
     <p:spTree>
@@ -8420,7 +8933,7 @@
 </p:sld>
 </file>
 
-<file path=ppt/slides/slide15.xml><?xml version="1.0" encoding="utf-8"?>
+<file path=ppt/slides/slide17.xml><?xml version="1.0" encoding="utf-8"?>
 <p:sld xmlns:a="http://schemas.openxmlformats.org/drawingml/2006/main" xmlns:r="http://schemas.openxmlformats.org/officeDocument/2006/relationships" xmlns:p="http://schemas.openxmlformats.org/presentationml/2006/main">
   <p:cSld>
     <p:spTree>
@@ -8783,7 +9296,7 @@
 </p:sld>
 </file>
 
-<file path=ppt/slides/slide16.xml><?xml version="1.0" encoding="utf-8"?>
+<file path=ppt/slides/slide18.xml><?xml version="1.0" encoding="utf-8"?>
 <p:sld xmlns:a="http://schemas.openxmlformats.org/drawingml/2006/main" xmlns:r="http://schemas.openxmlformats.org/officeDocument/2006/relationships" xmlns:p="http://schemas.openxmlformats.org/presentationml/2006/main">
   <p:cSld>
     <p:spTree>
@@ -9355,7 +9868,7 @@
 </p:sld>
 </file>
 
-<file path=ppt/slides/slide17.xml><?xml version="1.0" encoding="utf-8"?>
+<file path=ppt/slides/slide19.xml><?xml version="1.0" encoding="utf-8"?>
 <p:sld xmlns:a="http://schemas.openxmlformats.org/drawingml/2006/main" xmlns:r="http://schemas.openxmlformats.org/officeDocument/2006/relationships" xmlns:p="http://schemas.openxmlformats.org/presentationml/2006/main">
   <p:cSld>
     <p:spTree>
@@ -9779,7 +10292,697 @@
 </p:sld>
 </file>
 
-<file path=ppt/slides/slide18.xml><?xml version="1.0" encoding="utf-8"?>
+<file path=ppt/slides/slide2.xml><?xml version="1.0" encoding="utf-8"?>
+<p:sld xmlns:a="http://schemas.openxmlformats.org/drawingml/2006/main" xmlns:r="http://schemas.openxmlformats.org/officeDocument/2006/relationships" xmlns:p="http://schemas.openxmlformats.org/presentationml/2006/main">
+  <p:cSld>
+    <p:spTree>
+      <p:nvGrpSpPr>
+        <p:cNvPr id="1" name=""/>
+        <p:cNvGrpSpPr/>
+        <p:nvPr/>
+      </p:nvGrpSpPr>
+      <p:grpSpPr>
+        <a:xfrm>
+          <a:off x="0" y="0"/>
+          <a:ext cx="0" cy="0"/>
+          <a:chOff x="0" y="0"/>
+          <a:chExt cx="0" cy="0"/>
+        </a:xfrm>
+      </p:grpSpPr>
+      <p:grpSp>
+        <p:nvGrpSpPr>
+          <p:cNvPr id="54" name="Group 53">
+            <a:extLst>
+              <a:ext uri="{FF2B5EF4-FFF2-40B4-BE49-F238E27FC236}">
+                <a16:creationId xmlns:a16="http://schemas.microsoft.com/office/drawing/2014/main" id="{5BF7E28E-C601-E8CC-B138-F60236C980DC}"/>
+              </a:ext>
+            </a:extLst>
+          </p:cNvPr>
+          <p:cNvGrpSpPr/>
+          <p:nvPr/>
+        </p:nvGrpSpPr>
+        <p:grpSpPr>
+          <a:xfrm>
+            <a:off x="666750" y="355132"/>
+            <a:ext cx="6838950" cy="5861518"/>
+            <a:chOff x="2076450" y="136057"/>
+            <a:chExt cx="6838950" cy="5861518"/>
+          </a:xfrm>
+        </p:grpSpPr>
+        <p:sp>
+          <p:nvSpPr>
+            <p:cNvPr id="52" name="TextBox 51">
+              <a:extLst>
+                <a:ext uri="{FF2B5EF4-FFF2-40B4-BE49-F238E27FC236}">
+                  <a16:creationId xmlns:a16="http://schemas.microsoft.com/office/drawing/2014/main" id="{1DA3756F-BF91-770E-6400-9B56418B5B6E}"/>
+                </a:ext>
+              </a:extLst>
+            </p:cNvPr>
+            <p:cNvSpPr txBox="1"/>
+            <p:nvPr/>
+          </p:nvSpPr>
+          <p:spPr>
+            <a:xfrm>
+              <a:off x="2309442" y="2078427"/>
+              <a:ext cx="1426368" cy="430887"/>
+            </a:xfrm>
+            <a:prstGeom prst="rect">
+              <a:avLst/>
+            </a:prstGeom>
+            <a:noFill/>
+          </p:spPr>
+          <p:txBody>
+            <a:bodyPr wrap="square" rtlCol="0">
+              <a:spAutoFit/>
+            </a:bodyPr>
+            <a:lstStyle/>
+            <a:p>
+              <a:pPr algn="ctr"/>
+              <a:r>
+                <a:rPr lang="ru-RU" sz="1100" dirty="0">
+                  <a:latin typeface="Times New Roman" panose="02020603050405020304" pitchFamily="18" charset="0"/>
+                  <a:cs typeface="Times New Roman" panose="02020603050405020304" pitchFamily="18" charset="0"/>
+                </a:rPr>
+                <a:t>Вкладки со структурами</a:t>
+              </a:r>
+            </a:p>
+          </p:txBody>
+        </p:sp>
+        <p:pic>
+          <p:nvPicPr>
+            <p:cNvPr id="13" name="Picture 12">
+              <a:extLst>
+                <a:ext uri="{FF2B5EF4-FFF2-40B4-BE49-F238E27FC236}">
+                  <a16:creationId xmlns:a16="http://schemas.microsoft.com/office/drawing/2014/main" id="{7293C1A7-831F-3391-D34D-3D5D925583BF}"/>
+                </a:ext>
+              </a:extLst>
+            </p:cNvPr>
+            <p:cNvPicPr>
+              <a:picLocks noChangeAspect="1"/>
+            </p:cNvPicPr>
+            <p:nvPr/>
+          </p:nvPicPr>
+          <p:blipFill rotWithShape="1">
+            <a:blip r:embed="rId2"/>
+            <a:srcRect t="3007" r="3954" b="10074"/>
+            <a:stretch/>
+          </p:blipFill>
+          <p:spPr>
+            <a:xfrm>
+              <a:off x="3362325" y="136057"/>
+              <a:ext cx="5553075" cy="5861518"/>
+            </a:xfrm>
+            <a:prstGeom prst="rect">
+              <a:avLst/>
+            </a:prstGeom>
+          </p:spPr>
+        </p:pic>
+        <p:sp>
+          <p:nvSpPr>
+            <p:cNvPr id="25" name="Левая фигурная скобка 25">
+              <a:extLst>
+                <a:ext uri="{FF2B5EF4-FFF2-40B4-BE49-F238E27FC236}">
+                  <a16:creationId xmlns:a16="http://schemas.microsoft.com/office/drawing/2014/main" id="{B6614261-C60C-D958-8B3D-06F2DAFC5E84}"/>
+                </a:ext>
+              </a:extLst>
+            </p:cNvPr>
+            <p:cNvSpPr/>
+            <p:nvPr/>
+          </p:nvSpPr>
+          <p:spPr>
+            <a:xfrm>
+              <a:off x="3509592" y="2381250"/>
+              <a:ext cx="276225" cy="612026"/>
+            </a:xfrm>
+            <a:prstGeom prst="leftBrace">
+              <a:avLst>
+                <a:gd name="adj1" fmla="val 35919"/>
+                <a:gd name="adj2" fmla="val 50629"/>
+              </a:avLst>
+            </a:prstGeom>
+            <a:ln w="28575">
+              <a:solidFill>
+                <a:srgbClr val="0070C0"/>
+              </a:solidFill>
+            </a:ln>
+          </p:spPr>
+          <p:style>
+            <a:lnRef idx="1">
+              <a:schemeClr val="accent1"/>
+            </a:lnRef>
+            <a:fillRef idx="0">
+              <a:schemeClr val="accent1"/>
+            </a:fillRef>
+            <a:effectRef idx="0">
+              <a:schemeClr val="accent1"/>
+            </a:effectRef>
+            <a:fontRef idx="minor">
+              <a:schemeClr val="tx1"/>
+            </a:fontRef>
+          </p:style>
+          <p:txBody>
+            <a:bodyPr rtlCol="0" anchor="ctr"/>
+            <a:lstStyle/>
+            <a:p>
+              <a:pPr algn="ctr"/>
+              <a:endParaRPr lang="ru-RU" sz="1100">
+                <a:latin typeface="Times New Roman" panose="02020603050405020304" pitchFamily="18" charset="0"/>
+                <a:cs typeface="Times New Roman" panose="02020603050405020304" pitchFamily="18" charset="0"/>
+              </a:endParaRPr>
+            </a:p>
+          </p:txBody>
+        </p:sp>
+        <p:sp>
+          <p:nvSpPr>
+            <p:cNvPr id="40" name="Левая фигурная скобка 26">
+              <a:extLst>
+                <a:ext uri="{FF2B5EF4-FFF2-40B4-BE49-F238E27FC236}">
+                  <a16:creationId xmlns:a16="http://schemas.microsoft.com/office/drawing/2014/main" id="{76E6CBEF-42AC-A8B9-72D9-FDDEA1B7FFA3}"/>
+                </a:ext>
+              </a:extLst>
+            </p:cNvPr>
+            <p:cNvSpPr/>
+            <p:nvPr/>
+          </p:nvSpPr>
+          <p:spPr>
+            <a:xfrm>
+              <a:off x="3528642" y="3383802"/>
+              <a:ext cx="276225" cy="1254874"/>
+            </a:xfrm>
+            <a:prstGeom prst="leftBrace">
+              <a:avLst>
+                <a:gd name="adj1" fmla="val 35919"/>
+                <a:gd name="adj2" fmla="val 50629"/>
+              </a:avLst>
+            </a:prstGeom>
+            <a:ln w="28575">
+              <a:solidFill>
+                <a:srgbClr val="0070C0"/>
+              </a:solidFill>
+            </a:ln>
+          </p:spPr>
+          <p:style>
+            <a:lnRef idx="1">
+              <a:schemeClr val="accent1"/>
+            </a:lnRef>
+            <a:fillRef idx="0">
+              <a:schemeClr val="accent1"/>
+            </a:fillRef>
+            <a:effectRef idx="0">
+              <a:schemeClr val="accent1"/>
+            </a:effectRef>
+            <a:fontRef idx="minor">
+              <a:schemeClr val="tx1"/>
+            </a:fontRef>
+          </p:style>
+          <p:txBody>
+            <a:bodyPr rtlCol="0" anchor="ctr"/>
+            <a:lstStyle/>
+            <a:p>
+              <a:pPr algn="ctr"/>
+              <a:endParaRPr lang="ru-RU" sz="1100">
+                <a:latin typeface="Times New Roman" panose="02020603050405020304" pitchFamily="18" charset="0"/>
+                <a:cs typeface="Times New Roman" panose="02020603050405020304" pitchFamily="18" charset="0"/>
+              </a:endParaRPr>
+            </a:p>
+          </p:txBody>
+        </p:sp>
+        <p:cxnSp>
+          <p:nvCxnSpPr>
+            <p:cNvPr id="41" name="Прямая со стрелкой 27">
+              <a:extLst>
+                <a:ext uri="{FF2B5EF4-FFF2-40B4-BE49-F238E27FC236}">
+                  <a16:creationId xmlns:a16="http://schemas.microsoft.com/office/drawing/2014/main" id="{1C1E382F-E46E-B896-1705-4B11E87D258E}"/>
+                </a:ext>
+              </a:extLst>
+            </p:cNvPr>
+            <p:cNvCxnSpPr/>
+            <p:nvPr/>
+          </p:nvCxnSpPr>
+          <p:spPr>
+            <a:xfrm>
+              <a:off x="3535786" y="1936001"/>
+              <a:ext cx="269081" cy="0"/>
+            </a:xfrm>
+            <a:prstGeom prst="straightConnector1">
+              <a:avLst/>
+            </a:prstGeom>
+            <a:ln w="47625">
+              <a:tailEnd type="stealth" w="lg" len="lg"/>
+            </a:ln>
+          </p:spPr>
+          <p:style>
+            <a:lnRef idx="1">
+              <a:schemeClr val="accent1"/>
+            </a:lnRef>
+            <a:fillRef idx="0">
+              <a:schemeClr val="accent1"/>
+            </a:fillRef>
+            <a:effectRef idx="0">
+              <a:schemeClr val="accent1"/>
+            </a:effectRef>
+            <a:fontRef idx="minor">
+              <a:schemeClr val="tx1"/>
+            </a:fontRef>
+          </p:style>
+        </p:cxnSp>
+        <p:cxnSp>
+          <p:nvCxnSpPr>
+            <p:cNvPr id="42" name="Прямая со стрелкой 28">
+              <a:extLst>
+                <a:ext uri="{FF2B5EF4-FFF2-40B4-BE49-F238E27FC236}">
+                  <a16:creationId xmlns:a16="http://schemas.microsoft.com/office/drawing/2014/main" id="{1F3A4FFA-A1F2-2BC3-BE69-E1DCB52252EA}"/>
+                </a:ext>
+              </a:extLst>
+            </p:cNvPr>
+            <p:cNvCxnSpPr/>
+            <p:nvPr/>
+          </p:nvCxnSpPr>
+          <p:spPr>
+            <a:xfrm>
+              <a:off x="3536786" y="3183776"/>
+              <a:ext cx="269081" cy="0"/>
+            </a:xfrm>
+            <a:prstGeom prst="straightConnector1">
+              <a:avLst/>
+            </a:prstGeom>
+            <a:ln w="47625">
+              <a:tailEnd type="stealth" w="lg" len="lg"/>
+            </a:ln>
+          </p:spPr>
+          <p:style>
+            <a:lnRef idx="1">
+              <a:schemeClr val="accent1"/>
+            </a:lnRef>
+            <a:fillRef idx="0">
+              <a:schemeClr val="accent1"/>
+            </a:fillRef>
+            <a:effectRef idx="0">
+              <a:schemeClr val="accent1"/>
+            </a:effectRef>
+            <a:fontRef idx="minor">
+              <a:schemeClr val="tx1"/>
+            </a:fontRef>
+          </p:style>
+        </p:cxnSp>
+        <p:sp>
+          <p:nvSpPr>
+            <p:cNvPr id="43" name="TextBox 42">
+              <a:extLst>
+                <a:ext uri="{FF2B5EF4-FFF2-40B4-BE49-F238E27FC236}">
+                  <a16:creationId xmlns:a16="http://schemas.microsoft.com/office/drawing/2014/main" id="{E7160273-4890-950F-4CF8-0F32D60CCE82}"/>
+                </a:ext>
+              </a:extLst>
+            </p:cNvPr>
+            <p:cNvSpPr txBox="1"/>
+            <p:nvPr/>
+          </p:nvSpPr>
+          <p:spPr>
+            <a:xfrm>
+              <a:off x="2909517" y="1804794"/>
+              <a:ext cx="590550" cy="261610"/>
+            </a:xfrm>
+            <a:prstGeom prst="rect">
+              <a:avLst/>
+            </a:prstGeom>
+            <a:noFill/>
+          </p:spPr>
+          <p:txBody>
+            <a:bodyPr wrap="square" rtlCol="0">
+              <a:spAutoFit/>
+            </a:bodyPr>
+            <a:lstStyle/>
+            <a:p>
+              <a:pPr algn="ctr"/>
+              <a:r>
+                <a:rPr lang="ru-RU" sz="1100" dirty="0">
+                  <a:latin typeface="Times New Roman" panose="02020603050405020304" pitchFamily="18" charset="0"/>
+                  <a:cs typeface="Times New Roman" panose="02020603050405020304" pitchFamily="18" charset="0"/>
+                </a:rPr>
+                <a:t>Меню</a:t>
+              </a:r>
+            </a:p>
+          </p:txBody>
+        </p:sp>
+        <p:sp>
+          <p:nvSpPr>
+            <p:cNvPr id="44" name="TextBox 43">
+              <a:extLst>
+                <a:ext uri="{FF2B5EF4-FFF2-40B4-BE49-F238E27FC236}">
+                  <a16:creationId xmlns:a16="http://schemas.microsoft.com/office/drawing/2014/main" id="{94B37B5A-972E-CE73-FCE7-4D2118107393}"/>
+                </a:ext>
+              </a:extLst>
+            </p:cNvPr>
+            <p:cNvSpPr txBox="1"/>
+            <p:nvPr/>
+          </p:nvSpPr>
+          <p:spPr>
+            <a:xfrm>
+              <a:off x="2181224" y="2553216"/>
+              <a:ext cx="1375993" cy="261610"/>
+            </a:xfrm>
+            <a:prstGeom prst="rect">
+              <a:avLst/>
+            </a:prstGeom>
+            <a:noFill/>
+          </p:spPr>
+          <p:txBody>
+            <a:bodyPr wrap="square" rtlCol="0">
+              <a:spAutoFit/>
+            </a:bodyPr>
+            <a:lstStyle/>
+            <a:p>
+              <a:pPr algn="ctr"/>
+              <a:r>
+                <a:rPr lang="ru-RU" sz="1100" dirty="0">
+                  <a:latin typeface="Times New Roman" panose="02020603050405020304" pitchFamily="18" charset="0"/>
+                  <a:cs typeface="Times New Roman" panose="02020603050405020304" pitchFamily="18" charset="0"/>
+                </a:rPr>
+                <a:t>Слоистая структура</a:t>
+              </a:r>
+            </a:p>
+          </p:txBody>
+        </p:sp>
+        <p:sp>
+          <p:nvSpPr>
+            <p:cNvPr id="45" name="TextBox 44">
+              <a:extLst>
+                <a:ext uri="{FF2B5EF4-FFF2-40B4-BE49-F238E27FC236}">
+                  <a16:creationId xmlns:a16="http://schemas.microsoft.com/office/drawing/2014/main" id="{F5A6A9BE-2F9D-BC9E-FA0B-796214CF8A7B}"/>
+                </a:ext>
+              </a:extLst>
+            </p:cNvPr>
+            <p:cNvSpPr txBox="1"/>
+            <p:nvPr/>
+          </p:nvSpPr>
+          <p:spPr>
+            <a:xfrm>
+              <a:off x="2480892" y="2951483"/>
+              <a:ext cx="1199555" cy="430887"/>
+            </a:xfrm>
+            <a:prstGeom prst="rect">
+              <a:avLst/>
+            </a:prstGeom>
+            <a:noFill/>
+          </p:spPr>
+          <p:txBody>
+            <a:bodyPr wrap="square" rtlCol="0">
+              <a:spAutoFit/>
+            </a:bodyPr>
+            <a:lstStyle/>
+            <a:p>
+              <a:pPr algn="ctr"/>
+              <a:r>
+                <a:rPr lang="ru-RU" sz="1100" dirty="0">
+                  <a:latin typeface="Times New Roman" panose="02020603050405020304" pitchFamily="18" charset="0"/>
+                  <a:cs typeface="Times New Roman" panose="02020603050405020304" pitchFamily="18" charset="0"/>
+                </a:rPr>
+                <a:t>Панель инструментов</a:t>
+              </a:r>
+            </a:p>
+          </p:txBody>
+        </p:sp>
+        <p:sp>
+          <p:nvSpPr>
+            <p:cNvPr id="46" name="TextBox 45">
+              <a:extLst>
+                <a:ext uri="{FF2B5EF4-FFF2-40B4-BE49-F238E27FC236}">
+                  <a16:creationId xmlns:a16="http://schemas.microsoft.com/office/drawing/2014/main" id="{1CBFB2FA-C8D8-DFF1-DDE3-BF09F95A5E65}"/>
+                </a:ext>
+              </a:extLst>
+            </p:cNvPr>
+            <p:cNvSpPr txBox="1"/>
+            <p:nvPr/>
+          </p:nvSpPr>
+          <p:spPr>
+            <a:xfrm>
+              <a:off x="2299917" y="3810327"/>
+              <a:ext cx="1269652" cy="430887"/>
+            </a:xfrm>
+            <a:prstGeom prst="rect">
+              <a:avLst/>
+            </a:prstGeom>
+            <a:noFill/>
+          </p:spPr>
+          <p:txBody>
+            <a:bodyPr wrap="square" rtlCol="0">
+              <a:spAutoFit/>
+            </a:bodyPr>
+            <a:lstStyle/>
+            <a:p>
+              <a:pPr algn="ctr"/>
+              <a:r>
+                <a:rPr lang="ru-RU" sz="1100" dirty="0">
+                  <a:latin typeface="Times New Roman" panose="02020603050405020304" pitchFamily="18" charset="0"/>
+                  <a:cs typeface="Times New Roman" panose="02020603050405020304" pitchFamily="18" charset="0"/>
+                </a:rPr>
+                <a:t>Доступ к остальным окнам</a:t>
+              </a:r>
+            </a:p>
+          </p:txBody>
+        </p:sp>
+        <p:sp>
+          <p:nvSpPr>
+            <p:cNvPr id="47" name="TextBox 46">
+              <a:extLst>
+                <a:ext uri="{FF2B5EF4-FFF2-40B4-BE49-F238E27FC236}">
+                  <a16:creationId xmlns:a16="http://schemas.microsoft.com/office/drawing/2014/main" id="{CEE52F39-EF97-0595-15C7-8D7DC114BC09}"/>
+                </a:ext>
+              </a:extLst>
+            </p:cNvPr>
+            <p:cNvSpPr txBox="1"/>
+            <p:nvPr/>
+          </p:nvSpPr>
+          <p:spPr>
+            <a:xfrm>
+              <a:off x="2076450" y="5536837"/>
+              <a:ext cx="1595067" cy="430887"/>
+            </a:xfrm>
+            <a:prstGeom prst="rect">
+              <a:avLst/>
+            </a:prstGeom>
+            <a:noFill/>
+          </p:spPr>
+          <p:txBody>
+            <a:bodyPr wrap="square" rtlCol="0">
+              <a:spAutoFit/>
+            </a:bodyPr>
+            <a:lstStyle/>
+            <a:p>
+              <a:pPr algn="ctr"/>
+              <a:r>
+                <a:rPr lang="ru-RU" sz="1100" dirty="0">
+                  <a:latin typeface="Times New Roman" panose="02020603050405020304" pitchFamily="18" charset="0"/>
+                  <a:cs typeface="Times New Roman" panose="02020603050405020304" pitchFamily="18" charset="0"/>
+                </a:rPr>
+                <a:t>Экспериментальные данные</a:t>
+              </a:r>
+            </a:p>
+          </p:txBody>
+        </p:sp>
+        <p:sp>
+          <p:nvSpPr>
+            <p:cNvPr id="48" name="Левая фигурная скобка 34">
+              <a:extLst>
+                <a:ext uri="{FF2B5EF4-FFF2-40B4-BE49-F238E27FC236}">
+                  <a16:creationId xmlns:a16="http://schemas.microsoft.com/office/drawing/2014/main" id="{03A78AF6-4060-384E-33D6-FFB43C45FE74}"/>
+                </a:ext>
+              </a:extLst>
+            </p:cNvPr>
+            <p:cNvSpPr/>
+            <p:nvPr/>
+          </p:nvSpPr>
+          <p:spPr>
+            <a:xfrm>
+              <a:off x="3529239" y="5555501"/>
+              <a:ext cx="276225" cy="416674"/>
+            </a:xfrm>
+            <a:prstGeom prst="leftBrace">
+              <a:avLst>
+                <a:gd name="adj1" fmla="val 35919"/>
+                <a:gd name="adj2" fmla="val 50629"/>
+              </a:avLst>
+            </a:prstGeom>
+            <a:ln w="28575">
+              <a:solidFill>
+                <a:srgbClr val="0070C0"/>
+              </a:solidFill>
+            </a:ln>
+          </p:spPr>
+          <p:style>
+            <a:lnRef idx="1">
+              <a:schemeClr val="accent1"/>
+            </a:lnRef>
+            <a:fillRef idx="0">
+              <a:schemeClr val="accent1"/>
+            </a:fillRef>
+            <a:effectRef idx="0">
+              <a:schemeClr val="accent1"/>
+            </a:effectRef>
+            <a:fontRef idx="minor">
+              <a:schemeClr val="tx1"/>
+            </a:fontRef>
+          </p:style>
+          <p:txBody>
+            <a:bodyPr rtlCol="0" anchor="ctr"/>
+            <a:lstStyle/>
+            <a:p>
+              <a:pPr algn="ctr"/>
+              <a:endParaRPr lang="ru-RU" sz="1100">
+                <a:latin typeface="Times New Roman" panose="02020603050405020304" pitchFamily="18" charset="0"/>
+                <a:cs typeface="Times New Roman" panose="02020603050405020304" pitchFamily="18" charset="0"/>
+              </a:endParaRPr>
+            </a:p>
+          </p:txBody>
+        </p:sp>
+        <p:sp>
+          <p:nvSpPr>
+            <p:cNvPr id="49" name="Левая фигурная скобка 35">
+              <a:extLst>
+                <a:ext uri="{FF2B5EF4-FFF2-40B4-BE49-F238E27FC236}">
+                  <a16:creationId xmlns:a16="http://schemas.microsoft.com/office/drawing/2014/main" id="{1766ED3F-9742-4F86-6991-F2FAAB59E36B}"/>
+                </a:ext>
+              </a:extLst>
+            </p:cNvPr>
+            <p:cNvSpPr/>
+            <p:nvPr/>
+          </p:nvSpPr>
+          <p:spPr>
+            <a:xfrm>
+              <a:off x="3527673" y="4803025"/>
+              <a:ext cx="276225" cy="645275"/>
+            </a:xfrm>
+            <a:prstGeom prst="leftBrace">
+              <a:avLst>
+                <a:gd name="adj1" fmla="val 35919"/>
+                <a:gd name="adj2" fmla="val 50629"/>
+              </a:avLst>
+            </a:prstGeom>
+            <a:ln w="28575">
+              <a:solidFill>
+                <a:srgbClr val="0070C0"/>
+              </a:solidFill>
+            </a:ln>
+          </p:spPr>
+          <p:style>
+            <a:lnRef idx="1">
+              <a:schemeClr val="accent1"/>
+            </a:lnRef>
+            <a:fillRef idx="0">
+              <a:schemeClr val="accent1"/>
+            </a:fillRef>
+            <a:effectRef idx="0">
+              <a:schemeClr val="accent1"/>
+            </a:effectRef>
+            <a:fontRef idx="minor">
+              <a:schemeClr val="tx1"/>
+            </a:fontRef>
+          </p:style>
+          <p:txBody>
+            <a:bodyPr rtlCol="0" anchor="ctr"/>
+            <a:lstStyle/>
+            <a:p>
+              <a:pPr algn="ctr"/>
+              <a:endParaRPr lang="ru-RU" sz="1100">
+                <a:latin typeface="Times New Roman" panose="02020603050405020304" pitchFamily="18" charset="0"/>
+                <a:cs typeface="Times New Roman" panose="02020603050405020304" pitchFamily="18" charset="0"/>
+              </a:endParaRPr>
+            </a:p>
+          </p:txBody>
+        </p:sp>
+        <p:sp>
+          <p:nvSpPr>
+            <p:cNvPr id="50" name="TextBox 49">
+              <a:extLst>
+                <a:ext uri="{FF2B5EF4-FFF2-40B4-BE49-F238E27FC236}">
+                  <a16:creationId xmlns:a16="http://schemas.microsoft.com/office/drawing/2014/main" id="{B9C535DB-66CC-4BFA-96B8-08C9F4647FE8}"/>
+                </a:ext>
+              </a:extLst>
+            </p:cNvPr>
+            <p:cNvSpPr txBox="1"/>
+            <p:nvPr/>
+          </p:nvSpPr>
+          <p:spPr>
+            <a:xfrm>
+              <a:off x="2137992" y="4759861"/>
+              <a:ext cx="1385586" cy="600164"/>
+            </a:xfrm>
+            <a:prstGeom prst="rect">
+              <a:avLst/>
+            </a:prstGeom>
+            <a:noFill/>
+          </p:spPr>
+          <p:txBody>
+            <a:bodyPr wrap="square" rtlCol="0">
+              <a:spAutoFit/>
+            </a:bodyPr>
+            <a:lstStyle/>
+            <a:p>
+              <a:pPr algn="ctr"/>
+              <a:r>
+                <a:rPr lang="ru-RU" sz="1100" dirty="0">
+                  <a:latin typeface="Times New Roman" panose="02020603050405020304" pitchFamily="18" charset="0"/>
+                  <a:cs typeface="Times New Roman" panose="02020603050405020304" pitchFamily="18" charset="0"/>
+                </a:rPr>
+                <a:t>Кривые без экспериментальных данных</a:t>
+              </a:r>
+            </a:p>
+          </p:txBody>
+        </p:sp>
+        <p:cxnSp>
+          <p:nvCxnSpPr>
+            <p:cNvPr id="51" name="Прямая со стрелкой 37">
+              <a:extLst>
+                <a:ext uri="{FF2B5EF4-FFF2-40B4-BE49-F238E27FC236}">
+                  <a16:creationId xmlns:a16="http://schemas.microsoft.com/office/drawing/2014/main" id="{67ED0BE8-BCFB-B8BB-6B76-D8211AFEAB27}"/>
+                </a:ext>
+              </a:extLst>
+            </p:cNvPr>
+            <p:cNvCxnSpPr/>
+            <p:nvPr/>
+          </p:nvCxnSpPr>
+          <p:spPr>
+            <a:xfrm>
+              <a:off x="3536159" y="2215832"/>
+              <a:ext cx="269081" cy="0"/>
+            </a:xfrm>
+            <a:prstGeom prst="straightConnector1">
+              <a:avLst/>
+            </a:prstGeom>
+            <a:ln w="47625">
+              <a:tailEnd type="stealth" w="lg" len="lg"/>
+            </a:ln>
+          </p:spPr>
+          <p:style>
+            <a:lnRef idx="1">
+              <a:schemeClr val="accent1"/>
+            </a:lnRef>
+            <a:fillRef idx="0">
+              <a:schemeClr val="accent1"/>
+            </a:fillRef>
+            <a:effectRef idx="0">
+              <a:schemeClr val="accent1"/>
+            </a:effectRef>
+            <a:fontRef idx="minor">
+              <a:schemeClr val="tx1"/>
+            </a:fontRef>
+          </p:style>
+        </p:cxnSp>
+      </p:grpSp>
+    </p:spTree>
+    <p:extLst>
+      <p:ext uri="{BB962C8B-B14F-4D97-AF65-F5344CB8AC3E}">
+        <p14:creationId xmlns:p14="http://schemas.microsoft.com/office/powerpoint/2010/main" val="3549598787"/>
+      </p:ext>
+    </p:extLst>
+  </p:cSld>
+  <p:clrMapOvr>
+    <a:masterClrMapping/>
+  </p:clrMapOvr>
+</p:sld>
+</file>
+
+<file path=ppt/slides/slide20.xml><?xml version="1.0" encoding="utf-8"?>
 <p:sld xmlns:a="http://schemas.openxmlformats.org/drawingml/2006/main" xmlns:r="http://schemas.openxmlformats.org/officeDocument/2006/relationships" xmlns:p="http://schemas.openxmlformats.org/presentationml/2006/main">
   <p:cSld>
     <p:spTree>
@@ -10041,7 +11244,7 @@
 </p:sld>
 </file>
 
-<file path=ppt/slides/slide19.xml><?xml version="1.0" encoding="utf-8"?>
+<file path=ppt/slides/slide21.xml><?xml version="1.0" encoding="utf-8"?>
 <p:sld xmlns:a="http://schemas.openxmlformats.org/drawingml/2006/main" xmlns:r="http://schemas.openxmlformats.org/officeDocument/2006/relationships" xmlns:p="http://schemas.openxmlformats.org/presentationml/2006/main">
   <p:cSld>
     <p:spTree>
@@ -10771,697 +11974,7 @@
 </p:sld>
 </file>
 
-<file path=ppt/slides/slide2.xml><?xml version="1.0" encoding="utf-8"?>
-<p:sld xmlns:a="http://schemas.openxmlformats.org/drawingml/2006/main" xmlns:r="http://schemas.openxmlformats.org/officeDocument/2006/relationships" xmlns:p="http://schemas.openxmlformats.org/presentationml/2006/main">
-  <p:cSld>
-    <p:spTree>
-      <p:nvGrpSpPr>
-        <p:cNvPr id="1" name=""/>
-        <p:cNvGrpSpPr/>
-        <p:nvPr/>
-      </p:nvGrpSpPr>
-      <p:grpSpPr>
-        <a:xfrm>
-          <a:off x="0" y="0"/>
-          <a:ext cx="0" cy="0"/>
-          <a:chOff x="0" y="0"/>
-          <a:chExt cx="0" cy="0"/>
-        </a:xfrm>
-      </p:grpSpPr>
-      <p:grpSp>
-        <p:nvGrpSpPr>
-          <p:cNvPr id="54" name="Group 53">
-            <a:extLst>
-              <a:ext uri="{FF2B5EF4-FFF2-40B4-BE49-F238E27FC236}">
-                <a16:creationId xmlns:a16="http://schemas.microsoft.com/office/drawing/2014/main" id="{5BF7E28E-C601-E8CC-B138-F60236C980DC}"/>
-              </a:ext>
-            </a:extLst>
-          </p:cNvPr>
-          <p:cNvGrpSpPr/>
-          <p:nvPr/>
-        </p:nvGrpSpPr>
-        <p:grpSpPr>
-          <a:xfrm>
-            <a:off x="666750" y="355132"/>
-            <a:ext cx="6838950" cy="5861518"/>
-            <a:chOff x="2076450" y="136057"/>
-            <a:chExt cx="6838950" cy="5861518"/>
-          </a:xfrm>
-        </p:grpSpPr>
-        <p:sp>
-          <p:nvSpPr>
-            <p:cNvPr id="52" name="TextBox 51">
-              <a:extLst>
-                <a:ext uri="{FF2B5EF4-FFF2-40B4-BE49-F238E27FC236}">
-                  <a16:creationId xmlns:a16="http://schemas.microsoft.com/office/drawing/2014/main" id="{1DA3756F-BF91-770E-6400-9B56418B5B6E}"/>
-                </a:ext>
-              </a:extLst>
-            </p:cNvPr>
-            <p:cNvSpPr txBox="1"/>
-            <p:nvPr/>
-          </p:nvSpPr>
-          <p:spPr>
-            <a:xfrm>
-              <a:off x="2309442" y="2078427"/>
-              <a:ext cx="1426368" cy="430887"/>
-            </a:xfrm>
-            <a:prstGeom prst="rect">
-              <a:avLst/>
-            </a:prstGeom>
-            <a:noFill/>
-          </p:spPr>
-          <p:txBody>
-            <a:bodyPr wrap="square" rtlCol="0">
-              <a:spAutoFit/>
-            </a:bodyPr>
-            <a:lstStyle/>
-            <a:p>
-              <a:pPr algn="ctr"/>
-              <a:r>
-                <a:rPr lang="ru-RU" sz="1100" dirty="0">
-                  <a:latin typeface="Times New Roman" panose="02020603050405020304" pitchFamily="18" charset="0"/>
-                  <a:cs typeface="Times New Roman" panose="02020603050405020304" pitchFamily="18" charset="0"/>
-                </a:rPr>
-                <a:t>Вкладки со структурами</a:t>
-              </a:r>
-            </a:p>
-          </p:txBody>
-        </p:sp>
-        <p:pic>
-          <p:nvPicPr>
-            <p:cNvPr id="13" name="Picture 12">
-              <a:extLst>
-                <a:ext uri="{FF2B5EF4-FFF2-40B4-BE49-F238E27FC236}">
-                  <a16:creationId xmlns:a16="http://schemas.microsoft.com/office/drawing/2014/main" id="{7293C1A7-831F-3391-D34D-3D5D925583BF}"/>
-                </a:ext>
-              </a:extLst>
-            </p:cNvPr>
-            <p:cNvPicPr>
-              <a:picLocks noChangeAspect="1"/>
-            </p:cNvPicPr>
-            <p:nvPr/>
-          </p:nvPicPr>
-          <p:blipFill rotWithShape="1">
-            <a:blip r:embed="rId2"/>
-            <a:srcRect t="3007" r="3954" b="10074"/>
-            <a:stretch/>
-          </p:blipFill>
-          <p:spPr>
-            <a:xfrm>
-              <a:off x="3362325" y="136057"/>
-              <a:ext cx="5553075" cy="5861518"/>
-            </a:xfrm>
-            <a:prstGeom prst="rect">
-              <a:avLst/>
-            </a:prstGeom>
-          </p:spPr>
-        </p:pic>
-        <p:sp>
-          <p:nvSpPr>
-            <p:cNvPr id="25" name="Левая фигурная скобка 25">
-              <a:extLst>
-                <a:ext uri="{FF2B5EF4-FFF2-40B4-BE49-F238E27FC236}">
-                  <a16:creationId xmlns:a16="http://schemas.microsoft.com/office/drawing/2014/main" id="{B6614261-C60C-D958-8B3D-06F2DAFC5E84}"/>
-                </a:ext>
-              </a:extLst>
-            </p:cNvPr>
-            <p:cNvSpPr/>
-            <p:nvPr/>
-          </p:nvSpPr>
-          <p:spPr>
-            <a:xfrm>
-              <a:off x="3509592" y="2381250"/>
-              <a:ext cx="276225" cy="612026"/>
-            </a:xfrm>
-            <a:prstGeom prst="leftBrace">
-              <a:avLst>
-                <a:gd name="adj1" fmla="val 35919"/>
-                <a:gd name="adj2" fmla="val 50629"/>
-              </a:avLst>
-            </a:prstGeom>
-            <a:ln w="28575">
-              <a:solidFill>
-                <a:srgbClr val="0070C0"/>
-              </a:solidFill>
-            </a:ln>
-          </p:spPr>
-          <p:style>
-            <a:lnRef idx="1">
-              <a:schemeClr val="accent1"/>
-            </a:lnRef>
-            <a:fillRef idx="0">
-              <a:schemeClr val="accent1"/>
-            </a:fillRef>
-            <a:effectRef idx="0">
-              <a:schemeClr val="accent1"/>
-            </a:effectRef>
-            <a:fontRef idx="minor">
-              <a:schemeClr val="tx1"/>
-            </a:fontRef>
-          </p:style>
-          <p:txBody>
-            <a:bodyPr rtlCol="0" anchor="ctr"/>
-            <a:lstStyle/>
-            <a:p>
-              <a:pPr algn="ctr"/>
-              <a:endParaRPr lang="ru-RU" sz="1100">
-                <a:latin typeface="Times New Roman" panose="02020603050405020304" pitchFamily="18" charset="0"/>
-                <a:cs typeface="Times New Roman" panose="02020603050405020304" pitchFamily="18" charset="0"/>
-              </a:endParaRPr>
-            </a:p>
-          </p:txBody>
-        </p:sp>
-        <p:sp>
-          <p:nvSpPr>
-            <p:cNvPr id="40" name="Левая фигурная скобка 26">
-              <a:extLst>
-                <a:ext uri="{FF2B5EF4-FFF2-40B4-BE49-F238E27FC236}">
-                  <a16:creationId xmlns:a16="http://schemas.microsoft.com/office/drawing/2014/main" id="{76E6CBEF-42AC-A8B9-72D9-FDDEA1B7FFA3}"/>
-                </a:ext>
-              </a:extLst>
-            </p:cNvPr>
-            <p:cNvSpPr/>
-            <p:nvPr/>
-          </p:nvSpPr>
-          <p:spPr>
-            <a:xfrm>
-              <a:off x="3528642" y="3383802"/>
-              <a:ext cx="276225" cy="1254874"/>
-            </a:xfrm>
-            <a:prstGeom prst="leftBrace">
-              <a:avLst>
-                <a:gd name="adj1" fmla="val 35919"/>
-                <a:gd name="adj2" fmla="val 50629"/>
-              </a:avLst>
-            </a:prstGeom>
-            <a:ln w="28575">
-              <a:solidFill>
-                <a:srgbClr val="0070C0"/>
-              </a:solidFill>
-            </a:ln>
-          </p:spPr>
-          <p:style>
-            <a:lnRef idx="1">
-              <a:schemeClr val="accent1"/>
-            </a:lnRef>
-            <a:fillRef idx="0">
-              <a:schemeClr val="accent1"/>
-            </a:fillRef>
-            <a:effectRef idx="0">
-              <a:schemeClr val="accent1"/>
-            </a:effectRef>
-            <a:fontRef idx="minor">
-              <a:schemeClr val="tx1"/>
-            </a:fontRef>
-          </p:style>
-          <p:txBody>
-            <a:bodyPr rtlCol="0" anchor="ctr"/>
-            <a:lstStyle/>
-            <a:p>
-              <a:pPr algn="ctr"/>
-              <a:endParaRPr lang="ru-RU" sz="1100">
-                <a:latin typeface="Times New Roman" panose="02020603050405020304" pitchFamily="18" charset="0"/>
-                <a:cs typeface="Times New Roman" panose="02020603050405020304" pitchFamily="18" charset="0"/>
-              </a:endParaRPr>
-            </a:p>
-          </p:txBody>
-        </p:sp>
-        <p:cxnSp>
-          <p:nvCxnSpPr>
-            <p:cNvPr id="41" name="Прямая со стрелкой 27">
-              <a:extLst>
-                <a:ext uri="{FF2B5EF4-FFF2-40B4-BE49-F238E27FC236}">
-                  <a16:creationId xmlns:a16="http://schemas.microsoft.com/office/drawing/2014/main" id="{1C1E382F-E46E-B896-1705-4B11E87D258E}"/>
-                </a:ext>
-              </a:extLst>
-            </p:cNvPr>
-            <p:cNvCxnSpPr/>
-            <p:nvPr/>
-          </p:nvCxnSpPr>
-          <p:spPr>
-            <a:xfrm>
-              <a:off x="3535786" y="1936001"/>
-              <a:ext cx="269081" cy="0"/>
-            </a:xfrm>
-            <a:prstGeom prst="straightConnector1">
-              <a:avLst/>
-            </a:prstGeom>
-            <a:ln w="47625">
-              <a:tailEnd type="stealth" w="lg" len="lg"/>
-            </a:ln>
-          </p:spPr>
-          <p:style>
-            <a:lnRef idx="1">
-              <a:schemeClr val="accent1"/>
-            </a:lnRef>
-            <a:fillRef idx="0">
-              <a:schemeClr val="accent1"/>
-            </a:fillRef>
-            <a:effectRef idx="0">
-              <a:schemeClr val="accent1"/>
-            </a:effectRef>
-            <a:fontRef idx="minor">
-              <a:schemeClr val="tx1"/>
-            </a:fontRef>
-          </p:style>
-        </p:cxnSp>
-        <p:cxnSp>
-          <p:nvCxnSpPr>
-            <p:cNvPr id="42" name="Прямая со стрелкой 28">
-              <a:extLst>
-                <a:ext uri="{FF2B5EF4-FFF2-40B4-BE49-F238E27FC236}">
-                  <a16:creationId xmlns:a16="http://schemas.microsoft.com/office/drawing/2014/main" id="{1F3A4FFA-A1F2-2BC3-BE69-E1DCB52252EA}"/>
-                </a:ext>
-              </a:extLst>
-            </p:cNvPr>
-            <p:cNvCxnSpPr/>
-            <p:nvPr/>
-          </p:nvCxnSpPr>
-          <p:spPr>
-            <a:xfrm>
-              <a:off x="3536786" y="3183776"/>
-              <a:ext cx="269081" cy="0"/>
-            </a:xfrm>
-            <a:prstGeom prst="straightConnector1">
-              <a:avLst/>
-            </a:prstGeom>
-            <a:ln w="47625">
-              <a:tailEnd type="stealth" w="lg" len="lg"/>
-            </a:ln>
-          </p:spPr>
-          <p:style>
-            <a:lnRef idx="1">
-              <a:schemeClr val="accent1"/>
-            </a:lnRef>
-            <a:fillRef idx="0">
-              <a:schemeClr val="accent1"/>
-            </a:fillRef>
-            <a:effectRef idx="0">
-              <a:schemeClr val="accent1"/>
-            </a:effectRef>
-            <a:fontRef idx="minor">
-              <a:schemeClr val="tx1"/>
-            </a:fontRef>
-          </p:style>
-        </p:cxnSp>
-        <p:sp>
-          <p:nvSpPr>
-            <p:cNvPr id="43" name="TextBox 42">
-              <a:extLst>
-                <a:ext uri="{FF2B5EF4-FFF2-40B4-BE49-F238E27FC236}">
-                  <a16:creationId xmlns:a16="http://schemas.microsoft.com/office/drawing/2014/main" id="{E7160273-4890-950F-4CF8-0F32D60CCE82}"/>
-                </a:ext>
-              </a:extLst>
-            </p:cNvPr>
-            <p:cNvSpPr txBox="1"/>
-            <p:nvPr/>
-          </p:nvSpPr>
-          <p:spPr>
-            <a:xfrm>
-              <a:off x="2909517" y="1804794"/>
-              <a:ext cx="590550" cy="261610"/>
-            </a:xfrm>
-            <a:prstGeom prst="rect">
-              <a:avLst/>
-            </a:prstGeom>
-            <a:noFill/>
-          </p:spPr>
-          <p:txBody>
-            <a:bodyPr wrap="square" rtlCol="0">
-              <a:spAutoFit/>
-            </a:bodyPr>
-            <a:lstStyle/>
-            <a:p>
-              <a:pPr algn="ctr"/>
-              <a:r>
-                <a:rPr lang="ru-RU" sz="1100" dirty="0">
-                  <a:latin typeface="Times New Roman" panose="02020603050405020304" pitchFamily="18" charset="0"/>
-                  <a:cs typeface="Times New Roman" panose="02020603050405020304" pitchFamily="18" charset="0"/>
-                </a:rPr>
-                <a:t>Меню</a:t>
-              </a:r>
-            </a:p>
-          </p:txBody>
-        </p:sp>
-        <p:sp>
-          <p:nvSpPr>
-            <p:cNvPr id="44" name="TextBox 43">
-              <a:extLst>
-                <a:ext uri="{FF2B5EF4-FFF2-40B4-BE49-F238E27FC236}">
-                  <a16:creationId xmlns:a16="http://schemas.microsoft.com/office/drawing/2014/main" id="{94B37B5A-972E-CE73-FCE7-4D2118107393}"/>
-                </a:ext>
-              </a:extLst>
-            </p:cNvPr>
-            <p:cNvSpPr txBox="1"/>
-            <p:nvPr/>
-          </p:nvSpPr>
-          <p:spPr>
-            <a:xfrm>
-              <a:off x="2181224" y="2553216"/>
-              <a:ext cx="1375993" cy="261610"/>
-            </a:xfrm>
-            <a:prstGeom prst="rect">
-              <a:avLst/>
-            </a:prstGeom>
-            <a:noFill/>
-          </p:spPr>
-          <p:txBody>
-            <a:bodyPr wrap="square" rtlCol="0">
-              <a:spAutoFit/>
-            </a:bodyPr>
-            <a:lstStyle/>
-            <a:p>
-              <a:pPr algn="ctr"/>
-              <a:r>
-                <a:rPr lang="ru-RU" sz="1100" dirty="0">
-                  <a:latin typeface="Times New Roman" panose="02020603050405020304" pitchFamily="18" charset="0"/>
-                  <a:cs typeface="Times New Roman" panose="02020603050405020304" pitchFamily="18" charset="0"/>
-                </a:rPr>
-                <a:t>Слоистая структура</a:t>
-              </a:r>
-            </a:p>
-          </p:txBody>
-        </p:sp>
-        <p:sp>
-          <p:nvSpPr>
-            <p:cNvPr id="45" name="TextBox 44">
-              <a:extLst>
-                <a:ext uri="{FF2B5EF4-FFF2-40B4-BE49-F238E27FC236}">
-                  <a16:creationId xmlns:a16="http://schemas.microsoft.com/office/drawing/2014/main" id="{F5A6A9BE-2F9D-BC9E-FA0B-796214CF8A7B}"/>
-                </a:ext>
-              </a:extLst>
-            </p:cNvPr>
-            <p:cNvSpPr txBox="1"/>
-            <p:nvPr/>
-          </p:nvSpPr>
-          <p:spPr>
-            <a:xfrm>
-              <a:off x="2480892" y="2951483"/>
-              <a:ext cx="1199555" cy="430887"/>
-            </a:xfrm>
-            <a:prstGeom prst="rect">
-              <a:avLst/>
-            </a:prstGeom>
-            <a:noFill/>
-          </p:spPr>
-          <p:txBody>
-            <a:bodyPr wrap="square" rtlCol="0">
-              <a:spAutoFit/>
-            </a:bodyPr>
-            <a:lstStyle/>
-            <a:p>
-              <a:pPr algn="ctr"/>
-              <a:r>
-                <a:rPr lang="ru-RU" sz="1100" dirty="0">
-                  <a:latin typeface="Times New Roman" panose="02020603050405020304" pitchFamily="18" charset="0"/>
-                  <a:cs typeface="Times New Roman" panose="02020603050405020304" pitchFamily="18" charset="0"/>
-                </a:rPr>
-                <a:t>Панель инструментов</a:t>
-              </a:r>
-            </a:p>
-          </p:txBody>
-        </p:sp>
-        <p:sp>
-          <p:nvSpPr>
-            <p:cNvPr id="46" name="TextBox 45">
-              <a:extLst>
-                <a:ext uri="{FF2B5EF4-FFF2-40B4-BE49-F238E27FC236}">
-                  <a16:creationId xmlns:a16="http://schemas.microsoft.com/office/drawing/2014/main" id="{1CBFB2FA-C8D8-DFF1-DDE3-BF09F95A5E65}"/>
-                </a:ext>
-              </a:extLst>
-            </p:cNvPr>
-            <p:cNvSpPr txBox="1"/>
-            <p:nvPr/>
-          </p:nvSpPr>
-          <p:spPr>
-            <a:xfrm>
-              <a:off x="2299917" y="3810327"/>
-              <a:ext cx="1269652" cy="430887"/>
-            </a:xfrm>
-            <a:prstGeom prst="rect">
-              <a:avLst/>
-            </a:prstGeom>
-            <a:noFill/>
-          </p:spPr>
-          <p:txBody>
-            <a:bodyPr wrap="square" rtlCol="0">
-              <a:spAutoFit/>
-            </a:bodyPr>
-            <a:lstStyle/>
-            <a:p>
-              <a:pPr algn="ctr"/>
-              <a:r>
-                <a:rPr lang="ru-RU" sz="1100" dirty="0">
-                  <a:latin typeface="Times New Roman" panose="02020603050405020304" pitchFamily="18" charset="0"/>
-                  <a:cs typeface="Times New Roman" panose="02020603050405020304" pitchFamily="18" charset="0"/>
-                </a:rPr>
-                <a:t>Доступ к остальным окнам</a:t>
-              </a:r>
-            </a:p>
-          </p:txBody>
-        </p:sp>
-        <p:sp>
-          <p:nvSpPr>
-            <p:cNvPr id="47" name="TextBox 46">
-              <a:extLst>
-                <a:ext uri="{FF2B5EF4-FFF2-40B4-BE49-F238E27FC236}">
-                  <a16:creationId xmlns:a16="http://schemas.microsoft.com/office/drawing/2014/main" id="{CEE52F39-EF97-0595-15C7-8D7DC114BC09}"/>
-                </a:ext>
-              </a:extLst>
-            </p:cNvPr>
-            <p:cNvSpPr txBox="1"/>
-            <p:nvPr/>
-          </p:nvSpPr>
-          <p:spPr>
-            <a:xfrm>
-              <a:off x="2076450" y="5536837"/>
-              <a:ext cx="1595067" cy="430887"/>
-            </a:xfrm>
-            <a:prstGeom prst="rect">
-              <a:avLst/>
-            </a:prstGeom>
-            <a:noFill/>
-          </p:spPr>
-          <p:txBody>
-            <a:bodyPr wrap="square" rtlCol="0">
-              <a:spAutoFit/>
-            </a:bodyPr>
-            <a:lstStyle/>
-            <a:p>
-              <a:pPr algn="ctr"/>
-              <a:r>
-                <a:rPr lang="ru-RU" sz="1100" dirty="0">
-                  <a:latin typeface="Times New Roman" panose="02020603050405020304" pitchFamily="18" charset="0"/>
-                  <a:cs typeface="Times New Roman" panose="02020603050405020304" pitchFamily="18" charset="0"/>
-                </a:rPr>
-                <a:t>Экспериментальные данные</a:t>
-              </a:r>
-            </a:p>
-          </p:txBody>
-        </p:sp>
-        <p:sp>
-          <p:nvSpPr>
-            <p:cNvPr id="48" name="Левая фигурная скобка 34">
-              <a:extLst>
-                <a:ext uri="{FF2B5EF4-FFF2-40B4-BE49-F238E27FC236}">
-                  <a16:creationId xmlns:a16="http://schemas.microsoft.com/office/drawing/2014/main" id="{03A78AF6-4060-384E-33D6-FFB43C45FE74}"/>
-                </a:ext>
-              </a:extLst>
-            </p:cNvPr>
-            <p:cNvSpPr/>
-            <p:nvPr/>
-          </p:nvSpPr>
-          <p:spPr>
-            <a:xfrm>
-              <a:off x="3529239" y="5555501"/>
-              <a:ext cx="276225" cy="416674"/>
-            </a:xfrm>
-            <a:prstGeom prst="leftBrace">
-              <a:avLst>
-                <a:gd name="adj1" fmla="val 35919"/>
-                <a:gd name="adj2" fmla="val 50629"/>
-              </a:avLst>
-            </a:prstGeom>
-            <a:ln w="28575">
-              <a:solidFill>
-                <a:srgbClr val="0070C0"/>
-              </a:solidFill>
-            </a:ln>
-          </p:spPr>
-          <p:style>
-            <a:lnRef idx="1">
-              <a:schemeClr val="accent1"/>
-            </a:lnRef>
-            <a:fillRef idx="0">
-              <a:schemeClr val="accent1"/>
-            </a:fillRef>
-            <a:effectRef idx="0">
-              <a:schemeClr val="accent1"/>
-            </a:effectRef>
-            <a:fontRef idx="minor">
-              <a:schemeClr val="tx1"/>
-            </a:fontRef>
-          </p:style>
-          <p:txBody>
-            <a:bodyPr rtlCol="0" anchor="ctr"/>
-            <a:lstStyle/>
-            <a:p>
-              <a:pPr algn="ctr"/>
-              <a:endParaRPr lang="ru-RU" sz="1100">
-                <a:latin typeface="Times New Roman" panose="02020603050405020304" pitchFamily="18" charset="0"/>
-                <a:cs typeface="Times New Roman" panose="02020603050405020304" pitchFamily="18" charset="0"/>
-              </a:endParaRPr>
-            </a:p>
-          </p:txBody>
-        </p:sp>
-        <p:sp>
-          <p:nvSpPr>
-            <p:cNvPr id="49" name="Левая фигурная скобка 35">
-              <a:extLst>
-                <a:ext uri="{FF2B5EF4-FFF2-40B4-BE49-F238E27FC236}">
-                  <a16:creationId xmlns:a16="http://schemas.microsoft.com/office/drawing/2014/main" id="{1766ED3F-9742-4F86-6991-F2FAAB59E36B}"/>
-                </a:ext>
-              </a:extLst>
-            </p:cNvPr>
-            <p:cNvSpPr/>
-            <p:nvPr/>
-          </p:nvSpPr>
-          <p:spPr>
-            <a:xfrm>
-              <a:off x="3527673" y="4803025"/>
-              <a:ext cx="276225" cy="645275"/>
-            </a:xfrm>
-            <a:prstGeom prst="leftBrace">
-              <a:avLst>
-                <a:gd name="adj1" fmla="val 35919"/>
-                <a:gd name="adj2" fmla="val 50629"/>
-              </a:avLst>
-            </a:prstGeom>
-            <a:ln w="28575">
-              <a:solidFill>
-                <a:srgbClr val="0070C0"/>
-              </a:solidFill>
-            </a:ln>
-          </p:spPr>
-          <p:style>
-            <a:lnRef idx="1">
-              <a:schemeClr val="accent1"/>
-            </a:lnRef>
-            <a:fillRef idx="0">
-              <a:schemeClr val="accent1"/>
-            </a:fillRef>
-            <a:effectRef idx="0">
-              <a:schemeClr val="accent1"/>
-            </a:effectRef>
-            <a:fontRef idx="minor">
-              <a:schemeClr val="tx1"/>
-            </a:fontRef>
-          </p:style>
-          <p:txBody>
-            <a:bodyPr rtlCol="0" anchor="ctr"/>
-            <a:lstStyle/>
-            <a:p>
-              <a:pPr algn="ctr"/>
-              <a:endParaRPr lang="ru-RU" sz="1100">
-                <a:latin typeface="Times New Roman" panose="02020603050405020304" pitchFamily="18" charset="0"/>
-                <a:cs typeface="Times New Roman" panose="02020603050405020304" pitchFamily="18" charset="0"/>
-              </a:endParaRPr>
-            </a:p>
-          </p:txBody>
-        </p:sp>
-        <p:sp>
-          <p:nvSpPr>
-            <p:cNvPr id="50" name="TextBox 49">
-              <a:extLst>
-                <a:ext uri="{FF2B5EF4-FFF2-40B4-BE49-F238E27FC236}">
-                  <a16:creationId xmlns:a16="http://schemas.microsoft.com/office/drawing/2014/main" id="{B9C535DB-66CC-4BFA-96B8-08C9F4647FE8}"/>
-                </a:ext>
-              </a:extLst>
-            </p:cNvPr>
-            <p:cNvSpPr txBox="1"/>
-            <p:nvPr/>
-          </p:nvSpPr>
-          <p:spPr>
-            <a:xfrm>
-              <a:off x="2137992" y="4759861"/>
-              <a:ext cx="1385586" cy="600164"/>
-            </a:xfrm>
-            <a:prstGeom prst="rect">
-              <a:avLst/>
-            </a:prstGeom>
-            <a:noFill/>
-          </p:spPr>
-          <p:txBody>
-            <a:bodyPr wrap="square" rtlCol="0">
-              <a:spAutoFit/>
-            </a:bodyPr>
-            <a:lstStyle/>
-            <a:p>
-              <a:pPr algn="ctr"/>
-              <a:r>
-                <a:rPr lang="ru-RU" sz="1100" dirty="0">
-                  <a:latin typeface="Times New Roman" panose="02020603050405020304" pitchFamily="18" charset="0"/>
-                  <a:cs typeface="Times New Roman" panose="02020603050405020304" pitchFamily="18" charset="0"/>
-                </a:rPr>
-                <a:t>Кривые без экспериментальных данных</a:t>
-              </a:r>
-            </a:p>
-          </p:txBody>
-        </p:sp>
-        <p:cxnSp>
-          <p:nvCxnSpPr>
-            <p:cNvPr id="51" name="Прямая со стрелкой 37">
-              <a:extLst>
-                <a:ext uri="{FF2B5EF4-FFF2-40B4-BE49-F238E27FC236}">
-                  <a16:creationId xmlns:a16="http://schemas.microsoft.com/office/drawing/2014/main" id="{67ED0BE8-BCFB-B8BB-6B76-D8211AFEAB27}"/>
-                </a:ext>
-              </a:extLst>
-            </p:cNvPr>
-            <p:cNvCxnSpPr/>
-            <p:nvPr/>
-          </p:nvCxnSpPr>
-          <p:spPr>
-            <a:xfrm>
-              <a:off x="3536159" y="2215832"/>
-              <a:ext cx="269081" cy="0"/>
-            </a:xfrm>
-            <a:prstGeom prst="straightConnector1">
-              <a:avLst/>
-            </a:prstGeom>
-            <a:ln w="47625">
-              <a:tailEnd type="stealth" w="lg" len="lg"/>
-            </a:ln>
-          </p:spPr>
-          <p:style>
-            <a:lnRef idx="1">
-              <a:schemeClr val="accent1"/>
-            </a:lnRef>
-            <a:fillRef idx="0">
-              <a:schemeClr val="accent1"/>
-            </a:fillRef>
-            <a:effectRef idx="0">
-              <a:schemeClr val="accent1"/>
-            </a:effectRef>
-            <a:fontRef idx="minor">
-              <a:schemeClr val="tx1"/>
-            </a:fontRef>
-          </p:style>
-        </p:cxnSp>
-      </p:grpSp>
-    </p:spTree>
-    <p:extLst>
-      <p:ext uri="{BB962C8B-B14F-4D97-AF65-F5344CB8AC3E}">
-        <p14:creationId xmlns:p14="http://schemas.microsoft.com/office/powerpoint/2010/main" val="3549598787"/>
-      </p:ext>
-    </p:extLst>
-  </p:cSld>
-  <p:clrMapOvr>
-    <a:masterClrMapping/>
-  </p:clrMapOvr>
-</p:sld>
-</file>
-
-<file path=ppt/slides/slide20.xml><?xml version="1.0" encoding="utf-8"?>
+<file path=ppt/slides/slide22.xml><?xml version="1.0" encoding="utf-8"?>
 <p:sld xmlns:a="http://schemas.openxmlformats.org/drawingml/2006/main" xmlns:r="http://schemas.openxmlformats.org/officeDocument/2006/relationships" xmlns:p="http://schemas.openxmlformats.org/presentationml/2006/main">
   <p:cSld>
     <p:spTree>
@@ -11885,7 +12398,7 @@
 </p:sld>
 </file>
 
-<file path=ppt/slides/slide21.xml><?xml version="1.0" encoding="utf-8"?>
+<file path=ppt/slides/slide23.xml><?xml version="1.0" encoding="utf-8"?>
 <p:sld xmlns:a="http://schemas.openxmlformats.org/drawingml/2006/main" xmlns:r="http://schemas.openxmlformats.org/officeDocument/2006/relationships" xmlns:p="http://schemas.openxmlformats.org/presentationml/2006/main">
   <p:cSld>
     <p:spTree>
@@ -13245,7 +13758,7 @@
 </p:sld>
 </file>
 
-<file path=ppt/slides/slide22.xml><?xml version="1.0" encoding="utf-8"?>
+<file path=ppt/slides/slide24.xml><?xml version="1.0" encoding="utf-8"?>
 <p:sld xmlns:a="http://schemas.openxmlformats.org/drawingml/2006/main" xmlns:r="http://schemas.openxmlformats.org/officeDocument/2006/relationships" xmlns:p="http://schemas.openxmlformats.org/presentationml/2006/main">
   <p:cSld>
     <p:spTree>
@@ -14052,7 +14565,7 @@
 </p:sld>
 </file>
 
-<file path=ppt/slides/slide23.xml><?xml version="1.0" encoding="utf-8"?>
+<file path=ppt/slides/slide25.xml><?xml version="1.0" encoding="utf-8"?>
 <p:sld xmlns:a="http://schemas.openxmlformats.org/drawingml/2006/main" xmlns:r="http://schemas.openxmlformats.org/officeDocument/2006/relationships" xmlns:p="http://schemas.openxmlformats.org/presentationml/2006/main">
   <p:cSld>
     <p:spTree>
@@ -15314,7 +15827,7 @@
 </p:sld>
 </file>
 
-<file path=ppt/slides/slide24.xml><?xml version="1.0" encoding="utf-8"?>
+<file path=ppt/slides/slide26.xml><?xml version="1.0" encoding="utf-8"?>
 <p:sld xmlns:a="http://schemas.openxmlformats.org/drawingml/2006/main" xmlns:r="http://schemas.openxmlformats.org/officeDocument/2006/relationships" xmlns:p="http://schemas.openxmlformats.org/presentationml/2006/main">
   <p:cSld>
     <p:spTree>
@@ -16109,7 +16622,7 @@
 </p:sld>
 </file>
 
-<file path=ppt/slides/slide25.xml><?xml version="1.0" encoding="utf-8"?>
+<file path=ppt/slides/slide27.xml><?xml version="1.0" encoding="utf-8"?>
 <p:sld xmlns:a="http://schemas.openxmlformats.org/drawingml/2006/main" xmlns:r="http://schemas.openxmlformats.org/officeDocument/2006/relationships" xmlns:p="http://schemas.openxmlformats.org/presentationml/2006/main">
   <p:cSld>
     <p:spTree>
@@ -17647,7 +18160,7 @@
 </p:sld>
 </file>
 
-<file path=ppt/slides/slide26.xml><?xml version="1.0" encoding="utf-8"?>
+<file path=ppt/slides/slide28.xml><?xml version="1.0" encoding="utf-8"?>
 <p:sld xmlns:a="http://schemas.openxmlformats.org/drawingml/2006/main" xmlns:r="http://schemas.openxmlformats.org/officeDocument/2006/relationships" xmlns:p="http://schemas.openxmlformats.org/presentationml/2006/main">
   <p:cSld>
     <p:spTree>
@@ -18564,7 +19077,7 @@
 </p:sld>
 </file>
 
-<file path=ppt/slides/slide27.xml><?xml version="1.0" encoding="utf-8"?>
+<file path=ppt/slides/slide29.xml><?xml version="1.0" encoding="utf-8"?>
 <p:sld xmlns:a="http://schemas.openxmlformats.org/drawingml/2006/main" xmlns:r="http://schemas.openxmlformats.org/officeDocument/2006/relationships" xmlns:p="http://schemas.openxmlformats.org/presentationml/2006/main">
   <p:cSld>
     <p:spTree>
@@ -19044,7 +19557,725 @@
 </p:sld>
 </file>
 
-<file path=ppt/slides/slide28.xml><?xml version="1.0" encoding="utf-8"?>
+<file path=ppt/slides/slide3.xml><?xml version="1.0" encoding="utf-8"?>
+<p:sld xmlns:a="http://schemas.openxmlformats.org/drawingml/2006/main" xmlns:r="http://schemas.openxmlformats.org/officeDocument/2006/relationships" xmlns:p="http://schemas.openxmlformats.org/presentationml/2006/main">
+  <p:cSld>
+    <p:spTree>
+      <p:nvGrpSpPr>
+        <p:cNvPr id="1" name=""/>
+        <p:cNvGrpSpPr/>
+        <p:nvPr/>
+      </p:nvGrpSpPr>
+      <p:grpSpPr>
+        <a:xfrm>
+          <a:off x="0" y="0"/>
+          <a:ext cx="0" cy="0"/>
+          <a:chOff x="0" y="0"/>
+          <a:chExt cx="0" cy="0"/>
+        </a:xfrm>
+      </p:grpSpPr>
+      <p:grpSp>
+        <p:nvGrpSpPr>
+          <p:cNvPr id="36" name="Group 35">
+            <a:extLst>
+              <a:ext uri="{FF2B5EF4-FFF2-40B4-BE49-F238E27FC236}">
+                <a16:creationId xmlns:a16="http://schemas.microsoft.com/office/drawing/2014/main" id="{F8A36A5D-9C52-F371-1351-0FD1A96AE0D7}"/>
+              </a:ext>
+            </a:extLst>
+          </p:cNvPr>
+          <p:cNvGrpSpPr/>
+          <p:nvPr/>
+        </p:nvGrpSpPr>
+        <p:grpSpPr>
+          <a:xfrm>
+            <a:off x="923925" y="307507"/>
+            <a:ext cx="6657975" cy="5867441"/>
+            <a:chOff x="2143125" y="278932"/>
+            <a:chExt cx="6657975" cy="5867441"/>
+          </a:xfrm>
+        </p:grpSpPr>
+        <p:pic>
+          <p:nvPicPr>
+            <p:cNvPr id="3" name="Picture 2">
+              <a:extLst>
+                <a:ext uri="{FF2B5EF4-FFF2-40B4-BE49-F238E27FC236}">
+                  <a16:creationId xmlns:a16="http://schemas.microsoft.com/office/drawing/2014/main" id="{36D787FE-7A9E-9657-BA47-A99C29A22C5D}"/>
+                </a:ext>
+              </a:extLst>
+            </p:cNvPr>
+            <p:cNvPicPr>
+              <a:picLocks noChangeAspect="1"/>
+            </p:cNvPicPr>
+            <p:nvPr/>
+          </p:nvPicPr>
+          <p:blipFill rotWithShape="1">
+            <a:blip r:embed="rId2"/>
+            <a:srcRect t="3007" r="3954" b="10074"/>
+            <a:stretch/>
+          </p:blipFill>
+          <p:spPr>
+            <a:xfrm>
+              <a:off x="3248025" y="278932"/>
+              <a:ext cx="5553075" cy="5861518"/>
+            </a:xfrm>
+            <a:prstGeom prst="rect">
+              <a:avLst/>
+            </a:prstGeom>
+          </p:spPr>
+        </p:pic>
+        <p:sp>
+          <p:nvSpPr>
+            <p:cNvPr id="4" name="Левая фигурная скобка 25">
+              <a:extLst>
+                <a:ext uri="{FF2B5EF4-FFF2-40B4-BE49-F238E27FC236}">
+                  <a16:creationId xmlns:a16="http://schemas.microsoft.com/office/drawing/2014/main" id="{6267E057-9F6F-E5A0-6A7F-0F7538961308}"/>
+                </a:ext>
+              </a:extLst>
+            </p:cNvPr>
+            <p:cNvSpPr/>
+            <p:nvPr/>
+          </p:nvSpPr>
+          <p:spPr>
+            <a:xfrm>
+              <a:off x="3395292" y="2524125"/>
+              <a:ext cx="276225" cy="612026"/>
+            </a:xfrm>
+            <a:prstGeom prst="leftBrace">
+              <a:avLst>
+                <a:gd name="adj1" fmla="val 35919"/>
+                <a:gd name="adj2" fmla="val 50629"/>
+              </a:avLst>
+            </a:prstGeom>
+            <a:ln w="28575">
+              <a:solidFill>
+                <a:srgbClr val="0070C0"/>
+              </a:solidFill>
+            </a:ln>
+          </p:spPr>
+          <p:style>
+            <a:lnRef idx="1">
+              <a:schemeClr val="accent1"/>
+            </a:lnRef>
+            <a:fillRef idx="0">
+              <a:schemeClr val="accent1"/>
+            </a:fillRef>
+            <a:effectRef idx="0">
+              <a:schemeClr val="accent1"/>
+            </a:effectRef>
+            <a:fontRef idx="minor">
+              <a:schemeClr val="tx1"/>
+            </a:fontRef>
+          </p:style>
+          <p:txBody>
+            <a:bodyPr rtlCol="0" anchor="ctr"/>
+            <a:lstStyle/>
+            <a:p>
+              <a:pPr algn="ctr"/>
+              <a:endParaRPr lang="ru-RU" sz="1100">
+                <a:latin typeface="Times New Roman" panose="02020603050405020304" pitchFamily="18" charset="0"/>
+                <a:cs typeface="Times New Roman" panose="02020603050405020304" pitchFamily="18" charset="0"/>
+              </a:endParaRPr>
+            </a:p>
+          </p:txBody>
+        </p:sp>
+        <p:sp>
+          <p:nvSpPr>
+            <p:cNvPr id="5" name="Левая фигурная скобка 26">
+              <a:extLst>
+                <a:ext uri="{FF2B5EF4-FFF2-40B4-BE49-F238E27FC236}">
+                  <a16:creationId xmlns:a16="http://schemas.microsoft.com/office/drawing/2014/main" id="{5CC620E3-FC1E-606E-2FBE-A135877146EC}"/>
+                </a:ext>
+              </a:extLst>
+            </p:cNvPr>
+            <p:cNvSpPr/>
+            <p:nvPr/>
+          </p:nvSpPr>
+          <p:spPr>
+            <a:xfrm>
+              <a:off x="3414342" y="3526677"/>
+              <a:ext cx="276225" cy="1254874"/>
+            </a:xfrm>
+            <a:prstGeom prst="leftBrace">
+              <a:avLst>
+                <a:gd name="adj1" fmla="val 35919"/>
+                <a:gd name="adj2" fmla="val 50629"/>
+              </a:avLst>
+            </a:prstGeom>
+            <a:ln w="28575">
+              <a:solidFill>
+                <a:srgbClr val="0070C0"/>
+              </a:solidFill>
+            </a:ln>
+          </p:spPr>
+          <p:style>
+            <a:lnRef idx="1">
+              <a:schemeClr val="accent1"/>
+            </a:lnRef>
+            <a:fillRef idx="0">
+              <a:schemeClr val="accent1"/>
+            </a:fillRef>
+            <a:effectRef idx="0">
+              <a:schemeClr val="accent1"/>
+            </a:effectRef>
+            <a:fontRef idx="minor">
+              <a:schemeClr val="tx1"/>
+            </a:fontRef>
+          </p:style>
+          <p:txBody>
+            <a:bodyPr rtlCol="0" anchor="ctr"/>
+            <a:lstStyle/>
+            <a:p>
+              <a:pPr algn="ctr"/>
+              <a:endParaRPr lang="ru-RU" sz="1100">
+                <a:latin typeface="Times New Roman" panose="02020603050405020304" pitchFamily="18" charset="0"/>
+                <a:cs typeface="Times New Roman" panose="02020603050405020304" pitchFamily="18" charset="0"/>
+              </a:endParaRPr>
+            </a:p>
+          </p:txBody>
+        </p:sp>
+        <p:cxnSp>
+          <p:nvCxnSpPr>
+            <p:cNvPr id="6" name="Прямая со стрелкой 27">
+              <a:extLst>
+                <a:ext uri="{FF2B5EF4-FFF2-40B4-BE49-F238E27FC236}">
+                  <a16:creationId xmlns:a16="http://schemas.microsoft.com/office/drawing/2014/main" id="{A6E118F9-80A6-FF96-513B-5DFD82BF2DEB}"/>
+                </a:ext>
+              </a:extLst>
+            </p:cNvPr>
+            <p:cNvCxnSpPr/>
+            <p:nvPr/>
+          </p:nvCxnSpPr>
+          <p:spPr>
+            <a:xfrm>
+              <a:off x="3421486" y="2078876"/>
+              <a:ext cx="269081" cy="0"/>
+            </a:xfrm>
+            <a:prstGeom prst="straightConnector1">
+              <a:avLst/>
+            </a:prstGeom>
+            <a:ln w="47625">
+              <a:tailEnd type="stealth" w="lg" len="lg"/>
+            </a:ln>
+          </p:spPr>
+          <p:style>
+            <a:lnRef idx="1">
+              <a:schemeClr val="accent1"/>
+            </a:lnRef>
+            <a:fillRef idx="0">
+              <a:schemeClr val="accent1"/>
+            </a:fillRef>
+            <a:effectRef idx="0">
+              <a:schemeClr val="accent1"/>
+            </a:effectRef>
+            <a:fontRef idx="minor">
+              <a:schemeClr val="tx1"/>
+            </a:fontRef>
+          </p:style>
+        </p:cxnSp>
+        <p:cxnSp>
+          <p:nvCxnSpPr>
+            <p:cNvPr id="7" name="Прямая со стрелкой 28">
+              <a:extLst>
+                <a:ext uri="{FF2B5EF4-FFF2-40B4-BE49-F238E27FC236}">
+                  <a16:creationId xmlns:a16="http://schemas.microsoft.com/office/drawing/2014/main" id="{24544876-6CF3-8BA6-9982-37645621893B}"/>
+                </a:ext>
+              </a:extLst>
+            </p:cNvPr>
+            <p:cNvCxnSpPr/>
+            <p:nvPr/>
+          </p:nvCxnSpPr>
+          <p:spPr>
+            <a:xfrm>
+              <a:off x="3422486" y="3326651"/>
+              <a:ext cx="269081" cy="0"/>
+            </a:xfrm>
+            <a:prstGeom prst="straightConnector1">
+              <a:avLst/>
+            </a:prstGeom>
+            <a:ln w="47625">
+              <a:tailEnd type="stealth" w="lg" len="lg"/>
+            </a:ln>
+          </p:spPr>
+          <p:style>
+            <a:lnRef idx="1">
+              <a:schemeClr val="accent1"/>
+            </a:lnRef>
+            <a:fillRef idx="0">
+              <a:schemeClr val="accent1"/>
+            </a:fillRef>
+            <a:effectRef idx="0">
+              <a:schemeClr val="accent1"/>
+            </a:effectRef>
+            <a:fontRef idx="minor">
+              <a:schemeClr val="tx1"/>
+            </a:fontRef>
+          </p:style>
+        </p:cxnSp>
+        <p:sp>
+          <p:nvSpPr>
+            <p:cNvPr id="14" name="Левая фигурная скобка 34">
+              <a:extLst>
+                <a:ext uri="{FF2B5EF4-FFF2-40B4-BE49-F238E27FC236}">
+                  <a16:creationId xmlns:a16="http://schemas.microsoft.com/office/drawing/2014/main" id="{490DC4B5-D35F-F0C4-0AA3-ED77CCC4A64A}"/>
+                </a:ext>
+              </a:extLst>
+            </p:cNvPr>
+            <p:cNvSpPr/>
+            <p:nvPr/>
+          </p:nvSpPr>
+          <p:spPr>
+            <a:xfrm>
+              <a:off x="3414939" y="5698376"/>
+              <a:ext cx="276225" cy="416674"/>
+            </a:xfrm>
+            <a:prstGeom prst="leftBrace">
+              <a:avLst>
+                <a:gd name="adj1" fmla="val 35919"/>
+                <a:gd name="adj2" fmla="val 50629"/>
+              </a:avLst>
+            </a:prstGeom>
+            <a:ln w="28575">
+              <a:solidFill>
+                <a:srgbClr val="0070C0"/>
+              </a:solidFill>
+            </a:ln>
+          </p:spPr>
+          <p:style>
+            <a:lnRef idx="1">
+              <a:schemeClr val="accent1"/>
+            </a:lnRef>
+            <a:fillRef idx="0">
+              <a:schemeClr val="accent1"/>
+            </a:fillRef>
+            <a:effectRef idx="0">
+              <a:schemeClr val="accent1"/>
+            </a:effectRef>
+            <a:fontRef idx="minor">
+              <a:schemeClr val="tx1"/>
+            </a:fontRef>
+          </p:style>
+          <p:txBody>
+            <a:bodyPr rtlCol="0" anchor="ctr"/>
+            <a:lstStyle/>
+            <a:p>
+              <a:pPr algn="ctr"/>
+              <a:endParaRPr lang="ru-RU" sz="1100">
+                <a:latin typeface="Times New Roman" panose="02020603050405020304" pitchFamily="18" charset="0"/>
+                <a:cs typeface="Times New Roman" panose="02020603050405020304" pitchFamily="18" charset="0"/>
+              </a:endParaRPr>
+            </a:p>
+          </p:txBody>
+        </p:sp>
+        <p:sp>
+          <p:nvSpPr>
+            <p:cNvPr id="15" name="Левая фигурная скобка 35">
+              <a:extLst>
+                <a:ext uri="{FF2B5EF4-FFF2-40B4-BE49-F238E27FC236}">
+                  <a16:creationId xmlns:a16="http://schemas.microsoft.com/office/drawing/2014/main" id="{1E8F8CD9-7175-3FAA-44ED-D26B5B820CE5}"/>
+                </a:ext>
+              </a:extLst>
+            </p:cNvPr>
+            <p:cNvSpPr/>
+            <p:nvPr/>
+          </p:nvSpPr>
+          <p:spPr>
+            <a:xfrm>
+              <a:off x="3413373" y="4945900"/>
+              <a:ext cx="276225" cy="645275"/>
+            </a:xfrm>
+            <a:prstGeom prst="leftBrace">
+              <a:avLst>
+                <a:gd name="adj1" fmla="val 35919"/>
+                <a:gd name="adj2" fmla="val 50629"/>
+              </a:avLst>
+            </a:prstGeom>
+            <a:ln w="28575">
+              <a:solidFill>
+                <a:srgbClr val="0070C0"/>
+              </a:solidFill>
+            </a:ln>
+          </p:spPr>
+          <p:style>
+            <a:lnRef idx="1">
+              <a:schemeClr val="accent1"/>
+            </a:lnRef>
+            <a:fillRef idx="0">
+              <a:schemeClr val="accent1"/>
+            </a:fillRef>
+            <a:effectRef idx="0">
+              <a:schemeClr val="accent1"/>
+            </a:effectRef>
+            <a:fontRef idx="minor">
+              <a:schemeClr val="tx1"/>
+            </a:fontRef>
+          </p:style>
+          <p:txBody>
+            <a:bodyPr rtlCol="0" anchor="ctr"/>
+            <a:lstStyle/>
+            <a:p>
+              <a:pPr algn="ctr"/>
+              <a:endParaRPr lang="ru-RU" sz="1100">
+                <a:latin typeface="Times New Roman" panose="02020603050405020304" pitchFamily="18" charset="0"/>
+                <a:cs typeface="Times New Roman" panose="02020603050405020304" pitchFamily="18" charset="0"/>
+              </a:endParaRPr>
+            </a:p>
+          </p:txBody>
+        </p:sp>
+        <p:cxnSp>
+          <p:nvCxnSpPr>
+            <p:cNvPr id="17" name="Прямая со стрелкой 37">
+              <a:extLst>
+                <a:ext uri="{FF2B5EF4-FFF2-40B4-BE49-F238E27FC236}">
+                  <a16:creationId xmlns:a16="http://schemas.microsoft.com/office/drawing/2014/main" id="{BF5AFA0F-990E-8A76-7522-4C5A24FFBAB4}"/>
+                </a:ext>
+              </a:extLst>
+            </p:cNvPr>
+            <p:cNvCxnSpPr/>
+            <p:nvPr/>
+          </p:nvCxnSpPr>
+          <p:spPr>
+            <a:xfrm>
+              <a:off x="3421859" y="2358707"/>
+              <a:ext cx="269081" cy="0"/>
+            </a:xfrm>
+            <a:prstGeom prst="straightConnector1">
+              <a:avLst/>
+            </a:prstGeom>
+            <a:ln w="47625">
+              <a:tailEnd type="stealth" w="lg" len="lg"/>
+            </a:ln>
+          </p:spPr>
+          <p:style>
+            <a:lnRef idx="1">
+              <a:schemeClr val="accent1"/>
+            </a:lnRef>
+            <a:fillRef idx="0">
+              <a:schemeClr val="accent1"/>
+            </a:fillRef>
+            <a:effectRef idx="0">
+              <a:schemeClr val="accent1"/>
+            </a:effectRef>
+            <a:fontRef idx="minor">
+              <a:schemeClr val="tx1"/>
+            </a:fontRef>
+          </p:style>
+        </p:cxnSp>
+        <p:sp>
+          <p:nvSpPr>
+            <p:cNvPr id="24" name="TextBox 23">
+              <a:extLst>
+                <a:ext uri="{FF2B5EF4-FFF2-40B4-BE49-F238E27FC236}">
+                  <a16:creationId xmlns:a16="http://schemas.microsoft.com/office/drawing/2014/main" id="{4857844D-20B1-E588-210C-037A3554A513}"/>
+                </a:ext>
+              </a:extLst>
+            </p:cNvPr>
+            <p:cNvSpPr txBox="1"/>
+            <p:nvPr/>
+          </p:nvSpPr>
+          <p:spPr>
+            <a:xfrm>
+              <a:off x="2716510" y="1934968"/>
+              <a:ext cx="796528" cy="261610"/>
+            </a:xfrm>
+            <a:prstGeom prst="rect">
+              <a:avLst/>
+            </a:prstGeom>
+            <a:noFill/>
+          </p:spPr>
+          <p:txBody>
+            <a:bodyPr wrap="square" rtlCol="0">
+              <a:spAutoFit/>
+            </a:bodyPr>
+            <a:lstStyle/>
+            <a:p>
+              <a:pPr algn="ctr"/>
+              <a:r>
+                <a:rPr lang="en-US" sz="1100" dirty="0">
+                  <a:latin typeface="Times New Roman" panose="02020603050405020304" pitchFamily="18" charset="0"/>
+                  <a:cs typeface="Times New Roman" panose="02020603050405020304" pitchFamily="18" charset="0"/>
+                </a:rPr>
+                <a:t>Menu</a:t>
+              </a:r>
+              <a:endParaRPr lang="ru-RU" sz="1100" dirty="0">
+                <a:latin typeface="Times New Roman" panose="02020603050405020304" pitchFamily="18" charset="0"/>
+                <a:cs typeface="Times New Roman" panose="02020603050405020304" pitchFamily="18" charset="0"/>
+              </a:endParaRPr>
+            </a:p>
+          </p:txBody>
+        </p:sp>
+        <p:sp>
+          <p:nvSpPr>
+            <p:cNvPr id="26" name="TextBox 25">
+              <a:extLst>
+                <a:ext uri="{FF2B5EF4-FFF2-40B4-BE49-F238E27FC236}">
+                  <a16:creationId xmlns:a16="http://schemas.microsoft.com/office/drawing/2014/main" id="{FB64242F-494C-1CA3-9EDC-9F070C23196D}"/>
+                </a:ext>
+              </a:extLst>
+            </p:cNvPr>
+            <p:cNvSpPr txBox="1"/>
+            <p:nvPr/>
+          </p:nvSpPr>
+          <p:spPr>
+            <a:xfrm>
+              <a:off x="2227163" y="2692915"/>
+              <a:ext cx="1209675" cy="261610"/>
+            </a:xfrm>
+            <a:prstGeom prst="rect">
+              <a:avLst/>
+            </a:prstGeom>
+            <a:noFill/>
+          </p:spPr>
+          <p:txBody>
+            <a:bodyPr wrap="square" rtlCol="0">
+              <a:spAutoFit/>
+            </a:bodyPr>
+            <a:lstStyle/>
+            <a:p>
+              <a:pPr algn="ctr"/>
+              <a:r>
+                <a:rPr lang="en-US" sz="1100" dirty="0">
+                  <a:latin typeface="Times New Roman" panose="02020603050405020304" pitchFamily="18" charset="0"/>
+                  <a:cs typeface="Times New Roman" panose="02020603050405020304" pitchFamily="18" charset="0"/>
+                </a:rPr>
+                <a:t>Layered structure</a:t>
+              </a:r>
+              <a:endParaRPr lang="ru-RU" sz="1100" dirty="0">
+                <a:latin typeface="Times New Roman" panose="02020603050405020304" pitchFamily="18" charset="0"/>
+                <a:cs typeface="Times New Roman" panose="02020603050405020304" pitchFamily="18" charset="0"/>
+              </a:endParaRPr>
+            </a:p>
+          </p:txBody>
+        </p:sp>
+        <p:sp>
+          <p:nvSpPr>
+            <p:cNvPr id="27" name="TextBox 26">
+              <a:extLst>
+                <a:ext uri="{FF2B5EF4-FFF2-40B4-BE49-F238E27FC236}">
+                  <a16:creationId xmlns:a16="http://schemas.microsoft.com/office/drawing/2014/main" id="{7C0BF45C-8903-59D8-9B27-267BB2ACBD68}"/>
+                </a:ext>
+              </a:extLst>
+            </p:cNvPr>
+            <p:cNvSpPr txBox="1"/>
+            <p:nvPr/>
+          </p:nvSpPr>
+          <p:spPr>
+            <a:xfrm>
+              <a:off x="2430165" y="3186432"/>
+              <a:ext cx="1110853" cy="261610"/>
+            </a:xfrm>
+            <a:prstGeom prst="rect">
+              <a:avLst/>
+            </a:prstGeom>
+            <a:noFill/>
+          </p:spPr>
+          <p:txBody>
+            <a:bodyPr wrap="square" rtlCol="0">
+              <a:spAutoFit/>
+            </a:bodyPr>
+            <a:lstStyle/>
+            <a:p>
+              <a:pPr algn="ctr"/>
+              <a:r>
+                <a:rPr lang="en-US" sz="1100" dirty="0">
+                  <a:latin typeface="Times New Roman" panose="02020603050405020304" pitchFamily="18" charset="0"/>
+                  <a:cs typeface="Times New Roman" panose="02020603050405020304" pitchFamily="18" charset="0"/>
+                </a:rPr>
+                <a:t>Toolbar</a:t>
+              </a:r>
+              <a:endParaRPr lang="ru-RU" sz="1100" dirty="0">
+                <a:latin typeface="Times New Roman" panose="02020603050405020304" pitchFamily="18" charset="0"/>
+                <a:cs typeface="Times New Roman" panose="02020603050405020304" pitchFamily="18" charset="0"/>
+              </a:endParaRPr>
+            </a:p>
+          </p:txBody>
+        </p:sp>
+        <p:sp>
+          <p:nvSpPr>
+            <p:cNvPr id="28" name="TextBox 27">
+              <a:extLst>
+                <a:ext uri="{FF2B5EF4-FFF2-40B4-BE49-F238E27FC236}">
+                  <a16:creationId xmlns:a16="http://schemas.microsoft.com/office/drawing/2014/main" id="{493A8704-DB96-CF3B-1320-AB023DC769A5}"/>
+                </a:ext>
+              </a:extLst>
+            </p:cNvPr>
+            <p:cNvSpPr txBox="1"/>
+            <p:nvPr/>
+          </p:nvSpPr>
+          <p:spPr>
+            <a:xfrm>
+              <a:off x="2293838" y="3954860"/>
+              <a:ext cx="1136302" cy="430887"/>
+            </a:xfrm>
+            <a:prstGeom prst="rect">
+              <a:avLst/>
+            </a:prstGeom>
+            <a:noFill/>
+          </p:spPr>
+          <p:txBody>
+            <a:bodyPr wrap="square" rtlCol="0">
+              <a:spAutoFit/>
+            </a:bodyPr>
+            <a:lstStyle/>
+            <a:p>
+              <a:pPr algn="ctr"/>
+              <a:r>
+                <a:rPr lang="en-US" sz="1100" dirty="0">
+                  <a:latin typeface="Times New Roman" panose="02020603050405020304" pitchFamily="18" charset="0"/>
+                  <a:cs typeface="Times New Roman" panose="02020603050405020304" pitchFamily="18" charset="0"/>
+                </a:rPr>
+                <a:t>Access to other windows</a:t>
+              </a:r>
+              <a:endParaRPr lang="ru-RU" sz="1100" dirty="0">
+                <a:latin typeface="Times New Roman" panose="02020603050405020304" pitchFamily="18" charset="0"/>
+                <a:cs typeface="Times New Roman" panose="02020603050405020304" pitchFamily="18" charset="0"/>
+              </a:endParaRPr>
+            </a:p>
+          </p:txBody>
+        </p:sp>
+        <p:sp>
+          <p:nvSpPr>
+            <p:cNvPr id="29" name="TextBox 28">
+              <a:extLst>
+                <a:ext uri="{FF2B5EF4-FFF2-40B4-BE49-F238E27FC236}">
+                  <a16:creationId xmlns:a16="http://schemas.microsoft.com/office/drawing/2014/main" id="{AC0F9CD0-B21E-8D20-093E-D5EC05D9DA5C}"/>
+                </a:ext>
+              </a:extLst>
+            </p:cNvPr>
+            <p:cNvSpPr txBox="1"/>
+            <p:nvPr/>
+          </p:nvSpPr>
+          <p:spPr>
+            <a:xfrm>
+              <a:off x="2258304" y="5715486"/>
+              <a:ext cx="1318841" cy="430887"/>
+            </a:xfrm>
+            <a:prstGeom prst="rect">
+              <a:avLst/>
+            </a:prstGeom>
+            <a:noFill/>
+          </p:spPr>
+          <p:txBody>
+            <a:bodyPr wrap="square" rtlCol="0">
+              <a:spAutoFit/>
+            </a:bodyPr>
+            <a:lstStyle/>
+            <a:p>
+              <a:pPr algn="ctr"/>
+              <a:r>
+                <a:rPr lang="en-US" sz="1100" dirty="0">
+                  <a:latin typeface="Times New Roman" panose="02020603050405020304" pitchFamily="18" charset="0"/>
+                  <a:cs typeface="Times New Roman" panose="02020603050405020304" pitchFamily="18" charset="0"/>
+                </a:rPr>
+                <a:t>Measured and target curves</a:t>
+              </a:r>
+              <a:endParaRPr lang="ru-RU" sz="1100" dirty="0">
+                <a:latin typeface="Times New Roman" panose="02020603050405020304" pitchFamily="18" charset="0"/>
+                <a:cs typeface="Times New Roman" panose="02020603050405020304" pitchFamily="18" charset="0"/>
+              </a:endParaRPr>
+            </a:p>
+          </p:txBody>
+        </p:sp>
+        <p:sp>
+          <p:nvSpPr>
+            <p:cNvPr id="32" name="TextBox 31">
+              <a:extLst>
+                <a:ext uri="{FF2B5EF4-FFF2-40B4-BE49-F238E27FC236}">
+                  <a16:creationId xmlns:a16="http://schemas.microsoft.com/office/drawing/2014/main" id="{296A2AFC-949B-F2C5-8067-090D9A074592}"/>
+                </a:ext>
+              </a:extLst>
+            </p:cNvPr>
+            <p:cNvSpPr txBox="1"/>
+            <p:nvPr/>
+          </p:nvSpPr>
+          <p:spPr>
+            <a:xfrm>
+              <a:off x="2234752" y="5064212"/>
+              <a:ext cx="1368773" cy="430887"/>
+            </a:xfrm>
+            <a:prstGeom prst="rect">
+              <a:avLst/>
+            </a:prstGeom>
+            <a:noFill/>
+          </p:spPr>
+          <p:txBody>
+            <a:bodyPr wrap="square" rtlCol="0">
+              <a:spAutoFit/>
+            </a:bodyPr>
+            <a:lstStyle/>
+            <a:p>
+              <a:pPr algn="ctr"/>
+              <a:r>
+                <a:rPr lang="en-US" sz="1100" dirty="0">
+                  <a:latin typeface="Times New Roman" panose="02020603050405020304" pitchFamily="18" charset="0"/>
+                  <a:cs typeface="Times New Roman" panose="02020603050405020304" pitchFamily="18" charset="0"/>
+                </a:rPr>
+                <a:t>Curves without measured data</a:t>
+              </a:r>
+              <a:endParaRPr lang="ru-RU" sz="1100" dirty="0">
+                <a:latin typeface="Times New Roman" panose="02020603050405020304" pitchFamily="18" charset="0"/>
+                <a:cs typeface="Times New Roman" panose="02020603050405020304" pitchFamily="18" charset="0"/>
+              </a:endParaRPr>
+            </a:p>
+          </p:txBody>
+        </p:sp>
+        <p:sp>
+          <p:nvSpPr>
+            <p:cNvPr id="34" name="TextBox 33">
+              <a:extLst>
+                <a:ext uri="{FF2B5EF4-FFF2-40B4-BE49-F238E27FC236}">
+                  <a16:creationId xmlns:a16="http://schemas.microsoft.com/office/drawing/2014/main" id="{5095FCD9-CE76-12C8-5305-1E2BE51A1247}"/>
+                </a:ext>
+              </a:extLst>
+            </p:cNvPr>
+            <p:cNvSpPr txBox="1"/>
+            <p:nvPr/>
+          </p:nvSpPr>
+          <p:spPr>
+            <a:xfrm>
+              <a:off x="2143125" y="2246702"/>
+              <a:ext cx="1316204" cy="261610"/>
+            </a:xfrm>
+            <a:prstGeom prst="rect">
+              <a:avLst/>
+            </a:prstGeom>
+            <a:noFill/>
+          </p:spPr>
+          <p:txBody>
+            <a:bodyPr wrap="square" rtlCol="0">
+              <a:spAutoFit/>
+            </a:bodyPr>
+            <a:lstStyle/>
+            <a:p>
+              <a:pPr algn="ctr"/>
+              <a:r>
+                <a:rPr lang="en-US" sz="1100" dirty="0">
+                  <a:latin typeface="Times New Roman" panose="02020603050405020304" pitchFamily="18" charset="0"/>
+                  <a:cs typeface="Times New Roman" panose="02020603050405020304" pitchFamily="18" charset="0"/>
+                </a:rPr>
+                <a:t>Tabs with structures</a:t>
+              </a:r>
+              <a:endParaRPr lang="ru-RU" sz="1100" dirty="0">
+                <a:latin typeface="Times New Roman" panose="02020603050405020304" pitchFamily="18" charset="0"/>
+                <a:cs typeface="Times New Roman" panose="02020603050405020304" pitchFamily="18" charset="0"/>
+              </a:endParaRPr>
+            </a:p>
+          </p:txBody>
+        </p:sp>
+      </p:grpSp>
+    </p:spTree>
+    <p:extLst>
+      <p:ext uri="{BB962C8B-B14F-4D97-AF65-F5344CB8AC3E}">
+        <p14:creationId xmlns:p14="http://schemas.microsoft.com/office/powerpoint/2010/main" val="4009726277"/>
+      </p:ext>
+    </p:extLst>
+  </p:cSld>
+  <p:clrMapOvr>
+    <a:masterClrMapping/>
+  </p:clrMapOvr>
+</p:sld>
+</file>
+
+<file path=ppt/slides/slide30.xml><?xml version="1.0" encoding="utf-8"?>
 <p:sld xmlns:a="http://schemas.openxmlformats.org/drawingml/2006/main" xmlns:r="http://schemas.openxmlformats.org/officeDocument/2006/relationships" xmlns:p="http://schemas.openxmlformats.org/presentationml/2006/main">
   <p:cSld>
     <p:spTree>
@@ -19451,7 +20682,7 @@
 </p:sld>
 </file>
 
-<file path=ppt/slides/slide29.xml><?xml version="1.0" encoding="utf-8"?>
+<file path=ppt/slides/slide31.xml><?xml version="1.0" encoding="utf-8"?>
 <p:sld xmlns:a="http://schemas.openxmlformats.org/drawingml/2006/main" xmlns:r="http://schemas.openxmlformats.org/officeDocument/2006/relationships" xmlns:p="http://schemas.openxmlformats.org/presentationml/2006/main">
   <p:cSld>
     <p:spTree>
@@ -19878,725 +21109,7 @@
 </p:sld>
 </file>
 
-<file path=ppt/slides/slide3.xml><?xml version="1.0" encoding="utf-8"?>
-<p:sld xmlns:a="http://schemas.openxmlformats.org/drawingml/2006/main" xmlns:r="http://schemas.openxmlformats.org/officeDocument/2006/relationships" xmlns:p="http://schemas.openxmlformats.org/presentationml/2006/main">
-  <p:cSld>
-    <p:spTree>
-      <p:nvGrpSpPr>
-        <p:cNvPr id="1" name=""/>
-        <p:cNvGrpSpPr/>
-        <p:nvPr/>
-      </p:nvGrpSpPr>
-      <p:grpSpPr>
-        <a:xfrm>
-          <a:off x="0" y="0"/>
-          <a:ext cx="0" cy="0"/>
-          <a:chOff x="0" y="0"/>
-          <a:chExt cx="0" cy="0"/>
-        </a:xfrm>
-      </p:grpSpPr>
-      <p:grpSp>
-        <p:nvGrpSpPr>
-          <p:cNvPr id="36" name="Group 35">
-            <a:extLst>
-              <a:ext uri="{FF2B5EF4-FFF2-40B4-BE49-F238E27FC236}">
-                <a16:creationId xmlns:a16="http://schemas.microsoft.com/office/drawing/2014/main" id="{F8A36A5D-9C52-F371-1351-0FD1A96AE0D7}"/>
-              </a:ext>
-            </a:extLst>
-          </p:cNvPr>
-          <p:cNvGrpSpPr/>
-          <p:nvPr/>
-        </p:nvGrpSpPr>
-        <p:grpSpPr>
-          <a:xfrm>
-            <a:off x="923925" y="307507"/>
-            <a:ext cx="6657975" cy="5867441"/>
-            <a:chOff x="2143125" y="278932"/>
-            <a:chExt cx="6657975" cy="5867441"/>
-          </a:xfrm>
-        </p:grpSpPr>
-        <p:pic>
-          <p:nvPicPr>
-            <p:cNvPr id="3" name="Picture 2">
-              <a:extLst>
-                <a:ext uri="{FF2B5EF4-FFF2-40B4-BE49-F238E27FC236}">
-                  <a16:creationId xmlns:a16="http://schemas.microsoft.com/office/drawing/2014/main" id="{36D787FE-7A9E-9657-BA47-A99C29A22C5D}"/>
-                </a:ext>
-              </a:extLst>
-            </p:cNvPr>
-            <p:cNvPicPr>
-              <a:picLocks noChangeAspect="1"/>
-            </p:cNvPicPr>
-            <p:nvPr/>
-          </p:nvPicPr>
-          <p:blipFill rotWithShape="1">
-            <a:blip r:embed="rId2"/>
-            <a:srcRect t="3007" r="3954" b="10074"/>
-            <a:stretch/>
-          </p:blipFill>
-          <p:spPr>
-            <a:xfrm>
-              <a:off x="3248025" y="278932"/>
-              <a:ext cx="5553075" cy="5861518"/>
-            </a:xfrm>
-            <a:prstGeom prst="rect">
-              <a:avLst/>
-            </a:prstGeom>
-          </p:spPr>
-        </p:pic>
-        <p:sp>
-          <p:nvSpPr>
-            <p:cNvPr id="4" name="Левая фигурная скобка 25">
-              <a:extLst>
-                <a:ext uri="{FF2B5EF4-FFF2-40B4-BE49-F238E27FC236}">
-                  <a16:creationId xmlns:a16="http://schemas.microsoft.com/office/drawing/2014/main" id="{6267E057-9F6F-E5A0-6A7F-0F7538961308}"/>
-                </a:ext>
-              </a:extLst>
-            </p:cNvPr>
-            <p:cNvSpPr/>
-            <p:nvPr/>
-          </p:nvSpPr>
-          <p:spPr>
-            <a:xfrm>
-              <a:off x="3395292" y="2524125"/>
-              <a:ext cx="276225" cy="612026"/>
-            </a:xfrm>
-            <a:prstGeom prst="leftBrace">
-              <a:avLst>
-                <a:gd name="adj1" fmla="val 35919"/>
-                <a:gd name="adj2" fmla="val 50629"/>
-              </a:avLst>
-            </a:prstGeom>
-            <a:ln w="28575">
-              <a:solidFill>
-                <a:srgbClr val="0070C0"/>
-              </a:solidFill>
-            </a:ln>
-          </p:spPr>
-          <p:style>
-            <a:lnRef idx="1">
-              <a:schemeClr val="accent1"/>
-            </a:lnRef>
-            <a:fillRef idx="0">
-              <a:schemeClr val="accent1"/>
-            </a:fillRef>
-            <a:effectRef idx="0">
-              <a:schemeClr val="accent1"/>
-            </a:effectRef>
-            <a:fontRef idx="minor">
-              <a:schemeClr val="tx1"/>
-            </a:fontRef>
-          </p:style>
-          <p:txBody>
-            <a:bodyPr rtlCol="0" anchor="ctr"/>
-            <a:lstStyle/>
-            <a:p>
-              <a:pPr algn="ctr"/>
-              <a:endParaRPr lang="ru-RU" sz="1100">
-                <a:latin typeface="Times New Roman" panose="02020603050405020304" pitchFamily="18" charset="0"/>
-                <a:cs typeface="Times New Roman" panose="02020603050405020304" pitchFamily="18" charset="0"/>
-              </a:endParaRPr>
-            </a:p>
-          </p:txBody>
-        </p:sp>
-        <p:sp>
-          <p:nvSpPr>
-            <p:cNvPr id="5" name="Левая фигурная скобка 26">
-              <a:extLst>
-                <a:ext uri="{FF2B5EF4-FFF2-40B4-BE49-F238E27FC236}">
-                  <a16:creationId xmlns:a16="http://schemas.microsoft.com/office/drawing/2014/main" id="{5CC620E3-FC1E-606E-2FBE-A135877146EC}"/>
-                </a:ext>
-              </a:extLst>
-            </p:cNvPr>
-            <p:cNvSpPr/>
-            <p:nvPr/>
-          </p:nvSpPr>
-          <p:spPr>
-            <a:xfrm>
-              <a:off x="3414342" y="3526677"/>
-              <a:ext cx="276225" cy="1254874"/>
-            </a:xfrm>
-            <a:prstGeom prst="leftBrace">
-              <a:avLst>
-                <a:gd name="adj1" fmla="val 35919"/>
-                <a:gd name="adj2" fmla="val 50629"/>
-              </a:avLst>
-            </a:prstGeom>
-            <a:ln w="28575">
-              <a:solidFill>
-                <a:srgbClr val="0070C0"/>
-              </a:solidFill>
-            </a:ln>
-          </p:spPr>
-          <p:style>
-            <a:lnRef idx="1">
-              <a:schemeClr val="accent1"/>
-            </a:lnRef>
-            <a:fillRef idx="0">
-              <a:schemeClr val="accent1"/>
-            </a:fillRef>
-            <a:effectRef idx="0">
-              <a:schemeClr val="accent1"/>
-            </a:effectRef>
-            <a:fontRef idx="minor">
-              <a:schemeClr val="tx1"/>
-            </a:fontRef>
-          </p:style>
-          <p:txBody>
-            <a:bodyPr rtlCol="0" anchor="ctr"/>
-            <a:lstStyle/>
-            <a:p>
-              <a:pPr algn="ctr"/>
-              <a:endParaRPr lang="ru-RU" sz="1100">
-                <a:latin typeface="Times New Roman" panose="02020603050405020304" pitchFamily="18" charset="0"/>
-                <a:cs typeface="Times New Roman" panose="02020603050405020304" pitchFamily="18" charset="0"/>
-              </a:endParaRPr>
-            </a:p>
-          </p:txBody>
-        </p:sp>
-        <p:cxnSp>
-          <p:nvCxnSpPr>
-            <p:cNvPr id="6" name="Прямая со стрелкой 27">
-              <a:extLst>
-                <a:ext uri="{FF2B5EF4-FFF2-40B4-BE49-F238E27FC236}">
-                  <a16:creationId xmlns:a16="http://schemas.microsoft.com/office/drawing/2014/main" id="{A6E118F9-80A6-FF96-513B-5DFD82BF2DEB}"/>
-                </a:ext>
-              </a:extLst>
-            </p:cNvPr>
-            <p:cNvCxnSpPr/>
-            <p:nvPr/>
-          </p:nvCxnSpPr>
-          <p:spPr>
-            <a:xfrm>
-              <a:off x="3421486" y="2078876"/>
-              <a:ext cx="269081" cy="0"/>
-            </a:xfrm>
-            <a:prstGeom prst="straightConnector1">
-              <a:avLst/>
-            </a:prstGeom>
-            <a:ln w="47625">
-              <a:tailEnd type="stealth" w="lg" len="lg"/>
-            </a:ln>
-          </p:spPr>
-          <p:style>
-            <a:lnRef idx="1">
-              <a:schemeClr val="accent1"/>
-            </a:lnRef>
-            <a:fillRef idx="0">
-              <a:schemeClr val="accent1"/>
-            </a:fillRef>
-            <a:effectRef idx="0">
-              <a:schemeClr val="accent1"/>
-            </a:effectRef>
-            <a:fontRef idx="minor">
-              <a:schemeClr val="tx1"/>
-            </a:fontRef>
-          </p:style>
-        </p:cxnSp>
-        <p:cxnSp>
-          <p:nvCxnSpPr>
-            <p:cNvPr id="7" name="Прямая со стрелкой 28">
-              <a:extLst>
-                <a:ext uri="{FF2B5EF4-FFF2-40B4-BE49-F238E27FC236}">
-                  <a16:creationId xmlns:a16="http://schemas.microsoft.com/office/drawing/2014/main" id="{24544876-6CF3-8BA6-9982-37645621893B}"/>
-                </a:ext>
-              </a:extLst>
-            </p:cNvPr>
-            <p:cNvCxnSpPr/>
-            <p:nvPr/>
-          </p:nvCxnSpPr>
-          <p:spPr>
-            <a:xfrm>
-              <a:off x="3422486" y="3326651"/>
-              <a:ext cx="269081" cy="0"/>
-            </a:xfrm>
-            <a:prstGeom prst="straightConnector1">
-              <a:avLst/>
-            </a:prstGeom>
-            <a:ln w="47625">
-              <a:tailEnd type="stealth" w="lg" len="lg"/>
-            </a:ln>
-          </p:spPr>
-          <p:style>
-            <a:lnRef idx="1">
-              <a:schemeClr val="accent1"/>
-            </a:lnRef>
-            <a:fillRef idx="0">
-              <a:schemeClr val="accent1"/>
-            </a:fillRef>
-            <a:effectRef idx="0">
-              <a:schemeClr val="accent1"/>
-            </a:effectRef>
-            <a:fontRef idx="minor">
-              <a:schemeClr val="tx1"/>
-            </a:fontRef>
-          </p:style>
-        </p:cxnSp>
-        <p:sp>
-          <p:nvSpPr>
-            <p:cNvPr id="14" name="Левая фигурная скобка 34">
-              <a:extLst>
-                <a:ext uri="{FF2B5EF4-FFF2-40B4-BE49-F238E27FC236}">
-                  <a16:creationId xmlns:a16="http://schemas.microsoft.com/office/drawing/2014/main" id="{490DC4B5-D35F-F0C4-0AA3-ED77CCC4A64A}"/>
-                </a:ext>
-              </a:extLst>
-            </p:cNvPr>
-            <p:cNvSpPr/>
-            <p:nvPr/>
-          </p:nvSpPr>
-          <p:spPr>
-            <a:xfrm>
-              <a:off x="3414939" y="5698376"/>
-              <a:ext cx="276225" cy="416674"/>
-            </a:xfrm>
-            <a:prstGeom prst="leftBrace">
-              <a:avLst>
-                <a:gd name="adj1" fmla="val 35919"/>
-                <a:gd name="adj2" fmla="val 50629"/>
-              </a:avLst>
-            </a:prstGeom>
-            <a:ln w="28575">
-              <a:solidFill>
-                <a:srgbClr val="0070C0"/>
-              </a:solidFill>
-            </a:ln>
-          </p:spPr>
-          <p:style>
-            <a:lnRef idx="1">
-              <a:schemeClr val="accent1"/>
-            </a:lnRef>
-            <a:fillRef idx="0">
-              <a:schemeClr val="accent1"/>
-            </a:fillRef>
-            <a:effectRef idx="0">
-              <a:schemeClr val="accent1"/>
-            </a:effectRef>
-            <a:fontRef idx="minor">
-              <a:schemeClr val="tx1"/>
-            </a:fontRef>
-          </p:style>
-          <p:txBody>
-            <a:bodyPr rtlCol="0" anchor="ctr"/>
-            <a:lstStyle/>
-            <a:p>
-              <a:pPr algn="ctr"/>
-              <a:endParaRPr lang="ru-RU" sz="1100">
-                <a:latin typeface="Times New Roman" panose="02020603050405020304" pitchFamily="18" charset="0"/>
-                <a:cs typeface="Times New Roman" panose="02020603050405020304" pitchFamily="18" charset="0"/>
-              </a:endParaRPr>
-            </a:p>
-          </p:txBody>
-        </p:sp>
-        <p:sp>
-          <p:nvSpPr>
-            <p:cNvPr id="15" name="Левая фигурная скобка 35">
-              <a:extLst>
-                <a:ext uri="{FF2B5EF4-FFF2-40B4-BE49-F238E27FC236}">
-                  <a16:creationId xmlns:a16="http://schemas.microsoft.com/office/drawing/2014/main" id="{1E8F8CD9-7175-3FAA-44ED-D26B5B820CE5}"/>
-                </a:ext>
-              </a:extLst>
-            </p:cNvPr>
-            <p:cNvSpPr/>
-            <p:nvPr/>
-          </p:nvSpPr>
-          <p:spPr>
-            <a:xfrm>
-              <a:off x="3413373" y="4945900"/>
-              <a:ext cx="276225" cy="645275"/>
-            </a:xfrm>
-            <a:prstGeom prst="leftBrace">
-              <a:avLst>
-                <a:gd name="adj1" fmla="val 35919"/>
-                <a:gd name="adj2" fmla="val 50629"/>
-              </a:avLst>
-            </a:prstGeom>
-            <a:ln w="28575">
-              <a:solidFill>
-                <a:srgbClr val="0070C0"/>
-              </a:solidFill>
-            </a:ln>
-          </p:spPr>
-          <p:style>
-            <a:lnRef idx="1">
-              <a:schemeClr val="accent1"/>
-            </a:lnRef>
-            <a:fillRef idx="0">
-              <a:schemeClr val="accent1"/>
-            </a:fillRef>
-            <a:effectRef idx="0">
-              <a:schemeClr val="accent1"/>
-            </a:effectRef>
-            <a:fontRef idx="minor">
-              <a:schemeClr val="tx1"/>
-            </a:fontRef>
-          </p:style>
-          <p:txBody>
-            <a:bodyPr rtlCol="0" anchor="ctr"/>
-            <a:lstStyle/>
-            <a:p>
-              <a:pPr algn="ctr"/>
-              <a:endParaRPr lang="ru-RU" sz="1100">
-                <a:latin typeface="Times New Roman" panose="02020603050405020304" pitchFamily="18" charset="0"/>
-                <a:cs typeface="Times New Roman" panose="02020603050405020304" pitchFamily="18" charset="0"/>
-              </a:endParaRPr>
-            </a:p>
-          </p:txBody>
-        </p:sp>
-        <p:cxnSp>
-          <p:nvCxnSpPr>
-            <p:cNvPr id="17" name="Прямая со стрелкой 37">
-              <a:extLst>
-                <a:ext uri="{FF2B5EF4-FFF2-40B4-BE49-F238E27FC236}">
-                  <a16:creationId xmlns:a16="http://schemas.microsoft.com/office/drawing/2014/main" id="{BF5AFA0F-990E-8A76-7522-4C5A24FFBAB4}"/>
-                </a:ext>
-              </a:extLst>
-            </p:cNvPr>
-            <p:cNvCxnSpPr/>
-            <p:nvPr/>
-          </p:nvCxnSpPr>
-          <p:spPr>
-            <a:xfrm>
-              <a:off x="3421859" y="2358707"/>
-              <a:ext cx="269081" cy="0"/>
-            </a:xfrm>
-            <a:prstGeom prst="straightConnector1">
-              <a:avLst/>
-            </a:prstGeom>
-            <a:ln w="47625">
-              <a:tailEnd type="stealth" w="lg" len="lg"/>
-            </a:ln>
-          </p:spPr>
-          <p:style>
-            <a:lnRef idx="1">
-              <a:schemeClr val="accent1"/>
-            </a:lnRef>
-            <a:fillRef idx="0">
-              <a:schemeClr val="accent1"/>
-            </a:fillRef>
-            <a:effectRef idx="0">
-              <a:schemeClr val="accent1"/>
-            </a:effectRef>
-            <a:fontRef idx="minor">
-              <a:schemeClr val="tx1"/>
-            </a:fontRef>
-          </p:style>
-        </p:cxnSp>
-        <p:sp>
-          <p:nvSpPr>
-            <p:cNvPr id="24" name="TextBox 23">
-              <a:extLst>
-                <a:ext uri="{FF2B5EF4-FFF2-40B4-BE49-F238E27FC236}">
-                  <a16:creationId xmlns:a16="http://schemas.microsoft.com/office/drawing/2014/main" id="{4857844D-20B1-E588-210C-037A3554A513}"/>
-                </a:ext>
-              </a:extLst>
-            </p:cNvPr>
-            <p:cNvSpPr txBox="1"/>
-            <p:nvPr/>
-          </p:nvSpPr>
-          <p:spPr>
-            <a:xfrm>
-              <a:off x="2716510" y="1934968"/>
-              <a:ext cx="796528" cy="261610"/>
-            </a:xfrm>
-            <a:prstGeom prst="rect">
-              <a:avLst/>
-            </a:prstGeom>
-            <a:noFill/>
-          </p:spPr>
-          <p:txBody>
-            <a:bodyPr wrap="square" rtlCol="0">
-              <a:spAutoFit/>
-            </a:bodyPr>
-            <a:lstStyle/>
-            <a:p>
-              <a:pPr algn="ctr"/>
-              <a:r>
-                <a:rPr lang="en-US" sz="1100" dirty="0">
-                  <a:latin typeface="Times New Roman" panose="02020603050405020304" pitchFamily="18" charset="0"/>
-                  <a:cs typeface="Times New Roman" panose="02020603050405020304" pitchFamily="18" charset="0"/>
-                </a:rPr>
-                <a:t>Menu</a:t>
-              </a:r>
-              <a:endParaRPr lang="ru-RU" sz="1100" dirty="0">
-                <a:latin typeface="Times New Roman" panose="02020603050405020304" pitchFamily="18" charset="0"/>
-                <a:cs typeface="Times New Roman" panose="02020603050405020304" pitchFamily="18" charset="0"/>
-              </a:endParaRPr>
-            </a:p>
-          </p:txBody>
-        </p:sp>
-        <p:sp>
-          <p:nvSpPr>
-            <p:cNvPr id="26" name="TextBox 25">
-              <a:extLst>
-                <a:ext uri="{FF2B5EF4-FFF2-40B4-BE49-F238E27FC236}">
-                  <a16:creationId xmlns:a16="http://schemas.microsoft.com/office/drawing/2014/main" id="{FB64242F-494C-1CA3-9EDC-9F070C23196D}"/>
-                </a:ext>
-              </a:extLst>
-            </p:cNvPr>
-            <p:cNvSpPr txBox="1"/>
-            <p:nvPr/>
-          </p:nvSpPr>
-          <p:spPr>
-            <a:xfrm>
-              <a:off x="2227163" y="2692915"/>
-              <a:ext cx="1209675" cy="261610"/>
-            </a:xfrm>
-            <a:prstGeom prst="rect">
-              <a:avLst/>
-            </a:prstGeom>
-            <a:noFill/>
-          </p:spPr>
-          <p:txBody>
-            <a:bodyPr wrap="square" rtlCol="0">
-              <a:spAutoFit/>
-            </a:bodyPr>
-            <a:lstStyle/>
-            <a:p>
-              <a:pPr algn="ctr"/>
-              <a:r>
-                <a:rPr lang="en-US" sz="1100" dirty="0">
-                  <a:latin typeface="Times New Roman" panose="02020603050405020304" pitchFamily="18" charset="0"/>
-                  <a:cs typeface="Times New Roman" panose="02020603050405020304" pitchFamily="18" charset="0"/>
-                </a:rPr>
-                <a:t>Layered structure</a:t>
-              </a:r>
-              <a:endParaRPr lang="ru-RU" sz="1100" dirty="0">
-                <a:latin typeface="Times New Roman" panose="02020603050405020304" pitchFamily="18" charset="0"/>
-                <a:cs typeface="Times New Roman" panose="02020603050405020304" pitchFamily="18" charset="0"/>
-              </a:endParaRPr>
-            </a:p>
-          </p:txBody>
-        </p:sp>
-        <p:sp>
-          <p:nvSpPr>
-            <p:cNvPr id="27" name="TextBox 26">
-              <a:extLst>
-                <a:ext uri="{FF2B5EF4-FFF2-40B4-BE49-F238E27FC236}">
-                  <a16:creationId xmlns:a16="http://schemas.microsoft.com/office/drawing/2014/main" id="{7C0BF45C-8903-59D8-9B27-267BB2ACBD68}"/>
-                </a:ext>
-              </a:extLst>
-            </p:cNvPr>
-            <p:cNvSpPr txBox="1"/>
-            <p:nvPr/>
-          </p:nvSpPr>
-          <p:spPr>
-            <a:xfrm>
-              <a:off x="2430165" y="3186432"/>
-              <a:ext cx="1110853" cy="261610"/>
-            </a:xfrm>
-            <a:prstGeom prst="rect">
-              <a:avLst/>
-            </a:prstGeom>
-            <a:noFill/>
-          </p:spPr>
-          <p:txBody>
-            <a:bodyPr wrap="square" rtlCol="0">
-              <a:spAutoFit/>
-            </a:bodyPr>
-            <a:lstStyle/>
-            <a:p>
-              <a:pPr algn="ctr"/>
-              <a:r>
-                <a:rPr lang="en-US" sz="1100" dirty="0">
-                  <a:latin typeface="Times New Roman" panose="02020603050405020304" pitchFamily="18" charset="0"/>
-                  <a:cs typeface="Times New Roman" panose="02020603050405020304" pitchFamily="18" charset="0"/>
-                </a:rPr>
-                <a:t>Toolbar</a:t>
-              </a:r>
-              <a:endParaRPr lang="ru-RU" sz="1100" dirty="0">
-                <a:latin typeface="Times New Roman" panose="02020603050405020304" pitchFamily="18" charset="0"/>
-                <a:cs typeface="Times New Roman" panose="02020603050405020304" pitchFamily="18" charset="0"/>
-              </a:endParaRPr>
-            </a:p>
-          </p:txBody>
-        </p:sp>
-        <p:sp>
-          <p:nvSpPr>
-            <p:cNvPr id="28" name="TextBox 27">
-              <a:extLst>
-                <a:ext uri="{FF2B5EF4-FFF2-40B4-BE49-F238E27FC236}">
-                  <a16:creationId xmlns:a16="http://schemas.microsoft.com/office/drawing/2014/main" id="{493A8704-DB96-CF3B-1320-AB023DC769A5}"/>
-                </a:ext>
-              </a:extLst>
-            </p:cNvPr>
-            <p:cNvSpPr txBox="1"/>
-            <p:nvPr/>
-          </p:nvSpPr>
-          <p:spPr>
-            <a:xfrm>
-              <a:off x="2293838" y="3954860"/>
-              <a:ext cx="1136302" cy="430887"/>
-            </a:xfrm>
-            <a:prstGeom prst="rect">
-              <a:avLst/>
-            </a:prstGeom>
-            <a:noFill/>
-          </p:spPr>
-          <p:txBody>
-            <a:bodyPr wrap="square" rtlCol="0">
-              <a:spAutoFit/>
-            </a:bodyPr>
-            <a:lstStyle/>
-            <a:p>
-              <a:pPr algn="ctr"/>
-              <a:r>
-                <a:rPr lang="en-US" sz="1100" dirty="0">
-                  <a:latin typeface="Times New Roman" panose="02020603050405020304" pitchFamily="18" charset="0"/>
-                  <a:cs typeface="Times New Roman" panose="02020603050405020304" pitchFamily="18" charset="0"/>
-                </a:rPr>
-                <a:t>Access to other windows</a:t>
-              </a:r>
-              <a:endParaRPr lang="ru-RU" sz="1100" dirty="0">
-                <a:latin typeface="Times New Roman" panose="02020603050405020304" pitchFamily="18" charset="0"/>
-                <a:cs typeface="Times New Roman" panose="02020603050405020304" pitchFamily="18" charset="0"/>
-              </a:endParaRPr>
-            </a:p>
-          </p:txBody>
-        </p:sp>
-        <p:sp>
-          <p:nvSpPr>
-            <p:cNvPr id="29" name="TextBox 28">
-              <a:extLst>
-                <a:ext uri="{FF2B5EF4-FFF2-40B4-BE49-F238E27FC236}">
-                  <a16:creationId xmlns:a16="http://schemas.microsoft.com/office/drawing/2014/main" id="{AC0F9CD0-B21E-8D20-093E-D5EC05D9DA5C}"/>
-                </a:ext>
-              </a:extLst>
-            </p:cNvPr>
-            <p:cNvSpPr txBox="1"/>
-            <p:nvPr/>
-          </p:nvSpPr>
-          <p:spPr>
-            <a:xfrm>
-              <a:off x="2258304" y="5715486"/>
-              <a:ext cx="1318841" cy="430887"/>
-            </a:xfrm>
-            <a:prstGeom prst="rect">
-              <a:avLst/>
-            </a:prstGeom>
-            <a:noFill/>
-          </p:spPr>
-          <p:txBody>
-            <a:bodyPr wrap="square" rtlCol="0">
-              <a:spAutoFit/>
-            </a:bodyPr>
-            <a:lstStyle/>
-            <a:p>
-              <a:pPr algn="ctr"/>
-              <a:r>
-                <a:rPr lang="en-US" sz="1100" dirty="0">
-                  <a:latin typeface="Times New Roman" panose="02020603050405020304" pitchFamily="18" charset="0"/>
-                  <a:cs typeface="Times New Roman" panose="02020603050405020304" pitchFamily="18" charset="0"/>
-                </a:rPr>
-                <a:t>Measured and target curves</a:t>
-              </a:r>
-              <a:endParaRPr lang="ru-RU" sz="1100" dirty="0">
-                <a:latin typeface="Times New Roman" panose="02020603050405020304" pitchFamily="18" charset="0"/>
-                <a:cs typeface="Times New Roman" panose="02020603050405020304" pitchFamily="18" charset="0"/>
-              </a:endParaRPr>
-            </a:p>
-          </p:txBody>
-        </p:sp>
-        <p:sp>
-          <p:nvSpPr>
-            <p:cNvPr id="32" name="TextBox 31">
-              <a:extLst>
-                <a:ext uri="{FF2B5EF4-FFF2-40B4-BE49-F238E27FC236}">
-                  <a16:creationId xmlns:a16="http://schemas.microsoft.com/office/drawing/2014/main" id="{296A2AFC-949B-F2C5-8067-090D9A074592}"/>
-                </a:ext>
-              </a:extLst>
-            </p:cNvPr>
-            <p:cNvSpPr txBox="1"/>
-            <p:nvPr/>
-          </p:nvSpPr>
-          <p:spPr>
-            <a:xfrm>
-              <a:off x="2234752" y="5064212"/>
-              <a:ext cx="1368773" cy="430887"/>
-            </a:xfrm>
-            <a:prstGeom prst="rect">
-              <a:avLst/>
-            </a:prstGeom>
-            <a:noFill/>
-          </p:spPr>
-          <p:txBody>
-            <a:bodyPr wrap="square" rtlCol="0">
-              <a:spAutoFit/>
-            </a:bodyPr>
-            <a:lstStyle/>
-            <a:p>
-              <a:pPr algn="ctr"/>
-              <a:r>
-                <a:rPr lang="en-US" sz="1100" dirty="0">
-                  <a:latin typeface="Times New Roman" panose="02020603050405020304" pitchFamily="18" charset="0"/>
-                  <a:cs typeface="Times New Roman" panose="02020603050405020304" pitchFamily="18" charset="0"/>
-                </a:rPr>
-                <a:t>Curves without measured data</a:t>
-              </a:r>
-              <a:endParaRPr lang="ru-RU" sz="1100" dirty="0">
-                <a:latin typeface="Times New Roman" panose="02020603050405020304" pitchFamily="18" charset="0"/>
-                <a:cs typeface="Times New Roman" panose="02020603050405020304" pitchFamily="18" charset="0"/>
-              </a:endParaRPr>
-            </a:p>
-          </p:txBody>
-        </p:sp>
-        <p:sp>
-          <p:nvSpPr>
-            <p:cNvPr id="34" name="TextBox 33">
-              <a:extLst>
-                <a:ext uri="{FF2B5EF4-FFF2-40B4-BE49-F238E27FC236}">
-                  <a16:creationId xmlns:a16="http://schemas.microsoft.com/office/drawing/2014/main" id="{5095FCD9-CE76-12C8-5305-1E2BE51A1247}"/>
-                </a:ext>
-              </a:extLst>
-            </p:cNvPr>
-            <p:cNvSpPr txBox="1"/>
-            <p:nvPr/>
-          </p:nvSpPr>
-          <p:spPr>
-            <a:xfrm>
-              <a:off x="2143125" y="2246702"/>
-              <a:ext cx="1316204" cy="261610"/>
-            </a:xfrm>
-            <a:prstGeom prst="rect">
-              <a:avLst/>
-            </a:prstGeom>
-            <a:noFill/>
-          </p:spPr>
-          <p:txBody>
-            <a:bodyPr wrap="square" rtlCol="0">
-              <a:spAutoFit/>
-            </a:bodyPr>
-            <a:lstStyle/>
-            <a:p>
-              <a:pPr algn="ctr"/>
-              <a:r>
-                <a:rPr lang="en-US" sz="1100" dirty="0">
-                  <a:latin typeface="Times New Roman" panose="02020603050405020304" pitchFamily="18" charset="0"/>
-                  <a:cs typeface="Times New Roman" panose="02020603050405020304" pitchFamily="18" charset="0"/>
-                </a:rPr>
-                <a:t>Tabs with structures</a:t>
-              </a:r>
-              <a:endParaRPr lang="ru-RU" sz="1100" dirty="0">
-                <a:latin typeface="Times New Roman" panose="02020603050405020304" pitchFamily="18" charset="0"/>
-                <a:cs typeface="Times New Roman" panose="02020603050405020304" pitchFamily="18" charset="0"/>
-              </a:endParaRPr>
-            </a:p>
-          </p:txBody>
-        </p:sp>
-      </p:grpSp>
-    </p:spTree>
-    <p:extLst>
-      <p:ext uri="{BB962C8B-B14F-4D97-AF65-F5344CB8AC3E}">
-        <p14:creationId xmlns:p14="http://schemas.microsoft.com/office/powerpoint/2010/main" val="4009726277"/>
-      </p:ext>
-    </p:extLst>
-  </p:cSld>
-  <p:clrMapOvr>
-    <a:masterClrMapping/>
-  </p:clrMapOvr>
-</p:sld>
-</file>
-
-<file path=ppt/slides/slide30.xml><?xml version="1.0" encoding="utf-8"?>
+<file path=ppt/slides/slide32.xml><?xml version="1.0" encoding="utf-8"?>
 <p:sld xmlns:a="http://schemas.openxmlformats.org/drawingml/2006/main" xmlns:r="http://schemas.openxmlformats.org/officeDocument/2006/relationships" xmlns:p="http://schemas.openxmlformats.org/presentationml/2006/main">
   <p:cSld>
     <p:spTree>
@@ -20831,7 +21344,7 @@
 </p:sld>
 </file>
 
-<file path=ppt/slides/slide31.xml><?xml version="1.0" encoding="utf-8"?>
+<file path=ppt/slides/slide33.xml><?xml version="1.0" encoding="utf-8"?>
 <p:sld xmlns:a="http://schemas.openxmlformats.org/drawingml/2006/main" xmlns:r="http://schemas.openxmlformats.org/officeDocument/2006/relationships" xmlns:p="http://schemas.openxmlformats.org/presentationml/2006/main">
   <p:cSld>
     <p:spTree>
@@ -21478,7 +21991,7 @@
 </p:sld>
 </file>
 
-<file path=ppt/slides/slide32.xml><?xml version="1.0" encoding="utf-8"?>
+<file path=ppt/slides/slide34.xml><?xml version="1.0" encoding="utf-8"?>
 <p:sld xmlns:a="http://schemas.openxmlformats.org/drawingml/2006/main" xmlns:r="http://schemas.openxmlformats.org/officeDocument/2006/relationships" xmlns:p="http://schemas.openxmlformats.org/presentationml/2006/main">
   <p:cSld>
     <p:spTree>
@@ -22052,7 +22565,7 @@
 </p:sld>
 </file>
 
-<file path=ppt/slides/slide33.xml><?xml version="1.0" encoding="utf-8"?>
+<file path=ppt/slides/slide35.xml><?xml version="1.0" encoding="utf-8"?>
 <p:sld xmlns:a="http://schemas.openxmlformats.org/drawingml/2006/main" xmlns:r="http://schemas.openxmlformats.org/officeDocument/2006/relationships" xmlns:p="http://schemas.openxmlformats.org/presentationml/2006/main">
   <p:cSld>
     <p:spTree>
@@ -24126,7 +24639,7 @@
 </p:sld>
 </file>
 
-<file path=ppt/slides/slide34.xml><?xml version="1.0" encoding="utf-8"?>
+<file path=ppt/slides/slide36.xml><?xml version="1.0" encoding="utf-8"?>
 <p:sld xmlns:a="http://schemas.openxmlformats.org/drawingml/2006/main" xmlns:r="http://schemas.openxmlformats.org/officeDocument/2006/relationships" xmlns:p="http://schemas.openxmlformats.org/presentationml/2006/main">
   <p:cSld>
     <p:spTree>
@@ -24894,7 +25407,7 @@
 </p:sld>
 </file>
 
-<file path=ppt/slides/slide35.xml><?xml version="1.0" encoding="utf-8"?>
+<file path=ppt/slides/slide37.xml><?xml version="1.0" encoding="utf-8"?>
 <p:sld xmlns:a="http://schemas.openxmlformats.org/drawingml/2006/main" xmlns:r="http://schemas.openxmlformats.org/officeDocument/2006/relationships" xmlns:p="http://schemas.openxmlformats.org/presentationml/2006/main">
   <p:cSld>
     <p:spTree>
@@ -25326,7 +25839,7 @@
 </p:sld>
 </file>
 
-<file path=ppt/slides/slide36.xml><?xml version="1.0" encoding="utf-8"?>
+<file path=ppt/slides/slide38.xml><?xml version="1.0" encoding="utf-8"?>
 <p:sld xmlns:a="http://schemas.openxmlformats.org/drawingml/2006/main" xmlns:r="http://schemas.openxmlformats.org/officeDocument/2006/relationships" xmlns:p="http://schemas.openxmlformats.org/presentationml/2006/main">
   <p:cSld>
     <p:spTree>
@@ -26478,7 +26991,7 @@
 </p:sld>
 </file>
 
-<file path=ppt/slides/slide37.xml><?xml version="1.0" encoding="utf-8"?>
+<file path=ppt/slides/slide39.xml><?xml version="1.0" encoding="utf-8"?>
 <p:sld xmlns:a="http://schemas.openxmlformats.org/drawingml/2006/main" xmlns:r="http://schemas.openxmlformats.org/officeDocument/2006/relationships" xmlns:p="http://schemas.openxmlformats.org/presentationml/2006/main">
   <p:cSld>
     <p:spTree>
@@ -26774,7 +27287,668 @@
 </p:sld>
 </file>
 
-<file path=ppt/slides/slide38.xml><?xml version="1.0" encoding="utf-8"?>
+<file path=ppt/slides/slide4.xml><?xml version="1.0" encoding="utf-8"?>
+<p:sld xmlns:a="http://schemas.openxmlformats.org/drawingml/2006/main" xmlns:r="http://schemas.openxmlformats.org/officeDocument/2006/relationships" xmlns:p="http://schemas.openxmlformats.org/presentationml/2006/main">
+  <p:cSld>
+    <p:spTree>
+      <p:nvGrpSpPr>
+        <p:cNvPr id="1" name=""/>
+        <p:cNvGrpSpPr/>
+        <p:nvPr/>
+      </p:nvGrpSpPr>
+      <p:grpSpPr>
+        <a:xfrm>
+          <a:off x="0" y="0"/>
+          <a:ext cx="0" cy="0"/>
+          <a:chOff x="0" y="0"/>
+          <a:chExt cx="0" cy="0"/>
+        </a:xfrm>
+      </p:grpSpPr>
+      <p:grpSp>
+        <p:nvGrpSpPr>
+          <p:cNvPr id="6" name="Group 5">
+            <a:extLst>
+              <a:ext uri="{FF2B5EF4-FFF2-40B4-BE49-F238E27FC236}">
+                <a16:creationId xmlns:a16="http://schemas.microsoft.com/office/drawing/2014/main" id="{00BCC187-6DE4-25B8-931F-F0403EAD6E6D}"/>
+              </a:ext>
+            </a:extLst>
+          </p:cNvPr>
+          <p:cNvGrpSpPr/>
+          <p:nvPr/>
+        </p:nvGrpSpPr>
+        <p:grpSpPr>
+          <a:xfrm>
+            <a:off x="205288" y="2162576"/>
+            <a:ext cx="2714625" cy="533400"/>
+            <a:chOff x="6006013" y="5944001"/>
+            <a:chExt cx="2714625" cy="533400"/>
+          </a:xfrm>
+        </p:grpSpPr>
+        <p:pic>
+          <p:nvPicPr>
+            <p:cNvPr id="7" name="Picture 6">
+              <a:extLst>
+                <a:ext uri="{FF2B5EF4-FFF2-40B4-BE49-F238E27FC236}">
+                  <a16:creationId xmlns:a16="http://schemas.microsoft.com/office/drawing/2014/main" id="{8965EA1A-01DE-E151-8901-A2CCB2DF3682}"/>
+                </a:ext>
+              </a:extLst>
+            </p:cNvPr>
+            <p:cNvPicPr>
+              <a:picLocks noChangeAspect="1"/>
+            </p:cNvPicPr>
+            <p:nvPr/>
+          </p:nvPicPr>
+          <p:blipFill>
+            <a:blip r:embed="rId2"/>
+            <a:stretch>
+              <a:fillRect/>
+            </a:stretch>
+          </p:blipFill>
+          <p:spPr>
+            <a:xfrm>
+              <a:off x="6006013" y="5944001"/>
+              <a:ext cx="2714625" cy="533400"/>
+            </a:xfrm>
+            <a:prstGeom prst="rect">
+              <a:avLst/>
+            </a:prstGeom>
+          </p:spPr>
+        </p:pic>
+        <p:sp>
+          <p:nvSpPr>
+            <p:cNvPr id="8" name="Rectangle: Rounded Corners 7">
+              <a:extLst>
+                <a:ext uri="{FF2B5EF4-FFF2-40B4-BE49-F238E27FC236}">
+                  <a16:creationId xmlns:a16="http://schemas.microsoft.com/office/drawing/2014/main" id="{71F8EB1A-83E0-40F9-B39C-A8B3A95DCA55}"/>
+                </a:ext>
+              </a:extLst>
+            </p:cNvPr>
+            <p:cNvSpPr/>
+            <p:nvPr/>
+          </p:nvSpPr>
+          <p:spPr>
+            <a:xfrm>
+              <a:off x="6217920" y="6126480"/>
+              <a:ext cx="2468880" cy="167640"/>
+            </a:xfrm>
+            <a:prstGeom prst="roundRect">
+              <a:avLst/>
+            </a:prstGeom>
+            <a:noFill/>
+            <a:ln w="19050">
+              <a:solidFill>
+                <a:srgbClr val="FF0000"/>
+              </a:solidFill>
+            </a:ln>
+          </p:spPr>
+          <p:style>
+            <a:lnRef idx="2">
+              <a:schemeClr val="accent6"/>
+            </a:lnRef>
+            <a:fillRef idx="1">
+              <a:schemeClr val="lt1"/>
+            </a:fillRef>
+            <a:effectRef idx="0">
+              <a:schemeClr val="accent6"/>
+            </a:effectRef>
+            <a:fontRef idx="minor">
+              <a:schemeClr val="dk1"/>
+            </a:fontRef>
+          </p:style>
+          <p:txBody>
+            <a:bodyPr rtlCol="0" anchor="ctr"/>
+            <a:lstStyle/>
+            <a:p>
+              <a:pPr algn="ctr"/>
+              <a:endParaRPr lang="en-US"/>
+            </a:p>
+          </p:txBody>
+        </p:sp>
+      </p:grpSp>
+      <p:grpSp>
+        <p:nvGrpSpPr>
+          <p:cNvPr id="9" name="Group 8">
+            <a:extLst>
+              <a:ext uri="{FF2B5EF4-FFF2-40B4-BE49-F238E27FC236}">
+                <a16:creationId xmlns:a16="http://schemas.microsoft.com/office/drawing/2014/main" id="{F993024C-1C15-2014-BA1B-ED351A76F530}"/>
+              </a:ext>
+            </a:extLst>
+          </p:cNvPr>
+          <p:cNvGrpSpPr/>
+          <p:nvPr/>
+        </p:nvGrpSpPr>
+        <p:grpSpPr>
+          <a:xfrm>
+            <a:off x="242887" y="271462"/>
+            <a:ext cx="2143125" cy="752475"/>
+            <a:chOff x="300037" y="433387"/>
+            <a:chExt cx="2143125" cy="752475"/>
+          </a:xfrm>
+        </p:grpSpPr>
+        <p:pic>
+          <p:nvPicPr>
+            <p:cNvPr id="10" name="Picture 9">
+              <a:extLst>
+                <a:ext uri="{FF2B5EF4-FFF2-40B4-BE49-F238E27FC236}">
+                  <a16:creationId xmlns:a16="http://schemas.microsoft.com/office/drawing/2014/main" id="{233488B7-8A3D-8959-D2F3-0DB362B317AC}"/>
+                </a:ext>
+              </a:extLst>
+            </p:cNvPr>
+            <p:cNvPicPr>
+              <a:picLocks noChangeAspect="1"/>
+            </p:cNvPicPr>
+            <p:nvPr/>
+          </p:nvPicPr>
+          <p:blipFill>
+            <a:blip r:embed="rId3"/>
+            <a:stretch>
+              <a:fillRect/>
+            </a:stretch>
+          </p:blipFill>
+          <p:spPr>
+            <a:xfrm>
+              <a:off x="300037" y="433387"/>
+              <a:ext cx="2143125" cy="752475"/>
+            </a:xfrm>
+            <a:prstGeom prst="rect">
+              <a:avLst/>
+            </a:prstGeom>
+          </p:spPr>
+        </p:pic>
+        <p:sp>
+          <p:nvSpPr>
+            <p:cNvPr id="11" name="Овал 5">
+              <a:extLst>
+                <a:ext uri="{FF2B5EF4-FFF2-40B4-BE49-F238E27FC236}">
+                  <a16:creationId xmlns:a16="http://schemas.microsoft.com/office/drawing/2014/main" id="{549921A8-4D5F-2F83-C69D-EF526A572DC7}"/>
+                </a:ext>
+              </a:extLst>
+            </p:cNvPr>
+            <p:cNvSpPr/>
+            <p:nvPr/>
+          </p:nvSpPr>
+          <p:spPr>
+            <a:xfrm>
+              <a:off x="893762" y="607219"/>
+              <a:ext cx="261938" cy="247650"/>
+            </a:xfrm>
+            <a:prstGeom prst="ellipse">
+              <a:avLst/>
+            </a:prstGeom>
+            <a:noFill/>
+            <a:ln w="19050">
+              <a:solidFill>
+                <a:srgbClr val="FF0000"/>
+              </a:solidFill>
+            </a:ln>
+          </p:spPr>
+          <p:style>
+            <a:lnRef idx="2">
+              <a:schemeClr val="accent1">
+                <a:shade val="50000"/>
+              </a:schemeClr>
+            </a:lnRef>
+            <a:fillRef idx="1">
+              <a:schemeClr val="accent1"/>
+            </a:fillRef>
+            <a:effectRef idx="0">
+              <a:schemeClr val="accent1"/>
+            </a:effectRef>
+            <a:fontRef idx="minor">
+              <a:schemeClr val="lt1"/>
+            </a:fontRef>
+          </p:style>
+          <p:txBody>
+            <a:bodyPr rtlCol="0" anchor="ctr"/>
+            <a:lstStyle/>
+            <a:p>
+              <a:pPr algn="ctr"/>
+              <a:endParaRPr lang="ru-RU"/>
+            </a:p>
+          </p:txBody>
+        </p:sp>
+      </p:grpSp>
+      <p:grpSp>
+        <p:nvGrpSpPr>
+          <p:cNvPr id="13" name="Group 12">
+            <a:extLst>
+              <a:ext uri="{FF2B5EF4-FFF2-40B4-BE49-F238E27FC236}">
+                <a16:creationId xmlns:a16="http://schemas.microsoft.com/office/drawing/2014/main" id="{5650C7EE-F534-A0E9-6B61-4CD7D6024DA8}"/>
+              </a:ext>
+            </a:extLst>
+          </p:cNvPr>
+          <p:cNvGrpSpPr/>
+          <p:nvPr/>
+        </p:nvGrpSpPr>
+        <p:grpSpPr>
+          <a:xfrm>
+            <a:off x="209550" y="1228725"/>
+            <a:ext cx="2914650" cy="819150"/>
+            <a:chOff x="1019175" y="4267200"/>
+            <a:chExt cx="2914650" cy="819150"/>
+          </a:xfrm>
+        </p:grpSpPr>
+        <p:pic>
+          <p:nvPicPr>
+            <p:cNvPr id="5" name="Picture 4">
+              <a:extLst>
+                <a:ext uri="{FF2B5EF4-FFF2-40B4-BE49-F238E27FC236}">
+                  <a16:creationId xmlns:a16="http://schemas.microsoft.com/office/drawing/2014/main" id="{F1B9E594-0A9C-C741-EB11-4A5B07BD4F32}"/>
+                </a:ext>
+              </a:extLst>
+            </p:cNvPr>
+            <p:cNvPicPr>
+              <a:picLocks noChangeAspect="1"/>
+            </p:cNvPicPr>
+            <p:nvPr/>
+          </p:nvPicPr>
+          <p:blipFill>
+            <a:blip r:embed="rId4"/>
+            <a:stretch>
+              <a:fillRect/>
+            </a:stretch>
+          </p:blipFill>
+          <p:spPr>
+            <a:xfrm>
+              <a:off x="1019175" y="4267200"/>
+              <a:ext cx="2914650" cy="819150"/>
+            </a:xfrm>
+            <a:prstGeom prst="rect">
+              <a:avLst/>
+            </a:prstGeom>
+          </p:spPr>
+        </p:pic>
+        <p:sp>
+          <p:nvSpPr>
+            <p:cNvPr id="12" name="Овал 5">
+              <a:extLst>
+                <a:ext uri="{FF2B5EF4-FFF2-40B4-BE49-F238E27FC236}">
+                  <a16:creationId xmlns:a16="http://schemas.microsoft.com/office/drawing/2014/main" id="{BE5BFBE9-8102-ED81-161E-4515506D6D9B}"/>
+                </a:ext>
+              </a:extLst>
+            </p:cNvPr>
+            <p:cNvSpPr/>
+            <p:nvPr/>
+          </p:nvSpPr>
+          <p:spPr>
+            <a:xfrm>
+              <a:off x="1198562" y="4683919"/>
+              <a:ext cx="687388" cy="247650"/>
+            </a:xfrm>
+            <a:prstGeom prst="ellipse">
+              <a:avLst/>
+            </a:prstGeom>
+            <a:noFill/>
+            <a:ln w="19050">
+              <a:solidFill>
+                <a:srgbClr val="FF0000"/>
+              </a:solidFill>
+            </a:ln>
+          </p:spPr>
+          <p:style>
+            <a:lnRef idx="2">
+              <a:schemeClr val="accent1">
+                <a:shade val="50000"/>
+              </a:schemeClr>
+            </a:lnRef>
+            <a:fillRef idx="1">
+              <a:schemeClr val="accent1"/>
+            </a:fillRef>
+            <a:effectRef idx="0">
+              <a:schemeClr val="accent1"/>
+            </a:effectRef>
+            <a:fontRef idx="minor">
+              <a:schemeClr val="lt1"/>
+            </a:fontRef>
+          </p:style>
+          <p:txBody>
+            <a:bodyPr rtlCol="0" anchor="ctr"/>
+            <a:lstStyle/>
+            <a:p>
+              <a:pPr algn="ctr"/>
+              <a:endParaRPr lang="ru-RU"/>
+            </a:p>
+          </p:txBody>
+        </p:sp>
+      </p:grpSp>
+      <p:grpSp>
+        <p:nvGrpSpPr>
+          <p:cNvPr id="16" name="Group 15">
+            <a:extLst>
+              <a:ext uri="{FF2B5EF4-FFF2-40B4-BE49-F238E27FC236}">
+                <a16:creationId xmlns:a16="http://schemas.microsoft.com/office/drawing/2014/main" id="{39F9778D-D193-914E-840B-EC98D0AA9D6E}"/>
+              </a:ext>
+            </a:extLst>
+          </p:cNvPr>
+          <p:cNvGrpSpPr/>
+          <p:nvPr/>
+        </p:nvGrpSpPr>
+        <p:grpSpPr>
+          <a:xfrm>
+            <a:off x="2995612" y="2233613"/>
+            <a:ext cx="942975" cy="1800225"/>
+            <a:chOff x="4624387" y="3824288"/>
+            <a:chExt cx="942975" cy="1800225"/>
+          </a:xfrm>
+        </p:grpSpPr>
+        <p:pic>
+          <p:nvPicPr>
+            <p:cNvPr id="14" name="Picture 13" descr="Graphical user interface, text&#10;&#10;Description automatically generated">
+              <a:extLst>
+                <a:ext uri="{FF2B5EF4-FFF2-40B4-BE49-F238E27FC236}">
+                  <a16:creationId xmlns:a16="http://schemas.microsoft.com/office/drawing/2014/main" id="{A19CFD31-FC2F-AAC8-2830-11A201549708}"/>
+                </a:ext>
+              </a:extLst>
+            </p:cNvPr>
+            <p:cNvPicPr>
+              <a:picLocks noChangeAspect="1"/>
+            </p:cNvPicPr>
+            <p:nvPr/>
+          </p:nvPicPr>
+          <p:blipFill>
+            <a:blip r:embed="rId5">
+              <a:extLst>
+                <a:ext uri="{28A0092B-C50C-407E-A947-70E740481C1C}">
+                  <a14:useLocalDpi xmlns:a14="http://schemas.microsoft.com/office/drawing/2010/main" val="0"/>
+                </a:ext>
+              </a:extLst>
+            </a:blip>
+            <a:stretch>
+              <a:fillRect/>
+            </a:stretch>
+          </p:blipFill>
+          <p:spPr>
+            <a:xfrm>
+              <a:off x="4624387" y="3824288"/>
+              <a:ext cx="942975" cy="1800225"/>
+            </a:xfrm>
+            <a:prstGeom prst="rect">
+              <a:avLst/>
+            </a:prstGeom>
+          </p:spPr>
+        </p:pic>
+        <p:sp>
+          <p:nvSpPr>
+            <p:cNvPr id="15" name="Овал 5">
+              <a:extLst>
+                <a:ext uri="{FF2B5EF4-FFF2-40B4-BE49-F238E27FC236}">
+                  <a16:creationId xmlns:a16="http://schemas.microsoft.com/office/drawing/2014/main" id="{849FD841-C6B2-1FC7-7E47-A02350654772}"/>
+                </a:ext>
+              </a:extLst>
+            </p:cNvPr>
+            <p:cNvSpPr/>
+            <p:nvPr/>
+          </p:nvSpPr>
+          <p:spPr>
+            <a:xfrm>
+              <a:off x="4656136" y="4219575"/>
+              <a:ext cx="868363" cy="235744"/>
+            </a:xfrm>
+            <a:prstGeom prst="ellipse">
+              <a:avLst/>
+            </a:prstGeom>
+            <a:noFill/>
+            <a:ln w="19050">
+              <a:solidFill>
+                <a:srgbClr val="FF0000"/>
+              </a:solidFill>
+            </a:ln>
+          </p:spPr>
+          <p:style>
+            <a:lnRef idx="2">
+              <a:schemeClr val="accent1">
+                <a:shade val="50000"/>
+              </a:schemeClr>
+            </a:lnRef>
+            <a:fillRef idx="1">
+              <a:schemeClr val="accent1"/>
+            </a:fillRef>
+            <a:effectRef idx="0">
+              <a:schemeClr val="accent1"/>
+            </a:effectRef>
+            <a:fontRef idx="minor">
+              <a:schemeClr val="lt1"/>
+            </a:fontRef>
+          </p:style>
+          <p:txBody>
+            <a:bodyPr rtlCol="0" anchor="ctr"/>
+            <a:lstStyle/>
+            <a:p>
+              <a:pPr algn="ctr"/>
+              <a:endParaRPr lang="ru-RU"/>
+            </a:p>
+          </p:txBody>
+        </p:sp>
+      </p:grpSp>
+      <p:grpSp>
+        <p:nvGrpSpPr>
+          <p:cNvPr id="27" name="Group 26">
+            <a:extLst>
+              <a:ext uri="{FF2B5EF4-FFF2-40B4-BE49-F238E27FC236}">
+                <a16:creationId xmlns:a16="http://schemas.microsoft.com/office/drawing/2014/main" id="{60CC4D8E-43D0-4392-2AD8-1B240B20D709}"/>
+              </a:ext>
+            </a:extLst>
+          </p:cNvPr>
+          <p:cNvGrpSpPr/>
+          <p:nvPr/>
+        </p:nvGrpSpPr>
+        <p:grpSpPr>
+          <a:xfrm>
+            <a:off x="4010626" y="-78808"/>
+            <a:ext cx="4895850" cy="6686550"/>
+            <a:chOff x="4010626" y="-78808"/>
+            <a:chExt cx="4895850" cy="6686550"/>
+          </a:xfrm>
+        </p:grpSpPr>
+        <p:pic>
+          <p:nvPicPr>
+            <p:cNvPr id="26" name="Picture 25">
+              <a:extLst>
+                <a:ext uri="{FF2B5EF4-FFF2-40B4-BE49-F238E27FC236}">
+                  <a16:creationId xmlns:a16="http://schemas.microsoft.com/office/drawing/2014/main" id="{ECCC2883-5ECD-90DD-22B9-DE009326B1F8}"/>
+                </a:ext>
+              </a:extLst>
+            </p:cNvPr>
+            <p:cNvPicPr>
+              <a:picLocks noChangeAspect="1"/>
+            </p:cNvPicPr>
+            <p:nvPr/>
+          </p:nvPicPr>
+          <p:blipFill>
+            <a:blip r:embed="rId6"/>
+            <a:stretch>
+              <a:fillRect/>
+            </a:stretch>
+          </p:blipFill>
+          <p:spPr>
+            <a:xfrm>
+              <a:off x="4010626" y="-78808"/>
+              <a:ext cx="4895850" cy="6686550"/>
+            </a:xfrm>
+            <a:prstGeom prst="rect">
+              <a:avLst/>
+            </a:prstGeom>
+          </p:spPr>
+        </p:pic>
+        <p:sp>
+          <p:nvSpPr>
+            <p:cNvPr id="19" name="Rectangle: Rounded Corners 18">
+              <a:extLst>
+                <a:ext uri="{FF2B5EF4-FFF2-40B4-BE49-F238E27FC236}">
+                  <a16:creationId xmlns:a16="http://schemas.microsoft.com/office/drawing/2014/main" id="{89CD4B43-7B54-D125-9E50-96D70B832B55}"/>
+                </a:ext>
+              </a:extLst>
+            </p:cNvPr>
+            <p:cNvSpPr/>
+            <p:nvPr/>
+          </p:nvSpPr>
+          <p:spPr>
+            <a:xfrm>
+              <a:off x="4170045" y="935354"/>
+              <a:ext cx="4507230" cy="283845"/>
+            </a:xfrm>
+            <a:prstGeom prst="roundRect">
+              <a:avLst/>
+            </a:prstGeom>
+            <a:noFill/>
+            <a:ln w="19050">
+              <a:solidFill>
+                <a:srgbClr val="FF0000"/>
+              </a:solidFill>
+            </a:ln>
+          </p:spPr>
+          <p:style>
+            <a:lnRef idx="2">
+              <a:schemeClr val="accent6"/>
+            </a:lnRef>
+            <a:fillRef idx="1">
+              <a:schemeClr val="lt1"/>
+            </a:fillRef>
+            <a:effectRef idx="0">
+              <a:schemeClr val="accent6"/>
+            </a:effectRef>
+            <a:fontRef idx="minor">
+              <a:schemeClr val="dk1"/>
+            </a:fontRef>
+          </p:style>
+          <p:txBody>
+            <a:bodyPr rtlCol="0" anchor="ctr"/>
+            <a:lstStyle/>
+            <a:p>
+              <a:pPr algn="ctr"/>
+              <a:endParaRPr lang="en-US"/>
+            </a:p>
+          </p:txBody>
+        </p:sp>
+      </p:grpSp>
+      <p:grpSp>
+        <p:nvGrpSpPr>
+          <p:cNvPr id="24" name="Group 23">
+            <a:extLst>
+              <a:ext uri="{FF2B5EF4-FFF2-40B4-BE49-F238E27FC236}">
+                <a16:creationId xmlns:a16="http://schemas.microsoft.com/office/drawing/2014/main" id="{D38278DE-0F06-C7E2-92C5-2967695849E3}"/>
+              </a:ext>
+            </a:extLst>
+          </p:cNvPr>
+          <p:cNvGrpSpPr/>
+          <p:nvPr/>
+        </p:nvGrpSpPr>
+        <p:grpSpPr>
+          <a:xfrm>
+            <a:off x="246056" y="4512945"/>
+            <a:ext cx="2895289" cy="2156460"/>
+            <a:chOff x="246056" y="4512945"/>
+            <a:chExt cx="2895289" cy="2156460"/>
+          </a:xfrm>
+        </p:grpSpPr>
+        <p:pic>
+          <p:nvPicPr>
+            <p:cNvPr id="21" name="Picture 20" descr="Graphical user interface, text, application&#10;&#10;Description automatically generated">
+              <a:extLst>
+                <a:ext uri="{FF2B5EF4-FFF2-40B4-BE49-F238E27FC236}">
+                  <a16:creationId xmlns:a16="http://schemas.microsoft.com/office/drawing/2014/main" id="{C1F9D40D-8AFA-7A3F-C30E-34130E266C55}"/>
+                </a:ext>
+              </a:extLst>
+            </p:cNvPr>
+            <p:cNvPicPr>
+              <a:picLocks noChangeAspect="1"/>
+            </p:cNvPicPr>
+            <p:nvPr/>
+          </p:nvPicPr>
+          <p:blipFill>
+            <a:blip r:embed="rId7">
+              <a:extLst>
+                <a:ext uri="{28A0092B-C50C-407E-A947-70E740481C1C}">
+                  <a14:useLocalDpi xmlns:a14="http://schemas.microsoft.com/office/drawing/2010/main" val="0"/>
+                </a:ext>
+              </a:extLst>
+            </a:blip>
+            <a:srcRect/>
+            <a:stretch>
+              <a:fillRect/>
+            </a:stretch>
+          </p:blipFill>
+          <p:spPr bwMode="auto">
+            <a:xfrm>
+              <a:off x="268605" y="4512945"/>
+              <a:ext cx="2872740" cy="2156460"/>
+            </a:xfrm>
+            <a:prstGeom prst="rect">
+              <a:avLst/>
+            </a:prstGeom>
+            <a:noFill/>
+            <a:ln>
+              <a:noFill/>
+            </a:ln>
+          </p:spPr>
+        </p:pic>
+        <p:sp>
+          <p:nvSpPr>
+            <p:cNvPr id="22" name="Овал 5">
+              <a:extLst>
+                <a:ext uri="{FF2B5EF4-FFF2-40B4-BE49-F238E27FC236}">
+                  <a16:creationId xmlns:a16="http://schemas.microsoft.com/office/drawing/2014/main" id="{2236D8DD-0156-D474-BD6A-B8EFF1C4D995}"/>
+                </a:ext>
+              </a:extLst>
+            </p:cNvPr>
+            <p:cNvSpPr/>
+            <p:nvPr/>
+          </p:nvSpPr>
+          <p:spPr>
+            <a:xfrm>
+              <a:off x="246056" y="5181599"/>
+              <a:ext cx="1516064" cy="276225"/>
+            </a:xfrm>
+            <a:prstGeom prst="ellipse">
+              <a:avLst/>
+            </a:prstGeom>
+            <a:noFill/>
+            <a:ln w="19050">
+              <a:solidFill>
+                <a:srgbClr val="FF0000"/>
+              </a:solidFill>
+            </a:ln>
+          </p:spPr>
+          <p:style>
+            <a:lnRef idx="2">
+              <a:schemeClr val="accent1">
+                <a:shade val="50000"/>
+              </a:schemeClr>
+            </a:lnRef>
+            <a:fillRef idx="1">
+              <a:schemeClr val="accent1"/>
+            </a:fillRef>
+            <a:effectRef idx="0">
+              <a:schemeClr val="accent1"/>
+            </a:effectRef>
+            <a:fontRef idx="minor">
+              <a:schemeClr val="lt1"/>
+            </a:fontRef>
+          </p:style>
+          <p:txBody>
+            <a:bodyPr rtlCol="0" anchor="ctr"/>
+            <a:lstStyle/>
+            <a:p>
+              <a:pPr algn="ctr"/>
+              <a:endParaRPr lang="ru-RU"/>
+            </a:p>
+          </p:txBody>
+        </p:sp>
+      </p:grpSp>
+    </p:spTree>
+    <p:extLst>
+      <p:ext uri="{BB962C8B-B14F-4D97-AF65-F5344CB8AC3E}">
+        <p14:creationId xmlns:p14="http://schemas.microsoft.com/office/powerpoint/2010/main" val="3231720509"/>
+      </p:ext>
+    </p:extLst>
+  </p:cSld>
+  <p:clrMapOvr>
+    <a:masterClrMapping/>
+  </p:clrMapOvr>
+</p:sld>
+</file>
+
+<file path=ppt/slides/slide40.xml><?xml version="1.0" encoding="utf-8"?>
 <p:sld xmlns:a="http://schemas.openxmlformats.org/drawingml/2006/main" xmlns:r="http://schemas.openxmlformats.org/officeDocument/2006/relationships" xmlns:p="http://schemas.openxmlformats.org/presentationml/2006/main">
   <p:cSld>
     <p:spTree>
@@ -27015,7 +28189,7 @@
 </p:sld>
 </file>
 
-<file path=ppt/slides/slide39.xml><?xml version="1.0" encoding="utf-8"?>
+<file path=ppt/slides/slide41.xml><?xml version="1.0" encoding="utf-8"?>
 <p:sld xmlns:a="http://schemas.openxmlformats.org/drawingml/2006/main" xmlns:r="http://schemas.openxmlformats.org/officeDocument/2006/relationships" xmlns:p="http://schemas.openxmlformats.org/presentationml/2006/main">
   <p:cSld>
     <p:spTree>
@@ -32232,667 +33406,6 @@
 </p:sld>
 </file>
 
-<file path=ppt/slides/slide4.xml><?xml version="1.0" encoding="utf-8"?>
-<p:sld xmlns:a="http://schemas.openxmlformats.org/drawingml/2006/main" xmlns:r="http://schemas.openxmlformats.org/officeDocument/2006/relationships" xmlns:p="http://schemas.openxmlformats.org/presentationml/2006/main">
-  <p:cSld>
-    <p:spTree>
-      <p:nvGrpSpPr>
-        <p:cNvPr id="1" name=""/>
-        <p:cNvGrpSpPr/>
-        <p:nvPr/>
-      </p:nvGrpSpPr>
-      <p:grpSpPr>
-        <a:xfrm>
-          <a:off x="0" y="0"/>
-          <a:ext cx="0" cy="0"/>
-          <a:chOff x="0" y="0"/>
-          <a:chExt cx="0" cy="0"/>
-        </a:xfrm>
-      </p:grpSpPr>
-      <p:grpSp>
-        <p:nvGrpSpPr>
-          <p:cNvPr id="6" name="Group 5">
-            <a:extLst>
-              <a:ext uri="{FF2B5EF4-FFF2-40B4-BE49-F238E27FC236}">
-                <a16:creationId xmlns:a16="http://schemas.microsoft.com/office/drawing/2014/main" id="{00BCC187-6DE4-25B8-931F-F0403EAD6E6D}"/>
-              </a:ext>
-            </a:extLst>
-          </p:cNvPr>
-          <p:cNvGrpSpPr/>
-          <p:nvPr/>
-        </p:nvGrpSpPr>
-        <p:grpSpPr>
-          <a:xfrm>
-            <a:off x="205288" y="2162576"/>
-            <a:ext cx="2714625" cy="533400"/>
-            <a:chOff x="6006013" y="5944001"/>
-            <a:chExt cx="2714625" cy="533400"/>
-          </a:xfrm>
-        </p:grpSpPr>
-        <p:pic>
-          <p:nvPicPr>
-            <p:cNvPr id="7" name="Picture 6">
-              <a:extLst>
-                <a:ext uri="{FF2B5EF4-FFF2-40B4-BE49-F238E27FC236}">
-                  <a16:creationId xmlns:a16="http://schemas.microsoft.com/office/drawing/2014/main" id="{8965EA1A-01DE-E151-8901-A2CCB2DF3682}"/>
-                </a:ext>
-              </a:extLst>
-            </p:cNvPr>
-            <p:cNvPicPr>
-              <a:picLocks noChangeAspect="1"/>
-            </p:cNvPicPr>
-            <p:nvPr/>
-          </p:nvPicPr>
-          <p:blipFill>
-            <a:blip r:embed="rId2"/>
-            <a:stretch>
-              <a:fillRect/>
-            </a:stretch>
-          </p:blipFill>
-          <p:spPr>
-            <a:xfrm>
-              <a:off x="6006013" y="5944001"/>
-              <a:ext cx="2714625" cy="533400"/>
-            </a:xfrm>
-            <a:prstGeom prst="rect">
-              <a:avLst/>
-            </a:prstGeom>
-          </p:spPr>
-        </p:pic>
-        <p:sp>
-          <p:nvSpPr>
-            <p:cNvPr id="8" name="Rectangle: Rounded Corners 7">
-              <a:extLst>
-                <a:ext uri="{FF2B5EF4-FFF2-40B4-BE49-F238E27FC236}">
-                  <a16:creationId xmlns:a16="http://schemas.microsoft.com/office/drawing/2014/main" id="{71F8EB1A-83E0-40F9-B39C-A8B3A95DCA55}"/>
-                </a:ext>
-              </a:extLst>
-            </p:cNvPr>
-            <p:cNvSpPr/>
-            <p:nvPr/>
-          </p:nvSpPr>
-          <p:spPr>
-            <a:xfrm>
-              <a:off x="6217920" y="6126480"/>
-              <a:ext cx="2468880" cy="167640"/>
-            </a:xfrm>
-            <a:prstGeom prst="roundRect">
-              <a:avLst/>
-            </a:prstGeom>
-            <a:noFill/>
-            <a:ln w="19050">
-              <a:solidFill>
-                <a:srgbClr val="FF0000"/>
-              </a:solidFill>
-            </a:ln>
-          </p:spPr>
-          <p:style>
-            <a:lnRef idx="2">
-              <a:schemeClr val="accent6"/>
-            </a:lnRef>
-            <a:fillRef idx="1">
-              <a:schemeClr val="lt1"/>
-            </a:fillRef>
-            <a:effectRef idx="0">
-              <a:schemeClr val="accent6"/>
-            </a:effectRef>
-            <a:fontRef idx="minor">
-              <a:schemeClr val="dk1"/>
-            </a:fontRef>
-          </p:style>
-          <p:txBody>
-            <a:bodyPr rtlCol="0" anchor="ctr"/>
-            <a:lstStyle/>
-            <a:p>
-              <a:pPr algn="ctr"/>
-              <a:endParaRPr lang="en-US"/>
-            </a:p>
-          </p:txBody>
-        </p:sp>
-      </p:grpSp>
-      <p:grpSp>
-        <p:nvGrpSpPr>
-          <p:cNvPr id="9" name="Group 8">
-            <a:extLst>
-              <a:ext uri="{FF2B5EF4-FFF2-40B4-BE49-F238E27FC236}">
-                <a16:creationId xmlns:a16="http://schemas.microsoft.com/office/drawing/2014/main" id="{F993024C-1C15-2014-BA1B-ED351A76F530}"/>
-              </a:ext>
-            </a:extLst>
-          </p:cNvPr>
-          <p:cNvGrpSpPr/>
-          <p:nvPr/>
-        </p:nvGrpSpPr>
-        <p:grpSpPr>
-          <a:xfrm>
-            <a:off x="242887" y="271462"/>
-            <a:ext cx="2143125" cy="752475"/>
-            <a:chOff x="300037" y="433387"/>
-            <a:chExt cx="2143125" cy="752475"/>
-          </a:xfrm>
-        </p:grpSpPr>
-        <p:pic>
-          <p:nvPicPr>
-            <p:cNvPr id="10" name="Picture 9">
-              <a:extLst>
-                <a:ext uri="{FF2B5EF4-FFF2-40B4-BE49-F238E27FC236}">
-                  <a16:creationId xmlns:a16="http://schemas.microsoft.com/office/drawing/2014/main" id="{233488B7-8A3D-8959-D2F3-0DB362B317AC}"/>
-                </a:ext>
-              </a:extLst>
-            </p:cNvPr>
-            <p:cNvPicPr>
-              <a:picLocks noChangeAspect="1"/>
-            </p:cNvPicPr>
-            <p:nvPr/>
-          </p:nvPicPr>
-          <p:blipFill>
-            <a:blip r:embed="rId3"/>
-            <a:stretch>
-              <a:fillRect/>
-            </a:stretch>
-          </p:blipFill>
-          <p:spPr>
-            <a:xfrm>
-              <a:off x="300037" y="433387"/>
-              <a:ext cx="2143125" cy="752475"/>
-            </a:xfrm>
-            <a:prstGeom prst="rect">
-              <a:avLst/>
-            </a:prstGeom>
-          </p:spPr>
-        </p:pic>
-        <p:sp>
-          <p:nvSpPr>
-            <p:cNvPr id="11" name="Овал 5">
-              <a:extLst>
-                <a:ext uri="{FF2B5EF4-FFF2-40B4-BE49-F238E27FC236}">
-                  <a16:creationId xmlns:a16="http://schemas.microsoft.com/office/drawing/2014/main" id="{549921A8-4D5F-2F83-C69D-EF526A572DC7}"/>
-                </a:ext>
-              </a:extLst>
-            </p:cNvPr>
-            <p:cNvSpPr/>
-            <p:nvPr/>
-          </p:nvSpPr>
-          <p:spPr>
-            <a:xfrm>
-              <a:off x="893762" y="607219"/>
-              <a:ext cx="261938" cy="247650"/>
-            </a:xfrm>
-            <a:prstGeom prst="ellipse">
-              <a:avLst/>
-            </a:prstGeom>
-            <a:noFill/>
-            <a:ln w="19050">
-              <a:solidFill>
-                <a:srgbClr val="FF0000"/>
-              </a:solidFill>
-            </a:ln>
-          </p:spPr>
-          <p:style>
-            <a:lnRef idx="2">
-              <a:schemeClr val="accent1">
-                <a:shade val="50000"/>
-              </a:schemeClr>
-            </a:lnRef>
-            <a:fillRef idx="1">
-              <a:schemeClr val="accent1"/>
-            </a:fillRef>
-            <a:effectRef idx="0">
-              <a:schemeClr val="accent1"/>
-            </a:effectRef>
-            <a:fontRef idx="minor">
-              <a:schemeClr val="lt1"/>
-            </a:fontRef>
-          </p:style>
-          <p:txBody>
-            <a:bodyPr rtlCol="0" anchor="ctr"/>
-            <a:lstStyle/>
-            <a:p>
-              <a:pPr algn="ctr"/>
-              <a:endParaRPr lang="ru-RU"/>
-            </a:p>
-          </p:txBody>
-        </p:sp>
-      </p:grpSp>
-      <p:grpSp>
-        <p:nvGrpSpPr>
-          <p:cNvPr id="13" name="Group 12">
-            <a:extLst>
-              <a:ext uri="{FF2B5EF4-FFF2-40B4-BE49-F238E27FC236}">
-                <a16:creationId xmlns:a16="http://schemas.microsoft.com/office/drawing/2014/main" id="{5650C7EE-F534-A0E9-6B61-4CD7D6024DA8}"/>
-              </a:ext>
-            </a:extLst>
-          </p:cNvPr>
-          <p:cNvGrpSpPr/>
-          <p:nvPr/>
-        </p:nvGrpSpPr>
-        <p:grpSpPr>
-          <a:xfrm>
-            <a:off x="209550" y="1228725"/>
-            <a:ext cx="2914650" cy="819150"/>
-            <a:chOff x="1019175" y="4267200"/>
-            <a:chExt cx="2914650" cy="819150"/>
-          </a:xfrm>
-        </p:grpSpPr>
-        <p:pic>
-          <p:nvPicPr>
-            <p:cNvPr id="5" name="Picture 4">
-              <a:extLst>
-                <a:ext uri="{FF2B5EF4-FFF2-40B4-BE49-F238E27FC236}">
-                  <a16:creationId xmlns:a16="http://schemas.microsoft.com/office/drawing/2014/main" id="{F1B9E594-0A9C-C741-EB11-4A5B07BD4F32}"/>
-                </a:ext>
-              </a:extLst>
-            </p:cNvPr>
-            <p:cNvPicPr>
-              <a:picLocks noChangeAspect="1"/>
-            </p:cNvPicPr>
-            <p:nvPr/>
-          </p:nvPicPr>
-          <p:blipFill>
-            <a:blip r:embed="rId4"/>
-            <a:stretch>
-              <a:fillRect/>
-            </a:stretch>
-          </p:blipFill>
-          <p:spPr>
-            <a:xfrm>
-              <a:off x="1019175" y="4267200"/>
-              <a:ext cx="2914650" cy="819150"/>
-            </a:xfrm>
-            <a:prstGeom prst="rect">
-              <a:avLst/>
-            </a:prstGeom>
-          </p:spPr>
-        </p:pic>
-        <p:sp>
-          <p:nvSpPr>
-            <p:cNvPr id="12" name="Овал 5">
-              <a:extLst>
-                <a:ext uri="{FF2B5EF4-FFF2-40B4-BE49-F238E27FC236}">
-                  <a16:creationId xmlns:a16="http://schemas.microsoft.com/office/drawing/2014/main" id="{BE5BFBE9-8102-ED81-161E-4515506D6D9B}"/>
-                </a:ext>
-              </a:extLst>
-            </p:cNvPr>
-            <p:cNvSpPr/>
-            <p:nvPr/>
-          </p:nvSpPr>
-          <p:spPr>
-            <a:xfrm>
-              <a:off x="1198562" y="4683919"/>
-              <a:ext cx="687388" cy="247650"/>
-            </a:xfrm>
-            <a:prstGeom prst="ellipse">
-              <a:avLst/>
-            </a:prstGeom>
-            <a:noFill/>
-            <a:ln w="19050">
-              <a:solidFill>
-                <a:srgbClr val="FF0000"/>
-              </a:solidFill>
-            </a:ln>
-          </p:spPr>
-          <p:style>
-            <a:lnRef idx="2">
-              <a:schemeClr val="accent1">
-                <a:shade val="50000"/>
-              </a:schemeClr>
-            </a:lnRef>
-            <a:fillRef idx="1">
-              <a:schemeClr val="accent1"/>
-            </a:fillRef>
-            <a:effectRef idx="0">
-              <a:schemeClr val="accent1"/>
-            </a:effectRef>
-            <a:fontRef idx="minor">
-              <a:schemeClr val="lt1"/>
-            </a:fontRef>
-          </p:style>
-          <p:txBody>
-            <a:bodyPr rtlCol="0" anchor="ctr"/>
-            <a:lstStyle/>
-            <a:p>
-              <a:pPr algn="ctr"/>
-              <a:endParaRPr lang="ru-RU"/>
-            </a:p>
-          </p:txBody>
-        </p:sp>
-      </p:grpSp>
-      <p:grpSp>
-        <p:nvGrpSpPr>
-          <p:cNvPr id="16" name="Group 15">
-            <a:extLst>
-              <a:ext uri="{FF2B5EF4-FFF2-40B4-BE49-F238E27FC236}">
-                <a16:creationId xmlns:a16="http://schemas.microsoft.com/office/drawing/2014/main" id="{39F9778D-D193-914E-840B-EC98D0AA9D6E}"/>
-              </a:ext>
-            </a:extLst>
-          </p:cNvPr>
-          <p:cNvGrpSpPr/>
-          <p:nvPr/>
-        </p:nvGrpSpPr>
-        <p:grpSpPr>
-          <a:xfrm>
-            <a:off x="2995612" y="2233613"/>
-            <a:ext cx="942975" cy="1800225"/>
-            <a:chOff x="4624387" y="3824288"/>
-            <a:chExt cx="942975" cy="1800225"/>
-          </a:xfrm>
-        </p:grpSpPr>
-        <p:pic>
-          <p:nvPicPr>
-            <p:cNvPr id="14" name="Picture 13" descr="Graphical user interface, text&#10;&#10;Description automatically generated">
-              <a:extLst>
-                <a:ext uri="{FF2B5EF4-FFF2-40B4-BE49-F238E27FC236}">
-                  <a16:creationId xmlns:a16="http://schemas.microsoft.com/office/drawing/2014/main" id="{A19CFD31-FC2F-AAC8-2830-11A201549708}"/>
-                </a:ext>
-              </a:extLst>
-            </p:cNvPr>
-            <p:cNvPicPr>
-              <a:picLocks noChangeAspect="1"/>
-            </p:cNvPicPr>
-            <p:nvPr/>
-          </p:nvPicPr>
-          <p:blipFill>
-            <a:blip r:embed="rId5">
-              <a:extLst>
-                <a:ext uri="{28A0092B-C50C-407E-A947-70E740481C1C}">
-                  <a14:useLocalDpi xmlns:a14="http://schemas.microsoft.com/office/drawing/2010/main" val="0"/>
-                </a:ext>
-              </a:extLst>
-            </a:blip>
-            <a:stretch>
-              <a:fillRect/>
-            </a:stretch>
-          </p:blipFill>
-          <p:spPr>
-            <a:xfrm>
-              <a:off x="4624387" y="3824288"/>
-              <a:ext cx="942975" cy="1800225"/>
-            </a:xfrm>
-            <a:prstGeom prst="rect">
-              <a:avLst/>
-            </a:prstGeom>
-          </p:spPr>
-        </p:pic>
-        <p:sp>
-          <p:nvSpPr>
-            <p:cNvPr id="15" name="Овал 5">
-              <a:extLst>
-                <a:ext uri="{FF2B5EF4-FFF2-40B4-BE49-F238E27FC236}">
-                  <a16:creationId xmlns:a16="http://schemas.microsoft.com/office/drawing/2014/main" id="{849FD841-C6B2-1FC7-7E47-A02350654772}"/>
-                </a:ext>
-              </a:extLst>
-            </p:cNvPr>
-            <p:cNvSpPr/>
-            <p:nvPr/>
-          </p:nvSpPr>
-          <p:spPr>
-            <a:xfrm>
-              <a:off x="4656136" y="4219575"/>
-              <a:ext cx="868363" cy="235744"/>
-            </a:xfrm>
-            <a:prstGeom prst="ellipse">
-              <a:avLst/>
-            </a:prstGeom>
-            <a:noFill/>
-            <a:ln w="19050">
-              <a:solidFill>
-                <a:srgbClr val="FF0000"/>
-              </a:solidFill>
-            </a:ln>
-          </p:spPr>
-          <p:style>
-            <a:lnRef idx="2">
-              <a:schemeClr val="accent1">
-                <a:shade val="50000"/>
-              </a:schemeClr>
-            </a:lnRef>
-            <a:fillRef idx="1">
-              <a:schemeClr val="accent1"/>
-            </a:fillRef>
-            <a:effectRef idx="0">
-              <a:schemeClr val="accent1"/>
-            </a:effectRef>
-            <a:fontRef idx="minor">
-              <a:schemeClr val="lt1"/>
-            </a:fontRef>
-          </p:style>
-          <p:txBody>
-            <a:bodyPr rtlCol="0" anchor="ctr"/>
-            <a:lstStyle/>
-            <a:p>
-              <a:pPr algn="ctr"/>
-              <a:endParaRPr lang="ru-RU"/>
-            </a:p>
-          </p:txBody>
-        </p:sp>
-      </p:grpSp>
-      <p:grpSp>
-        <p:nvGrpSpPr>
-          <p:cNvPr id="27" name="Group 26">
-            <a:extLst>
-              <a:ext uri="{FF2B5EF4-FFF2-40B4-BE49-F238E27FC236}">
-                <a16:creationId xmlns:a16="http://schemas.microsoft.com/office/drawing/2014/main" id="{60CC4D8E-43D0-4392-2AD8-1B240B20D709}"/>
-              </a:ext>
-            </a:extLst>
-          </p:cNvPr>
-          <p:cNvGrpSpPr/>
-          <p:nvPr/>
-        </p:nvGrpSpPr>
-        <p:grpSpPr>
-          <a:xfrm>
-            <a:off x="4010626" y="-78808"/>
-            <a:ext cx="4895850" cy="6686550"/>
-            <a:chOff x="4010626" y="-78808"/>
-            <a:chExt cx="4895850" cy="6686550"/>
-          </a:xfrm>
-        </p:grpSpPr>
-        <p:pic>
-          <p:nvPicPr>
-            <p:cNvPr id="26" name="Picture 25">
-              <a:extLst>
-                <a:ext uri="{FF2B5EF4-FFF2-40B4-BE49-F238E27FC236}">
-                  <a16:creationId xmlns:a16="http://schemas.microsoft.com/office/drawing/2014/main" id="{ECCC2883-5ECD-90DD-22B9-DE009326B1F8}"/>
-                </a:ext>
-              </a:extLst>
-            </p:cNvPr>
-            <p:cNvPicPr>
-              <a:picLocks noChangeAspect="1"/>
-            </p:cNvPicPr>
-            <p:nvPr/>
-          </p:nvPicPr>
-          <p:blipFill>
-            <a:blip r:embed="rId6"/>
-            <a:stretch>
-              <a:fillRect/>
-            </a:stretch>
-          </p:blipFill>
-          <p:spPr>
-            <a:xfrm>
-              <a:off x="4010626" y="-78808"/>
-              <a:ext cx="4895850" cy="6686550"/>
-            </a:xfrm>
-            <a:prstGeom prst="rect">
-              <a:avLst/>
-            </a:prstGeom>
-          </p:spPr>
-        </p:pic>
-        <p:sp>
-          <p:nvSpPr>
-            <p:cNvPr id="19" name="Rectangle: Rounded Corners 18">
-              <a:extLst>
-                <a:ext uri="{FF2B5EF4-FFF2-40B4-BE49-F238E27FC236}">
-                  <a16:creationId xmlns:a16="http://schemas.microsoft.com/office/drawing/2014/main" id="{89CD4B43-7B54-D125-9E50-96D70B832B55}"/>
-                </a:ext>
-              </a:extLst>
-            </p:cNvPr>
-            <p:cNvSpPr/>
-            <p:nvPr/>
-          </p:nvSpPr>
-          <p:spPr>
-            <a:xfrm>
-              <a:off x="4170045" y="935354"/>
-              <a:ext cx="4507230" cy="283845"/>
-            </a:xfrm>
-            <a:prstGeom prst="roundRect">
-              <a:avLst/>
-            </a:prstGeom>
-            <a:noFill/>
-            <a:ln w="19050">
-              <a:solidFill>
-                <a:srgbClr val="FF0000"/>
-              </a:solidFill>
-            </a:ln>
-          </p:spPr>
-          <p:style>
-            <a:lnRef idx="2">
-              <a:schemeClr val="accent6"/>
-            </a:lnRef>
-            <a:fillRef idx="1">
-              <a:schemeClr val="lt1"/>
-            </a:fillRef>
-            <a:effectRef idx="0">
-              <a:schemeClr val="accent6"/>
-            </a:effectRef>
-            <a:fontRef idx="minor">
-              <a:schemeClr val="dk1"/>
-            </a:fontRef>
-          </p:style>
-          <p:txBody>
-            <a:bodyPr rtlCol="0" anchor="ctr"/>
-            <a:lstStyle/>
-            <a:p>
-              <a:pPr algn="ctr"/>
-              <a:endParaRPr lang="en-US"/>
-            </a:p>
-          </p:txBody>
-        </p:sp>
-      </p:grpSp>
-      <p:grpSp>
-        <p:nvGrpSpPr>
-          <p:cNvPr id="24" name="Group 23">
-            <a:extLst>
-              <a:ext uri="{FF2B5EF4-FFF2-40B4-BE49-F238E27FC236}">
-                <a16:creationId xmlns:a16="http://schemas.microsoft.com/office/drawing/2014/main" id="{D38278DE-0F06-C7E2-92C5-2967695849E3}"/>
-              </a:ext>
-            </a:extLst>
-          </p:cNvPr>
-          <p:cNvGrpSpPr/>
-          <p:nvPr/>
-        </p:nvGrpSpPr>
-        <p:grpSpPr>
-          <a:xfrm>
-            <a:off x="246056" y="4512945"/>
-            <a:ext cx="2895289" cy="2156460"/>
-            <a:chOff x="246056" y="4512945"/>
-            <a:chExt cx="2895289" cy="2156460"/>
-          </a:xfrm>
-        </p:grpSpPr>
-        <p:pic>
-          <p:nvPicPr>
-            <p:cNvPr id="21" name="Picture 20" descr="Graphical user interface, text, application&#10;&#10;Description automatically generated">
-              <a:extLst>
-                <a:ext uri="{FF2B5EF4-FFF2-40B4-BE49-F238E27FC236}">
-                  <a16:creationId xmlns:a16="http://schemas.microsoft.com/office/drawing/2014/main" id="{C1F9D40D-8AFA-7A3F-C30E-34130E266C55}"/>
-                </a:ext>
-              </a:extLst>
-            </p:cNvPr>
-            <p:cNvPicPr>
-              <a:picLocks noChangeAspect="1"/>
-            </p:cNvPicPr>
-            <p:nvPr/>
-          </p:nvPicPr>
-          <p:blipFill>
-            <a:blip r:embed="rId7">
-              <a:extLst>
-                <a:ext uri="{28A0092B-C50C-407E-A947-70E740481C1C}">
-                  <a14:useLocalDpi xmlns:a14="http://schemas.microsoft.com/office/drawing/2010/main" val="0"/>
-                </a:ext>
-              </a:extLst>
-            </a:blip>
-            <a:srcRect/>
-            <a:stretch>
-              <a:fillRect/>
-            </a:stretch>
-          </p:blipFill>
-          <p:spPr bwMode="auto">
-            <a:xfrm>
-              <a:off x="268605" y="4512945"/>
-              <a:ext cx="2872740" cy="2156460"/>
-            </a:xfrm>
-            <a:prstGeom prst="rect">
-              <a:avLst/>
-            </a:prstGeom>
-            <a:noFill/>
-            <a:ln>
-              <a:noFill/>
-            </a:ln>
-          </p:spPr>
-        </p:pic>
-        <p:sp>
-          <p:nvSpPr>
-            <p:cNvPr id="22" name="Овал 5">
-              <a:extLst>
-                <a:ext uri="{FF2B5EF4-FFF2-40B4-BE49-F238E27FC236}">
-                  <a16:creationId xmlns:a16="http://schemas.microsoft.com/office/drawing/2014/main" id="{2236D8DD-0156-D474-BD6A-B8EFF1C4D995}"/>
-                </a:ext>
-              </a:extLst>
-            </p:cNvPr>
-            <p:cNvSpPr/>
-            <p:nvPr/>
-          </p:nvSpPr>
-          <p:spPr>
-            <a:xfrm>
-              <a:off x="246056" y="5181599"/>
-              <a:ext cx="1516064" cy="276225"/>
-            </a:xfrm>
-            <a:prstGeom prst="ellipse">
-              <a:avLst/>
-            </a:prstGeom>
-            <a:noFill/>
-            <a:ln w="19050">
-              <a:solidFill>
-                <a:srgbClr val="FF0000"/>
-              </a:solidFill>
-            </a:ln>
-          </p:spPr>
-          <p:style>
-            <a:lnRef idx="2">
-              <a:schemeClr val="accent1">
-                <a:shade val="50000"/>
-              </a:schemeClr>
-            </a:lnRef>
-            <a:fillRef idx="1">
-              <a:schemeClr val="accent1"/>
-            </a:fillRef>
-            <a:effectRef idx="0">
-              <a:schemeClr val="accent1"/>
-            </a:effectRef>
-            <a:fontRef idx="minor">
-              <a:schemeClr val="lt1"/>
-            </a:fontRef>
-          </p:style>
-          <p:txBody>
-            <a:bodyPr rtlCol="0" anchor="ctr"/>
-            <a:lstStyle/>
-            <a:p>
-              <a:pPr algn="ctr"/>
-              <a:endParaRPr lang="ru-RU"/>
-            </a:p>
-          </p:txBody>
-        </p:sp>
-      </p:grpSp>
-    </p:spTree>
-    <p:extLst>
-      <p:ext uri="{BB962C8B-B14F-4D97-AF65-F5344CB8AC3E}">
-        <p14:creationId xmlns:p14="http://schemas.microsoft.com/office/powerpoint/2010/main" val="3231720509"/>
-      </p:ext>
-    </p:extLst>
-  </p:cSld>
-  <p:clrMapOvr>
-    <a:masterClrMapping/>
-  </p:clrMapOvr>
-</p:sld>
-</file>
-
 <file path=ppt/slides/slide5.xml><?xml version="1.0" encoding="utf-8"?>
 <p:sld xmlns:a="http://schemas.openxmlformats.org/drawingml/2006/main" xmlns:r="http://schemas.openxmlformats.org/officeDocument/2006/relationships" xmlns:p="http://schemas.openxmlformats.org/presentationml/2006/main">
   <p:cSld>
@@ -33742,10 +34255,10 @@
       </p:grpSp>
       <p:grpSp>
         <p:nvGrpSpPr>
-          <p:cNvPr id="24" name="Group 23">
+          <p:cNvPr id="18" name="Group 17">
             <a:extLst>
               <a:ext uri="{FF2B5EF4-FFF2-40B4-BE49-F238E27FC236}">
-                <a16:creationId xmlns:a16="http://schemas.microsoft.com/office/drawing/2014/main" id="{D2C28772-B9A6-C283-C8BA-7DD36D673117}"/>
+                <a16:creationId xmlns:a16="http://schemas.microsoft.com/office/drawing/2014/main" id="{1C425FDF-D37E-C7B2-BDDF-13EE65C52D6C}"/>
               </a:ext>
             </a:extLst>
           </p:cNvPr>
@@ -33754,18 +34267,18 @@
         </p:nvGrpSpPr>
         <p:grpSpPr>
           <a:xfrm>
-            <a:off x="0" y="4390924"/>
-            <a:ext cx="6612813" cy="2467076"/>
-            <a:chOff x="831626" y="1083744"/>
-            <a:chExt cx="6612813" cy="2467076"/>
+            <a:off x="0" y="4676775"/>
+            <a:ext cx="6562623" cy="2181225"/>
+            <a:chOff x="0" y="4676775"/>
+            <a:chExt cx="6562623" cy="2181225"/>
           </a:xfrm>
         </p:grpSpPr>
         <p:pic>
           <p:nvPicPr>
-            <p:cNvPr id="25" name="Picture 24">
+            <p:cNvPr id="10" name="Picture 9">
               <a:extLst>
                 <a:ext uri="{FF2B5EF4-FFF2-40B4-BE49-F238E27FC236}">
-                  <a16:creationId xmlns:a16="http://schemas.microsoft.com/office/drawing/2014/main" id="{0856BF9A-8FBD-769A-0AF1-B15248E6663E}"/>
+                  <a16:creationId xmlns:a16="http://schemas.microsoft.com/office/drawing/2014/main" id="{D5724942-6C1B-836D-0315-3856B3E6BAD4}"/>
                 </a:ext>
               </a:extLst>
             </p:cNvPr>
@@ -33782,8 +34295,8 @@
           </p:blipFill>
           <p:spPr>
             <a:xfrm>
-              <a:off x="831626" y="1093370"/>
-              <a:ext cx="2876550" cy="2457450"/>
+              <a:off x="3686073" y="4676775"/>
+              <a:ext cx="2876550" cy="2181225"/>
             </a:xfrm>
             <a:prstGeom prst="rect">
               <a:avLst/>
@@ -33792,10 +34305,10 @@
         </p:pic>
         <p:pic>
           <p:nvPicPr>
-            <p:cNvPr id="26" name="Picture 25">
+            <p:cNvPr id="17" name="Picture 16">
               <a:extLst>
                 <a:ext uri="{FF2B5EF4-FFF2-40B4-BE49-F238E27FC236}">
-                  <a16:creationId xmlns:a16="http://schemas.microsoft.com/office/drawing/2014/main" id="{4D22765E-48EE-D0BD-C9B5-10C5A73773DF}"/>
+                  <a16:creationId xmlns:a16="http://schemas.microsoft.com/office/drawing/2014/main" id="{B753D636-81D1-D07D-EAF3-D56CCC0DAD76}"/>
                 </a:ext>
               </a:extLst>
             </p:cNvPr>
@@ -33804,16 +34317,15 @@
             </p:cNvPicPr>
             <p:nvPr/>
           </p:nvPicPr>
-          <p:blipFill>
+          <p:blipFill rotWithShape="1">
             <a:blip r:embed="rId5"/>
-            <a:stretch>
-              <a:fillRect/>
-            </a:stretch>
+            <a:srcRect b="866"/>
+            <a:stretch/>
           </p:blipFill>
           <p:spPr>
             <a:xfrm>
-              <a:off x="4567889" y="1083744"/>
-              <a:ext cx="2876550" cy="2457450"/>
+              <a:off x="0" y="4676775"/>
+              <a:ext cx="2876550" cy="2181225"/>
             </a:xfrm>
             <a:prstGeom prst="rect">
               <a:avLst/>
@@ -33834,8 +34346,8 @@
           </p:nvSpPr>
           <p:spPr>
             <a:xfrm>
-              <a:off x="4754880" y="2069431"/>
-              <a:ext cx="2531444" cy="471637"/>
+              <a:off x="3871819" y="5638800"/>
+              <a:ext cx="2531444" cy="178968"/>
             </a:xfrm>
             <a:prstGeom prst="roundRect">
               <a:avLst/>
@@ -33884,7 +34396,7 @@
           </p:nvSpPr>
           <p:spPr>
             <a:xfrm>
-              <a:off x="3830128" y="2260121"/>
+              <a:off x="2941352" y="5567301"/>
               <a:ext cx="672860" cy="465826"/>
             </a:xfrm>
             <a:prstGeom prst="rightArrow">
@@ -33939,7 +34451,7 @@
           </p:nvSpPr>
           <p:spPr>
             <a:xfrm>
-              <a:off x="928688" y="3276601"/>
+              <a:off x="97062" y="6574156"/>
               <a:ext cx="255190" cy="248116"/>
             </a:xfrm>
             <a:prstGeom prst="ellipse">
@@ -34010,10 +34522,10 @@
       </p:grpSpPr>
       <p:grpSp>
         <p:nvGrpSpPr>
-          <p:cNvPr id="16" name="Group 15">
+          <p:cNvPr id="13" name="Group 12">
             <a:extLst>
               <a:ext uri="{FF2B5EF4-FFF2-40B4-BE49-F238E27FC236}">
-                <a16:creationId xmlns:a16="http://schemas.microsoft.com/office/drawing/2014/main" id="{A6CAF52D-A342-4B69-47C6-FA9B857A43F3}"/>
+                <a16:creationId xmlns:a16="http://schemas.microsoft.com/office/drawing/2014/main" id="{F6EE6134-535A-60F2-26B1-92D526D5B382}"/>
               </a:ext>
             </a:extLst>
           </p:cNvPr>
@@ -34022,18 +34534,18 @@
         </p:nvGrpSpPr>
         <p:grpSpPr>
           <a:xfrm>
-            <a:off x="4950944" y="218824"/>
+            <a:off x="4948237" y="233362"/>
             <a:ext cx="3914775" cy="5667375"/>
-            <a:chOff x="4738687" y="804862"/>
+            <a:chOff x="4948237" y="233362"/>
             <a:chExt cx="3914775" cy="5667375"/>
           </a:xfrm>
         </p:grpSpPr>
         <p:pic>
           <p:nvPicPr>
-            <p:cNvPr id="14" name="Picture 13">
+            <p:cNvPr id="4" name="Picture 3">
               <a:extLst>
                 <a:ext uri="{FF2B5EF4-FFF2-40B4-BE49-F238E27FC236}">
-                  <a16:creationId xmlns:a16="http://schemas.microsoft.com/office/drawing/2014/main" id="{19C23161-4BE9-0585-8BC2-3DA14C9FC724}"/>
+                  <a16:creationId xmlns:a16="http://schemas.microsoft.com/office/drawing/2014/main" id="{B3E776AC-7D5C-42D1-2338-A068C0E56B14}"/>
                 </a:ext>
               </a:extLst>
             </p:cNvPr>
@@ -34050,7 +34562,7 @@
           </p:blipFill>
           <p:spPr>
             <a:xfrm>
-              <a:off x="4738687" y="804862"/>
+              <a:off x="4948237" y="233362"/>
               <a:ext cx="3914775" cy="5667375"/>
             </a:xfrm>
             <a:prstGeom prst="rect">
@@ -34072,7 +34584,7 @@
           </p:nvSpPr>
           <p:spPr>
             <a:xfrm>
-              <a:off x="4770978" y="1152525"/>
+              <a:off x="4983235" y="566487"/>
               <a:ext cx="3820571" cy="1428751"/>
             </a:xfrm>
             <a:prstGeom prst="roundRect">
@@ -34981,6 +35493,35 @@
           </p:spPr>
         </p:pic>
       </p:grpSp>
+      <p:pic>
+        <p:nvPicPr>
+          <p:cNvPr id="29" name="Picture 28">
+            <a:extLst>
+              <a:ext uri="{FF2B5EF4-FFF2-40B4-BE49-F238E27FC236}">
+                <a16:creationId xmlns:a16="http://schemas.microsoft.com/office/drawing/2014/main" id="{118CA553-D7AA-E6D0-C971-03E2967887D5}"/>
+              </a:ext>
+            </a:extLst>
+          </p:cNvPr>
+          <p:cNvPicPr>
+            <a:picLocks noChangeAspect="1"/>
+          </p:cNvPicPr>
+          <p:nvPr/>
+        </p:nvPicPr>
+        <p:blipFill rotWithShape="1">
+          <a:blip r:embed="rId5"/>
+          <a:srcRect b="39763"/>
+          <a:stretch/>
+        </p:blipFill>
+        <p:spPr>
+          <a:xfrm>
+            <a:off x="1243012" y="2757487"/>
+            <a:ext cx="2752725" cy="728663"/>
+          </a:xfrm>
+          <a:prstGeom prst="rect">
+            <a:avLst/>
+          </a:prstGeom>
+        </p:spPr>
+      </p:pic>
     </p:spTree>
     <p:extLst>
       <p:ext uri="{BB962C8B-B14F-4D97-AF65-F5344CB8AC3E}">
@@ -35013,10 +35554,10 @@
       </p:grpSpPr>
       <p:grpSp>
         <p:nvGrpSpPr>
-          <p:cNvPr id="8" name="Group 7">
+          <p:cNvPr id="4" name="Group 3">
             <a:extLst>
               <a:ext uri="{FF2B5EF4-FFF2-40B4-BE49-F238E27FC236}">
-                <a16:creationId xmlns:a16="http://schemas.microsoft.com/office/drawing/2014/main" id="{B048FD93-B47A-4260-5436-DE1F0BE1E930}"/>
+                <a16:creationId xmlns:a16="http://schemas.microsoft.com/office/drawing/2014/main" id="{7419E39D-73C2-FCD2-45BB-5295827EA2D2}"/>
               </a:ext>
             </a:extLst>
           </p:cNvPr>
@@ -35025,18 +35566,18 @@
         </p:nvGrpSpPr>
         <p:grpSpPr>
           <a:xfrm>
-            <a:off x="443114" y="0"/>
-            <a:ext cx="8257772" cy="6858000"/>
-            <a:chOff x="443114" y="0"/>
-            <a:chExt cx="8257772" cy="6858000"/>
+            <a:off x="1300053" y="0"/>
+            <a:ext cx="6548547" cy="6858000"/>
+            <a:chOff x="1300053" y="0"/>
+            <a:chExt cx="6548547" cy="6858000"/>
           </a:xfrm>
         </p:grpSpPr>
         <p:pic>
           <p:nvPicPr>
-            <p:cNvPr id="5" name="Picture 4">
+            <p:cNvPr id="3" name="Picture 2">
               <a:extLst>
                 <a:ext uri="{FF2B5EF4-FFF2-40B4-BE49-F238E27FC236}">
-                  <a16:creationId xmlns:a16="http://schemas.microsoft.com/office/drawing/2014/main" id="{189D3D05-0A4A-40BF-C511-84E9B5214AAE}"/>
+                  <a16:creationId xmlns:a16="http://schemas.microsoft.com/office/drawing/2014/main" id="{CC5C4A91-BAD1-BC1A-0F86-AAB75FE1C673}"/>
                 </a:ext>
               </a:extLst>
             </p:cNvPr>
@@ -35053,8 +35594,8 @@
           </p:blipFill>
           <p:spPr>
             <a:xfrm>
-              <a:off x="443114" y="0"/>
-              <a:ext cx="8257772" cy="6858000"/>
+              <a:off x="1300053" y="0"/>
+              <a:ext cx="6543893" cy="6858000"/>
             </a:xfrm>
             <a:prstGeom prst="rect">
               <a:avLst/>
@@ -35075,8 +35616,8 @@
           </p:nvSpPr>
           <p:spPr>
             <a:xfrm>
-              <a:off x="6266047" y="3243714"/>
-              <a:ext cx="2415940" cy="2367814"/>
+              <a:off x="6257925" y="3771899"/>
+              <a:ext cx="1590675" cy="2066925"/>
             </a:xfrm>
             <a:prstGeom prst="roundRect">
               <a:avLst>
@@ -35146,10 +35687,10 @@
       </p:grpSpPr>
       <p:grpSp>
         <p:nvGrpSpPr>
-          <p:cNvPr id="12" name="Group 11">
+          <p:cNvPr id="19" name="Group 18">
             <a:extLst>
               <a:ext uri="{FF2B5EF4-FFF2-40B4-BE49-F238E27FC236}">
-                <a16:creationId xmlns:a16="http://schemas.microsoft.com/office/drawing/2014/main" id="{A098D79E-0DB6-F253-01AB-EC87600F4268}"/>
+                <a16:creationId xmlns:a16="http://schemas.microsoft.com/office/drawing/2014/main" id="{E40803F0-C5B8-57BD-AF59-3089A95A0813}"/>
               </a:ext>
             </a:extLst>
           </p:cNvPr>
@@ -35158,48 +35699,121 @@
         </p:nvGrpSpPr>
         <p:grpSpPr>
           <a:xfrm>
-            <a:off x="881704" y="0"/>
-            <a:ext cx="7380591" cy="6858000"/>
-            <a:chOff x="881704" y="0"/>
-            <a:chExt cx="7380591" cy="6858000"/>
+            <a:off x="1871662" y="361950"/>
+            <a:ext cx="4995863" cy="4724400"/>
+            <a:chOff x="1871662" y="361950"/>
+            <a:chExt cx="4995863" cy="4724400"/>
           </a:xfrm>
         </p:grpSpPr>
-        <p:pic>
-          <p:nvPicPr>
-            <p:cNvPr id="10" name="Picture 9">
+        <p:grpSp>
+          <p:nvGrpSpPr>
+            <p:cNvPr id="11" name="Group 10">
               <a:extLst>
                 <a:ext uri="{FF2B5EF4-FFF2-40B4-BE49-F238E27FC236}">
-                  <a16:creationId xmlns:a16="http://schemas.microsoft.com/office/drawing/2014/main" id="{19BCA880-52FD-E749-D3F7-4A0E323EAFD2}"/>
+                  <a16:creationId xmlns:a16="http://schemas.microsoft.com/office/drawing/2014/main" id="{5F94BE99-6769-97EC-62A7-86F1C0E16CE1}"/>
                 </a:ext>
               </a:extLst>
             </p:cNvPr>
-            <p:cNvPicPr>
-              <a:picLocks noChangeAspect="1"/>
-            </p:cNvPicPr>
-            <p:nvPr/>
-          </p:nvPicPr>
-          <p:blipFill>
-            <a:blip r:embed="rId2"/>
-            <a:stretch>
-              <a:fillRect/>
-            </a:stretch>
-          </p:blipFill>
-          <p:spPr>
-            <a:xfrm>
-              <a:off x="881704" y="0"/>
-              <a:ext cx="7380591" cy="6858000"/>
-            </a:xfrm>
-            <a:prstGeom prst="rect">
-              <a:avLst/>
-            </a:prstGeom>
-          </p:spPr>
-        </p:pic>
+            <p:cNvGrpSpPr/>
+            <p:nvPr/>
+          </p:nvGrpSpPr>
+          <p:grpSpPr>
+            <a:xfrm>
+              <a:off x="1909762" y="3181350"/>
+              <a:ext cx="4848225" cy="1905000"/>
+              <a:chOff x="1814512" y="3486150"/>
+              <a:chExt cx="4848225" cy="1905000"/>
+            </a:xfrm>
+          </p:grpSpPr>
+          <p:pic>
+            <p:nvPicPr>
+              <p:cNvPr id="7" name="Picture 6">
+                <a:extLst>
+                  <a:ext uri="{FF2B5EF4-FFF2-40B4-BE49-F238E27FC236}">
+                    <a16:creationId xmlns:a16="http://schemas.microsoft.com/office/drawing/2014/main" id="{B7E7AF59-7386-5F2D-B321-896ADEE82B17}"/>
+                  </a:ext>
+                </a:extLst>
+              </p:cNvPr>
+              <p:cNvPicPr>
+                <a:picLocks noChangeAspect="1"/>
+              </p:cNvPicPr>
+              <p:nvPr/>
+            </p:nvPicPr>
+            <p:blipFill>
+              <a:blip r:embed="rId2"/>
+              <a:stretch>
+                <a:fillRect/>
+              </a:stretch>
+            </p:blipFill>
+            <p:spPr>
+              <a:xfrm>
+                <a:off x="1814512" y="3486150"/>
+                <a:ext cx="4848225" cy="1905000"/>
+              </a:xfrm>
+              <a:prstGeom prst="rect">
+                <a:avLst/>
+              </a:prstGeom>
+            </p:spPr>
+          </p:pic>
+          <p:sp>
+            <p:nvSpPr>
+              <p:cNvPr id="9" name="Овал 5">
+                <a:extLst>
+                  <a:ext uri="{FF2B5EF4-FFF2-40B4-BE49-F238E27FC236}">
+                    <a16:creationId xmlns:a16="http://schemas.microsoft.com/office/drawing/2014/main" id="{E96C2595-B012-DAE6-BE4B-2EFCA9120686}"/>
+                  </a:ext>
+                </a:extLst>
+              </p:cNvPr>
+              <p:cNvSpPr/>
+              <p:nvPr/>
+            </p:nvSpPr>
+            <p:spPr>
+              <a:xfrm>
+                <a:off x="1816779" y="4811760"/>
+                <a:ext cx="2669496" cy="293640"/>
+              </a:xfrm>
+              <a:prstGeom prst="ellipse">
+                <a:avLst/>
+              </a:prstGeom>
+              <a:noFill/>
+              <a:ln w="19050">
+                <a:solidFill>
+                  <a:srgbClr val="FF0000"/>
+                </a:solidFill>
+              </a:ln>
+            </p:spPr>
+            <p:style>
+              <a:lnRef idx="2">
+                <a:schemeClr val="accent1">
+                  <a:shade val="50000"/>
+                </a:schemeClr>
+              </a:lnRef>
+              <a:fillRef idx="1">
+                <a:schemeClr val="accent1"/>
+              </a:fillRef>
+              <a:effectRef idx="0">
+                <a:schemeClr val="accent1"/>
+              </a:effectRef>
+              <a:fontRef idx="minor">
+                <a:schemeClr val="lt1"/>
+              </a:fontRef>
+            </p:style>
+            <p:txBody>
+              <a:bodyPr rtlCol="0" anchor="ctr"/>
+              <a:lstStyle/>
+              <a:p>
+                <a:pPr algn="ctr"/>
+                <a:endParaRPr lang="ru-RU"/>
+              </a:p>
+            </p:txBody>
+          </p:sp>
+        </p:grpSp>
         <p:sp>
           <p:nvSpPr>
-            <p:cNvPr id="6" name="Овал 5">
+            <p:cNvPr id="10" name="Arrow: Right 9">
               <a:extLst>
                 <a:ext uri="{FF2B5EF4-FFF2-40B4-BE49-F238E27FC236}">
-                  <a16:creationId xmlns:a16="http://schemas.microsoft.com/office/drawing/2014/main" id="{77F11589-BB97-FD61-79A2-752C5A032AEE}"/>
+                  <a16:creationId xmlns:a16="http://schemas.microsoft.com/office/drawing/2014/main" id="{366A1CD7-D600-9DD6-8AFE-C8C77EA296AA}"/>
                 </a:ext>
               </a:extLst>
             </p:cNvPr>
@@ -35207,12 +35821,15 @@
             <p:nvPr/>
           </p:nvSpPr>
           <p:spPr>
-            <a:xfrm>
-              <a:off x="952902" y="5419023"/>
-              <a:ext cx="1636294" cy="567890"/>
-            </a:xfrm>
-            <a:prstGeom prst="ellipse">
-              <a:avLst/>
+            <a:xfrm rot="5400000">
+              <a:off x="4109947" y="2582997"/>
+              <a:ext cx="545469" cy="465826"/>
+            </a:xfrm>
+            <a:prstGeom prst="rightArrow">
+              <a:avLst>
+                <a:gd name="adj1" fmla="val 50000"/>
+                <a:gd name="adj2" fmla="val 66667"/>
+              </a:avLst>
             </a:prstGeom>
             <a:noFill/>
             <a:ln w="19050">
@@ -35242,119 +35859,212 @@
             <a:lstStyle/>
             <a:p>
               <a:pPr algn="ctr"/>
-              <a:endParaRPr lang="ru-RU"/>
+              <a:endParaRPr lang="en-US"/>
             </a:p>
           </p:txBody>
         </p:sp>
-        <p:sp>
-          <p:nvSpPr>
-            <p:cNvPr id="7" name="Овал 5">
+        <p:grpSp>
+          <p:nvGrpSpPr>
+            <p:cNvPr id="18" name="Group 17">
               <a:extLst>
                 <a:ext uri="{FF2B5EF4-FFF2-40B4-BE49-F238E27FC236}">
-                  <a16:creationId xmlns:a16="http://schemas.microsoft.com/office/drawing/2014/main" id="{48525BCB-B1AA-00A8-770C-3B1302137806}"/>
+                  <a16:creationId xmlns:a16="http://schemas.microsoft.com/office/drawing/2014/main" id="{CC72A481-81CE-85B2-50EF-CA29BFB37873}"/>
                 </a:ext>
               </a:extLst>
             </p:cNvPr>
-            <p:cNvSpPr/>
-            <p:nvPr/>
-          </p:nvSpPr>
-          <p:spPr>
-            <a:xfrm>
-              <a:off x="4331368" y="5427044"/>
-              <a:ext cx="1405289" cy="567890"/>
-            </a:xfrm>
-            <a:prstGeom prst="ellipse">
-              <a:avLst/>
-            </a:prstGeom>
-            <a:noFill/>
-            <a:ln w="19050">
-              <a:solidFill>
-                <a:srgbClr val="FF0000"/>
-              </a:solidFill>
-            </a:ln>
-          </p:spPr>
-          <p:style>
-            <a:lnRef idx="2">
-              <a:schemeClr val="accent1">
-                <a:shade val="50000"/>
-              </a:schemeClr>
-            </a:lnRef>
-            <a:fillRef idx="1">
-              <a:schemeClr val="accent1"/>
-            </a:fillRef>
-            <a:effectRef idx="0">
-              <a:schemeClr val="accent1"/>
-            </a:effectRef>
-            <a:fontRef idx="minor">
-              <a:schemeClr val="lt1"/>
-            </a:fontRef>
-          </p:style>
-          <p:txBody>
-            <a:bodyPr rtlCol="0" anchor="ctr"/>
-            <a:lstStyle/>
-            <a:p>
-              <a:pPr algn="ctr"/>
-              <a:endParaRPr lang="ru-RU"/>
-            </a:p>
-          </p:txBody>
-        </p:sp>
-        <p:sp>
-          <p:nvSpPr>
-            <p:cNvPr id="11" name="Овал 5">
-              <a:extLst>
-                <a:ext uri="{FF2B5EF4-FFF2-40B4-BE49-F238E27FC236}">
-                  <a16:creationId xmlns:a16="http://schemas.microsoft.com/office/drawing/2014/main" id="{3E214288-5DE7-51FC-271E-E664B405DBC3}"/>
-                </a:ext>
-              </a:extLst>
-            </p:cNvPr>
-            <p:cNvSpPr/>
-            <p:nvPr/>
-          </p:nvSpPr>
-          <p:spPr>
-            <a:xfrm>
-              <a:off x="4618522" y="3060833"/>
-              <a:ext cx="2792931" cy="452387"/>
-            </a:xfrm>
-            <a:prstGeom prst="ellipse">
-              <a:avLst/>
-            </a:prstGeom>
-            <a:noFill/>
-            <a:ln w="19050">
-              <a:solidFill>
-                <a:srgbClr val="FF0000"/>
-              </a:solidFill>
-            </a:ln>
-          </p:spPr>
-          <p:style>
-            <a:lnRef idx="2">
-              <a:schemeClr val="accent1">
-                <a:shade val="50000"/>
-              </a:schemeClr>
-            </a:lnRef>
-            <a:fillRef idx="1">
-              <a:schemeClr val="accent1"/>
-            </a:fillRef>
-            <a:effectRef idx="0">
-              <a:schemeClr val="accent1"/>
-            </a:effectRef>
-            <a:fontRef idx="minor">
-              <a:schemeClr val="lt1"/>
-            </a:fontRef>
-          </p:style>
-          <p:txBody>
-            <a:bodyPr rtlCol="0" anchor="ctr"/>
-            <a:lstStyle/>
-            <a:p>
-              <a:pPr algn="ctr"/>
-              <a:endParaRPr lang="ru-RU"/>
-            </a:p>
-          </p:txBody>
-        </p:sp>
+            <p:cNvGrpSpPr/>
+            <p:nvPr/>
+          </p:nvGrpSpPr>
+          <p:grpSpPr>
+            <a:xfrm>
+              <a:off x="1871662" y="361950"/>
+              <a:ext cx="4995863" cy="2076450"/>
+              <a:chOff x="1871662" y="361950"/>
+              <a:chExt cx="4995863" cy="2076450"/>
+            </a:xfrm>
+          </p:grpSpPr>
+          <p:pic>
+            <p:nvPicPr>
+              <p:cNvPr id="14" name="Picture 13">
+                <a:extLst>
+                  <a:ext uri="{FF2B5EF4-FFF2-40B4-BE49-F238E27FC236}">
+                    <a16:creationId xmlns:a16="http://schemas.microsoft.com/office/drawing/2014/main" id="{068B73BE-49CA-4EE2-E296-DCF7E8728FEA}"/>
+                  </a:ext>
+                </a:extLst>
+              </p:cNvPr>
+              <p:cNvPicPr>
+                <a:picLocks noChangeAspect="1"/>
+              </p:cNvPicPr>
+              <p:nvPr/>
+            </p:nvPicPr>
+            <p:blipFill>
+              <a:blip r:embed="rId3"/>
+              <a:stretch>
+                <a:fillRect/>
+              </a:stretch>
+            </p:blipFill>
+            <p:spPr>
+              <a:xfrm>
+                <a:off x="1871662" y="361950"/>
+                <a:ext cx="4981575" cy="2076450"/>
+              </a:xfrm>
+              <a:prstGeom prst="rect">
+                <a:avLst/>
+              </a:prstGeom>
+            </p:spPr>
+          </p:pic>
+          <p:sp>
+            <p:nvSpPr>
+              <p:cNvPr id="8" name="Овал 5">
+                <a:extLst>
+                  <a:ext uri="{FF2B5EF4-FFF2-40B4-BE49-F238E27FC236}">
+                    <a16:creationId xmlns:a16="http://schemas.microsoft.com/office/drawing/2014/main" id="{74027A3F-C505-FE9C-687A-632BB1F16BBF}"/>
+                  </a:ext>
+                </a:extLst>
+              </p:cNvPr>
+              <p:cNvSpPr/>
+              <p:nvPr/>
+            </p:nvSpPr>
+            <p:spPr>
+              <a:xfrm>
+                <a:off x="3121704" y="1706610"/>
+                <a:ext cx="1536021" cy="276225"/>
+              </a:xfrm>
+              <a:prstGeom prst="ellipse">
+                <a:avLst/>
+              </a:prstGeom>
+              <a:noFill/>
+              <a:ln w="19050">
+                <a:solidFill>
+                  <a:srgbClr val="FF0000"/>
+                </a:solidFill>
+              </a:ln>
+            </p:spPr>
+            <p:style>
+              <a:lnRef idx="2">
+                <a:schemeClr val="accent1">
+                  <a:shade val="50000"/>
+                </a:schemeClr>
+              </a:lnRef>
+              <a:fillRef idx="1">
+                <a:schemeClr val="accent1"/>
+              </a:fillRef>
+              <a:effectRef idx="0">
+                <a:schemeClr val="accent1"/>
+              </a:effectRef>
+              <a:fontRef idx="minor">
+                <a:schemeClr val="lt1"/>
+              </a:fontRef>
+            </p:style>
+            <p:txBody>
+              <a:bodyPr rtlCol="0" anchor="ctr"/>
+              <a:lstStyle/>
+              <a:p>
+                <a:pPr algn="ctr"/>
+                <a:endParaRPr lang="ru-RU"/>
+              </a:p>
+            </p:txBody>
+          </p:sp>
+          <p:sp>
+            <p:nvSpPr>
+              <p:cNvPr id="15" name="Овал 5">
+                <a:extLst>
+                  <a:ext uri="{FF2B5EF4-FFF2-40B4-BE49-F238E27FC236}">
+                    <a16:creationId xmlns:a16="http://schemas.microsoft.com/office/drawing/2014/main" id="{E44556D6-3D89-1B8B-A65E-268150311568}"/>
+                  </a:ext>
+                </a:extLst>
+              </p:cNvPr>
+              <p:cNvSpPr/>
+              <p:nvPr/>
+            </p:nvSpPr>
+            <p:spPr>
+              <a:xfrm>
+                <a:off x="6248400" y="2020935"/>
+                <a:ext cx="619125" cy="276225"/>
+              </a:xfrm>
+              <a:prstGeom prst="ellipse">
+                <a:avLst/>
+              </a:prstGeom>
+              <a:noFill/>
+              <a:ln w="19050">
+                <a:solidFill>
+                  <a:srgbClr val="FF0000"/>
+                </a:solidFill>
+              </a:ln>
+            </p:spPr>
+            <p:style>
+              <a:lnRef idx="2">
+                <a:schemeClr val="accent1">
+                  <a:shade val="50000"/>
+                </a:schemeClr>
+              </a:lnRef>
+              <a:fillRef idx="1">
+                <a:schemeClr val="accent1"/>
+              </a:fillRef>
+              <a:effectRef idx="0">
+                <a:schemeClr val="accent1"/>
+              </a:effectRef>
+              <a:fontRef idx="minor">
+                <a:schemeClr val="lt1"/>
+              </a:fontRef>
+            </p:style>
+            <p:txBody>
+              <a:bodyPr rtlCol="0" anchor="ctr"/>
+              <a:lstStyle/>
+              <a:p>
+                <a:pPr algn="ctr"/>
+                <a:endParaRPr lang="ru-RU"/>
+              </a:p>
+            </p:txBody>
+          </p:sp>
+          <p:cxnSp>
+            <p:nvCxnSpPr>
+              <p:cNvPr id="17" name="Straight Arrow Connector 16">
+                <a:extLst>
+                  <a:ext uri="{FF2B5EF4-FFF2-40B4-BE49-F238E27FC236}">
+                    <a16:creationId xmlns:a16="http://schemas.microsoft.com/office/drawing/2014/main" id="{B2C4C998-B111-6939-3439-977FD220605F}"/>
+                  </a:ext>
+                </a:extLst>
+              </p:cNvPr>
+              <p:cNvCxnSpPr/>
+              <p:nvPr/>
+            </p:nvCxnSpPr>
+            <p:spPr>
+              <a:xfrm>
+                <a:off x="4714875" y="1895475"/>
+                <a:ext cx="1419225" cy="209550"/>
+              </a:xfrm>
+              <a:prstGeom prst="straightConnector1">
+                <a:avLst/>
+              </a:prstGeom>
+              <a:ln w="19050">
+                <a:solidFill>
+                  <a:srgbClr val="FF0000"/>
+                </a:solidFill>
+                <a:tailEnd type="triangle"/>
+              </a:ln>
+            </p:spPr>
+            <p:style>
+              <a:lnRef idx="1">
+                <a:schemeClr val="accent1"/>
+              </a:lnRef>
+              <a:fillRef idx="0">
+                <a:schemeClr val="accent1"/>
+              </a:fillRef>
+              <a:effectRef idx="0">
+                <a:schemeClr val="accent1"/>
+              </a:effectRef>
+              <a:fontRef idx="minor">
+                <a:schemeClr val="tx1"/>
+              </a:fontRef>
+            </p:style>
+          </p:cxnSp>
+        </p:grpSp>
       </p:grpSp>
     </p:spTree>
     <p:extLst>
       <p:ext uri="{BB962C8B-B14F-4D97-AF65-F5344CB8AC3E}">
-        <p14:creationId xmlns:p14="http://schemas.microsoft.com/office/powerpoint/2010/main" val="1695933048"/>
+        <p14:creationId xmlns:p14="http://schemas.microsoft.com/office/powerpoint/2010/main" val="2168155292"/>
       </p:ext>
     </p:extLst>
   </p:cSld>

--- a/manual/Pictures 2.0.pptx
+++ b/manual/Pictures 2.0.pptx
@@ -20,32 +20,34 @@
     <p:sldId id="294" r:id="rId14"/>
     <p:sldId id="300" r:id="rId15"/>
     <p:sldId id="271" r:id="rId16"/>
-    <p:sldId id="263" r:id="rId17"/>
-    <p:sldId id="272" r:id="rId18"/>
-    <p:sldId id="270" r:id="rId19"/>
-    <p:sldId id="273" r:id="rId20"/>
-    <p:sldId id="274" r:id="rId21"/>
-    <p:sldId id="275" r:id="rId22"/>
-    <p:sldId id="276" r:id="rId23"/>
-    <p:sldId id="277" r:id="rId24"/>
-    <p:sldId id="278" r:id="rId25"/>
-    <p:sldId id="279" r:id="rId26"/>
-    <p:sldId id="264" r:id="rId27"/>
-    <p:sldId id="280" r:id="rId28"/>
-    <p:sldId id="281" r:id="rId29"/>
-    <p:sldId id="265" r:id="rId30"/>
-    <p:sldId id="283" r:id="rId31"/>
-    <p:sldId id="282" r:id="rId32"/>
-    <p:sldId id="284" r:id="rId33"/>
-    <p:sldId id="285" r:id="rId34"/>
-    <p:sldId id="266" r:id="rId35"/>
-    <p:sldId id="267" r:id="rId36"/>
-    <p:sldId id="286" r:id="rId37"/>
-    <p:sldId id="287" r:id="rId38"/>
-    <p:sldId id="268" r:id="rId39"/>
-    <p:sldId id="289" r:id="rId40"/>
-    <p:sldId id="288" r:id="rId41"/>
-    <p:sldId id="269" r:id="rId42"/>
+    <p:sldId id="303" r:id="rId17"/>
+    <p:sldId id="304" r:id="rId18"/>
+    <p:sldId id="263" r:id="rId19"/>
+    <p:sldId id="272" r:id="rId20"/>
+    <p:sldId id="270" r:id="rId21"/>
+    <p:sldId id="273" r:id="rId22"/>
+    <p:sldId id="274" r:id="rId23"/>
+    <p:sldId id="275" r:id="rId24"/>
+    <p:sldId id="276" r:id="rId25"/>
+    <p:sldId id="277" r:id="rId26"/>
+    <p:sldId id="278" r:id="rId27"/>
+    <p:sldId id="279" r:id="rId28"/>
+    <p:sldId id="264" r:id="rId29"/>
+    <p:sldId id="280" r:id="rId30"/>
+    <p:sldId id="281" r:id="rId31"/>
+    <p:sldId id="265" r:id="rId32"/>
+    <p:sldId id="283" r:id="rId33"/>
+    <p:sldId id="282" r:id="rId34"/>
+    <p:sldId id="284" r:id="rId35"/>
+    <p:sldId id="285" r:id="rId36"/>
+    <p:sldId id="266" r:id="rId37"/>
+    <p:sldId id="267" r:id="rId38"/>
+    <p:sldId id="286" r:id="rId39"/>
+    <p:sldId id="287" r:id="rId40"/>
+    <p:sldId id="268" r:id="rId41"/>
+    <p:sldId id="289" r:id="rId42"/>
+    <p:sldId id="288" r:id="rId43"/>
+    <p:sldId id="269" r:id="rId44"/>
   </p:sldIdLst>
   <p:sldSz cx="9144000" cy="6858000" type="screen4x3"/>
   <p:notesSz cx="6858000" cy="9144000"/>
@@ -5486,7 +5488,7 @@
         </p:nvGrpSpPr>
         <p:grpSpPr>
           <a:xfrm>
-            <a:off x="681037" y="111919"/>
+            <a:off x="597217" y="89059"/>
             <a:ext cx="2333625" cy="2009775"/>
             <a:chOff x="261938" y="309563"/>
             <a:chExt cx="2333625" cy="2009775"/>
@@ -5628,7 +5630,7 @@
         </p:nvGrpSpPr>
         <p:grpSpPr>
           <a:xfrm>
-            <a:off x="3440906" y="235744"/>
+            <a:off x="3387566" y="83344"/>
             <a:ext cx="3276600" cy="1181100"/>
             <a:chOff x="2828925" y="309563"/>
             <a:chExt cx="3276600" cy="1181100"/>
@@ -5770,7 +5772,7 @@
         </p:nvGrpSpPr>
         <p:grpSpPr>
           <a:xfrm>
-            <a:off x="452436" y="2371725"/>
+            <a:off x="475296" y="2196465"/>
             <a:ext cx="2809875" cy="619125"/>
             <a:chOff x="357188" y="2752725"/>
             <a:chExt cx="2809875" cy="619125"/>
@@ -5912,7 +5914,7 @@
         </p:nvGrpSpPr>
         <p:grpSpPr>
           <a:xfrm>
-            <a:off x="4572000" y="1719263"/>
+            <a:off x="3665220" y="1383983"/>
             <a:ext cx="3848100" cy="962025"/>
             <a:chOff x="4572000" y="2890838"/>
             <a:chExt cx="3848100" cy="962025"/>
@@ -6061,7 +6063,7 @@
         </p:blipFill>
         <p:spPr>
           <a:xfrm>
-            <a:off x="2504599" y="3290111"/>
+            <a:off x="5567839" y="2459531"/>
             <a:ext cx="3105150" cy="1285875"/>
           </a:xfrm>
           <a:prstGeom prst="rect">
@@ -6091,7 +6093,7 @@
         </p:blipFill>
         <p:spPr>
           <a:xfrm>
-            <a:off x="6255543" y="3276600"/>
+            <a:off x="7787163" y="365760"/>
             <a:ext cx="942975" cy="1800225"/>
           </a:xfrm>
           <a:prstGeom prst="rect">
@@ -6121,7 +6123,7 @@
         </p:blipFill>
         <p:spPr>
           <a:xfrm>
-            <a:off x="1647204" y="3445722"/>
+            <a:off x="4436124" y="2615142"/>
             <a:ext cx="209550" cy="209550"/>
           </a:xfrm>
           <a:prstGeom prst="rect">
@@ -6129,6 +6131,246 @@
           </a:prstGeom>
         </p:spPr>
       </p:pic>
+      <p:grpSp>
+        <p:nvGrpSpPr>
+          <p:cNvPr id="19" name="Group 18">
+            <a:extLst>
+              <a:ext uri="{FF2B5EF4-FFF2-40B4-BE49-F238E27FC236}">
+                <a16:creationId xmlns:a16="http://schemas.microsoft.com/office/drawing/2014/main" id="{42D31861-7761-0105-45FD-3187A57FE051}"/>
+              </a:ext>
+            </a:extLst>
+          </p:cNvPr>
+          <p:cNvGrpSpPr/>
+          <p:nvPr/>
+        </p:nvGrpSpPr>
+        <p:grpSpPr>
+          <a:xfrm>
+            <a:off x="458152" y="3501390"/>
+            <a:ext cx="3990975" cy="1795462"/>
+            <a:chOff x="458152" y="3501390"/>
+            <a:chExt cx="3990975" cy="1795462"/>
+          </a:xfrm>
+        </p:grpSpPr>
+        <p:pic>
+          <p:nvPicPr>
+            <p:cNvPr id="6" name="Picture 5">
+              <a:extLst>
+                <a:ext uri="{FF2B5EF4-FFF2-40B4-BE49-F238E27FC236}">
+                  <a16:creationId xmlns:a16="http://schemas.microsoft.com/office/drawing/2014/main" id="{94113CA6-31F2-8ED7-5E4E-381BACED00F6}"/>
+                </a:ext>
+              </a:extLst>
+            </p:cNvPr>
+            <p:cNvPicPr>
+              <a:picLocks noChangeAspect="1"/>
+            </p:cNvPicPr>
+            <p:nvPr/>
+          </p:nvPicPr>
+          <p:blipFill>
+            <a:blip r:embed="rId13"/>
+            <a:stretch>
+              <a:fillRect/>
+            </a:stretch>
+          </p:blipFill>
+          <p:spPr>
+            <a:xfrm>
+              <a:off x="458152" y="3501390"/>
+              <a:ext cx="3990975" cy="495300"/>
+            </a:xfrm>
+            <a:prstGeom prst="rect">
+              <a:avLst/>
+            </a:prstGeom>
+          </p:spPr>
+        </p:pic>
+        <p:sp>
+          <p:nvSpPr>
+            <p:cNvPr id="7" name="Овал 5">
+              <a:extLst>
+                <a:ext uri="{FF2B5EF4-FFF2-40B4-BE49-F238E27FC236}">
+                  <a16:creationId xmlns:a16="http://schemas.microsoft.com/office/drawing/2014/main" id="{E3B76BC5-FFE5-2ABA-6D9A-2951724BCF1D}"/>
+                </a:ext>
+              </a:extLst>
+            </p:cNvPr>
+            <p:cNvSpPr/>
+            <p:nvPr/>
+          </p:nvSpPr>
+          <p:spPr>
+            <a:xfrm>
+              <a:off x="3497104" y="3641884"/>
+              <a:ext cx="648176" cy="247650"/>
+            </a:xfrm>
+            <a:prstGeom prst="ellipse">
+              <a:avLst/>
+            </a:prstGeom>
+            <a:noFill/>
+            <a:ln w="19050">
+              <a:solidFill>
+                <a:srgbClr val="FF0000"/>
+              </a:solidFill>
+            </a:ln>
+          </p:spPr>
+          <p:style>
+            <a:lnRef idx="2">
+              <a:schemeClr val="accent1">
+                <a:shade val="50000"/>
+              </a:schemeClr>
+            </a:lnRef>
+            <a:fillRef idx="1">
+              <a:schemeClr val="accent1"/>
+            </a:fillRef>
+            <a:effectRef idx="0">
+              <a:schemeClr val="accent1"/>
+            </a:effectRef>
+            <a:fontRef idx="minor">
+              <a:schemeClr val="lt1"/>
+            </a:fontRef>
+          </p:style>
+          <p:txBody>
+            <a:bodyPr rtlCol="0" anchor="ctr"/>
+            <a:lstStyle/>
+            <a:p>
+              <a:pPr algn="ctr"/>
+              <a:endParaRPr lang="ru-RU"/>
+            </a:p>
+          </p:txBody>
+        </p:sp>
+        <p:sp>
+          <p:nvSpPr>
+            <p:cNvPr id="8" name="Arrow: Right 7">
+              <a:extLst>
+                <a:ext uri="{FF2B5EF4-FFF2-40B4-BE49-F238E27FC236}">
+                  <a16:creationId xmlns:a16="http://schemas.microsoft.com/office/drawing/2014/main" id="{52006355-F1AF-EC70-A236-085DFB958200}"/>
+                </a:ext>
+              </a:extLst>
+            </p:cNvPr>
+            <p:cNvSpPr/>
+            <p:nvPr/>
+          </p:nvSpPr>
+          <p:spPr>
+            <a:xfrm rot="5400000">
+              <a:off x="2240190" y="4081282"/>
+              <a:ext cx="459743" cy="465826"/>
+            </a:xfrm>
+            <a:prstGeom prst="rightArrow">
+              <a:avLst>
+                <a:gd name="adj1" fmla="val 50000"/>
+                <a:gd name="adj2" fmla="val 45402"/>
+              </a:avLst>
+            </a:prstGeom>
+            <a:noFill/>
+            <a:ln w="19050">
+              <a:solidFill>
+                <a:srgbClr val="FF0000"/>
+              </a:solidFill>
+            </a:ln>
+          </p:spPr>
+          <p:style>
+            <a:lnRef idx="2">
+              <a:schemeClr val="accent1">
+                <a:shade val="50000"/>
+              </a:schemeClr>
+            </a:lnRef>
+            <a:fillRef idx="1">
+              <a:schemeClr val="accent1"/>
+            </a:fillRef>
+            <a:effectRef idx="0">
+              <a:schemeClr val="accent1"/>
+            </a:effectRef>
+            <a:fontRef idx="minor">
+              <a:schemeClr val="lt1"/>
+            </a:fontRef>
+          </p:style>
+          <p:txBody>
+            <a:bodyPr rtlCol="0" anchor="ctr"/>
+            <a:lstStyle/>
+            <a:p>
+              <a:pPr algn="ctr"/>
+              <a:endParaRPr lang="en-US"/>
+            </a:p>
+          </p:txBody>
+        </p:sp>
+        <p:pic>
+          <p:nvPicPr>
+            <p:cNvPr id="10" name="Picture 9">
+              <a:extLst>
+                <a:ext uri="{FF2B5EF4-FFF2-40B4-BE49-F238E27FC236}">
+                  <a16:creationId xmlns:a16="http://schemas.microsoft.com/office/drawing/2014/main" id="{B2272B1D-8BE3-5DAB-3B04-A708F539C9B6}"/>
+                </a:ext>
+              </a:extLst>
+            </p:cNvPr>
+            <p:cNvPicPr>
+              <a:picLocks noChangeAspect="1"/>
+            </p:cNvPicPr>
+            <p:nvPr/>
+          </p:nvPicPr>
+          <p:blipFill>
+            <a:blip r:embed="rId14"/>
+            <a:stretch>
+              <a:fillRect/>
+            </a:stretch>
+          </p:blipFill>
+          <p:spPr>
+            <a:xfrm>
+              <a:off x="458152" y="4563427"/>
+              <a:ext cx="3990975" cy="733425"/>
+            </a:xfrm>
+            <a:prstGeom prst="rect">
+              <a:avLst/>
+            </a:prstGeom>
+          </p:spPr>
+        </p:pic>
+        <p:sp>
+          <p:nvSpPr>
+            <p:cNvPr id="13" name="Овал 5">
+              <a:extLst>
+                <a:ext uri="{FF2B5EF4-FFF2-40B4-BE49-F238E27FC236}">
+                  <a16:creationId xmlns:a16="http://schemas.microsoft.com/office/drawing/2014/main" id="{1F83CADF-1DEA-DDD0-1EA7-7363322CE6E0}"/>
+                </a:ext>
+              </a:extLst>
+            </p:cNvPr>
+            <p:cNvSpPr/>
+            <p:nvPr/>
+          </p:nvSpPr>
+          <p:spPr>
+            <a:xfrm>
+              <a:off x="525304" y="4937284"/>
+              <a:ext cx="648176" cy="247650"/>
+            </a:xfrm>
+            <a:prstGeom prst="ellipse">
+              <a:avLst/>
+            </a:prstGeom>
+            <a:noFill/>
+            <a:ln w="19050">
+              <a:solidFill>
+                <a:srgbClr val="FF0000"/>
+              </a:solidFill>
+            </a:ln>
+          </p:spPr>
+          <p:style>
+            <a:lnRef idx="2">
+              <a:schemeClr val="accent1">
+                <a:shade val="50000"/>
+              </a:schemeClr>
+            </a:lnRef>
+            <a:fillRef idx="1">
+              <a:schemeClr val="accent1"/>
+            </a:fillRef>
+            <a:effectRef idx="0">
+              <a:schemeClr val="accent1"/>
+            </a:effectRef>
+            <a:fontRef idx="minor">
+              <a:schemeClr val="lt1"/>
+            </a:fontRef>
+          </p:style>
+          <p:txBody>
+            <a:bodyPr rtlCol="0" anchor="ctr"/>
+            <a:lstStyle/>
+            <a:p>
+              <a:pPr algn="ctr"/>
+              <a:endParaRPr lang="ru-RU"/>
+            </a:p>
+          </p:txBody>
+        </p:sp>
+      </p:grpSp>
     </p:spTree>
     <p:extLst>
       <p:ext uri="{BB962C8B-B14F-4D97-AF65-F5344CB8AC3E}">
@@ -6143,6 +6385,376 @@
 </file>
 
 <file path=ppt/slides/slide16.xml><?xml version="1.0" encoding="utf-8"?>
+<p:sld xmlns:a="http://schemas.openxmlformats.org/drawingml/2006/main" xmlns:r="http://schemas.openxmlformats.org/officeDocument/2006/relationships" xmlns:p="http://schemas.openxmlformats.org/presentationml/2006/main">
+  <p:cSld>
+    <p:spTree>
+      <p:nvGrpSpPr>
+        <p:cNvPr id="1" name=""/>
+        <p:cNvGrpSpPr/>
+        <p:nvPr/>
+      </p:nvGrpSpPr>
+      <p:grpSpPr>
+        <a:xfrm>
+          <a:off x="0" y="0"/>
+          <a:ext cx="0" cy="0"/>
+          <a:chOff x="0" y="0"/>
+          <a:chExt cx="0" cy="0"/>
+        </a:xfrm>
+      </p:grpSpPr>
+      <p:grpSp>
+        <p:nvGrpSpPr>
+          <p:cNvPr id="8" name="Group 7">
+            <a:extLst>
+              <a:ext uri="{FF2B5EF4-FFF2-40B4-BE49-F238E27FC236}">
+                <a16:creationId xmlns:a16="http://schemas.microsoft.com/office/drawing/2014/main" id="{3075F3A1-F333-089D-A7D8-FE64743A9E4C}"/>
+              </a:ext>
+            </a:extLst>
+          </p:cNvPr>
+          <p:cNvGrpSpPr/>
+          <p:nvPr/>
+        </p:nvGrpSpPr>
+        <p:grpSpPr>
+          <a:xfrm>
+            <a:off x="889744" y="0"/>
+            <a:ext cx="7364511" cy="6858000"/>
+            <a:chOff x="889744" y="0"/>
+            <a:chExt cx="7364511" cy="6858000"/>
+          </a:xfrm>
+        </p:grpSpPr>
+        <p:pic>
+          <p:nvPicPr>
+            <p:cNvPr id="5" name="Picture 4">
+              <a:extLst>
+                <a:ext uri="{FF2B5EF4-FFF2-40B4-BE49-F238E27FC236}">
+                  <a16:creationId xmlns:a16="http://schemas.microsoft.com/office/drawing/2014/main" id="{4D5E7D19-66D8-9064-863D-508FE21B59CB}"/>
+                </a:ext>
+              </a:extLst>
+            </p:cNvPr>
+            <p:cNvPicPr>
+              <a:picLocks noChangeAspect="1"/>
+            </p:cNvPicPr>
+            <p:nvPr/>
+          </p:nvPicPr>
+          <p:blipFill>
+            <a:blip r:embed="rId2"/>
+            <a:stretch>
+              <a:fillRect/>
+            </a:stretch>
+          </p:blipFill>
+          <p:spPr>
+            <a:xfrm>
+              <a:off x="889744" y="0"/>
+              <a:ext cx="7364511" cy="6858000"/>
+            </a:xfrm>
+            <a:prstGeom prst="rect">
+              <a:avLst/>
+            </a:prstGeom>
+          </p:spPr>
+        </p:pic>
+        <p:sp>
+          <p:nvSpPr>
+            <p:cNvPr id="6" name="Овал 5">
+              <a:extLst>
+                <a:ext uri="{FF2B5EF4-FFF2-40B4-BE49-F238E27FC236}">
+                  <a16:creationId xmlns:a16="http://schemas.microsoft.com/office/drawing/2014/main" id="{2D75D0E1-F589-1A0F-9566-CE9F5E749502}"/>
+                </a:ext>
+              </a:extLst>
+            </p:cNvPr>
+            <p:cNvSpPr/>
+            <p:nvPr/>
+          </p:nvSpPr>
+          <p:spPr>
+            <a:xfrm>
+              <a:off x="985835" y="3148013"/>
+              <a:ext cx="1201105" cy="247650"/>
+            </a:xfrm>
+            <a:prstGeom prst="ellipse">
+              <a:avLst/>
+            </a:prstGeom>
+            <a:noFill/>
+            <a:ln w="19050">
+              <a:solidFill>
+                <a:srgbClr val="FF0000"/>
+              </a:solidFill>
+            </a:ln>
+          </p:spPr>
+          <p:style>
+            <a:lnRef idx="2">
+              <a:schemeClr val="accent1">
+                <a:shade val="50000"/>
+              </a:schemeClr>
+            </a:lnRef>
+            <a:fillRef idx="1">
+              <a:schemeClr val="accent1"/>
+            </a:fillRef>
+            <a:effectRef idx="0">
+              <a:schemeClr val="accent1"/>
+            </a:effectRef>
+            <a:fontRef idx="minor">
+              <a:schemeClr val="lt1"/>
+            </a:fontRef>
+          </p:style>
+          <p:txBody>
+            <a:bodyPr rtlCol="0" anchor="ctr"/>
+            <a:lstStyle/>
+            <a:p>
+              <a:pPr algn="ctr"/>
+              <a:endParaRPr lang="ru-RU"/>
+            </a:p>
+          </p:txBody>
+        </p:sp>
+        <p:sp>
+          <p:nvSpPr>
+            <p:cNvPr id="7" name="Овал 5">
+              <a:extLst>
+                <a:ext uri="{FF2B5EF4-FFF2-40B4-BE49-F238E27FC236}">
+                  <a16:creationId xmlns:a16="http://schemas.microsoft.com/office/drawing/2014/main" id="{FE4917F5-7D9C-1A20-38C5-808FB8EC394C}"/>
+                </a:ext>
+              </a:extLst>
+            </p:cNvPr>
+            <p:cNvSpPr/>
+            <p:nvPr/>
+          </p:nvSpPr>
+          <p:spPr>
+            <a:xfrm>
+              <a:off x="1991675" y="4001453"/>
+              <a:ext cx="644845" cy="247650"/>
+            </a:xfrm>
+            <a:prstGeom prst="ellipse">
+              <a:avLst/>
+            </a:prstGeom>
+            <a:noFill/>
+            <a:ln w="19050">
+              <a:solidFill>
+                <a:srgbClr val="FF0000"/>
+              </a:solidFill>
+            </a:ln>
+          </p:spPr>
+          <p:style>
+            <a:lnRef idx="2">
+              <a:schemeClr val="accent1">
+                <a:shade val="50000"/>
+              </a:schemeClr>
+            </a:lnRef>
+            <a:fillRef idx="1">
+              <a:schemeClr val="accent1"/>
+            </a:fillRef>
+            <a:effectRef idx="0">
+              <a:schemeClr val="accent1"/>
+            </a:effectRef>
+            <a:fontRef idx="minor">
+              <a:schemeClr val="lt1"/>
+            </a:fontRef>
+          </p:style>
+          <p:txBody>
+            <a:bodyPr rtlCol="0" anchor="ctr"/>
+            <a:lstStyle/>
+            <a:p>
+              <a:pPr algn="ctr"/>
+              <a:endParaRPr lang="ru-RU"/>
+            </a:p>
+          </p:txBody>
+        </p:sp>
+      </p:grpSp>
+    </p:spTree>
+    <p:extLst>
+      <p:ext uri="{BB962C8B-B14F-4D97-AF65-F5344CB8AC3E}">
+        <p14:creationId xmlns:p14="http://schemas.microsoft.com/office/powerpoint/2010/main" val="1304822176"/>
+      </p:ext>
+    </p:extLst>
+  </p:cSld>
+  <p:clrMapOvr>
+    <a:masterClrMapping/>
+  </p:clrMapOvr>
+</p:sld>
+</file>
+
+<file path=ppt/slides/slide17.xml><?xml version="1.0" encoding="utf-8"?>
+<p:sld xmlns:a="http://schemas.openxmlformats.org/drawingml/2006/main" xmlns:r="http://schemas.openxmlformats.org/officeDocument/2006/relationships" xmlns:p="http://schemas.openxmlformats.org/presentationml/2006/main">
+  <p:cSld>
+    <p:spTree>
+      <p:nvGrpSpPr>
+        <p:cNvPr id="1" name=""/>
+        <p:cNvGrpSpPr/>
+        <p:nvPr/>
+      </p:nvGrpSpPr>
+      <p:grpSpPr>
+        <a:xfrm>
+          <a:off x="0" y="0"/>
+          <a:ext cx="0" cy="0"/>
+          <a:chOff x="0" y="0"/>
+          <a:chExt cx="0" cy="0"/>
+        </a:xfrm>
+      </p:grpSpPr>
+      <p:grpSp>
+        <p:nvGrpSpPr>
+          <p:cNvPr id="8" name="Group 7">
+            <a:extLst>
+              <a:ext uri="{FF2B5EF4-FFF2-40B4-BE49-F238E27FC236}">
+                <a16:creationId xmlns:a16="http://schemas.microsoft.com/office/drawing/2014/main" id="{0547161E-FBB7-FA71-A349-03FAC0B128CC}"/>
+              </a:ext>
+            </a:extLst>
+          </p:cNvPr>
+          <p:cNvGrpSpPr/>
+          <p:nvPr/>
+        </p:nvGrpSpPr>
+        <p:grpSpPr>
+          <a:xfrm>
+            <a:off x="1537335" y="1021080"/>
+            <a:ext cx="5657850" cy="3810000"/>
+            <a:chOff x="1537335" y="1021080"/>
+            <a:chExt cx="5657850" cy="3810000"/>
+          </a:xfrm>
+        </p:grpSpPr>
+        <p:pic>
+          <p:nvPicPr>
+            <p:cNvPr id="5" name="Picture 4">
+              <a:extLst>
+                <a:ext uri="{FF2B5EF4-FFF2-40B4-BE49-F238E27FC236}">
+                  <a16:creationId xmlns:a16="http://schemas.microsoft.com/office/drawing/2014/main" id="{C7C55644-7472-E389-BF66-A0FDD86E9BDA}"/>
+                </a:ext>
+              </a:extLst>
+            </p:cNvPr>
+            <p:cNvPicPr>
+              <a:picLocks noChangeAspect="1"/>
+            </p:cNvPicPr>
+            <p:nvPr/>
+          </p:nvPicPr>
+          <p:blipFill>
+            <a:blip r:embed="rId2"/>
+            <a:stretch>
+              <a:fillRect/>
+            </a:stretch>
+          </p:blipFill>
+          <p:spPr>
+            <a:xfrm>
+              <a:off x="1537335" y="1021080"/>
+              <a:ext cx="5657850" cy="3810000"/>
+            </a:xfrm>
+            <a:prstGeom prst="rect">
+              <a:avLst/>
+            </a:prstGeom>
+          </p:spPr>
+        </p:pic>
+        <p:sp>
+          <p:nvSpPr>
+            <p:cNvPr id="6" name="Овал 5">
+              <a:extLst>
+                <a:ext uri="{FF2B5EF4-FFF2-40B4-BE49-F238E27FC236}">
+                  <a16:creationId xmlns:a16="http://schemas.microsoft.com/office/drawing/2014/main" id="{F3D5A5A2-A808-AFC0-DF74-7A2C4692A1F8}"/>
+                </a:ext>
+              </a:extLst>
+            </p:cNvPr>
+            <p:cNvSpPr/>
+            <p:nvPr/>
+          </p:nvSpPr>
+          <p:spPr>
+            <a:xfrm>
+              <a:off x="4404360" y="2797493"/>
+              <a:ext cx="1021079" cy="247650"/>
+            </a:xfrm>
+            <a:prstGeom prst="ellipse">
+              <a:avLst/>
+            </a:prstGeom>
+            <a:noFill/>
+            <a:ln w="19050">
+              <a:solidFill>
+                <a:srgbClr val="FF0000"/>
+              </a:solidFill>
+            </a:ln>
+          </p:spPr>
+          <p:style>
+            <a:lnRef idx="2">
+              <a:schemeClr val="accent1">
+                <a:shade val="50000"/>
+              </a:schemeClr>
+            </a:lnRef>
+            <a:fillRef idx="1">
+              <a:schemeClr val="accent1"/>
+            </a:fillRef>
+            <a:effectRef idx="0">
+              <a:schemeClr val="accent1"/>
+            </a:effectRef>
+            <a:fontRef idx="minor">
+              <a:schemeClr val="lt1"/>
+            </a:fontRef>
+          </p:style>
+          <p:txBody>
+            <a:bodyPr rtlCol="0" anchor="ctr"/>
+            <a:lstStyle/>
+            <a:p>
+              <a:pPr algn="ctr"/>
+              <a:endParaRPr lang="ru-RU"/>
+            </a:p>
+          </p:txBody>
+        </p:sp>
+        <p:sp>
+          <p:nvSpPr>
+            <p:cNvPr id="7" name="Овал 5">
+              <a:extLst>
+                <a:ext uri="{FF2B5EF4-FFF2-40B4-BE49-F238E27FC236}">
+                  <a16:creationId xmlns:a16="http://schemas.microsoft.com/office/drawing/2014/main" id="{2F5FF9AF-D0AA-ED67-F99F-D9C28BA4B188}"/>
+                </a:ext>
+              </a:extLst>
+            </p:cNvPr>
+            <p:cNvSpPr/>
+            <p:nvPr/>
+          </p:nvSpPr>
+          <p:spPr>
+            <a:xfrm>
+              <a:off x="4884421" y="3247073"/>
+              <a:ext cx="716280" cy="247650"/>
+            </a:xfrm>
+            <a:prstGeom prst="ellipse">
+              <a:avLst/>
+            </a:prstGeom>
+            <a:noFill/>
+            <a:ln w="19050">
+              <a:solidFill>
+                <a:srgbClr val="FF0000"/>
+              </a:solidFill>
+            </a:ln>
+          </p:spPr>
+          <p:style>
+            <a:lnRef idx="2">
+              <a:schemeClr val="accent1">
+                <a:shade val="50000"/>
+              </a:schemeClr>
+            </a:lnRef>
+            <a:fillRef idx="1">
+              <a:schemeClr val="accent1"/>
+            </a:fillRef>
+            <a:effectRef idx="0">
+              <a:schemeClr val="accent1"/>
+            </a:effectRef>
+            <a:fontRef idx="minor">
+              <a:schemeClr val="lt1"/>
+            </a:fontRef>
+          </p:style>
+          <p:txBody>
+            <a:bodyPr rtlCol="0" anchor="ctr"/>
+            <a:lstStyle/>
+            <a:p>
+              <a:pPr algn="ctr"/>
+              <a:endParaRPr lang="ru-RU"/>
+            </a:p>
+          </p:txBody>
+        </p:sp>
+      </p:grpSp>
+    </p:spTree>
+    <p:extLst>
+      <p:ext uri="{BB962C8B-B14F-4D97-AF65-F5344CB8AC3E}">
+        <p14:creationId xmlns:p14="http://schemas.microsoft.com/office/powerpoint/2010/main" val="3617191057"/>
+      </p:ext>
+    </p:extLst>
+  </p:cSld>
+  <p:clrMapOvr>
+    <a:masterClrMapping/>
+  </p:clrMapOvr>
+</p:sld>
+</file>
+
+<file path=ppt/slides/slide18.xml><?xml version="1.0" encoding="utf-8"?>
 <p:sld xmlns:a="http://schemas.openxmlformats.org/drawingml/2006/main" xmlns:r="http://schemas.openxmlformats.org/officeDocument/2006/relationships" xmlns:p="http://schemas.openxmlformats.org/presentationml/2006/main">
   <p:cSld>
     <p:spTree>
@@ -8933,7 +9545,7 @@
 </p:sld>
 </file>
 
-<file path=ppt/slides/slide17.xml><?xml version="1.0" encoding="utf-8"?>
+<file path=ppt/slides/slide19.xml><?xml version="1.0" encoding="utf-8"?>
 <p:sld xmlns:a="http://schemas.openxmlformats.org/drawingml/2006/main" xmlns:r="http://schemas.openxmlformats.org/officeDocument/2006/relationships" xmlns:p="http://schemas.openxmlformats.org/presentationml/2006/main">
   <p:cSld>
     <p:spTree>
@@ -9296,7 +9908,697 @@
 </p:sld>
 </file>
 
-<file path=ppt/slides/slide18.xml><?xml version="1.0" encoding="utf-8"?>
+<file path=ppt/slides/slide2.xml><?xml version="1.0" encoding="utf-8"?>
+<p:sld xmlns:a="http://schemas.openxmlformats.org/drawingml/2006/main" xmlns:r="http://schemas.openxmlformats.org/officeDocument/2006/relationships" xmlns:p="http://schemas.openxmlformats.org/presentationml/2006/main">
+  <p:cSld>
+    <p:spTree>
+      <p:nvGrpSpPr>
+        <p:cNvPr id="1" name=""/>
+        <p:cNvGrpSpPr/>
+        <p:nvPr/>
+      </p:nvGrpSpPr>
+      <p:grpSpPr>
+        <a:xfrm>
+          <a:off x="0" y="0"/>
+          <a:ext cx="0" cy="0"/>
+          <a:chOff x="0" y="0"/>
+          <a:chExt cx="0" cy="0"/>
+        </a:xfrm>
+      </p:grpSpPr>
+      <p:grpSp>
+        <p:nvGrpSpPr>
+          <p:cNvPr id="54" name="Group 53">
+            <a:extLst>
+              <a:ext uri="{FF2B5EF4-FFF2-40B4-BE49-F238E27FC236}">
+                <a16:creationId xmlns:a16="http://schemas.microsoft.com/office/drawing/2014/main" id="{5BF7E28E-C601-E8CC-B138-F60236C980DC}"/>
+              </a:ext>
+            </a:extLst>
+          </p:cNvPr>
+          <p:cNvGrpSpPr/>
+          <p:nvPr/>
+        </p:nvGrpSpPr>
+        <p:grpSpPr>
+          <a:xfrm>
+            <a:off x="666750" y="355132"/>
+            <a:ext cx="6838950" cy="5861518"/>
+            <a:chOff x="2076450" y="136057"/>
+            <a:chExt cx="6838950" cy="5861518"/>
+          </a:xfrm>
+        </p:grpSpPr>
+        <p:sp>
+          <p:nvSpPr>
+            <p:cNvPr id="52" name="TextBox 51">
+              <a:extLst>
+                <a:ext uri="{FF2B5EF4-FFF2-40B4-BE49-F238E27FC236}">
+                  <a16:creationId xmlns:a16="http://schemas.microsoft.com/office/drawing/2014/main" id="{1DA3756F-BF91-770E-6400-9B56418B5B6E}"/>
+                </a:ext>
+              </a:extLst>
+            </p:cNvPr>
+            <p:cNvSpPr txBox="1"/>
+            <p:nvPr/>
+          </p:nvSpPr>
+          <p:spPr>
+            <a:xfrm>
+              <a:off x="2309442" y="2078427"/>
+              <a:ext cx="1426368" cy="430887"/>
+            </a:xfrm>
+            <a:prstGeom prst="rect">
+              <a:avLst/>
+            </a:prstGeom>
+            <a:noFill/>
+          </p:spPr>
+          <p:txBody>
+            <a:bodyPr wrap="square" rtlCol="0">
+              <a:spAutoFit/>
+            </a:bodyPr>
+            <a:lstStyle/>
+            <a:p>
+              <a:pPr algn="ctr"/>
+              <a:r>
+                <a:rPr lang="ru-RU" sz="1100" dirty="0">
+                  <a:latin typeface="Times New Roman" panose="02020603050405020304" pitchFamily="18" charset="0"/>
+                  <a:cs typeface="Times New Roman" panose="02020603050405020304" pitchFamily="18" charset="0"/>
+                </a:rPr>
+                <a:t>Вкладки со структурами</a:t>
+              </a:r>
+            </a:p>
+          </p:txBody>
+        </p:sp>
+        <p:pic>
+          <p:nvPicPr>
+            <p:cNvPr id="13" name="Picture 12">
+              <a:extLst>
+                <a:ext uri="{FF2B5EF4-FFF2-40B4-BE49-F238E27FC236}">
+                  <a16:creationId xmlns:a16="http://schemas.microsoft.com/office/drawing/2014/main" id="{7293C1A7-831F-3391-D34D-3D5D925583BF}"/>
+                </a:ext>
+              </a:extLst>
+            </p:cNvPr>
+            <p:cNvPicPr>
+              <a:picLocks noChangeAspect="1"/>
+            </p:cNvPicPr>
+            <p:nvPr/>
+          </p:nvPicPr>
+          <p:blipFill rotWithShape="1">
+            <a:blip r:embed="rId2"/>
+            <a:srcRect t="3007" r="3954" b="10074"/>
+            <a:stretch/>
+          </p:blipFill>
+          <p:spPr>
+            <a:xfrm>
+              <a:off x="3362325" y="136057"/>
+              <a:ext cx="5553075" cy="5861518"/>
+            </a:xfrm>
+            <a:prstGeom prst="rect">
+              <a:avLst/>
+            </a:prstGeom>
+          </p:spPr>
+        </p:pic>
+        <p:sp>
+          <p:nvSpPr>
+            <p:cNvPr id="25" name="Левая фигурная скобка 25">
+              <a:extLst>
+                <a:ext uri="{FF2B5EF4-FFF2-40B4-BE49-F238E27FC236}">
+                  <a16:creationId xmlns:a16="http://schemas.microsoft.com/office/drawing/2014/main" id="{B6614261-C60C-D958-8B3D-06F2DAFC5E84}"/>
+                </a:ext>
+              </a:extLst>
+            </p:cNvPr>
+            <p:cNvSpPr/>
+            <p:nvPr/>
+          </p:nvSpPr>
+          <p:spPr>
+            <a:xfrm>
+              <a:off x="3509592" y="2381250"/>
+              <a:ext cx="276225" cy="612026"/>
+            </a:xfrm>
+            <a:prstGeom prst="leftBrace">
+              <a:avLst>
+                <a:gd name="adj1" fmla="val 35919"/>
+                <a:gd name="adj2" fmla="val 50629"/>
+              </a:avLst>
+            </a:prstGeom>
+            <a:ln w="28575">
+              <a:solidFill>
+                <a:srgbClr val="0070C0"/>
+              </a:solidFill>
+            </a:ln>
+          </p:spPr>
+          <p:style>
+            <a:lnRef idx="1">
+              <a:schemeClr val="accent1"/>
+            </a:lnRef>
+            <a:fillRef idx="0">
+              <a:schemeClr val="accent1"/>
+            </a:fillRef>
+            <a:effectRef idx="0">
+              <a:schemeClr val="accent1"/>
+            </a:effectRef>
+            <a:fontRef idx="minor">
+              <a:schemeClr val="tx1"/>
+            </a:fontRef>
+          </p:style>
+          <p:txBody>
+            <a:bodyPr rtlCol="0" anchor="ctr"/>
+            <a:lstStyle/>
+            <a:p>
+              <a:pPr algn="ctr"/>
+              <a:endParaRPr lang="ru-RU" sz="1100">
+                <a:latin typeface="Times New Roman" panose="02020603050405020304" pitchFamily="18" charset="0"/>
+                <a:cs typeface="Times New Roman" panose="02020603050405020304" pitchFamily="18" charset="0"/>
+              </a:endParaRPr>
+            </a:p>
+          </p:txBody>
+        </p:sp>
+        <p:sp>
+          <p:nvSpPr>
+            <p:cNvPr id="40" name="Левая фигурная скобка 26">
+              <a:extLst>
+                <a:ext uri="{FF2B5EF4-FFF2-40B4-BE49-F238E27FC236}">
+                  <a16:creationId xmlns:a16="http://schemas.microsoft.com/office/drawing/2014/main" id="{76E6CBEF-42AC-A8B9-72D9-FDDEA1B7FFA3}"/>
+                </a:ext>
+              </a:extLst>
+            </p:cNvPr>
+            <p:cNvSpPr/>
+            <p:nvPr/>
+          </p:nvSpPr>
+          <p:spPr>
+            <a:xfrm>
+              <a:off x="3528642" y="3383802"/>
+              <a:ext cx="276225" cy="1254874"/>
+            </a:xfrm>
+            <a:prstGeom prst="leftBrace">
+              <a:avLst>
+                <a:gd name="adj1" fmla="val 35919"/>
+                <a:gd name="adj2" fmla="val 50629"/>
+              </a:avLst>
+            </a:prstGeom>
+            <a:ln w="28575">
+              <a:solidFill>
+                <a:srgbClr val="0070C0"/>
+              </a:solidFill>
+            </a:ln>
+          </p:spPr>
+          <p:style>
+            <a:lnRef idx="1">
+              <a:schemeClr val="accent1"/>
+            </a:lnRef>
+            <a:fillRef idx="0">
+              <a:schemeClr val="accent1"/>
+            </a:fillRef>
+            <a:effectRef idx="0">
+              <a:schemeClr val="accent1"/>
+            </a:effectRef>
+            <a:fontRef idx="minor">
+              <a:schemeClr val="tx1"/>
+            </a:fontRef>
+          </p:style>
+          <p:txBody>
+            <a:bodyPr rtlCol="0" anchor="ctr"/>
+            <a:lstStyle/>
+            <a:p>
+              <a:pPr algn="ctr"/>
+              <a:endParaRPr lang="ru-RU" sz="1100">
+                <a:latin typeface="Times New Roman" panose="02020603050405020304" pitchFamily="18" charset="0"/>
+                <a:cs typeface="Times New Roman" panose="02020603050405020304" pitchFamily="18" charset="0"/>
+              </a:endParaRPr>
+            </a:p>
+          </p:txBody>
+        </p:sp>
+        <p:cxnSp>
+          <p:nvCxnSpPr>
+            <p:cNvPr id="41" name="Прямая со стрелкой 27">
+              <a:extLst>
+                <a:ext uri="{FF2B5EF4-FFF2-40B4-BE49-F238E27FC236}">
+                  <a16:creationId xmlns:a16="http://schemas.microsoft.com/office/drawing/2014/main" id="{1C1E382F-E46E-B896-1705-4B11E87D258E}"/>
+                </a:ext>
+              </a:extLst>
+            </p:cNvPr>
+            <p:cNvCxnSpPr/>
+            <p:nvPr/>
+          </p:nvCxnSpPr>
+          <p:spPr>
+            <a:xfrm>
+              <a:off x="3535786" y="1936001"/>
+              <a:ext cx="269081" cy="0"/>
+            </a:xfrm>
+            <a:prstGeom prst="straightConnector1">
+              <a:avLst/>
+            </a:prstGeom>
+            <a:ln w="47625">
+              <a:tailEnd type="stealth" w="lg" len="lg"/>
+            </a:ln>
+          </p:spPr>
+          <p:style>
+            <a:lnRef idx="1">
+              <a:schemeClr val="accent1"/>
+            </a:lnRef>
+            <a:fillRef idx="0">
+              <a:schemeClr val="accent1"/>
+            </a:fillRef>
+            <a:effectRef idx="0">
+              <a:schemeClr val="accent1"/>
+            </a:effectRef>
+            <a:fontRef idx="minor">
+              <a:schemeClr val="tx1"/>
+            </a:fontRef>
+          </p:style>
+        </p:cxnSp>
+        <p:cxnSp>
+          <p:nvCxnSpPr>
+            <p:cNvPr id="42" name="Прямая со стрелкой 28">
+              <a:extLst>
+                <a:ext uri="{FF2B5EF4-FFF2-40B4-BE49-F238E27FC236}">
+                  <a16:creationId xmlns:a16="http://schemas.microsoft.com/office/drawing/2014/main" id="{1F3A4FFA-A1F2-2BC3-BE69-E1DCB52252EA}"/>
+                </a:ext>
+              </a:extLst>
+            </p:cNvPr>
+            <p:cNvCxnSpPr/>
+            <p:nvPr/>
+          </p:nvCxnSpPr>
+          <p:spPr>
+            <a:xfrm>
+              <a:off x="3536786" y="3183776"/>
+              <a:ext cx="269081" cy="0"/>
+            </a:xfrm>
+            <a:prstGeom prst="straightConnector1">
+              <a:avLst/>
+            </a:prstGeom>
+            <a:ln w="47625">
+              <a:tailEnd type="stealth" w="lg" len="lg"/>
+            </a:ln>
+          </p:spPr>
+          <p:style>
+            <a:lnRef idx="1">
+              <a:schemeClr val="accent1"/>
+            </a:lnRef>
+            <a:fillRef idx="0">
+              <a:schemeClr val="accent1"/>
+            </a:fillRef>
+            <a:effectRef idx="0">
+              <a:schemeClr val="accent1"/>
+            </a:effectRef>
+            <a:fontRef idx="minor">
+              <a:schemeClr val="tx1"/>
+            </a:fontRef>
+          </p:style>
+        </p:cxnSp>
+        <p:sp>
+          <p:nvSpPr>
+            <p:cNvPr id="43" name="TextBox 42">
+              <a:extLst>
+                <a:ext uri="{FF2B5EF4-FFF2-40B4-BE49-F238E27FC236}">
+                  <a16:creationId xmlns:a16="http://schemas.microsoft.com/office/drawing/2014/main" id="{E7160273-4890-950F-4CF8-0F32D60CCE82}"/>
+                </a:ext>
+              </a:extLst>
+            </p:cNvPr>
+            <p:cNvSpPr txBox="1"/>
+            <p:nvPr/>
+          </p:nvSpPr>
+          <p:spPr>
+            <a:xfrm>
+              <a:off x="2909517" y="1804794"/>
+              <a:ext cx="590550" cy="261610"/>
+            </a:xfrm>
+            <a:prstGeom prst="rect">
+              <a:avLst/>
+            </a:prstGeom>
+            <a:noFill/>
+          </p:spPr>
+          <p:txBody>
+            <a:bodyPr wrap="square" rtlCol="0">
+              <a:spAutoFit/>
+            </a:bodyPr>
+            <a:lstStyle/>
+            <a:p>
+              <a:pPr algn="ctr"/>
+              <a:r>
+                <a:rPr lang="ru-RU" sz="1100" dirty="0">
+                  <a:latin typeface="Times New Roman" panose="02020603050405020304" pitchFamily="18" charset="0"/>
+                  <a:cs typeface="Times New Roman" panose="02020603050405020304" pitchFamily="18" charset="0"/>
+                </a:rPr>
+                <a:t>Меню</a:t>
+              </a:r>
+            </a:p>
+          </p:txBody>
+        </p:sp>
+        <p:sp>
+          <p:nvSpPr>
+            <p:cNvPr id="44" name="TextBox 43">
+              <a:extLst>
+                <a:ext uri="{FF2B5EF4-FFF2-40B4-BE49-F238E27FC236}">
+                  <a16:creationId xmlns:a16="http://schemas.microsoft.com/office/drawing/2014/main" id="{94B37B5A-972E-CE73-FCE7-4D2118107393}"/>
+                </a:ext>
+              </a:extLst>
+            </p:cNvPr>
+            <p:cNvSpPr txBox="1"/>
+            <p:nvPr/>
+          </p:nvSpPr>
+          <p:spPr>
+            <a:xfrm>
+              <a:off x="2181224" y="2553216"/>
+              <a:ext cx="1375993" cy="261610"/>
+            </a:xfrm>
+            <a:prstGeom prst="rect">
+              <a:avLst/>
+            </a:prstGeom>
+            <a:noFill/>
+          </p:spPr>
+          <p:txBody>
+            <a:bodyPr wrap="square" rtlCol="0">
+              <a:spAutoFit/>
+            </a:bodyPr>
+            <a:lstStyle/>
+            <a:p>
+              <a:pPr algn="ctr"/>
+              <a:r>
+                <a:rPr lang="ru-RU" sz="1100" dirty="0">
+                  <a:latin typeface="Times New Roman" panose="02020603050405020304" pitchFamily="18" charset="0"/>
+                  <a:cs typeface="Times New Roman" panose="02020603050405020304" pitchFamily="18" charset="0"/>
+                </a:rPr>
+                <a:t>Слоистая структура</a:t>
+              </a:r>
+            </a:p>
+          </p:txBody>
+        </p:sp>
+        <p:sp>
+          <p:nvSpPr>
+            <p:cNvPr id="45" name="TextBox 44">
+              <a:extLst>
+                <a:ext uri="{FF2B5EF4-FFF2-40B4-BE49-F238E27FC236}">
+                  <a16:creationId xmlns:a16="http://schemas.microsoft.com/office/drawing/2014/main" id="{F5A6A9BE-2F9D-BC9E-FA0B-796214CF8A7B}"/>
+                </a:ext>
+              </a:extLst>
+            </p:cNvPr>
+            <p:cNvSpPr txBox="1"/>
+            <p:nvPr/>
+          </p:nvSpPr>
+          <p:spPr>
+            <a:xfrm>
+              <a:off x="2480892" y="2951483"/>
+              <a:ext cx="1199555" cy="430887"/>
+            </a:xfrm>
+            <a:prstGeom prst="rect">
+              <a:avLst/>
+            </a:prstGeom>
+            <a:noFill/>
+          </p:spPr>
+          <p:txBody>
+            <a:bodyPr wrap="square" rtlCol="0">
+              <a:spAutoFit/>
+            </a:bodyPr>
+            <a:lstStyle/>
+            <a:p>
+              <a:pPr algn="ctr"/>
+              <a:r>
+                <a:rPr lang="ru-RU" sz="1100" dirty="0">
+                  <a:latin typeface="Times New Roman" panose="02020603050405020304" pitchFamily="18" charset="0"/>
+                  <a:cs typeface="Times New Roman" panose="02020603050405020304" pitchFamily="18" charset="0"/>
+                </a:rPr>
+                <a:t>Панель инструментов</a:t>
+              </a:r>
+            </a:p>
+          </p:txBody>
+        </p:sp>
+        <p:sp>
+          <p:nvSpPr>
+            <p:cNvPr id="46" name="TextBox 45">
+              <a:extLst>
+                <a:ext uri="{FF2B5EF4-FFF2-40B4-BE49-F238E27FC236}">
+                  <a16:creationId xmlns:a16="http://schemas.microsoft.com/office/drawing/2014/main" id="{1CBFB2FA-C8D8-DFF1-DDE3-BF09F95A5E65}"/>
+                </a:ext>
+              </a:extLst>
+            </p:cNvPr>
+            <p:cNvSpPr txBox="1"/>
+            <p:nvPr/>
+          </p:nvSpPr>
+          <p:spPr>
+            <a:xfrm>
+              <a:off x="2299917" y="3810327"/>
+              <a:ext cx="1269652" cy="430887"/>
+            </a:xfrm>
+            <a:prstGeom prst="rect">
+              <a:avLst/>
+            </a:prstGeom>
+            <a:noFill/>
+          </p:spPr>
+          <p:txBody>
+            <a:bodyPr wrap="square" rtlCol="0">
+              <a:spAutoFit/>
+            </a:bodyPr>
+            <a:lstStyle/>
+            <a:p>
+              <a:pPr algn="ctr"/>
+              <a:r>
+                <a:rPr lang="ru-RU" sz="1100" dirty="0">
+                  <a:latin typeface="Times New Roman" panose="02020603050405020304" pitchFamily="18" charset="0"/>
+                  <a:cs typeface="Times New Roman" panose="02020603050405020304" pitchFamily="18" charset="0"/>
+                </a:rPr>
+                <a:t>Доступ к остальным окнам</a:t>
+              </a:r>
+            </a:p>
+          </p:txBody>
+        </p:sp>
+        <p:sp>
+          <p:nvSpPr>
+            <p:cNvPr id="47" name="TextBox 46">
+              <a:extLst>
+                <a:ext uri="{FF2B5EF4-FFF2-40B4-BE49-F238E27FC236}">
+                  <a16:creationId xmlns:a16="http://schemas.microsoft.com/office/drawing/2014/main" id="{CEE52F39-EF97-0595-15C7-8D7DC114BC09}"/>
+                </a:ext>
+              </a:extLst>
+            </p:cNvPr>
+            <p:cNvSpPr txBox="1"/>
+            <p:nvPr/>
+          </p:nvSpPr>
+          <p:spPr>
+            <a:xfrm>
+              <a:off x="2076450" y="5536837"/>
+              <a:ext cx="1595067" cy="430887"/>
+            </a:xfrm>
+            <a:prstGeom prst="rect">
+              <a:avLst/>
+            </a:prstGeom>
+            <a:noFill/>
+          </p:spPr>
+          <p:txBody>
+            <a:bodyPr wrap="square" rtlCol="0">
+              <a:spAutoFit/>
+            </a:bodyPr>
+            <a:lstStyle/>
+            <a:p>
+              <a:pPr algn="ctr"/>
+              <a:r>
+                <a:rPr lang="ru-RU" sz="1100" dirty="0">
+                  <a:latin typeface="Times New Roman" panose="02020603050405020304" pitchFamily="18" charset="0"/>
+                  <a:cs typeface="Times New Roman" panose="02020603050405020304" pitchFamily="18" charset="0"/>
+                </a:rPr>
+                <a:t>Экспериментальные данные</a:t>
+              </a:r>
+            </a:p>
+          </p:txBody>
+        </p:sp>
+        <p:sp>
+          <p:nvSpPr>
+            <p:cNvPr id="48" name="Левая фигурная скобка 34">
+              <a:extLst>
+                <a:ext uri="{FF2B5EF4-FFF2-40B4-BE49-F238E27FC236}">
+                  <a16:creationId xmlns:a16="http://schemas.microsoft.com/office/drawing/2014/main" id="{03A78AF6-4060-384E-33D6-FFB43C45FE74}"/>
+                </a:ext>
+              </a:extLst>
+            </p:cNvPr>
+            <p:cNvSpPr/>
+            <p:nvPr/>
+          </p:nvSpPr>
+          <p:spPr>
+            <a:xfrm>
+              <a:off x="3529239" y="5555501"/>
+              <a:ext cx="276225" cy="416674"/>
+            </a:xfrm>
+            <a:prstGeom prst="leftBrace">
+              <a:avLst>
+                <a:gd name="adj1" fmla="val 35919"/>
+                <a:gd name="adj2" fmla="val 50629"/>
+              </a:avLst>
+            </a:prstGeom>
+            <a:ln w="28575">
+              <a:solidFill>
+                <a:srgbClr val="0070C0"/>
+              </a:solidFill>
+            </a:ln>
+          </p:spPr>
+          <p:style>
+            <a:lnRef idx="1">
+              <a:schemeClr val="accent1"/>
+            </a:lnRef>
+            <a:fillRef idx="0">
+              <a:schemeClr val="accent1"/>
+            </a:fillRef>
+            <a:effectRef idx="0">
+              <a:schemeClr val="accent1"/>
+            </a:effectRef>
+            <a:fontRef idx="minor">
+              <a:schemeClr val="tx1"/>
+            </a:fontRef>
+          </p:style>
+          <p:txBody>
+            <a:bodyPr rtlCol="0" anchor="ctr"/>
+            <a:lstStyle/>
+            <a:p>
+              <a:pPr algn="ctr"/>
+              <a:endParaRPr lang="ru-RU" sz="1100">
+                <a:latin typeface="Times New Roman" panose="02020603050405020304" pitchFamily="18" charset="0"/>
+                <a:cs typeface="Times New Roman" panose="02020603050405020304" pitchFamily="18" charset="0"/>
+              </a:endParaRPr>
+            </a:p>
+          </p:txBody>
+        </p:sp>
+        <p:sp>
+          <p:nvSpPr>
+            <p:cNvPr id="49" name="Левая фигурная скобка 35">
+              <a:extLst>
+                <a:ext uri="{FF2B5EF4-FFF2-40B4-BE49-F238E27FC236}">
+                  <a16:creationId xmlns:a16="http://schemas.microsoft.com/office/drawing/2014/main" id="{1766ED3F-9742-4F86-6991-F2FAAB59E36B}"/>
+                </a:ext>
+              </a:extLst>
+            </p:cNvPr>
+            <p:cNvSpPr/>
+            <p:nvPr/>
+          </p:nvSpPr>
+          <p:spPr>
+            <a:xfrm>
+              <a:off x="3527673" y="4803025"/>
+              <a:ext cx="276225" cy="645275"/>
+            </a:xfrm>
+            <a:prstGeom prst="leftBrace">
+              <a:avLst>
+                <a:gd name="adj1" fmla="val 35919"/>
+                <a:gd name="adj2" fmla="val 50629"/>
+              </a:avLst>
+            </a:prstGeom>
+            <a:ln w="28575">
+              <a:solidFill>
+                <a:srgbClr val="0070C0"/>
+              </a:solidFill>
+            </a:ln>
+          </p:spPr>
+          <p:style>
+            <a:lnRef idx="1">
+              <a:schemeClr val="accent1"/>
+            </a:lnRef>
+            <a:fillRef idx="0">
+              <a:schemeClr val="accent1"/>
+            </a:fillRef>
+            <a:effectRef idx="0">
+              <a:schemeClr val="accent1"/>
+            </a:effectRef>
+            <a:fontRef idx="minor">
+              <a:schemeClr val="tx1"/>
+            </a:fontRef>
+          </p:style>
+          <p:txBody>
+            <a:bodyPr rtlCol="0" anchor="ctr"/>
+            <a:lstStyle/>
+            <a:p>
+              <a:pPr algn="ctr"/>
+              <a:endParaRPr lang="ru-RU" sz="1100">
+                <a:latin typeface="Times New Roman" panose="02020603050405020304" pitchFamily="18" charset="0"/>
+                <a:cs typeface="Times New Roman" panose="02020603050405020304" pitchFamily="18" charset="0"/>
+              </a:endParaRPr>
+            </a:p>
+          </p:txBody>
+        </p:sp>
+        <p:sp>
+          <p:nvSpPr>
+            <p:cNvPr id="50" name="TextBox 49">
+              <a:extLst>
+                <a:ext uri="{FF2B5EF4-FFF2-40B4-BE49-F238E27FC236}">
+                  <a16:creationId xmlns:a16="http://schemas.microsoft.com/office/drawing/2014/main" id="{B9C535DB-66CC-4BFA-96B8-08C9F4647FE8}"/>
+                </a:ext>
+              </a:extLst>
+            </p:cNvPr>
+            <p:cNvSpPr txBox="1"/>
+            <p:nvPr/>
+          </p:nvSpPr>
+          <p:spPr>
+            <a:xfrm>
+              <a:off x="2137992" y="4759861"/>
+              <a:ext cx="1385586" cy="600164"/>
+            </a:xfrm>
+            <a:prstGeom prst="rect">
+              <a:avLst/>
+            </a:prstGeom>
+            <a:noFill/>
+          </p:spPr>
+          <p:txBody>
+            <a:bodyPr wrap="square" rtlCol="0">
+              <a:spAutoFit/>
+            </a:bodyPr>
+            <a:lstStyle/>
+            <a:p>
+              <a:pPr algn="ctr"/>
+              <a:r>
+                <a:rPr lang="ru-RU" sz="1100" dirty="0">
+                  <a:latin typeface="Times New Roman" panose="02020603050405020304" pitchFamily="18" charset="0"/>
+                  <a:cs typeface="Times New Roman" panose="02020603050405020304" pitchFamily="18" charset="0"/>
+                </a:rPr>
+                <a:t>Кривые без экспериментальных данных</a:t>
+              </a:r>
+            </a:p>
+          </p:txBody>
+        </p:sp>
+        <p:cxnSp>
+          <p:nvCxnSpPr>
+            <p:cNvPr id="51" name="Прямая со стрелкой 37">
+              <a:extLst>
+                <a:ext uri="{FF2B5EF4-FFF2-40B4-BE49-F238E27FC236}">
+                  <a16:creationId xmlns:a16="http://schemas.microsoft.com/office/drawing/2014/main" id="{67ED0BE8-BCFB-B8BB-6B76-D8211AFEAB27}"/>
+                </a:ext>
+              </a:extLst>
+            </p:cNvPr>
+            <p:cNvCxnSpPr/>
+            <p:nvPr/>
+          </p:nvCxnSpPr>
+          <p:spPr>
+            <a:xfrm>
+              <a:off x="3536159" y="2215832"/>
+              <a:ext cx="269081" cy="0"/>
+            </a:xfrm>
+            <a:prstGeom prst="straightConnector1">
+              <a:avLst/>
+            </a:prstGeom>
+            <a:ln w="47625">
+              <a:tailEnd type="stealth" w="lg" len="lg"/>
+            </a:ln>
+          </p:spPr>
+          <p:style>
+            <a:lnRef idx="1">
+              <a:schemeClr val="accent1"/>
+            </a:lnRef>
+            <a:fillRef idx="0">
+              <a:schemeClr val="accent1"/>
+            </a:fillRef>
+            <a:effectRef idx="0">
+              <a:schemeClr val="accent1"/>
+            </a:effectRef>
+            <a:fontRef idx="minor">
+              <a:schemeClr val="tx1"/>
+            </a:fontRef>
+          </p:style>
+        </p:cxnSp>
+      </p:grpSp>
+    </p:spTree>
+    <p:extLst>
+      <p:ext uri="{BB962C8B-B14F-4D97-AF65-F5344CB8AC3E}">
+        <p14:creationId xmlns:p14="http://schemas.microsoft.com/office/powerpoint/2010/main" val="3549598787"/>
+      </p:ext>
+    </p:extLst>
+  </p:cSld>
+  <p:clrMapOvr>
+    <a:masterClrMapping/>
+  </p:clrMapOvr>
+</p:sld>
+</file>
+
+<file path=ppt/slides/slide20.xml><?xml version="1.0" encoding="utf-8"?>
 <p:sld xmlns:a="http://schemas.openxmlformats.org/drawingml/2006/main" xmlns:r="http://schemas.openxmlformats.org/officeDocument/2006/relationships" xmlns:p="http://schemas.openxmlformats.org/presentationml/2006/main">
   <p:cSld>
     <p:spTree>
@@ -9868,7 +11170,7 @@
 </p:sld>
 </file>
 
-<file path=ppt/slides/slide19.xml><?xml version="1.0" encoding="utf-8"?>
+<file path=ppt/slides/slide21.xml><?xml version="1.0" encoding="utf-8"?>
 <p:sld xmlns:a="http://schemas.openxmlformats.org/drawingml/2006/main" xmlns:r="http://schemas.openxmlformats.org/officeDocument/2006/relationships" xmlns:p="http://schemas.openxmlformats.org/presentationml/2006/main">
   <p:cSld>
     <p:spTree>
@@ -10292,697 +11594,7 @@
 </p:sld>
 </file>
 
-<file path=ppt/slides/slide2.xml><?xml version="1.0" encoding="utf-8"?>
-<p:sld xmlns:a="http://schemas.openxmlformats.org/drawingml/2006/main" xmlns:r="http://schemas.openxmlformats.org/officeDocument/2006/relationships" xmlns:p="http://schemas.openxmlformats.org/presentationml/2006/main">
-  <p:cSld>
-    <p:spTree>
-      <p:nvGrpSpPr>
-        <p:cNvPr id="1" name=""/>
-        <p:cNvGrpSpPr/>
-        <p:nvPr/>
-      </p:nvGrpSpPr>
-      <p:grpSpPr>
-        <a:xfrm>
-          <a:off x="0" y="0"/>
-          <a:ext cx="0" cy="0"/>
-          <a:chOff x="0" y="0"/>
-          <a:chExt cx="0" cy="0"/>
-        </a:xfrm>
-      </p:grpSpPr>
-      <p:grpSp>
-        <p:nvGrpSpPr>
-          <p:cNvPr id="54" name="Group 53">
-            <a:extLst>
-              <a:ext uri="{FF2B5EF4-FFF2-40B4-BE49-F238E27FC236}">
-                <a16:creationId xmlns:a16="http://schemas.microsoft.com/office/drawing/2014/main" id="{5BF7E28E-C601-E8CC-B138-F60236C980DC}"/>
-              </a:ext>
-            </a:extLst>
-          </p:cNvPr>
-          <p:cNvGrpSpPr/>
-          <p:nvPr/>
-        </p:nvGrpSpPr>
-        <p:grpSpPr>
-          <a:xfrm>
-            <a:off x="666750" y="355132"/>
-            <a:ext cx="6838950" cy="5861518"/>
-            <a:chOff x="2076450" y="136057"/>
-            <a:chExt cx="6838950" cy="5861518"/>
-          </a:xfrm>
-        </p:grpSpPr>
-        <p:sp>
-          <p:nvSpPr>
-            <p:cNvPr id="52" name="TextBox 51">
-              <a:extLst>
-                <a:ext uri="{FF2B5EF4-FFF2-40B4-BE49-F238E27FC236}">
-                  <a16:creationId xmlns:a16="http://schemas.microsoft.com/office/drawing/2014/main" id="{1DA3756F-BF91-770E-6400-9B56418B5B6E}"/>
-                </a:ext>
-              </a:extLst>
-            </p:cNvPr>
-            <p:cNvSpPr txBox="1"/>
-            <p:nvPr/>
-          </p:nvSpPr>
-          <p:spPr>
-            <a:xfrm>
-              <a:off x="2309442" y="2078427"/>
-              <a:ext cx="1426368" cy="430887"/>
-            </a:xfrm>
-            <a:prstGeom prst="rect">
-              <a:avLst/>
-            </a:prstGeom>
-            <a:noFill/>
-          </p:spPr>
-          <p:txBody>
-            <a:bodyPr wrap="square" rtlCol="0">
-              <a:spAutoFit/>
-            </a:bodyPr>
-            <a:lstStyle/>
-            <a:p>
-              <a:pPr algn="ctr"/>
-              <a:r>
-                <a:rPr lang="ru-RU" sz="1100" dirty="0">
-                  <a:latin typeface="Times New Roman" panose="02020603050405020304" pitchFamily="18" charset="0"/>
-                  <a:cs typeface="Times New Roman" panose="02020603050405020304" pitchFamily="18" charset="0"/>
-                </a:rPr>
-                <a:t>Вкладки со структурами</a:t>
-              </a:r>
-            </a:p>
-          </p:txBody>
-        </p:sp>
-        <p:pic>
-          <p:nvPicPr>
-            <p:cNvPr id="13" name="Picture 12">
-              <a:extLst>
-                <a:ext uri="{FF2B5EF4-FFF2-40B4-BE49-F238E27FC236}">
-                  <a16:creationId xmlns:a16="http://schemas.microsoft.com/office/drawing/2014/main" id="{7293C1A7-831F-3391-D34D-3D5D925583BF}"/>
-                </a:ext>
-              </a:extLst>
-            </p:cNvPr>
-            <p:cNvPicPr>
-              <a:picLocks noChangeAspect="1"/>
-            </p:cNvPicPr>
-            <p:nvPr/>
-          </p:nvPicPr>
-          <p:blipFill rotWithShape="1">
-            <a:blip r:embed="rId2"/>
-            <a:srcRect t="3007" r="3954" b="10074"/>
-            <a:stretch/>
-          </p:blipFill>
-          <p:spPr>
-            <a:xfrm>
-              <a:off x="3362325" y="136057"/>
-              <a:ext cx="5553075" cy="5861518"/>
-            </a:xfrm>
-            <a:prstGeom prst="rect">
-              <a:avLst/>
-            </a:prstGeom>
-          </p:spPr>
-        </p:pic>
-        <p:sp>
-          <p:nvSpPr>
-            <p:cNvPr id="25" name="Левая фигурная скобка 25">
-              <a:extLst>
-                <a:ext uri="{FF2B5EF4-FFF2-40B4-BE49-F238E27FC236}">
-                  <a16:creationId xmlns:a16="http://schemas.microsoft.com/office/drawing/2014/main" id="{B6614261-C60C-D958-8B3D-06F2DAFC5E84}"/>
-                </a:ext>
-              </a:extLst>
-            </p:cNvPr>
-            <p:cNvSpPr/>
-            <p:nvPr/>
-          </p:nvSpPr>
-          <p:spPr>
-            <a:xfrm>
-              <a:off x="3509592" y="2381250"/>
-              <a:ext cx="276225" cy="612026"/>
-            </a:xfrm>
-            <a:prstGeom prst="leftBrace">
-              <a:avLst>
-                <a:gd name="adj1" fmla="val 35919"/>
-                <a:gd name="adj2" fmla="val 50629"/>
-              </a:avLst>
-            </a:prstGeom>
-            <a:ln w="28575">
-              <a:solidFill>
-                <a:srgbClr val="0070C0"/>
-              </a:solidFill>
-            </a:ln>
-          </p:spPr>
-          <p:style>
-            <a:lnRef idx="1">
-              <a:schemeClr val="accent1"/>
-            </a:lnRef>
-            <a:fillRef idx="0">
-              <a:schemeClr val="accent1"/>
-            </a:fillRef>
-            <a:effectRef idx="0">
-              <a:schemeClr val="accent1"/>
-            </a:effectRef>
-            <a:fontRef idx="minor">
-              <a:schemeClr val="tx1"/>
-            </a:fontRef>
-          </p:style>
-          <p:txBody>
-            <a:bodyPr rtlCol="0" anchor="ctr"/>
-            <a:lstStyle/>
-            <a:p>
-              <a:pPr algn="ctr"/>
-              <a:endParaRPr lang="ru-RU" sz="1100">
-                <a:latin typeface="Times New Roman" panose="02020603050405020304" pitchFamily="18" charset="0"/>
-                <a:cs typeface="Times New Roman" panose="02020603050405020304" pitchFamily="18" charset="0"/>
-              </a:endParaRPr>
-            </a:p>
-          </p:txBody>
-        </p:sp>
-        <p:sp>
-          <p:nvSpPr>
-            <p:cNvPr id="40" name="Левая фигурная скобка 26">
-              <a:extLst>
-                <a:ext uri="{FF2B5EF4-FFF2-40B4-BE49-F238E27FC236}">
-                  <a16:creationId xmlns:a16="http://schemas.microsoft.com/office/drawing/2014/main" id="{76E6CBEF-42AC-A8B9-72D9-FDDEA1B7FFA3}"/>
-                </a:ext>
-              </a:extLst>
-            </p:cNvPr>
-            <p:cNvSpPr/>
-            <p:nvPr/>
-          </p:nvSpPr>
-          <p:spPr>
-            <a:xfrm>
-              <a:off x="3528642" y="3383802"/>
-              <a:ext cx="276225" cy="1254874"/>
-            </a:xfrm>
-            <a:prstGeom prst="leftBrace">
-              <a:avLst>
-                <a:gd name="adj1" fmla="val 35919"/>
-                <a:gd name="adj2" fmla="val 50629"/>
-              </a:avLst>
-            </a:prstGeom>
-            <a:ln w="28575">
-              <a:solidFill>
-                <a:srgbClr val="0070C0"/>
-              </a:solidFill>
-            </a:ln>
-          </p:spPr>
-          <p:style>
-            <a:lnRef idx="1">
-              <a:schemeClr val="accent1"/>
-            </a:lnRef>
-            <a:fillRef idx="0">
-              <a:schemeClr val="accent1"/>
-            </a:fillRef>
-            <a:effectRef idx="0">
-              <a:schemeClr val="accent1"/>
-            </a:effectRef>
-            <a:fontRef idx="minor">
-              <a:schemeClr val="tx1"/>
-            </a:fontRef>
-          </p:style>
-          <p:txBody>
-            <a:bodyPr rtlCol="0" anchor="ctr"/>
-            <a:lstStyle/>
-            <a:p>
-              <a:pPr algn="ctr"/>
-              <a:endParaRPr lang="ru-RU" sz="1100">
-                <a:latin typeface="Times New Roman" panose="02020603050405020304" pitchFamily="18" charset="0"/>
-                <a:cs typeface="Times New Roman" panose="02020603050405020304" pitchFamily="18" charset="0"/>
-              </a:endParaRPr>
-            </a:p>
-          </p:txBody>
-        </p:sp>
-        <p:cxnSp>
-          <p:nvCxnSpPr>
-            <p:cNvPr id="41" name="Прямая со стрелкой 27">
-              <a:extLst>
-                <a:ext uri="{FF2B5EF4-FFF2-40B4-BE49-F238E27FC236}">
-                  <a16:creationId xmlns:a16="http://schemas.microsoft.com/office/drawing/2014/main" id="{1C1E382F-E46E-B896-1705-4B11E87D258E}"/>
-                </a:ext>
-              </a:extLst>
-            </p:cNvPr>
-            <p:cNvCxnSpPr/>
-            <p:nvPr/>
-          </p:nvCxnSpPr>
-          <p:spPr>
-            <a:xfrm>
-              <a:off x="3535786" y="1936001"/>
-              <a:ext cx="269081" cy="0"/>
-            </a:xfrm>
-            <a:prstGeom prst="straightConnector1">
-              <a:avLst/>
-            </a:prstGeom>
-            <a:ln w="47625">
-              <a:tailEnd type="stealth" w="lg" len="lg"/>
-            </a:ln>
-          </p:spPr>
-          <p:style>
-            <a:lnRef idx="1">
-              <a:schemeClr val="accent1"/>
-            </a:lnRef>
-            <a:fillRef idx="0">
-              <a:schemeClr val="accent1"/>
-            </a:fillRef>
-            <a:effectRef idx="0">
-              <a:schemeClr val="accent1"/>
-            </a:effectRef>
-            <a:fontRef idx="minor">
-              <a:schemeClr val="tx1"/>
-            </a:fontRef>
-          </p:style>
-        </p:cxnSp>
-        <p:cxnSp>
-          <p:nvCxnSpPr>
-            <p:cNvPr id="42" name="Прямая со стрелкой 28">
-              <a:extLst>
-                <a:ext uri="{FF2B5EF4-FFF2-40B4-BE49-F238E27FC236}">
-                  <a16:creationId xmlns:a16="http://schemas.microsoft.com/office/drawing/2014/main" id="{1F3A4FFA-A1F2-2BC3-BE69-E1DCB52252EA}"/>
-                </a:ext>
-              </a:extLst>
-            </p:cNvPr>
-            <p:cNvCxnSpPr/>
-            <p:nvPr/>
-          </p:nvCxnSpPr>
-          <p:spPr>
-            <a:xfrm>
-              <a:off x="3536786" y="3183776"/>
-              <a:ext cx="269081" cy="0"/>
-            </a:xfrm>
-            <a:prstGeom prst="straightConnector1">
-              <a:avLst/>
-            </a:prstGeom>
-            <a:ln w="47625">
-              <a:tailEnd type="stealth" w="lg" len="lg"/>
-            </a:ln>
-          </p:spPr>
-          <p:style>
-            <a:lnRef idx="1">
-              <a:schemeClr val="accent1"/>
-            </a:lnRef>
-            <a:fillRef idx="0">
-              <a:schemeClr val="accent1"/>
-            </a:fillRef>
-            <a:effectRef idx="0">
-              <a:schemeClr val="accent1"/>
-            </a:effectRef>
-            <a:fontRef idx="minor">
-              <a:schemeClr val="tx1"/>
-            </a:fontRef>
-          </p:style>
-        </p:cxnSp>
-        <p:sp>
-          <p:nvSpPr>
-            <p:cNvPr id="43" name="TextBox 42">
-              <a:extLst>
-                <a:ext uri="{FF2B5EF4-FFF2-40B4-BE49-F238E27FC236}">
-                  <a16:creationId xmlns:a16="http://schemas.microsoft.com/office/drawing/2014/main" id="{E7160273-4890-950F-4CF8-0F32D60CCE82}"/>
-                </a:ext>
-              </a:extLst>
-            </p:cNvPr>
-            <p:cNvSpPr txBox="1"/>
-            <p:nvPr/>
-          </p:nvSpPr>
-          <p:spPr>
-            <a:xfrm>
-              <a:off x="2909517" y="1804794"/>
-              <a:ext cx="590550" cy="261610"/>
-            </a:xfrm>
-            <a:prstGeom prst="rect">
-              <a:avLst/>
-            </a:prstGeom>
-            <a:noFill/>
-          </p:spPr>
-          <p:txBody>
-            <a:bodyPr wrap="square" rtlCol="0">
-              <a:spAutoFit/>
-            </a:bodyPr>
-            <a:lstStyle/>
-            <a:p>
-              <a:pPr algn="ctr"/>
-              <a:r>
-                <a:rPr lang="ru-RU" sz="1100" dirty="0">
-                  <a:latin typeface="Times New Roman" panose="02020603050405020304" pitchFamily="18" charset="0"/>
-                  <a:cs typeface="Times New Roman" panose="02020603050405020304" pitchFamily="18" charset="0"/>
-                </a:rPr>
-                <a:t>Меню</a:t>
-              </a:r>
-            </a:p>
-          </p:txBody>
-        </p:sp>
-        <p:sp>
-          <p:nvSpPr>
-            <p:cNvPr id="44" name="TextBox 43">
-              <a:extLst>
-                <a:ext uri="{FF2B5EF4-FFF2-40B4-BE49-F238E27FC236}">
-                  <a16:creationId xmlns:a16="http://schemas.microsoft.com/office/drawing/2014/main" id="{94B37B5A-972E-CE73-FCE7-4D2118107393}"/>
-                </a:ext>
-              </a:extLst>
-            </p:cNvPr>
-            <p:cNvSpPr txBox="1"/>
-            <p:nvPr/>
-          </p:nvSpPr>
-          <p:spPr>
-            <a:xfrm>
-              <a:off x="2181224" y="2553216"/>
-              <a:ext cx="1375993" cy="261610"/>
-            </a:xfrm>
-            <a:prstGeom prst="rect">
-              <a:avLst/>
-            </a:prstGeom>
-            <a:noFill/>
-          </p:spPr>
-          <p:txBody>
-            <a:bodyPr wrap="square" rtlCol="0">
-              <a:spAutoFit/>
-            </a:bodyPr>
-            <a:lstStyle/>
-            <a:p>
-              <a:pPr algn="ctr"/>
-              <a:r>
-                <a:rPr lang="ru-RU" sz="1100" dirty="0">
-                  <a:latin typeface="Times New Roman" panose="02020603050405020304" pitchFamily="18" charset="0"/>
-                  <a:cs typeface="Times New Roman" panose="02020603050405020304" pitchFamily="18" charset="0"/>
-                </a:rPr>
-                <a:t>Слоистая структура</a:t>
-              </a:r>
-            </a:p>
-          </p:txBody>
-        </p:sp>
-        <p:sp>
-          <p:nvSpPr>
-            <p:cNvPr id="45" name="TextBox 44">
-              <a:extLst>
-                <a:ext uri="{FF2B5EF4-FFF2-40B4-BE49-F238E27FC236}">
-                  <a16:creationId xmlns:a16="http://schemas.microsoft.com/office/drawing/2014/main" id="{F5A6A9BE-2F9D-BC9E-FA0B-796214CF8A7B}"/>
-                </a:ext>
-              </a:extLst>
-            </p:cNvPr>
-            <p:cNvSpPr txBox="1"/>
-            <p:nvPr/>
-          </p:nvSpPr>
-          <p:spPr>
-            <a:xfrm>
-              <a:off x="2480892" y="2951483"/>
-              <a:ext cx="1199555" cy="430887"/>
-            </a:xfrm>
-            <a:prstGeom prst="rect">
-              <a:avLst/>
-            </a:prstGeom>
-            <a:noFill/>
-          </p:spPr>
-          <p:txBody>
-            <a:bodyPr wrap="square" rtlCol="0">
-              <a:spAutoFit/>
-            </a:bodyPr>
-            <a:lstStyle/>
-            <a:p>
-              <a:pPr algn="ctr"/>
-              <a:r>
-                <a:rPr lang="ru-RU" sz="1100" dirty="0">
-                  <a:latin typeface="Times New Roman" panose="02020603050405020304" pitchFamily="18" charset="0"/>
-                  <a:cs typeface="Times New Roman" panose="02020603050405020304" pitchFamily="18" charset="0"/>
-                </a:rPr>
-                <a:t>Панель инструментов</a:t>
-              </a:r>
-            </a:p>
-          </p:txBody>
-        </p:sp>
-        <p:sp>
-          <p:nvSpPr>
-            <p:cNvPr id="46" name="TextBox 45">
-              <a:extLst>
-                <a:ext uri="{FF2B5EF4-FFF2-40B4-BE49-F238E27FC236}">
-                  <a16:creationId xmlns:a16="http://schemas.microsoft.com/office/drawing/2014/main" id="{1CBFB2FA-C8D8-DFF1-DDE3-BF09F95A5E65}"/>
-                </a:ext>
-              </a:extLst>
-            </p:cNvPr>
-            <p:cNvSpPr txBox="1"/>
-            <p:nvPr/>
-          </p:nvSpPr>
-          <p:spPr>
-            <a:xfrm>
-              <a:off x="2299917" y="3810327"/>
-              <a:ext cx="1269652" cy="430887"/>
-            </a:xfrm>
-            <a:prstGeom prst="rect">
-              <a:avLst/>
-            </a:prstGeom>
-            <a:noFill/>
-          </p:spPr>
-          <p:txBody>
-            <a:bodyPr wrap="square" rtlCol="0">
-              <a:spAutoFit/>
-            </a:bodyPr>
-            <a:lstStyle/>
-            <a:p>
-              <a:pPr algn="ctr"/>
-              <a:r>
-                <a:rPr lang="ru-RU" sz="1100" dirty="0">
-                  <a:latin typeface="Times New Roman" panose="02020603050405020304" pitchFamily="18" charset="0"/>
-                  <a:cs typeface="Times New Roman" panose="02020603050405020304" pitchFamily="18" charset="0"/>
-                </a:rPr>
-                <a:t>Доступ к остальным окнам</a:t>
-              </a:r>
-            </a:p>
-          </p:txBody>
-        </p:sp>
-        <p:sp>
-          <p:nvSpPr>
-            <p:cNvPr id="47" name="TextBox 46">
-              <a:extLst>
-                <a:ext uri="{FF2B5EF4-FFF2-40B4-BE49-F238E27FC236}">
-                  <a16:creationId xmlns:a16="http://schemas.microsoft.com/office/drawing/2014/main" id="{CEE52F39-EF97-0595-15C7-8D7DC114BC09}"/>
-                </a:ext>
-              </a:extLst>
-            </p:cNvPr>
-            <p:cNvSpPr txBox="1"/>
-            <p:nvPr/>
-          </p:nvSpPr>
-          <p:spPr>
-            <a:xfrm>
-              <a:off x="2076450" y="5536837"/>
-              <a:ext cx="1595067" cy="430887"/>
-            </a:xfrm>
-            <a:prstGeom prst="rect">
-              <a:avLst/>
-            </a:prstGeom>
-            <a:noFill/>
-          </p:spPr>
-          <p:txBody>
-            <a:bodyPr wrap="square" rtlCol="0">
-              <a:spAutoFit/>
-            </a:bodyPr>
-            <a:lstStyle/>
-            <a:p>
-              <a:pPr algn="ctr"/>
-              <a:r>
-                <a:rPr lang="ru-RU" sz="1100" dirty="0">
-                  <a:latin typeface="Times New Roman" panose="02020603050405020304" pitchFamily="18" charset="0"/>
-                  <a:cs typeface="Times New Roman" panose="02020603050405020304" pitchFamily="18" charset="0"/>
-                </a:rPr>
-                <a:t>Экспериментальные данные</a:t>
-              </a:r>
-            </a:p>
-          </p:txBody>
-        </p:sp>
-        <p:sp>
-          <p:nvSpPr>
-            <p:cNvPr id="48" name="Левая фигурная скобка 34">
-              <a:extLst>
-                <a:ext uri="{FF2B5EF4-FFF2-40B4-BE49-F238E27FC236}">
-                  <a16:creationId xmlns:a16="http://schemas.microsoft.com/office/drawing/2014/main" id="{03A78AF6-4060-384E-33D6-FFB43C45FE74}"/>
-                </a:ext>
-              </a:extLst>
-            </p:cNvPr>
-            <p:cNvSpPr/>
-            <p:nvPr/>
-          </p:nvSpPr>
-          <p:spPr>
-            <a:xfrm>
-              <a:off x="3529239" y="5555501"/>
-              <a:ext cx="276225" cy="416674"/>
-            </a:xfrm>
-            <a:prstGeom prst="leftBrace">
-              <a:avLst>
-                <a:gd name="adj1" fmla="val 35919"/>
-                <a:gd name="adj2" fmla="val 50629"/>
-              </a:avLst>
-            </a:prstGeom>
-            <a:ln w="28575">
-              <a:solidFill>
-                <a:srgbClr val="0070C0"/>
-              </a:solidFill>
-            </a:ln>
-          </p:spPr>
-          <p:style>
-            <a:lnRef idx="1">
-              <a:schemeClr val="accent1"/>
-            </a:lnRef>
-            <a:fillRef idx="0">
-              <a:schemeClr val="accent1"/>
-            </a:fillRef>
-            <a:effectRef idx="0">
-              <a:schemeClr val="accent1"/>
-            </a:effectRef>
-            <a:fontRef idx="minor">
-              <a:schemeClr val="tx1"/>
-            </a:fontRef>
-          </p:style>
-          <p:txBody>
-            <a:bodyPr rtlCol="0" anchor="ctr"/>
-            <a:lstStyle/>
-            <a:p>
-              <a:pPr algn="ctr"/>
-              <a:endParaRPr lang="ru-RU" sz="1100">
-                <a:latin typeface="Times New Roman" panose="02020603050405020304" pitchFamily="18" charset="0"/>
-                <a:cs typeface="Times New Roman" panose="02020603050405020304" pitchFamily="18" charset="0"/>
-              </a:endParaRPr>
-            </a:p>
-          </p:txBody>
-        </p:sp>
-        <p:sp>
-          <p:nvSpPr>
-            <p:cNvPr id="49" name="Левая фигурная скобка 35">
-              <a:extLst>
-                <a:ext uri="{FF2B5EF4-FFF2-40B4-BE49-F238E27FC236}">
-                  <a16:creationId xmlns:a16="http://schemas.microsoft.com/office/drawing/2014/main" id="{1766ED3F-9742-4F86-6991-F2FAAB59E36B}"/>
-                </a:ext>
-              </a:extLst>
-            </p:cNvPr>
-            <p:cNvSpPr/>
-            <p:nvPr/>
-          </p:nvSpPr>
-          <p:spPr>
-            <a:xfrm>
-              <a:off x="3527673" y="4803025"/>
-              <a:ext cx="276225" cy="645275"/>
-            </a:xfrm>
-            <a:prstGeom prst="leftBrace">
-              <a:avLst>
-                <a:gd name="adj1" fmla="val 35919"/>
-                <a:gd name="adj2" fmla="val 50629"/>
-              </a:avLst>
-            </a:prstGeom>
-            <a:ln w="28575">
-              <a:solidFill>
-                <a:srgbClr val="0070C0"/>
-              </a:solidFill>
-            </a:ln>
-          </p:spPr>
-          <p:style>
-            <a:lnRef idx="1">
-              <a:schemeClr val="accent1"/>
-            </a:lnRef>
-            <a:fillRef idx="0">
-              <a:schemeClr val="accent1"/>
-            </a:fillRef>
-            <a:effectRef idx="0">
-              <a:schemeClr val="accent1"/>
-            </a:effectRef>
-            <a:fontRef idx="minor">
-              <a:schemeClr val="tx1"/>
-            </a:fontRef>
-          </p:style>
-          <p:txBody>
-            <a:bodyPr rtlCol="0" anchor="ctr"/>
-            <a:lstStyle/>
-            <a:p>
-              <a:pPr algn="ctr"/>
-              <a:endParaRPr lang="ru-RU" sz="1100">
-                <a:latin typeface="Times New Roman" panose="02020603050405020304" pitchFamily="18" charset="0"/>
-                <a:cs typeface="Times New Roman" panose="02020603050405020304" pitchFamily="18" charset="0"/>
-              </a:endParaRPr>
-            </a:p>
-          </p:txBody>
-        </p:sp>
-        <p:sp>
-          <p:nvSpPr>
-            <p:cNvPr id="50" name="TextBox 49">
-              <a:extLst>
-                <a:ext uri="{FF2B5EF4-FFF2-40B4-BE49-F238E27FC236}">
-                  <a16:creationId xmlns:a16="http://schemas.microsoft.com/office/drawing/2014/main" id="{B9C535DB-66CC-4BFA-96B8-08C9F4647FE8}"/>
-                </a:ext>
-              </a:extLst>
-            </p:cNvPr>
-            <p:cNvSpPr txBox="1"/>
-            <p:nvPr/>
-          </p:nvSpPr>
-          <p:spPr>
-            <a:xfrm>
-              <a:off x="2137992" y="4759861"/>
-              <a:ext cx="1385586" cy="600164"/>
-            </a:xfrm>
-            <a:prstGeom prst="rect">
-              <a:avLst/>
-            </a:prstGeom>
-            <a:noFill/>
-          </p:spPr>
-          <p:txBody>
-            <a:bodyPr wrap="square" rtlCol="0">
-              <a:spAutoFit/>
-            </a:bodyPr>
-            <a:lstStyle/>
-            <a:p>
-              <a:pPr algn="ctr"/>
-              <a:r>
-                <a:rPr lang="ru-RU" sz="1100" dirty="0">
-                  <a:latin typeface="Times New Roman" panose="02020603050405020304" pitchFamily="18" charset="0"/>
-                  <a:cs typeface="Times New Roman" panose="02020603050405020304" pitchFamily="18" charset="0"/>
-                </a:rPr>
-                <a:t>Кривые без экспериментальных данных</a:t>
-              </a:r>
-            </a:p>
-          </p:txBody>
-        </p:sp>
-        <p:cxnSp>
-          <p:nvCxnSpPr>
-            <p:cNvPr id="51" name="Прямая со стрелкой 37">
-              <a:extLst>
-                <a:ext uri="{FF2B5EF4-FFF2-40B4-BE49-F238E27FC236}">
-                  <a16:creationId xmlns:a16="http://schemas.microsoft.com/office/drawing/2014/main" id="{67ED0BE8-BCFB-B8BB-6B76-D8211AFEAB27}"/>
-                </a:ext>
-              </a:extLst>
-            </p:cNvPr>
-            <p:cNvCxnSpPr/>
-            <p:nvPr/>
-          </p:nvCxnSpPr>
-          <p:spPr>
-            <a:xfrm>
-              <a:off x="3536159" y="2215832"/>
-              <a:ext cx="269081" cy="0"/>
-            </a:xfrm>
-            <a:prstGeom prst="straightConnector1">
-              <a:avLst/>
-            </a:prstGeom>
-            <a:ln w="47625">
-              <a:tailEnd type="stealth" w="lg" len="lg"/>
-            </a:ln>
-          </p:spPr>
-          <p:style>
-            <a:lnRef idx="1">
-              <a:schemeClr val="accent1"/>
-            </a:lnRef>
-            <a:fillRef idx="0">
-              <a:schemeClr val="accent1"/>
-            </a:fillRef>
-            <a:effectRef idx="0">
-              <a:schemeClr val="accent1"/>
-            </a:effectRef>
-            <a:fontRef idx="minor">
-              <a:schemeClr val="tx1"/>
-            </a:fontRef>
-          </p:style>
-        </p:cxnSp>
-      </p:grpSp>
-    </p:spTree>
-    <p:extLst>
-      <p:ext uri="{BB962C8B-B14F-4D97-AF65-F5344CB8AC3E}">
-        <p14:creationId xmlns:p14="http://schemas.microsoft.com/office/powerpoint/2010/main" val="3549598787"/>
-      </p:ext>
-    </p:extLst>
-  </p:cSld>
-  <p:clrMapOvr>
-    <a:masterClrMapping/>
-  </p:clrMapOvr>
-</p:sld>
-</file>
-
-<file path=ppt/slides/slide20.xml><?xml version="1.0" encoding="utf-8"?>
+<file path=ppt/slides/slide22.xml><?xml version="1.0" encoding="utf-8"?>
 <p:sld xmlns:a="http://schemas.openxmlformats.org/drawingml/2006/main" xmlns:r="http://schemas.openxmlformats.org/officeDocument/2006/relationships" xmlns:p="http://schemas.openxmlformats.org/presentationml/2006/main">
   <p:cSld>
     <p:spTree>
@@ -11244,7 +11856,7 @@
 </p:sld>
 </file>
 
-<file path=ppt/slides/slide21.xml><?xml version="1.0" encoding="utf-8"?>
+<file path=ppt/slides/slide23.xml><?xml version="1.0" encoding="utf-8"?>
 <p:sld xmlns:a="http://schemas.openxmlformats.org/drawingml/2006/main" xmlns:r="http://schemas.openxmlformats.org/officeDocument/2006/relationships" xmlns:p="http://schemas.openxmlformats.org/presentationml/2006/main">
   <p:cSld>
     <p:spTree>
@@ -11974,7 +12586,7 @@
 </p:sld>
 </file>
 
-<file path=ppt/slides/slide22.xml><?xml version="1.0" encoding="utf-8"?>
+<file path=ppt/slides/slide24.xml><?xml version="1.0" encoding="utf-8"?>
 <p:sld xmlns:a="http://schemas.openxmlformats.org/drawingml/2006/main" xmlns:r="http://schemas.openxmlformats.org/officeDocument/2006/relationships" xmlns:p="http://schemas.openxmlformats.org/presentationml/2006/main">
   <p:cSld>
     <p:spTree>
@@ -12398,7 +13010,7 @@
 </p:sld>
 </file>
 
-<file path=ppt/slides/slide23.xml><?xml version="1.0" encoding="utf-8"?>
+<file path=ppt/slides/slide25.xml><?xml version="1.0" encoding="utf-8"?>
 <p:sld xmlns:a="http://schemas.openxmlformats.org/drawingml/2006/main" xmlns:r="http://schemas.openxmlformats.org/officeDocument/2006/relationships" xmlns:p="http://schemas.openxmlformats.org/presentationml/2006/main">
   <p:cSld>
     <p:spTree>
@@ -13758,7 +14370,7 @@
 </p:sld>
 </file>
 
-<file path=ppt/slides/slide24.xml><?xml version="1.0" encoding="utf-8"?>
+<file path=ppt/slides/slide26.xml><?xml version="1.0" encoding="utf-8"?>
 <p:sld xmlns:a="http://schemas.openxmlformats.org/drawingml/2006/main" xmlns:r="http://schemas.openxmlformats.org/officeDocument/2006/relationships" xmlns:p="http://schemas.openxmlformats.org/presentationml/2006/main">
   <p:cSld>
     <p:spTree>
@@ -14565,7 +15177,7 @@
 </p:sld>
 </file>
 
-<file path=ppt/slides/slide25.xml><?xml version="1.0" encoding="utf-8"?>
+<file path=ppt/slides/slide27.xml><?xml version="1.0" encoding="utf-8"?>
 <p:sld xmlns:a="http://schemas.openxmlformats.org/drawingml/2006/main" xmlns:r="http://schemas.openxmlformats.org/officeDocument/2006/relationships" xmlns:p="http://schemas.openxmlformats.org/presentationml/2006/main">
   <p:cSld>
     <p:spTree>
@@ -15827,7 +16439,7 @@
 </p:sld>
 </file>
 
-<file path=ppt/slides/slide26.xml><?xml version="1.0" encoding="utf-8"?>
+<file path=ppt/slides/slide28.xml><?xml version="1.0" encoding="utf-8"?>
 <p:sld xmlns:a="http://schemas.openxmlformats.org/drawingml/2006/main" xmlns:r="http://schemas.openxmlformats.org/officeDocument/2006/relationships" xmlns:p="http://schemas.openxmlformats.org/presentationml/2006/main">
   <p:cSld>
     <p:spTree>
@@ -16622,7 +17234,7 @@
 </p:sld>
 </file>
 
-<file path=ppt/slides/slide27.xml><?xml version="1.0" encoding="utf-8"?>
+<file path=ppt/slides/slide29.xml><?xml version="1.0" encoding="utf-8"?>
 <p:sld xmlns:a="http://schemas.openxmlformats.org/drawingml/2006/main" xmlns:r="http://schemas.openxmlformats.org/officeDocument/2006/relationships" xmlns:p="http://schemas.openxmlformats.org/presentationml/2006/main">
   <p:cSld>
     <p:spTree>
@@ -18160,7 +18772,725 @@
 </p:sld>
 </file>
 
-<file path=ppt/slides/slide28.xml><?xml version="1.0" encoding="utf-8"?>
+<file path=ppt/slides/slide3.xml><?xml version="1.0" encoding="utf-8"?>
+<p:sld xmlns:a="http://schemas.openxmlformats.org/drawingml/2006/main" xmlns:r="http://schemas.openxmlformats.org/officeDocument/2006/relationships" xmlns:p="http://schemas.openxmlformats.org/presentationml/2006/main">
+  <p:cSld>
+    <p:spTree>
+      <p:nvGrpSpPr>
+        <p:cNvPr id="1" name=""/>
+        <p:cNvGrpSpPr/>
+        <p:nvPr/>
+      </p:nvGrpSpPr>
+      <p:grpSpPr>
+        <a:xfrm>
+          <a:off x="0" y="0"/>
+          <a:ext cx="0" cy="0"/>
+          <a:chOff x="0" y="0"/>
+          <a:chExt cx="0" cy="0"/>
+        </a:xfrm>
+      </p:grpSpPr>
+      <p:grpSp>
+        <p:nvGrpSpPr>
+          <p:cNvPr id="36" name="Group 35">
+            <a:extLst>
+              <a:ext uri="{FF2B5EF4-FFF2-40B4-BE49-F238E27FC236}">
+                <a16:creationId xmlns:a16="http://schemas.microsoft.com/office/drawing/2014/main" id="{F8A36A5D-9C52-F371-1351-0FD1A96AE0D7}"/>
+              </a:ext>
+            </a:extLst>
+          </p:cNvPr>
+          <p:cNvGrpSpPr/>
+          <p:nvPr/>
+        </p:nvGrpSpPr>
+        <p:grpSpPr>
+          <a:xfrm>
+            <a:off x="923925" y="307507"/>
+            <a:ext cx="6657975" cy="5867441"/>
+            <a:chOff x="2143125" y="278932"/>
+            <a:chExt cx="6657975" cy="5867441"/>
+          </a:xfrm>
+        </p:grpSpPr>
+        <p:pic>
+          <p:nvPicPr>
+            <p:cNvPr id="3" name="Picture 2">
+              <a:extLst>
+                <a:ext uri="{FF2B5EF4-FFF2-40B4-BE49-F238E27FC236}">
+                  <a16:creationId xmlns:a16="http://schemas.microsoft.com/office/drawing/2014/main" id="{36D787FE-7A9E-9657-BA47-A99C29A22C5D}"/>
+                </a:ext>
+              </a:extLst>
+            </p:cNvPr>
+            <p:cNvPicPr>
+              <a:picLocks noChangeAspect="1"/>
+            </p:cNvPicPr>
+            <p:nvPr/>
+          </p:nvPicPr>
+          <p:blipFill rotWithShape="1">
+            <a:blip r:embed="rId2"/>
+            <a:srcRect t="3007" r="3954" b="10074"/>
+            <a:stretch/>
+          </p:blipFill>
+          <p:spPr>
+            <a:xfrm>
+              <a:off x="3248025" y="278932"/>
+              <a:ext cx="5553075" cy="5861518"/>
+            </a:xfrm>
+            <a:prstGeom prst="rect">
+              <a:avLst/>
+            </a:prstGeom>
+          </p:spPr>
+        </p:pic>
+        <p:sp>
+          <p:nvSpPr>
+            <p:cNvPr id="4" name="Левая фигурная скобка 25">
+              <a:extLst>
+                <a:ext uri="{FF2B5EF4-FFF2-40B4-BE49-F238E27FC236}">
+                  <a16:creationId xmlns:a16="http://schemas.microsoft.com/office/drawing/2014/main" id="{6267E057-9F6F-E5A0-6A7F-0F7538961308}"/>
+                </a:ext>
+              </a:extLst>
+            </p:cNvPr>
+            <p:cNvSpPr/>
+            <p:nvPr/>
+          </p:nvSpPr>
+          <p:spPr>
+            <a:xfrm>
+              <a:off x="3395292" y="2524125"/>
+              <a:ext cx="276225" cy="612026"/>
+            </a:xfrm>
+            <a:prstGeom prst="leftBrace">
+              <a:avLst>
+                <a:gd name="adj1" fmla="val 35919"/>
+                <a:gd name="adj2" fmla="val 50629"/>
+              </a:avLst>
+            </a:prstGeom>
+            <a:ln w="28575">
+              <a:solidFill>
+                <a:srgbClr val="0070C0"/>
+              </a:solidFill>
+            </a:ln>
+          </p:spPr>
+          <p:style>
+            <a:lnRef idx="1">
+              <a:schemeClr val="accent1"/>
+            </a:lnRef>
+            <a:fillRef idx="0">
+              <a:schemeClr val="accent1"/>
+            </a:fillRef>
+            <a:effectRef idx="0">
+              <a:schemeClr val="accent1"/>
+            </a:effectRef>
+            <a:fontRef idx="minor">
+              <a:schemeClr val="tx1"/>
+            </a:fontRef>
+          </p:style>
+          <p:txBody>
+            <a:bodyPr rtlCol="0" anchor="ctr"/>
+            <a:lstStyle/>
+            <a:p>
+              <a:pPr algn="ctr"/>
+              <a:endParaRPr lang="ru-RU" sz="1100">
+                <a:latin typeface="Times New Roman" panose="02020603050405020304" pitchFamily="18" charset="0"/>
+                <a:cs typeface="Times New Roman" panose="02020603050405020304" pitchFamily="18" charset="0"/>
+              </a:endParaRPr>
+            </a:p>
+          </p:txBody>
+        </p:sp>
+        <p:sp>
+          <p:nvSpPr>
+            <p:cNvPr id="5" name="Левая фигурная скобка 26">
+              <a:extLst>
+                <a:ext uri="{FF2B5EF4-FFF2-40B4-BE49-F238E27FC236}">
+                  <a16:creationId xmlns:a16="http://schemas.microsoft.com/office/drawing/2014/main" id="{5CC620E3-FC1E-606E-2FBE-A135877146EC}"/>
+                </a:ext>
+              </a:extLst>
+            </p:cNvPr>
+            <p:cNvSpPr/>
+            <p:nvPr/>
+          </p:nvSpPr>
+          <p:spPr>
+            <a:xfrm>
+              <a:off x="3414342" y="3526677"/>
+              <a:ext cx="276225" cy="1254874"/>
+            </a:xfrm>
+            <a:prstGeom prst="leftBrace">
+              <a:avLst>
+                <a:gd name="adj1" fmla="val 35919"/>
+                <a:gd name="adj2" fmla="val 50629"/>
+              </a:avLst>
+            </a:prstGeom>
+            <a:ln w="28575">
+              <a:solidFill>
+                <a:srgbClr val="0070C0"/>
+              </a:solidFill>
+            </a:ln>
+          </p:spPr>
+          <p:style>
+            <a:lnRef idx="1">
+              <a:schemeClr val="accent1"/>
+            </a:lnRef>
+            <a:fillRef idx="0">
+              <a:schemeClr val="accent1"/>
+            </a:fillRef>
+            <a:effectRef idx="0">
+              <a:schemeClr val="accent1"/>
+            </a:effectRef>
+            <a:fontRef idx="minor">
+              <a:schemeClr val="tx1"/>
+            </a:fontRef>
+          </p:style>
+          <p:txBody>
+            <a:bodyPr rtlCol="0" anchor="ctr"/>
+            <a:lstStyle/>
+            <a:p>
+              <a:pPr algn="ctr"/>
+              <a:endParaRPr lang="ru-RU" sz="1100">
+                <a:latin typeface="Times New Roman" panose="02020603050405020304" pitchFamily="18" charset="0"/>
+                <a:cs typeface="Times New Roman" panose="02020603050405020304" pitchFamily="18" charset="0"/>
+              </a:endParaRPr>
+            </a:p>
+          </p:txBody>
+        </p:sp>
+        <p:cxnSp>
+          <p:nvCxnSpPr>
+            <p:cNvPr id="6" name="Прямая со стрелкой 27">
+              <a:extLst>
+                <a:ext uri="{FF2B5EF4-FFF2-40B4-BE49-F238E27FC236}">
+                  <a16:creationId xmlns:a16="http://schemas.microsoft.com/office/drawing/2014/main" id="{A6E118F9-80A6-FF96-513B-5DFD82BF2DEB}"/>
+                </a:ext>
+              </a:extLst>
+            </p:cNvPr>
+            <p:cNvCxnSpPr/>
+            <p:nvPr/>
+          </p:nvCxnSpPr>
+          <p:spPr>
+            <a:xfrm>
+              <a:off x="3421486" y="2078876"/>
+              <a:ext cx="269081" cy="0"/>
+            </a:xfrm>
+            <a:prstGeom prst="straightConnector1">
+              <a:avLst/>
+            </a:prstGeom>
+            <a:ln w="47625">
+              <a:tailEnd type="stealth" w="lg" len="lg"/>
+            </a:ln>
+          </p:spPr>
+          <p:style>
+            <a:lnRef idx="1">
+              <a:schemeClr val="accent1"/>
+            </a:lnRef>
+            <a:fillRef idx="0">
+              <a:schemeClr val="accent1"/>
+            </a:fillRef>
+            <a:effectRef idx="0">
+              <a:schemeClr val="accent1"/>
+            </a:effectRef>
+            <a:fontRef idx="minor">
+              <a:schemeClr val="tx1"/>
+            </a:fontRef>
+          </p:style>
+        </p:cxnSp>
+        <p:cxnSp>
+          <p:nvCxnSpPr>
+            <p:cNvPr id="7" name="Прямая со стрелкой 28">
+              <a:extLst>
+                <a:ext uri="{FF2B5EF4-FFF2-40B4-BE49-F238E27FC236}">
+                  <a16:creationId xmlns:a16="http://schemas.microsoft.com/office/drawing/2014/main" id="{24544876-6CF3-8BA6-9982-37645621893B}"/>
+                </a:ext>
+              </a:extLst>
+            </p:cNvPr>
+            <p:cNvCxnSpPr/>
+            <p:nvPr/>
+          </p:nvCxnSpPr>
+          <p:spPr>
+            <a:xfrm>
+              <a:off x="3422486" y="3326651"/>
+              <a:ext cx="269081" cy="0"/>
+            </a:xfrm>
+            <a:prstGeom prst="straightConnector1">
+              <a:avLst/>
+            </a:prstGeom>
+            <a:ln w="47625">
+              <a:tailEnd type="stealth" w="lg" len="lg"/>
+            </a:ln>
+          </p:spPr>
+          <p:style>
+            <a:lnRef idx="1">
+              <a:schemeClr val="accent1"/>
+            </a:lnRef>
+            <a:fillRef idx="0">
+              <a:schemeClr val="accent1"/>
+            </a:fillRef>
+            <a:effectRef idx="0">
+              <a:schemeClr val="accent1"/>
+            </a:effectRef>
+            <a:fontRef idx="minor">
+              <a:schemeClr val="tx1"/>
+            </a:fontRef>
+          </p:style>
+        </p:cxnSp>
+        <p:sp>
+          <p:nvSpPr>
+            <p:cNvPr id="14" name="Левая фигурная скобка 34">
+              <a:extLst>
+                <a:ext uri="{FF2B5EF4-FFF2-40B4-BE49-F238E27FC236}">
+                  <a16:creationId xmlns:a16="http://schemas.microsoft.com/office/drawing/2014/main" id="{490DC4B5-D35F-F0C4-0AA3-ED77CCC4A64A}"/>
+                </a:ext>
+              </a:extLst>
+            </p:cNvPr>
+            <p:cNvSpPr/>
+            <p:nvPr/>
+          </p:nvSpPr>
+          <p:spPr>
+            <a:xfrm>
+              <a:off x="3414939" y="5698376"/>
+              <a:ext cx="276225" cy="416674"/>
+            </a:xfrm>
+            <a:prstGeom prst="leftBrace">
+              <a:avLst>
+                <a:gd name="adj1" fmla="val 35919"/>
+                <a:gd name="adj2" fmla="val 50629"/>
+              </a:avLst>
+            </a:prstGeom>
+            <a:ln w="28575">
+              <a:solidFill>
+                <a:srgbClr val="0070C0"/>
+              </a:solidFill>
+            </a:ln>
+          </p:spPr>
+          <p:style>
+            <a:lnRef idx="1">
+              <a:schemeClr val="accent1"/>
+            </a:lnRef>
+            <a:fillRef idx="0">
+              <a:schemeClr val="accent1"/>
+            </a:fillRef>
+            <a:effectRef idx="0">
+              <a:schemeClr val="accent1"/>
+            </a:effectRef>
+            <a:fontRef idx="minor">
+              <a:schemeClr val="tx1"/>
+            </a:fontRef>
+          </p:style>
+          <p:txBody>
+            <a:bodyPr rtlCol="0" anchor="ctr"/>
+            <a:lstStyle/>
+            <a:p>
+              <a:pPr algn="ctr"/>
+              <a:endParaRPr lang="ru-RU" sz="1100">
+                <a:latin typeface="Times New Roman" panose="02020603050405020304" pitchFamily="18" charset="0"/>
+                <a:cs typeface="Times New Roman" panose="02020603050405020304" pitchFamily="18" charset="0"/>
+              </a:endParaRPr>
+            </a:p>
+          </p:txBody>
+        </p:sp>
+        <p:sp>
+          <p:nvSpPr>
+            <p:cNvPr id="15" name="Левая фигурная скобка 35">
+              <a:extLst>
+                <a:ext uri="{FF2B5EF4-FFF2-40B4-BE49-F238E27FC236}">
+                  <a16:creationId xmlns:a16="http://schemas.microsoft.com/office/drawing/2014/main" id="{1E8F8CD9-7175-3FAA-44ED-D26B5B820CE5}"/>
+                </a:ext>
+              </a:extLst>
+            </p:cNvPr>
+            <p:cNvSpPr/>
+            <p:nvPr/>
+          </p:nvSpPr>
+          <p:spPr>
+            <a:xfrm>
+              <a:off x="3413373" y="4945900"/>
+              <a:ext cx="276225" cy="645275"/>
+            </a:xfrm>
+            <a:prstGeom prst="leftBrace">
+              <a:avLst>
+                <a:gd name="adj1" fmla="val 35919"/>
+                <a:gd name="adj2" fmla="val 50629"/>
+              </a:avLst>
+            </a:prstGeom>
+            <a:ln w="28575">
+              <a:solidFill>
+                <a:srgbClr val="0070C0"/>
+              </a:solidFill>
+            </a:ln>
+          </p:spPr>
+          <p:style>
+            <a:lnRef idx="1">
+              <a:schemeClr val="accent1"/>
+            </a:lnRef>
+            <a:fillRef idx="0">
+              <a:schemeClr val="accent1"/>
+            </a:fillRef>
+            <a:effectRef idx="0">
+              <a:schemeClr val="accent1"/>
+            </a:effectRef>
+            <a:fontRef idx="minor">
+              <a:schemeClr val="tx1"/>
+            </a:fontRef>
+          </p:style>
+          <p:txBody>
+            <a:bodyPr rtlCol="0" anchor="ctr"/>
+            <a:lstStyle/>
+            <a:p>
+              <a:pPr algn="ctr"/>
+              <a:endParaRPr lang="ru-RU" sz="1100">
+                <a:latin typeface="Times New Roman" panose="02020603050405020304" pitchFamily="18" charset="0"/>
+                <a:cs typeface="Times New Roman" panose="02020603050405020304" pitchFamily="18" charset="0"/>
+              </a:endParaRPr>
+            </a:p>
+          </p:txBody>
+        </p:sp>
+        <p:cxnSp>
+          <p:nvCxnSpPr>
+            <p:cNvPr id="17" name="Прямая со стрелкой 37">
+              <a:extLst>
+                <a:ext uri="{FF2B5EF4-FFF2-40B4-BE49-F238E27FC236}">
+                  <a16:creationId xmlns:a16="http://schemas.microsoft.com/office/drawing/2014/main" id="{BF5AFA0F-990E-8A76-7522-4C5A24FFBAB4}"/>
+                </a:ext>
+              </a:extLst>
+            </p:cNvPr>
+            <p:cNvCxnSpPr/>
+            <p:nvPr/>
+          </p:nvCxnSpPr>
+          <p:spPr>
+            <a:xfrm>
+              <a:off x="3421859" y="2358707"/>
+              <a:ext cx="269081" cy="0"/>
+            </a:xfrm>
+            <a:prstGeom prst="straightConnector1">
+              <a:avLst/>
+            </a:prstGeom>
+            <a:ln w="47625">
+              <a:tailEnd type="stealth" w="lg" len="lg"/>
+            </a:ln>
+          </p:spPr>
+          <p:style>
+            <a:lnRef idx="1">
+              <a:schemeClr val="accent1"/>
+            </a:lnRef>
+            <a:fillRef idx="0">
+              <a:schemeClr val="accent1"/>
+            </a:fillRef>
+            <a:effectRef idx="0">
+              <a:schemeClr val="accent1"/>
+            </a:effectRef>
+            <a:fontRef idx="minor">
+              <a:schemeClr val="tx1"/>
+            </a:fontRef>
+          </p:style>
+        </p:cxnSp>
+        <p:sp>
+          <p:nvSpPr>
+            <p:cNvPr id="24" name="TextBox 23">
+              <a:extLst>
+                <a:ext uri="{FF2B5EF4-FFF2-40B4-BE49-F238E27FC236}">
+                  <a16:creationId xmlns:a16="http://schemas.microsoft.com/office/drawing/2014/main" id="{4857844D-20B1-E588-210C-037A3554A513}"/>
+                </a:ext>
+              </a:extLst>
+            </p:cNvPr>
+            <p:cNvSpPr txBox="1"/>
+            <p:nvPr/>
+          </p:nvSpPr>
+          <p:spPr>
+            <a:xfrm>
+              <a:off x="2716510" y="1934968"/>
+              <a:ext cx="796528" cy="261610"/>
+            </a:xfrm>
+            <a:prstGeom prst="rect">
+              <a:avLst/>
+            </a:prstGeom>
+            <a:noFill/>
+          </p:spPr>
+          <p:txBody>
+            <a:bodyPr wrap="square" rtlCol="0">
+              <a:spAutoFit/>
+            </a:bodyPr>
+            <a:lstStyle/>
+            <a:p>
+              <a:pPr algn="ctr"/>
+              <a:r>
+                <a:rPr lang="en-US" sz="1100" dirty="0">
+                  <a:latin typeface="Times New Roman" panose="02020603050405020304" pitchFamily="18" charset="0"/>
+                  <a:cs typeface="Times New Roman" panose="02020603050405020304" pitchFamily="18" charset="0"/>
+                </a:rPr>
+                <a:t>Menu</a:t>
+              </a:r>
+              <a:endParaRPr lang="ru-RU" sz="1100" dirty="0">
+                <a:latin typeface="Times New Roman" panose="02020603050405020304" pitchFamily="18" charset="0"/>
+                <a:cs typeface="Times New Roman" panose="02020603050405020304" pitchFamily="18" charset="0"/>
+              </a:endParaRPr>
+            </a:p>
+          </p:txBody>
+        </p:sp>
+        <p:sp>
+          <p:nvSpPr>
+            <p:cNvPr id="26" name="TextBox 25">
+              <a:extLst>
+                <a:ext uri="{FF2B5EF4-FFF2-40B4-BE49-F238E27FC236}">
+                  <a16:creationId xmlns:a16="http://schemas.microsoft.com/office/drawing/2014/main" id="{FB64242F-494C-1CA3-9EDC-9F070C23196D}"/>
+                </a:ext>
+              </a:extLst>
+            </p:cNvPr>
+            <p:cNvSpPr txBox="1"/>
+            <p:nvPr/>
+          </p:nvSpPr>
+          <p:spPr>
+            <a:xfrm>
+              <a:off x="2227163" y="2692915"/>
+              <a:ext cx="1209675" cy="261610"/>
+            </a:xfrm>
+            <a:prstGeom prst="rect">
+              <a:avLst/>
+            </a:prstGeom>
+            <a:noFill/>
+          </p:spPr>
+          <p:txBody>
+            <a:bodyPr wrap="square" rtlCol="0">
+              <a:spAutoFit/>
+            </a:bodyPr>
+            <a:lstStyle/>
+            <a:p>
+              <a:pPr algn="ctr"/>
+              <a:r>
+                <a:rPr lang="en-US" sz="1100" dirty="0">
+                  <a:latin typeface="Times New Roman" panose="02020603050405020304" pitchFamily="18" charset="0"/>
+                  <a:cs typeface="Times New Roman" panose="02020603050405020304" pitchFamily="18" charset="0"/>
+                </a:rPr>
+                <a:t>Layered structure</a:t>
+              </a:r>
+              <a:endParaRPr lang="ru-RU" sz="1100" dirty="0">
+                <a:latin typeface="Times New Roman" panose="02020603050405020304" pitchFamily="18" charset="0"/>
+                <a:cs typeface="Times New Roman" panose="02020603050405020304" pitchFamily="18" charset="0"/>
+              </a:endParaRPr>
+            </a:p>
+          </p:txBody>
+        </p:sp>
+        <p:sp>
+          <p:nvSpPr>
+            <p:cNvPr id="27" name="TextBox 26">
+              <a:extLst>
+                <a:ext uri="{FF2B5EF4-FFF2-40B4-BE49-F238E27FC236}">
+                  <a16:creationId xmlns:a16="http://schemas.microsoft.com/office/drawing/2014/main" id="{7C0BF45C-8903-59D8-9B27-267BB2ACBD68}"/>
+                </a:ext>
+              </a:extLst>
+            </p:cNvPr>
+            <p:cNvSpPr txBox="1"/>
+            <p:nvPr/>
+          </p:nvSpPr>
+          <p:spPr>
+            <a:xfrm>
+              <a:off x="2430165" y="3186432"/>
+              <a:ext cx="1110853" cy="261610"/>
+            </a:xfrm>
+            <a:prstGeom prst="rect">
+              <a:avLst/>
+            </a:prstGeom>
+            <a:noFill/>
+          </p:spPr>
+          <p:txBody>
+            <a:bodyPr wrap="square" rtlCol="0">
+              <a:spAutoFit/>
+            </a:bodyPr>
+            <a:lstStyle/>
+            <a:p>
+              <a:pPr algn="ctr"/>
+              <a:r>
+                <a:rPr lang="en-US" sz="1100" dirty="0">
+                  <a:latin typeface="Times New Roman" panose="02020603050405020304" pitchFamily="18" charset="0"/>
+                  <a:cs typeface="Times New Roman" panose="02020603050405020304" pitchFamily="18" charset="0"/>
+                </a:rPr>
+                <a:t>Toolbar</a:t>
+              </a:r>
+              <a:endParaRPr lang="ru-RU" sz="1100" dirty="0">
+                <a:latin typeface="Times New Roman" panose="02020603050405020304" pitchFamily="18" charset="0"/>
+                <a:cs typeface="Times New Roman" panose="02020603050405020304" pitchFamily="18" charset="0"/>
+              </a:endParaRPr>
+            </a:p>
+          </p:txBody>
+        </p:sp>
+        <p:sp>
+          <p:nvSpPr>
+            <p:cNvPr id="28" name="TextBox 27">
+              <a:extLst>
+                <a:ext uri="{FF2B5EF4-FFF2-40B4-BE49-F238E27FC236}">
+                  <a16:creationId xmlns:a16="http://schemas.microsoft.com/office/drawing/2014/main" id="{493A8704-DB96-CF3B-1320-AB023DC769A5}"/>
+                </a:ext>
+              </a:extLst>
+            </p:cNvPr>
+            <p:cNvSpPr txBox="1"/>
+            <p:nvPr/>
+          </p:nvSpPr>
+          <p:spPr>
+            <a:xfrm>
+              <a:off x="2293838" y="3954860"/>
+              <a:ext cx="1136302" cy="430887"/>
+            </a:xfrm>
+            <a:prstGeom prst="rect">
+              <a:avLst/>
+            </a:prstGeom>
+            <a:noFill/>
+          </p:spPr>
+          <p:txBody>
+            <a:bodyPr wrap="square" rtlCol="0">
+              <a:spAutoFit/>
+            </a:bodyPr>
+            <a:lstStyle/>
+            <a:p>
+              <a:pPr algn="ctr"/>
+              <a:r>
+                <a:rPr lang="en-US" sz="1100" dirty="0">
+                  <a:latin typeface="Times New Roman" panose="02020603050405020304" pitchFamily="18" charset="0"/>
+                  <a:cs typeface="Times New Roman" panose="02020603050405020304" pitchFamily="18" charset="0"/>
+                </a:rPr>
+                <a:t>Access to other windows</a:t>
+              </a:r>
+              <a:endParaRPr lang="ru-RU" sz="1100" dirty="0">
+                <a:latin typeface="Times New Roman" panose="02020603050405020304" pitchFamily="18" charset="0"/>
+                <a:cs typeface="Times New Roman" panose="02020603050405020304" pitchFamily="18" charset="0"/>
+              </a:endParaRPr>
+            </a:p>
+          </p:txBody>
+        </p:sp>
+        <p:sp>
+          <p:nvSpPr>
+            <p:cNvPr id="29" name="TextBox 28">
+              <a:extLst>
+                <a:ext uri="{FF2B5EF4-FFF2-40B4-BE49-F238E27FC236}">
+                  <a16:creationId xmlns:a16="http://schemas.microsoft.com/office/drawing/2014/main" id="{AC0F9CD0-B21E-8D20-093E-D5EC05D9DA5C}"/>
+                </a:ext>
+              </a:extLst>
+            </p:cNvPr>
+            <p:cNvSpPr txBox="1"/>
+            <p:nvPr/>
+          </p:nvSpPr>
+          <p:spPr>
+            <a:xfrm>
+              <a:off x="2258304" y="5715486"/>
+              <a:ext cx="1318841" cy="430887"/>
+            </a:xfrm>
+            <a:prstGeom prst="rect">
+              <a:avLst/>
+            </a:prstGeom>
+            <a:noFill/>
+          </p:spPr>
+          <p:txBody>
+            <a:bodyPr wrap="square" rtlCol="0">
+              <a:spAutoFit/>
+            </a:bodyPr>
+            <a:lstStyle/>
+            <a:p>
+              <a:pPr algn="ctr"/>
+              <a:r>
+                <a:rPr lang="en-US" sz="1100" dirty="0">
+                  <a:latin typeface="Times New Roman" panose="02020603050405020304" pitchFamily="18" charset="0"/>
+                  <a:cs typeface="Times New Roman" panose="02020603050405020304" pitchFamily="18" charset="0"/>
+                </a:rPr>
+                <a:t>Measured and target curves</a:t>
+              </a:r>
+              <a:endParaRPr lang="ru-RU" sz="1100" dirty="0">
+                <a:latin typeface="Times New Roman" panose="02020603050405020304" pitchFamily="18" charset="0"/>
+                <a:cs typeface="Times New Roman" panose="02020603050405020304" pitchFamily="18" charset="0"/>
+              </a:endParaRPr>
+            </a:p>
+          </p:txBody>
+        </p:sp>
+        <p:sp>
+          <p:nvSpPr>
+            <p:cNvPr id="32" name="TextBox 31">
+              <a:extLst>
+                <a:ext uri="{FF2B5EF4-FFF2-40B4-BE49-F238E27FC236}">
+                  <a16:creationId xmlns:a16="http://schemas.microsoft.com/office/drawing/2014/main" id="{296A2AFC-949B-F2C5-8067-090D9A074592}"/>
+                </a:ext>
+              </a:extLst>
+            </p:cNvPr>
+            <p:cNvSpPr txBox="1"/>
+            <p:nvPr/>
+          </p:nvSpPr>
+          <p:spPr>
+            <a:xfrm>
+              <a:off x="2234752" y="5064212"/>
+              <a:ext cx="1368773" cy="430887"/>
+            </a:xfrm>
+            <a:prstGeom prst="rect">
+              <a:avLst/>
+            </a:prstGeom>
+            <a:noFill/>
+          </p:spPr>
+          <p:txBody>
+            <a:bodyPr wrap="square" rtlCol="0">
+              <a:spAutoFit/>
+            </a:bodyPr>
+            <a:lstStyle/>
+            <a:p>
+              <a:pPr algn="ctr"/>
+              <a:r>
+                <a:rPr lang="en-US" sz="1100" dirty="0">
+                  <a:latin typeface="Times New Roman" panose="02020603050405020304" pitchFamily="18" charset="0"/>
+                  <a:cs typeface="Times New Roman" panose="02020603050405020304" pitchFamily="18" charset="0"/>
+                </a:rPr>
+                <a:t>Curves without measured data</a:t>
+              </a:r>
+              <a:endParaRPr lang="ru-RU" sz="1100" dirty="0">
+                <a:latin typeface="Times New Roman" panose="02020603050405020304" pitchFamily="18" charset="0"/>
+                <a:cs typeface="Times New Roman" panose="02020603050405020304" pitchFamily="18" charset="0"/>
+              </a:endParaRPr>
+            </a:p>
+          </p:txBody>
+        </p:sp>
+        <p:sp>
+          <p:nvSpPr>
+            <p:cNvPr id="34" name="TextBox 33">
+              <a:extLst>
+                <a:ext uri="{FF2B5EF4-FFF2-40B4-BE49-F238E27FC236}">
+                  <a16:creationId xmlns:a16="http://schemas.microsoft.com/office/drawing/2014/main" id="{5095FCD9-CE76-12C8-5305-1E2BE51A1247}"/>
+                </a:ext>
+              </a:extLst>
+            </p:cNvPr>
+            <p:cNvSpPr txBox="1"/>
+            <p:nvPr/>
+          </p:nvSpPr>
+          <p:spPr>
+            <a:xfrm>
+              <a:off x="2143125" y="2246702"/>
+              <a:ext cx="1316204" cy="261610"/>
+            </a:xfrm>
+            <a:prstGeom prst="rect">
+              <a:avLst/>
+            </a:prstGeom>
+            <a:noFill/>
+          </p:spPr>
+          <p:txBody>
+            <a:bodyPr wrap="square" rtlCol="0">
+              <a:spAutoFit/>
+            </a:bodyPr>
+            <a:lstStyle/>
+            <a:p>
+              <a:pPr algn="ctr"/>
+              <a:r>
+                <a:rPr lang="en-US" sz="1100" dirty="0">
+                  <a:latin typeface="Times New Roman" panose="02020603050405020304" pitchFamily="18" charset="0"/>
+                  <a:cs typeface="Times New Roman" panose="02020603050405020304" pitchFamily="18" charset="0"/>
+                </a:rPr>
+                <a:t>Tabs with structures</a:t>
+              </a:r>
+              <a:endParaRPr lang="ru-RU" sz="1100" dirty="0">
+                <a:latin typeface="Times New Roman" panose="02020603050405020304" pitchFamily="18" charset="0"/>
+                <a:cs typeface="Times New Roman" panose="02020603050405020304" pitchFamily="18" charset="0"/>
+              </a:endParaRPr>
+            </a:p>
+          </p:txBody>
+        </p:sp>
+      </p:grpSp>
+    </p:spTree>
+    <p:extLst>
+      <p:ext uri="{BB962C8B-B14F-4D97-AF65-F5344CB8AC3E}">
+        <p14:creationId xmlns:p14="http://schemas.microsoft.com/office/powerpoint/2010/main" val="4009726277"/>
+      </p:ext>
+    </p:extLst>
+  </p:cSld>
+  <p:clrMapOvr>
+    <a:masterClrMapping/>
+  </p:clrMapOvr>
+</p:sld>
+</file>
+
+<file path=ppt/slides/slide30.xml><?xml version="1.0" encoding="utf-8"?>
 <p:sld xmlns:a="http://schemas.openxmlformats.org/drawingml/2006/main" xmlns:r="http://schemas.openxmlformats.org/officeDocument/2006/relationships" xmlns:p="http://schemas.openxmlformats.org/presentationml/2006/main">
   <p:cSld>
     <p:spTree>
@@ -19077,7 +20407,7 @@
 </p:sld>
 </file>
 
-<file path=ppt/slides/slide29.xml><?xml version="1.0" encoding="utf-8"?>
+<file path=ppt/slides/slide31.xml><?xml version="1.0" encoding="utf-8"?>
 <p:sld xmlns:a="http://schemas.openxmlformats.org/drawingml/2006/main" xmlns:r="http://schemas.openxmlformats.org/officeDocument/2006/relationships" xmlns:p="http://schemas.openxmlformats.org/presentationml/2006/main">
   <p:cSld>
     <p:spTree>
@@ -19557,725 +20887,7 @@
 </p:sld>
 </file>
 
-<file path=ppt/slides/slide3.xml><?xml version="1.0" encoding="utf-8"?>
-<p:sld xmlns:a="http://schemas.openxmlformats.org/drawingml/2006/main" xmlns:r="http://schemas.openxmlformats.org/officeDocument/2006/relationships" xmlns:p="http://schemas.openxmlformats.org/presentationml/2006/main">
-  <p:cSld>
-    <p:spTree>
-      <p:nvGrpSpPr>
-        <p:cNvPr id="1" name=""/>
-        <p:cNvGrpSpPr/>
-        <p:nvPr/>
-      </p:nvGrpSpPr>
-      <p:grpSpPr>
-        <a:xfrm>
-          <a:off x="0" y="0"/>
-          <a:ext cx="0" cy="0"/>
-          <a:chOff x="0" y="0"/>
-          <a:chExt cx="0" cy="0"/>
-        </a:xfrm>
-      </p:grpSpPr>
-      <p:grpSp>
-        <p:nvGrpSpPr>
-          <p:cNvPr id="36" name="Group 35">
-            <a:extLst>
-              <a:ext uri="{FF2B5EF4-FFF2-40B4-BE49-F238E27FC236}">
-                <a16:creationId xmlns:a16="http://schemas.microsoft.com/office/drawing/2014/main" id="{F8A36A5D-9C52-F371-1351-0FD1A96AE0D7}"/>
-              </a:ext>
-            </a:extLst>
-          </p:cNvPr>
-          <p:cNvGrpSpPr/>
-          <p:nvPr/>
-        </p:nvGrpSpPr>
-        <p:grpSpPr>
-          <a:xfrm>
-            <a:off x="923925" y="307507"/>
-            <a:ext cx="6657975" cy="5867441"/>
-            <a:chOff x="2143125" y="278932"/>
-            <a:chExt cx="6657975" cy="5867441"/>
-          </a:xfrm>
-        </p:grpSpPr>
-        <p:pic>
-          <p:nvPicPr>
-            <p:cNvPr id="3" name="Picture 2">
-              <a:extLst>
-                <a:ext uri="{FF2B5EF4-FFF2-40B4-BE49-F238E27FC236}">
-                  <a16:creationId xmlns:a16="http://schemas.microsoft.com/office/drawing/2014/main" id="{36D787FE-7A9E-9657-BA47-A99C29A22C5D}"/>
-                </a:ext>
-              </a:extLst>
-            </p:cNvPr>
-            <p:cNvPicPr>
-              <a:picLocks noChangeAspect="1"/>
-            </p:cNvPicPr>
-            <p:nvPr/>
-          </p:nvPicPr>
-          <p:blipFill rotWithShape="1">
-            <a:blip r:embed="rId2"/>
-            <a:srcRect t="3007" r="3954" b="10074"/>
-            <a:stretch/>
-          </p:blipFill>
-          <p:spPr>
-            <a:xfrm>
-              <a:off x="3248025" y="278932"/>
-              <a:ext cx="5553075" cy="5861518"/>
-            </a:xfrm>
-            <a:prstGeom prst="rect">
-              <a:avLst/>
-            </a:prstGeom>
-          </p:spPr>
-        </p:pic>
-        <p:sp>
-          <p:nvSpPr>
-            <p:cNvPr id="4" name="Левая фигурная скобка 25">
-              <a:extLst>
-                <a:ext uri="{FF2B5EF4-FFF2-40B4-BE49-F238E27FC236}">
-                  <a16:creationId xmlns:a16="http://schemas.microsoft.com/office/drawing/2014/main" id="{6267E057-9F6F-E5A0-6A7F-0F7538961308}"/>
-                </a:ext>
-              </a:extLst>
-            </p:cNvPr>
-            <p:cNvSpPr/>
-            <p:nvPr/>
-          </p:nvSpPr>
-          <p:spPr>
-            <a:xfrm>
-              <a:off x="3395292" y="2524125"/>
-              <a:ext cx="276225" cy="612026"/>
-            </a:xfrm>
-            <a:prstGeom prst="leftBrace">
-              <a:avLst>
-                <a:gd name="adj1" fmla="val 35919"/>
-                <a:gd name="adj2" fmla="val 50629"/>
-              </a:avLst>
-            </a:prstGeom>
-            <a:ln w="28575">
-              <a:solidFill>
-                <a:srgbClr val="0070C0"/>
-              </a:solidFill>
-            </a:ln>
-          </p:spPr>
-          <p:style>
-            <a:lnRef idx="1">
-              <a:schemeClr val="accent1"/>
-            </a:lnRef>
-            <a:fillRef idx="0">
-              <a:schemeClr val="accent1"/>
-            </a:fillRef>
-            <a:effectRef idx="0">
-              <a:schemeClr val="accent1"/>
-            </a:effectRef>
-            <a:fontRef idx="minor">
-              <a:schemeClr val="tx1"/>
-            </a:fontRef>
-          </p:style>
-          <p:txBody>
-            <a:bodyPr rtlCol="0" anchor="ctr"/>
-            <a:lstStyle/>
-            <a:p>
-              <a:pPr algn="ctr"/>
-              <a:endParaRPr lang="ru-RU" sz="1100">
-                <a:latin typeface="Times New Roman" panose="02020603050405020304" pitchFamily="18" charset="0"/>
-                <a:cs typeface="Times New Roman" panose="02020603050405020304" pitchFamily="18" charset="0"/>
-              </a:endParaRPr>
-            </a:p>
-          </p:txBody>
-        </p:sp>
-        <p:sp>
-          <p:nvSpPr>
-            <p:cNvPr id="5" name="Левая фигурная скобка 26">
-              <a:extLst>
-                <a:ext uri="{FF2B5EF4-FFF2-40B4-BE49-F238E27FC236}">
-                  <a16:creationId xmlns:a16="http://schemas.microsoft.com/office/drawing/2014/main" id="{5CC620E3-FC1E-606E-2FBE-A135877146EC}"/>
-                </a:ext>
-              </a:extLst>
-            </p:cNvPr>
-            <p:cNvSpPr/>
-            <p:nvPr/>
-          </p:nvSpPr>
-          <p:spPr>
-            <a:xfrm>
-              <a:off x="3414342" y="3526677"/>
-              <a:ext cx="276225" cy="1254874"/>
-            </a:xfrm>
-            <a:prstGeom prst="leftBrace">
-              <a:avLst>
-                <a:gd name="adj1" fmla="val 35919"/>
-                <a:gd name="adj2" fmla="val 50629"/>
-              </a:avLst>
-            </a:prstGeom>
-            <a:ln w="28575">
-              <a:solidFill>
-                <a:srgbClr val="0070C0"/>
-              </a:solidFill>
-            </a:ln>
-          </p:spPr>
-          <p:style>
-            <a:lnRef idx="1">
-              <a:schemeClr val="accent1"/>
-            </a:lnRef>
-            <a:fillRef idx="0">
-              <a:schemeClr val="accent1"/>
-            </a:fillRef>
-            <a:effectRef idx="0">
-              <a:schemeClr val="accent1"/>
-            </a:effectRef>
-            <a:fontRef idx="minor">
-              <a:schemeClr val="tx1"/>
-            </a:fontRef>
-          </p:style>
-          <p:txBody>
-            <a:bodyPr rtlCol="0" anchor="ctr"/>
-            <a:lstStyle/>
-            <a:p>
-              <a:pPr algn="ctr"/>
-              <a:endParaRPr lang="ru-RU" sz="1100">
-                <a:latin typeface="Times New Roman" panose="02020603050405020304" pitchFamily="18" charset="0"/>
-                <a:cs typeface="Times New Roman" panose="02020603050405020304" pitchFamily="18" charset="0"/>
-              </a:endParaRPr>
-            </a:p>
-          </p:txBody>
-        </p:sp>
-        <p:cxnSp>
-          <p:nvCxnSpPr>
-            <p:cNvPr id="6" name="Прямая со стрелкой 27">
-              <a:extLst>
-                <a:ext uri="{FF2B5EF4-FFF2-40B4-BE49-F238E27FC236}">
-                  <a16:creationId xmlns:a16="http://schemas.microsoft.com/office/drawing/2014/main" id="{A6E118F9-80A6-FF96-513B-5DFD82BF2DEB}"/>
-                </a:ext>
-              </a:extLst>
-            </p:cNvPr>
-            <p:cNvCxnSpPr/>
-            <p:nvPr/>
-          </p:nvCxnSpPr>
-          <p:spPr>
-            <a:xfrm>
-              <a:off x="3421486" y="2078876"/>
-              <a:ext cx="269081" cy="0"/>
-            </a:xfrm>
-            <a:prstGeom prst="straightConnector1">
-              <a:avLst/>
-            </a:prstGeom>
-            <a:ln w="47625">
-              <a:tailEnd type="stealth" w="lg" len="lg"/>
-            </a:ln>
-          </p:spPr>
-          <p:style>
-            <a:lnRef idx="1">
-              <a:schemeClr val="accent1"/>
-            </a:lnRef>
-            <a:fillRef idx="0">
-              <a:schemeClr val="accent1"/>
-            </a:fillRef>
-            <a:effectRef idx="0">
-              <a:schemeClr val="accent1"/>
-            </a:effectRef>
-            <a:fontRef idx="minor">
-              <a:schemeClr val="tx1"/>
-            </a:fontRef>
-          </p:style>
-        </p:cxnSp>
-        <p:cxnSp>
-          <p:nvCxnSpPr>
-            <p:cNvPr id="7" name="Прямая со стрелкой 28">
-              <a:extLst>
-                <a:ext uri="{FF2B5EF4-FFF2-40B4-BE49-F238E27FC236}">
-                  <a16:creationId xmlns:a16="http://schemas.microsoft.com/office/drawing/2014/main" id="{24544876-6CF3-8BA6-9982-37645621893B}"/>
-                </a:ext>
-              </a:extLst>
-            </p:cNvPr>
-            <p:cNvCxnSpPr/>
-            <p:nvPr/>
-          </p:nvCxnSpPr>
-          <p:spPr>
-            <a:xfrm>
-              <a:off x="3422486" y="3326651"/>
-              <a:ext cx="269081" cy="0"/>
-            </a:xfrm>
-            <a:prstGeom prst="straightConnector1">
-              <a:avLst/>
-            </a:prstGeom>
-            <a:ln w="47625">
-              <a:tailEnd type="stealth" w="lg" len="lg"/>
-            </a:ln>
-          </p:spPr>
-          <p:style>
-            <a:lnRef idx="1">
-              <a:schemeClr val="accent1"/>
-            </a:lnRef>
-            <a:fillRef idx="0">
-              <a:schemeClr val="accent1"/>
-            </a:fillRef>
-            <a:effectRef idx="0">
-              <a:schemeClr val="accent1"/>
-            </a:effectRef>
-            <a:fontRef idx="minor">
-              <a:schemeClr val="tx1"/>
-            </a:fontRef>
-          </p:style>
-        </p:cxnSp>
-        <p:sp>
-          <p:nvSpPr>
-            <p:cNvPr id="14" name="Левая фигурная скобка 34">
-              <a:extLst>
-                <a:ext uri="{FF2B5EF4-FFF2-40B4-BE49-F238E27FC236}">
-                  <a16:creationId xmlns:a16="http://schemas.microsoft.com/office/drawing/2014/main" id="{490DC4B5-D35F-F0C4-0AA3-ED77CCC4A64A}"/>
-                </a:ext>
-              </a:extLst>
-            </p:cNvPr>
-            <p:cNvSpPr/>
-            <p:nvPr/>
-          </p:nvSpPr>
-          <p:spPr>
-            <a:xfrm>
-              <a:off x="3414939" y="5698376"/>
-              <a:ext cx="276225" cy="416674"/>
-            </a:xfrm>
-            <a:prstGeom prst="leftBrace">
-              <a:avLst>
-                <a:gd name="adj1" fmla="val 35919"/>
-                <a:gd name="adj2" fmla="val 50629"/>
-              </a:avLst>
-            </a:prstGeom>
-            <a:ln w="28575">
-              <a:solidFill>
-                <a:srgbClr val="0070C0"/>
-              </a:solidFill>
-            </a:ln>
-          </p:spPr>
-          <p:style>
-            <a:lnRef idx="1">
-              <a:schemeClr val="accent1"/>
-            </a:lnRef>
-            <a:fillRef idx="0">
-              <a:schemeClr val="accent1"/>
-            </a:fillRef>
-            <a:effectRef idx="0">
-              <a:schemeClr val="accent1"/>
-            </a:effectRef>
-            <a:fontRef idx="minor">
-              <a:schemeClr val="tx1"/>
-            </a:fontRef>
-          </p:style>
-          <p:txBody>
-            <a:bodyPr rtlCol="0" anchor="ctr"/>
-            <a:lstStyle/>
-            <a:p>
-              <a:pPr algn="ctr"/>
-              <a:endParaRPr lang="ru-RU" sz="1100">
-                <a:latin typeface="Times New Roman" panose="02020603050405020304" pitchFamily="18" charset="0"/>
-                <a:cs typeface="Times New Roman" panose="02020603050405020304" pitchFamily="18" charset="0"/>
-              </a:endParaRPr>
-            </a:p>
-          </p:txBody>
-        </p:sp>
-        <p:sp>
-          <p:nvSpPr>
-            <p:cNvPr id="15" name="Левая фигурная скобка 35">
-              <a:extLst>
-                <a:ext uri="{FF2B5EF4-FFF2-40B4-BE49-F238E27FC236}">
-                  <a16:creationId xmlns:a16="http://schemas.microsoft.com/office/drawing/2014/main" id="{1E8F8CD9-7175-3FAA-44ED-D26B5B820CE5}"/>
-                </a:ext>
-              </a:extLst>
-            </p:cNvPr>
-            <p:cNvSpPr/>
-            <p:nvPr/>
-          </p:nvSpPr>
-          <p:spPr>
-            <a:xfrm>
-              <a:off x="3413373" y="4945900"/>
-              <a:ext cx="276225" cy="645275"/>
-            </a:xfrm>
-            <a:prstGeom prst="leftBrace">
-              <a:avLst>
-                <a:gd name="adj1" fmla="val 35919"/>
-                <a:gd name="adj2" fmla="val 50629"/>
-              </a:avLst>
-            </a:prstGeom>
-            <a:ln w="28575">
-              <a:solidFill>
-                <a:srgbClr val="0070C0"/>
-              </a:solidFill>
-            </a:ln>
-          </p:spPr>
-          <p:style>
-            <a:lnRef idx="1">
-              <a:schemeClr val="accent1"/>
-            </a:lnRef>
-            <a:fillRef idx="0">
-              <a:schemeClr val="accent1"/>
-            </a:fillRef>
-            <a:effectRef idx="0">
-              <a:schemeClr val="accent1"/>
-            </a:effectRef>
-            <a:fontRef idx="minor">
-              <a:schemeClr val="tx1"/>
-            </a:fontRef>
-          </p:style>
-          <p:txBody>
-            <a:bodyPr rtlCol="0" anchor="ctr"/>
-            <a:lstStyle/>
-            <a:p>
-              <a:pPr algn="ctr"/>
-              <a:endParaRPr lang="ru-RU" sz="1100">
-                <a:latin typeface="Times New Roman" panose="02020603050405020304" pitchFamily="18" charset="0"/>
-                <a:cs typeface="Times New Roman" panose="02020603050405020304" pitchFamily="18" charset="0"/>
-              </a:endParaRPr>
-            </a:p>
-          </p:txBody>
-        </p:sp>
-        <p:cxnSp>
-          <p:nvCxnSpPr>
-            <p:cNvPr id="17" name="Прямая со стрелкой 37">
-              <a:extLst>
-                <a:ext uri="{FF2B5EF4-FFF2-40B4-BE49-F238E27FC236}">
-                  <a16:creationId xmlns:a16="http://schemas.microsoft.com/office/drawing/2014/main" id="{BF5AFA0F-990E-8A76-7522-4C5A24FFBAB4}"/>
-                </a:ext>
-              </a:extLst>
-            </p:cNvPr>
-            <p:cNvCxnSpPr/>
-            <p:nvPr/>
-          </p:nvCxnSpPr>
-          <p:spPr>
-            <a:xfrm>
-              <a:off x="3421859" y="2358707"/>
-              <a:ext cx="269081" cy="0"/>
-            </a:xfrm>
-            <a:prstGeom prst="straightConnector1">
-              <a:avLst/>
-            </a:prstGeom>
-            <a:ln w="47625">
-              <a:tailEnd type="stealth" w="lg" len="lg"/>
-            </a:ln>
-          </p:spPr>
-          <p:style>
-            <a:lnRef idx="1">
-              <a:schemeClr val="accent1"/>
-            </a:lnRef>
-            <a:fillRef idx="0">
-              <a:schemeClr val="accent1"/>
-            </a:fillRef>
-            <a:effectRef idx="0">
-              <a:schemeClr val="accent1"/>
-            </a:effectRef>
-            <a:fontRef idx="minor">
-              <a:schemeClr val="tx1"/>
-            </a:fontRef>
-          </p:style>
-        </p:cxnSp>
-        <p:sp>
-          <p:nvSpPr>
-            <p:cNvPr id="24" name="TextBox 23">
-              <a:extLst>
-                <a:ext uri="{FF2B5EF4-FFF2-40B4-BE49-F238E27FC236}">
-                  <a16:creationId xmlns:a16="http://schemas.microsoft.com/office/drawing/2014/main" id="{4857844D-20B1-E588-210C-037A3554A513}"/>
-                </a:ext>
-              </a:extLst>
-            </p:cNvPr>
-            <p:cNvSpPr txBox="1"/>
-            <p:nvPr/>
-          </p:nvSpPr>
-          <p:spPr>
-            <a:xfrm>
-              <a:off x="2716510" y="1934968"/>
-              <a:ext cx="796528" cy="261610"/>
-            </a:xfrm>
-            <a:prstGeom prst="rect">
-              <a:avLst/>
-            </a:prstGeom>
-            <a:noFill/>
-          </p:spPr>
-          <p:txBody>
-            <a:bodyPr wrap="square" rtlCol="0">
-              <a:spAutoFit/>
-            </a:bodyPr>
-            <a:lstStyle/>
-            <a:p>
-              <a:pPr algn="ctr"/>
-              <a:r>
-                <a:rPr lang="en-US" sz="1100" dirty="0">
-                  <a:latin typeface="Times New Roman" panose="02020603050405020304" pitchFamily="18" charset="0"/>
-                  <a:cs typeface="Times New Roman" panose="02020603050405020304" pitchFamily="18" charset="0"/>
-                </a:rPr>
-                <a:t>Menu</a:t>
-              </a:r>
-              <a:endParaRPr lang="ru-RU" sz="1100" dirty="0">
-                <a:latin typeface="Times New Roman" panose="02020603050405020304" pitchFamily="18" charset="0"/>
-                <a:cs typeface="Times New Roman" panose="02020603050405020304" pitchFamily="18" charset="0"/>
-              </a:endParaRPr>
-            </a:p>
-          </p:txBody>
-        </p:sp>
-        <p:sp>
-          <p:nvSpPr>
-            <p:cNvPr id="26" name="TextBox 25">
-              <a:extLst>
-                <a:ext uri="{FF2B5EF4-FFF2-40B4-BE49-F238E27FC236}">
-                  <a16:creationId xmlns:a16="http://schemas.microsoft.com/office/drawing/2014/main" id="{FB64242F-494C-1CA3-9EDC-9F070C23196D}"/>
-                </a:ext>
-              </a:extLst>
-            </p:cNvPr>
-            <p:cNvSpPr txBox="1"/>
-            <p:nvPr/>
-          </p:nvSpPr>
-          <p:spPr>
-            <a:xfrm>
-              <a:off x="2227163" y="2692915"/>
-              <a:ext cx="1209675" cy="261610"/>
-            </a:xfrm>
-            <a:prstGeom prst="rect">
-              <a:avLst/>
-            </a:prstGeom>
-            <a:noFill/>
-          </p:spPr>
-          <p:txBody>
-            <a:bodyPr wrap="square" rtlCol="0">
-              <a:spAutoFit/>
-            </a:bodyPr>
-            <a:lstStyle/>
-            <a:p>
-              <a:pPr algn="ctr"/>
-              <a:r>
-                <a:rPr lang="en-US" sz="1100" dirty="0">
-                  <a:latin typeface="Times New Roman" panose="02020603050405020304" pitchFamily="18" charset="0"/>
-                  <a:cs typeface="Times New Roman" panose="02020603050405020304" pitchFamily="18" charset="0"/>
-                </a:rPr>
-                <a:t>Layered structure</a:t>
-              </a:r>
-              <a:endParaRPr lang="ru-RU" sz="1100" dirty="0">
-                <a:latin typeface="Times New Roman" panose="02020603050405020304" pitchFamily="18" charset="0"/>
-                <a:cs typeface="Times New Roman" panose="02020603050405020304" pitchFamily="18" charset="0"/>
-              </a:endParaRPr>
-            </a:p>
-          </p:txBody>
-        </p:sp>
-        <p:sp>
-          <p:nvSpPr>
-            <p:cNvPr id="27" name="TextBox 26">
-              <a:extLst>
-                <a:ext uri="{FF2B5EF4-FFF2-40B4-BE49-F238E27FC236}">
-                  <a16:creationId xmlns:a16="http://schemas.microsoft.com/office/drawing/2014/main" id="{7C0BF45C-8903-59D8-9B27-267BB2ACBD68}"/>
-                </a:ext>
-              </a:extLst>
-            </p:cNvPr>
-            <p:cNvSpPr txBox="1"/>
-            <p:nvPr/>
-          </p:nvSpPr>
-          <p:spPr>
-            <a:xfrm>
-              <a:off x="2430165" y="3186432"/>
-              <a:ext cx="1110853" cy="261610"/>
-            </a:xfrm>
-            <a:prstGeom prst="rect">
-              <a:avLst/>
-            </a:prstGeom>
-            <a:noFill/>
-          </p:spPr>
-          <p:txBody>
-            <a:bodyPr wrap="square" rtlCol="0">
-              <a:spAutoFit/>
-            </a:bodyPr>
-            <a:lstStyle/>
-            <a:p>
-              <a:pPr algn="ctr"/>
-              <a:r>
-                <a:rPr lang="en-US" sz="1100" dirty="0">
-                  <a:latin typeface="Times New Roman" panose="02020603050405020304" pitchFamily="18" charset="0"/>
-                  <a:cs typeface="Times New Roman" panose="02020603050405020304" pitchFamily="18" charset="0"/>
-                </a:rPr>
-                <a:t>Toolbar</a:t>
-              </a:r>
-              <a:endParaRPr lang="ru-RU" sz="1100" dirty="0">
-                <a:latin typeface="Times New Roman" panose="02020603050405020304" pitchFamily="18" charset="0"/>
-                <a:cs typeface="Times New Roman" panose="02020603050405020304" pitchFamily="18" charset="0"/>
-              </a:endParaRPr>
-            </a:p>
-          </p:txBody>
-        </p:sp>
-        <p:sp>
-          <p:nvSpPr>
-            <p:cNvPr id="28" name="TextBox 27">
-              <a:extLst>
-                <a:ext uri="{FF2B5EF4-FFF2-40B4-BE49-F238E27FC236}">
-                  <a16:creationId xmlns:a16="http://schemas.microsoft.com/office/drawing/2014/main" id="{493A8704-DB96-CF3B-1320-AB023DC769A5}"/>
-                </a:ext>
-              </a:extLst>
-            </p:cNvPr>
-            <p:cNvSpPr txBox="1"/>
-            <p:nvPr/>
-          </p:nvSpPr>
-          <p:spPr>
-            <a:xfrm>
-              <a:off x="2293838" y="3954860"/>
-              <a:ext cx="1136302" cy="430887"/>
-            </a:xfrm>
-            <a:prstGeom prst="rect">
-              <a:avLst/>
-            </a:prstGeom>
-            <a:noFill/>
-          </p:spPr>
-          <p:txBody>
-            <a:bodyPr wrap="square" rtlCol="0">
-              <a:spAutoFit/>
-            </a:bodyPr>
-            <a:lstStyle/>
-            <a:p>
-              <a:pPr algn="ctr"/>
-              <a:r>
-                <a:rPr lang="en-US" sz="1100" dirty="0">
-                  <a:latin typeface="Times New Roman" panose="02020603050405020304" pitchFamily="18" charset="0"/>
-                  <a:cs typeface="Times New Roman" panose="02020603050405020304" pitchFamily="18" charset="0"/>
-                </a:rPr>
-                <a:t>Access to other windows</a:t>
-              </a:r>
-              <a:endParaRPr lang="ru-RU" sz="1100" dirty="0">
-                <a:latin typeface="Times New Roman" panose="02020603050405020304" pitchFamily="18" charset="0"/>
-                <a:cs typeface="Times New Roman" panose="02020603050405020304" pitchFamily="18" charset="0"/>
-              </a:endParaRPr>
-            </a:p>
-          </p:txBody>
-        </p:sp>
-        <p:sp>
-          <p:nvSpPr>
-            <p:cNvPr id="29" name="TextBox 28">
-              <a:extLst>
-                <a:ext uri="{FF2B5EF4-FFF2-40B4-BE49-F238E27FC236}">
-                  <a16:creationId xmlns:a16="http://schemas.microsoft.com/office/drawing/2014/main" id="{AC0F9CD0-B21E-8D20-093E-D5EC05D9DA5C}"/>
-                </a:ext>
-              </a:extLst>
-            </p:cNvPr>
-            <p:cNvSpPr txBox="1"/>
-            <p:nvPr/>
-          </p:nvSpPr>
-          <p:spPr>
-            <a:xfrm>
-              <a:off x="2258304" y="5715486"/>
-              <a:ext cx="1318841" cy="430887"/>
-            </a:xfrm>
-            <a:prstGeom prst="rect">
-              <a:avLst/>
-            </a:prstGeom>
-            <a:noFill/>
-          </p:spPr>
-          <p:txBody>
-            <a:bodyPr wrap="square" rtlCol="0">
-              <a:spAutoFit/>
-            </a:bodyPr>
-            <a:lstStyle/>
-            <a:p>
-              <a:pPr algn="ctr"/>
-              <a:r>
-                <a:rPr lang="en-US" sz="1100" dirty="0">
-                  <a:latin typeface="Times New Roman" panose="02020603050405020304" pitchFamily="18" charset="0"/>
-                  <a:cs typeface="Times New Roman" panose="02020603050405020304" pitchFamily="18" charset="0"/>
-                </a:rPr>
-                <a:t>Measured and target curves</a:t>
-              </a:r>
-              <a:endParaRPr lang="ru-RU" sz="1100" dirty="0">
-                <a:latin typeface="Times New Roman" panose="02020603050405020304" pitchFamily="18" charset="0"/>
-                <a:cs typeface="Times New Roman" panose="02020603050405020304" pitchFamily="18" charset="0"/>
-              </a:endParaRPr>
-            </a:p>
-          </p:txBody>
-        </p:sp>
-        <p:sp>
-          <p:nvSpPr>
-            <p:cNvPr id="32" name="TextBox 31">
-              <a:extLst>
-                <a:ext uri="{FF2B5EF4-FFF2-40B4-BE49-F238E27FC236}">
-                  <a16:creationId xmlns:a16="http://schemas.microsoft.com/office/drawing/2014/main" id="{296A2AFC-949B-F2C5-8067-090D9A074592}"/>
-                </a:ext>
-              </a:extLst>
-            </p:cNvPr>
-            <p:cNvSpPr txBox="1"/>
-            <p:nvPr/>
-          </p:nvSpPr>
-          <p:spPr>
-            <a:xfrm>
-              <a:off x="2234752" y="5064212"/>
-              <a:ext cx="1368773" cy="430887"/>
-            </a:xfrm>
-            <a:prstGeom prst="rect">
-              <a:avLst/>
-            </a:prstGeom>
-            <a:noFill/>
-          </p:spPr>
-          <p:txBody>
-            <a:bodyPr wrap="square" rtlCol="0">
-              <a:spAutoFit/>
-            </a:bodyPr>
-            <a:lstStyle/>
-            <a:p>
-              <a:pPr algn="ctr"/>
-              <a:r>
-                <a:rPr lang="en-US" sz="1100" dirty="0">
-                  <a:latin typeface="Times New Roman" panose="02020603050405020304" pitchFamily="18" charset="0"/>
-                  <a:cs typeface="Times New Roman" panose="02020603050405020304" pitchFamily="18" charset="0"/>
-                </a:rPr>
-                <a:t>Curves without measured data</a:t>
-              </a:r>
-              <a:endParaRPr lang="ru-RU" sz="1100" dirty="0">
-                <a:latin typeface="Times New Roman" panose="02020603050405020304" pitchFamily="18" charset="0"/>
-                <a:cs typeface="Times New Roman" panose="02020603050405020304" pitchFamily="18" charset="0"/>
-              </a:endParaRPr>
-            </a:p>
-          </p:txBody>
-        </p:sp>
-        <p:sp>
-          <p:nvSpPr>
-            <p:cNvPr id="34" name="TextBox 33">
-              <a:extLst>
-                <a:ext uri="{FF2B5EF4-FFF2-40B4-BE49-F238E27FC236}">
-                  <a16:creationId xmlns:a16="http://schemas.microsoft.com/office/drawing/2014/main" id="{5095FCD9-CE76-12C8-5305-1E2BE51A1247}"/>
-                </a:ext>
-              </a:extLst>
-            </p:cNvPr>
-            <p:cNvSpPr txBox="1"/>
-            <p:nvPr/>
-          </p:nvSpPr>
-          <p:spPr>
-            <a:xfrm>
-              <a:off x="2143125" y="2246702"/>
-              <a:ext cx="1316204" cy="261610"/>
-            </a:xfrm>
-            <a:prstGeom prst="rect">
-              <a:avLst/>
-            </a:prstGeom>
-            <a:noFill/>
-          </p:spPr>
-          <p:txBody>
-            <a:bodyPr wrap="square" rtlCol="0">
-              <a:spAutoFit/>
-            </a:bodyPr>
-            <a:lstStyle/>
-            <a:p>
-              <a:pPr algn="ctr"/>
-              <a:r>
-                <a:rPr lang="en-US" sz="1100" dirty="0">
-                  <a:latin typeface="Times New Roman" panose="02020603050405020304" pitchFamily="18" charset="0"/>
-                  <a:cs typeface="Times New Roman" panose="02020603050405020304" pitchFamily="18" charset="0"/>
-                </a:rPr>
-                <a:t>Tabs with structures</a:t>
-              </a:r>
-              <a:endParaRPr lang="ru-RU" sz="1100" dirty="0">
-                <a:latin typeface="Times New Roman" panose="02020603050405020304" pitchFamily="18" charset="0"/>
-                <a:cs typeface="Times New Roman" panose="02020603050405020304" pitchFamily="18" charset="0"/>
-              </a:endParaRPr>
-            </a:p>
-          </p:txBody>
-        </p:sp>
-      </p:grpSp>
-    </p:spTree>
-    <p:extLst>
-      <p:ext uri="{BB962C8B-B14F-4D97-AF65-F5344CB8AC3E}">
-        <p14:creationId xmlns:p14="http://schemas.microsoft.com/office/powerpoint/2010/main" val="4009726277"/>
-      </p:ext>
-    </p:extLst>
-  </p:cSld>
-  <p:clrMapOvr>
-    <a:masterClrMapping/>
-  </p:clrMapOvr>
-</p:sld>
-</file>
-
-<file path=ppt/slides/slide30.xml><?xml version="1.0" encoding="utf-8"?>
+<file path=ppt/slides/slide32.xml><?xml version="1.0" encoding="utf-8"?>
 <p:sld xmlns:a="http://schemas.openxmlformats.org/drawingml/2006/main" xmlns:r="http://schemas.openxmlformats.org/officeDocument/2006/relationships" xmlns:p="http://schemas.openxmlformats.org/presentationml/2006/main">
   <p:cSld>
     <p:spTree>
@@ -20682,7 +21294,7 @@
 </p:sld>
 </file>
 
-<file path=ppt/slides/slide31.xml><?xml version="1.0" encoding="utf-8"?>
+<file path=ppt/slides/slide33.xml><?xml version="1.0" encoding="utf-8"?>
 <p:sld xmlns:a="http://schemas.openxmlformats.org/drawingml/2006/main" xmlns:r="http://schemas.openxmlformats.org/officeDocument/2006/relationships" xmlns:p="http://schemas.openxmlformats.org/presentationml/2006/main">
   <p:cSld>
     <p:spTree>
@@ -21109,7 +21721,7 @@
 </p:sld>
 </file>
 
-<file path=ppt/slides/slide32.xml><?xml version="1.0" encoding="utf-8"?>
+<file path=ppt/slides/slide34.xml><?xml version="1.0" encoding="utf-8"?>
 <p:sld xmlns:a="http://schemas.openxmlformats.org/drawingml/2006/main" xmlns:r="http://schemas.openxmlformats.org/officeDocument/2006/relationships" xmlns:p="http://schemas.openxmlformats.org/presentationml/2006/main">
   <p:cSld>
     <p:spTree>
@@ -21344,7 +21956,7 @@
 </p:sld>
 </file>
 
-<file path=ppt/slides/slide33.xml><?xml version="1.0" encoding="utf-8"?>
+<file path=ppt/slides/slide35.xml><?xml version="1.0" encoding="utf-8"?>
 <p:sld xmlns:a="http://schemas.openxmlformats.org/drawingml/2006/main" xmlns:r="http://schemas.openxmlformats.org/officeDocument/2006/relationships" xmlns:p="http://schemas.openxmlformats.org/presentationml/2006/main">
   <p:cSld>
     <p:spTree>
@@ -21991,7 +22603,7 @@
 </p:sld>
 </file>
 
-<file path=ppt/slides/slide34.xml><?xml version="1.0" encoding="utf-8"?>
+<file path=ppt/slides/slide36.xml><?xml version="1.0" encoding="utf-8"?>
 <p:sld xmlns:a="http://schemas.openxmlformats.org/drawingml/2006/main" xmlns:r="http://schemas.openxmlformats.org/officeDocument/2006/relationships" xmlns:p="http://schemas.openxmlformats.org/presentationml/2006/main">
   <p:cSld>
     <p:spTree>
@@ -22565,7 +23177,7 @@
 </p:sld>
 </file>
 
-<file path=ppt/slides/slide35.xml><?xml version="1.0" encoding="utf-8"?>
+<file path=ppt/slides/slide37.xml><?xml version="1.0" encoding="utf-8"?>
 <p:sld xmlns:a="http://schemas.openxmlformats.org/drawingml/2006/main" xmlns:r="http://schemas.openxmlformats.org/officeDocument/2006/relationships" xmlns:p="http://schemas.openxmlformats.org/presentationml/2006/main">
   <p:cSld>
     <p:spTree>
@@ -24639,7 +25251,7 @@
 </p:sld>
 </file>
 
-<file path=ppt/slides/slide36.xml><?xml version="1.0" encoding="utf-8"?>
+<file path=ppt/slides/slide38.xml><?xml version="1.0" encoding="utf-8"?>
 <p:sld xmlns:a="http://schemas.openxmlformats.org/drawingml/2006/main" xmlns:r="http://schemas.openxmlformats.org/officeDocument/2006/relationships" xmlns:p="http://schemas.openxmlformats.org/presentationml/2006/main">
   <p:cSld>
     <p:spTree>
@@ -25407,7 +26019,7 @@
 </p:sld>
 </file>
 
-<file path=ppt/slides/slide37.xml><?xml version="1.0" encoding="utf-8"?>
+<file path=ppt/slides/slide39.xml><?xml version="1.0" encoding="utf-8"?>
 <p:sld xmlns:a="http://schemas.openxmlformats.org/drawingml/2006/main" xmlns:r="http://schemas.openxmlformats.org/officeDocument/2006/relationships" xmlns:p="http://schemas.openxmlformats.org/presentationml/2006/main">
   <p:cSld>
     <p:spTree>
@@ -25839,1454 +26451,6 @@
 </p:sld>
 </file>
 
-<file path=ppt/slides/slide38.xml><?xml version="1.0" encoding="utf-8"?>
-<p:sld xmlns:a="http://schemas.openxmlformats.org/drawingml/2006/main" xmlns:r="http://schemas.openxmlformats.org/officeDocument/2006/relationships" xmlns:p="http://schemas.openxmlformats.org/presentationml/2006/main">
-  <p:cSld>
-    <p:spTree>
-      <p:nvGrpSpPr>
-        <p:cNvPr id="1" name=""/>
-        <p:cNvGrpSpPr/>
-        <p:nvPr/>
-      </p:nvGrpSpPr>
-      <p:grpSpPr>
-        <a:xfrm>
-          <a:off x="0" y="0"/>
-          <a:ext cx="0" cy="0"/>
-          <a:chOff x="0" y="0"/>
-          <a:chExt cx="0" cy="0"/>
-        </a:xfrm>
-      </p:grpSpPr>
-      <p:grpSp>
-        <p:nvGrpSpPr>
-          <p:cNvPr id="4" name="Группа 3"/>
-          <p:cNvGrpSpPr/>
-          <p:nvPr/>
-        </p:nvGrpSpPr>
-        <p:grpSpPr>
-          <a:xfrm>
-            <a:off x="0" y="-72875"/>
-            <a:ext cx="4635817" cy="5019675"/>
-            <a:chOff x="2141220" y="919162"/>
-            <a:chExt cx="4635817" cy="5019675"/>
-          </a:xfrm>
-        </p:grpSpPr>
-        <p:pic>
-          <p:nvPicPr>
-            <p:cNvPr id="2" name="Рисунок 1"/>
-            <p:cNvPicPr>
-              <a:picLocks noChangeAspect="1"/>
-            </p:cNvPicPr>
-            <p:nvPr/>
-          </p:nvPicPr>
-          <p:blipFill>
-            <a:blip r:embed="rId2"/>
-            <a:stretch>
-              <a:fillRect/>
-            </a:stretch>
-          </p:blipFill>
-          <p:spPr>
-            <a:xfrm>
-              <a:off x="2366962" y="919162"/>
-              <a:ext cx="4410075" cy="5019675"/>
-            </a:xfrm>
-            <a:prstGeom prst="rect">
-              <a:avLst/>
-            </a:prstGeom>
-          </p:spPr>
-        </p:pic>
-        <p:sp>
-          <p:nvSpPr>
-            <p:cNvPr id="3" name="Овал 2"/>
-            <p:cNvSpPr/>
-            <p:nvPr/>
-          </p:nvSpPr>
-          <p:spPr>
-            <a:xfrm>
-              <a:off x="2141220" y="2537460"/>
-              <a:ext cx="1973580" cy="327660"/>
-            </a:xfrm>
-            <a:prstGeom prst="ellipse">
-              <a:avLst/>
-            </a:prstGeom>
-            <a:noFill/>
-            <a:ln w="19050">
-              <a:solidFill>
-                <a:srgbClr val="FF0000"/>
-              </a:solidFill>
-            </a:ln>
-          </p:spPr>
-          <p:style>
-            <a:lnRef idx="2">
-              <a:schemeClr val="accent1">
-                <a:shade val="50000"/>
-              </a:schemeClr>
-            </a:lnRef>
-            <a:fillRef idx="1">
-              <a:schemeClr val="accent1"/>
-            </a:fillRef>
-            <a:effectRef idx="0">
-              <a:schemeClr val="accent1"/>
-            </a:effectRef>
-            <a:fontRef idx="minor">
-              <a:schemeClr val="lt1"/>
-            </a:fontRef>
-          </p:style>
-          <p:txBody>
-            <a:bodyPr rtlCol="0" anchor="ctr"/>
-            <a:lstStyle/>
-            <a:p>
-              <a:pPr algn="ctr"/>
-              <a:endParaRPr lang="ru-RU"/>
-            </a:p>
-          </p:txBody>
-        </p:sp>
-      </p:grpSp>
-      <p:grpSp>
-        <p:nvGrpSpPr>
-          <p:cNvPr id="8" name="Group 7">
-            <a:extLst>
-              <a:ext uri="{FF2B5EF4-FFF2-40B4-BE49-F238E27FC236}">
-                <a16:creationId xmlns:a16="http://schemas.microsoft.com/office/drawing/2014/main" id="{B501ED5B-54EC-F650-CAE1-A81A3857764E}"/>
-              </a:ext>
-            </a:extLst>
-          </p:cNvPr>
-          <p:cNvGrpSpPr/>
-          <p:nvPr/>
-        </p:nvGrpSpPr>
-        <p:grpSpPr>
-          <a:xfrm>
-            <a:off x="5754710" y="5201729"/>
-            <a:ext cx="2620645" cy="1140395"/>
-            <a:chOff x="5306137" y="2191109"/>
-            <a:chExt cx="2620645" cy="1140395"/>
-          </a:xfrm>
-        </p:grpSpPr>
-        <p:pic>
-          <p:nvPicPr>
-            <p:cNvPr id="5" name="Рисунок 1069">
-              <a:extLst>
-                <a:ext uri="{FF2B5EF4-FFF2-40B4-BE49-F238E27FC236}">
-                  <a16:creationId xmlns:a16="http://schemas.microsoft.com/office/drawing/2014/main" id="{4DB962BB-BD49-48EB-41D6-A97FA0D736AB}"/>
-                </a:ext>
-              </a:extLst>
-            </p:cNvPr>
-            <p:cNvPicPr>
-              <a:picLocks noChangeAspect="1"/>
-            </p:cNvPicPr>
-            <p:nvPr/>
-          </p:nvPicPr>
-          <p:blipFill>
-            <a:blip r:embed="rId3">
-              <a:extLst>
-                <a:ext uri="{28A0092B-C50C-407E-A947-70E740481C1C}">
-                  <a14:useLocalDpi xmlns:a14="http://schemas.microsoft.com/office/drawing/2010/main" val="0"/>
-                </a:ext>
-              </a:extLst>
-            </a:blip>
-            <a:stretch>
-              <a:fillRect/>
-            </a:stretch>
-          </p:blipFill>
-          <p:spPr>
-            <a:xfrm>
-              <a:off x="5306137" y="2198029"/>
-              <a:ext cx="2620645" cy="1133475"/>
-            </a:xfrm>
-            <a:prstGeom prst="rect">
-              <a:avLst/>
-            </a:prstGeom>
-          </p:spPr>
-        </p:pic>
-        <p:sp>
-          <p:nvSpPr>
-            <p:cNvPr id="6" name="Овал 2">
-              <a:extLst>
-                <a:ext uri="{FF2B5EF4-FFF2-40B4-BE49-F238E27FC236}">
-                  <a16:creationId xmlns:a16="http://schemas.microsoft.com/office/drawing/2014/main" id="{38A4A412-F941-482B-B6D7-D799D4E8488C}"/>
-                </a:ext>
-              </a:extLst>
-            </p:cNvPr>
-            <p:cNvSpPr/>
-            <p:nvPr/>
-          </p:nvSpPr>
-          <p:spPr>
-            <a:xfrm>
-              <a:off x="5382883" y="2191109"/>
-              <a:ext cx="207035" cy="188056"/>
-            </a:xfrm>
-            <a:prstGeom prst="ellipse">
-              <a:avLst/>
-            </a:prstGeom>
-            <a:noFill/>
-            <a:ln w="19050">
-              <a:solidFill>
-                <a:srgbClr val="FF0000"/>
-              </a:solidFill>
-            </a:ln>
-          </p:spPr>
-          <p:style>
-            <a:lnRef idx="2">
-              <a:schemeClr val="accent1">
-                <a:shade val="50000"/>
-              </a:schemeClr>
-            </a:lnRef>
-            <a:fillRef idx="1">
-              <a:schemeClr val="accent1"/>
-            </a:fillRef>
-            <a:effectRef idx="0">
-              <a:schemeClr val="accent1"/>
-            </a:effectRef>
-            <a:fontRef idx="minor">
-              <a:schemeClr val="lt1"/>
-            </a:fontRef>
-          </p:style>
-          <p:txBody>
-            <a:bodyPr rtlCol="0" anchor="ctr"/>
-            <a:lstStyle/>
-            <a:p>
-              <a:pPr algn="ctr"/>
-              <a:endParaRPr lang="ru-RU"/>
-            </a:p>
-          </p:txBody>
-        </p:sp>
-        <p:sp>
-          <p:nvSpPr>
-            <p:cNvPr id="7" name="Овал 2">
-              <a:extLst>
-                <a:ext uri="{FF2B5EF4-FFF2-40B4-BE49-F238E27FC236}">
-                  <a16:creationId xmlns:a16="http://schemas.microsoft.com/office/drawing/2014/main" id="{4670BA4F-AE09-B599-EA20-321C8ABB7807}"/>
-                </a:ext>
-              </a:extLst>
-            </p:cNvPr>
-            <p:cNvSpPr/>
-            <p:nvPr/>
-          </p:nvSpPr>
-          <p:spPr>
-            <a:xfrm>
-              <a:off x="5345505" y="2378013"/>
-              <a:ext cx="207035" cy="188056"/>
-            </a:xfrm>
-            <a:prstGeom prst="ellipse">
-              <a:avLst/>
-            </a:prstGeom>
-            <a:noFill/>
-            <a:ln w="19050">
-              <a:solidFill>
-                <a:srgbClr val="FF0000"/>
-              </a:solidFill>
-            </a:ln>
-          </p:spPr>
-          <p:style>
-            <a:lnRef idx="2">
-              <a:schemeClr val="accent1">
-                <a:shade val="50000"/>
-              </a:schemeClr>
-            </a:lnRef>
-            <a:fillRef idx="1">
-              <a:schemeClr val="accent1"/>
-            </a:fillRef>
-            <a:effectRef idx="0">
-              <a:schemeClr val="accent1"/>
-            </a:effectRef>
-            <a:fontRef idx="minor">
-              <a:schemeClr val="lt1"/>
-            </a:fontRef>
-          </p:style>
-          <p:txBody>
-            <a:bodyPr rtlCol="0" anchor="ctr"/>
-            <a:lstStyle/>
-            <a:p>
-              <a:pPr algn="ctr"/>
-              <a:endParaRPr lang="ru-RU"/>
-            </a:p>
-          </p:txBody>
-        </p:sp>
-      </p:grpSp>
-      <p:grpSp>
-        <p:nvGrpSpPr>
-          <p:cNvPr id="37" name="Group 36">
-            <a:extLst>
-              <a:ext uri="{FF2B5EF4-FFF2-40B4-BE49-F238E27FC236}">
-                <a16:creationId xmlns:a16="http://schemas.microsoft.com/office/drawing/2014/main" id="{73FE8741-4752-0744-41AB-C5BC0E3B5768}"/>
-              </a:ext>
-            </a:extLst>
-          </p:cNvPr>
-          <p:cNvGrpSpPr/>
-          <p:nvPr/>
-        </p:nvGrpSpPr>
-        <p:grpSpPr>
-          <a:xfrm>
-            <a:off x="2791814" y="5379379"/>
-            <a:ext cx="2227770" cy="1171575"/>
-            <a:chOff x="4594735" y="5560534"/>
-            <a:chExt cx="2227770" cy="1171575"/>
-          </a:xfrm>
-        </p:grpSpPr>
-        <p:cxnSp>
-          <p:nvCxnSpPr>
-            <p:cNvPr id="23" name="Прямая со стрелкой 192">
-              <a:extLst>
-                <a:ext uri="{FF2B5EF4-FFF2-40B4-BE49-F238E27FC236}">
-                  <a16:creationId xmlns:a16="http://schemas.microsoft.com/office/drawing/2014/main" id="{940B541B-01AB-7635-529C-ECD8B1C5C196}"/>
-                </a:ext>
-              </a:extLst>
-            </p:cNvPr>
-            <p:cNvCxnSpPr/>
-            <p:nvPr/>
-          </p:nvCxnSpPr>
-          <p:spPr>
-            <a:xfrm>
-              <a:off x="5895533" y="6121224"/>
-              <a:ext cx="309561" cy="0"/>
-            </a:xfrm>
-            <a:prstGeom prst="straightConnector1">
-              <a:avLst/>
-            </a:prstGeom>
-            <a:ln w="28575">
-              <a:tailEnd type="stealth" w="lg" len="lg"/>
-            </a:ln>
-          </p:spPr>
-          <p:style>
-            <a:lnRef idx="1">
-              <a:schemeClr val="accent1"/>
-            </a:lnRef>
-            <a:fillRef idx="0">
-              <a:schemeClr val="accent1"/>
-            </a:fillRef>
-            <a:effectRef idx="0">
-              <a:schemeClr val="accent1"/>
-            </a:effectRef>
-            <a:fontRef idx="minor">
-              <a:schemeClr val="tx1"/>
-            </a:fontRef>
-          </p:style>
-        </p:cxnSp>
-        <p:cxnSp>
-          <p:nvCxnSpPr>
-            <p:cNvPr id="24" name="Прямая со стрелкой 193">
-              <a:extLst>
-                <a:ext uri="{FF2B5EF4-FFF2-40B4-BE49-F238E27FC236}">
-                  <a16:creationId xmlns:a16="http://schemas.microsoft.com/office/drawing/2014/main" id="{EF577154-B8FA-64A4-AB54-FA83D41BAF8F}"/>
-                </a:ext>
-              </a:extLst>
-            </p:cNvPr>
-            <p:cNvCxnSpPr/>
-            <p:nvPr/>
-          </p:nvCxnSpPr>
-          <p:spPr>
-            <a:xfrm>
-              <a:off x="5895533" y="6330774"/>
-              <a:ext cx="309561" cy="0"/>
-            </a:xfrm>
-            <a:prstGeom prst="straightConnector1">
-              <a:avLst/>
-            </a:prstGeom>
-            <a:ln w="28575">
-              <a:tailEnd type="stealth" w="lg" len="lg"/>
-            </a:ln>
-          </p:spPr>
-          <p:style>
-            <a:lnRef idx="1">
-              <a:schemeClr val="accent1"/>
-            </a:lnRef>
-            <a:fillRef idx="0">
-              <a:schemeClr val="accent1"/>
-            </a:fillRef>
-            <a:effectRef idx="0">
-              <a:schemeClr val="accent1"/>
-            </a:effectRef>
-            <a:fontRef idx="minor">
-              <a:schemeClr val="tx1"/>
-            </a:fontRef>
-          </p:style>
-        </p:cxnSp>
-        <p:cxnSp>
-          <p:nvCxnSpPr>
-            <p:cNvPr id="25" name="Прямая со стрелкой 194">
-              <a:extLst>
-                <a:ext uri="{FF2B5EF4-FFF2-40B4-BE49-F238E27FC236}">
-                  <a16:creationId xmlns:a16="http://schemas.microsoft.com/office/drawing/2014/main" id="{9CE281AB-133C-F2B2-4AD9-D87FA5B4EC69}"/>
-                </a:ext>
-              </a:extLst>
-            </p:cNvPr>
-            <p:cNvCxnSpPr/>
-            <p:nvPr/>
-          </p:nvCxnSpPr>
-          <p:spPr>
-            <a:xfrm>
-              <a:off x="5905059" y="6559374"/>
-              <a:ext cx="309561" cy="0"/>
-            </a:xfrm>
-            <a:prstGeom prst="straightConnector1">
-              <a:avLst/>
-            </a:prstGeom>
-            <a:ln w="28575">
-              <a:tailEnd type="stealth" w="lg" len="lg"/>
-            </a:ln>
-          </p:spPr>
-          <p:style>
-            <a:lnRef idx="1">
-              <a:schemeClr val="accent1"/>
-            </a:lnRef>
-            <a:fillRef idx="0">
-              <a:schemeClr val="accent1"/>
-            </a:fillRef>
-            <a:effectRef idx="0">
-              <a:schemeClr val="accent1"/>
-            </a:effectRef>
-            <a:fontRef idx="minor">
-              <a:schemeClr val="tx1"/>
-            </a:fontRef>
-          </p:style>
-        </p:cxnSp>
-        <p:sp>
-          <p:nvSpPr>
-            <p:cNvPr id="26" name="TextBox 25">
-              <a:extLst>
-                <a:ext uri="{FF2B5EF4-FFF2-40B4-BE49-F238E27FC236}">
-                  <a16:creationId xmlns:a16="http://schemas.microsoft.com/office/drawing/2014/main" id="{2527BBB0-2566-4BE7-0921-0001F495B194}"/>
-                </a:ext>
-              </a:extLst>
-            </p:cNvPr>
-            <p:cNvSpPr txBox="1"/>
-            <p:nvPr/>
-          </p:nvSpPr>
-          <p:spPr>
-            <a:xfrm>
-              <a:off x="4616427" y="5970253"/>
-              <a:ext cx="1365787" cy="261610"/>
-            </a:xfrm>
-            <a:prstGeom prst="rect">
-              <a:avLst/>
-            </a:prstGeom>
-            <a:noFill/>
-          </p:spPr>
-          <p:txBody>
-            <a:bodyPr wrap="square" rtlCol="0">
-              <a:spAutoFit/>
-            </a:bodyPr>
-            <a:lstStyle/>
-            <a:p>
-              <a:pPr algn="ctr"/>
-              <a:r>
-                <a:rPr lang="ru-RU" sz="1100" dirty="0">
-                  <a:latin typeface="Times New Roman" panose="02020603050405020304" pitchFamily="18" charset="0"/>
-                  <a:cs typeface="Times New Roman" panose="02020603050405020304" pitchFamily="18" charset="0"/>
-                </a:rPr>
-                <a:t>фитинг</a:t>
-              </a:r>
-              <a:r>
-                <a:rPr lang="en-US" sz="1100" dirty="0">
-                  <a:latin typeface="Times New Roman" panose="02020603050405020304" pitchFamily="18" charset="0"/>
-                  <a:cs typeface="Times New Roman" panose="02020603050405020304" pitchFamily="18" charset="0"/>
-                </a:rPr>
-                <a:t> </a:t>
-              </a:r>
-              <a:r>
-                <a:rPr lang="ru-RU" sz="1100" dirty="0">
-                  <a:latin typeface="Times New Roman" panose="02020603050405020304" pitchFamily="18" charset="0"/>
-                  <a:cs typeface="Times New Roman" panose="02020603050405020304" pitchFamily="18" charset="0"/>
-                </a:rPr>
-                <a:t>вкл/</a:t>
-              </a:r>
-              <a:r>
-                <a:rPr lang="ru-RU" sz="1100" dirty="0" err="1">
-                  <a:latin typeface="Times New Roman" panose="02020603050405020304" pitchFamily="18" charset="0"/>
-                  <a:cs typeface="Times New Roman" panose="02020603050405020304" pitchFamily="18" charset="0"/>
-                </a:rPr>
-                <a:t>выкл</a:t>
-              </a:r>
-              <a:endParaRPr lang="ru-RU" sz="1100" dirty="0">
-                <a:latin typeface="Times New Roman" panose="02020603050405020304" pitchFamily="18" charset="0"/>
-                <a:cs typeface="Times New Roman" panose="02020603050405020304" pitchFamily="18" charset="0"/>
-              </a:endParaRPr>
-            </a:p>
-          </p:txBody>
-        </p:sp>
-        <p:sp>
-          <p:nvSpPr>
-            <p:cNvPr id="27" name="TextBox 26">
-              <a:extLst>
-                <a:ext uri="{FF2B5EF4-FFF2-40B4-BE49-F238E27FC236}">
-                  <a16:creationId xmlns:a16="http://schemas.microsoft.com/office/drawing/2014/main" id="{C442CD84-08E7-79F8-8333-58F7AE585FE1}"/>
-                </a:ext>
-              </a:extLst>
-            </p:cNvPr>
-            <p:cNvSpPr txBox="1"/>
-            <p:nvPr/>
-          </p:nvSpPr>
-          <p:spPr>
-            <a:xfrm>
-              <a:off x="4981134" y="6184208"/>
-              <a:ext cx="1381125" cy="261610"/>
-            </a:xfrm>
-            <a:prstGeom prst="rect">
-              <a:avLst/>
-            </a:prstGeom>
-            <a:noFill/>
-          </p:spPr>
-          <p:txBody>
-            <a:bodyPr wrap="square" rtlCol="0">
-              <a:spAutoFit/>
-            </a:bodyPr>
-            <a:lstStyle/>
-            <a:p>
-              <a:pPr algn="ctr"/>
-              <a:r>
-                <a:rPr lang="ru-RU" sz="1100" dirty="0">
-                  <a:latin typeface="Times New Roman" panose="02020603050405020304" pitchFamily="18" charset="0"/>
-                  <a:cs typeface="Times New Roman" panose="02020603050405020304" pitchFamily="18" charset="0"/>
-                </a:rPr>
-                <a:t>мин</a:t>
-              </a:r>
-            </a:p>
-          </p:txBody>
-        </p:sp>
-        <p:sp>
-          <p:nvSpPr>
-            <p:cNvPr id="28" name="TextBox 27">
-              <a:extLst>
-                <a:ext uri="{FF2B5EF4-FFF2-40B4-BE49-F238E27FC236}">
-                  <a16:creationId xmlns:a16="http://schemas.microsoft.com/office/drawing/2014/main" id="{09CE617B-E0E4-0A90-2B80-85E8CF36BE25}"/>
-                </a:ext>
-              </a:extLst>
-            </p:cNvPr>
-            <p:cNvSpPr txBox="1"/>
-            <p:nvPr/>
-          </p:nvSpPr>
-          <p:spPr>
-            <a:xfrm>
-              <a:off x="4971609" y="6401079"/>
-              <a:ext cx="1381125" cy="261610"/>
-            </a:xfrm>
-            <a:prstGeom prst="rect">
-              <a:avLst/>
-            </a:prstGeom>
-            <a:noFill/>
-          </p:spPr>
-          <p:txBody>
-            <a:bodyPr wrap="square" rtlCol="0">
-              <a:spAutoFit/>
-            </a:bodyPr>
-            <a:lstStyle/>
-            <a:p>
-              <a:pPr algn="ctr"/>
-              <a:r>
-                <a:rPr lang="ru-RU" sz="1100" dirty="0">
-                  <a:latin typeface="Times New Roman" panose="02020603050405020304" pitchFamily="18" charset="0"/>
-                  <a:cs typeface="Times New Roman" panose="02020603050405020304" pitchFamily="18" charset="0"/>
-                </a:rPr>
-                <a:t>макс</a:t>
-              </a:r>
-            </a:p>
-          </p:txBody>
-        </p:sp>
-        <p:cxnSp>
-          <p:nvCxnSpPr>
-            <p:cNvPr id="29" name="Прямая со стрелкой 198">
-              <a:extLst>
-                <a:ext uri="{FF2B5EF4-FFF2-40B4-BE49-F238E27FC236}">
-                  <a16:creationId xmlns:a16="http://schemas.microsoft.com/office/drawing/2014/main" id="{FD1A10AD-4F4C-46F0-C28F-3AC35E82CEF7}"/>
-                </a:ext>
-              </a:extLst>
-            </p:cNvPr>
-            <p:cNvCxnSpPr/>
-            <p:nvPr/>
-          </p:nvCxnSpPr>
-          <p:spPr>
-            <a:xfrm>
-              <a:off x="5895533" y="5892624"/>
-              <a:ext cx="309561" cy="0"/>
-            </a:xfrm>
-            <a:prstGeom prst="straightConnector1">
-              <a:avLst/>
-            </a:prstGeom>
-            <a:ln w="28575">
-              <a:tailEnd type="stealth" w="lg" len="lg"/>
-            </a:ln>
-          </p:spPr>
-          <p:style>
-            <a:lnRef idx="1">
-              <a:schemeClr val="accent1"/>
-            </a:lnRef>
-            <a:fillRef idx="0">
-              <a:schemeClr val="accent1"/>
-            </a:fillRef>
-            <a:effectRef idx="0">
-              <a:schemeClr val="accent1"/>
-            </a:effectRef>
-            <a:fontRef idx="minor">
-              <a:schemeClr val="tx1"/>
-            </a:fontRef>
-          </p:style>
-        </p:cxnSp>
-        <p:sp>
-          <p:nvSpPr>
-            <p:cNvPr id="32" name="TextBox 31">
-              <a:extLst>
-                <a:ext uri="{FF2B5EF4-FFF2-40B4-BE49-F238E27FC236}">
-                  <a16:creationId xmlns:a16="http://schemas.microsoft.com/office/drawing/2014/main" id="{4354A03B-2EFC-116C-0971-D38434A53F74}"/>
-                </a:ext>
-              </a:extLst>
-            </p:cNvPr>
-            <p:cNvSpPr txBox="1"/>
-            <p:nvPr/>
-          </p:nvSpPr>
-          <p:spPr>
-            <a:xfrm>
-              <a:off x="4594735" y="5750777"/>
-              <a:ext cx="1365787" cy="261610"/>
-            </a:xfrm>
-            <a:prstGeom prst="rect">
-              <a:avLst/>
-            </a:prstGeom>
-            <a:noFill/>
-          </p:spPr>
-          <p:txBody>
-            <a:bodyPr wrap="square" rtlCol="0">
-              <a:spAutoFit/>
-            </a:bodyPr>
-            <a:lstStyle/>
-            <a:p>
-              <a:pPr algn="ctr"/>
-              <a:r>
-                <a:rPr lang="ru-RU" sz="1100" dirty="0">
-                  <a:latin typeface="Times New Roman" panose="02020603050405020304" pitchFamily="18" charset="0"/>
-                  <a:cs typeface="Times New Roman" panose="02020603050405020304" pitchFamily="18" charset="0"/>
-                </a:rPr>
-                <a:t>текущее значение</a:t>
-              </a:r>
-            </a:p>
-          </p:txBody>
-        </p:sp>
-        <p:pic>
-          <p:nvPicPr>
-            <p:cNvPr id="34" name="Picture 33">
-              <a:extLst>
-                <a:ext uri="{FF2B5EF4-FFF2-40B4-BE49-F238E27FC236}">
-                  <a16:creationId xmlns:a16="http://schemas.microsoft.com/office/drawing/2014/main" id="{E4EFE097-DBB1-591E-AA5E-78CDF06E86F6}"/>
-                </a:ext>
-              </a:extLst>
-            </p:cNvPr>
-            <p:cNvPicPr>
-              <a:picLocks noChangeAspect="1"/>
-            </p:cNvPicPr>
-            <p:nvPr/>
-          </p:nvPicPr>
-          <p:blipFill>
-            <a:blip r:embed="rId4"/>
-            <a:stretch>
-              <a:fillRect/>
-            </a:stretch>
-          </p:blipFill>
-          <p:spPr>
-            <a:xfrm>
-              <a:off x="6203380" y="5560534"/>
-              <a:ext cx="619125" cy="1171575"/>
-            </a:xfrm>
-            <a:prstGeom prst="rect">
-              <a:avLst/>
-            </a:prstGeom>
-          </p:spPr>
-        </p:pic>
-      </p:grpSp>
-      <p:grpSp>
-        <p:nvGrpSpPr>
-          <p:cNvPr id="36" name="Group 35">
-            <a:extLst>
-              <a:ext uri="{FF2B5EF4-FFF2-40B4-BE49-F238E27FC236}">
-                <a16:creationId xmlns:a16="http://schemas.microsoft.com/office/drawing/2014/main" id="{FB779CB7-F741-6C76-F3A7-A29C7AA9186E}"/>
-              </a:ext>
-            </a:extLst>
-          </p:cNvPr>
-          <p:cNvGrpSpPr/>
-          <p:nvPr/>
-        </p:nvGrpSpPr>
-        <p:grpSpPr>
-          <a:xfrm>
-            <a:off x="385296" y="5405258"/>
-            <a:ext cx="1985979" cy="1171575"/>
-            <a:chOff x="385296" y="5405258"/>
-            <a:chExt cx="1985979" cy="1171575"/>
-          </a:xfrm>
-        </p:grpSpPr>
-        <p:cxnSp>
-          <p:nvCxnSpPr>
-            <p:cNvPr id="11" name="Прямая со стрелкой 171">
-              <a:extLst>
-                <a:ext uri="{FF2B5EF4-FFF2-40B4-BE49-F238E27FC236}">
-                  <a16:creationId xmlns:a16="http://schemas.microsoft.com/office/drawing/2014/main" id="{BA33AD02-D589-BC21-0F20-8CF8152F26A8}"/>
-                </a:ext>
-              </a:extLst>
-            </p:cNvPr>
-            <p:cNvCxnSpPr/>
-            <p:nvPr/>
-          </p:nvCxnSpPr>
-          <p:spPr>
-            <a:xfrm>
-              <a:off x="1427627" y="5968141"/>
-              <a:ext cx="309561" cy="0"/>
-            </a:xfrm>
-            <a:prstGeom prst="straightConnector1">
-              <a:avLst/>
-            </a:prstGeom>
-            <a:ln w="28575">
-              <a:tailEnd type="stealth" w="lg" len="lg"/>
-            </a:ln>
-          </p:spPr>
-          <p:style>
-            <a:lnRef idx="1">
-              <a:schemeClr val="accent1"/>
-            </a:lnRef>
-            <a:fillRef idx="0">
-              <a:schemeClr val="accent1"/>
-            </a:fillRef>
-            <a:effectRef idx="0">
-              <a:schemeClr val="accent1"/>
-            </a:effectRef>
-            <a:fontRef idx="minor">
-              <a:schemeClr val="tx1"/>
-            </a:fontRef>
-          </p:style>
-        </p:cxnSp>
-        <p:cxnSp>
-          <p:nvCxnSpPr>
-            <p:cNvPr id="12" name="Прямая со стрелкой 172">
-              <a:extLst>
-                <a:ext uri="{FF2B5EF4-FFF2-40B4-BE49-F238E27FC236}">
-                  <a16:creationId xmlns:a16="http://schemas.microsoft.com/office/drawing/2014/main" id="{55CF2E33-B0E9-3E99-7B92-C43100ECE076}"/>
-                </a:ext>
-              </a:extLst>
-            </p:cNvPr>
-            <p:cNvCxnSpPr/>
-            <p:nvPr/>
-          </p:nvCxnSpPr>
-          <p:spPr>
-            <a:xfrm>
-              <a:off x="1427627" y="6177691"/>
-              <a:ext cx="309561" cy="0"/>
-            </a:xfrm>
-            <a:prstGeom prst="straightConnector1">
-              <a:avLst/>
-            </a:prstGeom>
-            <a:ln w="28575">
-              <a:tailEnd type="stealth" w="lg" len="lg"/>
-            </a:ln>
-          </p:spPr>
-          <p:style>
-            <a:lnRef idx="1">
-              <a:schemeClr val="accent1"/>
-            </a:lnRef>
-            <a:fillRef idx="0">
-              <a:schemeClr val="accent1"/>
-            </a:fillRef>
-            <a:effectRef idx="0">
-              <a:schemeClr val="accent1"/>
-            </a:effectRef>
-            <a:fontRef idx="minor">
-              <a:schemeClr val="tx1"/>
-            </a:fontRef>
-          </p:style>
-        </p:cxnSp>
-        <p:cxnSp>
-          <p:nvCxnSpPr>
-            <p:cNvPr id="13" name="Прямая со стрелкой 173">
-              <a:extLst>
-                <a:ext uri="{FF2B5EF4-FFF2-40B4-BE49-F238E27FC236}">
-                  <a16:creationId xmlns:a16="http://schemas.microsoft.com/office/drawing/2014/main" id="{E8E6B963-3892-15EC-A1C4-49F71540B8FE}"/>
-                </a:ext>
-              </a:extLst>
-            </p:cNvPr>
-            <p:cNvCxnSpPr/>
-            <p:nvPr/>
-          </p:nvCxnSpPr>
-          <p:spPr>
-            <a:xfrm>
-              <a:off x="1437153" y="6406291"/>
-              <a:ext cx="309561" cy="0"/>
-            </a:xfrm>
-            <a:prstGeom prst="straightConnector1">
-              <a:avLst/>
-            </a:prstGeom>
-            <a:ln w="28575">
-              <a:tailEnd type="stealth" w="lg" len="lg"/>
-            </a:ln>
-          </p:spPr>
-          <p:style>
-            <a:lnRef idx="1">
-              <a:schemeClr val="accent1"/>
-            </a:lnRef>
-            <a:fillRef idx="0">
-              <a:schemeClr val="accent1"/>
-            </a:fillRef>
-            <a:effectRef idx="0">
-              <a:schemeClr val="accent1"/>
-            </a:effectRef>
-            <a:fontRef idx="minor">
-              <a:schemeClr val="tx1"/>
-            </a:fontRef>
-          </p:style>
-        </p:cxnSp>
-        <p:sp>
-          <p:nvSpPr>
-            <p:cNvPr id="14" name="TextBox 13">
-              <a:extLst>
-                <a:ext uri="{FF2B5EF4-FFF2-40B4-BE49-F238E27FC236}">
-                  <a16:creationId xmlns:a16="http://schemas.microsoft.com/office/drawing/2014/main" id="{419705EA-AAFF-C201-D555-3341E21C3245}"/>
-                </a:ext>
-              </a:extLst>
-            </p:cNvPr>
-            <p:cNvSpPr txBox="1"/>
-            <p:nvPr/>
-          </p:nvSpPr>
-          <p:spPr>
-            <a:xfrm>
-              <a:off x="385296" y="5817170"/>
-              <a:ext cx="1129012" cy="261610"/>
-            </a:xfrm>
-            <a:prstGeom prst="rect">
-              <a:avLst/>
-            </a:prstGeom>
-            <a:noFill/>
-          </p:spPr>
-          <p:txBody>
-            <a:bodyPr wrap="square" rtlCol="0">
-              <a:spAutoFit/>
-            </a:bodyPr>
-            <a:lstStyle/>
-            <a:p>
-              <a:pPr algn="ctr"/>
-              <a:r>
-                <a:rPr lang="en-US" sz="1100" dirty="0">
-                  <a:latin typeface="Times New Roman" panose="02020603050405020304" pitchFamily="18" charset="0"/>
-                  <a:cs typeface="Times New Roman" panose="02020603050405020304" pitchFamily="18" charset="0"/>
-                </a:rPr>
-                <a:t>fitting on/off</a:t>
-              </a:r>
-              <a:endParaRPr lang="ru-RU" sz="1100" dirty="0">
-                <a:latin typeface="Times New Roman" panose="02020603050405020304" pitchFamily="18" charset="0"/>
-                <a:cs typeface="Times New Roman" panose="02020603050405020304" pitchFamily="18" charset="0"/>
-              </a:endParaRPr>
-            </a:p>
-          </p:txBody>
-        </p:sp>
-        <p:sp>
-          <p:nvSpPr>
-            <p:cNvPr id="15" name="TextBox 14">
-              <a:extLst>
-                <a:ext uri="{FF2B5EF4-FFF2-40B4-BE49-F238E27FC236}">
-                  <a16:creationId xmlns:a16="http://schemas.microsoft.com/office/drawing/2014/main" id="{8668E7FD-5308-0C4F-9BDD-8F55D3A53FE0}"/>
-                </a:ext>
-              </a:extLst>
-            </p:cNvPr>
-            <p:cNvSpPr txBox="1"/>
-            <p:nvPr/>
-          </p:nvSpPr>
-          <p:spPr>
-            <a:xfrm>
-              <a:off x="513228" y="6031125"/>
-              <a:ext cx="1381125" cy="261610"/>
-            </a:xfrm>
-            <a:prstGeom prst="rect">
-              <a:avLst/>
-            </a:prstGeom>
-            <a:noFill/>
-          </p:spPr>
-          <p:txBody>
-            <a:bodyPr wrap="square" rtlCol="0">
-              <a:spAutoFit/>
-            </a:bodyPr>
-            <a:lstStyle/>
-            <a:p>
-              <a:pPr algn="ctr"/>
-              <a:r>
-                <a:rPr lang="en-US" sz="1100" dirty="0">
-                  <a:latin typeface="Times New Roman" panose="02020603050405020304" pitchFamily="18" charset="0"/>
-                  <a:cs typeface="Times New Roman" panose="02020603050405020304" pitchFamily="18" charset="0"/>
-                </a:rPr>
-                <a:t>min</a:t>
-              </a:r>
-              <a:endParaRPr lang="ru-RU" sz="1100" dirty="0">
-                <a:latin typeface="Times New Roman" panose="02020603050405020304" pitchFamily="18" charset="0"/>
-                <a:cs typeface="Times New Roman" panose="02020603050405020304" pitchFamily="18" charset="0"/>
-              </a:endParaRPr>
-            </a:p>
-          </p:txBody>
-        </p:sp>
-        <p:sp>
-          <p:nvSpPr>
-            <p:cNvPr id="16" name="TextBox 15">
-              <a:extLst>
-                <a:ext uri="{FF2B5EF4-FFF2-40B4-BE49-F238E27FC236}">
-                  <a16:creationId xmlns:a16="http://schemas.microsoft.com/office/drawing/2014/main" id="{67C772C2-DAC8-C556-D348-F9069CE3552E}"/>
-                </a:ext>
-              </a:extLst>
-            </p:cNvPr>
-            <p:cNvSpPr txBox="1"/>
-            <p:nvPr/>
-          </p:nvSpPr>
-          <p:spPr>
-            <a:xfrm>
-              <a:off x="503703" y="6247996"/>
-              <a:ext cx="1381125" cy="261610"/>
-            </a:xfrm>
-            <a:prstGeom prst="rect">
-              <a:avLst/>
-            </a:prstGeom>
-            <a:noFill/>
-          </p:spPr>
-          <p:txBody>
-            <a:bodyPr wrap="square" rtlCol="0">
-              <a:spAutoFit/>
-            </a:bodyPr>
-            <a:lstStyle/>
-            <a:p>
-              <a:pPr algn="ctr"/>
-              <a:r>
-                <a:rPr lang="en-US" sz="1100" dirty="0">
-                  <a:latin typeface="Times New Roman" panose="02020603050405020304" pitchFamily="18" charset="0"/>
-                  <a:cs typeface="Times New Roman" panose="02020603050405020304" pitchFamily="18" charset="0"/>
-                </a:rPr>
-                <a:t>max</a:t>
-              </a:r>
-              <a:endParaRPr lang="ru-RU" sz="1100" dirty="0">
-                <a:latin typeface="Times New Roman" panose="02020603050405020304" pitchFamily="18" charset="0"/>
-                <a:cs typeface="Times New Roman" panose="02020603050405020304" pitchFamily="18" charset="0"/>
-              </a:endParaRPr>
-            </a:p>
-          </p:txBody>
-        </p:sp>
-        <p:cxnSp>
-          <p:nvCxnSpPr>
-            <p:cNvPr id="17" name="Прямая со стрелкой 177">
-              <a:extLst>
-                <a:ext uri="{FF2B5EF4-FFF2-40B4-BE49-F238E27FC236}">
-                  <a16:creationId xmlns:a16="http://schemas.microsoft.com/office/drawing/2014/main" id="{079F1B9E-11A4-3C5A-A8A4-5595EBBDF58C}"/>
-                </a:ext>
-              </a:extLst>
-            </p:cNvPr>
-            <p:cNvCxnSpPr/>
-            <p:nvPr/>
-          </p:nvCxnSpPr>
-          <p:spPr>
-            <a:xfrm>
-              <a:off x="1427627" y="5739541"/>
-              <a:ext cx="309561" cy="0"/>
-            </a:xfrm>
-            <a:prstGeom prst="straightConnector1">
-              <a:avLst/>
-            </a:prstGeom>
-            <a:ln w="28575">
-              <a:tailEnd type="stealth" w="lg" len="lg"/>
-            </a:ln>
-          </p:spPr>
-          <p:style>
-            <a:lnRef idx="1">
-              <a:schemeClr val="accent1"/>
-            </a:lnRef>
-            <a:fillRef idx="0">
-              <a:schemeClr val="accent1"/>
-            </a:fillRef>
-            <a:effectRef idx="0">
-              <a:schemeClr val="accent1"/>
-            </a:effectRef>
-            <a:fontRef idx="minor">
-              <a:schemeClr val="tx1"/>
-            </a:fontRef>
-          </p:style>
-        </p:cxnSp>
-        <p:sp>
-          <p:nvSpPr>
-            <p:cNvPr id="20" name="TextBox 19">
-              <a:extLst>
-                <a:ext uri="{FF2B5EF4-FFF2-40B4-BE49-F238E27FC236}">
-                  <a16:creationId xmlns:a16="http://schemas.microsoft.com/office/drawing/2014/main" id="{CE151893-0F5B-6683-2229-CE0064444533}"/>
-                </a:ext>
-              </a:extLst>
-            </p:cNvPr>
-            <p:cNvSpPr txBox="1"/>
-            <p:nvPr/>
-          </p:nvSpPr>
-          <p:spPr>
-            <a:xfrm>
-              <a:off x="385296" y="5588733"/>
-              <a:ext cx="1129012" cy="261610"/>
-            </a:xfrm>
-            <a:prstGeom prst="rect">
-              <a:avLst/>
-            </a:prstGeom>
-            <a:noFill/>
-          </p:spPr>
-          <p:txBody>
-            <a:bodyPr wrap="square" rtlCol="0">
-              <a:spAutoFit/>
-            </a:bodyPr>
-            <a:lstStyle/>
-            <a:p>
-              <a:pPr algn="ctr"/>
-              <a:r>
-                <a:rPr lang="en-US" sz="1100" dirty="0">
-                  <a:latin typeface="Times New Roman" panose="02020603050405020304" pitchFamily="18" charset="0"/>
-                  <a:cs typeface="Times New Roman" panose="02020603050405020304" pitchFamily="18" charset="0"/>
-                </a:rPr>
-                <a:t>current value</a:t>
-              </a:r>
-              <a:endParaRPr lang="ru-RU" sz="1100" dirty="0">
-                <a:latin typeface="Times New Roman" panose="02020603050405020304" pitchFamily="18" charset="0"/>
-                <a:cs typeface="Times New Roman" panose="02020603050405020304" pitchFamily="18" charset="0"/>
-              </a:endParaRPr>
-            </a:p>
-          </p:txBody>
-        </p:sp>
-        <p:pic>
-          <p:nvPicPr>
-            <p:cNvPr id="35" name="Picture 34">
-              <a:extLst>
-                <a:ext uri="{FF2B5EF4-FFF2-40B4-BE49-F238E27FC236}">
-                  <a16:creationId xmlns:a16="http://schemas.microsoft.com/office/drawing/2014/main" id="{506D8CF0-09EC-8995-B302-F9C17D2AC107}"/>
-                </a:ext>
-              </a:extLst>
-            </p:cNvPr>
-            <p:cNvPicPr>
-              <a:picLocks noChangeAspect="1"/>
-            </p:cNvPicPr>
-            <p:nvPr/>
-          </p:nvPicPr>
-          <p:blipFill>
-            <a:blip r:embed="rId4"/>
-            <a:stretch>
-              <a:fillRect/>
-            </a:stretch>
-          </p:blipFill>
-          <p:spPr>
-            <a:xfrm>
-              <a:off x="1752150" y="5405258"/>
-              <a:ext cx="619125" cy="1171575"/>
-            </a:xfrm>
-            <a:prstGeom prst="rect">
-              <a:avLst/>
-            </a:prstGeom>
-          </p:spPr>
-        </p:pic>
-      </p:grpSp>
-      <p:grpSp>
-        <p:nvGrpSpPr>
-          <p:cNvPr id="42" name="Group 41">
-            <a:extLst>
-              <a:ext uri="{FF2B5EF4-FFF2-40B4-BE49-F238E27FC236}">
-                <a16:creationId xmlns:a16="http://schemas.microsoft.com/office/drawing/2014/main" id="{47B59C60-12D2-BCE4-C924-04FC19DA2D47}"/>
-              </a:ext>
-            </a:extLst>
-          </p:cNvPr>
-          <p:cNvGrpSpPr/>
-          <p:nvPr/>
-        </p:nvGrpSpPr>
-        <p:grpSpPr>
-          <a:xfrm>
-            <a:off x="5578415" y="-64118"/>
-            <a:ext cx="2748460" cy="4553585"/>
-            <a:chOff x="5578415" y="-64118"/>
-            <a:chExt cx="2748460" cy="4553585"/>
-          </a:xfrm>
-        </p:grpSpPr>
-        <p:pic>
-          <p:nvPicPr>
-            <p:cNvPr id="40" name="Рисунок 1117">
-              <a:extLst>
-                <a:ext uri="{FF2B5EF4-FFF2-40B4-BE49-F238E27FC236}">
-                  <a16:creationId xmlns:a16="http://schemas.microsoft.com/office/drawing/2014/main" id="{66F89D84-40D8-29CE-C41C-248DAB7F6206}"/>
-                </a:ext>
-              </a:extLst>
-            </p:cNvPr>
-            <p:cNvPicPr>
-              <a:picLocks noChangeAspect="1"/>
-            </p:cNvPicPr>
-            <p:nvPr/>
-          </p:nvPicPr>
-          <p:blipFill>
-            <a:blip r:embed="rId5">
-              <a:extLst>
-                <a:ext uri="{28A0092B-C50C-407E-A947-70E740481C1C}">
-                  <a14:useLocalDpi xmlns:a14="http://schemas.microsoft.com/office/drawing/2010/main" val="0"/>
-                </a:ext>
-              </a:extLst>
-            </a:blip>
-            <a:stretch>
-              <a:fillRect/>
-            </a:stretch>
-          </p:blipFill>
-          <p:spPr>
-            <a:xfrm>
-              <a:off x="5630665" y="-64118"/>
-              <a:ext cx="2696210" cy="4553585"/>
-            </a:xfrm>
-            <a:prstGeom prst="rect">
-              <a:avLst/>
-            </a:prstGeom>
-          </p:spPr>
-        </p:pic>
-        <p:sp>
-          <p:nvSpPr>
-            <p:cNvPr id="41" name="Овал 2">
-              <a:extLst>
-                <a:ext uri="{FF2B5EF4-FFF2-40B4-BE49-F238E27FC236}">
-                  <a16:creationId xmlns:a16="http://schemas.microsoft.com/office/drawing/2014/main" id="{94FA0DA5-5DFF-4D1E-1052-DF2D94E13FF4}"/>
-                </a:ext>
-              </a:extLst>
-            </p:cNvPr>
-            <p:cNvSpPr/>
-            <p:nvPr/>
-          </p:nvSpPr>
-          <p:spPr>
-            <a:xfrm>
-              <a:off x="5578415" y="2941608"/>
-              <a:ext cx="1973580" cy="274320"/>
-            </a:xfrm>
-            <a:prstGeom prst="ellipse">
-              <a:avLst/>
-            </a:prstGeom>
-            <a:noFill/>
-            <a:ln w="19050">
-              <a:solidFill>
-                <a:srgbClr val="FF0000"/>
-              </a:solidFill>
-            </a:ln>
-          </p:spPr>
-          <p:style>
-            <a:lnRef idx="2">
-              <a:schemeClr val="accent1">
-                <a:shade val="50000"/>
-              </a:schemeClr>
-            </a:lnRef>
-            <a:fillRef idx="1">
-              <a:schemeClr val="accent1"/>
-            </a:fillRef>
-            <a:effectRef idx="0">
-              <a:schemeClr val="accent1"/>
-            </a:effectRef>
-            <a:fontRef idx="minor">
-              <a:schemeClr val="lt1"/>
-            </a:fontRef>
-          </p:style>
-          <p:txBody>
-            <a:bodyPr rtlCol="0" anchor="ctr"/>
-            <a:lstStyle/>
-            <a:p>
-              <a:pPr algn="ctr"/>
-              <a:endParaRPr lang="ru-RU"/>
-            </a:p>
-          </p:txBody>
-        </p:sp>
-      </p:grpSp>
-    </p:spTree>
-    <p:extLst>
-      <p:ext uri="{BB962C8B-B14F-4D97-AF65-F5344CB8AC3E}">
-        <p14:creationId xmlns:p14="http://schemas.microsoft.com/office/powerpoint/2010/main" val="1761457133"/>
-      </p:ext>
-    </p:extLst>
-  </p:cSld>
-  <p:clrMapOvr>
-    <a:masterClrMapping/>
-  </p:clrMapOvr>
-</p:sld>
-</file>
-
-<file path=ppt/slides/slide39.xml><?xml version="1.0" encoding="utf-8"?>
-<p:sld xmlns:a="http://schemas.openxmlformats.org/drawingml/2006/main" xmlns:r="http://schemas.openxmlformats.org/officeDocument/2006/relationships" xmlns:p="http://schemas.openxmlformats.org/presentationml/2006/main">
-  <p:cSld>
-    <p:spTree>
-      <p:nvGrpSpPr>
-        <p:cNvPr id="1" name=""/>
-        <p:cNvGrpSpPr/>
-        <p:nvPr/>
-      </p:nvGrpSpPr>
-      <p:grpSpPr>
-        <a:xfrm>
-          <a:off x="0" y="0"/>
-          <a:ext cx="0" cy="0"/>
-          <a:chOff x="0" y="0"/>
-          <a:chExt cx="0" cy="0"/>
-        </a:xfrm>
-      </p:grpSpPr>
-      <p:grpSp>
-        <p:nvGrpSpPr>
-          <p:cNvPr id="6" name="Group 5">
-            <a:extLst>
-              <a:ext uri="{FF2B5EF4-FFF2-40B4-BE49-F238E27FC236}">
-                <a16:creationId xmlns:a16="http://schemas.microsoft.com/office/drawing/2014/main" id="{075F8EE3-F20D-6F92-1569-DEAA57A82C28}"/>
-              </a:ext>
-            </a:extLst>
-          </p:cNvPr>
-          <p:cNvGrpSpPr/>
-          <p:nvPr/>
-        </p:nvGrpSpPr>
-        <p:grpSpPr>
-          <a:xfrm>
-            <a:off x="2395537" y="2476500"/>
-            <a:ext cx="4352925" cy="1905000"/>
-            <a:chOff x="2395537" y="2476500"/>
-            <a:chExt cx="4352925" cy="1905000"/>
-          </a:xfrm>
-        </p:grpSpPr>
-        <p:pic>
-          <p:nvPicPr>
-            <p:cNvPr id="4" name="Picture 3">
-              <a:extLst>
-                <a:ext uri="{FF2B5EF4-FFF2-40B4-BE49-F238E27FC236}">
-                  <a16:creationId xmlns:a16="http://schemas.microsoft.com/office/drawing/2014/main" id="{61967D55-016F-06D1-0CBD-EEAE9A0B3FCE}"/>
-                </a:ext>
-              </a:extLst>
-            </p:cNvPr>
-            <p:cNvPicPr>
-              <a:picLocks noChangeAspect="1"/>
-            </p:cNvPicPr>
-            <p:nvPr/>
-          </p:nvPicPr>
-          <p:blipFill>
-            <a:blip r:embed="rId2"/>
-            <a:stretch>
-              <a:fillRect/>
-            </a:stretch>
-          </p:blipFill>
-          <p:spPr>
-            <a:xfrm>
-              <a:off x="2395537" y="2476500"/>
-              <a:ext cx="4352925" cy="1905000"/>
-            </a:xfrm>
-            <a:prstGeom prst="rect">
-              <a:avLst/>
-            </a:prstGeom>
-          </p:spPr>
-        </p:pic>
-        <p:sp>
-          <p:nvSpPr>
-            <p:cNvPr id="5" name="Rectangle: Rounded Corners 4">
-              <a:extLst>
-                <a:ext uri="{FF2B5EF4-FFF2-40B4-BE49-F238E27FC236}">
-                  <a16:creationId xmlns:a16="http://schemas.microsoft.com/office/drawing/2014/main" id="{ACA03396-4644-DB7B-95FA-3048FF5B9A63}"/>
-                </a:ext>
-              </a:extLst>
-            </p:cNvPr>
-            <p:cNvSpPr/>
-            <p:nvPr/>
-          </p:nvSpPr>
-          <p:spPr>
-            <a:xfrm>
-              <a:off x="2415395" y="2777706"/>
-              <a:ext cx="4304581" cy="465826"/>
-            </a:xfrm>
-            <a:prstGeom prst="roundRect">
-              <a:avLst/>
-            </a:prstGeom>
-            <a:noFill/>
-            <a:ln w="25400">
-              <a:solidFill>
-                <a:srgbClr val="FF0000"/>
-              </a:solidFill>
-            </a:ln>
-          </p:spPr>
-          <p:style>
-            <a:lnRef idx="2">
-              <a:schemeClr val="accent1">
-                <a:shade val="50000"/>
-              </a:schemeClr>
-            </a:lnRef>
-            <a:fillRef idx="1">
-              <a:schemeClr val="accent1"/>
-            </a:fillRef>
-            <a:effectRef idx="0">
-              <a:schemeClr val="accent1"/>
-            </a:effectRef>
-            <a:fontRef idx="minor">
-              <a:schemeClr val="lt1"/>
-            </a:fontRef>
-          </p:style>
-          <p:txBody>
-            <a:bodyPr rtlCol="0" anchor="ctr"/>
-            <a:lstStyle/>
-            <a:p>
-              <a:pPr algn="ctr"/>
-              <a:endParaRPr lang="en-US" dirty="0"/>
-            </a:p>
-          </p:txBody>
-        </p:sp>
-      </p:grpSp>
-      <p:grpSp>
-        <p:nvGrpSpPr>
-          <p:cNvPr id="15" name="Group 14">
-            <a:extLst>
-              <a:ext uri="{FF2B5EF4-FFF2-40B4-BE49-F238E27FC236}">
-                <a16:creationId xmlns:a16="http://schemas.microsoft.com/office/drawing/2014/main" id="{D5D32B3D-1683-BCF2-2201-395CB594D7E9}"/>
-              </a:ext>
-            </a:extLst>
-          </p:cNvPr>
-          <p:cNvGrpSpPr/>
-          <p:nvPr/>
-        </p:nvGrpSpPr>
-        <p:grpSpPr>
-          <a:xfrm>
-            <a:off x="1067430" y="4480129"/>
-            <a:ext cx="1985066" cy="1237028"/>
-            <a:chOff x="1067430" y="4480129"/>
-            <a:chExt cx="1985066" cy="1237028"/>
-          </a:xfrm>
-        </p:grpSpPr>
-        <p:pic>
-          <p:nvPicPr>
-            <p:cNvPr id="8" name="Picture 7">
-              <a:extLst>
-                <a:ext uri="{FF2B5EF4-FFF2-40B4-BE49-F238E27FC236}">
-                  <a16:creationId xmlns:a16="http://schemas.microsoft.com/office/drawing/2014/main" id="{100AB3D9-8FB5-9A48-9606-224DA35A0B77}"/>
-                </a:ext>
-              </a:extLst>
-            </p:cNvPr>
-            <p:cNvPicPr>
-              <a:picLocks noChangeAspect="1"/>
-            </p:cNvPicPr>
-            <p:nvPr/>
-          </p:nvPicPr>
-          <p:blipFill>
-            <a:blip r:embed="rId3"/>
-            <a:stretch>
-              <a:fillRect/>
-            </a:stretch>
-          </p:blipFill>
-          <p:spPr>
-            <a:xfrm>
-              <a:off x="1433872" y="4574157"/>
-              <a:ext cx="600075" cy="1143000"/>
-            </a:xfrm>
-            <a:prstGeom prst="rect">
-              <a:avLst/>
-            </a:prstGeom>
-          </p:spPr>
-        </p:pic>
-        <p:pic>
-          <p:nvPicPr>
-            <p:cNvPr id="12" name="Picture 11">
-              <a:extLst>
-                <a:ext uri="{FF2B5EF4-FFF2-40B4-BE49-F238E27FC236}">
-                  <a16:creationId xmlns:a16="http://schemas.microsoft.com/office/drawing/2014/main" id="{CCFC2153-091A-C8DE-2FD6-EB9912A8B517}"/>
-                </a:ext>
-              </a:extLst>
-            </p:cNvPr>
-            <p:cNvPicPr>
-              <a:picLocks noChangeAspect="1"/>
-            </p:cNvPicPr>
-            <p:nvPr/>
-          </p:nvPicPr>
-          <p:blipFill>
-            <a:blip r:embed="rId4"/>
-            <a:stretch>
-              <a:fillRect/>
-            </a:stretch>
-          </p:blipFill>
-          <p:spPr>
-            <a:xfrm>
-              <a:off x="2471471" y="4570294"/>
-              <a:ext cx="581025" cy="1143000"/>
-            </a:xfrm>
-            <a:prstGeom prst="rect">
-              <a:avLst/>
-            </a:prstGeom>
-          </p:spPr>
-        </p:pic>
-        <p:sp>
-          <p:nvSpPr>
-            <p:cNvPr id="13" name="TextBox 12">
-              <a:extLst>
-                <a:ext uri="{FF2B5EF4-FFF2-40B4-BE49-F238E27FC236}">
-                  <a16:creationId xmlns:a16="http://schemas.microsoft.com/office/drawing/2014/main" id="{2F41C986-12FA-8C38-6617-8755795FC86D}"/>
-                </a:ext>
-              </a:extLst>
-            </p:cNvPr>
-            <p:cNvSpPr txBox="1"/>
-            <p:nvPr/>
-          </p:nvSpPr>
-          <p:spPr>
-            <a:xfrm>
-              <a:off x="1067430" y="4480131"/>
-              <a:ext cx="439948" cy="369332"/>
-            </a:xfrm>
-            <a:prstGeom prst="rect">
-              <a:avLst/>
-            </a:prstGeom>
-            <a:noFill/>
-          </p:spPr>
-          <p:txBody>
-            <a:bodyPr wrap="square" rtlCol="0">
-              <a:spAutoFit/>
-            </a:bodyPr>
-            <a:lstStyle/>
-            <a:p>
-              <a:r>
-                <a:rPr lang="en-US" dirty="0">
-                  <a:solidFill>
-                    <a:srgbClr val="FF0000"/>
-                  </a:solidFill>
-                  <a:latin typeface="Times New Roman" panose="02020603050405020304" pitchFamily="18" charset="0"/>
-                  <a:cs typeface="Times New Roman" panose="02020603050405020304" pitchFamily="18" charset="0"/>
-                </a:rPr>
-                <a:t>(a)</a:t>
-              </a:r>
-            </a:p>
-          </p:txBody>
-        </p:sp>
-        <p:sp>
-          <p:nvSpPr>
-            <p:cNvPr id="14" name="TextBox 13">
-              <a:extLst>
-                <a:ext uri="{FF2B5EF4-FFF2-40B4-BE49-F238E27FC236}">
-                  <a16:creationId xmlns:a16="http://schemas.microsoft.com/office/drawing/2014/main" id="{F7875113-59A2-C647-B047-0B5472B0ED6D}"/>
-                </a:ext>
-              </a:extLst>
-            </p:cNvPr>
-            <p:cNvSpPr txBox="1"/>
-            <p:nvPr/>
-          </p:nvSpPr>
-          <p:spPr>
-            <a:xfrm>
-              <a:off x="2097840" y="4480129"/>
-              <a:ext cx="499613" cy="369332"/>
-            </a:xfrm>
-            <a:prstGeom prst="rect">
-              <a:avLst/>
-            </a:prstGeom>
-            <a:noFill/>
-          </p:spPr>
-          <p:txBody>
-            <a:bodyPr wrap="square" rtlCol="0">
-              <a:spAutoFit/>
-            </a:bodyPr>
-            <a:lstStyle/>
-            <a:p>
-              <a:r>
-                <a:rPr lang="en-US" dirty="0">
-                  <a:solidFill>
-                    <a:srgbClr val="FF0000"/>
-                  </a:solidFill>
-                  <a:latin typeface="Times New Roman" panose="02020603050405020304" pitchFamily="18" charset="0"/>
-                  <a:cs typeface="Times New Roman" panose="02020603050405020304" pitchFamily="18" charset="0"/>
-                </a:rPr>
-                <a:t>(b)</a:t>
-              </a:r>
-            </a:p>
-          </p:txBody>
-        </p:sp>
-      </p:grpSp>
-    </p:spTree>
-    <p:extLst>
-      <p:ext uri="{BB962C8B-B14F-4D97-AF65-F5344CB8AC3E}">
-        <p14:creationId xmlns:p14="http://schemas.microsoft.com/office/powerpoint/2010/main" val="2484618554"/>
-      </p:ext>
-    </p:extLst>
-  </p:cSld>
-  <p:clrMapOvr>
-    <a:masterClrMapping/>
-  </p:clrMapOvr>
-</p:sld>
-</file>
-
 <file path=ppt/slides/slide4.xml><?xml version="1.0" encoding="utf-8"?>
 <p:sld xmlns:a="http://schemas.openxmlformats.org/drawingml/2006/main" xmlns:r="http://schemas.openxmlformats.org/officeDocument/2006/relationships" xmlns:p="http://schemas.openxmlformats.org/presentationml/2006/main">
   <p:cSld>
@@ -27967,6 +27131,1454 @@
       </p:grpSpPr>
       <p:grpSp>
         <p:nvGrpSpPr>
+          <p:cNvPr id="4" name="Группа 3"/>
+          <p:cNvGrpSpPr/>
+          <p:nvPr/>
+        </p:nvGrpSpPr>
+        <p:grpSpPr>
+          <a:xfrm>
+            <a:off x="0" y="-72875"/>
+            <a:ext cx="4635817" cy="5019675"/>
+            <a:chOff x="2141220" y="919162"/>
+            <a:chExt cx="4635817" cy="5019675"/>
+          </a:xfrm>
+        </p:grpSpPr>
+        <p:pic>
+          <p:nvPicPr>
+            <p:cNvPr id="2" name="Рисунок 1"/>
+            <p:cNvPicPr>
+              <a:picLocks noChangeAspect="1"/>
+            </p:cNvPicPr>
+            <p:nvPr/>
+          </p:nvPicPr>
+          <p:blipFill>
+            <a:blip r:embed="rId2"/>
+            <a:stretch>
+              <a:fillRect/>
+            </a:stretch>
+          </p:blipFill>
+          <p:spPr>
+            <a:xfrm>
+              <a:off x="2366962" y="919162"/>
+              <a:ext cx="4410075" cy="5019675"/>
+            </a:xfrm>
+            <a:prstGeom prst="rect">
+              <a:avLst/>
+            </a:prstGeom>
+          </p:spPr>
+        </p:pic>
+        <p:sp>
+          <p:nvSpPr>
+            <p:cNvPr id="3" name="Овал 2"/>
+            <p:cNvSpPr/>
+            <p:nvPr/>
+          </p:nvSpPr>
+          <p:spPr>
+            <a:xfrm>
+              <a:off x="2141220" y="2537460"/>
+              <a:ext cx="1973580" cy="327660"/>
+            </a:xfrm>
+            <a:prstGeom prst="ellipse">
+              <a:avLst/>
+            </a:prstGeom>
+            <a:noFill/>
+            <a:ln w="19050">
+              <a:solidFill>
+                <a:srgbClr val="FF0000"/>
+              </a:solidFill>
+            </a:ln>
+          </p:spPr>
+          <p:style>
+            <a:lnRef idx="2">
+              <a:schemeClr val="accent1">
+                <a:shade val="50000"/>
+              </a:schemeClr>
+            </a:lnRef>
+            <a:fillRef idx="1">
+              <a:schemeClr val="accent1"/>
+            </a:fillRef>
+            <a:effectRef idx="0">
+              <a:schemeClr val="accent1"/>
+            </a:effectRef>
+            <a:fontRef idx="minor">
+              <a:schemeClr val="lt1"/>
+            </a:fontRef>
+          </p:style>
+          <p:txBody>
+            <a:bodyPr rtlCol="0" anchor="ctr"/>
+            <a:lstStyle/>
+            <a:p>
+              <a:pPr algn="ctr"/>
+              <a:endParaRPr lang="ru-RU"/>
+            </a:p>
+          </p:txBody>
+        </p:sp>
+      </p:grpSp>
+      <p:grpSp>
+        <p:nvGrpSpPr>
+          <p:cNvPr id="8" name="Group 7">
+            <a:extLst>
+              <a:ext uri="{FF2B5EF4-FFF2-40B4-BE49-F238E27FC236}">
+                <a16:creationId xmlns:a16="http://schemas.microsoft.com/office/drawing/2014/main" id="{B501ED5B-54EC-F650-CAE1-A81A3857764E}"/>
+              </a:ext>
+            </a:extLst>
+          </p:cNvPr>
+          <p:cNvGrpSpPr/>
+          <p:nvPr/>
+        </p:nvGrpSpPr>
+        <p:grpSpPr>
+          <a:xfrm>
+            <a:off x="5754710" y="5201729"/>
+            <a:ext cx="2620645" cy="1140395"/>
+            <a:chOff x="5306137" y="2191109"/>
+            <a:chExt cx="2620645" cy="1140395"/>
+          </a:xfrm>
+        </p:grpSpPr>
+        <p:pic>
+          <p:nvPicPr>
+            <p:cNvPr id="5" name="Рисунок 1069">
+              <a:extLst>
+                <a:ext uri="{FF2B5EF4-FFF2-40B4-BE49-F238E27FC236}">
+                  <a16:creationId xmlns:a16="http://schemas.microsoft.com/office/drawing/2014/main" id="{4DB962BB-BD49-48EB-41D6-A97FA0D736AB}"/>
+                </a:ext>
+              </a:extLst>
+            </p:cNvPr>
+            <p:cNvPicPr>
+              <a:picLocks noChangeAspect="1"/>
+            </p:cNvPicPr>
+            <p:nvPr/>
+          </p:nvPicPr>
+          <p:blipFill>
+            <a:blip r:embed="rId3">
+              <a:extLst>
+                <a:ext uri="{28A0092B-C50C-407E-A947-70E740481C1C}">
+                  <a14:useLocalDpi xmlns:a14="http://schemas.microsoft.com/office/drawing/2010/main" val="0"/>
+                </a:ext>
+              </a:extLst>
+            </a:blip>
+            <a:stretch>
+              <a:fillRect/>
+            </a:stretch>
+          </p:blipFill>
+          <p:spPr>
+            <a:xfrm>
+              <a:off x="5306137" y="2198029"/>
+              <a:ext cx="2620645" cy="1133475"/>
+            </a:xfrm>
+            <a:prstGeom prst="rect">
+              <a:avLst/>
+            </a:prstGeom>
+          </p:spPr>
+        </p:pic>
+        <p:sp>
+          <p:nvSpPr>
+            <p:cNvPr id="6" name="Овал 2">
+              <a:extLst>
+                <a:ext uri="{FF2B5EF4-FFF2-40B4-BE49-F238E27FC236}">
+                  <a16:creationId xmlns:a16="http://schemas.microsoft.com/office/drawing/2014/main" id="{38A4A412-F941-482B-B6D7-D799D4E8488C}"/>
+                </a:ext>
+              </a:extLst>
+            </p:cNvPr>
+            <p:cNvSpPr/>
+            <p:nvPr/>
+          </p:nvSpPr>
+          <p:spPr>
+            <a:xfrm>
+              <a:off x="5382883" y="2191109"/>
+              <a:ext cx="207035" cy="188056"/>
+            </a:xfrm>
+            <a:prstGeom prst="ellipse">
+              <a:avLst/>
+            </a:prstGeom>
+            <a:noFill/>
+            <a:ln w="19050">
+              <a:solidFill>
+                <a:srgbClr val="FF0000"/>
+              </a:solidFill>
+            </a:ln>
+          </p:spPr>
+          <p:style>
+            <a:lnRef idx="2">
+              <a:schemeClr val="accent1">
+                <a:shade val="50000"/>
+              </a:schemeClr>
+            </a:lnRef>
+            <a:fillRef idx="1">
+              <a:schemeClr val="accent1"/>
+            </a:fillRef>
+            <a:effectRef idx="0">
+              <a:schemeClr val="accent1"/>
+            </a:effectRef>
+            <a:fontRef idx="minor">
+              <a:schemeClr val="lt1"/>
+            </a:fontRef>
+          </p:style>
+          <p:txBody>
+            <a:bodyPr rtlCol="0" anchor="ctr"/>
+            <a:lstStyle/>
+            <a:p>
+              <a:pPr algn="ctr"/>
+              <a:endParaRPr lang="ru-RU"/>
+            </a:p>
+          </p:txBody>
+        </p:sp>
+        <p:sp>
+          <p:nvSpPr>
+            <p:cNvPr id="7" name="Овал 2">
+              <a:extLst>
+                <a:ext uri="{FF2B5EF4-FFF2-40B4-BE49-F238E27FC236}">
+                  <a16:creationId xmlns:a16="http://schemas.microsoft.com/office/drawing/2014/main" id="{4670BA4F-AE09-B599-EA20-321C8ABB7807}"/>
+                </a:ext>
+              </a:extLst>
+            </p:cNvPr>
+            <p:cNvSpPr/>
+            <p:nvPr/>
+          </p:nvSpPr>
+          <p:spPr>
+            <a:xfrm>
+              <a:off x="5345505" y="2378013"/>
+              <a:ext cx="207035" cy="188056"/>
+            </a:xfrm>
+            <a:prstGeom prst="ellipse">
+              <a:avLst/>
+            </a:prstGeom>
+            <a:noFill/>
+            <a:ln w="19050">
+              <a:solidFill>
+                <a:srgbClr val="FF0000"/>
+              </a:solidFill>
+            </a:ln>
+          </p:spPr>
+          <p:style>
+            <a:lnRef idx="2">
+              <a:schemeClr val="accent1">
+                <a:shade val="50000"/>
+              </a:schemeClr>
+            </a:lnRef>
+            <a:fillRef idx="1">
+              <a:schemeClr val="accent1"/>
+            </a:fillRef>
+            <a:effectRef idx="0">
+              <a:schemeClr val="accent1"/>
+            </a:effectRef>
+            <a:fontRef idx="minor">
+              <a:schemeClr val="lt1"/>
+            </a:fontRef>
+          </p:style>
+          <p:txBody>
+            <a:bodyPr rtlCol="0" anchor="ctr"/>
+            <a:lstStyle/>
+            <a:p>
+              <a:pPr algn="ctr"/>
+              <a:endParaRPr lang="ru-RU"/>
+            </a:p>
+          </p:txBody>
+        </p:sp>
+      </p:grpSp>
+      <p:grpSp>
+        <p:nvGrpSpPr>
+          <p:cNvPr id="37" name="Group 36">
+            <a:extLst>
+              <a:ext uri="{FF2B5EF4-FFF2-40B4-BE49-F238E27FC236}">
+                <a16:creationId xmlns:a16="http://schemas.microsoft.com/office/drawing/2014/main" id="{73FE8741-4752-0744-41AB-C5BC0E3B5768}"/>
+              </a:ext>
+            </a:extLst>
+          </p:cNvPr>
+          <p:cNvGrpSpPr/>
+          <p:nvPr/>
+        </p:nvGrpSpPr>
+        <p:grpSpPr>
+          <a:xfrm>
+            <a:off x="2791814" y="5379379"/>
+            <a:ext cx="2227770" cy="1171575"/>
+            <a:chOff x="4594735" y="5560534"/>
+            <a:chExt cx="2227770" cy="1171575"/>
+          </a:xfrm>
+        </p:grpSpPr>
+        <p:cxnSp>
+          <p:nvCxnSpPr>
+            <p:cNvPr id="23" name="Прямая со стрелкой 192">
+              <a:extLst>
+                <a:ext uri="{FF2B5EF4-FFF2-40B4-BE49-F238E27FC236}">
+                  <a16:creationId xmlns:a16="http://schemas.microsoft.com/office/drawing/2014/main" id="{940B541B-01AB-7635-529C-ECD8B1C5C196}"/>
+                </a:ext>
+              </a:extLst>
+            </p:cNvPr>
+            <p:cNvCxnSpPr/>
+            <p:nvPr/>
+          </p:nvCxnSpPr>
+          <p:spPr>
+            <a:xfrm>
+              <a:off x="5895533" y="6121224"/>
+              <a:ext cx="309561" cy="0"/>
+            </a:xfrm>
+            <a:prstGeom prst="straightConnector1">
+              <a:avLst/>
+            </a:prstGeom>
+            <a:ln w="28575">
+              <a:tailEnd type="stealth" w="lg" len="lg"/>
+            </a:ln>
+          </p:spPr>
+          <p:style>
+            <a:lnRef idx="1">
+              <a:schemeClr val="accent1"/>
+            </a:lnRef>
+            <a:fillRef idx="0">
+              <a:schemeClr val="accent1"/>
+            </a:fillRef>
+            <a:effectRef idx="0">
+              <a:schemeClr val="accent1"/>
+            </a:effectRef>
+            <a:fontRef idx="minor">
+              <a:schemeClr val="tx1"/>
+            </a:fontRef>
+          </p:style>
+        </p:cxnSp>
+        <p:cxnSp>
+          <p:nvCxnSpPr>
+            <p:cNvPr id="24" name="Прямая со стрелкой 193">
+              <a:extLst>
+                <a:ext uri="{FF2B5EF4-FFF2-40B4-BE49-F238E27FC236}">
+                  <a16:creationId xmlns:a16="http://schemas.microsoft.com/office/drawing/2014/main" id="{EF577154-B8FA-64A4-AB54-FA83D41BAF8F}"/>
+                </a:ext>
+              </a:extLst>
+            </p:cNvPr>
+            <p:cNvCxnSpPr/>
+            <p:nvPr/>
+          </p:nvCxnSpPr>
+          <p:spPr>
+            <a:xfrm>
+              <a:off x="5895533" y="6330774"/>
+              <a:ext cx="309561" cy="0"/>
+            </a:xfrm>
+            <a:prstGeom prst="straightConnector1">
+              <a:avLst/>
+            </a:prstGeom>
+            <a:ln w="28575">
+              <a:tailEnd type="stealth" w="lg" len="lg"/>
+            </a:ln>
+          </p:spPr>
+          <p:style>
+            <a:lnRef idx="1">
+              <a:schemeClr val="accent1"/>
+            </a:lnRef>
+            <a:fillRef idx="0">
+              <a:schemeClr val="accent1"/>
+            </a:fillRef>
+            <a:effectRef idx="0">
+              <a:schemeClr val="accent1"/>
+            </a:effectRef>
+            <a:fontRef idx="minor">
+              <a:schemeClr val="tx1"/>
+            </a:fontRef>
+          </p:style>
+        </p:cxnSp>
+        <p:cxnSp>
+          <p:nvCxnSpPr>
+            <p:cNvPr id="25" name="Прямая со стрелкой 194">
+              <a:extLst>
+                <a:ext uri="{FF2B5EF4-FFF2-40B4-BE49-F238E27FC236}">
+                  <a16:creationId xmlns:a16="http://schemas.microsoft.com/office/drawing/2014/main" id="{9CE281AB-133C-F2B2-4AD9-D87FA5B4EC69}"/>
+                </a:ext>
+              </a:extLst>
+            </p:cNvPr>
+            <p:cNvCxnSpPr/>
+            <p:nvPr/>
+          </p:nvCxnSpPr>
+          <p:spPr>
+            <a:xfrm>
+              <a:off x="5905059" y="6559374"/>
+              <a:ext cx="309561" cy="0"/>
+            </a:xfrm>
+            <a:prstGeom prst="straightConnector1">
+              <a:avLst/>
+            </a:prstGeom>
+            <a:ln w="28575">
+              <a:tailEnd type="stealth" w="lg" len="lg"/>
+            </a:ln>
+          </p:spPr>
+          <p:style>
+            <a:lnRef idx="1">
+              <a:schemeClr val="accent1"/>
+            </a:lnRef>
+            <a:fillRef idx="0">
+              <a:schemeClr val="accent1"/>
+            </a:fillRef>
+            <a:effectRef idx="0">
+              <a:schemeClr val="accent1"/>
+            </a:effectRef>
+            <a:fontRef idx="minor">
+              <a:schemeClr val="tx1"/>
+            </a:fontRef>
+          </p:style>
+        </p:cxnSp>
+        <p:sp>
+          <p:nvSpPr>
+            <p:cNvPr id="26" name="TextBox 25">
+              <a:extLst>
+                <a:ext uri="{FF2B5EF4-FFF2-40B4-BE49-F238E27FC236}">
+                  <a16:creationId xmlns:a16="http://schemas.microsoft.com/office/drawing/2014/main" id="{2527BBB0-2566-4BE7-0921-0001F495B194}"/>
+                </a:ext>
+              </a:extLst>
+            </p:cNvPr>
+            <p:cNvSpPr txBox="1"/>
+            <p:nvPr/>
+          </p:nvSpPr>
+          <p:spPr>
+            <a:xfrm>
+              <a:off x="4616427" y="5970253"/>
+              <a:ext cx="1365787" cy="261610"/>
+            </a:xfrm>
+            <a:prstGeom prst="rect">
+              <a:avLst/>
+            </a:prstGeom>
+            <a:noFill/>
+          </p:spPr>
+          <p:txBody>
+            <a:bodyPr wrap="square" rtlCol="0">
+              <a:spAutoFit/>
+            </a:bodyPr>
+            <a:lstStyle/>
+            <a:p>
+              <a:pPr algn="ctr"/>
+              <a:r>
+                <a:rPr lang="ru-RU" sz="1100" dirty="0">
+                  <a:latin typeface="Times New Roman" panose="02020603050405020304" pitchFamily="18" charset="0"/>
+                  <a:cs typeface="Times New Roman" panose="02020603050405020304" pitchFamily="18" charset="0"/>
+                </a:rPr>
+                <a:t>фитинг</a:t>
+              </a:r>
+              <a:r>
+                <a:rPr lang="en-US" sz="1100" dirty="0">
+                  <a:latin typeface="Times New Roman" panose="02020603050405020304" pitchFamily="18" charset="0"/>
+                  <a:cs typeface="Times New Roman" panose="02020603050405020304" pitchFamily="18" charset="0"/>
+                </a:rPr>
+                <a:t> </a:t>
+              </a:r>
+              <a:r>
+                <a:rPr lang="ru-RU" sz="1100" dirty="0">
+                  <a:latin typeface="Times New Roman" panose="02020603050405020304" pitchFamily="18" charset="0"/>
+                  <a:cs typeface="Times New Roman" panose="02020603050405020304" pitchFamily="18" charset="0"/>
+                </a:rPr>
+                <a:t>вкл/</a:t>
+              </a:r>
+              <a:r>
+                <a:rPr lang="ru-RU" sz="1100" dirty="0" err="1">
+                  <a:latin typeface="Times New Roman" panose="02020603050405020304" pitchFamily="18" charset="0"/>
+                  <a:cs typeface="Times New Roman" panose="02020603050405020304" pitchFamily="18" charset="0"/>
+                </a:rPr>
+                <a:t>выкл</a:t>
+              </a:r>
+              <a:endParaRPr lang="ru-RU" sz="1100" dirty="0">
+                <a:latin typeface="Times New Roman" panose="02020603050405020304" pitchFamily="18" charset="0"/>
+                <a:cs typeface="Times New Roman" panose="02020603050405020304" pitchFamily="18" charset="0"/>
+              </a:endParaRPr>
+            </a:p>
+          </p:txBody>
+        </p:sp>
+        <p:sp>
+          <p:nvSpPr>
+            <p:cNvPr id="27" name="TextBox 26">
+              <a:extLst>
+                <a:ext uri="{FF2B5EF4-FFF2-40B4-BE49-F238E27FC236}">
+                  <a16:creationId xmlns:a16="http://schemas.microsoft.com/office/drawing/2014/main" id="{C442CD84-08E7-79F8-8333-58F7AE585FE1}"/>
+                </a:ext>
+              </a:extLst>
+            </p:cNvPr>
+            <p:cNvSpPr txBox="1"/>
+            <p:nvPr/>
+          </p:nvSpPr>
+          <p:spPr>
+            <a:xfrm>
+              <a:off x="4981134" y="6184208"/>
+              <a:ext cx="1381125" cy="261610"/>
+            </a:xfrm>
+            <a:prstGeom prst="rect">
+              <a:avLst/>
+            </a:prstGeom>
+            <a:noFill/>
+          </p:spPr>
+          <p:txBody>
+            <a:bodyPr wrap="square" rtlCol="0">
+              <a:spAutoFit/>
+            </a:bodyPr>
+            <a:lstStyle/>
+            <a:p>
+              <a:pPr algn="ctr"/>
+              <a:r>
+                <a:rPr lang="ru-RU" sz="1100" dirty="0">
+                  <a:latin typeface="Times New Roman" panose="02020603050405020304" pitchFamily="18" charset="0"/>
+                  <a:cs typeface="Times New Roman" panose="02020603050405020304" pitchFamily="18" charset="0"/>
+                </a:rPr>
+                <a:t>мин</a:t>
+              </a:r>
+            </a:p>
+          </p:txBody>
+        </p:sp>
+        <p:sp>
+          <p:nvSpPr>
+            <p:cNvPr id="28" name="TextBox 27">
+              <a:extLst>
+                <a:ext uri="{FF2B5EF4-FFF2-40B4-BE49-F238E27FC236}">
+                  <a16:creationId xmlns:a16="http://schemas.microsoft.com/office/drawing/2014/main" id="{09CE617B-E0E4-0A90-2B80-85E8CF36BE25}"/>
+                </a:ext>
+              </a:extLst>
+            </p:cNvPr>
+            <p:cNvSpPr txBox="1"/>
+            <p:nvPr/>
+          </p:nvSpPr>
+          <p:spPr>
+            <a:xfrm>
+              <a:off x="4971609" y="6401079"/>
+              <a:ext cx="1381125" cy="261610"/>
+            </a:xfrm>
+            <a:prstGeom prst="rect">
+              <a:avLst/>
+            </a:prstGeom>
+            <a:noFill/>
+          </p:spPr>
+          <p:txBody>
+            <a:bodyPr wrap="square" rtlCol="0">
+              <a:spAutoFit/>
+            </a:bodyPr>
+            <a:lstStyle/>
+            <a:p>
+              <a:pPr algn="ctr"/>
+              <a:r>
+                <a:rPr lang="ru-RU" sz="1100" dirty="0">
+                  <a:latin typeface="Times New Roman" panose="02020603050405020304" pitchFamily="18" charset="0"/>
+                  <a:cs typeface="Times New Roman" panose="02020603050405020304" pitchFamily="18" charset="0"/>
+                </a:rPr>
+                <a:t>макс</a:t>
+              </a:r>
+            </a:p>
+          </p:txBody>
+        </p:sp>
+        <p:cxnSp>
+          <p:nvCxnSpPr>
+            <p:cNvPr id="29" name="Прямая со стрелкой 198">
+              <a:extLst>
+                <a:ext uri="{FF2B5EF4-FFF2-40B4-BE49-F238E27FC236}">
+                  <a16:creationId xmlns:a16="http://schemas.microsoft.com/office/drawing/2014/main" id="{FD1A10AD-4F4C-46F0-C28F-3AC35E82CEF7}"/>
+                </a:ext>
+              </a:extLst>
+            </p:cNvPr>
+            <p:cNvCxnSpPr/>
+            <p:nvPr/>
+          </p:nvCxnSpPr>
+          <p:spPr>
+            <a:xfrm>
+              <a:off x="5895533" y="5892624"/>
+              <a:ext cx="309561" cy="0"/>
+            </a:xfrm>
+            <a:prstGeom prst="straightConnector1">
+              <a:avLst/>
+            </a:prstGeom>
+            <a:ln w="28575">
+              <a:tailEnd type="stealth" w="lg" len="lg"/>
+            </a:ln>
+          </p:spPr>
+          <p:style>
+            <a:lnRef idx="1">
+              <a:schemeClr val="accent1"/>
+            </a:lnRef>
+            <a:fillRef idx="0">
+              <a:schemeClr val="accent1"/>
+            </a:fillRef>
+            <a:effectRef idx="0">
+              <a:schemeClr val="accent1"/>
+            </a:effectRef>
+            <a:fontRef idx="minor">
+              <a:schemeClr val="tx1"/>
+            </a:fontRef>
+          </p:style>
+        </p:cxnSp>
+        <p:sp>
+          <p:nvSpPr>
+            <p:cNvPr id="32" name="TextBox 31">
+              <a:extLst>
+                <a:ext uri="{FF2B5EF4-FFF2-40B4-BE49-F238E27FC236}">
+                  <a16:creationId xmlns:a16="http://schemas.microsoft.com/office/drawing/2014/main" id="{4354A03B-2EFC-116C-0971-D38434A53F74}"/>
+                </a:ext>
+              </a:extLst>
+            </p:cNvPr>
+            <p:cNvSpPr txBox="1"/>
+            <p:nvPr/>
+          </p:nvSpPr>
+          <p:spPr>
+            <a:xfrm>
+              <a:off x="4594735" y="5750777"/>
+              <a:ext cx="1365787" cy="261610"/>
+            </a:xfrm>
+            <a:prstGeom prst="rect">
+              <a:avLst/>
+            </a:prstGeom>
+            <a:noFill/>
+          </p:spPr>
+          <p:txBody>
+            <a:bodyPr wrap="square" rtlCol="0">
+              <a:spAutoFit/>
+            </a:bodyPr>
+            <a:lstStyle/>
+            <a:p>
+              <a:pPr algn="ctr"/>
+              <a:r>
+                <a:rPr lang="ru-RU" sz="1100" dirty="0">
+                  <a:latin typeface="Times New Roman" panose="02020603050405020304" pitchFamily="18" charset="0"/>
+                  <a:cs typeface="Times New Roman" panose="02020603050405020304" pitchFamily="18" charset="0"/>
+                </a:rPr>
+                <a:t>текущее значение</a:t>
+              </a:r>
+            </a:p>
+          </p:txBody>
+        </p:sp>
+        <p:pic>
+          <p:nvPicPr>
+            <p:cNvPr id="34" name="Picture 33">
+              <a:extLst>
+                <a:ext uri="{FF2B5EF4-FFF2-40B4-BE49-F238E27FC236}">
+                  <a16:creationId xmlns:a16="http://schemas.microsoft.com/office/drawing/2014/main" id="{E4EFE097-DBB1-591E-AA5E-78CDF06E86F6}"/>
+                </a:ext>
+              </a:extLst>
+            </p:cNvPr>
+            <p:cNvPicPr>
+              <a:picLocks noChangeAspect="1"/>
+            </p:cNvPicPr>
+            <p:nvPr/>
+          </p:nvPicPr>
+          <p:blipFill>
+            <a:blip r:embed="rId4"/>
+            <a:stretch>
+              <a:fillRect/>
+            </a:stretch>
+          </p:blipFill>
+          <p:spPr>
+            <a:xfrm>
+              <a:off x="6203380" y="5560534"/>
+              <a:ext cx="619125" cy="1171575"/>
+            </a:xfrm>
+            <a:prstGeom prst="rect">
+              <a:avLst/>
+            </a:prstGeom>
+          </p:spPr>
+        </p:pic>
+      </p:grpSp>
+      <p:grpSp>
+        <p:nvGrpSpPr>
+          <p:cNvPr id="36" name="Group 35">
+            <a:extLst>
+              <a:ext uri="{FF2B5EF4-FFF2-40B4-BE49-F238E27FC236}">
+                <a16:creationId xmlns:a16="http://schemas.microsoft.com/office/drawing/2014/main" id="{FB779CB7-F741-6C76-F3A7-A29C7AA9186E}"/>
+              </a:ext>
+            </a:extLst>
+          </p:cNvPr>
+          <p:cNvGrpSpPr/>
+          <p:nvPr/>
+        </p:nvGrpSpPr>
+        <p:grpSpPr>
+          <a:xfrm>
+            <a:off x="385296" y="5405258"/>
+            <a:ext cx="1985979" cy="1171575"/>
+            <a:chOff x="385296" y="5405258"/>
+            <a:chExt cx="1985979" cy="1171575"/>
+          </a:xfrm>
+        </p:grpSpPr>
+        <p:cxnSp>
+          <p:nvCxnSpPr>
+            <p:cNvPr id="11" name="Прямая со стрелкой 171">
+              <a:extLst>
+                <a:ext uri="{FF2B5EF4-FFF2-40B4-BE49-F238E27FC236}">
+                  <a16:creationId xmlns:a16="http://schemas.microsoft.com/office/drawing/2014/main" id="{BA33AD02-D589-BC21-0F20-8CF8152F26A8}"/>
+                </a:ext>
+              </a:extLst>
+            </p:cNvPr>
+            <p:cNvCxnSpPr/>
+            <p:nvPr/>
+          </p:nvCxnSpPr>
+          <p:spPr>
+            <a:xfrm>
+              <a:off x="1427627" y="5968141"/>
+              <a:ext cx="309561" cy="0"/>
+            </a:xfrm>
+            <a:prstGeom prst="straightConnector1">
+              <a:avLst/>
+            </a:prstGeom>
+            <a:ln w="28575">
+              <a:tailEnd type="stealth" w="lg" len="lg"/>
+            </a:ln>
+          </p:spPr>
+          <p:style>
+            <a:lnRef idx="1">
+              <a:schemeClr val="accent1"/>
+            </a:lnRef>
+            <a:fillRef idx="0">
+              <a:schemeClr val="accent1"/>
+            </a:fillRef>
+            <a:effectRef idx="0">
+              <a:schemeClr val="accent1"/>
+            </a:effectRef>
+            <a:fontRef idx="minor">
+              <a:schemeClr val="tx1"/>
+            </a:fontRef>
+          </p:style>
+        </p:cxnSp>
+        <p:cxnSp>
+          <p:nvCxnSpPr>
+            <p:cNvPr id="12" name="Прямая со стрелкой 172">
+              <a:extLst>
+                <a:ext uri="{FF2B5EF4-FFF2-40B4-BE49-F238E27FC236}">
+                  <a16:creationId xmlns:a16="http://schemas.microsoft.com/office/drawing/2014/main" id="{55CF2E33-B0E9-3E99-7B92-C43100ECE076}"/>
+                </a:ext>
+              </a:extLst>
+            </p:cNvPr>
+            <p:cNvCxnSpPr/>
+            <p:nvPr/>
+          </p:nvCxnSpPr>
+          <p:spPr>
+            <a:xfrm>
+              <a:off x="1427627" y="6177691"/>
+              <a:ext cx="309561" cy="0"/>
+            </a:xfrm>
+            <a:prstGeom prst="straightConnector1">
+              <a:avLst/>
+            </a:prstGeom>
+            <a:ln w="28575">
+              <a:tailEnd type="stealth" w="lg" len="lg"/>
+            </a:ln>
+          </p:spPr>
+          <p:style>
+            <a:lnRef idx="1">
+              <a:schemeClr val="accent1"/>
+            </a:lnRef>
+            <a:fillRef idx="0">
+              <a:schemeClr val="accent1"/>
+            </a:fillRef>
+            <a:effectRef idx="0">
+              <a:schemeClr val="accent1"/>
+            </a:effectRef>
+            <a:fontRef idx="minor">
+              <a:schemeClr val="tx1"/>
+            </a:fontRef>
+          </p:style>
+        </p:cxnSp>
+        <p:cxnSp>
+          <p:nvCxnSpPr>
+            <p:cNvPr id="13" name="Прямая со стрелкой 173">
+              <a:extLst>
+                <a:ext uri="{FF2B5EF4-FFF2-40B4-BE49-F238E27FC236}">
+                  <a16:creationId xmlns:a16="http://schemas.microsoft.com/office/drawing/2014/main" id="{E8E6B963-3892-15EC-A1C4-49F71540B8FE}"/>
+                </a:ext>
+              </a:extLst>
+            </p:cNvPr>
+            <p:cNvCxnSpPr/>
+            <p:nvPr/>
+          </p:nvCxnSpPr>
+          <p:spPr>
+            <a:xfrm>
+              <a:off x="1437153" y="6406291"/>
+              <a:ext cx="309561" cy="0"/>
+            </a:xfrm>
+            <a:prstGeom prst="straightConnector1">
+              <a:avLst/>
+            </a:prstGeom>
+            <a:ln w="28575">
+              <a:tailEnd type="stealth" w="lg" len="lg"/>
+            </a:ln>
+          </p:spPr>
+          <p:style>
+            <a:lnRef idx="1">
+              <a:schemeClr val="accent1"/>
+            </a:lnRef>
+            <a:fillRef idx="0">
+              <a:schemeClr val="accent1"/>
+            </a:fillRef>
+            <a:effectRef idx="0">
+              <a:schemeClr val="accent1"/>
+            </a:effectRef>
+            <a:fontRef idx="minor">
+              <a:schemeClr val="tx1"/>
+            </a:fontRef>
+          </p:style>
+        </p:cxnSp>
+        <p:sp>
+          <p:nvSpPr>
+            <p:cNvPr id="14" name="TextBox 13">
+              <a:extLst>
+                <a:ext uri="{FF2B5EF4-FFF2-40B4-BE49-F238E27FC236}">
+                  <a16:creationId xmlns:a16="http://schemas.microsoft.com/office/drawing/2014/main" id="{419705EA-AAFF-C201-D555-3341E21C3245}"/>
+                </a:ext>
+              </a:extLst>
+            </p:cNvPr>
+            <p:cNvSpPr txBox="1"/>
+            <p:nvPr/>
+          </p:nvSpPr>
+          <p:spPr>
+            <a:xfrm>
+              <a:off x="385296" y="5817170"/>
+              <a:ext cx="1129012" cy="261610"/>
+            </a:xfrm>
+            <a:prstGeom prst="rect">
+              <a:avLst/>
+            </a:prstGeom>
+            <a:noFill/>
+          </p:spPr>
+          <p:txBody>
+            <a:bodyPr wrap="square" rtlCol="0">
+              <a:spAutoFit/>
+            </a:bodyPr>
+            <a:lstStyle/>
+            <a:p>
+              <a:pPr algn="ctr"/>
+              <a:r>
+                <a:rPr lang="en-US" sz="1100" dirty="0">
+                  <a:latin typeface="Times New Roman" panose="02020603050405020304" pitchFamily="18" charset="0"/>
+                  <a:cs typeface="Times New Roman" panose="02020603050405020304" pitchFamily="18" charset="0"/>
+                </a:rPr>
+                <a:t>fitting on/off</a:t>
+              </a:r>
+              <a:endParaRPr lang="ru-RU" sz="1100" dirty="0">
+                <a:latin typeface="Times New Roman" panose="02020603050405020304" pitchFamily="18" charset="0"/>
+                <a:cs typeface="Times New Roman" panose="02020603050405020304" pitchFamily="18" charset="0"/>
+              </a:endParaRPr>
+            </a:p>
+          </p:txBody>
+        </p:sp>
+        <p:sp>
+          <p:nvSpPr>
+            <p:cNvPr id="15" name="TextBox 14">
+              <a:extLst>
+                <a:ext uri="{FF2B5EF4-FFF2-40B4-BE49-F238E27FC236}">
+                  <a16:creationId xmlns:a16="http://schemas.microsoft.com/office/drawing/2014/main" id="{8668E7FD-5308-0C4F-9BDD-8F55D3A53FE0}"/>
+                </a:ext>
+              </a:extLst>
+            </p:cNvPr>
+            <p:cNvSpPr txBox="1"/>
+            <p:nvPr/>
+          </p:nvSpPr>
+          <p:spPr>
+            <a:xfrm>
+              <a:off x="513228" y="6031125"/>
+              <a:ext cx="1381125" cy="261610"/>
+            </a:xfrm>
+            <a:prstGeom prst="rect">
+              <a:avLst/>
+            </a:prstGeom>
+            <a:noFill/>
+          </p:spPr>
+          <p:txBody>
+            <a:bodyPr wrap="square" rtlCol="0">
+              <a:spAutoFit/>
+            </a:bodyPr>
+            <a:lstStyle/>
+            <a:p>
+              <a:pPr algn="ctr"/>
+              <a:r>
+                <a:rPr lang="en-US" sz="1100" dirty="0">
+                  <a:latin typeface="Times New Roman" panose="02020603050405020304" pitchFamily="18" charset="0"/>
+                  <a:cs typeface="Times New Roman" panose="02020603050405020304" pitchFamily="18" charset="0"/>
+                </a:rPr>
+                <a:t>min</a:t>
+              </a:r>
+              <a:endParaRPr lang="ru-RU" sz="1100" dirty="0">
+                <a:latin typeface="Times New Roman" panose="02020603050405020304" pitchFamily="18" charset="0"/>
+                <a:cs typeface="Times New Roman" panose="02020603050405020304" pitchFamily="18" charset="0"/>
+              </a:endParaRPr>
+            </a:p>
+          </p:txBody>
+        </p:sp>
+        <p:sp>
+          <p:nvSpPr>
+            <p:cNvPr id="16" name="TextBox 15">
+              <a:extLst>
+                <a:ext uri="{FF2B5EF4-FFF2-40B4-BE49-F238E27FC236}">
+                  <a16:creationId xmlns:a16="http://schemas.microsoft.com/office/drawing/2014/main" id="{67C772C2-DAC8-C556-D348-F9069CE3552E}"/>
+                </a:ext>
+              </a:extLst>
+            </p:cNvPr>
+            <p:cNvSpPr txBox="1"/>
+            <p:nvPr/>
+          </p:nvSpPr>
+          <p:spPr>
+            <a:xfrm>
+              <a:off x="503703" y="6247996"/>
+              <a:ext cx="1381125" cy="261610"/>
+            </a:xfrm>
+            <a:prstGeom prst="rect">
+              <a:avLst/>
+            </a:prstGeom>
+            <a:noFill/>
+          </p:spPr>
+          <p:txBody>
+            <a:bodyPr wrap="square" rtlCol="0">
+              <a:spAutoFit/>
+            </a:bodyPr>
+            <a:lstStyle/>
+            <a:p>
+              <a:pPr algn="ctr"/>
+              <a:r>
+                <a:rPr lang="en-US" sz="1100" dirty="0">
+                  <a:latin typeface="Times New Roman" panose="02020603050405020304" pitchFamily="18" charset="0"/>
+                  <a:cs typeface="Times New Roman" panose="02020603050405020304" pitchFamily="18" charset="0"/>
+                </a:rPr>
+                <a:t>max</a:t>
+              </a:r>
+              <a:endParaRPr lang="ru-RU" sz="1100" dirty="0">
+                <a:latin typeface="Times New Roman" panose="02020603050405020304" pitchFamily="18" charset="0"/>
+                <a:cs typeface="Times New Roman" panose="02020603050405020304" pitchFamily="18" charset="0"/>
+              </a:endParaRPr>
+            </a:p>
+          </p:txBody>
+        </p:sp>
+        <p:cxnSp>
+          <p:nvCxnSpPr>
+            <p:cNvPr id="17" name="Прямая со стрелкой 177">
+              <a:extLst>
+                <a:ext uri="{FF2B5EF4-FFF2-40B4-BE49-F238E27FC236}">
+                  <a16:creationId xmlns:a16="http://schemas.microsoft.com/office/drawing/2014/main" id="{079F1B9E-11A4-3C5A-A8A4-5595EBBDF58C}"/>
+                </a:ext>
+              </a:extLst>
+            </p:cNvPr>
+            <p:cNvCxnSpPr/>
+            <p:nvPr/>
+          </p:nvCxnSpPr>
+          <p:spPr>
+            <a:xfrm>
+              <a:off x="1427627" y="5739541"/>
+              <a:ext cx="309561" cy="0"/>
+            </a:xfrm>
+            <a:prstGeom prst="straightConnector1">
+              <a:avLst/>
+            </a:prstGeom>
+            <a:ln w="28575">
+              <a:tailEnd type="stealth" w="lg" len="lg"/>
+            </a:ln>
+          </p:spPr>
+          <p:style>
+            <a:lnRef idx="1">
+              <a:schemeClr val="accent1"/>
+            </a:lnRef>
+            <a:fillRef idx="0">
+              <a:schemeClr val="accent1"/>
+            </a:fillRef>
+            <a:effectRef idx="0">
+              <a:schemeClr val="accent1"/>
+            </a:effectRef>
+            <a:fontRef idx="minor">
+              <a:schemeClr val="tx1"/>
+            </a:fontRef>
+          </p:style>
+        </p:cxnSp>
+        <p:sp>
+          <p:nvSpPr>
+            <p:cNvPr id="20" name="TextBox 19">
+              <a:extLst>
+                <a:ext uri="{FF2B5EF4-FFF2-40B4-BE49-F238E27FC236}">
+                  <a16:creationId xmlns:a16="http://schemas.microsoft.com/office/drawing/2014/main" id="{CE151893-0F5B-6683-2229-CE0064444533}"/>
+                </a:ext>
+              </a:extLst>
+            </p:cNvPr>
+            <p:cNvSpPr txBox="1"/>
+            <p:nvPr/>
+          </p:nvSpPr>
+          <p:spPr>
+            <a:xfrm>
+              <a:off x="385296" y="5588733"/>
+              <a:ext cx="1129012" cy="261610"/>
+            </a:xfrm>
+            <a:prstGeom prst="rect">
+              <a:avLst/>
+            </a:prstGeom>
+            <a:noFill/>
+          </p:spPr>
+          <p:txBody>
+            <a:bodyPr wrap="square" rtlCol="0">
+              <a:spAutoFit/>
+            </a:bodyPr>
+            <a:lstStyle/>
+            <a:p>
+              <a:pPr algn="ctr"/>
+              <a:r>
+                <a:rPr lang="en-US" sz="1100" dirty="0">
+                  <a:latin typeface="Times New Roman" panose="02020603050405020304" pitchFamily="18" charset="0"/>
+                  <a:cs typeface="Times New Roman" panose="02020603050405020304" pitchFamily="18" charset="0"/>
+                </a:rPr>
+                <a:t>current value</a:t>
+              </a:r>
+              <a:endParaRPr lang="ru-RU" sz="1100" dirty="0">
+                <a:latin typeface="Times New Roman" panose="02020603050405020304" pitchFamily="18" charset="0"/>
+                <a:cs typeface="Times New Roman" panose="02020603050405020304" pitchFamily="18" charset="0"/>
+              </a:endParaRPr>
+            </a:p>
+          </p:txBody>
+        </p:sp>
+        <p:pic>
+          <p:nvPicPr>
+            <p:cNvPr id="35" name="Picture 34">
+              <a:extLst>
+                <a:ext uri="{FF2B5EF4-FFF2-40B4-BE49-F238E27FC236}">
+                  <a16:creationId xmlns:a16="http://schemas.microsoft.com/office/drawing/2014/main" id="{506D8CF0-09EC-8995-B302-F9C17D2AC107}"/>
+                </a:ext>
+              </a:extLst>
+            </p:cNvPr>
+            <p:cNvPicPr>
+              <a:picLocks noChangeAspect="1"/>
+            </p:cNvPicPr>
+            <p:nvPr/>
+          </p:nvPicPr>
+          <p:blipFill>
+            <a:blip r:embed="rId4"/>
+            <a:stretch>
+              <a:fillRect/>
+            </a:stretch>
+          </p:blipFill>
+          <p:spPr>
+            <a:xfrm>
+              <a:off x="1752150" y="5405258"/>
+              <a:ext cx="619125" cy="1171575"/>
+            </a:xfrm>
+            <a:prstGeom prst="rect">
+              <a:avLst/>
+            </a:prstGeom>
+          </p:spPr>
+        </p:pic>
+      </p:grpSp>
+      <p:grpSp>
+        <p:nvGrpSpPr>
+          <p:cNvPr id="42" name="Group 41">
+            <a:extLst>
+              <a:ext uri="{FF2B5EF4-FFF2-40B4-BE49-F238E27FC236}">
+                <a16:creationId xmlns:a16="http://schemas.microsoft.com/office/drawing/2014/main" id="{47B59C60-12D2-BCE4-C924-04FC19DA2D47}"/>
+              </a:ext>
+            </a:extLst>
+          </p:cNvPr>
+          <p:cNvGrpSpPr/>
+          <p:nvPr/>
+        </p:nvGrpSpPr>
+        <p:grpSpPr>
+          <a:xfrm>
+            <a:off x="5578415" y="-64118"/>
+            <a:ext cx="2748460" cy="4553585"/>
+            <a:chOff x="5578415" y="-64118"/>
+            <a:chExt cx="2748460" cy="4553585"/>
+          </a:xfrm>
+        </p:grpSpPr>
+        <p:pic>
+          <p:nvPicPr>
+            <p:cNvPr id="40" name="Рисунок 1117">
+              <a:extLst>
+                <a:ext uri="{FF2B5EF4-FFF2-40B4-BE49-F238E27FC236}">
+                  <a16:creationId xmlns:a16="http://schemas.microsoft.com/office/drawing/2014/main" id="{66F89D84-40D8-29CE-C41C-248DAB7F6206}"/>
+                </a:ext>
+              </a:extLst>
+            </p:cNvPr>
+            <p:cNvPicPr>
+              <a:picLocks noChangeAspect="1"/>
+            </p:cNvPicPr>
+            <p:nvPr/>
+          </p:nvPicPr>
+          <p:blipFill>
+            <a:blip r:embed="rId5">
+              <a:extLst>
+                <a:ext uri="{28A0092B-C50C-407E-A947-70E740481C1C}">
+                  <a14:useLocalDpi xmlns:a14="http://schemas.microsoft.com/office/drawing/2010/main" val="0"/>
+                </a:ext>
+              </a:extLst>
+            </a:blip>
+            <a:stretch>
+              <a:fillRect/>
+            </a:stretch>
+          </p:blipFill>
+          <p:spPr>
+            <a:xfrm>
+              <a:off x="5630665" y="-64118"/>
+              <a:ext cx="2696210" cy="4553585"/>
+            </a:xfrm>
+            <a:prstGeom prst="rect">
+              <a:avLst/>
+            </a:prstGeom>
+          </p:spPr>
+        </p:pic>
+        <p:sp>
+          <p:nvSpPr>
+            <p:cNvPr id="41" name="Овал 2">
+              <a:extLst>
+                <a:ext uri="{FF2B5EF4-FFF2-40B4-BE49-F238E27FC236}">
+                  <a16:creationId xmlns:a16="http://schemas.microsoft.com/office/drawing/2014/main" id="{94FA0DA5-5DFF-4D1E-1052-DF2D94E13FF4}"/>
+                </a:ext>
+              </a:extLst>
+            </p:cNvPr>
+            <p:cNvSpPr/>
+            <p:nvPr/>
+          </p:nvSpPr>
+          <p:spPr>
+            <a:xfrm>
+              <a:off x="5578415" y="2941608"/>
+              <a:ext cx="1973580" cy="274320"/>
+            </a:xfrm>
+            <a:prstGeom prst="ellipse">
+              <a:avLst/>
+            </a:prstGeom>
+            <a:noFill/>
+            <a:ln w="19050">
+              <a:solidFill>
+                <a:srgbClr val="FF0000"/>
+              </a:solidFill>
+            </a:ln>
+          </p:spPr>
+          <p:style>
+            <a:lnRef idx="2">
+              <a:schemeClr val="accent1">
+                <a:shade val="50000"/>
+              </a:schemeClr>
+            </a:lnRef>
+            <a:fillRef idx="1">
+              <a:schemeClr val="accent1"/>
+            </a:fillRef>
+            <a:effectRef idx="0">
+              <a:schemeClr val="accent1"/>
+            </a:effectRef>
+            <a:fontRef idx="minor">
+              <a:schemeClr val="lt1"/>
+            </a:fontRef>
+          </p:style>
+          <p:txBody>
+            <a:bodyPr rtlCol="0" anchor="ctr"/>
+            <a:lstStyle/>
+            <a:p>
+              <a:pPr algn="ctr"/>
+              <a:endParaRPr lang="ru-RU"/>
+            </a:p>
+          </p:txBody>
+        </p:sp>
+      </p:grpSp>
+    </p:spTree>
+    <p:extLst>
+      <p:ext uri="{BB962C8B-B14F-4D97-AF65-F5344CB8AC3E}">
+        <p14:creationId xmlns:p14="http://schemas.microsoft.com/office/powerpoint/2010/main" val="1761457133"/>
+      </p:ext>
+    </p:extLst>
+  </p:cSld>
+  <p:clrMapOvr>
+    <a:masterClrMapping/>
+  </p:clrMapOvr>
+</p:sld>
+</file>
+
+<file path=ppt/slides/slide41.xml><?xml version="1.0" encoding="utf-8"?>
+<p:sld xmlns:a="http://schemas.openxmlformats.org/drawingml/2006/main" xmlns:r="http://schemas.openxmlformats.org/officeDocument/2006/relationships" xmlns:p="http://schemas.openxmlformats.org/presentationml/2006/main">
+  <p:cSld>
+    <p:spTree>
+      <p:nvGrpSpPr>
+        <p:cNvPr id="1" name=""/>
+        <p:cNvGrpSpPr/>
+        <p:nvPr/>
+      </p:nvGrpSpPr>
+      <p:grpSpPr>
+        <a:xfrm>
+          <a:off x="0" y="0"/>
+          <a:ext cx="0" cy="0"/>
+          <a:chOff x="0" y="0"/>
+          <a:chExt cx="0" cy="0"/>
+        </a:xfrm>
+      </p:grpSpPr>
+      <p:grpSp>
+        <p:nvGrpSpPr>
+          <p:cNvPr id="6" name="Group 5">
+            <a:extLst>
+              <a:ext uri="{FF2B5EF4-FFF2-40B4-BE49-F238E27FC236}">
+                <a16:creationId xmlns:a16="http://schemas.microsoft.com/office/drawing/2014/main" id="{075F8EE3-F20D-6F92-1569-DEAA57A82C28}"/>
+              </a:ext>
+            </a:extLst>
+          </p:cNvPr>
+          <p:cNvGrpSpPr/>
+          <p:nvPr/>
+        </p:nvGrpSpPr>
+        <p:grpSpPr>
+          <a:xfrm>
+            <a:off x="2395537" y="2476500"/>
+            <a:ext cx="4352925" cy="1905000"/>
+            <a:chOff x="2395537" y="2476500"/>
+            <a:chExt cx="4352925" cy="1905000"/>
+          </a:xfrm>
+        </p:grpSpPr>
+        <p:pic>
+          <p:nvPicPr>
+            <p:cNvPr id="4" name="Picture 3">
+              <a:extLst>
+                <a:ext uri="{FF2B5EF4-FFF2-40B4-BE49-F238E27FC236}">
+                  <a16:creationId xmlns:a16="http://schemas.microsoft.com/office/drawing/2014/main" id="{61967D55-016F-06D1-0CBD-EEAE9A0B3FCE}"/>
+                </a:ext>
+              </a:extLst>
+            </p:cNvPr>
+            <p:cNvPicPr>
+              <a:picLocks noChangeAspect="1"/>
+            </p:cNvPicPr>
+            <p:nvPr/>
+          </p:nvPicPr>
+          <p:blipFill>
+            <a:blip r:embed="rId2"/>
+            <a:stretch>
+              <a:fillRect/>
+            </a:stretch>
+          </p:blipFill>
+          <p:spPr>
+            <a:xfrm>
+              <a:off x="2395537" y="2476500"/>
+              <a:ext cx="4352925" cy="1905000"/>
+            </a:xfrm>
+            <a:prstGeom prst="rect">
+              <a:avLst/>
+            </a:prstGeom>
+          </p:spPr>
+        </p:pic>
+        <p:sp>
+          <p:nvSpPr>
+            <p:cNvPr id="5" name="Rectangle: Rounded Corners 4">
+              <a:extLst>
+                <a:ext uri="{FF2B5EF4-FFF2-40B4-BE49-F238E27FC236}">
+                  <a16:creationId xmlns:a16="http://schemas.microsoft.com/office/drawing/2014/main" id="{ACA03396-4644-DB7B-95FA-3048FF5B9A63}"/>
+                </a:ext>
+              </a:extLst>
+            </p:cNvPr>
+            <p:cNvSpPr/>
+            <p:nvPr/>
+          </p:nvSpPr>
+          <p:spPr>
+            <a:xfrm>
+              <a:off x="2415395" y="2777706"/>
+              <a:ext cx="4304581" cy="465826"/>
+            </a:xfrm>
+            <a:prstGeom prst="roundRect">
+              <a:avLst/>
+            </a:prstGeom>
+            <a:noFill/>
+            <a:ln w="25400">
+              <a:solidFill>
+                <a:srgbClr val="FF0000"/>
+              </a:solidFill>
+            </a:ln>
+          </p:spPr>
+          <p:style>
+            <a:lnRef idx="2">
+              <a:schemeClr val="accent1">
+                <a:shade val="50000"/>
+              </a:schemeClr>
+            </a:lnRef>
+            <a:fillRef idx="1">
+              <a:schemeClr val="accent1"/>
+            </a:fillRef>
+            <a:effectRef idx="0">
+              <a:schemeClr val="accent1"/>
+            </a:effectRef>
+            <a:fontRef idx="minor">
+              <a:schemeClr val="lt1"/>
+            </a:fontRef>
+          </p:style>
+          <p:txBody>
+            <a:bodyPr rtlCol="0" anchor="ctr"/>
+            <a:lstStyle/>
+            <a:p>
+              <a:pPr algn="ctr"/>
+              <a:endParaRPr lang="en-US" dirty="0"/>
+            </a:p>
+          </p:txBody>
+        </p:sp>
+      </p:grpSp>
+      <p:grpSp>
+        <p:nvGrpSpPr>
+          <p:cNvPr id="15" name="Group 14">
+            <a:extLst>
+              <a:ext uri="{FF2B5EF4-FFF2-40B4-BE49-F238E27FC236}">
+                <a16:creationId xmlns:a16="http://schemas.microsoft.com/office/drawing/2014/main" id="{D5D32B3D-1683-BCF2-2201-395CB594D7E9}"/>
+              </a:ext>
+            </a:extLst>
+          </p:cNvPr>
+          <p:cNvGrpSpPr/>
+          <p:nvPr/>
+        </p:nvGrpSpPr>
+        <p:grpSpPr>
+          <a:xfrm>
+            <a:off x="1067430" y="4480129"/>
+            <a:ext cx="1985066" cy="1237028"/>
+            <a:chOff x="1067430" y="4480129"/>
+            <a:chExt cx="1985066" cy="1237028"/>
+          </a:xfrm>
+        </p:grpSpPr>
+        <p:pic>
+          <p:nvPicPr>
+            <p:cNvPr id="8" name="Picture 7">
+              <a:extLst>
+                <a:ext uri="{FF2B5EF4-FFF2-40B4-BE49-F238E27FC236}">
+                  <a16:creationId xmlns:a16="http://schemas.microsoft.com/office/drawing/2014/main" id="{100AB3D9-8FB5-9A48-9606-224DA35A0B77}"/>
+                </a:ext>
+              </a:extLst>
+            </p:cNvPr>
+            <p:cNvPicPr>
+              <a:picLocks noChangeAspect="1"/>
+            </p:cNvPicPr>
+            <p:nvPr/>
+          </p:nvPicPr>
+          <p:blipFill>
+            <a:blip r:embed="rId3"/>
+            <a:stretch>
+              <a:fillRect/>
+            </a:stretch>
+          </p:blipFill>
+          <p:spPr>
+            <a:xfrm>
+              <a:off x="1433872" y="4574157"/>
+              <a:ext cx="600075" cy="1143000"/>
+            </a:xfrm>
+            <a:prstGeom prst="rect">
+              <a:avLst/>
+            </a:prstGeom>
+          </p:spPr>
+        </p:pic>
+        <p:pic>
+          <p:nvPicPr>
+            <p:cNvPr id="12" name="Picture 11">
+              <a:extLst>
+                <a:ext uri="{FF2B5EF4-FFF2-40B4-BE49-F238E27FC236}">
+                  <a16:creationId xmlns:a16="http://schemas.microsoft.com/office/drawing/2014/main" id="{CCFC2153-091A-C8DE-2FD6-EB9912A8B517}"/>
+                </a:ext>
+              </a:extLst>
+            </p:cNvPr>
+            <p:cNvPicPr>
+              <a:picLocks noChangeAspect="1"/>
+            </p:cNvPicPr>
+            <p:nvPr/>
+          </p:nvPicPr>
+          <p:blipFill>
+            <a:blip r:embed="rId4"/>
+            <a:stretch>
+              <a:fillRect/>
+            </a:stretch>
+          </p:blipFill>
+          <p:spPr>
+            <a:xfrm>
+              <a:off x="2471471" y="4570294"/>
+              <a:ext cx="581025" cy="1143000"/>
+            </a:xfrm>
+            <a:prstGeom prst="rect">
+              <a:avLst/>
+            </a:prstGeom>
+          </p:spPr>
+        </p:pic>
+        <p:sp>
+          <p:nvSpPr>
+            <p:cNvPr id="13" name="TextBox 12">
+              <a:extLst>
+                <a:ext uri="{FF2B5EF4-FFF2-40B4-BE49-F238E27FC236}">
+                  <a16:creationId xmlns:a16="http://schemas.microsoft.com/office/drawing/2014/main" id="{2F41C986-12FA-8C38-6617-8755795FC86D}"/>
+                </a:ext>
+              </a:extLst>
+            </p:cNvPr>
+            <p:cNvSpPr txBox="1"/>
+            <p:nvPr/>
+          </p:nvSpPr>
+          <p:spPr>
+            <a:xfrm>
+              <a:off x="1067430" y="4480131"/>
+              <a:ext cx="439948" cy="369332"/>
+            </a:xfrm>
+            <a:prstGeom prst="rect">
+              <a:avLst/>
+            </a:prstGeom>
+            <a:noFill/>
+          </p:spPr>
+          <p:txBody>
+            <a:bodyPr wrap="square" rtlCol="0">
+              <a:spAutoFit/>
+            </a:bodyPr>
+            <a:lstStyle/>
+            <a:p>
+              <a:r>
+                <a:rPr lang="en-US" dirty="0">
+                  <a:solidFill>
+                    <a:srgbClr val="FF0000"/>
+                  </a:solidFill>
+                  <a:latin typeface="Times New Roman" panose="02020603050405020304" pitchFamily="18" charset="0"/>
+                  <a:cs typeface="Times New Roman" panose="02020603050405020304" pitchFamily="18" charset="0"/>
+                </a:rPr>
+                <a:t>(a)</a:t>
+              </a:r>
+            </a:p>
+          </p:txBody>
+        </p:sp>
+        <p:sp>
+          <p:nvSpPr>
+            <p:cNvPr id="14" name="TextBox 13">
+              <a:extLst>
+                <a:ext uri="{FF2B5EF4-FFF2-40B4-BE49-F238E27FC236}">
+                  <a16:creationId xmlns:a16="http://schemas.microsoft.com/office/drawing/2014/main" id="{F7875113-59A2-C647-B047-0B5472B0ED6D}"/>
+                </a:ext>
+              </a:extLst>
+            </p:cNvPr>
+            <p:cNvSpPr txBox="1"/>
+            <p:nvPr/>
+          </p:nvSpPr>
+          <p:spPr>
+            <a:xfrm>
+              <a:off x="2097840" y="4480129"/>
+              <a:ext cx="499613" cy="369332"/>
+            </a:xfrm>
+            <a:prstGeom prst="rect">
+              <a:avLst/>
+            </a:prstGeom>
+            <a:noFill/>
+          </p:spPr>
+          <p:txBody>
+            <a:bodyPr wrap="square" rtlCol="0">
+              <a:spAutoFit/>
+            </a:bodyPr>
+            <a:lstStyle/>
+            <a:p>
+              <a:r>
+                <a:rPr lang="en-US" dirty="0">
+                  <a:solidFill>
+                    <a:srgbClr val="FF0000"/>
+                  </a:solidFill>
+                  <a:latin typeface="Times New Roman" panose="02020603050405020304" pitchFamily="18" charset="0"/>
+                  <a:cs typeface="Times New Roman" panose="02020603050405020304" pitchFamily="18" charset="0"/>
+                </a:rPr>
+                <a:t>(b)</a:t>
+              </a:r>
+            </a:p>
+          </p:txBody>
+        </p:sp>
+      </p:grpSp>
+    </p:spTree>
+    <p:extLst>
+      <p:ext uri="{BB962C8B-B14F-4D97-AF65-F5344CB8AC3E}">
+        <p14:creationId xmlns:p14="http://schemas.microsoft.com/office/powerpoint/2010/main" val="2484618554"/>
+      </p:ext>
+    </p:extLst>
+  </p:cSld>
+  <p:clrMapOvr>
+    <a:masterClrMapping/>
+  </p:clrMapOvr>
+</p:sld>
+</file>
+
+<file path=ppt/slides/slide42.xml><?xml version="1.0" encoding="utf-8"?>
+<p:sld xmlns:a="http://schemas.openxmlformats.org/drawingml/2006/main" xmlns:r="http://schemas.openxmlformats.org/officeDocument/2006/relationships" xmlns:p="http://schemas.openxmlformats.org/presentationml/2006/main">
+  <p:cSld>
+    <p:spTree>
+      <p:nvGrpSpPr>
+        <p:cNvPr id="1" name=""/>
+        <p:cNvGrpSpPr/>
+        <p:nvPr/>
+      </p:nvGrpSpPr>
+      <p:grpSpPr>
+        <a:xfrm>
+          <a:off x="0" y="0"/>
+          <a:ext cx="0" cy="0"/>
+          <a:chOff x="0" y="0"/>
+          <a:chExt cx="0" cy="0"/>
+        </a:xfrm>
+      </p:grpSpPr>
+      <p:grpSp>
+        <p:nvGrpSpPr>
           <p:cNvPr id="6" name="Group 5">
             <a:extLst>
               <a:ext uri="{FF2B5EF4-FFF2-40B4-BE49-F238E27FC236}">
@@ -28189,7 +28801,7 @@
 </p:sld>
 </file>
 
-<file path=ppt/slides/slide41.xml><?xml version="1.0" encoding="utf-8"?>
+<file path=ppt/slides/slide43.xml><?xml version="1.0" encoding="utf-8"?>
 <p:sld xmlns:a="http://schemas.openxmlformats.org/drawingml/2006/main" xmlns:r="http://schemas.openxmlformats.org/officeDocument/2006/relationships" xmlns:p="http://schemas.openxmlformats.org/presentationml/2006/main">
   <p:cSld>
     <p:spTree>

--- a/manual/Pictures 2.0.pptx
+++ b/manual/Pictures 2.0.pptx
@@ -296,7 +296,7 @@
           <a:p>
             <a:fld id="{55465C39-D47E-4138-800A-7D6CA5F3257E}" type="datetimeFigureOut">
               <a:rPr lang="ru-RU" smtClean="0"/>
-              <a:t>22.11.2022</a:t>
+              <a:t>03.12.2022</a:t>
             </a:fld>
             <a:endParaRPr lang="ru-RU"/>
           </a:p>
@@ -466,7 +466,7 @@
           <a:p>
             <a:fld id="{55465C39-D47E-4138-800A-7D6CA5F3257E}" type="datetimeFigureOut">
               <a:rPr lang="ru-RU" smtClean="0"/>
-              <a:t>22.11.2022</a:t>
+              <a:t>03.12.2022</a:t>
             </a:fld>
             <a:endParaRPr lang="ru-RU"/>
           </a:p>
@@ -646,7 +646,7 @@
           <a:p>
             <a:fld id="{55465C39-D47E-4138-800A-7D6CA5F3257E}" type="datetimeFigureOut">
               <a:rPr lang="ru-RU" smtClean="0"/>
-              <a:t>22.11.2022</a:t>
+              <a:t>03.12.2022</a:t>
             </a:fld>
             <a:endParaRPr lang="ru-RU"/>
           </a:p>
@@ -816,7 +816,7 @@
           <a:p>
             <a:fld id="{55465C39-D47E-4138-800A-7D6CA5F3257E}" type="datetimeFigureOut">
               <a:rPr lang="ru-RU" smtClean="0"/>
-              <a:t>22.11.2022</a:t>
+              <a:t>03.12.2022</a:t>
             </a:fld>
             <a:endParaRPr lang="ru-RU"/>
           </a:p>
@@ -1060,7 +1060,7 @@
           <a:p>
             <a:fld id="{55465C39-D47E-4138-800A-7D6CA5F3257E}" type="datetimeFigureOut">
               <a:rPr lang="ru-RU" smtClean="0"/>
-              <a:t>22.11.2022</a:t>
+              <a:t>03.12.2022</a:t>
             </a:fld>
             <a:endParaRPr lang="ru-RU"/>
           </a:p>
@@ -1292,7 +1292,7 @@
           <a:p>
             <a:fld id="{55465C39-D47E-4138-800A-7D6CA5F3257E}" type="datetimeFigureOut">
               <a:rPr lang="ru-RU" smtClean="0"/>
-              <a:t>22.11.2022</a:t>
+              <a:t>03.12.2022</a:t>
             </a:fld>
             <a:endParaRPr lang="ru-RU"/>
           </a:p>
@@ -1659,7 +1659,7 @@
           <a:p>
             <a:fld id="{55465C39-D47E-4138-800A-7D6CA5F3257E}" type="datetimeFigureOut">
               <a:rPr lang="ru-RU" smtClean="0"/>
-              <a:t>22.11.2022</a:t>
+              <a:t>03.12.2022</a:t>
             </a:fld>
             <a:endParaRPr lang="ru-RU"/>
           </a:p>
@@ -1777,7 +1777,7 @@
           <a:p>
             <a:fld id="{55465C39-D47E-4138-800A-7D6CA5F3257E}" type="datetimeFigureOut">
               <a:rPr lang="ru-RU" smtClean="0"/>
-              <a:t>22.11.2022</a:t>
+              <a:t>03.12.2022</a:t>
             </a:fld>
             <a:endParaRPr lang="ru-RU"/>
           </a:p>
@@ -1872,7 +1872,7 @@
           <a:p>
             <a:fld id="{55465C39-D47E-4138-800A-7D6CA5F3257E}" type="datetimeFigureOut">
               <a:rPr lang="ru-RU" smtClean="0"/>
-              <a:t>22.11.2022</a:t>
+              <a:t>03.12.2022</a:t>
             </a:fld>
             <a:endParaRPr lang="ru-RU"/>
           </a:p>
@@ -2149,7 +2149,7 @@
           <a:p>
             <a:fld id="{55465C39-D47E-4138-800A-7D6CA5F3257E}" type="datetimeFigureOut">
               <a:rPr lang="ru-RU" smtClean="0"/>
-              <a:t>22.11.2022</a:t>
+              <a:t>03.12.2022</a:t>
             </a:fld>
             <a:endParaRPr lang="ru-RU"/>
           </a:p>
@@ -2406,7 +2406,7 @@
           <a:p>
             <a:fld id="{55465C39-D47E-4138-800A-7D6CA5F3257E}" type="datetimeFigureOut">
               <a:rPr lang="ru-RU" smtClean="0"/>
-              <a:t>22.11.2022</a:t>
+              <a:t>03.12.2022</a:t>
             </a:fld>
             <a:endParaRPr lang="ru-RU"/>
           </a:p>
@@ -2619,7 +2619,7 @@
           <a:p>
             <a:fld id="{55465C39-D47E-4138-800A-7D6CA5F3257E}" type="datetimeFigureOut">
               <a:rPr lang="ru-RU" smtClean="0"/>
-              <a:t>22.11.2022</a:t>
+              <a:t>03.12.2022</a:t>
             </a:fld>
             <a:endParaRPr lang="ru-RU"/>
           </a:p>

--- a/manual/Pictures 2.0.pptx
+++ b/manual/Pictures 2.0.pptx
@@ -296,7 +296,7 @@
           <a:p>
             <a:fld id="{55465C39-D47E-4138-800A-7D6CA5F3257E}" type="datetimeFigureOut">
               <a:rPr lang="ru-RU" smtClean="0"/>
-              <a:t>03.12.2022</a:t>
+              <a:t>10.12.2022</a:t>
             </a:fld>
             <a:endParaRPr lang="ru-RU"/>
           </a:p>
@@ -466,7 +466,7 @@
           <a:p>
             <a:fld id="{55465C39-D47E-4138-800A-7D6CA5F3257E}" type="datetimeFigureOut">
               <a:rPr lang="ru-RU" smtClean="0"/>
-              <a:t>03.12.2022</a:t>
+              <a:t>10.12.2022</a:t>
             </a:fld>
             <a:endParaRPr lang="ru-RU"/>
           </a:p>
@@ -646,7 +646,7 @@
           <a:p>
             <a:fld id="{55465C39-D47E-4138-800A-7D6CA5F3257E}" type="datetimeFigureOut">
               <a:rPr lang="ru-RU" smtClean="0"/>
-              <a:t>03.12.2022</a:t>
+              <a:t>10.12.2022</a:t>
             </a:fld>
             <a:endParaRPr lang="ru-RU"/>
           </a:p>
@@ -816,7 +816,7 @@
           <a:p>
             <a:fld id="{55465C39-D47E-4138-800A-7D6CA5F3257E}" type="datetimeFigureOut">
               <a:rPr lang="ru-RU" smtClean="0"/>
-              <a:t>03.12.2022</a:t>
+              <a:t>10.12.2022</a:t>
             </a:fld>
             <a:endParaRPr lang="ru-RU"/>
           </a:p>
@@ -1060,7 +1060,7 @@
           <a:p>
             <a:fld id="{55465C39-D47E-4138-800A-7D6CA5F3257E}" type="datetimeFigureOut">
               <a:rPr lang="ru-RU" smtClean="0"/>
-              <a:t>03.12.2022</a:t>
+              <a:t>10.12.2022</a:t>
             </a:fld>
             <a:endParaRPr lang="ru-RU"/>
           </a:p>
@@ -1292,7 +1292,7 @@
           <a:p>
             <a:fld id="{55465C39-D47E-4138-800A-7D6CA5F3257E}" type="datetimeFigureOut">
               <a:rPr lang="ru-RU" smtClean="0"/>
-              <a:t>03.12.2022</a:t>
+              <a:t>10.12.2022</a:t>
             </a:fld>
             <a:endParaRPr lang="ru-RU"/>
           </a:p>
@@ -1659,7 +1659,7 @@
           <a:p>
             <a:fld id="{55465C39-D47E-4138-800A-7D6CA5F3257E}" type="datetimeFigureOut">
               <a:rPr lang="ru-RU" smtClean="0"/>
-              <a:t>03.12.2022</a:t>
+              <a:t>10.12.2022</a:t>
             </a:fld>
             <a:endParaRPr lang="ru-RU"/>
           </a:p>
@@ -1777,7 +1777,7 @@
           <a:p>
             <a:fld id="{55465C39-D47E-4138-800A-7D6CA5F3257E}" type="datetimeFigureOut">
               <a:rPr lang="ru-RU" smtClean="0"/>
-              <a:t>03.12.2022</a:t>
+              <a:t>10.12.2022</a:t>
             </a:fld>
             <a:endParaRPr lang="ru-RU"/>
           </a:p>
@@ -1872,7 +1872,7 @@
           <a:p>
             <a:fld id="{55465C39-D47E-4138-800A-7D6CA5F3257E}" type="datetimeFigureOut">
               <a:rPr lang="ru-RU" smtClean="0"/>
-              <a:t>03.12.2022</a:t>
+              <a:t>10.12.2022</a:t>
             </a:fld>
             <a:endParaRPr lang="ru-RU"/>
           </a:p>
@@ -2149,7 +2149,7 @@
           <a:p>
             <a:fld id="{55465C39-D47E-4138-800A-7D6CA5F3257E}" type="datetimeFigureOut">
               <a:rPr lang="ru-RU" smtClean="0"/>
-              <a:t>03.12.2022</a:t>
+              <a:t>10.12.2022</a:t>
             </a:fld>
             <a:endParaRPr lang="ru-RU"/>
           </a:p>
@@ -2406,7 +2406,7 @@
           <a:p>
             <a:fld id="{55465C39-D47E-4138-800A-7D6CA5F3257E}" type="datetimeFigureOut">
               <a:rPr lang="ru-RU" smtClean="0"/>
-              <a:t>03.12.2022</a:t>
+              <a:t>10.12.2022</a:t>
             </a:fld>
             <a:endParaRPr lang="ru-RU"/>
           </a:p>
@@ -2619,7 +2619,7 @@
           <a:p>
             <a:fld id="{55465C39-D47E-4138-800A-7D6CA5F3257E}" type="datetimeFigureOut">
               <a:rPr lang="ru-RU" smtClean="0"/>
-              <a:t>03.12.2022</a:t>
+              <a:t>10.12.2022</a:t>
             </a:fld>
             <a:endParaRPr lang="ru-RU"/>
           </a:p>
@@ -21702,7 +21702,7 @@
                   <a:latin typeface="Times New Roman" panose="02020603050405020304" pitchFamily="18" charset="0"/>
                   <a:cs typeface="Times New Roman" panose="02020603050405020304" pitchFamily="18" charset="0"/>
                 </a:rPr>
-                <a:t>Save all read content back to a file</a:t>
+                <a:t>Save all content back to a file</a:t>
               </a:r>
             </a:p>
           </p:txBody>

--- a/manual/Pictures 2.0.pptx
+++ b/manual/Pictures 2.0.pptx
@@ -296,7 +296,7 @@
           <a:p>
             <a:fld id="{55465C39-D47E-4138-800A-7D6CA5F3257E}" type="datetimeFigureOut">
               <a:rPr lang="ru-RU" smtClean="0"/>
-              <a:t>10.12.2022</a:t>
+              <a:t>08.04.2023</a:t>
             </a:fld>
             <a:endParaRPr lang="ru-RU"/>
           </a:p>
@@ -466,7 +466,7 @@
           <a:p>
             <a:fld id="{55465C39-D47E-4138-800A-7D6CA5F3257E}" type="datetimeFigureOut">
               <a:rPr lang="ru-RU" smtClean="0"/>
-              <a:t>10.12.2022</a:t>
+              <a:t>08.04.2023</a:t>
             </a:fld>
             <a:endParaRPr lang="ru-RU"/>
           </a:p>
@@ -646,7 +646,7 @@
           <a:p>
             <a:fld id="{55465C39-D47E-4138-800A-7D6CA5F3257E}" type="datetimeFigureOut">
               <a:rPr lang="ru-RU" smtClean="0"/>
-              <a:t>10.12.2022</a:t>
+              <a:t>08.04.2023</a:t>
             </a:fld>
             <a:endParaRPr lang="ru-RU"/>
           </a:p>
@@ -816,7 +816,7 @@
           <a:p>
             <a:fld id="{55465C39-D47E-4138-800A-7D6CA5F3257E}" type="datetimeFigureOut">
               <a:rPr lang="ru-RU" smtClean="0"/>
-              <a:t>10.12.2022</a:t>
+              <a:t>08.04.2023</a:t>
             </a:fld>
             <a:endParaRPr lang="ru-RU"/>
           </a:p>
@@ -1060,7 +1060,7 @@
           <a:p>
             <a:fld id="{55465C39-D47E-4138-800A-7D6CA5F3257E}" type="datetimeFigureOut">
               <a:rPr lang="ru-RU" smtClean="0"/>
-              <a:t>10.12.2022</a:t>
+              <a:t>08.04.2023</a:t>
             </a:fld>
             <a:endParaRPr lang="ru-RU"/>
           </a:p>
@@ -1292,7 +1292,7 @@
           <a:p>
             <a:fld id="{55465C39-D47E-4138-800A-7D6CA5F3257E}" type="datetimeFigureOut">
               <a:rPr lang="ru-RU" smtClean="0"/>
-              <a:t>10.12.2022</a:t>
+              <a:t>08.04.2023</a:t>
             </a:fld>
             <a:endParaRPr lang="ru-RU"/>
           </a:p>
@@ -1659,7 +1659,7 @@
           <a:p>
             <a:fld id="{55465C39-D47E-4138-800A-7D6CA5F3257E}" type="datetimeFigureOut">
               <a:rPr lang="ru-RU" smtClean="0"/>
-              <a:t>10.12.2022</a:t>
+              <a:t>08.04.2023</a:t>
             </a:fld>
             <a:endParaRPr lang="ru-RU"/>
           </a:p>
@@ -1777,7 +1777,7 @@
           <a:p>
             <a:fld id="{55465C39-D47E-4138-800A-7D6CA5F3257E}" type="datetimeFigureOut">
               <a:rPr lang="ru-RU" smtClean="0"/>
-              <a:t>10.12.2022</a:t>
+              <a:t>08.04.2023</a:t>
             </a:fld>
             <a:endParaRPr lang="ru-RU"/>
           </a:p>
@@ -1872,7 +1872,7 @@
           <a:p>
             <a:fld id="{55465C39-D47E-4138-800A-7D6CA5F3257E}" type="datetimeFigureOut">
               <a:rPr lang="ru-RU" smtClean="0"/>
-              <a:t>10.12.2022</a:t>
+              <a:t>08.04.2023</a:t>
             </a:fld>
             <a:endParaRPr lang="ru-RU"/>
           </a:p>
@@ -2149,7 +2149,7 @@
           <a:p>
             <a:fld id="{55465C39-D47E-4138-800A-7D6CA5F3257E}" type="datetimeFigureOut">
               <a:rPr lang="ru-RU" smtClean="0"/>
-              <a:t>10.12.2022</a:t>
+              <a:t>08.04.2023</a:t>
             </a:fld>
             <a:endParaRPr lang="ru-RU"/>
           </a:p>
@@ -2406,7 +2406,7 @@
           <a:p>
             <a:fld id="{55465C39-D47E-4138-800A-7D6CA5F3257E}" type="datetimeFigureOut">
               <a:rPr lang="ru-RU" smtClean="0"/>
-              <a:t>10.12.2022</a:t>
+              <a:t>08.04.2023</a:t>
             </a:fld>
             <a:endParaRPr lang="ru-RU"/>
           </a:p>
@@ -2619,7 +2619,7 @@
           <a:p>
             <a:fld id="{55465C39-D47E-4138-800A-7D6CA5F3257E}" type="datetimeFigureOut">
               <a:rPr lang="ru-RU" smtClean="0"/>
-              <a:t>10.12.2022</a:t>
+              <a:t>08.04.2023</a:t>
             </a:fld>
             <a:endParaRPr lang="ru-RU"/>
           </a:p>
@@ -12817,10 +12817,10 @@
       </p:grpSp>
       <p:grpSp>
         <p:nvGrpSpPr>
-          <p:cNvPr id="14" name="Group 13">
+          <p:cNvPr id="20" name="Group 19">
             <a:extLst>
               <a:ext uri="{FF2B5EF4-FFF2-40B4-BE49-F238E27FC236}">
-                <a16:creationId xmlns:a16="http://schemas.microsoft.com/office/drawing/2014/main" id="{F4893D02-0E9B-2031-4134-5F7A75E26582}"/>
+                <a16:creationId xmlns:a16="http://schemas.microsoft.com/office/drawing/2014/main" id="{B54FC337-B327-7C36-2163-7490E7754D20}"/>
               </a:ext>
             </a:extLst>
           </p:cNvPr>
@@ -12829,18 +12829,18 @@
         </p:nvGrpSpPr>
         <p:grpSpPr>
           <a:xfrm>
-            <a:off x="1265520" y="3756660"/>
-            <a:ext cx="6445319" cy="609600"/>
-            <a:chOff x="1265520" y="3756660"/>
-            <a:chExt cx="6445319" cy="609600"/>
+            <a:off x="1262062" y="3762342"/>
+            <a:ext cx="6443663" cy="600108"/>
+            <a:chOff x="1262062" y="3762342"/>
+            <a:chExt cx="6443663" cy="600108"/>
           </a:xfrm>
         </p:grpSpPr>
         <p:pic>
           <p:nvPicPr>
-            <p:cNvPr id="10" name="Picture 9">
+            <p:cNvPr id="19" name="Picture 18">
               <a:extLst>
                 <a:ext uri="{FF2B5EF4-FFF2-40B4-BE49-F238E27FC236}">
-                  <a16:creationId xmlns:a16="http://schemas.microsoft.com/office/drawing/2014/main" id="{6A3D80CA-3C70-28AD-F41A-89B2C7B97CEA}"/>
+                  <a16:creationId xmlns:a16="http://schemas.microsoft.com/office/drawing/2014/main" id="{40EBDF8B-6F52-E776-D556-35692660017F}"/>
                 </a:ext>
               </a:extLst>
             </p:cNvPr>
@@ -12849,15 +12849,16 @@
             </p:cNvPicPr>
             <p:nvPr/>
           </p:nvPicPr>
-          <p:blipFill rotWithShape="1">
+          <p:blipFill>
             <a:blip r:embed="rId3"/>
-            <a:srcRect t="67889" b="23222"/>
-            <a:stretch/>
+            <a:stretch>
+              <a:fillRect/>
+            </a:stretch>
           </p:blipFill>
           <p:spPr>
             <a:xfrm>
-              <a:off x="1265520" y="3756660"/>
-              <a:ext cx="6445319" cy="609600"/>
+              <a:off x="1262062" y="3762342"/>
+              <a:ext cx="6443663" cy="600108"/>
             </a:xfrm>
             <a:prstGeom prst="rect">
               <a:avLst/>
@@ -12908,10 +12909,10 @@
       </p:grpSp>
       <p:grpSp>
         <p:nvGrpSpPr>
-          <p:cNvPr id="15" name="Group 14">
+          <p:cNvPr id="21" name="Group 20">
             <a:extLst>
               <a:ext uri="{FF2B5EF4-FFF2-40B4-BE49-F238E27FC236}">
-                <a16:creationId xmlns:a16="http://schemas.microsoft.com/office/drawing/2014/main" id="{67EE46F5-3D9B-94A6-6B3B-6E6CEE3F1401}"/>
+                <a16:creationId xmlns:a16="http://schemas.microsoft.com/office/drawing/2014/main" id="{68B7BBF7-067F-63C9-3D43-B3E52023692A}"/>
               </a:ext>
             </a:extLst>
           </p:cNvPr>
@@ -12920,18 +12921,18 @@
         </p:nvGrpSpPr>
         <p:grpSpPr>
           <a:xfrm>
-            <a:off x="1265520" y="4457700"/>
-            <a:ext cx="6445319" cy="594360"/>
-            <a:chOff x="1265520" y="4457700"/>
-            <a:chExt cx="6445319" cy="594360"/>
+            <a:off x="1262063" y="4505945"/>
+            <a:ext cx="6453188" cy="600995"/>
+            <a:chOff x="1262063" y="4505945"/>
+            <a:chExt cx="6453188" cy="600995"/>
           </a:xfrm>
         </p:grpSpPr>
         <p:pic>
           <p:nvPicPr>
-            <p:cNvPr id="11" name="Picture 10">
+            <p:cNvPr id="17" name="Picture 16">
               <a:extLst>
                 <a:ext uri="{FF2B5EF4-FFF2-40B4-BE49-F238E27FC236}">
-                  <a16:creationId xmlns:a16="http://schemas.microsoft.com/office/drawing/2014/main" id="{4143454B-3263-CADF-DB18-B002BA3EAE41}"/>
+                  <a16:creationId xmlns:a16="http://schemas.microsoft.com/office/drawing/2014/main" id="{CB46CC52-531B-3F80-2B5C-5C19EF2CFA55}"/>
                 </a:ext>
               </a:extLst>
             </p:cNvPr>
@@ -12940,15 +12941,16 @@
             </p:cNvPicPr>
             <p:nvPr/>
           </p:nvPicPr>
-          <p:blipFill rotWithShape="1">
+          <p:blipFill>
             <a:blip r:embed="rId4"/>
-            <a:srcRect t="68000" b="23333"/>
-            <a:stretch/>
+            <a:stretch>
+              <a:fillRect/>
+            </a:stretch>
           </p:blipFill>
           <p:spPr>
             <a:xfrm>
-              <a:off x="1265520" y="4457700"/>
-              <a:ext cx="6445319" cy="594360"/>
+              <a:off x="1262063" y="4505945"/>
+              <a:ext cx="6453188" cy="600995"/>
             </a:xfrm>
             <a:prstGeom prst="rect">
               <a:avLst/>
@@ -12969,7 +12971,7 @@
           </p:nvSpPr>
           <p:spPr>
             <a:xfrm>
-              <a:off x="7185516" y="4552448"/>
+              <a:off x="7185516" y="4590548"/>
               <a:ext cx="449724" cy="369332"/>
             </a:xfrm>
             <a:prstGeom prst="rect">

--- a/manual/Pictures 2.0.pptx
+++ b/manual/Pictures 2.0.pptx
@@ -48,6 +48,7 @@
     <p:sldId id="289" r:id="rId42"/>
     <p:sldId id="288" r:id="rId43"/>
     <p:sldId id="269" r:id="rId44"/>
+    <p:sldId id="305" r:id="rId45"/>
   </p:sldIdLst>
   <p:sldSz cx="9144000" cy="6858000" type="screen4x3"/>
   <p:notesSz cx="6858000" cy="9144000"/>
@@ -296,7 +297,7 @@
           <a:p>
             <a:fld id="{55465C39-D47E-4138-800A-7D6CA5F3257E}" type="datetimeFigureOut">
               <a:rPr lang="ru-RU" smtClean="0"/>
-              <a:t>08.04.2023</a:t>
+              <a:t>17.04.2023</a:t>
             </a:fld>
             <a:endParaRPr lang="ru-RU"/>
           </a:p>
@@ -466,7 +467,7 @@
           <a:p>
             <a:fld id="{55465C39-D47E-4138-800A-7D6CA5F3257E}" type="datetimeFigureOut">
               <a:rPr lang="ru-RU" smtClean="0"/>
-              <a:t>08.04.2023</a:t>
+              <a:t>17.04.2023</a:t>
             </a:fld>
             <a:endParaRPr lang="ru-RU"/>
           </a:p>
@@ -646,7 +647,7 @@
           <a:p>
             <a:fld id="{55465C39-D47E-4138-800A-7D6CA5F3257E}" type="datetimeFigureOut">
               <a:rPr lang="ru-RU" smtClean="0"/>
-              <a:t>08.04.2023</a:t>
+              <a:t>17.04.2023</a:t>
             </a:fld>
             <a:endParaRPr lang="ru-RU"/>
           </a:p>
@@ -816,7 +817,7 @@
           <a:p>
             <a:fld id="{55465C39-D47E-4138-800A-7D6CA5F3257E}" type="datetimeFigureOut">
               <a:rPr lang="ru-RU" smtClean="0"/>
-              <a:t>08.04.2023</a:t>
+              <a:t>17.04.2023</a:t>
             </a:fld>
             <a:endParaRPr lang="ru-RU"/>
           </a:p>
@@ -1060,7 +1061,7 @@
           <a:p>
             <a:fld id="{55465C39-D47E-4138-800A-7D6CA5F3257E}" type="datetimeFigureOut">
               <a:rPr lang="ru-RU" smtClean="0"/>
-              <a:t>08.04.2023</a:t>
+              <a:t>17.04.2023</a:t>
             </a:fld>
             <a:endParaRPr lang="ru-RU"/>
           </a:p>
@@ -1292,7 +1293,7 @@
           <a:p>
             <a:fld id="{55465C39-D47E-4138-800A-7D6CA5F3257E}" type="datetimeFigureOut">
               <a:rPr lang="ru-RU" smtClean="0"/>
-              <a:t>08.04.2023</a:t>
+              <a:t>17.04.2023</a:t>
             </a:fld>
             <a:endParaRPr lang="ru-RU"/>
           </a:p>
@@ -1659,7 +1660,7 @@
           <a:p>
             <a:fld id="{55465C39-D47E-4138-800A-7D6CA5F3257E}" type="datetimeFigureOut">
               <a:rPr lang="ru-RU" smtClean="0"/>
-              <a:t>08.04.2023</a:t>
+              <a:t>17.04.2023</a:t>
             </a:fld>
             <a:endParaRPr lang="ru-RU"/>
           </a:p>
@@ -1777,7 +1778,7 @@
           <a:p>
             <a:fld id="{55465C39-D47E-4138-800A-7D6CA5F3257E}" type="datetimeFigureOut">
               <a:rPr lang="ru-RU" smtClean="0"/>
-              <a:t>08.04.2023</a:t>
+              <a:t>17.04.2023</a:t>
             </a:fld>
             <a:endParaRPr lang="ru-RU"/>
           </a:p>
@@ -1872,7 +1873,7 @@
           <a:p>
             <a:fld id="{55465C39-D47E-4138-800A-7D6CA5F3257E}" type="datetimeFigureOut">
               <a:rPr lang="ru-RU" smtClean="0"/>
-              <a:t>08.04.2023</a:t>
+              <a:t>17.04.2023</a:t>
             </a:fld>
             <a:endParaRPr lang="ru-RU"/>
           </a:p>
@@ -2149,7 +2150,7 @@
           <a:p>
             <a:fld id="{55465C39-D47E-4138-800A-7D6CA5F3257E}" type="datetimeFigureOut">
               <a:rPr lang="ru-RU" smtClean="0"/>
-              <a:t>08.04.2023</a:t>
+              <a:t>17.04.2023</a:t>
             </a:fld>
             <a:endParaRPr lang="ru-RU"/>
           </a:p>
@@ -2406,7 +2407,7 @@
           <a:p>
             <a:fld id="{55465C39-D47E-4138-800A-7D6CA5F3257E}" type="datetimeFigureOut">
               <a:rPr lang="ru-RU" smtClean="0"/>
-              <a:t>08.04.2023</a:t>
+              <a:t>17.04.2023</a:t>
             </a:fld>
             <a:endParaRPr lang="ru-RU"/>
           </a:p>
@@ -2619,7 +2620,7 @@
           <a:p>
             <a:fld id="{55465C39-D47E-4138-800A-7D6CA5F3257E}" type="datetimeFigureOut">
               <a:rPr lang="ru-RU" smtClean="0"/>
-              <a:t>08.04.2023</a:t>
+              <a:t>17.04.2023</a:t>
             </a:fld>
             <a:endParaRPr lang="ru-RU"/>
           </a:p>
@@ -34020,6 +34021,139 @@
 </p:sld>
 </file>
 
+<file path=ppt/slides/slide44.xml><?xml version="1.0" encoding="utf-8"?>
+<p:sld xmlns:a="http://schemas.openxmlformats.org/drawingml/2006/main" xmlns:r="http://schemas.openxmlformats.org/officeDocument/2006/relationships" xmlns:p="http://schemas.openxmlformats.org/presentationml/2006/main">
+  <p:cSld>
+    <p:spTree>
+      <p:nvGrpSpPr>
+        <p:cNvPr id="1" name=""/>
+        <p:cNvGrpSpPr/>
+        <p:nvPr/>
+      </p:nvGrpSpPr>
+      <p:grpSpPr>
+        <a:xfrm>
+          <a:off x="0" y="0"/>
+          <a:ext cx="0" cy="0"/>
+          <a:chOff x="0" y="0"/>
+          <a:chExt cx="0" cy="0"/>
+        </a:xfrm>
+      </p:grpSpPr>
+      <p:grpSp>
+        <p:nvGrpSpPr>
+          <p:cNvPr id="4" name="Group 3">
+            <a:extLst>
+              <a:ext uri="{FF2B5EF4-FFF2-40B4-BE49-F238E27FC236}">
+                <a16:creationId xmlns:a16="http://schemas.microsoft.com/office/drawing/2014/main" id="{8368B77F-2843-76A6-EDAB-1549777E5118}"/>
+              </a:ext>
+            </a:extLst>
+          </p:cNvPr>
+          <p:cNvGrpSpPr/>
+          <p:nvPr/>
+        </p:nvGrpSpPr>
+        <p:grpSpPr>
+          <a:xfrm>
+            <a:off x="994085" y="568596"/>
+            <a:ext cx="6419850" cy="4962525"/>
+            <a:chOff x="994085" y="568596"/>
+            <a:chExt cx="6419850" cy="4962525"/>
+          </a:xfrm>
+        </p:grpSpPr>
+        <p:pic>
+          <p:nvPicPr>
+            <p:cNvPr id="3" name="Picture 2">
+              <a:extLst>
+                <a:ext uri="{FF2B5EF4-FFF2-40B4-BE49-F238E27FC236}">
+                  <a16:creationId xmlns:a16="http://schemas.microsoft.com/office/drawing/2014/main" id="{BE577D59-86D4-1967-B00A-6645B496AF48}"/>
+                </a:ext>
+              </a:extLst>
+            </p:cNvPr>
+            <p:cNvPicPr>
+              <a:picLocks noChangeAspect="1"/>
+            </p:cNvPicPr>
+            <p:nvPr/>
+          </p:nvPicPr>
+          <p:blipFill>
+            <a:blip r:embed="rId2"/>
+            <a:stretch>
+              <a:fillRect/>
+            </a:stretch>
+          </p:blipFill>
+          <p:spPr>
+            <a:xfrm>
+              <a:off x="994085" y="568596"/>
+              <a:ext cx="6419850" cy="4962525"/>
+            </a:xfrm>
+            <a:prstGeom prst="rect">
+              <a:avLst/>
+            </a:prstGeom>
+          </p:spPr>
+        </p:pic>
+        <p:sp>
+          <p:nvSpPr>
+            <p:cNvPr id="5" name="Rectangle: Rounded Corners 4">
+              <a:extLst>
+                <a:ext uri="{FF2B5EF4-FFF2-40B4-BE49-F238E27FC236}">
+                  <a16:creationId xmlns:a16="http://schemas.microsoft.com/office/drawing/2014/main" id="{ACA03396-4644-DB7B-95FA-3048FF5B9A63}"/>
+                </a:ext>
+              </a:extLst>
+            </p:cNvPr>
+            <p:cNvSpPr/>
+            <p:nvPr/>
+          </p:nvSpPr>
+          <p:spPr>
+            <a:xfrm>
+              <a:off x="1714494" y="3780262"/>
+              <a:ext cx="5486405" cy="310761"/>
+            </a:xfrm>
+            <a:prstGeom prst="roundRect">
+              <a:avLst/>
+            </a:prstGeom>
+            <a:noFill/>
+            <a:ln w="25400">
+              <a:solidFill>
+                <a:srgbClr val="FF0000"/>
+              </a:solidFill>
+            </a:ln>
+          </p:spPr>
+          <p:style>
+            <a:lnRef idx="2">
+              <a:schemeClr val="accent1">
+                <a:shade val="50000"/>
+              </a:schemeClr>
+            </a:lnRef>
+            <a:fillRef idx="1">
+              <a:schemeClr val="accent1"/>
+            </a:fillRef>
+            <a:effectRef idx="0">
+              <a:schemeClr val="accent1"/>
+            </a:effectRef>
+            <a:fontRef idx="minor">
+              <a:schemeClr val="lt1"/>
+            </a:fontRef>
+          </p:style>
+          <p:txBody>
+            <a:bodyPr rtlCol="0" anchor="ctr"/>
+            <a:lstStyle/>
+            <a:p>
+              <a:pPr algn="ctr"/>
+              <a:endParaRPr lang="en-US" dirty="0"/>
+            </a:p>
+          </p:txBody>
+        </p:sp>
+      </p:grpSp>
+    </p:spTree>
+    <p:extLst>
+      <p:ext uri="{BB962C8B-B14F-4D97-AF65-F5344CB8AC3E}">
+        <p14:creationId xmlns:p14="http://schemas.microsoft.com/office/powerpoint/2010/main" val="574768332"/>
+      </p:ext>
+    </p:extLst>
+  </p:cSld>
+  <p:clrMapOvr>
+    <a:masterClrMapping/>
+  </p:clrMapOvr>
+</p:sld>
+</file>
+
 <file path=ppt/slides/slide5.xml><?xml version="1.0" encoding="utf-8"?>
 <p:sld xmlns:a="http://schemas.openxmlformats.org/drawingml/2006/main" xmlns:r="http://schemas.openxmlformats.org/officeDocument/2006/relationships" xmlns:p="http://schemas.openxmlformats.org/presentationml/2006/main">
   <p:cSld>

--- a/manual/Pictures 2.0.pptx
+++ b/manual/Pictures 2.0.pptx
@@ -297,7 +297,7 @@
           <a:p>
             <a:fld id="{55465C39-D47E-4138-800A-7D6CA5F3257E}" type="datetimeFigureOut">
               <a:rPr lang="ru-RU" smtClean="0"/>
-              <a:t>17.04.2023</a:t>
+              <a:t>12.06.2023</a:t>
             </a:fld>
             <a:endParaRPr lang="ru-RU"/>
           </a:p>
@@ -467,7 +467,7 @@
           <a:p>
             <a:fld id="{55465C39-D47E-4138-800A-7D6CA5F3257E}" type="datetimeFigureOut">
               <a:rPr lang="ru-RU" smtClean="0"/>
-              <a:t>17.04.2023</a:t>
+              <a:t>12.06.2023</a:t>
             </a:fld>
             <a:endParaRPr lang="ru-RU"/>
           </a:p>
@@ -647,7 +647,7 @@
           <a:p>
             <a:fld id="{55465C39-D47E-4138-800A-7D6CA5F3257E}" type="datetimeFigureOut">
               <a:rPr lang="ru-RU" smtClean="0"/>
-              <a:t>17.04.2023</a:t>
+              <a:t>12.06.2023</a:t>
             </a:fld>
             <a:endParaRPr lang="ru-RU"/>
           </a:p>
@@ -817,7 +817,7 @@
           <a:p>
             <a:fld id="{55465C39-D47E-4138-800A-7D6CA5F3257E}" type="datetimeFigureOut">
               <a:rPr lang="ru-RU" smtClean="0"/>
-              <a:t>17.04.2023</a:t>
+              <a:t>12.06.2023</a:t>
             </a:fld>
             <a:endParaRPr lang="ru-RU"/>
           </a:p>
@@ -1061,7 +1061,7 @@
           <a:p>
             <a:fld id="{55465C39-D47E-4138-800A-7D6CA5F3257E}" type="datetimeFigureOut">
               <a:rPr lang="ru-RU" smtClean="0"/>
-              <a:t>17.04.2023</a:t>
+              <a:t>12.06.2023</a:t>
             </a:fld>
             <a:endParaRPr lang="ru-RU"/>
           </a:p>
@@ -1293,7 +1293,7 @@
           <a:p>
             <a:fld id="{55465C39-D47E-4138-800A-7D6CA5F3257E}" type="datetimeFigureOut">
               <a:rPr lang="ru-RU" smtClean="0"/>
-              <a:t>17.04.2023</a:t>
+              <a:t>12.06.2023</a:t>
             </a:fld>
             <a:endParaRPr lang="ru-RU"/>
           </a:p>
@@ -1660,7 +1660,7 @@
           <a:p>
             <a:fld id="{55465C39-D47E-4138-800A-7D6CA5F3257E}" type="datetimeFigureOut">
               <a:rPr lang="ru-RU" smtClean="0"/>
-              <a:t>17.04.2023</a:t>
+              <a:t>12.06.2023</a:t>
             </a:fld>
             <a:endParaRPr lang="ru-RU"/>
           </a:p>
@@ -1778,7 +1778,7 @@
           <a:p>
             <a:fld id="{55465C39-D47E-4138-800A-7D6CA5F3257E}" type="datetimeFigureOut">
               <a:rPr lang="ru-RU" smtClean="0"/>
-              <a:t>17.04.2023</a:t>
+              <a:t>12.06.2023</a:t>
             </a:fld>
             <a:endParaRPr lang="ru-RU"/>
           </a:p>
@@ -1873,7 +1873,7 @@
           <a:p>
             <a:fld id="{55465C39-D47E-4138-800A-7D6CA5F3257E}" type="datetimeFigureOut">
               <a:rPr lang="ru-RU" smtClean="0"/>
-              <a:t>17.04.2023</a:t>
+              <a:t>12.06.2023</a:t>
             </a:fld>
             <a:endParaRPr lang="ru-RU"/>
           </a:p>
@@ -2150,7 +2150,7 @@
           <a:p>
             <a:fld id="{55465C39-D47E-4138-800A-7D6CA5F3257E}" type="datetimeFigureOut">
               <a:rPr lang="ru-RU" smtClean="0"/>
-              <a:t>17.04.2023</a:t>
+              <a:t>12.06.2023</a:t>
             </a:fld>
             <a:endParaRPr lang="ru-RU"/>
           </a:p>
@@ -2407,7 +2407,7 @@
           <a:p>
             <a:fld id="{55465C39-D47E-4138-800A-7D6CA5F3257E}" type="datetimeFigureOut">
               <a:rPr lang="ru-RU" smtClean="0"/>
-              <a:t>17.04.2023</a:t>
+              <a:t>12.06.2023</a:t>
             </a:fld>
             <a:endParaRPr lang="ru-RU"/>
           </a:p>
@@ -2620,7 +2620,7 @@
           <a:p>
             <a:fld id="{55465C39-D47E-4138-800A-7D6CA5F3257E}" type="datetimeFigureOut">
               <a:rPr lang="ru-RU" smtClean="0"/>
-              <a:t>17.04.2023</a:t>
+              <a:t>12.06.2023</a:t>
             </a:fld>
             <a:endParaRPr lang="ru-RU"/>
           </a:p>
@@ -11209,7 +11209,7 @@
         </p:blipFill>
         <p:spPr>
           <a:xfrm>
-            <a:off x="2301760" y="552091"/>
+            <a:off x="3695662" y="184101"/>
             <a:ext cx="4730262" cy="733246"/>
           </a:xfrm>
           <a:prstGeom prst="rect">
@@ -11231,7 +11231,7 @@
         </p:nvGrpSpPr>
         <p:grpSpPr>
           <a:xfrm>
-            <a:off x="2301760" y="1423359"/>
+            <a:off x="3695662" y="1055369"/>
             <a:ext cx="4730262" cy="1190446"/>
             <a:chOff x="2301760" y="1423359"/>
             <a:chExt cx="4730262" cy="1190446"/>
@@ -11385,7 +11385,7 @@
         </p:nvGrpSpPr>
         <p:grpSpPr>
           <a:xfrm>
-            <a:off x="2301759" y="2915727"/>
+            <a:off x="3695661" y="2547737"/>
             <a:ext cx="4730262" cy="948907"/>
             <a:chOff x="2301759" y="2915727"/>
             <a:chExt cx="4730262" cy="948907"/>
@@ -11476,7 +11476,7 @@
         </p:nvGrpSpPr>
         <p:grpSpPr>
           <a:xfrm>
-            <a:off x="2301759" y="3907764"/>
+            <a:off x="3695661" y="3539774"/>
             <a:ext cx="4730262" cy="948907"/>
             <a:chOff x="2301759" y="3907764"/>
             <a:chExt cx="4730262" cy="948907"/>
@@ -11574,7 +11574,7 @@
         </p:blipFill>
         <p:spPr>
           <a:xfrm>
-            <a:off x="2199736" y="5089586"/>
+            <a:off x="6961306" y="4833108"/>
             <a:ext cx="586596" cy="207034"/>
           </a:xfrm>
           <a:prstGeom prst="rect">
@@ -11582,6 +11582,374 @@
           </a:prstGeom>
         </p:spPr>
       </p:pic>
+      <p:grpSp>
+        <p:nvGrpSpPr>
+          <p:cNvPr id="17" name="Group 16">
+            <a:extLst>
+              <a:ext uri="{FF2B5EF4-FFF2-40B4-BE49-F238E27FC236}">
+                <a16:creationId xmlns:a16="http://schemas.microsoft.com/office/drawing/2014/main" id="{25804A38-588F-3CB7-A663-D0DD93F34CF8}"/>
+              </a:ext>
+            </a:extLst>
+          </p:cNvPr>
+          <p:cNvGrpSpPr/>
+          <p:nvPr/>
+        </p:nvGrpSpPr>
+        <p:grpSpPr>
+          <a:xfrm>
+            <a:off x="-1727393" y="213499"/>
+            <a:ext cx="4943475" cy="781050"/>
+            <a:chOff x="215707" y="5090299"/>
+            <a:chExt cx="4943475" cy="781050"/>
+          </a:xfrm>
+        </p:grpSpPr>
+        <p:pic>
+          <p:nvPicPr>
+            <p:cNvPr id="3" name="Picture 2">
+              <a:extLst>
+                <a:ext uri="{FF2B5EF4-FFF2-40B4-BE49-F238E27FC236}">
+                  <a16:creationId xmlns:a16="http://schemas.microsoft.com/office/drawing/2014/main" id="{D3F953FA-5C49-24AC-68FE-B7770CD12822}"/>
+                </a:ext>
+              </a:extLst>
+            </p:cNvPr>
+            <p:cNvPicPr>
+              <a:picLocks noChangeAspect="1"/>
+            </p:cNvPicPr>
+            <p:nvPr/>
+          </p:nvPicPr>
+          <p:blipFill>
+            <a:blip r:embed="rId6"/>
+            <a:stretch>
+              <a:fillRect/>
+            </a:stretch>
+          </p:blipFill>
+          <p:spPr>
+            <a:xfrm>
+              <a:off x="215707" y="5090299"/>
+              <a:ext cx="4943475" cy="781050"/>
+            </a:xfrm>
+            <a:prstGeom prst="rect">
+              <a:avLst/>
+            </a:prstGeom>
+          </p:spPr>
+        </p:pic>
+        <p:sp>
+          <p:nvSpPr>
+            <p:cNvPr id="6" name="TextBox 5">
+              <a:extLst>
+                <a:ext uri="{FF2B5EF4-FFF2-40B4-BE49-F238E27FC236}">
+                  <a16:creationId xmlns:a16="http://schemas.microsoft.com/office/drawing/2014/main" id="{A3EDA6F4-B03E-D958-17A0-2D9429C8FF43}"/>
+                </a:ext>
+              </a:extLst>
+            </p:cNvPr>
+            <p:cNvSpPr txBox="1"/>
+            <p:nvPr/>
+          </p:nvSpPr>
+          <p:spPr>
+            <a:xfrm>
+              <a:off x="4619620" y="5127108"/>
+              <a:ext cx="439948" cy="369332"/>
+            </a:xfrm>
+            <a:prstGeom prst="rect">
+              <a:avLst/>
+            </a:prstGeom>
+            <a:noFill/>
+          </p:spPr>
+          <p:txBody>
+            <a:bodyPr wrap="square" rtlCol="0">
+              <a:spAutoFit/>
+            </a:bodyPr>
+            <a:lstStyle/>
+            <a:p>
+              <a:r>
+                <a:rPr lang="en-US" dirty="0">
+                  <a:solidFill>
+                    <a:srgbClr val="FF0000"/>
+                  </a:solidFill>
+                  <a:latin typeface="Times New Roman" panose="02020603050405020304" pitchFamily="18" charset="0"/>
+                  <a:cs typeface="Times New Roman" panose="02020603050405020304" pitchFamily="18" charset="0"/>
+                </a:rPr>
+                <a:t>(a)</a:t>
+              </a:r>
+            </a:p>
+          </p:txBody>
+        </p:sp>
+      </p:grpSp>
+      <p:grpSp>
+        <p:nvGrpSpPr>
+          <p:cNvPr id="18" name="Group 17">
+            <a:extLst>
+              <a:ext uri="{FF2B5EF4-FFF2-40B4-BE49-F238E27FC236}">
+                <a16:creationId xmlns:a16="http://schemas.microsoft.com/office/drawing/2014/main" id="{F5973DE5-5448-6E2F-EAB3-EF5B7B9DA4FF}"/>
+              </a:ext>
+            </a:extLst>
+          </p:cNvPr>
+          <p:cNvGrpSpPr/>
+          <p:nvPr/>
+        </p:nvGrpSpPr>
+        <p:grpSpPr>
+          <a:xfrm>
+            <a:off x="-1727395" y="1045078"/>
+            <a:ext cx="4943475" cy="790575"/>
+            <a:chOff x="215705" y="5921878"/>
+            <a:chExt cx="4943475" cy="790575"/>
+          </a:xfrm>
+        </p:grpSpPr>
+        <p:pic>
+          <p:nvPicPr>
+            <p:cNvPr id="2" name="Picture 1">
+              <a:extLst>
+                <a:ext uri="{FF2B5EF4-FFF2-40B4-BE49-F238E27FC236}">
+                  <a16:creationId xmlns:a16="http://schemas.microsoft.com/office/drawing/2014/main" id="{7E41CF67-A410-78A6-0434-CCD98E9249E6}"/>
+                </a:ext>
+              </a:extLst>
+            </p:cNvPr>
+            <p:cNvPicPr>
+              <a:picLocks noChangeAspect="1"/>
+            </p:cNvPicPr>
+            <p:nvPr/>
+          </p:nvPicPr>
+          <p:blipFill>
+            <a:blip r:embed="rId7"/>
+            <a:stretch>
+              <a:fillRect/>
+            </a:stretch>
+          </p:blipFill>
+          <p:spPr>
+            <a:xfrm>
+              <a:off x="215705" y="5921878"/>
+              <a:ext cx="4943475" cy="790575"/>
+            </a:xfrm>
+            <a:prstGeom prst="rect">
+              <a:avLst/>
+            </a:prstGeom>
+          </p:spPr>
+        </p:pic>
+        <p:sp>
+          <p:nvSpPr>
+            <p:cNvPr id="14" name="TextBox 13">
+              <a:extLst>
+                <a:ext uri="{FF2B5EF4-FFF2-40B4-BE49-F238E27FC236}">
+                  <a16:creationId xmlns:a16="http://schemas.microsoft.com/office/drawing/2014/main" id="{A5D2F484-280B-CEB2-89EC-AEBADD629254}"/>
+                </a:ext>
+              </a:extLst>
+            </p:cNvPr>
+            <p:cNvSpPr txBox="1"/>
+            <p:nvPr/>
+          </p:nvSpPr>
+          <p:spPr>
+            <a:xfrm>
+              <a:off x="4593740" y="5956926"/>
+              <a:ext cx="474452" cy="369332"/>
+            </a:xfrm>
+            <a:prstGeom prst="rect">
+              <a:avLst/>
+            </a:prstGeom>
+            <a:noFill/>
+          </p:spPr>
+          <p:txBody>
+            <a:bodyPr wrap="square" rtlCol="0">
+              <a:spAutoFit/>
+            </a:bodyPr>
+            <a:lstStyle/>
+            <a:p>
+              <a:r>
+                <a:rPr lang="en-US" dirty="0">
+                  <a:solidFill>
+                    <a:srgbClr val="FF0000"/>
+                  </a:solidFill>
+                  <a:latin typeface="Times New Roman" panose="02020603050405020304" pitchFamily="18" charset="0"/>
+                  <a:cs typeface="Times New Roman" panose="02020603050405020304" pitchFamily="18" charset="0"/>
+                </a:rPr>
+                <a:t>(b)</a:t>
+              </a:r>
+            </a:p>
+          </p:txBody>
+        </p:sp>
+      </p:grpSp>
+      <p:grpSp>
+        <p:nvGrpSpPr>
+          <p:cNvPr id="29" name="Group 28">
+            <a:extLst>
+              <a:ext uri="{FF2B5EF4-FFF2-40B4-BE49-F238E27FC236}">
+                <a16:creationId xmlns:a16="http://schemas.microsoft.com/office/drawing/2014/main" id="{92E831E0-CEFD-E70E-80D7-7F4D9EB56E38}"/>
+              </a:ext>
+            </a:extLst>
+          </p:cNvPr>
+          <p:cNvGrpSpPr/>
+          <p:nvPr/>
+        </p:nvGrpSpPr>
+        <p:grpSpPr>
+          <a:xfrm>
+            <a:off x="0" y="4803321"/>
+            <a:ext cx="5114925" cy="1009650"/>
+            <a:chOff x="0" y="4803321"/>
+            <a:chExt cx="5114925" cy="1009650"/>
+          </a:xfrm>
+        </p:grpSpPr>
+        <p:pic>
+          <p:nvPicPr>
+            <p:cNvPr id="24" name="Picture 23">
+              <a:extLst>
+                <a:ext uri="{FF2B5EF4-FFF2-40B4-BE49-F238E27FC236}">
+                  <a16:creationId xmlns:a16="http://schemas.microsoft.com/office/drawing/2014/main" id="{534670AF-534D-C25F-8534-18F3C28090E2}"/>
+                </a:ext>
+              </a:extLst>
+            </p:cNvPr>
+            <p:cNvPicPr>
+              <a:picLocks noChangeAspect="1"/>
+            </p:cNvPicPr>
+            <p:nvPr/>
+          </p:nvPicPr>
+          <p:blipFill>
+            <a:blip r:embed="rId8"/>
+            <a:stretch>
+              <a:fillRect/>
+            </a:stretch>
+          </p:blipFill>
+          <p:spPr>
+            <a:xfrm>
+              <a:off x="0" y="4803321"/>
+              <a:ext cx="5114925" cy="1009650"/>
+            </a:xfrm>
+            <a:prstGeom prst="rect">
+              <a:avLst/>
+            </a:prstGeom>
+          </p:spPr>
+        </p:pic>
+        <p:sp>
+          <p:nvSpPr>
+            <p:cNvPr id="25" name="TextBox 24">
+              <a:extLst>
+                <a:ext uri="{FF2B5EF4-FFF2-40B4-BE49-F238E27FC236}">
+                  <a16:creationId xmlns:a16="http://schemas.microsoft.com/office/drawing/2014/main" id="{65AD6E80-99F2-D252-9BC0-04C7A9C268F0}"/>
+                </a:ext>
+              </a:extLst>
+            </p:cNvPr>
+            <p:cNvSpPr txBox="1"/>
+            <p:nvPr/>
+          </p:nvSpPr>
+          <p:spPr>
+            <a:xfrm>
+              <a:off x="4512204" y="5252502"/>
+              <a:ext cx="439948" cy="369332"/>
+            </a:xfrm>
+            <a:prstGeom prst="rect">
+              <a:avLst/>
+            </a:prstGeom>
+            <a:noFill/>
+          </p:spPr>
+          <p:txBody>
+            <a:bodyPr wrap="square" rtlCol="0">
+              <a:spAutoFit/>
+            </a:bodyPr>
+            <a:lstStyle/>
+            <a:p>
+              <a:r>
+                <a:rPr lang="en-US" dirty="0">
+                  <a:solidFill>
+                    <a:srgbClr val="FF0000"/>
+                  </a:solidFill>
+                  <a:latin typeface="Times New Roman" panose="02020603050405020304" pitchFamily="18" charset="0"/>
+                  <a:cs typeface="Times New Roman" panose="02020603050405020304" pitchFamily="18" charset="0"/>
+                </a:rPr>
+                <a:t>(a)</a:t>
+              </a:r>
+            </a:p>
+          </p:txBody>
+        </p:sp>
+      </p:grpSp>
+      <p:grpSp>
+        <p:nvGrpSpPr>
+          <p:cNvPr id="30" name="Group 29">
+            <a:extLst>
+              <a:ext uri="{FF2B5EF4-FFF2-40B4-BE49-F238E27FC236}">
+                <a16:creationId xmlns:a16="http://schemas.microsoft.com/office/drawing/2014/main" id="{07EFB84B-A72D-E4E9-D9F5-B9FE9C3A67DA}"/>
+              </a:ext>
+            </a:extLst>
+          </p:cNvPr>
+          <p:cNvGrpSpPr/>
+          <p:nvPr/>
+        </p:nvGrpSpPr>
+        <p:grpSpPr>
+          <a:xfrm>
+            <a:off x="0" y="5857875"/>
+            <a:ext cx="5114925" cy="1000125"/>
+            <a:chOff x="0" y="5857875"/>
+            <a:chExt cx="5114925" cy="1000125"/>
+          </a:xfrm>
+        </p:grpSpPr>
+        <p:pic>
+          <p:nvPicPr>
+            <p:cNvPr id="22" name="Picture 21">
+              <a:extLst>
+                <a:ext uri="{FF2B5EF4-FFF2-40B4-BE49-F238E27FC236}">
+                  <a16:creationId xmlns:a16="http://schemas.microsoft.com/office/drawing/2014/main" id="{3563EA07-AEE2-2E1C-9A00-3428A785BCB5}"/>
+                </a:ext>
+              </a:extLst>
+            </p:cNvPr>
+            <p:cNvPicPr>
+              <a:picLocks noChangeAspect="1"/>
+            </p:cNvPicPr>
+            <p:nvPr/>
+          </p:nvPicPr>
+          <p:blipFill>
+            <a:blip r:embed="rId9"/>
+            <a:stretch>
+              <a:fillRect/>
+            </a:stretch>
+          </p:blipFill>
+          <p:spPr>
+            <a:xfrm>
+              <a:off x="0" y="5857875"/>
+              <a:ext cx="5114925" cy="1000125"/>
+            </a:xfrm>
+            <a:prstGeom prst="rect">
+              <a:avLst/>
+            </a:prstGeom>
+          </p:spPr>
+        </p:pic>
+        <p:sp>
+          <p:nvSpPr>
+            <p:cNvPr id="26" name="TextBox 25">
+              <a:extLst>
+                <a:ext uri="{FF2B5EF4-FFF2-40B4-BE49-F238E27FC236}">
+                  <a16:creationId xmlns:a16="http://schemas.microsoft.com/office/drawing/2014/main" id="{D6853F49-CE7D-239E-6B40-5EF6A4EEC3C2}"/>
+                </a:ext>
+              </a:extLst>
+            </p:cNvPr>
+            <p:cNvSpPr txBox="1"/>
+            <p:nvPr/>
+          </p:nvSpPr>
+          <p:spPr>
+            <a:xfrm>
+              <a:off x="4514317" y="6348583"/>
+              <a:ext cx="474452" cy="369332"/>
+            </a:xfrm>
+            <a:prstGeom prst="rect">
+              <a:avLst/>
+            </a:prstGeom>
+            <a:noFill/>
+          </p:spPr>
+          <p:txBody>
+            <a:bodyPr wrap="square" rtlCol="0">
+              <a:spAutoFit/>
+            </a:bodyPr>
+            <a:lstStyle/>
+            <a:p>
+              <a:r>
+                <a:rPr lang="en-US" dirty="0">
+                  <a:solidFill>
+                    <a:srgbClr val="FF0000"/>
+                  </a:solidFill>
+                  <a:latin typeface="Times New Roman" panose="02020603050405020304" pitchFamily="18" charset="0"/>
+                  <a:cs typeface="Times New Roman" panose="02020603050405020304" pitchFamily="18" charset="0"/>
+                </a:rPr>
+                <a:t>(b)</a:t>
+              </a:r>
+            </a:p>
+          </p:txBody>
+        </p:sp>
+      </p:grpSp>
     </p:spTree>
     <p:extLst>
       <p:ext uri="{BB962C8B-B14F-4D97-AF65-F5344CB8AC3E}">
@@ -11720,7 +12088,7 @@
         </p:blipFill>
         <p:spPr>
           <a:xfrm>
-            <a:off x="1777566" y="6503395"/>
+            <a:off x="2225241" y="6474820"/>
             <a:ext cx="7503928" cy="198408"/>
           </a:xfrm>
           <a:prstGeom prst="rect">
@@ -11838,6 +12206,36 @@
           <a:xfrm>
             <a:off x="1453480" y="4563373"/>
             <a:ext cx="7565508" cy="646981"/>
+          </a:xfrm>
+          <a:prstGeom prst="rect">
+            <a:avLst/>
+          </a:prstGeom>
+        </p:spPr>
+      </p:pic>
+      <p:pic>
+        <p:nvPicPr>
+          <p:cNvPr id="2" name="Picture 1">
+            <a:extLst>
+              <a:ext uri="{FF2B5EF4-FFF2-40B4-BE49-F238E27FC236}">
+                <a16:creationId xmlns:a16="http://schemas.microsoft.com/office/drawing/2014/main" id="{4EA6AA77-6940-DB56-9519-38EF0BD9714D}"/>
+              </a:ext>
+            </a:extLst>
+          </p:cNvPr>
+          <p:cNvPicPr>
+            <a:picLocks noChangeAspect="1"/>
+          </p:cNvPicPr>
+          <p:nvPr/>
+        </p:nvPicPr>
+        <p:blipFill>
+          <a:blip r:embed="rId7"/>
+          <a:stretch>
+            <a:fillRect/>
+          </a:stretch>
+        </p:blipFill>
+        <p:spPr>
+          <a:xfrm>
+            <a:off x="-695325" y="6677025"/>
+            <a:ext cx="8991600" cy="781050"/>
           </a:xfrm>
           <a:prstGeom prst="rect">
             <a:avLst/>
@@ -28298,7 +28696,7 @@
         </p:nvGrpSpPr>
         <p:grpSpPr>
           <a:xfrm>
-            <a:off x="2395537" y="2476500"/>
+            <a:off x="2841585" y="4650988"/>
             <a:ext cx="4352925" cy="1905000"/>
             <a:chOff x="2395537" y="2476500"/>
             <a:chExt cx="4352925" cy="1905000"/>
@@ -28401,7 +28799,7 @@
         </p:nvGrpSpPr>
         <p:grpSpPr>
           <a:xfrm>
-            <a:off x="1067430" y="4480129"/>
+            <a:off x="331449" y="5193807"/>
             <a:ext cx="1985066" cy="1237028"/>
             <a:chOff x="1067430" y="4480129"/>
             <a:chExt cx="1985066" cy="1237028"/>

--- a/manual/Pictures 2.0.pptx
+++ b/manual/Pictures 2.0.pptx
@@ -5,50 +5,51 @@
     <p:sldMasterId id="2147483660" r:id="rId1"/>
   </p:sldMasterIdLst>
   <p:sldIdLst>
-    <p:sldId id="262" r:id="rId2"/>
-    <p:sldId id="290" r:id="rId3"/>
-    <p:sldId id="291" r:id="rId4"/>
-    <p:sldId id="292" r:id="rId5"/>
-    <p:sldId id="293" r:id="rId6"/>
-    <p:sldId id="295" r:id="rId7"/>
-    <p:sldId id="296" r:id="rId8"/>
-    <p:sldId id="297" r:id="rId9"/>
-    <p:sldId id="301" r:id="rId10"/>
-    <p:sldId id="302" r:id="rId11"/>
-    <p:sldId id="298" r:id="rId12"/>
-    <p:sldId id="299" r:id="rId13"/>
-    <p:sldId id="294" r:id="rId14"/>
-    <p:sldId id="300" r:id="rId15"/>
-    <p:sldId id="271" r:id="rId16"/>
-    <p:sldId id="303" r:id="rId17"/>
-    <p:sldId id="304" r:id="rId18"/>
-    <p:sldId id="263" r:id="rId19"/>
-    <p:sldId id="272" r:id="rId20"/>
-    <p:sldId id="270" r:id="rId21"/>
-    <p:sldId id="273" r:id="rId22"/>
-    <p:sldId id="274" r:id="rId23"/>
-    <p:sldId id="275" r:id="rId24"/>
-    <p:sldId id="276" r:id="rId25"/>
-    <p:sldId id="277" r:id="rId26"/>
-    <p:sldId id="278" r:id="rId27"/>
-    <p:sldId id="279" r:id="rId28"/>
-    <p:sldId id="264" r:id="rId29"/>
-    <p:sldId id="280" r:id="rId30"/>
-    <p:sldId id="281" r:id="rId31"/>
-    <p:sldId id="265" r:id="rId32"/>
-    <p:sldId id="283" r:id="rId33"/>
-    <p:sldId id="282" r:id="rId34"/>
-    <p:sldId id="284" r:id="rId35"/>
-    <p:sldId id="285" r:id="rId36"/>
-    <p:sldId id="266" r:id="rId37"/>
-    <p:sldId id="267" r:id="rId38"/>
-    <p:sldId id="286" r:id="rId39"/>
-    <p:sldId id="287" r:id="rId40"/>
-    <p:sldId id="268" r:id="rId41"/>
-    <p:sldId id="289" r:id="rId42"/>
-    <p:sldId id="288" r:id="rId43"/>
-    <p:sldId id="269" r:id="rId44"/>
-    <p:sldId id="305" r:id="rId45"/>
+    <p:sldId id="306" r:id="rId2"/>
+    <p:sldId id="262" r:id="rId3"/>
+    <p:sldId id="290" r:id="rId4"/>
+    <p:sldId id="291" r:id="rId5"/>
+    <p:sldId id="292" r:id="rId6"/>
+    <p:sldId id="293" r:id="rId7"/>
+    <p:sldId id="295" r:id="rId8"/>
+    <p:sldId id="296" r:id="rId9"/>
+    <p:sldId id="297" r:id="rId10"/>
+    <p:sldId id="301" r:id="rId11"/>
+    <p:sldId id="302" r:id="rId12"/>
+    <p:sldId id="298" r:id="rId13"/>
+    <p:sldId id="299" r:id="rId14"/>
+    <p:sldId id="294" r:id="rId15"/>
+    <p:sldId id="300" r:id="rId16"/>
+    <p:sldId id="271" r:id="rId17"/>
+    <p:sldId id="303" r:id="rId18"/>
+    <p:sldId id="304" r:id="rId19"/>
+    <p:sldId id="263" r:id="rId20"/>
+    <p:sldId id="272" r:id="rId21"/>
+    <p:sldId id="270" r:id="rId22"/>
+    <p:sldId id="273" r:id="rId23"/>
+    <p:sldId id="274" r:id="rId24"/>
+    <p:sldId id="275" r:id="rId25"/>
+    <p:sldId id="276" r:id="rId26"/>
+    <p:sldId id="277" r:id="rId27"/>
+    <p:sldId id="278" r:id="rId28"/>
+    <p:sldId id="279" r:id="rId29"/>
+    <p:sldId id="264" r:id="rId30"/>
+    <p:sldId id="280" r:id="rId31"/>
+    <p:sldId id="281" r:id="rId32"/>
+    <p:sldId id="265" r:id="rId33"/>
+    <p:sldId id="283" r:id="rId34"/>
+    <p:sldId id="282" r:id="rId35"/>
+    <p:sldId id="284" r:id="rId36"/>
+    <p:sldId id="285" r:id="rId37"/>
+    <p:sldId id="266" r:id="rId38"/>
+    <p:sldId id="267" r:id="rId39"/>
+    <p:sldId id="286" r:id="rId40"/>
+    <p:sldId id="287" r:id="rId41"/>
+    <p:sldId id="268" r:id="rId42"/>
+    <p:sldId id="289" r:id="rId43"/>
+    <p:sldId id="288" r:id="rId44"/>
+    <p:sldId id="269" r:id="rId45"/>
+    <p:sldId id="305" r:id="rId46"/>
   </p:sldIdLst>
   <p:sldSz cx="9144000" cy="6858000" type="screen4x3"/>
   <p:notesSz cx="6858000" cy="9144000"/>
@@ -297,7 +298,7 @@
           <a:p>
             <a:fld id="{55465C39-D47E-4138-800A-7D6CA5F3257E}" type="datetimeFigureOut">
               <a:rPr lang="ru-RU" smtClean="0"/>
-              <a:t>12.06.2023</a:t>
+              <a:t>24.04.2024</a:t>
             </a:fld>
             <a:endParaRPr lang="ru-RU"/>
           </a:p>
@@ -467,7 +468,7 @@
           <a:p>
             <a:fld id="{55465C39-D47E-4138-800A-7D6CA5F3257E}" type="datetimeFigureOut">
               <a:rPr lang="ru-RU" smtClean="0"/>
-              <a:t>12.06.2023</a:t>
+              <a:t>24.04.2024</a:t>
             </a:fld>
             <a:endParaRPr lang="ru-RU"/>
           </a:p>
@@ -647,7 +648,7 @@
           <a:p>
             <a:fld id="{55465C39-D47E-4138-800A-7D6CA5F3257E}" type="datetimeFigureOut">
               <a:rPr lang="ru-RU" smtClean="0"/>
-              <a:t>12.06.2023</a:t>
+              <a:t>24.04.2024</a:t>
             </a:fld>
             <a:endParaRPr lang="ru-RU"/>
           </a:p>
@@ -817,7 +818,7 @@
           <a:p>
             <a:fld id="{55465C39-D47E-4138-800A-7D6CA5F3257E}" type="datetimeFigureOut">
               <a:rPr lang="ru-RU" smtClean="0"/>
-              <a:t>12.06.2023</a:t>
+              <a:t>24.04.2024</a:t>
             </a:fld>
             <a:endParaRPr lang="ru-RU"/>
           </a:p>
@@ -1061,7 +1062,7 @@
           <a:p>
             <a:fld id="{55465C39-D47E-4138-800A-7D6CA5F3257E}" type="datetimeFigureOut">
               <a:rPr lang="ru-RU" smtClean="0"/>
-              <a:t>12.06.2023</a:t>
+              <a:t>24.04.2024</a:t>
             </a:fld>
             <a:endParaRPr lang="ru-RU"/>
           </a:p>
@@ -1293,7 +1294,7 @@
           <a:p>
             <a:fld id="{55465C39-D47E-4138-800A-7D6CA5F3257E}" type="datetimeFigureOut">
               <a:rPr lang="ru-RU" smtClean="0"/>
-              <a:t>12.06.2023</a:t>
+              <a:t>24.04.2024</a:t>
             </a:fld>
             <a:endParaRPr lang="ru-RU"/>
           </a:p>
@@ -1660,7 +1661,7 @@
           <a:p>
             <a:fld id="{55465C39-D47E-4138-800A-7D6CA5F3257E}" type="datetimeFigureOut">
               <a:rPr lang="ru-RU" smtClean="0"/>
-              <a:t>12.06.2023</a:t>
+              <a:t>24.04.2024</a:t>
             </a:fld>
             <a:endParaRPr lang="ru-RU"/>
           </a:p>
@@ -1778,7 +1779,7 @@
           <a:p>
             <a:fld id="{55465C39-D47E-4138-800A-7D6CA5F3257E}" type="datetimeFigureOut">
               <a:rPr lang="ru-RU" smtClean="0"/>
-              <a:t>12.06.2023</a:t>
+              <a:t>24.04.2024</a:t>
             </a:fld>
             <a:endParaRPr lang="ru-RU"/>
           </a:p>
@@ -1873,7 +1874,7 @@
           <a:p>
             <a:fld id="{55465C39-D47E-4138-800A-7D6CA5F3257E}" type="datetimeFigureOut">
               <a:rPr lang="ru-RU" smtClean="0"/>
-              <a:t>12.06.2023</a:t>
+              <a:t>24.04.2024</a:t>
             </a:fld>
             <a:endParaRPr lang="ru-RU"/>
           </a:p>
@@ -2150,7 +2151,7 @@
           <a:p>
             <a:fld id="{55465C39-D47E-4138-800A-7D6CA5F3257E}" type="datetimeFigureOut">
               <a:rPr lang="ru-RU" smtClean="0"/>
-              <a:t>12.06.2023</a:t>
+              <a:t>24.04.2024</a:t>
             </a:fld>
             <a:endParaRPr lang="ru-RU"/>
           </a:p>
@@ -2407,7 +2408,7 @@
           <a:p>
             <a:fld id="{55465C39-D47E-4138-800A-7D6CA5F3257E}" type="datetimeFigureOut">
               <a:rPr lang="ru-RU" smtClean="0"/>
-              <a:t>12.06.2023</a:t>
+              <a:t>24.04.2024</a:t>
             </a:fld>
             <a:endParaRPr lang="ru-RU"/>
           </a:p>
@@ -2620,7 +2621,7 @@
           <a:p>
             <a:fld id="{55465C39-D47E-4138-800A-7D6CA5F3257E}" type="datetimeFigureOut">
               <a:rPr lang="ru-RU" smtClean="0"/>
-              <a:t>12.06.2023</a:t>
+              <a:t>24.04.2024</a:t>
             </a:fld>
             <a:endParaRPr lang="ru-RU"/>
           </a:p>
@@ -3025,1192 +3026,40 @@
           <a:chExt cx="0" cy="0"/>
         </a:xfrm>
       </p:grpSpPr>
-      <p:grpSp>
-        <p:nvGrpSpPr>
-          <p:cNvPr id="7" name="Group 6">
+      <p:pic>
+        <p:nvPicPr>
+          <p:cNvPr id="9" name="Picture 8">
             <a:extLst>
               <a:ext uri="{FF2B5EF4-FFF2-40B4-BE49-F238E27FC236}">
-                <a16:creationId xmlns:a16="http://schemas.microsoft.com/office/drawing/2014/main" id="{727D2617-D46E-625C-837C-B9286B2DB8E3}"/>
+                <a16:creationId xmlns:a16="http://schemas.microsoft.com/office/drawing/2014/main" id="{F9EC4832-21C3-889F-9610-80E78353DADE}"/>
               </a:ext>
             </a:extLst>
           </p:cNvPr>
-          <p:cNvGrpSpPr/>
+          <p:cNvPicPr>
+            <a:picLocks noChangeAspect="1"/>
+          </p:cNvPicPr>
           <p:nvPr/>
-        </p:nvGrpSpPr>
-        <p:grpSpPr>
+        </p:nvPicPr>
+        <p:blipFill>
+          <a:blip r:embed="rId2"/>
+          <a:stretch>
+            <a:fillRect/>
+          </a:stretch>
+        </p:blipFill>
+        <p:spPr>
           <a:xfrm>
-            <a:off x="24813" y="575164"/>
-            <a:ext cx="4886423" cy="5848350"/>
-            <a:chOff x="24813" y="575164"/>
-            <a:chExt cx="4886423" cy="5848350"/>
+            <a:off x="4204128" y="2716634"/>
+            <a:ext cx="2581635" cy="2467319"/>
           </a:xfrm>
-        </p:grpSpPr>
-        <p:sp>
-          <p:nvSpPr>
-            <p:cNvPr id="26" name="Левая фигурная скобка 25"/>
-            <p:cNvSpPr/>
-            <p:nvPr/>
-          </p:nvSpPr>
-          <p:spPr>
-            <a:xfrm>
-              <a:off x="1619880" y="1422691"/>
-              <a:ext cx="276225" cy="1122910"/>
-            </a:xfrm>
-            <a:prstGeom prst="leftBrace">
-              <a:avLst>
-                <a:gd name="adj1" fmla="val 35919"/>
-                <a:gd name="adj2" fmla="val 50629"/>
-              </a:avLst>
-            </a:prstGeom>
-            <a:ln w="28575">
-              <a:solidFill>
-                <a:srgbClr val="0070C0"/>
-              </a:solidFill>
-            </a:ln>
-          </p:spPr>
-          <p:style>
-            <a:lnRef idx="1">
-              <a:schemeClr val="accent1"/>
-            </a:lnRef>
-            <a:fillRef idx="0">
-              <a:schemeClr val="accent1"/>
-            </a:fillRef>
-            <a:effectRef idx="0">
-              <a:schemeClr val="accent1"/>
-            </a:effectRef>
-            <a:fontRef idx="minor">
-              <a:schemeClr val="tx1"/>
-            </a:fontRef>
-          </p:style>
-          <p:txBody>
-            <a:bodyPr rtlCol="0" anchor="ctr"/>
-            <a:lstStyle/>
-            <a:p>
-              <a:pPr algn="ctr"/>
-              <a:endParaRPr lang="ru-RU" sz="1100">
-                <a:latin typeface="Times New Roman" panose="02020603050405020304" pitchFamily="18" charset="0"/>
-                <a:cs typeface="Times New Roman" panose="02020603050405020304" pitchFamily="18" charset="0"/>
-              </a:endParaRPr>
-            </a:p>
-          </p:txBody>
-        </p:sp>
-        <p:sp>
-          <p:nvSpPr>
-            <p:cNvPr id="27" name="Левая фигурная скобка 26"/>
-            <p:cNvSpPr/>
-            <p:nvPr/>
-          </p:nvSpPr>
-          <p:spPr>
-            <a:xfrm>
-              <a:off x="1619880" y="2907551"/>
-              <a:ext cx="276225" cy="1305163"/>
-            </a:xfrm>
-            <a:prstGeom prst="leftBrace">
-              <a:avLst>
-                <a:gd name="adj1" fmla="val 35919"/>
-                <a:gd name="adj2" fmla="val 50629"/>
-              </a:avLst>
-            </a:prstGeom>
-            <a:ln w="28575">
-              <a:solidFill>
-                <a:srgbClr val="0070C0"/>
-              </a:solidFill>
-            </a:ln>
-          </p:spPr>
-          <p:style>
-            <a:lnRef idx="1">
-              <a:schemeClr val="accent1"/>
-            </a:lnRef>
-            <a:fillRef idx="0">
-              <a:schemeClr val="accent1"/>
-            </a:fillRef>
-            <a:effectRef idx="0">
-              <a:schemeClr val="accent1"/>
-            </a:effectRef>
-            <a:fontRef idx="minor">
-              <a:schemeClr val="tx1"/>
-            </a:fontRef>
-          </p:style>
-          <p:txBody>
-            <a:bodyPr rtlCol="0" anchor="ctr"/>
-            <a:lstStyle/>
-            <a:p>
-              <a:pPr algn="ctr"/>
-              <a:endParaRPr lang="ru-RU" sz="1100">
-                <a:latin typeface="Times New Roman" panose="02020603050405020304" pitchFamily="18" charset="0"/>
-                <a:cs typeface="Times New Roman" panose="02020603050405020304" pitchFamily="18" charset="0"/>
-              </a:endParaRPr>
-            </a:p>
-          </p:txBody>
-        </p:sp>
-        <p:cxnSp>
-          <p:nvCxnSpPr>
-            <p:cNvPr id="28" name="Прямая со стрелкой 27"/>
-            <p:cNvCxnSpPr/>
-            <p:nvPr/>
-          </p:nvCxnSpPr>
-          <p:spPr>
-            <a:xfrm>
-              <a:off x="1646074" y="993026"/>
-              <a:ext cx="269081" cy="0"/>
-            </a:xfrm>
-            <a:prstGeom prst="straightConnector1">
-              <a:avLst/>
-            </a:prstGeom>
-            <a:ln w="47625">
-              <a:tailEnd type="stealth" w="lg" len="lg"/>
-            </a:ln>
-          </p:spPr>
-          <p:style>
-            <a:lnRef idx="1">
-              <a:schemeClr val="accent1"/>
-            </a:lnRef>
-            <a:fillRef idx="0">
-              <a:schemeClr val="accent1"/>
-            </a:fillRef>
-            <a:effectRef idx="0">
-              <a:schemeClr val="accent1"/>
-            </a:effectRef>
-            <a:fontRef idx="minor">
-              <a:schemeClr val="tx1"/>
-            </a:fontRef>
-          </p:style>
-        </p:cxnSp>
-        <p:cxnSp>
-          <p:nvCxnSpPr>
-            <p:cNvPr id="29" name="Прямая со стрелкой 28"/>
-            <p:cNvCxnSpPr/>
-            <p:nvPr/>
-          </p:nvCxnSpPr>
-          <p:spPr>
-            <a:xfrm>
-              <a:off x="1669886" y="2717051"/>
-              <a:ext cx="269081" cy="0"/>
-            </a:xfrm>
-            <a:prstGeom prst="straightConnector1">
-              <a:avLst/>
-            </a:prstGeom>
-            <a:ln w="47625">
-              <a:tailEnd type="stealth" w="lg" len="lg"/>
-            </a:ln>
-          </p:spPr>
-          <p:style>
-            <a:lnRef idx="1">
-              <a:schemeClr val="accent1"/>
-            </a:lnRef>
-            <a:fillRef idx="0">
-              <a:schemeClr val="accent1"/>
-            </a:fillRef>
-            <a:effectRef idx="0">
-              <a:schemeClr val="accent1"/>
-            </a:effectRef>
-            <a:fontRef idx="minor">
-              <a:schemeClr val="tx1"/>
-            </a:fontRef>
-          </p:style>
-        </p:cxnSp>
-        <p:sp>
-          <p:nvSpPr>
-            <p:cNvPr id="30" name="TextBox 29"/>
-            <p:cNvSpPr txBox="1"/>
-            <p:nvPr/>
-          </p:nvSpPr>
-          <p:spPr>
-            <a:xfrm>
-              <a:off x="991230" y="814194"/>
-              <a:ext cx="590550" cy="261610"/>
-            </a:xfrm>
-            <a:prstGeom prst="rect">
-              <a:avLst/>
-            </a:prstGeom>
-            <a:noFill/>
-          </p:spPr>
-          <p:txBody>
-            <a:bodyPr wrap="square" rtlCol="0">
-              <a:spAutoFit/>
-            </a:bodyPr>
-            <a:lstStyle/>
-            <a:p>
-              <a:pPr algn="ctr"/>
-              <a:r>
-                <a:rPr lang="ru-RU" sz="1100" dirty="0">
-                  <a:latin typeface="Times New Roman" panose="02020603050405020304" pitchFamily="18" charset="0"/>
-                  <a:cs typeface="Times New Roman" panose="02020603050405020304" pitchFamily="18" charset="0"/>
-                </a:rPr>
-                <a:t>Меню</a:t>
-              </a:r>
-            </a:p>
-          </p:txBody>
-        </p:sp>
-        <p:sp>
-          <p:nvSpPr>
-            <p:cNvPr id="31" name="TextBox 30"/>
-            <p:cNvSpPr txBox="1"/>
-            <p:nvPr/>
-          </p:nvSpPr>
-          <p:spPr>
-            <a:xfrm>
-              <a:off x="76831" y="1829316"/>
-              <a:ext cx="1485900" cy="261610"/>
-            </a:xfrm>
-            <a:prstGeom prst="rect">
-              <a:avLst/>
-            </a:prstGeom>
-            <a:noFill/>
-          </p:spPr>
-          <p:txBody>
-            <a:bodyPr wrap="square" rtlCol="0">
-              <a:spAutoFit/>
-            </a:bodyPr>
-            <a:lstStyle/>
-            <a:p>
-              <a:pPr algn="ctr"/>
-              <a:r>
-                <a:rPr lang="ru-RU" sz="1100" dirty="0">
-                  <a:latin typeface="Times New Roman" panose="02020603050405020304" pitchFamily="18" charset="0"/>
-                  <a:cs typeface="Times New Roman" panose="02020603050405020304" pitchFamily="18" charset="0"/>
-                </a:rPr>
-                <a:t>Слоистая структура</a:t>
-              </a:r>
-            </a:p>
-          </p:txBody>
-        </p:sp>
-        <p:sp>
-          <p:nvSpPr>
-            <p:cNvPr id="32" name="TextBox 31"/>
-            <p:cNvSpPr txBox="1"/>
-            <p:nvPr/>
-          </p:nvSpPr>
-          <p:spPr>
-            <a:xfrm>
-              <a:off x="372105" y="2522858"/>
-              <a:ext cx="1199555" cy="430887"/>
-            </a:xfrm>
-            <a:prstGeom prst="rect">
-              <a:avLst/>
-            </a:prstGeom>
-            <a:noFill/>
-          </p:spPr>
-          <p:txBody>
-            <a:bodyPr wrap="square" rtlCol="0">
-              <a:spAutoFit/>
-            </a:bodyPr>
-            <a:lstStyle/>
-            <a:p>
-              <a:pPr algn="ctr"/>
-              <a:r>
-                <a:rPr lang="ru-RU" sz="1100" dirty="0">
-                  <a:latin typeface="Times New Roman" panose="02020603050405020304" pitchFamily="18" charset="0"/>
-                  <a:cs typeface="Times New Roman" panose="02020603050405020304" pitchFamily="18" charset="0"/>
-                </a:rPr>
-                <a:t>Панель инструментов</a:t>
-              </a:r>
-            </a:p>
-          </p:txBody>
-        </p:sp>
-        <p:sp>
-          <p:nvSpPr>
-            <p:cNvPr id="33" name="TextBox 32"/>
-            <p:cNvSpPr txBox="1"/>
-            <p:nvPr/>
-          </p:nvSpPr>
-          <p:spPr>
-            <a:xfrm>
-              <a:off x="219705" y="3429327"/>
-              <a:ext cx="1269652" cy="430887"/>
-            </a:xfrm>
-            <a:prstGeom prst="rect">
-              <a:avLst/>
-            </a:prstGeom>
-            <a:noFill/>
-          </p:spPr>
-          <p:txBody>
-            <a:bodyPr wrap="square" rtlCol="0">
-              <a:spAutoFit/>
-            </a:bodyPr>
-            <a:lstStyle/>
-            <a:p>
-              <a:pPr algn="ctr"/>
-              <a:r>
-                <a:rPr lang="ru-RU" sz="1100" dirty="0">
-                  <a:latin typeface="Times New Roman" panose="02020603050405020304" pitchFamily="18" charset="0"/>
-                  <a:cs typeface="Times New Roman" panose="02020603050405020304" pitchFamily="18" charset="0"/>
-                </a:rPr>
-                <a:t>Доступ к остальным окнам</a:t>
-              </a:r>
-            </a:p>
-          </p:txBody>
-        </p:sp>
-        <p:sp>
-          <p:nvSpPr>
-            <p:cNvPr id="34" name="TextBox 33"/>
-            <p:cNvSpPr txBox="1"/>
-            <p:nvPr/>
-          </p:nvSpPr>
-          <p:spPr>
-            <a:xfrm>
-              <a:off x="24813" y="5479687"/>
-              <a:ext cx="1595067" cy="430887"/>
-            </a:xfrm>
-            <a:prstGeom prst="rect">
-              <a:avLst/>
-            </a:prstGeom>
-            <a:noFill/>
-          </p:spPr>
-          <p:txBody>
-            <a:bodyPr wrap="square" rtlCol="0">
-              <a:spAutoFit/>
-            </a:bodyPr>
-            <a:lstStyle/>
-            <a:p>
-              <a:pPr algn="ctr"/>
-              <a:r>
-                <a:rPr lang="ru-RU" sz="1100" dirty="0">
-                  <a:latin typeface="Times New Roman" panose="02020603050405020304" pitchFamily="18" charset="0"/>
-                  <a:cs typeface="Times New Roman" panose="02020603050405020304" pitchFamily="18" charset="0"/>
-                </a:rPr>
-                <a:t>Экспериментальные данные</a:t>
-              </a:r>
-            </a:p>
-          </p:txBody>
-        </p:sp>
-        <p:sp>
-          <p:nvSpPr>
-            <p:cNvPr id="35" name="Левая фигурная скобка 34"/>
-            <p:cNvSpPr/>
-            <p:nvPr/>
-          </p:nvSpPr>
-          <p:spPr>
-            <a:xfrm>
-              <a:off x="1620477" y="5031626"/>
-              <a:ext cx="276225" cy="1362074"/>
-            </a:xfrm>
-            <a:prstGeom prst="leftBrace">
-              <a:avLst>
-                <a:gd name="adj1" fmla="val 35919"/>
-                <a:gd name="adj2" fmla="val 50629"/>
-              </a:avLst>
-            </a:prstGeom>
-            <a:ln w="28575">
-              <a:solidFill>
-                <a:srgbClr val="0070C0"/>
-              </a:solidFill>
-            </a:ln>
-          </p:spPr>
-          <p:style>
-            <a:lnRef idx="1">
-              <a:schemeClr val="accent1"/>
-            </a:lnRef>
-            <a:fillRef idx="0">
-              <a:schemeClr val="accent1"/>
-            </a:fillRef>
-            <a:effectRef idx="0">
-              <a:schemeClr val="accent1"/>
-            </a:effectRef>
-            <a:fontRef idx="minor">
-              <a:schemeClr val="tx1"/>
-            </a:fontRef>
-          </p:style>
-          <p:txBody>
-            <a:bodyPr rtlCol="0" anchor="ctr"/>
-            <a:lstStyle/>
-            <a:p>
-              <a:pPr algn="ctr"/>
-              <a:endParaRPr lang="ru-RU" sz="1100">
-                <a:latin typeface="Times New Roman" panose="02020603050405020304" pitchFamily="18" charset="0"/>
-                <a:cs typeface="Times New Roman" panose="02020603050405020304" pitchFamily="18" charset="0"/>
-              </a:endParaRPr>
-            </a:p>
-          </p:txBody>
-        </p:sp>
-        <p:sp>
-          <p:nvSpPr>
-            <p:cNvPr id="36" name="Левая фигурная скобка 35"/>
-            <p:cNvSpPr/>
-            <p:nvPr/>
-          </p:nvSpPr>
-          <p:spPr>
-            <a:xfrm>
-              <a:off x="1618911" y="4279150"/>
-              <a:ext cx="276225" cy="673864"/>
-            </a:xfrm>
-            <a:prstGeom prst="leftBrace">
-              <a:avLst>
-                <a:gd name="adj1" fmla="val 35919"/>
-                <a:gd name="adj2" fmla="val 50629"/>
-              </a:avLst>
-            </a:prstGeom>
-            <a:ln w="28575">
-              <a:solidFill>
-                <a:srgbClr val="0070C0"/>
-              </a:solidFill>
-            </a:ln>
-          </p:spPr>
-          <p:style>
-            <a:lnRef idx="1">
-              <a:schemeClr val="accent1"/>
-            </a:lnRef>
-            <a:fillRef idx="0">
-              <a:schemeClr val="accent1"/>
-            </a:fillRef>
-            <a:effectRef idx="0">
-              <a:schemeClr val="accent1"/>
-            </a:effectRef>
-            <a:fontRef idx="minor">
-              <a:schemeClr val="tx1"/>
-            </a:fontRef>
-          </p:style>
-          <p:txBody>
-            <a:bodyPr rtlCol="0" anchor="ctr"/>
-            <a:lstStyle/>
-            <a:p>
-              <a:pPr algn="ctr"/>
-              <a:endParaRPr lang="ru-RU" sz="1100">
-                <a:latin typeface="Times New Roman" panose="02020603050405020304" pitchFamily="18" charset="0"/>
-                <a:cs typeface="Times New Roman" panose="02020603050405020304" pitchFamily="18" charset="0"/>
-              </a:endParaRPr>
-            </a:p>
-          </p:txBody>
-        </p:sp>
-        <p:sp>
-          <p:nvSpPr>
-            <p:cNvPr id="37" name="TextBox 36"/>
-            <p:cNvSpPr txBox="1"/>
-            <p:nvPr/>
-          </p:nvSpPr>
-          <p:spPr>
-            <a:xfrm>
-              <a:off x="76830" y="4331236"/>
-              <a:ext cx="1385586" cy="600164"/>
-            </a:xfrm>
-            <a:prstGeom prst="rect">
-              <a:avLst/>
-            </a:prstGeom>
-            <a:noFill/>
-          </p:spPr>
-          <p:txBody>
-            <a:bodyPr wrap="square" rtlCol="0">
-              <a:spAutoFit/>
-            </a:bodyPr>
-            <a:lstStyle/>
-            <a:p>
-              <a:pPr algn="ctr"/>
-              <a:r>
-                <a:rPr lang="ru-RU" sz="1100" dirty="0">
-                  <a:latin typeface="Times New Roman" panose="02020603050405020304" pitchFamily="18" charset="0"/>
-                  <a:cs typeface="Times New Roman" panose="02020603050405020304" pitchFamily="18" charset="0"/>
-                </a:rPr>
-                <a:t>Кривые без экспериментальных данных</a:t>
-              </a:r>
-            </a:p>
-          </p:txBody>
-        </p:sp>
-        <p:cxnSp>
-          <p:nvCxnSpPr>
-            <p:cNvPr id="38" name="Прямая со стрелкой 37"/>
-            <p:cNvCxnSpPr/>
-            <p:nvPr/>
-          </p:nvCxnSpPr>
-          <p:spPr>
-            <a:xfrm>
-              <a:off x="1655972" y="1253807"/>
-              <a:ext cx="269081" cy="0"/>
-            </a:xfrm>
-            <a:prstGeom prst="straightConnector1">
-              <a:avLst/>
-            </a:prstGeom>
-            <a:ln w="47625">
-              <a:tailEnd type="stealth" w="lg" len="lg"/>
-            </a:ln>
-          </p:spPr>
-          <p:style>
-            <a:lnRef idx="1">
-              <a:schemeClr val="accent1"/>
-            </a:lnRef>
-            <a:fillRef idx="0">
-              <a:schemeClr val="accent1"/>
-            </a:fillRef>
-            <a:effectRef idx="0">
-              <a:schemeClr val="accent1"/>
-            </a:effectRef>
-            <a:fontRef idx="minor">
-              <a:schemeClr val="tx1"/>
-            </a:fontRef>
-          </p:style>
-        </p:cxnSp>
-        <p:sp>
-          <p:nvSpPr>
-            <p:cNvPr id="39" name="TextBox 38"/>
-            <p:cNvSpPr txBox="1"/>
-            <p:nvPr/>
-          </p:nvSpPr>
-          <p:spPr>
-            <a:xfrm>
-              <a:off x="219705" y="1087827"/>
-              <a:ext cx="1426368" cy="430887"/>
-            </a:xfrm>
-            <a:prstGeom prst="rect">
-              <a:avLst/>
-            </a:prstGeom>
-            <a:noFill/>
-          </p:spPr>
-          <p:txBody>
-            <a:bodyPr wrap="square" rtlCol="0">
-              <a:spAutoFit/>
-            </a:bodyPr>
-            <a:lstStyle/>
-            <a:p>
-              <a:pPr algn="ctr"/>
-              <a:r>
-                <a:rPr lang="ru-RU" sz="1100" dirty="0">
-                  <a:latin typeface="Times New Roman" panose="02020603050405020304" pitchFamily="18" charset="0"/>
-                  <a:cs typeface="Times New Roman" panose="02020603050405020304" pitchFamily="18" charset="0"/>
-                </a:rPr>
-                <a:t>Вкладки со структурами</a:t>
-              </a:r>
-            </a:p>
-          </p:txBody>
-        </p:sp>
-        <p:pic>
-          <p:nvPicPr>
-            <p:cNvPr id="4" name="Picture 3">
-              <a:extLst>
-                <a:ext uri="{FF2B5EF4-FFF2-40B4-BE49-F238E27FC236}">
-                  <a16:creationId xmlns:a16="http://schemas.microsoft.com/office/drawing/2014/main" id="{8E344795-A679-D9AB-49CC-BEB98FE7C03A}"/>
-                </a:ext>
-              </a:extLst>
-            </p:cNvPr>
-            <p:cNvPicPr>
-              <a:picLocks noChangeAspect="1"/>
-            </p:cNvPicPr>
-            <p:nvPr/>
-          </p:nvPicPr>
-          <p:blipFill>
-            <a:blip r:embed="rId2"/>
-            <a:stretch>
-              <a:fillRect/>
-            </a:stretch>
-          </p:blipFill>
-          <p:spPr>
-            <a:xfrm>
-              <a:off x="2034686" y="575164"/>
-              <a:ext cx="2876550" cy="5848350"/>
-            </a:xfrm>
-            <a:prstGeom prst="rect">
-              <a:avLst/>
-            </a:prstGeom>
-          </p:spPr>
-        </p:pic>
-      </p:grpSp>
-      <p:grpSp>
-        <p:nvGrpSpPr>
-          <p:cNvPr id="6" name="Group 5">
-            <a:extLst>
-              <a:ext uri="{FF2B5EF4-FFF2-40B4-BE49-F238E27FC236}">
-                <a16:creationId xmlns:a16="http://schemas.microsoft.com/office/drawing/2014/main" id="{B40771BB-91BD-A6EC-7C06-DD223AC8F08C}"/>
-              </a:ext>
-            </a:extLst>
-          </p:cNvPr>
-          <p:cNvGrpSpPr/>
-          <p:nvPr/>
-        </p:nvGrpSpPr>
-        <p:grpSpPr>
-          <a:xfrm>
-            <a:off x="5533577" y="578095"/>
-            <a:ext cx="4664767" cy="5848350"/>
-            <a:chOff x="5533577" y="578095"/>
-            <a:chExt cx="4664767" cy="5848350"/>
-          </a:xfrm>
-        </p:grpSpPr>
-        <p:sp>
-          <p:nvSpPr>
-            <p:cNvPr id="9" name="Левая фигурная скобка 8"/>
-            <p:cNvSpPr/>
-            <p:nvPr/>
-          </p:nvSpPr>
-          <p:spPr>
-            <a:xfrm>
-              <a:off x="6916638" y="1422690"/>
-              <a:ext cx="276225" cy="1122910"/>
-            </a:xfrm>
-            <a:prstGeom prst="leftBrace">
-              <a:avLst>
-                <a:gd name="adj1" fmla="val 35919"/>
-                <a:gd name="adj2" fmla="val 50629"/>
-              </a:avLst>
-            </a:prstGeom>
-            <a:ln w="28575">
-              <a:solidFill>
-                <a:srgbClr val="0070C0"/>
-              </a:solidFill>
-            </a:ln>
-          </p:spPr>
-          <p:style>
-            <a:lnRef idx="1">
-              <a:schemeClr val="accent1"/>
-            </a:lnRef>
-            <a:fillRef idx="0">
-              <a:schemeClr val="accent1"/>
-            </a:fillRef>
-            <a:effectRef idx="0">
-              <a:schemeClr val="accent1"/>
-            </a:effectRef>
-            <a:fontRef idx="minor">
-              <a:schemeClr val="tx1"/>
-            </a:fontRef>
-          </p:style>
-          <p:txBody>
-            <a:bodyPr rtlCol="0" anchor="ctr"/>
-            <a:lstStyle/>
-            <a:p>
-              <a:pPr algn="ctr"/>
-              <a:endParaRPr lang="ru-RU" sz="1100">
-                <a:latin typeface="Times New Roman" panose="02020603050405020304" pitchFamily="18" charset="0"/>
-                <a:cs typeface="Times New Roman" panose="02020603050405020304" pitchFamily="18" charset="0"/>
-              </a:endParaRPr>
-            </a:p>
-          </p:txBody>
-        </p:sp>
-        <p:sp>
-          <p:nvSpPr>
-            <p:cNvPr id="10" name="Левая фигурная скобка 9"/>
-            <p:cNvSpPr/>
-            <p:nvPr/>
-          </p:nvSpPr>
-          <p:spPr>
-            <a:xfrm>
-              <a:off x="6916638" y="2907550"/>
-              <a:ext cx="276225" cy="1305163"/>
-            </a:xfrm>
-            <a:prstGeom prst="leftBrace">
-              <a:avLst>
-                <a:gd name="adj1" fmla="val 35919"/>
-                <a:gd name="adj2" fmla="val 50629"/>
-              </a:avLst>
-            </a:prstGeom>
-            <a:ln w="28575">
-              <a:solidFill>
-                <a:srgbClr val="0070C0"/>
-              </a:solidFill>
-            </a:ln>
-          </p:spPr>
-          <p:style>
-            <a:lnRef idx="1">
-              <a:schemeClr val="accent1"/>
-            </a:lnRef>
-            <a:fillRef idx="0">
-              <a:schemeClr val="accent1"/>
-            </a:fillRef>
-            <a:effectRef idx="0">
-              <a:schemeClr val="accent1"/>
-            </a:effectRef>
-            <a:fontRef idx="minor">
-              <a:schemeClr val="tx1"/>
-            </a:fontRef>
-          </p:style>
-          <p:txBody>
-            <a:bodyPr rtlCol="0" anchor="ctr"/>
-            <a:lstStyle/>
-            <a:p>
-              <a:pPr algn="ctr"/>
-              <a:endParaRPr lang="ru-RU" sz="1100">
-                <a:latin typeface="Times New Roman" panose="02020603050405020304" pitchFamily="18" charset="0"/>
-                <a:cs typeface="Times New Roman" panose="02020603050405020304" pitchFamily="18" charset="0"/>
-              </a:endParaRPr>
-            </a:p>
-          </p:txBody>
-        </p:sp>
-        <p:cxnSp>
-          <p:nvCxnSpPr>
-            <p:cNvPr id="11" name="Прямая со стрелкой 10"/>
-            <p:cNvCxnSpPr/>
-            <p:nvPr/>
-          </p:nvCxnSpPr>
-          <p:spPr>
-            <a:xfrm>
-              <a:off x="6942832" y="993025"/>
-              <a:ext cx="269081" cy="0"/>
-            </a:xfrm>
-            <a:prstGeom prst="straightConnector1">
-              <a:avLst/>
-            </a:prstGeom>
-            <a:ln w="47625">
-              <a:tailEnd type="stealth" w="lg" len="lg"/>
-            </a:ln>
-          </p:spPr>
-          <p:style>
-            <a:lnRef idx="1">
-              <a:schemeClr val="accent1"/>
-            </a:lnRef>
-            <a:fillRef idx="0">
-              <a:schemeClr val="accent1"/>
-            </a:fillRef>
-            <a:effectRef idx="0">
-              <a:schemeClr val="accent1"/>
-            </a:effectRef>
-            <a:fontRef idx="minor">
-              <a:schemeClr val="tx1"/>
-            </a:fontRef>
-          </p:style>
-        </p:cxnSp>
-        <p:cxnSp>
-          <p:nvCxnSpPr>
-            <p:cNvPr id="12" name="Прямая со стрелкой 11"/>
-            <p:cNvCxnSpPr/>
-            <p:nvPr/>
-          </p:nvCxnSpPr>
-          <p:spPr>
-            <a:xfrm>
-              <a:off x="6966644" y="2717050"/>
-              <a:ext cx="269081" cy="0"/>
-            </a:xfrm>
-            <a:prstGeom prst="straightConnector1">
-              <a:avLst/>
-            </a:prstGeom>
-            <a:ln w="47625">
-              <a:tailEnd type="stealth" w="lg" len="lg"/>
-            </a:ln>
-          </p:spPr>
-          <p:style>
-            <a:lnRef idx="1">
-              <a:schemeClr val="accent1"/>
-            </a:lnRef>
-            <a:fillRef idx="0">
-              <a:schemeClr val="accent1"/>
-            </a:fillRef>
-            <a:effectRef idx="0">
-              <a:schemeClr val="accent1"/>
-            </a:effectRef>
-            <a:fontRef idx="minor">
-              <a:schemeClr val="tx1"/>
-            </a:fontRef>
-          </p:style>
-        </p:cxnSp>
-        <p:sp>
-          <p:nvSpPr>
-            <p:cNvPr id="14" name="TextBox 13"/>
-            <p:cNvSpPr txBox="1"/>
-            <p:nvPr/>
-          </p:nvSpPr>
-          <p:spPr>
-            <a:xfrm>
-              <a:off x="6062960" y="804668"/>
-              <a:ext cx="796528" cy="261610"/>
-            </a:xfrm>
-            <a:prstGeom prst="rect">
-              <a:avLst/>
-            </a:prstGeom>
-            <a:noFill/>
-          </p:spPr>
-          <p:txBody>
-            <a:bodyPr wrap="square" rtlCol="0">
-              <a:spAutoFit/>
-            </a:bodyPr>
-            <a:lstStyle/>
-            <a:p>
-              <a:pPr algn="ctr"/>
-              <a:r>
-                <a:rPr lang="en-US" sz="1100" dirty="0">
-                  <a:latin typeface="Times New Roman" panose="02020603050405020304" pitchFamily="18" charset="0"/>
-                  <a:cs typeface="Times New Roman" panose="02020603050405020304" pitchFamily="18" charset="0"/>
-                </a:rPr>
-                <a:t>Menu</a:t>
-              </a:r>
-              <a:endParaRPr lang="ru-RU" sz="1100" dirty="0">
-                <a:latin typeface="Times New Roman" panose="02020603050405020304" pitchFamily="18" charset="0"/>
-                <a:cs typeface="Times New Roman" panose="02020603050405020304" pitchFamily="18" charset="0"/>
-              </a:endParaRPr>
-            </a:p>
-          </p:txBody>
-        </p:sp>
-        <p:sp>
-          <p:nvSpPr>
-            <p:cNvPr id="15" name="TextBox 14"/>
-            <p:cNvSpPr txBox="1"/>
-            <p:nvPr/>
-          </p:nvSpPr>
-          <p:spPr>
-            <a:xfrm>
-              <a:off x="5649813" y="1829315"/>
-              <a:ext cx="1209675" cy="261610"/>
-            </a:xfrm>
-            <a:prstGeom prst="rect">
-              <a:avLst/>
-            </a:prstGeom>
-            <a:noFill/>
-          </p:spPr>
-          <p:txBody>
-            <a:bodyPr wrap="square" rtlCol="0">
-              <a:spAutoFit/>
-            </a:bodyPr>
-            <a:lstStyle/>
-            <a:p>
-              <a:pPr algn="ctr"/>
-              <a:r>
-                <a:rPr lang="en-US" sz="1100" dirty="0">
-                  <a:latin typeface="Times New Roman" panose="02020603050405020304" pitchFamily="18" charset="0"/>
-                  <a:cs typeface="Times New Roman" panose="02020603050405020304" pitchFamily="18" charset="0"/>
-                </a:rPr>
-                <a:t>Layered structure</a:t>
-              </a:r>
-              <a:endParaRPr lang="ru-RU" sz="1100" dirty="0">
-                <a:latin typeface="Times New Roman" panose="02020603050405020304" pitchFamily="18" charset="0"/>
-                <a:cs typeface="Times New Roman" panose="02020603050405020304" pitchFamily="18" charset="0"/>
-              </a:endParaRPr>
-            </a:p>
-          </p:txBody>
-        </p:sp>
-        <p:sp>
-          <p:nvSpPr>
-            <p:cNvPr id="16" name="TextBox 15"/>
-            <p:cNvSpPr txBox="1"/>
-            <p:nvPr/>
-          </p:nvSpPr>
-          <p:spPr>
-            <a:xfrm>
-              <a:off x="5757565" y="2580007"/>
-              <a:ext cx="1110853" cy="261610"/>
-            </a:xfrm>
-            <a:prstGeom prst="rect">
-              <a:avLst/>
-            </a:prstGeom>
-            <a:noFill/>
-          </p:spPr>
-          <p:txBody>
-            <a:bodyPr wrap="square" rtlCol="0">
-              <a:spAutoFit/>
-            </a:bodyPr>
-            <a:lstStyle/>
-            <a:p>
-              <a:pPr algn="ctr"/>
-              <a:r>
-                <a:rPr lang="en-US" sz="1100" dirty="0">
-                  <a:latin typeface="Times New Roman" panose="02020603050405020304" pitchFamily="18" charset="0"/>
-                  <a:cs typeface="Times New Roman" panose="02020603050405020304" pitchFamily="18" charset="0"/>
-                </a:rPr>
-                <a:t>Toolbar</a:t>
-              </a:r>
-              <a:endParaRPr lang="ru-RU" sz="1100" dirty="0">
-                <a:latin typeface="Times New Roman" panose="02020603050405020304" pitchFamily="18" charset="0"/>
-                <a:cs typeface="Times New Roman" panose="02020603050405020304" pitchFamily="18" charset="0"/>
-              </a:endParaRPr>
-            </a:p>
-          </p:txBody>
-        </p:sp>
-        <p:sp>
-          <p:nvSpPr>
-            <p:cNvPr id="17" name="TextBox 16"/>
-            <p:cNvSpPr txBox="1"/>
-            <p:nvPr/>
-          </p:nvSpPr>
-          <p:spPr>
-            <a:xfrm>
-              <a:off x="5649813" y="3396060"/>
-              <a:ext cx="1136302" cy="430887"/>
-            </a:xfrm>
-            <a:prstGeom prst="rect">
-              <a:avLst/>
-            </a:prstGeom>
-            <a:noFill/>
-          </p:spPr>
-          <p:txBody>
-            <a:bodyPr wrap="square" rtlCol="0">
-              <a:spAutoFit/>
-            </a:bodyPr>
-            <a:lstStyle/>
-            <a:p>
-              <a:pPr algn="ctr"/>
-              <a:r>
-                <a:rPr lang="en-US" sz="1100" dirty="0">
-                  <a:latin typeface="Times New Roman" panose="02020603050405020304" pitchFamily="18" charset="0"/>
-                  <a:cs typeface="Times New Roman" panose="02020603050405020304" pitchFamily="18" charset="0"/>
-                </a:rPr>
-                <a:t>Access to other windows</a:t>
-              </a:r>
-              <a:endParaRPr lang="ru-RU" sz="1100" dirty="0">
-                <a:latin typeface="Times New Roman" panose="02020603050405020304" pitchFamily="18" charset="0"/>
-                <a:cs typeface="Times New Roman" panose="02020603050405020304" pitchFamily="18" charset="0"/>
-              </a:endParaRPr>
-            </a:p>
-          </p:txBody>
-        </p:sp>
-        <p:sp>
-          <p:nvSpPr>
-            <p:cNvPr id="18" name="TextBox 17"/>
-            <p:cNvSpPr txBox="1"/>
-            <p:nvPr/>
-          </p:nvSpPr>
-          <p:spPr>
-            <a:xfrm>
-              <a:off x="5585704" y="5471011"/>
-              <a:ext cx="1318841" cy="430887"/>
-            </a:xfrm>
-            <a:prstGeom prst="rect">
-              <a:avLst/>
-            </a:prstGeom>
-            <a:noFill/>
-          </p:spPr>
-          <p:txBody>
-            <a:bodyPr wrap="square" rtlCol="0">
-              <a:spAutoFit/>
-            </a:bodyPr>
-            <a:lstStyle/>
-            <a:p>
-              <a:pPr algn="ctr"/>
-              <a:r>
-                <a:rPr lang="en-US" sz="1100" dirty="0">
-                  <a:latin typeface="Times New Roman" panose="02020603050405020304" pitchFamily="18" charset="0"/>
-                  <a:cs typeface="Times New Roman" panose="02020603050405020304" pitchFamily="18" charset="0"/>
-                </a:rPr>
-                <a:t>Measured and target curves</a:t>
-              </a:r>
-              <a:endParaRPr lang="ru-RU" sz="1100" dirty="0">
-                <a:latin typeface="Times New Roman" panose="02020603050405020304" pitchFamily="18" charset="0"/>
-                <a:cs typeface="Times New Roman" panose="02020603050405020304" pitchFamily="18" charset="0"/>
-              </a:endParaRPr>
-            </a:p>
-          </p:txBody>
-        </p:sp>
-        <p:sp>
-          <p:nvSpPr>
-            <p:cNvPr id="19" name="Левая фигурная скобка 18"/>
-            <p:cNvSpPr/>
-            <p:nvPr/>
-          </p:nvSpPr>
-          <p:spPr>
-            <a:xfrm>
-              <a:off x="6917235" y="5031625"/>
-              <a:ext cx="276225" cy="1362074"/>
-            </a:xfrm>
-            <a:prstGeom prst="leftBrace">
-              <a:avLst>
-                <a:gd name="adj1" fmla="val 35919"/>
-                <a:gd name="adj2" fmla="val 50629"/>
-              </a:avLst>
-            </a:prstGeom>
-            <a:ln w="28575">
-              <a:solidFill>
-                <a:srgbClr val="0070C0"/>
-              </a:solidFill>
-            </a:ln>
-          </p:spPr>
-          <p:style>
-            <a:lnRef idx="1">
-              <a:schemeClr val="accent1"/>
-            </a:lnRef>
-            <a:fillRef idx="0">
-              <a:schemeClr val="accent1"/>
-            </a:fillRef>
-            <a:effectRef idx="0">
-              <a:schemeClr val="accent1"/>
-            </a:effectRef>
-            <a:fontRef idx="minor">
-              <a:schemeClr val="tx1"/>
-            </a:fontRef>
-          </p:style>
-          <p:txBody>
-            <a:bodyPr rtlCol="0" anchor="ctr"/>
-            <a:lstStyle/>
-            <a:p>
-              <a:pPr algn="ctr"/>
-              <a:endParaRPr lang="ru-RU" sz="1100">
-                <a:latin typeface="Times New Roman" panose="02020603050405020304" pitchFamily="18" charset="0"/>
-                <a:cs typeface="Times New Roman" panose="02020603050405020304" pitchFamily="18" charset="0"/>
-              </a:endParaRPr>
-            </a:p>
-          </p:txBody>
-        </p:sp>
-        <p:sp>
-          <p:nvSpPr>
-            <p:cNvPr id="20" name="Левая фигурная скобка 19"/>
-            <p:cNvSpPr/>
-            <p:nvPr/>
-          </p:nvSpPr>
-          <p:spPr>
-            <a:xfrm>
-              <a:off x="6915669" y="4279149"/>
-              <a:ext cx="276225" cy="673864"/>
-            </a:xfrm>
-            <a:prstGeom prst="leftBrace">
-              <a:avLst>
-                <a:gd name="adj1" fmla="val 35919"/>
-                <a:gd name="adj2" fmla="val 50629"/>
-              </a:avLst>
-            </a:prstGeom>
-            <a:ln w="28575">
-              <a:solidFill>
-                <a:srgbClr val="0070C0"/>
-              </a:solidFill>
-            </a:ln>
-          </p:spPr>
-          <p:style>
-            <a:lnRef idx="1">
-              <a:schemeClr val="accent1"/>
-            </a:lnRef>
-            <a:fillRef idx="0">
-              <a:schemeClr val="accent1"/>
-            </a:fillRef>
-            <a:effectRef idx="0">
-              <a:schemeClr val="accent1"/>
-            </a:effectRef>
-            <a:fontRef idx="minor">
-              <a:schemeClr val="tx1"/>
-            </a:fontRef>
-          </p:style>
-          <p:txBody>
-            <a:bodyPr rtlCol="0" anchor="ctr"/>
-            <a:lstStyle/>
-            <a:p>
-              <a:pPr algn="ctr"/>
-              <a:endParaRPr lang="ru-RU" sz="1100">
-                <a:latin typeface="Times New Roman" panose="02020603050405020304" pitchFamily="18" charset="0"/>
-                <a:cs typeface="Times New Roman" panose="02020603050405020304" pitchFamily="18" charset="0"/>
-              </a:endParaRPr>
-            </a:p>
-          </p:txBody>
-        </p:sp>
-        <p:sp>
-          <p:nvSpPr>
-            <p:cNvPr id="21" name="TextBox 20"/>
-            <p:cNvSpPr txBox="1"/>
-            <p:nvPr/>
-          </p:nvSpPr>
-          <p:spPr>
-            <a:xfrm>
-              <a:off x="5533577" y="4400637"/>
-              <a:ext cx="1368773" cy="430887"/>
-            </a:xfrm>
-            <a:prstGeom prst="rect">
-              <a:avLst/>
-            </a:prstGeom>
-            <a:noFill/>
-          </p:spPr>
-          <p:txBody>
-            <a:bodyPr wrap="square" rtlCol="0">
-              <a:spAutoFit/>
-            </a:bodyPr>
-            <a:lstStyle/>
-            <a:p>
-              <a:pPr algn="ctr"/>
-              <a:r>
-                <a:rPr lang="en-US" sz="1100" dirty="0">
-                  <a:latin typeface="Times New Roman" panose="02020603050405020304" pitchFamily="18" charset="0"/>
-                  <a:cs typeface="Times New Roman" panose="02020603050405020304" pitchFamily="18" charset="0"/>
-                </a:rPr>
-                <a:t>Curves without measured data</a:t>
-              </a:r>
-              <a:endParaRPr lang="ru-RU" sz="1100" dirty="0">
-                <a:latin typeface="Times New Roman" panose="02020603050405020304" pitchFamily="18" charset="0"/>
-                <a:cs typeface="Times New Roman" panose="02020603050405020304" pitchFamily="18" charset="0"/>
-              </a:endParaRPr>
-            </a:p>
-          </p:txBody>
-        </p:sp>
-        <p:cxnSp>
-          <p:nvCxnSpPr>
-            <p:cNvPr id="22" name="Прямая со стрелкой 21"/>
-            <p:cNvCxnSpPr/>
-            <p:nvPr/>
-          </p:nvCxnSpPr>
-          <p:spPr>
-            <a:xfrm>
-              <a:off x="6952730" y="1253806"/>
-              <a:ext cx="269081" cy="0"/>
-            </a:xfrm>
-            <a:prstGeom prst="straightConnector1">
-              <a:avLst/>
-            </a:prstGeom>
-            <a:ln w="47625">
-              <a:tailEnd type="stealth" w="lg" len="lg"/>
-            </a:ln>
-          </p:spPr>
-          <p:style>
-            <a:lnRef idx="1">
-              <a:schemeClr val="accent1"/>
-            </a:lnRef>
-            <a:fillRef idx="0">
-              <a:schemeClr val="accent1"/>
-            </a:fillRef>
-            <a:effectRef idx="0">
-              <a:schemeClr val="accent1"/>
-            </a:effectRef>
-            <a:fontRef idx="minor">
-              <a:schemeClr val="tx1"/>
-            </a:fontRef>
-          </p:style>
-        </p:cxnSp>
-        <p:sp>
-          <p:nvSpPr>
-            <p:cNvPr id="23" name="TextBox 22"/>
-            <p:cNvSpPr txBox="1"/>
-            <p:nvPr/>
-          </p:nvSpPr>
-          <p:spPr>
-            <a:xfrm>
-              <a:off x="5560645" y="1135452"/>
-              <a:ext cx="1388009" cy="261610"/>
-            </a:xfrm>
-            <a:prstGeom prst="rect">
-              <a:avLst/>
-            </a:prstGeom>
-            <a:noFill/>
-          </p:spPr>
-          <p:txBody>
-            <a:bodyPr wrap="square" rtlCol="0">
-              <a:spAutoFit/>
-            </a:bodyPr>
-            <a:lstStyle/>
-            <a:p>
-              <a:pPr algn="ctr"/>
-              <a:r>
-                <a:rPr lang="en-US" sz="1100" dirty="0">
-                  <a:latin typeface="Times New Roman" panose="02020603050405020304" pitchFamily="18" charset="0"/>
-                  <a:cs typeface="Times New Roman" panose="02020603050405020304" pitchFamily="18" charset="0"/>
-                </a:rPr>
-                <a:t>Tabs with structures</a:t>
-              </a:r>
-              <a:endParaRPr lang="ru-RU" sz="1100" dirty="0">
-                <a:latin typeface="Times New Roman" panose="02020603050405020304" pitchFamily="18" charset="0"/>
-                <a:cs typeface="Times New Roman" panose="02020603050405020304" pitchFamily="18" charset="0"/>
-              </a:endParaRPr>
-            </a:p>
-          </p:txBody>
-        </p:sp>
-        <p:pic>
-          <p:nvPicPr>
-            <p:cNvPr id="5" name="Picture 4">
-              <a:extLst>
-                <a:ext uri="{FF2B5EF4-FFF2-40B4-BE49-F238E27FC236}">
-                  <a16:creationId xmlns:a16="http://schemas.microsoft.com/office/drawing/2014/main" id="{145E3F67-D1C4-C4FE-1E9F-62BC7A80C490}"/>
-                </a:ext>
-              </a:extLst>
-            </p:cNvPr>
-            <p:cNvPicPr>
-              <a:picLocks noChangeAspect="1"/>
-            </p:cNvPicPr>
-            <p:nvPr/>
-          </p:nvPicPr>
-          <p:blipFill>
-            <a:blip r:embed="rId2"/>
-            <a:stretch>
-              <a:fillRect/>
-            </a:stretch>
-          </p:blipFill>
-          <p:spPr>
-            <a:xfrm>
-              <a:off x="7321794" y="578095"/>
-              <a:ext cx="2876550" cy="5848350"/>
-            </a:xfrm>
-            <a:prstGeom prst="rect">
-              <a:avLst/>
-            </a:prstGeom>
-          </p:spPr>
-        </p:pic>
-      </p:grpSp>
+          <a:prstGeom prst="rect">
+            <a:avLst/>
+          </a:prstGeom>
+        </p:spPr>
+      </p:pic>
     </p:spTree>
     <p:extLst>
       <p:ext uri="{BB962C8B-B14F-4D97-AF65-F5344CB8AC3E}">
-        <p14:creationId xmlns:p14="http://schemas.microsoft.com/office/powerpoint/2010/main" val="2879871523"/>
+        <p14:creationId xmlns:p14="http://schemas.microsoft.com/office/powerpoint/2010/main" val="3636461270"/>
       </p:ext>
     </p:extLst>
   </p:cSld>
@@ -4221,6 +3070,412 @@
 </file>
 
 <file path=ppt/slides/slide10.xml><?xml version="1.0" encoding="utf-8"?>
+<p:sld xmlns:a="http://schemas.openxmlformats.org/drawingml/2006/main" xmlns:r="http://schemas.openxmlformats.org/officeDocument/2006/relationships" xmlns:p="http://schemas.openxmlformats.org/presentationml/2006/main">
+  <p:cSld>
+    <p:spTree>
+      <p:nvGrpSpPr>
+        <p:cNvPr id="1" name=""/>
+        <p:cNvGrpSpPr/>
+        <p:nvPr/>
+      </p:nvGrpSpPr>
+      <p:grpSpPr>
+        <a:xfrm>
+          <a:off x="0" y="0"/>
+          <a:ext cx="0" cy="0"/>
+          <a:chOff x="0" y="0"/>
+          <a:chExt cx="0" cy="0"/>
+        </a:xfrm>
+      </p:grpSpPr>
+      <p:grpSp>
+        <p:nvGrpSpPr>
+          <p:cNvPr id="19" name="Group 18">
+            <a:extLst>
+              <a:ext uri="{FF2B5EF4-FFF2-40B4-BE49-F238E27FC236}">
+                <a16:creationId xmlns:a16="http://schemas.microsoft.com/office/drawing/2014/main" id="{E40803F0-C5B8-57BD-AF59-3089A95A0813}"/>
+              </a:ext>
+            </a:extLst>
+          </p:cNvPr>
+          <p:cNvGrpSpPr/>
+          <p:nvPr/>
+        </p:nvGrpSpPr>
+        <p:grpSpPr>
+          <a:xfrm>
+            <a:off x="1871662" y="361950"/>
+            <a:ext cx="4995863" cy="4724400"/>
+            <a:chOff x="1871662" y="361950"/>
+            <a:chExt cx="4995863" cy="4724400"/>
+          </a:xfrm>
+        </p:grpSpPr>
+        <p:grpSp>
+          <p:nvGrpSpPr>
+            <p:cNvPr id="11" name="Group 10">
+              <a:extLst>
+                <a:ext uri="{FF2B5EF4-FFF2-40B4-BE49-F238E27FC236}">
+                  <a16:creationId xmlns:a16="http://schemas.microsoft.com/office/drawing/2014/main" id="{5F94BE99-6769-97EC-62A7-86F1C0E16CE1}"/>
+                </a:ext>
+              </a:extLst>
+            </p:cNvPr>
+            <p:cNvGrpSpPr/>
+            <p:nvPr/>
+          </p:nvGrpSpPr>
+          <p:grpSpPr>
+            <a:xfrm>
+              <a:off x="1909762" y="3181350"/>
+              <a:ext cx="4848225" cy="1905000"/>
+              <a:chOff x="1814512" y="3486150"/>
+              <a:chExt cx="4848225" cy="1905000"/>
+            </a:xfrm>
+          </p:grpSpPr>
+          <p:pic>
+            <p:nvPicPr>
+              <p:cNvPr id="7" name="Picture 6">
+                <a:extLst>
+                  <a:ext uri="{FF2B5EF4-FFF2-40B4-BE49-F238E27FC236}">
+                    <a16:creationId xmlns:a16="http://schemas.microsoft.com/office/drawing/2014/main" id="{B7E7AF59-7386-5F2D-B321-896ADEE82B17}"/>
+                  </a:ext>
+                </a:extLst>
+              </p:cNvPr>
+              <p:cNvPicPr>
+                <a:picLocks noChangeAspect="1"/>
+              </p:cNvPicPr>
+              <p:nvPr/>
+            </p:nvPicPr>
+            <p:blipFill>
+              <a:blip r:embed="rId2"/>
+              <a:stretch>
+                <a:fillRect/>
+              </a:stretch>
+            </p:blipFill>
+            <p:spPr>
+              <a:xfrm>
+                <a:off x="1814512" y="3486150"/>
+                <a:ext cx="4848225" cy="1905000"/>
+              </a:xfrm>
+              <a:prstGeom prst="rect">
+                <a:avLst/>
+              </a:prstGeom>
+            </p:spPr>
+          </p:pic>
+          <p:sp>
+            <p:nvSpPr>
+              <p:cNvPr id="9" name="Овал 5">
+                <a:extLst>
+                  <a:ext uri="{FF2B5EF4-FFF2-40B4-BE49-F238E27FC236}">
+                    <a16:creationId xmlns:a16="http://schemas.microsoft.com/office/drawing/2014/main" id="{E96C2595-B012-DAE6-BE4B-2EFCA9120686}"/>
+                  </a:ext>
+                </a:extLst>
+              </p:cNvPr>
+              <p:cNvSpPr/>
+              <p:nvPr/>
+            </p:nvSpPr>
+            <p:spPr>
+              <a:xfrm>
+                <a:off x="1816779" y="4811760"/>
+                <a:ext cx="2669496" cy="293640"/>
+              </a:xfrm>
+              <a:prstGeom prst="ellipse">
+                <a:avLst/>
+              </a:prstGeom>
+              <a:noFill/>
+              <a:ln w="19050">
+                <a:solidFill>
+                  <a:srgbClr val="FF0000"/>
+                </a:solidFill>
+              </a:ln>
+            </p:spPr>
+            <p:style>
+              <a:lnRef idx="2">
+                <a:schemeClr val="accent1">
+                  <a:shade val="50000"/>
+                </a:schemeClr>
+              </a:lnRef>
+              <a:fillRef idx="1">
+                <a:schemeClr val="accent1"/>
+              </a:fillRef>
+              <a:effectRef idx="0">
+                <a:schemeClr val="accent1"/>
+              </a:effectRef>
+              <a:fontRef idx="minor">
+                <a:schemeClr val="lt1"/>
+              </a:fontRef>
+            </p:style>
+            <p:txBody>
+              <a:bodyPr rtlCol="0" anchor="ctr"/>
+              <a:lstStyle/>
+              <a:p>
+                <a:pPr algn="ctr"/>
+                <a:endParaRPr lang="ru-RU"/>
+              </a:p>
+            </p:txBody>
+          </p:sp>
+        </p:grpSp>
+        <p:sp>
+          <p:nvSpPr>
+            <p:cNvPr id="10" name="Arrow: Right 9">
+              <a:extLst>
+                <a:ext uri="{FF2B5EF4-FFF2-40B4-BE49-F238E27FC236}">
+                  <a16:creationId xmlns:a16="http://schemas.microsoft.com/office/drawing/2014/main" id="{366A1CD7-D600-9DD6-8AFE-C8C77EA296AA}"/>
+                </a:ext>
+              </a:extLst>
+            </p:cNvPr>
+            <p:cNvSpPr/>
+            <p:nvPr/>
+          </p:nvSpPr>
+          <p:spPr>
+            <a:xfrm rot="5400000">
+              <a:off x="4109947" y="2582997"/>
+              <a:ext cx="545469" cy="465826"/>
+            </a:xfrm>
+            <a:prstGeom prst="rightArrow">
+              <a:avLst>
+                <a:gd name="adj1" fmla="val 50000"/>
+                <a:gd name="adj2" fmla="val 66667"/>
+              </a:avLst>
+            </a:prstGeom>
+            <a:noFill/>
+            <a:ln w="19050">
+              <a:solidFill>
+                <a:srgbClr val="FF0000"/>
+              </a:solidFill>
+            </a:ln>
+          </p:spPr>
+          <p:style>
+            <a:lnRef idx="2">
+              <a:schemeClr val="accent1">
+                <a:shade val="50000"/>
+              </a:schemeClr>
+            </a:lnRef>
+            <a:fillRef idx="1">
+              <a:schemeClr val="accent1"/>
+            </a:fillRef>
+            <a:effectRef idx="0">
+              <a:schemeClr val="accent1"/>
+            </a:effectRef>
+            <a:fontRef idx="minor">
+              <a:schemeClr val="lt1"/>
+            </a:fontRef>
+          </p:style>
+          <p:txBody>
+            <a:bodyPr rtlCol="0" anchor="ctr"/>
+            <a:lstStyle/>
+            <a:p>
+              <a:pPr algn="ctr"/>
+              <a:endParaRPr lang="en-US"/>
+            </a:p>
+          </p:txBody>
+        </p:sp>
+        <p:grpSp>
+          <p:nvGrpSpPr>
+            <p:cNvPr id="18" name="Group 17">
+              <a:extLst>
+                <a:ext uri="{FF2B5EF4-FFF2-40B4-BE49-F238E27FC236}">
+                  <a16:creationId xmlns:a16="http://schemas.microsoft.com/office/drawing/2014/main" id="{CC72A481-81CE-85B2-50EF-CA29BFB37873}"/>
+                </a:ext>
+              </a:extLst>
+            </p:cNvPr>
+            <p:cNvGrpSpPr/>
+            <p:nvPr/>
+          </p:nvGrpSpPr>
+          <p:grpSpPr>
+            <a:xfrm>
+              <a:off x="1871662" y="361950"/>
+              <a:ext cx="4995863" cy="2076450"/>
+              <a:chOff x="1871662" y="361950"/>
+              <a:chExt cx="4995863" cy="2076450"/>
+            </a:xfrm>
+          </p:grpSpPr>
+          <p:pic>
+            <p:nvPicPr>
+              <p:cNvPr id="14" name="Picture 13">
+                <a:extLst>
+                  <a:ext uri="{FF2B5EF4-FFF2-40B4-BE49-F238E27FC236}">
+                    <a16:creationId xmlns:a16="http://schemas.microsoft.com/office/drawing/2014/main" id="{068B73BE-49CA-4EE2-E296-DCF7E8728FEA}"/>
+                  </a:ext>
+                </a:extLst>
+              </p:cNvPr>
+              <p:cNvPicPr>
+                <a:picLocks noChangeAspect="1"/>
+              </p:cNvPicPr>
+              <p:nvPr/>
+            </p:nvPicPr>
+            <p:blipFill>
+              <a:blip r:embed="rId3"/>
+              <a:stretch>
+                <a:fillRect/>
+              </a:stretch>
+            </p:blipFill>
+            <p:spPr>
+              <a:xfrm>
+                <a:off x="1871662" y="361950"/>
+                <a:ext cx="4981575" cy="2076450"/>
+              </a:xfrm>
+              <a:prstGeom prst="rect">
+                <a:avLst/>
+              </a:prstGeom>
+            </p:spPr>
+          </p:pic>
+          <p:sp>
+            <p:nvSpPr>
+              <p:cNvPr id="8" name="Овал 5">
+                <a:extLst>
+                  <a:ext uri="{FF2B5EF4-FFF2-40B4-BE49-F238E27FC236}">
+                    <a16:creationId xmlns:a16="http://schemas.microsoft.com/office/drawing/2014/main" id="{74027A3F-C505-FE9C-687A-632BB1F16BBF}"/>
+                  </a:ext>
+                </a:extLst>
+              </p:cNvPr>
+              <p:cNvSpPr/>
+              <p:nvPr/>
+            </p:nvSpPr>
+            <p:spPr>
+              <a:xfrm>
+                <a:off x="3121704" y="1706610"/>
+                <a:ext cx="1536021" cy="276225"/>
+              </a:xfrm>
+              <a:prstGeom prst="ellipse">
+                <a:avLst/>
+              </a:prstGeom>
+              <a:noFill/>
+              <a:ln w="19050">
+                <a:solidFill>
+                  <a:srgbClr val="FF0000"/>
+                </a:solidFill>
+              </a:ln>
+            </p:spPr>
+            <p:style>
+              <a:lnRef idx="2">
+                <a:schemeClr val="accent1">
+                  <a:shade val="50000"/>
+                </a:schemeClr>
+              </a:lnRef>
+              <a:fillRef idx="1">
+                <a:schemeClr val="accent1"/>
+              </a:fillRef>
+              <a:effectRef idx="0">
+                <a:schemeClr val="accent1"/>
+              </a:effectRef>
+              <a:fontRef idx="minor">
+                <a:schemeClr val="lt1"/>
+              </a:fontRef>
+            </p:style>
+            <p:txBody>
+              <a:bodyPr rtlCol="0" anchor="ctr"/>
+              <a:lstStyle/>
+              <a:p>
+                <a:pPr algn="ctr"/>
+                <a:endParaRPr lang="ru-RU"/>
+              </a:p>
+            </p:txBody>
+          </p:sp>
+          <p:sp>
+            <p:nvSpPr>
+              <p:cNvPr id="15" name="Овал 5">
+                <a:extLst>
+                  <a:ext uri="{FF2B5EF4-FFF2-40B4-BE49-F238E27FC236}">
+                    <a16:creationId xmlns:a16="http://schemas.microsoft.com/office/drawing/2014/main" id="{E44556D6-3D89-1B8B-A65E-268150311568}"/>
+                  </a:ext>
+                </a:extLst>
+              </p:cNvPr>
+              <p:cNvSpPr/>
+              <p:nvPr/>
+            </p:nvSpPr>
+            <p:spPr>
+              <a:xfrm>
+                <a:off x="6248400" y="2020935"/>
+                <a:ext cx="619125" cy="276225"/>
+              </a:xfrm>
+              <a:prstGeom prst="ellipse">
+                <a:avLst/>
+              </a:prstGeom>
+              <a:noFill/>
+              <a:ln w="19050">
+                <a:solidFill>
+                  <a:srgbClr val="FF0000"/>
+                </a:solidFill>
+              </a:ln>
+            </p:spPr>
+            <p:style>
+              <a:lnRef idx="2">
+                <a:schemeClr val="accent1">
+                  <a:shade val="50000"/>
+                </a:schemeClr>
+              </a:lnRef>
+              <a:fillRef idx="1">
+                <a:schemeClr val="accent1"/>
+              </a:fillRef>
+              <a:effectRef idx="0">
+                <a:schemeClr val="accent1"/>
+              </a:effectRef>
+              <a:fontRef idx="minor">
+                <a:schemeClr val="lt1"/>
+              </a:fontRef>
+            </p:style>
+            <p:txBody>
+              <a:bodyPr rtlCol="0" anchor="ctr"/>
+              <a:lstStyle/>
+              <a:p>
+                <a:pPr algn="ctr"/>
+                <a:endParaRPr lang="ru-RU"/>
+              </a:p>
+            </p:txBody>
+          </p:sp>
+          <p:cxnSp>
+            <p:nvCxnSpPr>
+              <p:cNvPr id="17" name="Straight Arrow Connector 16">
+                <a:extLst>
+                  <a:ext uri="{FF2B5EF4-FFF2-40B4-BE49-F238E27FC236}">
+                    <a16:creationId xmlns:a16="http://schemas.microsoft.com/office/drawing/2014/main" id="{B2C4C998-B111-6939-3439-977FD220605F}"/>
+                  </a:ext>
+                </a:extLst>
+              </p:cNvPr>
+              <p:cNvCxnSpPr/>
+              <p:nvPr/>
+            </p:nvCxnSpPr>
+            <p:spPr>
+              <a:xfrm>
+                <a:off x="4714875" y="1895475"/>
+                <a:ext cx="1419225" cy="209550"/>
+              </a:xfrm>
+              <a:prstGeom prst="straightConnector1">
+                <a:avLst/>
+              </a:prstGeom>
+              <a:ln w="19050">
+                <a:solidFill>
+                  <a:srgbClr val="FF0000"/>
+                </a:solidFill>
+                <a:tailEnd type="triangle"/>
+              </a:ln>
+            </p:spPr>
+            <p:style>
+              <a:lnRef idx="1">
+                <a:schemeClr val="accent1"/>
+              </a:lnRef>
+              <a:fillRef idx="0">
+                <a:schemeClr val="accent1"/>
+              </a:fillRef>
+              <a:effectRef idx="0">
+                <a:schemeClr val="accent1"/>
+              </a:effectRef>
+              <a:fontRef idx="minor">
+                <a:schemeClr val="tx1"/>
+              </a:fontRef>
+            </p:style>
+          </p:cxnSp>
+        </p:grpSp>
+      </p:grpSp>
+    </p:spTree>
+    <p:extLst>
+      <p:ext uri="{BB962C8B-B14F-4D97-AF65-F5344CB8AC3E}">
+        <p14:creationId xmlns:p14="http://schemas.microsoft.com/office/powerpoint/2010/main" val="2168155292"/>
+      </p:ext>
+    </p:extLst>
+  </p:cSld>
+  <p:clrMapOvr>
+    <a:masterClrMapping/>
+  </p:clrMapOvr>
+</p:sld>
+</file>
+
+<file path=ppt/slides/slide11.xml><?xml version="1.0" encoding="utf-8"?>
 <p:sld xmlns:a="http://schemas.openxmlformats.org/drawingml/2006/main" xmlns:r="http://schemas.openxmlformats.org/officeDocument/2006/relationships" xmlns:p="http://schemas.openxmlformats.org/presentationml/2006/main">
   <p:cSld>
     <p:spTree>
@@ -4494,9 +3749,17 @@
 </p:sld>
 </file>
 
-<file path=ppt/slides/slide11.xml><?xml version="1.0" encoding="utf-8"?>
+<file path=ppt/slides/slide12.xml><?xml version="1.0" encoding="utf-8"?>
 <p:sld xmlns:a="http://schemas.openxmlformats.org/drawingml/2006/main" xmlns:r="http://schemas.openxmlformats.org/officeDocument/2006/relationships" xmlns:p="http://schemas.openxmlformats.org/presentationml/2006/main">
   <p:cSld>
+    <p:bg>
+      <p:bgPr>
+        <a:solidFill>
+          <a:schemeClr val="bg1"/>
+        </a:solidFill>
+        <a:effectLst/>
+      </p:bgPr>
+    </p:bg>
     <p:spTree>
       <p:nvGrpSpPr>
         <p:cNvPr id="1" name=""/>
@@ -4513,30 +3776,32 @@
       </p:grpSpPr>
       <p:grpSp>
         <p:nvGrpSpPr>
-          <p:cNvPr id="12" name="Group 11">
+          <p:cNvPr id="14" name="Group 13">
             <a:extLst>
               <a:ext uri="{FF2B5EF4-FFF2-40B4-BE49-F238E27FC236}">
-                <a16:creationId xmlns:a16="http://schemas.microsoft.com/office/drawing/2014/main" id="{A098D79E-0DB6-F253-01AB-EC87600F4268}"/>
+                <a16:creationId xmlns:a16="http://schemas.microsoft.com/office/drawing/2014/main" id="{29B7AF39-3FB5-460B-A1AD-0E8270997F33}"/>
               </a:ext>
             </a:extLst>
           </p:cNvPr>
-          <p:cNvGrpSpPr/>
+          <p:cNvGrpSpPr>
+            <a:grpSpLocks noChangeAspect="1"/>
+          </p:cNvGrpSpPr>
           <p:nvPr/>
         </p:nvGrpSpPr>
         <p:grpSpPr>
           <a:xfrm>
-            <a:off x="881704" y="0"/>
-            <a:ext cx="7380591" cy="6858000"/>
-            <a:chOff x="881704" y="0"/>
-            <a:chExt cx="7380591" cy="6858000"/>
+            <a:off x="1574203" y="502791"/>
+            <a:ext cx="5995592" cy="5721284"/>
+            <a:chOff x="1574203" y="502791"/>
+            <a:chExt cx="5995592" cy="5721284"/>
           </a:xfrm>
         </p:grpSpPr>
         <p:pic>
           <p:nvPicPr>
-            <p:cNvPr id="10" name="Picture 9">
+            <p:cNvPr id="13" name="Picture 12">
               <a:extLst>
                 <a:ext uri="{FF2B5EF4-FFF2-40B4-BE49-F238E27FC236}">
-                  <a16:creationId xmlns:a16="http://schemas.microsoft.com/office/drawing/2014/main" id="{19BCA880-52FD-E749-D3F7-4A0E323EAFD2}"/>
+                  <a16:creationId xmlns:a16="http://schemas.microsoft.com/office/drawing/2014/main" id="{42ED674C-AFD5-61BC-D572-887586B4249E}"/>
                 </a:ext>
               </a:extLst>
             </p:cNvPr>
@@ -4553,8 +3818,8 @@
           </p:blipFill>
           <p:spPr>
             <a:xfrm>
-              <a:off x="881704" y="0"/>
-              <a:ext cx="7380591" cy="6858000"/>
+              <a:off x="1574203" y="502791"/>
+              <a:ext cx="5995592" cy="5721284"/>
             </a:xfrm>
             <a:prstGeom prst="rect">
               <a:avLst/>
@@ -4575,8 +3840,8 @@
           </p:nvSpPr>
           <p:spPr>
             <a:xfrm>
-              <a:off x="952902" y="5419023"/>
-              <a:ext cx="1636294" cy="567890"/>
+              <a:off x="1632040" y="5045586"/>
+              <a:ext cx="1329237" cy="461323"/>
             </a:xfrm>
             <a:prstGeom prst="ellipse">
               <a:avLst/>
@@ -4627,8 +3892,8 @@
           </p:nvSpPr>
           <p:spPr>
             <a:xfrm>
-              <a:off x="4331368" y="5427044"/>
-              <a:ext cx="1405289" cy="567890"/>
+              <a:off x="4376523" y="5052102"/>
+              <a:ext cx="1141581" cy="461323"/>
             </a:xfrm>
             <a:prstGeom prst="ellipse">
               <a:avLst/>
@@ -4679,8 +3944,8 @@
           </p:nvSpPr>
           <p:spPr>
             <a:xfrm>
-              <a:off x="4618522" y="3060833"/>
-              <a:ext cx="2792931" cy="452387"/>
+              <a:off x="4609791" y="2980454"/>
+              <a:ext cx="2268826" cy="367495"/>
             </a:xfrm>
             <a:prstGeom prst="ellipse">
               <a:avLst/>
@@ -4731,7 +3996,7 @@
 </p:sld>
 </file>
 
-<file path=ppt/slides/slide12.xml><?xml version="1.0" encoding="utf-8"?>
+<file path=ppt/slides/slide13.xml><?xml version="1.0" encoding="utf-8"?>
 <p:sld xmlns:a="http://schemas.openxmlformats.org/drawingml/2006/main" xmlns:r="http://schemas.openxmlformats.org/officeDocument/2006/relationships" xmlns:p="http://schemas.openxmlformats.org/presentationml/2006/main">
   <p:cSld>
     <p:spTree>
@@ -4864,7 +4129,7 @@
 </p:sld>
 </file>
 
-<file path=ppt/slides/slide13.xml><?xml version="1.0" encoding="utf-8"?>
+<file path=ppt/slides/slide14.xml><?xml version="1.0" encoding="utf-8"?>
 <p:sld xmlns:a="http://schemas.openxmlformats.org/drawingml/2006/main" xmlns:r="http://schemas.openxmlformats.org/officeDocument/2006/relationships" xmlns:p="http://schemas.openxmlformats.org/presentationml/2006/main">
   <p:cSld>
     <p:spTree>
@@ -4883,30 +4148,32 @@
       </p:grpSpPr>
       <p:grpSp>
         <p:nvGrpSpPr>
-          <p:cNvPr id="10" name="Group 9">
+          <p:cNvPr id="4" name="Group 3">
             <a:extLst>
               <a:ext uri="{FF2B5EF4-FFF2-40B4-BE49-F238E27FC236}">
-                <a16:creationId xmlns:a16="http://schemas.microsoft.com/office/drawing/2014/main" id="{D9660D9D-6442-3E9B-6D86-A976A3017085}"/>
+                <a16:creationId xmlns:a16="http://schemas.microsoft.com/office/drawing/2014/main" id="{9AF26BF0-612B-4F99-0DA3-F66C94FC2549}"/>
               </a:ext>
             </a:extLst>
           </p:cNvPr>
-          <p:cNvGrpSpPr/>
+          <p:cNvGrpSpPr>
+            <a:grpSpLocks noChangeAspect="1"/>
+          </p:cNvGrpSpPr>
           <p:nvPr/>
         </p:nvGrpSpPr>
         <p:grpSpPr>
           <a:xfrm>
             <a:off x="695047" y="-105878"/>
-            <a:ext cx="7380591" cy="6858000"/>
-            <a:chOff x="695047" y="0"/>
-            <a:chExt cx="7380591" cy="6858000"/>
+            <a:ext cx="7380590" cy="7042916"/>
+            <a:chOff x="695047" y="-105878"/>
+            <a:chExt cx="7380590" cy="7042916"/>
           </a:xfrm>
         </p:grpSpPr>
         <p:pic>
           <p:nvPicPr>
-            <p:cNvPr id="5" name="Picture 4">
+            <p:cNvPr id="3" name="Picture 2">
               <a:extLst>
                 <a:ext uri="{FF2B5EF4-FFF2-40B4-BE49-F238E27FC236}">
-                  <a16:creationId xmlns:a16="http://schemas.microsoft.com/office/drawing/2014/main" id="{DFB0D95C-8069-08F3-DE2B-00CF53155190}"/>
+                  <a16:creationId xmlns:a16="http://schemas.microsoft.com/office/drawing/2014/main" id="{02E2E6A7-098A-04F9-6044-E4DE979AAAF7}"/>
                 </a:ext>
               </a:extLst>
             </p:cNvPr>
@@ -4923,8 +4190,8 @@
           </p:blipFill>
           <p:spPr>
             <a:xfrm>
-              <a:off x="695047" y="0"/>
-              <a:ext cx="7380591" cy="6858000"/>
+              <a:off x="695047" y="-105878"/>
+              <a:ext cx="7380590" cy="7042916"/>
             </a:xfrm>
             <a:prstGeom prst="rect">
               <a:avLst/>
@@ -4945,8 +4212,8 @@
           </p:nvSpPr>
           <p:spPr>
             <a:xfrm>
-              <a:off x="1984810" y="2667499"/>
-              <a:ext cx="4355665" cy="283845"/>
+              <a:off x="1984810" y="2561621"/>
+              <a:ext cx="4863665" cy="283845"/>
             </a:xfrm>
             <a:prstGeom prst="roundRect">
               <a:avLst/>
@@ -4995,7 +4262,7 @@
           </p:nvSpPr>
           <p:spPr>
             <a:xfrm>
-              <a:off x="778411" y="4209112"/>
+              <a:off x="778411" y="4284209"/>
               <a:ext cx="1272640" cy="276225"/>
             </a:xfrm>
             <a:prstGeom prst="ellipse">
@@ -5047,7 +4314,7 @@
           </p:nvSpPr>
           <p:spPr>
             <a:xfrm>
-              <a:off x="3028950" y="4209112"/>
+              <a:off x="3028950" y="4284209"/>
               <a:ext cx="2216151" cy="276225"/>
             </a:xfrm>
             <a:prstGeom prst="ellipse">
@@ -5099,7 +4366,7 @@
 </p:sld>
 </file>
 
-<file path=ppt/slides/slide14.xml><?xml version="1.0" encoding="utf-8"?>
+<file path=ppt/slides/slide15.xml><?xml version="1.0" encoding="utf-8"?>
 <p:sld xmlns:a="http://schemas.openxmlformats.org/drawingml/2006/main" xmlns:r="http://schemas.openxmlformats.org/officeDocument/2006/relationships" xmlns:p="http://schemas.openxmlformats.org/presentationml/2006/main">
   <p:cSld>
     <p:spTree>
@@ -5458,7 +4725,7 @@
 </p:sld>
 </file>
 
-<file path=ppt/slides/slide15.xml><?xml version="1.0" encoding="utf-8"?>
+<file path=ppt/slides/slide16.xml><?xml version="1.0" encoding="utf-8"?>
 <p:sld xmlns:a="http://schemas.openxmlformats.org/drawingml/2006/main" xmlns:r="http://schemas.openxmlformats.org/officeDocument/2006/relationships" xmlns:p="http://schemas.openxmlformats.org/presentationml/2006/main">
   <p:cSld>
     <p:spTree>
@@ -6385,7 +5652,7 @@
 </p:sld>
 </file>
 
-<file path=ppt/slides/slide16.xml><?xml version="1.0" encoding="utf-8"?>
+<file path=ppt/slides/slide17.xml><?xml version="1.0" encoding="utf-8"?>
 <p:sld xmlns:a="http://schemas.openxmlformats.org/drawingml/2006/main" xmlns:r="http://schemas.openxmlformats.org/officeDocument/2006/relationships" xmlns:p="http://schemas.openxmlformats.org/presentationml/2006/main">
   <p:cSld>
     <p:spTree>
@@ -6404,30 +5671,32 @@
       </p:grpSpPr>
       <p:grpSp>
         <p:nvGrpSpPr>
-          <p:cNvPr id="8" name="Group 7">
+          <p:cNvPr id="4" name="Group 3">
             <a:extLst>
               <a:ext uri="{FF2B5EF4-FFF2-40B4-BE49-F238E27FC236}">
-                <a16:creationId xmlns:a16="http://schemas.microsoft.com/office/drawing/2014/main" id="{3075F3A1-F333-089D-A7D8-FE64743A9E4C}"/>
+                <a16:creationId xmlns:a16="http://schemas.microsoft.com/office/drawing/2014/main" id="{25F397DE-874A-58AB-5CF5-BC5F6EA64E8E}"/>
               </a:ext>
             </a:extLst>
           </p:cNvPr>
-          <p:cNvGrpSpPr/>
+          <p:cNvGrpSpPr>
+            <a:grpSpLocks noChangeAspect="1"/>
+          </p:cNvGrpSpPr>
           <p:nvPr/>
         </p:nvGrpSpPr>
         <p:grpSpPr>
           <a:xfrm>
-            <a:off x="889744" y="0"/>
-            <a:ext cx="7364511" cy="6858000"/>
-            <a:chOff x="889744" y="0"/>
-            <a:chExt cx="7364511" cy="6858000"/>
+            <a:off x="889744" y="-92458"/>
+            <a:ext cx="7367430" cy="7045708"/>
+            <a:chOff x="889744" y="-92458"/>
+            <a:chExt cx="7367430" cy="7045708"/>
           </a:xfrm>
         </p:grpSpPr>
         <p:pic>
           <p:nvPicPr>
-            <p:cNvPr id="5" name="Picture 4">
+            <p:cNvPr id="3" name="Picture 2">
               <a:extLst>
                 <a:ext uri="{FF2B5EF4-FFF2-40B4-BE49-F238E27FC236}">
-                  <a16:creationId xmlns:a16="http://schemas.microsoft.com/office/drawing/2014/main" id="{4D5E7D19-66D8-9064-863D-508FE21B59CB}"/>
+                  <a16:creationId xmlns:a16="http://schemas.microsoft.com/office/drawing/2014/main" id="{12B28E95-3DD5-9947-8E26-B4C825D28C67}"/>
                 </a:ext>
               </a:extLst>
             </p:cNvPr>
@@ -6444,8 +5713,8 @@
           </p:blipFill>
           <p:spPr>
             <a:xfrm>
-              <a:off x="889744" y="0"/>
-              <a:ext cx="7364511" cy="6858000"/>
+              <a:off x="889744" y="-92458"/>
+              <a:ext cx="7367430" cy="7045708"/>
             </a:xfrm>
             <a:prstGeom prst="rect">
               <a:avLst/>
@@ -6466,7 +5735,7 @@
           </p:nvSpPr>
           <p:spPr>
             <a:xfrm>
-              <a:off x="985835" y="3148013"/>
+              <a:off x="985835" y="3062288"/>
               <a:ext cx="1201105" cy="247650"/>
             </a:xfrm>
             <a:prstGeom prst="ellipse">
@@ -6518,7 +5787,7 @@
           </p:nvSpPr>
           <p:spPr>
             <a:xfrm>
-              <a:off x="1991675" y="4001453"/>
+              <a:off x="1991675" y="4106228"/>
               <a:ext cx="644845" cy="247650"/>
             </a:xfrm>
             <a:prstGeom prst="ellipse">
@@ -6570,7 +5839,7 @@
 </p:sld>
 </file>
 
-<file path=ppt/slides/slide17.xml><?xml version="1.0" encoding="utf-8"?>
+<file path=ppt/slides/slide18.xml><?xml version="1.0" encoding="utf-8"?>
 <p:sld xmlns:a="http://schemas.openxmlformats.org/drawingml/2006/main" xmlns:r="http://schemas.openxmlformats.org/officeDocument/2006/relationships" xmlns:p="http://schemas.openxmlformats.org/presentationml/2006/main">
   <p:cSld>
     <p:spTree>
@@ -6755,7 +6024,7 @@
 </p:sld>
 </file>
 
-<file path=ppt/slides/slide18.xml><?xml version="1.0" encoding="utf-8"?>
+<file path=ppt/slides/slide19.xml><?xml version="1.0" encoding="utf-8"?>
 <p:sld xmlns:a="http://schemas.openxmlformats.org/drawingml/2006/main" xmlns:r="http://schemas.openxmlformats.org/officeDocument/2006/relationships" xmlns:p="http://schemas.openxmlformats.org/presentationml/2006/main">
   <p:cSld>
     <p:spTree>
@@ -9546,7 +8815,1219 @@
 </p:sld>
 </file>
 
-<file path=ppt/slides/slide19.xml><?xml version="1.0" encoding="utf-8"?>
+<file path=ppt/slides/slide2.xml><?xml version="1.0" encoding="utf-8"?>
+<p:sld xmlns:a="http://schemas.openxmlformats.org/drawingml/2006/main" xmlns:r="http://schemas.openxmlformats.org/officeDocument/2006/relationships" xmlns:p="http://schemas.openxmlformats.org/presentationml/2006/main">
+  <p:cSld>
+    <p:spTree>
+      <p:nvGrpSpPr>
+        <p:cNvPr id="1" name=""/>
+        <p:cNvGrpSpPr/>
+        <p:nvPr/>
+      </p:nvGrpSpPr>
+      <p:grpSpPr>
+        <a:xfrm>
+          <a:off x="0" y="0"/>
+          <a:ext cx="0" cy="0"/>
+          <a:chOff x="0" y="0"/>
+          <a:chExt cx="0" cy="0"/>
+        </a:xfrm>
+      </p:grpSpPr>
+      <p:grpSp>
+        <p:nvGrpSpPr>
+          <p:cNvPr id="7" name="Group 6">
+            <a:extLst>
+              <a:ext uri="{FF2B5EF4-FFF2-40B4-BE49-F238E27FC236}">
+                <a16:creationId xmlns:a16="http://schemas.microsoft.com/office/drawing/2014/main" id="{727D2617-D46E-625C-837C-B9286B2DB8E3}"/>
+              </a:ext>
+            </a:extLst>
+          </p:cNvPr>
+          <p:cNvGrpSpPr/>
+          <p:nvPr/>
+        </p:nvGrpSpPr>
+        <p:grpSpPr>
+          <a:xfrm>
+            <a:off x="24813" y="575164"/>
+            <a:ext cx="4886423" cy="5848350"/>
+            <a:chOff x="24813" y="575164"/>
+            <a:chExt cx="4886423" cy="5848350"/>
+          </a:xfrm>
+        </p:grpSpPr>
+        <p:sp>
+          <p:nvSpPr>
+            <p:cNvPr id="26" name="Левая фигурная скобка 25"/>
+            <p:cNvSpPr/>
+            <p:nvPr/>
+          </p:nvSpPr>
+          <p:spPr>
+            <a:xfrm>
+              <a:off x="1619880" y="1422691"/>
+              <a:ext cx="276225" cy="1122910"/>
+            </a:xfrm>
+            <a:prstGeom prst="leftBrace">
+              <a:avLst>
+                <a:gd name="adj1" fmla="val 35919"/>
+                <a:gd name="adj2" fmla="val 50629"/>
+              </a:avLst>
+            </a:prstGeom>
+            <a:ln w="28575">
+              <a:solidFill>
+                <a:srgbClr val="0070C0"/>
+              </a:solidFill>
+            </a:ln>
+          </p:spPr>
+          <p:style>
+            <a:lnRef idx="1">
+              <a:schemeClr val="accent1"/>
+            </a:lnRef>
+            <a:fillRef idx="0">
+              <a:schemeClr val="accent1"/>
+            </a:fillRef>
+            <a:effectRef idx="0">
+              <a:schemeClr val="accent1"/>
+            </a:effectRef>
+            <a:fontRef idx="minor">
+              <a:schemeClr val="tx1"/>
+            </a:fontRef>
+          </p:style>
+          <p:txBody>
+            <a:bodyPr rtlCol="0" anchor="ctr"/>
+            <a:lstStyle/>
+            <a:p>
+              <a:pPr algn="ctr"/>
+              <a:endParaRPr lang="ru-RU" sz="1100">
+                <a:latin typeface="Times New Roman" panose="02020603050405020304" pitchFamily="18" charset="0"/>
+                <a:cs typeface="Times New Roman" panose="02020603050405020304" pitchFamily="18" charset="0"/>
+              </a:endParaRPr>
+            </a:p>
+          </p:txBody>
+        </p:sp>
+        <p:sp>
+          <p:nvSpPr>
+            <p:cNvPr id="27" name="Левая фигурная скобка 26"/>
+            <p:cNvSpPr/>
+            <p:nvPr/>
+          </p:nvSpPr>
+          <p:spPr>
+            <a:xfrm>
+              <a:off x="1619880" y="2907551"/>
+              <a:ext cx="276225" cy="1305163"/>
+            </a:xfrm>
+            <a:prstGeom prst="leftBrace">
+              <a:avLst>
+                <a:gd name="adj1" fmla="val 35919"/>
+                <a:gd name="adj2" fmla="val 50629"/>
+              </a:avLst>
+            </a:prstGeom>
+            <a:ln w="28575">
+              <a:solidFill>
+                <a:srgbClr val="0070C0"/>
+              </a:solidFill>
+            </a:ln>
+          </p:spPr>
+          <p:style>
+            <a:lnRef idx="1">
+              <a:schemeClr val="accent1"/>
+            </a:lnRef>
+            <a:fillRef idx="0">
+              <a:schemeClr val="accent1"/>
+            </a:fillRef>
+            <a:effectRef idx="0">
+              <a:schemeClr val="accent1"/>
+            </a:effectRef>
+            <a:fontRef idx="minor">
+              <a:schemeClr val="tx1"/>
+            </a:fontRef>
+          </p:style>
+          <p:txBody>
+            <a:bodyPr rtlCol="0" anchor="ctr"/>
+            <a:lstStyle/>
+            <a:p>
+              <a:pPr algn="ctr"/>
+              <a:endParaRPr lang="ru-RU" sz="1100">
+                <a:latin typeface="Times New Roman" panose="02020603050405020304" pitchFamily="18" charset="0"/>
+                <a:cs typeface="Times New Roman" panose="02020603050405020304" pitchFamily="18" charset="0"/>
+              </a:endParaRPr>
+            </a:p>
+          </p:txBody>
+        </p:sp>
+        <p:cxnSp>
+          <p:nvCxnSpPr>
+            <p:cNvPr id="28" name="Прямая со стрелкой 27"/>
+            <p:cNvCxnSpPr/>
+            <p:nvPr/>
+          </p:nvCxnSpPr>
+          <p:spPr>
+            <a:xfrm>
+              <a:off x="1646074" y="993026"/>
+              <a:ext cx="269081" cy="0"/>
+            </a:xfrm>
+            <a:prstGeom prst="straightConnector1">
+              <a:avLst/>
+            </a:prstGeom>
+            <a:ln w="47625">
+              <a:tailEnd type="stealth" w="lg" len="lg"/>
+            </a:ln>
+          </p:spPr>
+          <p:style>
+            <a:lnRef idx="1">
+              <a:schemeClr val="accent1"/>
+            </a:lnRef>
+            <a:fillRef idx="0">
+              <a:schemeClr val="accent1"/>
+            </a:fillRef>
+            <a:effectRef idx="0">
+              <a:schemeClr val="accent1"/>
+            </a:effectRef>
+            <a:fontRef idx="minor">
+              <a:schemeClr val="tx1"/>
+            </a:fontRef>
+          </p:style>
+        </p:cxnSp>
+        <p:cxnSp>
+          <p:nvCxnSpPr>
+            <p:cNvPr id="29" name="Прямая со стрелкой 28"/>
+            <p:cNvCxnSpPr/>
+            <p:nvPr/>
+          </p:nvCxnSpPr>
+          <p:spPr>
+            <a:xfrm>
+              <a:off x="1669886" y="2717051"/>
+              <a:ext cx="269081" cy="0"/>
+            </a:xfrm>
+            <a:prstGeom prst="straightConnector1">
+              <a:avLst/>
+            </a:prstGeom>
+            <a:ln w="47625">
+              <a:tailEnd type="stealth" w="lg" len="lg"/>
+            </a:ln>
+          </p:spPr>
+          <p:style>
+            <a:lnRef idx="1">
+              <a:schemeClr val="accent1"/>
+            </a:lnRef>
+            <a:fillRef idx="0">
+              <a:schemeClr val="accent1"/>
+            </a:fillRef>
+            <a:effectRef idx="0">
+              <a:schemeClr val="accent1"/>
+            </a:effectRef>
+            <a:fontRef idx="minor">
+              <a:schemeClr val="tx1"/>
+            </a:fontRef>
+          </p:style>
+        </p:cxnSp>
+        <p:sp>
+          <p:nvSpPr>
+            <p:cNvPr id="30" name="TextBox 29"/>
+            <p:cNvSpPr txBox="1"/>
+            <p:nvPr/>
+          </p:nvSpPr>
+          <p:spPr>
+            <a:xfrm>
+              <a:off x="991230" y="814194"/>
+              <a:ext cx="590550" cy="261610"/>
+            </a:xfrm>
+            <a:prstGeom prst="rect">
+              <a:avLst/>
+            </a:prstGeom>
+            <a:noFill/>
+          </p:spPr>
+          <p:txBody>
+            <a:bodyPr wrap="square" rtlCol="0">
+              <a:spAutoFit/>
+            </a:bodyPr>
+            <a:lstStyle/>
+            <a:p>
+              <a:pPr algn="ctr"/>
+              <a:r>
+                <a:rPr lang="ru-RU" sz="1100" dirty="0">
+                  <a:latin typeface="Times New Roman" panose="02020603050405020304" pitchFamily="18" charset="0"/>
+                  <a:cs typeface="Times New Roman" panose="02020603050405020304" pitchFamily="18" charset="0"/>
+                </a:rPr>
+                <a:t>Меню</a:t>
+              </a:r>
+            </a:p>
+          </p:txBody>
+        </p:sp>
+        <p:sp>
+          <p:nvSpPr>
+            <p:cNvPr id="31" name="TextBox 30"/>
+            <p:cNvSpPr txBox="1"/>
+            <p:nvPr/>
+          </p:nvSpPr>
+          <p:spPr>
+            <a:xfrm>
+              <a:off x="76831" y="1829316"/>
+              <a:ext cx="1485900" cy="261610"/>
+            </a:xfrm>
+            <a:prstGeom prst="rect">
+              <a:avLst/>
+            </a:prstGeom>
+            <a:noFill/>
+          </p:spPr>
+          <p:txBody>
+            <a:bodyPr wrap="square" rtlCol="0">
+              <a:spAutoFit/>
+            </a:bodyPr>
+            <a:lstStyle/>
+            <a:p>
+              <a:pPr algn="ctr"/>
+              <a:r>
+                <a:rPr lang="ru-RU" sz="1100" dirty="0">
+                  <a:latin typeface="Times New Roman" panose="02020603050405020304" pitchFamily="18" charset="0"/>
+                  <a:cs typeface="Times New Roman" panose="02020603050405020304" pitchFamily="18" charset="0"/>
+                </a:rPr>
+                <a:t>Слоистая структура</a:t>
+              </a:r>
+            </a:p>
+          </p:txBody>
+        </p:sp>
+        <p:sp>
+          <p:nvSpPr>
+            <p:cNvPr id="32" name="TextBox 31"/>
+            <p:cNvSpPr txBox="1"/>
+            <p:nvPr/>
+          </p:nvSpPr>
+          <p:spPr>
+            <a:xfrm>
+              <a:off x="372105" y="2522858"/>
+              <a:ext cx="1199555" cy="430887"/>
+            </a:xfrm>
+            <a:prstGeom prst="rect">
+              <a:avLst/>
+            </a:prstGeom>
+            <a:noFill/>
+          </p:spPr>
+          <p:txBody>
+            <a:bodyPr wrap="square" rtlCol="0">
+              <a:spAutoFit/>
+            </a:bodyPr>
+            <a:lstStyle/>
+            <a:p>
+              <a:pPr algn="ctr"/>
+              <a:r>
+                <a:rPr lang="ru-RU" sz="1100" dirty="0">
+                  <a:latin typeface="Times New Roman" panose="02020603050405020304" pitchFamily="18" charset="0"/>
+                  <a:cs typeface="Times New Roman" panose="02020603050405020304" pitchFamily="18" charset="0"/>
+                </a:rPr>
+                <a:t>Панель инструментов</a:t>
+              </a:r>
+            </a:p>
+          </p:txBody>
+        </p:sp>
+        <p:sp>
+          <p:nvSpPr>
+            <p:cNvPr id="33" name="TextBox 32"/>
+            <p:cNvSpPr txBox="1"/>
+            <p:nvPr/>
+          </p:nvSpPr>
+          <p:spPr>
+            <a:xfrm>
+              <a:off x="219705" y="3429327"/>
+              <a:ext cx="1269652" cy="430887"/>
+            </a:xfrm>
+            <a:prstGeom prst="rect">
+              <a:avLst/>
+            </a:prstGeom>
+            <a:noFill/>
+          </p:spPr>
+          <p:txBody>
+            <a:bodyPr wrap="square" rtlCol="0">
+              <a:spAutoFit/>
+            </a:bodyPr>
+            <a:lstStyle/>
+            <a:p>
+              <a:pPr algn="ctr"/>
+              <a:r>
+                <a:rPr lang="ru-RU" sz="1100" dirty="0">
+                  <a:latin typeface="Times New Roman" panose="02020603050405020304" pitchFamily="18" charset="0"/>
+                  <a:cs typeface="Times New Roman" panose="02020603050405020304" pitchFamily="18" charset="0"/>
+                </a:rPr>
+                <a:t>Доступ к остальным окнам</a:t>
+              </a:r>
+            </a:p>
+          </p:txBody>
+        </p:sp>
+        <p:sp>
+          <p:nvSpPr>
+            <p:cNvPr id="34" name="TextBox 33"/>
+            <p:cNvSpPr txBox="1"/>
+            <p:nvPr/>
+          </p:nvSpPr>
+          <p:spPr>
+            <a:xfrm>
+              <a:off x="24813" y="5479687"/>
+              <a:ext cx="1595067" cy="430887"/>
+            </a:xfrm>
+            <a:prstGeom prst="rect">
+              <a:avLst/>
+            </a:prstGeom>
+            <a:noFill/>
+          </p:spPr>
+          <p:txBody>
+            <a:bodyPr wrap="square" rtlCol="0">
+              <a:spAutoFit/>
+            </a:bodyPr>
+            <a:lstStyle/>
+            <a:p>
+              <a:pPr algn="ctr"/>
+              <a:r>
+                <a:rPr lang="ru-RU" sz="1100" dirty="0">
+                  <a:latin typeface="Times New Roman" panose="02020603050405020304" pitchFamily="18" charset="0"/>
+                  <a:cs typeface="Times New Roman" panose="02020603050405020304" pitchFamily="18" charset="0"/>
+                </a:rPr>
+                <a:t>Экспериментальные данные</a:t>
+              </a:r>
+            </a:p>
+          </p:txBody>
+        </p:sp>
+        <p:sp>
+          <p:nvSpPr>
+            <p:cNvPr id="35" name="Левая фигурная скобка 34"/>
+            <p:cNvSpPr/>
+            <p:nvPr/>
+          </p:nvSpPr>
+          <p:spPr>
+            <a:xfrm>
+              <a:off x="1620477" y="5031626"/>
+              <a:ext cx="276225" cy="1362074"/>
+            </a:xfrm>
+            <a:prstGeom prst="leftBrace">
+              <a:avLst>
+                <a:gd name="adj1" fmla="val 35919"/>
+                <a:gd name="adj2" fmla="val 50629"/>
+              </a:avLst>
+            </a:prstGeom>
+            <a:ln w="28575">
+              <a:solidFill>
+                <a:srgbClr val="0070C0"/>
+              </a:solidFill>
+            </a:ln>
+          </p:spPr>
+          <p:style>
+            <a:lnRef idx="1">
+              <a:schemeClr val="accent1"/>
+            </a:lnRef>
+            <a:fillRef idx="0">
+              <a:schemeClr val="accent1"/>
+            </a:fillRef>
+            <a:effectRef idx="0">
+              <a:schemeClr val="accent1"/>
+            </a:effectRef>
+            <a:fontRef idx="minor">
+              <a:schemeClr val="tx1"/>
+            </a:fontRef>
+          </p:style>
+          <p:txBody>
+            <a:bodyPr rtlCol="0" anchor="ctr"/>
+            <a:lstStyle/>
+            <a:p>
+              <a:pPr algn="ctr"/>
+              <a:endParaRPr lang="ru-RU" sz="1100">
+                <a:latin typeface="Times New Roman" panose="02020603050405020304" pitchFamily="18" charset="0"/>
+                <a:cs typeface="Times New Roman" panose="02020603050405020304" pitchFamily="18" charset="0"/>
+              </a:endParaRPr>
+            </a:p>
+          </p:txBody>
+        </p:sp>
+        <p:sp>
+          <p:nvSpPr>
+            <p:cNvPr id="36" name="Левая фигурная скобка 35"/>
+            <p:cNvSpPr/>
+            <p:nvPr/>
+          </p:nvSpPr>
+          <p:spPr>
+            <a:xfrm>
+              <a:off x="1618911" y="4279150"/>
+              <a:ext cx="276225" cy="673864"/>
+            </a:xfrm>
+            <a:prstGeom prst="leftBrace">
+              <a:avLst>
+                <a:gd name="adj1" fmla="val 35919"/>
+                <a:gd name="adj2" fmla="val 50629"/>
+              </a:avLst>
+            </a:prstGeom>
+            <a:ln w="28575">
+              <a:solidFill>
+                <a:srgbClr val="0070C0"/>
+              </a:solidFill>
+            </a:ln>
+          </p:spPr>
+          <p:style>
+            <a:lnRef idx="1">
+              <a:schemeClr val="accent1"/>
+            </a:lnRef>
+            <a:fillRef idx="0">
+              <a:schemeClr val="accent1"/>
+            </a:fillRef>
+            <a:effectRef idx="0">
+              <a:schemeClr val="accent1"/>
+            </a:effectRef>
+            <a:fontRef idx="minor">
+              <a:schemeClr val="tx1"/>
+            </a:fontRef>
+          </p:style>
+          <p:txBody>
+            <a:bodyPr rtlCol="0" anchor="ctr"/>
+            <a:lstStyle/>
+            <a:p>
+              <a:pPr algn="ctr"/>
+              <a:endParaRPr lang="ru-RU" sz="1100">
+                <a:latin typeface="Times New Roman" panose="02020603050405020304" pitchFamily="18" charset="0"/>
+                <a:cs typeface="Times New Roman" panose="02020603050405020304" pitchFamily="18" charset="0"/>
+              </a:endParaRPr>
+            </a:p>
+          </p:txBody>
+        </p:sp>
+        <p:sp>
+          <p:nvSpPr>
+            <p:cNvPr id="37" name="TextBox 36"/>
+            <p:cNvSpPr txBox="1"/>
+            <p:nvPr/>
+          </p:nvSpPr>
+          <p:spPr>
+            <a:xfrm>
+              <a:off x="76830" y="4331236"/>
+              <a:ext cx="1385586" cy="600164"/>
+            </a:xfrm>
+            <a:prstGeom prst="rect">
+              <a:avLst/>
+            </a:prstGeom>
+            <a:noFill/>
+          </p:spPr>
+          <p:txBody>
+            <a:bodyPr wrap="square" rtlCol="0">
+              <a:spAutoFit/>
+            </a:bodyPr>
+            <a:lstStyle/>
+            <a:p>
+              <a:pPr algn="ctr"/>
+              <a:r>
+                <a:rPr lang="ru-RU" sz="1100" dirty="0">
+                  <a:latin typeface="Times New Roman" panose="02020603050405020304" pitchFamily="18" charset="0"/>
+                  <a:cs typeface="Times New Roman" panose="02020603050405020304" pitchFamily="18" charset="0"/>
+                </a:rPr>
+                <a:t>Кривые без экспериментальных данных</a:t>
+              </a:r>
+            </a:p>
+          </p:txBody>
+        </p:sp>
+        <p:cxnSp>
+          <p:nvCxnSpPr>
+            <p:cNvPr id="38" name="Прямая со стрелкой 37"/>
+            <p:cNvCxnSpPr/>
+            <p:nvPr/>
+          </p:nvCxnSpPr>
+          <p:spPr>
+            <a:xfrm>
+              <a:off x="1655972" y="1253807"/>
+              <a:ext cx="269081" cy="0"/>
+            </a:xfrm>
+            <a:prstGeom prst="straightConnector1">
+              <a:avLst/>
+            </a:prstGeom>
+            <a:ln w="47625">
+              <a:tailEnd type="stealth" w="lg" len="lg"/>
+            </a:ln>
+          </p:spPr>
+          <p:style>
+            <a:lnRef idx="1">
+              <a:schemeClr val="accent1"/>
+            </a:lnRef>
+            <a:fillRef idx="0">
+              <a:schemeClr val="accent1"/>
+            </a:fillRef>
+            <a:effectRef idx="0">
+              <a:schemeClr val="accent1"/>
+            </a:effectRef>
+            <a:fontRef idx="minor">
+              <a:schemeClr val="tx1"/>
+            </a:fontRef>
+          </p:style>
+        </p:cxnSp>
+        <p:sp>
+          <p:nvSpPr>
+            <p:cNvPr id="39" name="TextBox 38"/>
+            <p:cNvSpPr txBox="1"/>
+            <p:nvPr/>
+          </p:nvSpPr>
+          <p:spPr>
+            <a:xfrm>
+              <a:off x="219705" y="1087827"/>
+              <a:ext cx="1426368" cy="430887"/>
+            </a:xfrm>
+            <a:prstGeom prst="rect">
+              <a:avLst/>
+            </a:prstGeom>
+            <a:noFill/>
+          </p:spPr>
+          <p:txBody>
+            <a:bodyPr wrap="square" rtlCol="0">
+              <a:spAutoFit/>
+            </a:bodyPr>
+            <a:lstStyle/>
+            <a:p>
+              <a:pPr algn="ctr"/>
+              <a:r>
+                <a:rPr lang="ru-RU" sz="1100" dirty="0">
+                  <a:latin typeface="Times New Roman" panose="02020603050405020304" pitchFamily="18" charset="0"/>
+                  <a:cs typeface="Times New Roman" panose="02020603050405020304" pitchFamily="18" charset="0"/>
+                </a:rPr>
+                <a:t>Вкладки со структурами</a:t>
+              </a:r>
+            </a:p>
+          </p:txBody>
+        </p:sp>
+        <p:pic>
+          <p:nvPicPr>
+            <p:cNvPr id="4" name="Picture 3">
+              <a:extLst>
+                <a:ext uri="{FF2B5EF4-FFF2-40B4-BE49-F238E27FC236}">
+                  <a16:creationId xmlns:a16="http://schemas.microsoft.com/office/drawing/2014/main" id="{8E344795-A679-D9AB-49CC-BEB98FE7C03A}"/>
+                </a:ext>
+              </a:extLst>
+            </p:cNvPr>
+            <p:cNvPicPr>
+              <a:picLocks noChangeAspect="1"/>
+            </p:cNvPicPr>
+            <p:nvPr/>
+          </p:nvPicPr>
+          <p:blipFill>
+            <a:blip r:embed="rId2"/>
+            <a:stretch>
+              <a:fillRect/>
+            </a:stretch>
+          </p:blipFill>
+          <p:spPr>
+            <a:xfrm>
+              <a:off x="2034686" y="575164"/>
+              <a:ext cx="2876550" cy="5848350"/>
+            </a:xfrm>
+            <a:prstGeom prst="rect">
+              <a:avLst/>
+            </a:prstGeom>
+          </p:spPr>
+        </p:pic>
+      </p:grpSp>
+      <p:grpSp>
+        <p:nvGrpSpPr>
+          <p:cNvPr id="6" name="Group 5">
+            <a:extLst>
+              <a:ext uri="{FF2B5EF4-FFF2-40B4-BE49-F238E27FC236}">
+                <a16:creationId xmlns:a16="http://schemas.microsoft.com/office/drawing/2014/main" id="{B40771BB-91BD-A6EC-7C06-DD223AC8F08C}"/>
+              </a:ext>
+            </a:extLst>
+          </p:cNvPr>
+          <p:cNvGrpSpPr/>
+          <p:nvPr/>
+        </p:nvGrpSpPr>
+        <p:grpSpPr>
+          <a:xfrm>
+            <a:off x="5533577" y="578095"/>
+            <a:ext cx="4664767" cy="5848350"/>
+            <a:chOff x="5533577" y="578095"/>
+            <a:chExt cx="4664767" cy="5848350"/>
+          </a:xfrm>
+        </p:grpSpPr>
+        <p:sp>
+          <p:nvSpPr>
+            <p:cNvPr id="9" name="Левая фигурная скобка 8"/>
+            <p:cNvSpPr/>
+            <p:nvPr/>
+          </p:nvSpPr>
+          <p:spPr>
+            <a:xfrm>
+              <a:off x="6916638" y="1422690"/>
+              <a:ext cx="276225" cy="1122910"/>
+            </a:xfrm>
+            <a:prstGeom prst="leftBrace">
+              <a:avLst>
+                <a:gd name="adj1" fmla="val 35919"/>
+                <a:gd name="adj2" fmla="val 50629"/>
+              </a:avLst>
+            </a:prstGeom>
+            <a:ln w="28575">
+              <a:solidFill>
+                <a:srgbClr val="0070C0"/>
+              </a:solidFill>
+            </a:ln>
+          </p:spPr>
+          <p:style>
+            <a:lnRef idx="1">
+              <a:schemeClr val="accent1"/>
+            </a:lnRef>
+            <a:fillRef idx="0">
+              <a:schemeClr val="accent1"/>
+            </a:fillRef>
+            <a:effectRef idx="0">
+              <a:schemeClr val="accent1"/>
+            </a:effectRef>
+            <a:fontRef idx="minor">
+              <a:schemeClr val="tx1"/>
+            </a:fontRef>
+          </p:style>
+          <p:txBody>
+            <a:bodyPr rtlCol="0" anchor="ctr"/>
+            <a:lstStyle/>
+            <a:p>
+              <a:pPr algn="ctr"/>
+              <a:endParaRPr lang="ru-RU" sz="1100">
+                <a:latin typeface="Times New Roman" panose="02020603050405020304" pitchFamily="18" charset="0"/>
+                <a:cs typeface="Times New Roman" panose="02020603050405020304" pitchFamily="18" charset="0"/>
+              </a:endParaRPr>
+            </a:p>
+          </p:txBody>
+        </p:sp>
+        <p:sp>
+          <p:nvSpPr>
+            <p:cNvPr id="10" name="Левая фигурная скобка 9"/>
+            <p:cNvSpPr/>
+            <p:nvPr/>
+          </p:nvSpPr>
+          <p:spPr>
+            <a:xfrm>
+              <a:off x="6916638" y="2907550"/>
+              <a:ext cx="276225" cy="1305163"/>
+            </a:xfrm>
+            <a:prstGeom prst="leftBrace">
+              <a:avLst>
+                <a:gd name="adj1" fmla="val 35919"/>
+                <a:gd name="adj2" fmla="val 50629"/>
+              </a:avLst>
+            </a:prstGeom>
+            <a:ln w="28575">
+              <a:solidFill>
+                <a:srgbClr val="0070C0"/>
+              </a:solidFill>
+            </a:ln>
+          </p:spPr>
+          <p:style>
+            <a:lnRef idx="1">
+              <a:schemeClr val="accent1"/>
+            </a:lnRef>
+            <a:fillRef idx="0">
+              <a:schemeClr val="accent1"/>
+            </a:fillRef>
+            <a:effectRef idx="0">
+              <a:schemeClr val="accent1"/>
+            </a:effectRef>
+            <a:fontRef idx="minor">
+              <a:schemeClr val="tx1"/>
+            </a:fontRef>
+          </p:style>
+          <p:txBody>
+            <a:bodyPr rtlCol="0" anchor="ctr"/>
+            <a:lstStyle/>
+            <a:p>
+              <a:pPr algn="ctr"/>
+              <a:endParaRPr lang="ru-RU" sz="1100">
+                <a:latin typeface="Times New Roman" panose="02020603050405020304" pitchFamily="18" charset="0"/>
+                <a:cs typeface="Times New Roman" panose="02020603050405020304" pitchFamily="18" charset="0"/>
+              </a:endParaRPr>
+            </a:p>
+          </p:txBody>
+        </p:sp>
+        <p:cxnSp>
+          <p:nvCxnSpPr>
+            <p:cNvPr id="11" name="Прямая со стрелкой 10"/>
+            <p:cNvCxnSpPr/>
+            <p:nvPr/>
+          </p:nvCxnSpPr>
+          <p:spPr>
+            <a:xfrm>
+              <a:off x="6942832" y="993025"/>
+              <a:ext cx="269081" cy="0"/>
+            </a:xfrm>
+            <a:prstGeom prst="straightConnector1">
+              <a:avLst/>
+            </a:prstGeom>
+            <a:ln w="47625">
+              <a:tailEnd type="stealth" w="lg" len="lg"/>
+            </a:ln>
+          </p:spPr>
+          <p:style>
+            <a:lnRef idx="1">
+              <a:schemeClr val="accent1"/>
+            </a:lnRef>
+            <a:fillRef idx="0">
+              <a:schemeClr val="accent1"/>
+            </a:fillRef>
+            <a:effectRef idx="0">
+              <a:schemeClr val="accent1"/>
+            </a:effectRef>
+            <a:fontRef idx="minor">
+              <a:schemeClr val="tx1"/>
+            </a:fontRef>
+          </p:style>
+        </p:cxnSp>
+        <p:cxnSp>
+          <p:nvCxnSpPr>
+            <p:cNvPr id="12" name="Прямая со стрелкой 11"/>
+            <p:cNvCxnSpPr/>
+            <p:nvPr/>
+          </p:nvCxnSpPr>
+          <p:spPr>
+            <a:xfrm>
+              <a:off x="6966644" y="2717050"/>
+              <a:ext cx="269081" cy="0"/>
+            </a:xfrm>
+            <a:prstGeom prst="straightConnector1">
+              <a:avLst/>
+            </a:prstGeom>
+            <a:ln w="47625">
+              <a:tailEnd type="stealth" w="lg" len="lg"/>
+            </a:ln>
+          </p:spPr>
+          <p:style>
+            <a:lnRef idx="1">
+              <a:schemeClr val="accent1"/>
+            </a:lnRef>
+            <a:fillRef idx="0">
+              <a:schemeClr val="accent1"/>
+            </a:fillRef>
+            <a:effectRef idx="0">
+              <a:schemeClr val="accent1"/>
+            </a:effectRef>
+            <a:fontRef idx="minor">
+              <a:schemeClr val="tx1"/>
+            </a:fontRef>
+          </p:style>
+        </p:cxnSp>
+        <p:sp>
+          <p:nvSpPr>
+            <p:cNvPr id="14" name="TextBox 13"/>
+            <p:cNvSpPr txBox="1"/>
+            <p:nvPr/>
+          </p:nvSpPr>
+          <p:spPr>
+            <a:xfrm>
+              <a:off x="6062960" y="804668"/>
+              <a:ext cx="796528" cy="261610"/>
+            </a:xfrm>
+            <a:prstGeom prst="rect">
+              <a:avLst/>
+            </a:prstGeom>
+            <a:noFill/>
+          </p:spPr>
+          <p:txBody>
+            <a:bodyPr wrap="square" rtlCol="0">
+              <a:spAutoFit/>
+            </a:bodyPr>
+            <a:lstStyle/>
+            <a:p>
+              <a:pPr algn="ctr"/>
+              <a:r>
+                <a:rPr lang="en-US" sz="1100" dirty="0">
+                  <a:latin typeface="Times New Roman" panose="02020603050405020304" pitchFamily="18" charset="0"/>
+                  <a:cs typeface="Times New Roman" panose="02020603050405020304" pitchFamily="18" charset="0"/>
+                </a:rPr>
+                <a:t>Menu</a:t>
+              </a:r>
+              <a:endParaRPr lang="ru-RU" sz="1100" dirty="0">
+                <a:latin typeface="Times New Roman" panose="02020603050405020304" pitchFamily="18" charset="0"/>
+                <a:cs typeface="Times New Roman" panose="02020603050405020304" pitchFamily="18" charset="0"/>
+              </a:endParaRPr>
+            </a:p>
+          </p:txBody>
+        </p:sp>
+        <p:sp>
+          <p:nvSpPr>
+            <p:cNvPr id="15" name="TextBox 14"/>
+            <p:cNvSpPr txBox="1"/>
+            <p:nvPr/>
+          </p:nvSpPr>
+          <p:spPr>
+            <a:xfrm>
+              <a:off x="5649813" y="1829315"/>
+              <a:ext cx="1209675" cy="261610"/>
+            </a:xfrm>
+            <a:prstGeom prst="rect">
+              <a:avLst/>
+            </a:prstGeom>
+            <a:noFill/>
+          </p:spPr>
+          <p:txBody>
+            <a:bodyPr wrap="square" rtlCol="0">
+              <a:spAutoFit/>
+            </a:bodyPr>
+            <a:lstStyle/>
+            <a:p>
+              <a:pPr algn="ctr"/>
+              <a:r>
+                <a:rPr lang="en-US" sz="1100" dirty="0">
+                  <a:latin typeface="Times New Roman" panose="02020603050405020304" pitchFamily="18" charset="0"/>
+                  <a:cs typeface="Times New Roman" panose="02020603050405020304" pitchFamily="18" charset="0"/>
+                </a:rPr>
+                <a:t>Layered structure</a:t>
+              </a:r>
+              <a:endParaRPr lang="ru-RU" sz="1100" dirty="0">
+                <a:latin typeface="Times New Roman" panose="02020603050405020304" pitchFamily="18" charset="0"/>
+                <a:cs typeface="Times New Roman" panose="02020603050405020304" pitchFamily="18" charset="0"/>
+              </a:endParaRPr>
+            </a:p>
+          </p:txBody>
+        </p:sp>
+        <p:sp>
+          <p:nvSpPr>
+            <p:cNvPr id="16" name="TextBox 15"/>
+            <p:cNvSpPr txBox="1"/>
+            <p:nvPr/>
+          </p:nvSpPr>
+          <p:spPr>
+            <a:xfrm>
+              <a:off x="5757565" y="2580007"/>
+              <a:ext cx="1110853" cy="261610"/>
+            </a:xfrm>
+            <a:prstGeom prst="rect">
+              <a:avLst/>
+            </a:prstGeom>
+            <a:noFill/>
+          </p:spPr>
+          <p:txBody>
+            <a:bodyPr wrap="square" rtlCol="0">
+              <a:spAutoFit/>
+            </a:bodyPr>
+            <a:lstStyle/>
+            <a:p>
+              <a:pPr algn="ctr"/>
+              <a:r>
+                <a:rPr lang="en-US" sz="1100" dirty="0">
+                  <a:latin typeface="Times New Roman" panose="02020603050405020304" pitchFamily="18" charset="0"/>
+                  <a:cs typeface="Times New Roman" panose="02020603050405020304" pitchFamily="18" charset="0"/>
+                </a:rPr>
+                <a:t>Toolbar</a:t>
+              </a:r>
+              <a:endParaRPr lang="ru-RU" sz="1100" dirty="0">
+                <a:latin typeface="Times New Roman" panose="02020603050405020304" pitchFamily="18" charset="0"/>
+                <a:cs typeface="Times New Roman" panose="02020603050405020304" pitchFamily="18" charset="0"/>
+              </a:endParaRPr>
+            </a:p>
+          </p:txBody>
+        </p:sp>
+        <p:sp>
+          <p:nvSpPr>
+            <p:cNvPr id="17" name="TextBox 16"/>
+            <p:cNvSpPr txBox="1"/>
+            <p:nvPr/>
+          </p:nvSpPr>
+          <p:spPr>
+            <a:xfrm>
+              <a:off x="5649813" y="3396060"/>
+              <a:ext cx="1136302" cy="430887"/>
+            </a:xfrm>
+            <a:prstGeom prst="rect">
+              <a:avLst/>
+            </a:prstGeom>
+            <a:noFill/>
+          </p:spPr>
+          <p:txBody>
+            <a:bodyPr wrap="square" rtlCol="0">
+              <a:spAutoFit/>
+            </a:bodyPr>
+            <a:lstStyle/>
+            <a:p>
+              <a:pPr algn="ctr"/>
+              <a:r>
+                <a:rPr lang="en-US" sz="1100" dirty="0">
+                  <a:latin typeface="Times New Roman" panose="02020603050405020304" pitchFamily="18" charset="0"/>
+                  <a:cs typeface="Times New Roman" panose="02020603050405020304" pitchFamily="18" charset="0"/>
+                </a:rPr>
+                <a:t>Access to other windows</a:t>
+              </a:r>
+              <a:endParaRPr lang="ru-RU" sz="1100" dirty="0">
+                <a:latin typeface="Times New Roman" panose="02020603050405020304" pitchFamily="18" charset="0"/>
+                <a:cs typeface="Times New Roman" panose="02020603050405020304" pitchFamily="18" charset="0"/>
+              </a:endParaRPr>
+            </a:p>
+          </p:txBody>
+        </p:sp>
+        <p:sp>
+          <p:nvSpPr>
+            <p:cNvPr id="18" name="TextBox 17"/>
+            <p:cNvSpPr txBox="1"/>
+            <p:nvPr/>
+          </p:nvSpPr>
+          <p:spPr>
+            <a:xfrm>
+              <a:off x="5585704" y="5471011"/>
+              <a:ext cx="1318841" cy="430887"/>
+            </a:xfrm>
+            <a:prstGeom prst="rect">
+              <a:avLst/>
+            </a:prstGeom>
+            <a:noFill/>
+          </p:spPr>
+          <p:txBody>
+            <a:bodyPr wrap="square" rtlCol="0">
+              <a:spAutoFit/>
+            </a:bodyPr>
+            <a:lstStyle/>
+            <a:p>
+              <a:pPr algn="ctr"/>
+              <a:r>
+                <a:rPr lang="en-US" sz="1100" dirty="0">
+                  <a:latin typeface="Times New Roman" panose="02020603050405020304" pitchFamily="18" charset="0"/>
+                  <a:cs typeface="Times New Roman" panose="02020603050405020304" pitchFamily="18" charset="0"/>
+                </a:rPr>
+                <a:t>Measured and target curves</a:t>
+              </a:r>
+              <a:endParaRPr lang="ru-RU" sz="1100" dirty="0">
+                <a:latin typeface="Times New Roman" panose="02020603050405020304" pitchFamily="18" charset="0"/>
+                <a:cs typeface="Times New Roman" panose="02020603050405020304" pitchFamily="18" charset="0"/>
+              </a:endParaRPr>
+            </a:p>
+          </p:txBody>
+        </p:sp>
+        <p:sp>
+          <p:nvSpPr>
+            <p:cNvPr id="19" name="Левая фигурная скобка 18"/>
+            <p:cNvSpPr/>
+            <p:nvPr/>
+          </p:nvSpPr>
+          <p:spPr>
+            <a:xfrm>
+              <a:off x="6917235" y="5031625"/>
+              <a:ext cx="276225" cy="1362074"/>
+            </a:xfrm>
+            <a:prstGeom prst="leftBrace">
+              <a:avLst>
+                <a:gd name="adj1" fmla="val 35919"/>
+                <a:gd name="adj2" fmla="val 50629"/>
+              </a:avLst>
+            </a:prstGeom>
+            <a:ln w="28575">
+              <a:solidFill>
+                <a:srgbClr val="0070C0"/>
+              </a:solidFill>
+            </a:ln>
+          </p:spPr>
+          <p:style>
+            <a:lnRef idx="1">
+              <a:schemeClr val="accent1"/>
+            </a:lnRef>
+            <a:fillRef idx="0">
+              <a:schemeClr val="accent1"/>
+            </a:fillRef>
+            <a:effectRef idx="0">
+              <a:schemeClr val="accent1"/>
+            </a:effectRef>
+            <a:fontRef idx="minor">
+              <a:schemeClr val="tx1"/>
+            </a:fontRef>
+          </p:style>
+          <p:txBody>
+            <a:bodyPr rtlCol="0" anchor="ctr"/>
+            <a:lstStyle/>
+            <a:p>
+              <a:pPr algn="ctr"/>
+              <a:endParaRPr lang="ru-RU" sz="1100">
+                <a:latin typeface="Times New Roman" panose="02020603050405020304" pitchFamily="18" charset="0"/>
+                <a:cs typeface="Times New Roman" panose="02020603050405020304" pitchFamily="18" charset="0"/>
+              </a:endParaRPr>
+            </a:p>
+          </p:txBody>
+        </p:sp>
+        <p:sp>
+          <p:nvSpPr>
+            <p:cNvPr id="20" name="Левая фигурная скобка 19"/>
+            <p:cNvSpPr/>
+            <p:nvPr/>
+          </p:nvSpPr>
+          <p:spPr>
+            <a:xfrm>
+              <a:off x="6915669" y="4279149"/>
+              <a:ext cx="276225" cy="673864"/>
+            </a:xfrm>
+            <a:prstGeom prst="leftBrace">
+              <a:avLst>
+                <a:gd name="adj1" fmla="val 35919"/>
+                <a:gd name="adj2" fmla="val 50629"/>
+              </a:avLst>
+            </a:prstGeom>
+            <a:ln w="28575">
+              <a:solidFill>
+                <a:srgbClr val="0070C0"/>
+              </a:solidFill>
+            </a:ln>
+          </p:spPr>
+          <p:style>
+            <a:lnRef idx="1">
+              <a:schemeClr val="accent1"/>
+            </a:lnRef>
+            <a:fillRef idx="0">
+              <a:schemeClr val="accent1"/>
+            </a:fillRef>
+            <a:effectRef idx="0">
+              <a:schemeClr val="accent1"/>
+            </a:effectRef>
+            <a:fontRef idx="minor">
+              <a:schemeClr val="tx1"/>
+            </a:fontRef>
+          </p:style>
+          <p:txBody>
+            <a:bodyPr rtlCol="0" anchor="ctr"/>
+            <a:lstStyle/>
+            <a:p>
+              <a:pPr algn="ctr"/>
+              <a:endParaRPr lang="ru-RU" sz="1100">
+                <a:latin typeface="Times New Roman" panose="02020603050405020304" pitchFamily="18" charset="0"/>
+                <a:cs typeface="Times New Roman" panose="02020603050405020304" pitchFamily="18" charset="0"/>
+              </a:endParaRPr>
+            </a:p>
+          </p:txBody>
+        </p:sp>
+        <p:sp>
+          <p:nvSpPr>
+            <p:cNvPr id="21" name="TextBox 20"/>
+            <p:cNvSpPr txBox="1"/>
+            <p:nvPr/>
+          </p:nvSpPr>
+          <p:spPr>
+            <a:xfrm>
+              <a:off x="5533577" y="4400637"/>
+              <a:ext cx="1368773" cy="430887"/>
+            </a:xfrm>
+            <a:prstGeom prst="rect">
+              <a:avLst/>
+            </a:prstGeom>
+            <a:noFill/>
+          </p:spPr>
+          <p:txBody>
+            <a:bodyPr wrap="square" rtlCol="0">
+              <a:spAutoFit/>
+            </a:bodyPr>
+            <a:lstStyle/>
+            <a:p>
+              <a:pPr algn="ctr"/>
+              <a:r>
+                <a:rPr lang="en-US" sz="1100" dirty="0">
+                  <a:latin typeface="Times New Roman" panose="02020603050405020304" pitchFamily="18" charset="0"/>
+                  <a:cs typeface="Times New Roman" panose="02020603050405020304" pitchFamily="18" charset="0"/>
+                </a:rPr>
+                <a:t>Curves without measured data</a:t>
+              </a:r>
+              <a:endParaRPr lang="ru-RU" sz="1100" dirty="0">
+                <a:latin typeface="Times New Roman" panose="02020603050405020304" pitchFamily="18" charset="0"/>
+                <a:cs typeface="Times New Roman" panose="02020603050405020304" pitchFamily="18" charset="0"/>
+              </a:endParaRPr>
+            </a:p>
+          </p:txBody>
+        </p:sp>
+        <p:cxnSp>
+          <p:nvCxnSpPr>
+            <p:cNvPr id="22" name="Прямая со стрелкой 21"/>
+            <p:cNvCxnSpPr/>
+            <p:nvPr/>
+          </p:nvCxnSpPr>
+          <p:spPr>
+            <a:xfrm>
+              <a:off x="6952730" y="1253806"/>
+              <a:ext cx="269081" cy="0"/>
+            </a:xfrm>
+            <a:prstGeom prst="straightConnector1">
+              <a:avLst/>
+            </a:prstGeom>
+            <a:ln w="47625">
+              <a:tailEnd type="stealth" w="lg" len="lg"/>
+            </a:ln>
+          </p:spPr>
+          <p:style>
+            <a:lnRef idx="1">
+              <a:schemeClr val="accent1"/>
+            </a:lnRef>
+            <a:fillRef idx="0">
+              <a:schemeClr val="accent1"/>
+            </a:fillRef>
+            <a:effectRef idx="0">
+              <a:schemeClr val="accent1"/>
+            </a:effectRef>
+            <a:fontRef idx="minor">
+              <a:schemeClr val="tx1"/>
+            </a:fontRef>
+          </p:style>
+        </p:cxnSp>
+        <p:sp>
+          <p:nvSpPr>
+            <p:cNvPr id="23" name="TextBox 22"/>
+            <p:cNvSpPr txBox="1"/>
+            <p:nvPr/>
+          </p:nvSpPr>
+          <p:spPr>
+            <a:xfrm>
+              <a:off x="5560645" y="1135452"/>
+              <a:ext cx="1388009" cy="261610"/>
+            </a:xfrm>
+            <a:prstGeom prst="rect">
+              <a:avLst/>
+            </a:prstGeom>
+            <a:noFill/>
+          </p:spPr>
+          <p:txBody>
+            <a:bodyPr wrap="square" rtlCol="0">
+              <a:spAutoFit/>
+            </a:bodyPr>
+            <a:lstStyle/>
+            <a:p>
+              <a:pPr algn="ctr"/>
+              <a:r>
+                <a:rPr lang="en-US" sz="1100" dirty="0">
+                  <a:latin typeface="Times New Roman" panose="02020603050405020304" pitchFamily="18" charset="0"/>
+                  <a:cs typeface="Times New Roman" panose="02020603050405020304" pitchFamily="18" charset="0"/>
+                </a:rPr>
+                <a:t>Tabs with structures</a:t>
+              </a:r>
+              <a:endParaRPr lang="ru-RU" sz="1100" dirty="0">
+                <a:latin typeface="Times New Roman" panose="02020603050405020304" pitchFamily="18" charset="0"/>
+                <a:cs typeface="Times New Roman" panose="02020603050405020304" pitchFamily="18" charset="0"/>
+              </a:endParaRPr>
+            </a:p>
+          </p:txBody>
+        </p:sp>
+        <p:pic>
+          <p:nvPicPr>
+            <p:cNvPr id="5" name="Picture 4">
+              <a:extLst>
+                <a:ext uri="{FF2B5EF4-FFF2-40B4-BE49-F238E27FC236}">
+                  <a16:creationId xmlns:a16="http://schemas.microsoft.com/office/drawing/2014/main" id="{145E3F67-D1C4-C4FE-1E9F-62BC7A80C490}"/>
+                </a:ext>
+              </a:extLst>
+            </p:cNvPr>
+            <p:cNvPicPr>
+              <a:picLocks noChangeAspect="1"/>
+            </p:cNvPicPr>
+            <p:nvPr/>
+          </p:nvPicPr>
+          <p:blipFill>
+            <a:blip r:embed="rId2"/>
+            <a:stretch>
+              <a:fillRect/>
+            </a:stretch>
+          </p:blipFill>
+          <p:spPr>
+            <a:xfrm>
+              <a:off x="7321794" y="578095"/>
+              <a:ext cx="2876550" cy="5848350"/>
+            </a:xfrm>
+            <a:prstGeom prst="rect">
+              <a:avLst/>
+            </a:prstGeom>
+          </p:spPr>
+        </p:pic>
+      </p:grpSp>
+    </p:spTree>
+    <p:extLst>
+      <p:ext uri="{BB962C8B-B14F-4D97-AF65-F5344CB8AC3E}">
+        <p14:creationId xmlns:p14="http://schemas.microsoft.com/office/powerpoint/2010/main" val="2879871523"/>
+      </p:ext>
+    </p:extLst>
+  </p:cSld>
+  <p:clrMapOvr>
+    <a:masterClrMapping/>
+  </p:clrMapOvr>
+</p:sld>
+</file>
+
+<file path=ppt/slides/slide20.xml><?xml version="1.0" encoding="utf-8"?>
 <p:sld xmlns:a="http://schemas.openxmlformats.org/drawingml/2006/main" xmlns:r="http://schemas.openxmlformats.org/officeDocument/2006/relationships" xmlns:p="http://schemas.openxmlformats.org/presentationml/2006/main">
   <p:cSld>
     <p:spTree>
@@ -9909,697 +10390,7 @@
 </p:sld>
 </file>
 
-<file path=ppt/slides/slide2.xml><?xml version="1.0" encoding="utf-8"?>
-<p:sld xmlns:a="http://schemas.openxmlformats.org/drawingml/2006/main" xmlns:r="http://schemas.openxmlformats.org/officeDocument/2006/relationships" xmlns:p="http://schemas.openxmlformats.org/presentationml/2006/main">
-  <p:cSld>
-    <p:spTree>
-      <p:nvGrpSpPr>
-        <p:cNvPr id="1" name=""/>
-        <p:cNvGrpSpPr/>
-        <p:nvPr/>
-      </p:nvGrpSpPr>
-      <p:grpSpPr>
-        <a:xfrm>
-          <a:off x="0" y="0"/>
-          <a:ext cx="0" cy="0"/>
-          <a:chOff x="0" y="0"/>
-          <a:chExt cx="0" cy="0"/>
-        </a:xfrm>
-      </p:grpSpPr>
-      <p:grpSp>
-        <p:nvGrpSpPr>
-          <p:cNvPr id="54" name="Group 53">
-            <a:extLst>
-              <a:ext uri="{FF2B5EF4-FFF2-40B4-BE49-F238E27FC236}">
-                <a16:creationId xmlns:a16="http://schemas.microsoft.com/office/drawing/2014/main" id="{5BF7E28E-C601-E8CC-B138-F60236C980DC}"/>
-              </a:ext>
-            </a:extLst>
-          </p:cNvPr>
-          <p:cNvGrpSpPr/>
-          <p:nvPr/>
-        </p:nvGrpSpPr>
-        <p:grpSpPr>
-          <a:xfrm>
-            <a:off x="666750" y="355132"/>
-            <a:ext cx="6838950" cy="5861518"/>
-            <a:chOff x="2076450" y="136057"/>
-            <a:chExt cx="6838950" cy="5861518"/>
-          </a:xfrm>
-        </p:grpSpPr>
-        <p:sp>
-          <p:nvSpPr>
-            <p:cNvPr id="52" name="TextBox 51">
-              <a:extLst>
-                <a:ext uri="{FF2B5EF4-FFF2-40B4-BE49-F238E27FC236}">
-                  <a16:creationId xmlns:a16="http://schemas.microsoft.com/office/drawing/2014/main" id="{1DA3756F-BF91-770E-6400-9B56418B5B6E}"/>
-                </a:ext>
-              </a:extLst>
-            </p:cNvPr>
-            <p:cNvSpPr txBox="1"/>
-            <p:nvPr/>
-          </p:nvSpPr>
-          <p:spPr>
-            <a:xfrm>
-              <a:off x="2309442" y="2078427"/>
-              <a:ext cx="1426368" cy="430887"/>
-            </a:xfrm>
-            <a:prstGeom prst="rect">
-              <a:avLst/>
-            </a:prstGeom>
-            <a:noFill/>
-          </p:spPr>
-          <p:txBody>
-            <a:bodyPr wrap="square" rtlCol="0">
-              <a:spAutoFit/>
-            </a:bodyPr>
-            <a:lstStyle/>
-            <a:p>
-              <a:pPr algn="ctr"/>
-              <a:r>
-                <a:rPr lang="ru-RU" sz="1100" dirty="0">
-                  <a:latin typeface="Times New Roman" panose="02020603050405020304" pitchFamily="18" charset="0"/>
-                  <a:cs typeface="Times New Roman" panose="02020603050405020304" pitchFamily="18" charset="0"/>
-                </a:rPr>
-                <a:t>Вкладки со структурами</a:t>
-              </a:r>
-            </a:p>
-          </p:txBody>
-        </p:sp>
-        <p:pic>
-          <p:nvPicPr>
-            <p:cNvPr id="13" name="Picture 12">
-              <a:extLst>
-                <a:ext uri="{FF2B5EF4-FFF2-40B4-BE49-F238E27FC236}">
-                  <a16:creationId xmlns:a16="http://schemas.microsoft.com/office/drawing/2014/main" id="{7293C1A7-831F-3391-D34D-3D5D925583BF}"/>
-                </a:ext>
-              </a:extLst>
-            </p:cNvPr>
-            <p:cNvPicPr>
-              <a:picLocks noChangeAspect="1"/>
-            </p:cNvPicPr>
-            <p:nvPr/>
-          </p:nvPicPr>
-          <p:blipFill rotWithShape="1">
-            <a:blip r:embed="rId2"/>
-            <a:srcRect t="3007" r="3954" b="10074"/>
-            <a:stretch/>
-          </p:blipFill>
-          <p:spPr>
-            <a:xfrm>
-              <a:off x="3362325" y="136057"/>
-              <a:ext cx="5553075" cy="5861518"/>
-            </a:xfrm>
-            <a:prstGeom prst="rect">
-              <a:avLst/>
-            </a:prstGeom>
-          </p:spPr>
-        </p:pic>
-        <p:sp>
-          <p:nvSpPr>
-            <p:cNvPr id="25" name="Левая фигурная скобка 25">
-              <a:extLst>
-                <a:ext uri="{FF2B5EF4-FFF2-40B4-BE49-F238E27FC236}">
-                  <a16:creationId xmlns:a16="http://schemas.microsoft.com/office/drawing/2014/main" id="{B6614261-C60C-D958-8B3D-06F2DAFC5E84}"/>
-                </a:ext>
-              </a:extLst>
-            </p:cNvPr>
-            <p:cNvSpPr/>
-            <p:nvPr/>
-          </p:nvSpPr>
-          <p:spPr>
-            <a:xfrm>
-              <a:off x="3509592" y="2381250"/>
-              <a:ext cx="276225" cy="612026"/>
-            </a:xfrm>
-            <a:prstGeom prst="leftBrace">
-              <a:avLst>
-                <a:gd name="adj1" fmla="val 35919"/>
-                <a:gd name="adj2" fmla="val 50629"/>
-              </a:avLst>
-            </a:prstGeom>
-            <a:ln w="28575">
-              <a:solidFill>
-                <a:srgbClr val="0070C0"/>
-              </a:solidFill>
-            </a:ln>
-          </p:spPr>
-          <p:style>
-            <a:lnRef idx="1">
-              <a:schemeClr val="accent1"/>
-            </a:lnRef>
-            <a:fillRef idx="0">
-              <a:schemeClr val="accent1"/>
-            </a:fillRef>
-            <a:effectRef idx="0">
-              <a:schemeClr val="accent1"/>
-            </a:effectRef>
-            <a:fontRef idx="minor">
-              <a:schemeClr val="tx1"/>
-            </a:fontRef>
-          </p:style>
-          <p:txBody>
-            <a:bodyPr rtlCol="0" anchor="ctr"/>
-            <a:lstStyle/>
-            <a:p>
-              <a:pPr algn="ctr"/>
-              <a:endParaRPr lang="ru-RU" sz="1100">
-                <a:latin typeface="Times New Roman" panose="02020603050405020304" pitchFamily="18" charset="0"/>
-                <a:cs typeface="Times New Roman" panose="02020603050405020304" pitchFamily="18" charset="0"/>
-              </a:endParaRPr>
-            </a:p>
-          </p:txBody>
-        </p:sp>
-        <p:sp>
-          <p:nvSpPr>
-            <p:cNvPr id="40" name="Левая фигурная скобка 26">
-              <a:extLst>
-                <a:ext uri="{FF2B5EF4-FFF2-40B4-BE49-F238E27FC236}">
-                  <a16:creationId xmlns:a16="http://schemas.microsoft.com/office/drawing/2014/main" id="{76E6CBEF-42AC-A8B9-72D9-FDDEA1B7FFA3}"/>
-                </a:ext>
-              </a:extLst>
-            </p:cNvPr>
-            <p:cNvSpPr/>
-            <p:nvPr/>
-          </p:nvSpPr>
-          <p:spPr>
-            <a:xfrm>
-              <a:off x="3528642" y="3383802"/>
-              <a:ext cx="276225" cy="1254874"/>
-            </a:xfrm>
-            <a:prstGeom prst="leftBrace">
-              <a:avLst>
-                <a:gd name="adj1" fmla="val 35919"/>
-                <a:gd name="adj2" fmla="val 50629"/>
-              </a:avLst>
-            </a:prstGeom>
-            <a:ln w="28575">
-              <a:solidFill>
-                <a:srgbClr val="0070C0"/>
-              </a:solidFill>
-            </a:ln>
-          </p:spPr>
-          <p:style>
-            <a:lnRef idx="1">
-              <a:schemeClr val="accent1"/>
-            </a:lnRef>
-            <a:fillRef idx="0">
-              <a:schemeClr val="accent1"/>
-            </a:fillRef>
-            <a:effectRef idx="0">
-              <a:schemeClr val="accent1"/>
-            </a:effectRef>
-            <a:fontRef idx="minor">
-              <a:schemeClr val="tx1"/>
-            </a:fontRef>
-          </p:style>
-          <p:txBody>
-            <a:bodyPr rtlCol="0" anchor="ctr"/>
-            <a:lstStyle/>
-            <a:p>
-              <a:pPr algn="ctr"/>
-              <a:endParaRPr lang="ru-RU" sz="1100">
-                <a:latin typeface="Times New Roman" panose="02020603050405020304" pitchFamily="18" charset="0"/>
-                <a:cs typeface="Times New Roman" panose="02020603050405020304" pitchFamily="18" charset="0"/>
-              </a:endParaRPr>
-            </a:p>
-          </p:txBody>
-        </p:sp>
-        <p:cxnSp>
-          <p:nvCxnSpPr>
-            <p:cNvPr id="41" name="Прямая со стрелкой 27">
-              <a:extLst>
-                <a:ext uri="{FF2B5EF4-FFF2-40B4-BE49-F238E27FC236}">
-                  <a16:creationId xmlns:a16="http://schemas.microsoft.com/office/drawing/2014/main" id="{1C1E382F-E46E-B896-1705-4B11E87D258E}"/>
-                </a:ext>
-              </a:extLst>
-            </p:cNvPr>
-            <p:cNvCxnSpPr/>
-            <p:nvPr/>
-          </p:nvCxnSpPr>
-          <p:spPr>
-            <a:xfrm>
-              <a:off x="3535786" y="1936001"/>
-              <a:ext cx="269081" cy="0"/>
-            </a:xfrm>
-            <a:prstGeom prst="straightConnector1">
-              <a:avLst/>
-            </a:prstGeom>
-            <a:ln w="47625">
-              <a:tailEnd type="stealth" w="lg" len="lg"/>
-            </a:ln>
-          </p:spPr>
-          <p:style>
-            <a:lnRef idx="1">
-              <a:schemeClr val="accent1"/>
-            </a:lnRef>
-            <a:fillRef idx="0">
-              <a:schemeClr val="accent1"/>
-            </a:fillRef>
-            <a:effectRef idx="0">
-              <a:schemeClr val="accent1"/>
-            </a:effectRef>
-            <a:fontRef idx="minor">
-              <a:schemeClr val="tx1"/>
-            </a:fontRef>
-          </p:style>
-        </p:cxnSp>
-        <p:cxnSp>
-          <p:nvCxnSpPr>
-            <p:cNvPr id="42" name="Прямая со стрелкой 28">
-              <a:extLst>
-                <a:ext uri="{FF2B5EF4-FFF2-40B4-BE49-F238E27FC236}">
-                  <a16:creationId xmlns:a16="http://schemas.microsoft.com/office/drawing/2014/main" id="{1F3A4FFA-A1F2-2BC3-BE69-E1DCB52252EA}"/>
-                </a:ext>
-              </a:extLst>
-            </p:cNvPr>
-            <p:cNvCxnSpPr/>
-            <p:nvPr/>
-          </p:nvCxnSpPr>
-          <p:spPr>
-            <a:xfrm>
-              <a:off x="3536786" y="3183776"/>
-              <a:ext cx="269081" cy="0"/>
-            </a:xfrm>
-            <a:prstGeom prst="straightConnector1">
-              <a:avLst/>
-            </a:prstGeom>
-            <a:ln w="47625">
-              <a:tailEnd type="stealth" w="lg" len="lg"/>
-            </a:ln>
-          </p:spPr>
-          <p:style>
-            <a:lnRef idx="1">
-              <a:schemeClr val="accent1"/>
-            </a:lnRef>
-            <a:fillRef idx="0">
-              <a:schemeClr val="accent1"/>
-            </a:fillRef>
-            <a:effectRef idx="0">
-              <a:schemeClr val="accent1"/>
-            </a:effectRef>
-            <a:fontRef idx="minor">
-              <a:schemeClr val="tx1"/>
-            </a:fontRef>
-          </p:style>
-        </p:cxnSp>
-        <p:sp>
-          <p:nvSpPr>
-            <p:cNvPr id="43" name="TextBox 42">
-              <a:extLst>
-                <a:ext uri="{FF2B5EF4-FFF2-40B4-BE49-F238E27FC236}">
-                  <a16:creationId xmlns:a16="http://schemas.microsoft.com/office/drawing/2014/main" id="{E7160273-4890-950F-4CF8-0F32D60CCE82}"/>
-                </a:ext>
-              </a:extLst>
-            </p:cNvPr>
-            <p:cNvSpPr txBox="1"/>
-            <p:nvPr/>
-          </p:nvSpPr>
-          <p:spPr>
-            <a:xfrm>
-              <a:off x="2909517" y="1804794"/>
-              <a:ext cx="590550" cy="261610"/>
-            </a:xfrm>
-            <a:prstGeom prst="rect">
-              <a:avLst/>
-            </a:prstGeom>
-            <a:noFill/>
-          </p:spPr>
-          <p:txBody>
-            <a:bodyPr wrap="square" rtlCol="0">
-              <a:spAutoFit/>
-            </a:bodyPr>
-            <a:lstStyle/>
-            <a:p>
-              <a:pPr algn="ctr"/>
-              <a:r>
-                <a:rPr lang="ru-RU" sz="1100" dirty="0">
-                  <a:latin typeface="Times New Roman" panose="02020603050405020304" pitchFamily="18" charset="0"/>
-                  <a:cs typeface="Times New Roman" panose="02020603050405020304" pitchFamily="18" charset="0"/>
-                </a:rPr>
-                <a:t>Меню</a:t>
-              </a:r>
-            </a:p>
-          </p:txBody>
-        </p:sp>
-        <p:sp>
-          <p:nvSpPr>
-            <p:cNvPr id="44" name="TextBox 43">
-              <a:extLst>
-                <a:ext uri="{FF2B5EF4-FFF2-40B4-BE49-F238E27FC236}">
-                  <a16:creationId xmlns:a16="http://schemas.microsoft.com/office/drawing/2014/main" id="{94B37B5A-972E-CE73-FCE7-4D2118107393}"/>
-                </a:ext>
-              </a:extLst>
-            </p:cNvPr>
-            <p:cNvSpPr txBox="1"/>
-            <p:nvPr/>
-          </p:nvSpPr>
-          <p:spPr>
-            <a:xfrm>
-              <a:off x="2181224" y="2553216"/>
-              <a:ext cx="1375993" cy="261610"/>
-            </a:xfrm>
-            <a:prstGeom prst="rect">
-              <a:avLst/>
-            </a:prstGeom>
-            <a:noFill/>
-          </p:spPr>
-          <p:txBody>
-            <a:bodyPr wrap="square" rtlCol="0">
-              <a:spAutoFit/>
-            </a:bodyPr>
-            <a:lstStyle/>
-            <a:p>
-              <a:pPr algn="ctr"/>
-              <a:r>
-                <a:rPr lang="ru-RU" sz="1100" dirty="0">
-                  <a:latin typeface="Times New Roman" panose="02020603050405020304" pitchFamily="18" charset="0"/>
-                  <a:cs typeface="Times New Roman" panose="02020603050405020304" pitchFamily="18" charset="0"/>
-                </a:rPr>
-                <a:t>Слоистая структура</a:t>
-              </a:r>
-            </a:p>
-          </p:txBody>
-        </p:sp>
-        <p:sp>
-          <p:nvSpPr>
-            <p:cNvPr id="45" name="TextBox 44">
-              <a:extLst>
-                <a:ext uri="{FF2B5EF4-FFF2-40B4-BE49-F238E27FC236}">
-                  <a16:creationId xmlns:a16="http://schemas.microsoft.com/office/drawing/2014/main" id="{F5A6A9BE-2F9D-BC9E-FA0B-796214CF8A7B}"/>
-                </a:ext>
-              </a:extLst>
-            </p:cNvPr>
-            <p:cNvSpPr txBox="1"/>
-            <p:nvPr/>
-          </p:nvSpPr>
-          <p:spPr>
-            <a:xfrm>
-              <a:off x="2480892" y="2951483"/>
-              <a:ext cx="1199555" cy="430887"/>
-            </a:xfrm>
-            <a:prstGeom prst="rect">
-              <a:avLst/>
-            </a:prstGeom>
-            <a:noFill/>
-          </p:spPr>
-          <p:txBody>
-            <a:bodyPr wrap="square" rtlCol="0">
-              <a:spAutoFit/>
-            </a:bodyPr>
-            <a:lstStyle/>
-            <a:p>
-              <a:pPr algn="ctr"/>
-              <a:r>
-                <a:rPr lang="ru-RU" sz="1100" dirty="0">
-                  <a:latin typeface="Times New Roman" panose="02020603050405020304" pitchFamily="18" charset="0"/>
-                  <a:cs typeface="Times New Roman" panose="02020603050405020304" pitchFamily="18" charset="0"/>
-                </a:rPr>
-                <a:t>Панель инструментов</a:t>
-              </a:r>
-            </a:p>
-          </p:txBody>
-        </p:sp>
-        <p:sp>
-          <p:nvSpPr>
-            <p:cNvPr id="46" name="TextBox 45">
-              <a:extLst>
-                <a:ext uri="{FF2B5EF4-FFF2-40B4-BE49-F238E27FC236}">
-                  <a16:creationId xmlns:a16="http://schemas.microsoft.com/office/drawing/2014/main" id="{1CBFB2FA-C8D8-DFF1-DDE3-BF09F95A5E65}"/>
-                </a:ext>
-              </a:extLst>
-            </p:cNvPr>
-            <p:cNvSpPr txBox="1"/>
-            <p:nvPr/>
-          </p:nvSpPr>
-          <p:spPr>
-            <a:xfrm>
-              <a:off x="2299917" y="3810327"/>
-              <a:ext cx="1269652" cy="430887"/>
-            </a:xfrm>
-            <a:prstGeom prst="rect">
-              <a:avLst/>
-            </a:prstGeom>
-            <a:noFill/>
-          </p:spPr>
-          <p:txBody>
-            <a:bodyPr wrap="square" rtlCol="0">
-              <a:spAutoFit/>
-            </a:bodyPr>
-            <a:lstStyle/>
-            <a:p>
-              <a:pPr algn="ctr"/>
-              <a:r>
-                <a:rPr lang="ru-RU" sz="1100" dirty="0">
-                  <a:latin typeface="Times New Roman" panose="02020603050405020304" pitchFamily="18" charset="0"/>
-                  <a:cs typeface="Times New Roman" panose="02020603050405020304" pitchFamily="18" charset="0"/>
-                </a:rPr>
-                <a:t>Доступ к остальным окнам</a:t>
-              </a:r>
-            </a:p>
-          </p:txBody>
-        </p:sp>
-        <p:sp>
-          <p:nvSpPr>
-            <p:cNvPr id="47" name="TextBox 46">
-              <a:extLst>
-                <a:ext uri="{FF2B5EF4-FFF2-40B4-BE49-F238E27FC236}">
-                  <a16:creationId xmlns:a16="http://schemas.microsoft.com/office/drawing/2014/main" id="{CEE52F39-EF97-0595-15C7-8D7DC114BC09}"/>
-                </a:ext>
-              </a:extLst>
-            </p:cNvPr>
-            <p:cNvSpPr txBox="1"/>
-            <p:nvPr/>
-          </p:nvSpPr>
-          <p:spPr>
-            <a:xfrm>
-              <a:off x="2076450" y="5536837"/>
-              <a:ext cx="1595067" cy="430887"/>
-            </a:xfrm>
-            <a:prstGeom prst="rect">
-              <a:avLst/>
-            </a:prstGeom>
-            <a:noFill/>
-          </p:spPr>
-          <p:txBody>
-            <a:bodyPr wrap="square" rtlCol="0">
-              <a:spAutoFit/>
-            </a:bodyPr>
-            <a:lstStyle/>
-            <a:p>
-              <a:pPr algn="ctr"/>
-              <a:r>
-                <a:rPr lang="ru-RU" sz="1100" dirty="0">
-                  <a:latin typeface="Times New Roman" panose="02020603050405020304" pitchFamily="18" charset="0"/>
-                  <a:cs typeface="Times New Roman" panose="02020603050405020304" pitchFamily="18" charset="0"/>
-                </a:rPr>
-                <a:t>Экспериментальные данные</a:t>
-              </a:r>
-            </a:p>
-          </p:txBody>
-        </p:sp>
-        <p:sp>
-          <p:nvSpPr>
-            <p:cNvPr id="48" name="Левая фигурная скобка 34">
-              <a:extLst>
-                <a:ext uri="{FF2B5EF4-FFF2-40B4-BE49-F238E27FC236}">
-                  <a16:creationId xmlns:a16="http://schemas.microsoft.com/office/drawing/2014/main" id="{03A78AF6-4060-384E-33D6-FFB43C45FE74}"/>
-                </a:ext>
-              </a:extLst>
-            </p:cNvPr>
-            <p:cNvSpPr/>
-            <p:nvPr/>
-          </p:nvSpPr>
-          <p:spPr>
-            <a:xfrm>
-              <a:off x="3529239" y="5555501"/>
-              <a:ext cx="276225" cy="416674"/>
-            </a:xfrm>
-            <a:prstGeom prst="leftBrace">
-              <a:avLst>
-                <a:gd name="adj1" fmla="val 35919"/>
-                <a:gd name="adj2" fmla="val 50629"/>
-              </a:avLst>
-            </a:prstGeom>
-            <a:ln w="28575">
-              <a:solidFill>
-                <a:srgbClr val="0070C0"/>
-              </a:solidFill>
-            </a:ln>
-          </p:spPr>
-          <p:style>
-            <a:lnRef idx="1">
-              <a:schemeClr val="accent1"/>
-            </a:lnRef>
-            <a:fillRef idx="0">
-              <a:schemeClr val="accent1"/>
-            </a:fillRef>
-            <a:effectRef idx="0">
-              <a:schemeClr val="accent1"/>
-            </a:effectRef>
-            <a:fontRef idx="minor">
-              <a:schemeClr val="tx1"/>
-            </a:fontRef>
-          </p:style>
-          <p:txBody>
-            <a:bodyPr rtlCol="0" anchor="ctr"/>
-            <a:lstStyle/>
-            <a:p>
-              <a:pPr algn="ctr"/>
-              <a:endParaRPr lang="ru-RU" sz="1100">
-                <a:latin typeface="Times New Roman" panose="02020603050405020304" pitchFamily="18" charset="0"/>
-                <a:cs typeface="Times New Roman" panose="02020603050405020304" pitchFamily="18" charset="0"/>
-              </a:endParaRPr>
-            </a:p>
-          </p:txBody>
-        </p:sp>
-        <p:sp>
-          <p:nvSpPr>
-            <p:cNvPr id="49" name="Левая фигурная скобка 35">
-              <a:extLst>
-                <a:ext uri="{FF2B5EF4-FFF2-40B4-BE49-F238E27FC236}">
-                  <a16:creationId xmlns:a16="http://schemas.microsoft.com/office/drawing/2014/main" id="{1766ED3F-9742-4F86-6991-F2FAAB59E36B}"/>
-                </a:ext>
-              </a:extLst>
-            </p:cNvPr>
-            <p:cNvSpPr/>
-            <p:nvPr/>
-          </p:nvSpPr>
-          <p:spPr>
-            <a:xfrm>
-              <a:off x="3527673" y="4803025"/>
-              <a:ext cx="276225" cy="645275"/>
-            </a:xfrm>
-            <a:prstGeom prst="leftBrace">
-              <a:avLst>
-                <a:gd name="adj1" fmla="val 35919"/>
-                <a:gd name="adj2" fmla="val 50629"/>
-              </a:avLst>
-            </a:prstGeom>
-            <a:ln w="28575">
-              <a:solidFill>
-                <a:srgbClr val="0070C0"/>
-              </a:solidFill>
-            </a:ln>
-          </p:spPr>
-          <p:style>
-            <a:lnRef idx="1">
-              <a:schemeClr val="accent1"/>
-            </a:lnRef>
-            <a:fillRef idx="0">
-              <a:schemeClr val="accent1"/>
-            </a:fillRef>
-            <a:effectRef idx="0">
-              <a:schemeClr val="accent1"/>
-            </a:effectRef>
-            <a:fontRef idx="minor">
-              <a:schemeClr val="tx1"/>
-            </a:fontRef>
-          </p:style>
-          <p:txBody>
-            <a:bodyPr rtlCol="0" anchor="ctr"/>
-            <a:lstStyle/>
-            <a:p>
-              <a:pPr algn="ctr"/>
-              <a:endParaRPr lang="ru-RU" sz="1100">
-                <a:latin typeface="Times New Roman" panose="02020603050405020304" pitchFamily="18" charset="0"/>
-                <a:cs typeface="Times New Roman" panose="02020603050405020304" pitchFamily="18" charset="0"/>
-              </a:endParaRPr>
-            </a:p>
-          </p:txBody>
-        </p:sp>
-        <p:sp>
-          <p:nvSpPr>
-            <p:cNvPr id="50" name="TextBox 49">
-              <a:extLst>
-                <a:ext uri="{FF2B5EF4-FFF2-40B4-BE49-F238E27FC236}">
-                  <a16:creationId xmlns:a16="http://schemas.microsoft.com/office/drawing/2014/main" id="{B9C535DB-66CC-4BFA-96B8-08C9F4647FE8}"/>
-                </a:ext>
-              </a:extLst>
-            </p:cNvPr>
-            <p:cNvSpPr txBox="1"/>
-            <p:nvPr/>
-          </p:nvSpPr>
-          <p:spPr>
-            <a:xfrm>
-              <a:off x="2137992" y="4759861"/>
-              <a:ext cx="1385586" cy="600164"/>
-            </a:xfrm>
-            <a:prstGeom prst="rect">
-              <a:avLst/>
-            </a:prstGeom>
-            <a:noFill/>
-          </p:spPr>
-          <p:txBody>
-            <a:bodyPr wrap="square" rtlCol="0">
-              <a:spAutoFit/>
-            </a:bodyPr>
-            <a:lstStyle/>
-            <a:p>
-              <a:pPr algn="ctr"/>
-              <a:r>
-                <a:rPr lang="ru-RU" sz="1100" dirty="0">
-                  <a:latin typeface="Times New Roman" panose="02020603050405020304" pitchFamily="18" charset="0"/>
-                  <a:cs typeface="Times New Roman" panose="02020603050405020304" pitchFamily="18" charset="0"/>
-                </a:rPr>
-                <a:t>Кривые без экспериментальных данных</a:t>
-              </a:r>
-            </a:p>
-          </p:txBody>
-        </p:sp>
-        <p:cxnSp>
-          <p:nvCxnSpPr>
-            <p:cNvPr id="51" name="Прямая со стрелкой 37">
-              <a:extLst>
-                <a:ext uri="{FF2B5EF4-FFF2-40B4-BE49-F238E27FC236}">
-                  <a16:creationId xmlns:a16="http://schemas.microsoft.com/office/drawing/2014/main" id="{67ED0BE8-BCFB-B8BB-6B76-D8211AFEAB27}"/>
-                </a:ext>
-              </a:extLst>
-            </p:cNvPr>
-            <p:cNvCxnSpPr/>
-            <p:nvPr/>
-          </p:nvCxnSpPr>
-          <p:spPr>
-            <a:xfrm>
-              <a:off x="3536159" y="2215832"/>
-              <a:ext cx="269081" cy="0"/>
-            </a:xfrm>
-            <a:prstGeom prst="straightConnector1">
-              <a:avLst/>
-            </a:prstGeom>
-            <a:ln w="47625">
-              <a:tailEnd type="stealth" w="lg" len="lg"/>
-            </a:ln>
-          </p:spPr>
-          <p:style>
-            <a:lnRef idx="1">
-              <a:schemeClr val="accent1"/>
-            </a:lnRef>
-            <a:fillRef idx="0">
-              <a:schemeClr val="accent1"/>
-            </a:fillRef>
-            <a:effectRef idx="0">
-              <a:schemeClr val="accent1"/>
-            </a:effectRef>
-            <a:fontRef idx="minor">
-              <a:schemeClr val="tx1"/>
-            </a:fontRef>
-          </p:style>
-        </p:cxnSp>
-      </p:grpSp>
-    </p:spTree>
-    <p:extLst>
-      <p:ext uri="{BB962C8B-B14F-4D97-AF65-F5344CB8AC3E}">
-        <p14:creationId xmlns:p14="http://schemas.microsoft.com/office/powerpoint/2010/main" val="3549598787"/>
-      </p:ext>
-    </p:extLst>
-  </p:cSld>
-  <p:clrMapOvr>
-    <a:masterClrMapping/>
-  </p:clrMapOvr>
-</p:sld>
-</file>
-
-<file path=ppt/slides/slide20.xml><?xml version="1.0" encoding="utf-8"?>
+<file path=ppt/slides/slide21.xml><?xml version="1.0" encoding="utf-8"?>
 <p:sld xmlns:a="http://schemas.openxmlformats.org/drawingml/2006/main" xmlns:r="http://schemas.openxmlformats.org/officeDocument/2006/relationships" xmlns:p="http://schemas.openxmlformats.org/presentationml/2006/main">
   <p:cSld>
     <p:spTree>
@@ -11171,7 +10962,7 @@
 </p:sld>
 </file>
 
-<file path=ppt/slides/slide21.xml><?xml version="1.0" encoding="utf-8"?>
+<file path=ppt/slides/slide22.xml><?xml version="1.0" encoding="utf-8"?>
 <p:sld xmlns:a="http://schemas.openxmlformats.org/drawingml/2006/main" xmlns:r="http://schemas.openxmlformats.org/officeDocument/2006/relationships" xmlns:p="http://schemas.openxmlformats.org/presentationml/2006/main">
   <p:cSld>
     <p:spTree>
@@ -11963,7 +11754,7 @@
 </p:sld>
 </file>
 
-<file path=ppt/slides/slide22.xml><?xml version="1.0" encoding="utf-8"?>
+<file path=ppt/slides/slide23.xml><?xml version="1.0" encoding="utf-8"?>
 <p:sld xmlns:a="http://schemas.openxmlformats.org/drawingml/2006/main" xmlns:r="http://schemas.openxmlformats.org/officeDocument/2006/relationships" xmlns:p="http://schemas.openxmlformats.org/presentationml/2006/main">
   <p:cSld>
     <p:spTree>
@@ -12255,7 +12046,7 @@
 </p:sld>
 </file>
 
-<file path=ppt/slides/slide23.xml><?xml version="1.0" encoding="utf-8"?>
+<file path=ppt/slides/slide24.xml><?xml version="1.0" encoding="utf-8"?>
 <p:sld xmlns:a="http://schemas.openxmlformats.org/drawingml/2006/main" xmlns:r="http://schemas.openxmlformats.org/officeDocument/2006/relationships" xmlns:p="http://schemas.openxmlformats.org/presentationml/2006/main">
   <p:cSld>
     <p:spTree>
@@ -12985,7 +12776,7 @@
 </p:sld>
 </file>
 
-<file path=ppt/slides/slide24.xml><?xml version="1.0" encoding="utf-8"?>
+<file path=ppt/slides/slide25.xml><?xml version="1.0" encoding="utf-8"?>
 <p:sld xmlns:a="http://schemas.openxmlformats.org/drawingml/2006/main" xmlns:r="http://schemas.openxmlformats.org/officeDocument/2006/relationships" xmlns:p="http://schemas.openxmlformats.org/presentationml/2006/main">
   <p:cSld>
     <p:spTree>
@@ -13411,7 +13202,7 @@
 </p:sld>
 </file>
 
-<file path=ppt/slides/slide25.xml><?xml version="1.0" encoding="utf-8"?>
+<file path=ppt/slides/slide26.xml><?xml version="1.0" encoding="utf-8"?>
 <p:sld xmlns:a="http://schemas.openxmlformats.org/drawingml/2006/main" xmlns:r="http://schemas.openxmlformats.org/officeDocument/2006/relationships" xmlns:p="http://schemas.openxmlformats.org/presentationml/2006/main">
   <p:cSld>
     <p:spTree>
@@ -14771,7 +14562,7 @@
 </p:sld>
 </file>
 
-<file path=ppt/slides/slide26.xml><?xml version="1.0" encoding="utf-8"?>
+<file path=ppt/slides/slide27.xml><?xml version="1.0" encoding="utf-8"?>
 <p:sld xmlns:a="http://schemas.openxmlformats.org/drawingml/2006/main" xmlns:r="http://schemas.openxmlformats.org/officeDocument/2006/relationships" xmlns:p="http://schemas.openxmlformats.org/presentationml/2006/main">
   <p:cSld>
     <p:spTree>
@@ -15578,7 +15369,7 @@
 </p:sld>
 </file>
 
-<file path=ppt/slides/slide27.xml><?xml version="1.0" encoding="utf-8"?>
+<file path=ppt/slides/slide28.xml><?xml version="1.0" encoding="utf-8"?>
 <p:sld xmlns:a="http://schemas.openxmlformats.org/drawingml/2006/main" xmlns:r="http://schemas.openxmlformats.org/officeDocument/2006/relationships" xmlns:p="http://schemas.openxmlformats.org/presentationml/2006/main">
   <p:cSld>
     <p:spTree>
@@ -16840,7 +16631,7 @@
 </p:sld>
 </file>
 
-<file path=ppt/slides/slide28.xml><?xml version="1.0" encoding="utf-8"?>
+<file path=ppt/slides/slide29.xml><?xml version="1.0" encoding="utf-8"?>
 <p:sld xmlns:a="http://schemas.openxmlformats.org/drawingml/2006/main" xmlns:r="http://schemas.openxmlformats.org/officeDocument/2006/relationships" xmlns:p="http://schemas.openxmlformats.org/presentationml/2006/main">
   <p:cSld>
     <p:spTree>
@@ -17635,7 +17426,697 @@
 </p:sld>
 </file>
 
-<file path=ppt/slides/slide29.xml><?xml version="1.0" encoding="utf-8"?>
+<file path=ppt/slides/slide3.xml><?xml version="1.0" encoding="utf-8"?>
+<p:sld xmlns:a="http://schemas.openxmlformats.org/drawingml/2006/main" xmlns:r="http://schemas.openxmlformats.org/officeDocument/2006/relationships" xmlns:p="http://schemas.openxmlformats.org/presentationml/2006/main">
+  <p:cSld>
+    <p:spTree>
+      <p:nvGrpSpPr>
+        <p:cNvPr id="1" name=""/>
+        <p:cNvGrpSpPr/>
+        <p:nvPr/>
+      </p:nvGrpSpPr>
+      <p:grpSpPr>
+        <a:xfrm>
+          <a:off x="0" y="0"/>
+          <a:ext cx="0" cy="0"/>
+          <a:chOff x="0" y="0"/>
+          <a:chExt cx="0" cy="0"/>
+        </a:xfrm>
+      </p:grpSpPr>
+      <p:grpSp>
+        <p:nvGrpSpPr>
+          <p:cNvPr id="54" name="Group 53">
+            <a:extLst>
+              <a:ext uri="{FF2B5EF4-FFF2-40B4-BE49-F238E27FC236}">
+                <a16:creationId xmlns:a16="http://schemas.microsoft.com/office/drawing/2014/main" id="{5BF7E28E-C601-E8CC-B138-F60236C980DC}"/>
+              </a:ext>
+            </a:extLst>
+          </p:cNvPr>
+          <p:cNvGrpSpPr/>
+          <p:nvPr/>
+        </p:nvGrpSpPr>
+        <p:grpSpPr>
+          <a:xfrm>
+            <a:off x="666750" y="355132"/>
+            <a:ext cx="6838950" cy="5861518"/>
+            <a:chOff x="2076450" y="136057"/>
+            <a:chExt cx="6838950" cy="5861518"/>
+          </a:xfrm>
+        </p:grpSpPr>
+        <p:sp>
+          <p:nvSpPr>
+            <p:cNvPr id="52" name="TextBox 51">
+              <a:extLst>
+                <a:ext uri="{FF2B5EF4-FFF2-40B4-BE49-F238E27FC236}">
+                  <a16:creationId xmlns:a16="http://schemas.microsoft.com/office/drawing/2014/main" id="{1DA3756F-BF91-770E-6400-9B56418B5B6E}"/>
+                </a:ext>
+              </a:extLst>
+            </p:cNvPr>
+            <p:cNvSpPr txBox="1"/>
+            <p:nvPr/>
+          </p:nvSpPr>
+          <p:spPr>
+            <a:xfrm>
+              <a:off x="2309442" y="2078427"/>
+              <a:ext cx="1426368" cy="430887"/>
+            </a:xfrm>
+            <a:prstGeom prst="rect">
+              <a:avLst/>
+            </a:prstGeom>
+            <a:noFill/>
+          </p:spPr>
+          <p:txBody>
+            <a:bodyPr wrap="square" rtlCol="0">
+              <a:spAutoFit/>
+            </a:bodyPr>
+            <a:lstStyle/>
+            <a:p>
+              <a:pPr algn="ctr"/>
+              <a:r>
+                <a:rPr lang="ru-RU" sz="1100" dirty="0">
+                  <a:latin typeface="Times New Roman" panose="02020603050405020304" pitchFamily="18" charset="0"/>
+                  <a:cs typeface="Times New Roman" panose="02020603050405020304" pitchFamily="18" charset="0"/>
+                </a:rPr>
+                <a:t>Вкладки со структурами</a:t>
+              </a:r>
+            </a:p>
+          </p:txBody>
+        </p:sp>
+        <p:pic>
+          <p:nvPicPr>
+            <p:cNvPr id="13" name="Picture 12">
+              <a:extLst>
+                <a:ext uri="{FF2B5EF4-FFF2-40B4-BE49-F238E27FC236}">
+                  <a16:creationId xmlns:a16="http://schemas.microsoft.com/office/drawing/2014/main" id="{7293C1A7-831F-3391-D34D-3D5D925583BF}"/>
+                </a:ext>
+              </a:extLst>
+            </p:cNvPr>
+            <p:cNvPicPr>
+              <a:picLocks noChangeAspect="1"/>
+            </p:cNvPicPr>
+            <p:nvPr/>
+          </p:nvPicPr>
+          <p:blipFill rotWithShape="1">
+            <a:blip r:embed="rId2"/>
+            <a:srcRect t="3007" r="3954" b="10074"/>
+            <a:stretch/>
+          </p:blipFill>
+          <p:spPr>
+            <a:xfrm>
+              <a:off x="3362325" y="136057"/>
+              <a:ext cx="5553075" cy="5861518"/>
+            </a:xfrm>
+            <a:prstGeom prst="rect">
+              <a:avLst/>
+            </a:prstGeom>
+          </p:spPr>
+        </p:pic>
+        <p:sp>
+          <p:nvSpPr>
+            <p:cNvPr id="25" name="Левая фигурная скобка 25">
+              <a:extLst>
+                <a:ext uri="{FF2B5EF4-FFF2-40B4-BE49-F238E27FC236}">
+                  <a16:creationId xmlns:a16="http://schemas.microsoft.com/office/drawing/2014/main" id="{B6614261-C60C-D958-8B3D-06F2DAFC5E84}"/>
+                </a:ext>
+              </a:extLst>
+            </p:cNvPr>
+            <p:cNvSpPr/>
+            <p:nvPr/>
+          </p:nvSpPr>
+          <p:spPr>
+            <a:xfrm>
+              <a:off x="3509592" y="2381250"/>
+              <a:ext cx="276225" cy="612026"/>
+            </a:xfrm>
+            <a:prstGeom prst="leftBrace">
+              <a:avLst>
+                <a:gd name="adj1" fmla="val 35919"/>
+                <a:gd name="adj2" fmla="val 50629"/>
+              </a:avLst>
+            </a:prstGeom>
+            <a:ln w="28575">
+              <a:solidFill>
+                <a:srgbClr val="0070C0"/>
+              </a:solidFill>
+            </a:ln>
+          </p:spPr>
+          <p:style>
+            <a:lnRef idx="1">
+              <a:schemeClr val="accent1"/>
+            </a:lnRef>
+            <a:fillRef idx="0">
+              <a:schemeClr val="accent1"/>
+            </a:fillRef>
+            <a:effectRef idx="0">
+              <a:schemeClr val="accent1"/>
+            </a:effectRef>
+            <a:fontRef idx="minor">
+              <a:schemeClr val="tx1"/>
+            </a:fontRef>
+          </p:style>
+          <p:txBody>
+            <a:bodyPr rtlCol="0" anchor="ctr"/>
+            <a:lstStyle/>
+            <a:p>
+              <a:pPr algn="ctr"/>
+              <a:endParaRPr lang="ru-RU" sz="1100">
+                <a:latin typeface="Times New Roman" panose="02020603050405020304" pitchFamily="18" charset="0"/>
+                <a:cs typeface="Times New Roman" panose="02020603050405020304" pitchFamily="18" charset="0"/>
+              </a:endParaRPr>
+            </a:p>
+          </p:txBody>
+        </p:sp>
+        <p:sp>
+          <p:nvSpPr>
+            <p:cNvPr id="40" name="Левая фигурная скобка 26">
+              <a:extLst>
+                <a:ext uri="{FF2B5EF4-FFF2-40B4-BE49-F238E27FC236}">
+                  <a16:creationId xmlns:a16="http://schemas.microsoft.com/office/drawing/2014/main" id="{76E6CBEF-42AC-A8B9-72D9-FDDEA1B7FFA3}"/>
+                </a:ext>
+              </a:extLst>
+            </p:cNvPr>
+            <p:cNvSpPr/>
+            <p:nvPr/>
+          </p:nvSpPr>
+          <p:spPr>
+            <a:xfrm>
+              <a:off x="3528642" y="3383802"/>
+              <a:ext cx="276225" cy="1254874"/>
+            </a:xfrm>
+            <a:prstGeom prst="leftBrace">
+              <a:avLst>
+                <a:gd name="adj1" fmla="val 35919"/>
+                <a:gd name="adj2" fmla="val 50629"/>
+              </a:avLst>
+            </a:prstGeom>
+            <a:ln w="28575">
+              <a:solidFill>
+                <a:srgbClr val="0070C0"/>
+              </a:solidFill>
+            </a:ln>
+          </p:spPr>
+          <p:style>
+            <a:lnRef idx="1">
+              <a:schemeClr val="accent1"/>
+            </a:lnRef>
+            <a:fillRef idx="0">
+              <a:schemeClr val="accent1"/>
+            </a:fillRef>
+            <a:effectRef idx="0">
+              <a:schemeClr val="accent1"/>
+            </a:effectRef>
+            <a:fontRef idx="minor">
+              <a:schemeClr val="tx1"/>
+            </a:fontRef>
+          </p:style>
+          <p:txBody>
+            <a:bodyPr rtlCol="0" anchor="ctr"/>
+            <a:lstStyle/>
+            <a:p>
+              <a:pPr algn="ctr"/>
+              <a:endParaRPr lang="ru-RU" sz="1100">
+                <a:latin typeface="Times New Roman" panose="02020603050405020304" pitchFamily="18" charset="0"/>
+                <a:cs typeface="Times New Roman" panose="02020603050405020304" pitchFamily="18" charset="0"/>
+              </a:endParaRPr>
+            </a:p>
+          </p:txBody>
+        </p:sp>
+        <p:cxnSp>
+          <p:nvCxnSpPr>
+            <p:cNvPr id="41" name="Прямая со стрелкой 27">
+              <a:extLst>
+                <a:ext uri="{FF2B5EF4-FFF2-40B4-BE49-F238E27FC236}">
+                  <a16:creationId xmlns:a16="http://schemas.microsoft.com/office/drawing/2014/main" id="{1C1E382F-E46E-B896-1705-4B11E87D258E}"/>
+                </a:ext>
+              </a:extLst>
+            </p:cNvPr>
+            <p:cNvCxnSpPr/>
+            <p:nvPr/>
+          </p:nvCxnSpPr>
+          <p:spPr>
+            <a:xfrm>
+              <a:off x="3535786" y="1936001"/>
+              <a:ext cx="269081" cy="0"/>
+            </a:xfrm>
+            <a:prstGeom prst="straightConnector1">
+              <a:avLst/>
+            </a:prstGeom>
+            <a:ln w="47625">
+              <a:tailEnd type="stealth" w="lg" len="lg"/>
+            </a:ln>
+          </p:spPr>
+          <p:style>
+            <a:lnRef idx="1">
+              <a:schemeClr val="accent1"/>
+            </a:lnRef>
+            <a:fillRef idx="0">
+              <a:schemeClr val="accent1"/>
+            </a:fillRef>
+            <a:effectRef idx="0">
+              <a:schemeClr val="accent1"/>
+            </a:effectRef>
+            <a:fontRef idx="minor">
+              <a:schemeClr val="tx1"/>
+            </a:fontRef>
+          </p:style>
+        </p:cxnSp>
+        <p:cxnSp>
+          <p:nvCxnSpPr>
+            <p:cNvPr id="42" name="Прямая со стрелкой 28">
+              <a:extLst>
+                <a:ext uri="{FF2B5EF4-FFF2-40B4-BE49-F238E27FC236}">
+                  <a16:creationId xmlns:a16="http://schemas.microsoft.com/office/drawing/2014/main" id="{1F3A4FFA-A1F2-2BC3-BE69-E1DCB52252EA}"/>
+                </a:ext>
+              </a:extLst>
+            </p:cNvPr>
+            <p:cNvCxnSpPr/>
+            <p:nvPr/>
+          </p:nvCxnSpPr>
+          <p:spPr>
+            <a:xfrm>
+              <a:off x="3536786" y="3183776"/>
+              <a:ext cx="269081" cy="0"/>
+            </a:xfrm>
+            <a:prstGeom prst="straightConnector1">
+              <a:avLst/>
+            </a:prstGeom>
+            <a:ln w="47625">
+              <a:tailEnd type="stealth" w="lg" len="lg"/>
+            </a:ln>
+          </p:spPr>
+          <p:style>
+            <a:lnRef idx="1">
+              <a:schemeClr val="accent1"/>
+            </a:lnRef>
+            <a:fillRef idx="0">
+              <a:schemeClr val="accent1"/>
+            </a:fillRef>
+            <a:effectRef idx="0">
+              <a:schemeClr val="accent1"/>
+            </a:effectRef>
+            <a:fontRef idx="minor">
+              <a:schemeClr val="tx1"/>
+            </a:fontRef>
+          </p:style>
+        </p:cxnSp>
+        <p:sp>
+          <p:nvSpPr>
+            <p:cNvPr id="43" name="TextBox 42">
+              <a:extLst>
+                <a:ext uri="{FF2B5EF4-FFF2-40B4-BE49-F238E27FC236}">
+                  <a16:creationId xmlns:a16="http://schemas.microsoft.com/office/drawing/2014/main" id="{E7160273-4890-950F-4CF8-0F32D60CCE82}"/>
+                </a:ext>
+              </a:extLst>
+            </p:cNvPr>
+            <p:cNvSpPr txBox="1"/>
+            <p:nvPr/>
+          </p:nvSpPr>
+          <p:spPr>
+            <a:xfrm>
+              <a:off x="2909517" y="1804794"/>
+              <a:ext cx="590550" cy="261610"/>
+            </a:xfrm>
+            <a:prstGeom prst="rect">
+              <a:avLst/>
+            </a:prstGeom>
+            <a:noFill/>
+          </p:spPr>
+          <p:txBody>
+            <a:bodyPr wrap="square" rtlCol="0">
+              <a:spAutoFit/>
+            </a:bodyPr>
+            <a:lstStyle/>
+            <a:p>
+              <a:pPr algn="ctr"/>
+              <a:r>
+                <a:rPr lang="ru-RU" sz="1100" dirty="0">
+                  <a:latin typeface="Times New Roman" panose="02020603050405020304" pitchFamily="18" charset="0"/>
+                  <a:cs typeface="Times New Roman" panose="02020603050405020304" pitchFamily="18" charset="0"/>
+                </a:rPr>
+                <a:t>Меню</a:t>
+              </a:r>
+            </a:p>
+          </p:txBody>
+        </p:sp>
+        <p:sp>
+          <p:nvSpPr>
+            <p:cNvPr id="44" name="TextBox 43">
+              <a:extLst>
+                <a:ext uri="{FF2B5EF4-FFF2-40B4-BE49-F238E27FC236}">
+                  <a16:creationId xmlns:a16="http://schemas.microsoft.com/office/drawing/2014/main" id="{94B37B5A-972E-CE73-FCE7-4D2118107393}"/>
+                </a:ext>
+              </a:extLst>
+            </p:cNvPr>
+            <p:cNvSpPr txBox="1"/>
+            <p:nvPr/>
+          </p:nvSpPr>
+          <p:spPr>
+            <a:xfrm>
+              <a:off x="2181224" y="2553216"/>
+              <a:ext cx="1375993" cy="261610"/>
+            </a:xfrm>
+            <a:prstGeom prst="rect">
+              <a:avLst/>
+            </a:prstGeom>
+            <a:noFill/>
+          </p:spPr>
+          <p:txBody>
+            <a:bodyPr wrap="square" rtlCol="0">
+              <a:spAutoFit/>
+            </a:bodyPr>
+            <a:lstStyle/>
+            <a:p>
+              <a:pPr algn="ctr"/>
+              <a:r>
+                <a:rPr lang="ru-RU" sz="1100" dirty="0">
+                  <a:latin typeface="Times New Roman" panose="02020603050405020304" pitchFamily="18" charset="0"/>
+                  <a:cs typeface="Times New Roman" panose="02020603050405020304" pitchFamily="18" charset="0"/>
+                </a:rPr>
+                <a:t>Слоистая структура</a:t>
+              </a:r>
+            </a:p>
+          </p:txBody>
+        </p:sp>
+        <p:sp>
+          <p:nvSpPr>
+            <p:cNvPr id="45" name="TextBox 44">
+              <a:extLst>
+                <a:ext uri="{FF2B5EF4-FFF2-40B4-BE49-F238E27FC236}">
+                  <a16:creationId xmlns:a16="http://schemas.microsoft.com/office/drawing/2014/main" id="{F5A6A9BE-2F9D-BC9E-FA0B-796214CF8A7B}"/>
+                </a:ext>
+              </a:extLst>
+            </p:cNvPr>
+            <p:cNvSpPr txBox="1"/>
+            <p:nvPr/>
+          </p:nvSpPr>
+          <p:spPr>
+            <a:xfrm>
+              <a:off x="2480892" y="2951483"/>
+              <a:ext cx="1199555" cy="430887"/>
+            </a:xfrm>
+            <a:prstGeom prst="rect">
+              <a:avLst/>
+            </a:prstGeom>
+            <a:noFill/>
+          </p:spPr>
+          <p:txBody>
+            <a:bodyPr wrap="square" rtlCol="0">
+              <a:spAutoFit/>
+            </a:bodyPr>
+            <a:lstStyle/>
+            <a:p>
+              <a:pPr algn="ctr"/>
+              <a:r>
+                <a:rPr lang="ru-RU" sz="1100" dirty="0">
+                  <a:latin typeface="Times New Roman" panose="02020603050405020304" pitchFamily="18" charset="0"/>
+                  <a:cs typeface="Times New Roman" panose="02020603050405020304" pitchFamily="18" charset="0"/>
+                </a:rPr>
+                <a:t>Панель инструментов</a:t>
+              </a:r>
+            </a:p>
+          </p:txBody>
+        </p:sp>
+        <p:sp>
+          <p:nvSpPr>
+            <p:cNvPr id="46" name="TextBox 45">
+              <a:extLst>
+                <a:ext uri="{FF2B5EF4-FFF2-40B4-BE49-F238E27FC236}">
+                  <a16:creationId xmlns:a16="http://schemas.microsoft.com/office/drawing/2014/main" id="{1CBFB2FA-C8D8-DFF1-DDE3-BF09F95A5E65}"/>
+                </a:ext>
+              </a:extLst>
+            </p:cNvPr>
+            <p:cNvSpPr txBox="1"/>
+            <p:nvPr/>
+          </p:nvSpPr>
+          <p:spPr>
+            <a:xfrm>
+              <a:off x="2299917" y="3810327"/>
+              <a:ext cx="1269652" cy="430887"/>
+            </a:xfrm>
+            <a:prstGeom prst="rect">
+              <a:avLst/>
+            </a:prstGeom>
+            <a:noFill/>
+          </p:spPr>
+          <p:txBody>
+            <a:bodyPr wrap="square" rtlCol="0">
+              <a:spAutoFit/>
+            </a:bodyPr>
+            <a:lstStyle/>
+            <a:p>
+              <a:pPr algn="ctr"/>
+              <a:r>
+                <a:rPr lang="ru-RU" sz="1100" dirty="0">
+                  <a:latin typeface="Times New Roman" panose="02020603050405020304" pitchFamily="18" charset="0"/>
+                  <a:cs typeface="Times New Roman" panose="02020603050405020304" pitchFamily="18" charset="0"/>
+                </a:rPr>
+                <a:t>Доступ к остальным окнам</a:t>
+              </a:r>
+            </a:p>
+          </p:txBody>
+        </p:sp>
+        <p:sp>
+          <p:nvSpPr>
+            <p:cNvPr id="47" name="TextBox 46">
+              <a:extLst>
+                <a:ext uri="{FF2B5EF4-FFF2-40B4-BE49-F238E27FC236}">
+                  <a16:creationId xmlns:a16="http://schemas.microsoft.com/office/drawing/2014/main" id="{CEE52F39-EF97-0595-15C7-8D7DC114BC09}"/>
+                </a:ext>
+              </a:extLst>
+            </p:cNvPr>
+            <p:cNvSpPr txBox="1"/>
+            <p:nvPr/>
+          </p:nvSpPr>
+          <p:spPr>
+            <a:xfrm>
+              <a:off x="2076450" y="5536837"/>
+              <a:ext cx="1595067" cy="430887"/>
+            </a:xfrm>
+            <a:prstGeom prst="rect">
+              <a:avLst/>
+            </a:prstGeom>
+            <a:noFill/>
+          </p:spPr>
+          <p:txBody>
+            <a:bodyPr wrap="square" rtlCol="0">
+              <a:spAutoFit/>
+            </a:bodyPr>
+            <a:lstStyle/>
+            <a:p>
+              <a:pPr algn="ctr"/>
+              <a:r>
+                <a:rPr lang="ru-RU" sz="1100" dirty="0">
+                  <a:latin typeface="Times New Roman" panose="02020603050405020304" pitchFamily="18" charset="0"/>
+                  <a:cs typeface="Times New Roman" panose="02020603050405020304" pitchFamily="18" charset="0"/>
+                </a:rPr>
+                <a:t>Экспериментальные данные</a:t>
+              </a:r>
+            </a:p>
+          </p:txBody>
+        </p:sp>
+        <p:sp>
+          <p:nvSpPr>
+            <p:cNvPr id="48" name="Левая фигурная скобка 34">
+              <a:extLst>
+                <a:ext uri="{FF2B5EF4-FFF2-40B4-BE49-F238E27FC236}">
+                  <a16:creationId xmlns:a16="http://schemas.microsoft.com/office/drawing/2014/main" id="{03A78AF6-4060-384E-33D6-FFB43C45FE74}"/>
+                </a:ext>
+              </a:extLst>
+            </p:cNvPr>
+            <p:cNvSpPr/>
+            <p:nvPr/>
+          </p:nvSpPr>
+          <p:spPr>
+            <a:xfrm>
+              <a:off x="3529239" y="5555501"/>
+              <a:ext cx="276225" cy="416674"/>
+            </a:xfrm>
+            <a:prstGeom prst="leftBrace">
+              <a:avLst>
+                <a:gd name="adj1" fmla="val 35919"/>
+                <a:gd name="adj2" fmla="val 50629"/>
+              </a:avLst>
+            </a:prstGeom>
+            <a:ln w="28575">
+              <a:solidFill>
+                <a:srgbClr val="0070C0"/>
+              </a:solidFill>
+            </a:ln>
+          </p:spPr>
+          <p:style>
+            <a:lnRef idx="1">
+              <a:schemeClr val="accent1"/>
+            </a:lnRef>
+            <a:fillRef idx="0">
+              <a:schemeClr val="accent1"/>
+            </a:fillRef>
+            <a:effectRef idx="0">
+              <a:schemeClr val="accent1"/>
+            </a:effectRef>
+            <a:fontRef idx="minor">
+              <a:schemeClr val="tx1"/>
+            </a:fontRef>
+          </p:style>
+          <p:txBody>
+            <a:bodyPr rtlCol="0" anchor="ctr"/>
+            <a:lstStyle/>
+            <a:p>
+              <a:pPr algn="ctr"/>
+              <a:endParaRPr lang="ru-RU" sz="1100">
+                <a:latin typeface="Times New Roman" panose="02020603050405020304" pitchFamily="18" charset="0"/>
+                <a:cs typeface="Times New Roman" panose="02020603050405020304" pitchFamily="18" charset="0"/>
+              </a:endParaRPr>
+            </a:p>
+          </p:txBody>
+        </p:sp>
+        <p:sp>
+          <p:nvSpPr>
+            <p:cNvPr id="49" name="Левая фигурная скобка 35">
+              <a:extLst>
+                <a:ext uri="{FF2B5EF4-FFF2-40B4-BE49-F238E27FC236}">
+                  <a16:creationId xmlns:a16="http://schemas.microsoft.com/office/drawing/2014/main" id="{1766ED3F-9742-4F86-6991-F2FAAB59E36B}"/>
+                </a:ext>
+              </a:extLst>
+            </p:cNvPr>
+            <p:cNvSpPr/>
+            <p:nvPr/>
+          </p:nvSpPr>
+          <p:spPr>
+            <a:xfrm>
+              <a:off x="3527673" y="4803025"/>
+              <a:ext cx="276225" cy="645275"/>
+            </a:xfrm>
+            <a:prstGeom prst="leftBrace">
+              <a:avLst>
+                <a:gd name="adj1" fmla="val 35919"/>
+                <a:gd name="adj2" fmla="val 50629"/>
+              </a:avLst>
+            </a:prstGeom>
+            <a:ln w="28575">
+              <a:solidFill>
+                <a:srgbClr val="0070C0"/>
+              </a:solidFill>
+            </a:ln>
+          </p:spPr>
+          <p:style>
+            <a:lnRef idx="1">
+              <a:schemeClr val="accent1"/>
+            </a:lnRef>
+            <a:fillRef idx="0">
+              <a:schemeClr val="accent1"/>
+            </a:fillRef>
+            <a:effectRef idx="0">
+              <a:schemeClr val="accent1"/>
+            </a:effectRef>
+            <a:fontRef idx="minor">
+              <a:schemeClr val="tx1"/>
+            </a:fontRef>
+          </p:style>
+          <p:txBody>
+            <a:bodyPr rtlCol="0" anchor="ctr"/>
+            <a:lstStyle/>
+            <a:p>
+              <a:pPr algn="ctr"/>
+              <a:endParaRPr lang="ru-RU" sz="1100">
+                <a:latin typeface="Times New Roman" panose="02020603050405020304" pitchFamily="18" charset="0"/>
+                <a:cs typeface="Times New Roman" panose="02020603050405020304" pitchFamily="18" charset="0"/>
+              </a:endParaRPr>
+            </a:p>
+          </p:txBody>
+        </p:sp>
+        <p:sp>
+          <p:nvSpPr>
+            <p:cNvPr id="50" name="TextBox 49">
+              <a:extLst>
+                <a:ext uri="{FF2B5EF4-FFF2-40B4-BE49-F238E27FC236}">
+                  <a16:creationId xmlns:a16="http://schemas.microsoft.com/office/drawing/2014/main" id="{B9C535DB-66CC-4BFA-96B8-08C9F4647FE8}"/>
+                </a:ext>
+              </a:extLst>
+            </p:cNvPr>
+            <p:cNvSpPr txBox="1"/>
+            <p:nvPr/>
+          </p:nvSpPr>
+          <p:spPr>
+            <a:xfrm>
+              <a:off x="2137992" y="4759861"/>
+              <a:ext cx="1385586" cy="600164"/>
+            </a:xfrm>
+            <a:prstGeom prst="rect">
+              <a:avLst/>
+            </a:prstGeom>
+            <a:noFill/>
+          </p:spPr>
+          <p:txBody>
+            <a:bodyPr wrap="square" rtlCol="0">
+              <a:spAutoFit/>
+            </a:bodyPr>
+            <a:lstStyle/>
+            <a:p>
+              <a:pPr algn="ctr"/>
+              <a:r>
+                <a:rPr lang="ru-RU" sz="1100" dirty="0">
+                  <a:latin typeface="Times New Roman" panose="02020603050405020304" pitchFamily="18" charset="0"/>
+                  <a:cs typeface="Times New Roman" panose="02020603050405020304" pitchFamily="18" charset="0"/>
+                </a:rPr>
+                <a:t>Кривые без экспериментальных данных</a:t>
+              </a:r>
+            </a:p>
+          </p:txBody>
+        </p:sp>
+        <p:cxnSp>
+          <p:nvCxnSpPr>
+            <p:cNvPr id="51" name="Прямая со стрелкой 37">
+              <a:extLst>
+                <a:ext uri="{FF2B5EF4-FFF2-40B4-BE49-F238E27FC236}">
+                  <a16:creationId xmlns:a16="http://schemas.microsoft.com/office/drawing/2014/main" id="{67ED0BE8-BCFB-B8BB-6B76-D8211AFEAB27}"/>
+                </a:ext>
+              </a:extLst>
+            </p:cNvPr>
+            <p:cNvCxnSpPr/>
+            <p:nvPr/>
+          </p:nvCxnSpPr>
+          <p:spPr>
+            <a:xfrm>
+              <a:off x="3536159" y="2215832"/>
+              <a:ext cx="269081" cy="0"/>
+            </a:xfrm>
+            <a:prstGeom prst="straightConnector1">
+              <a:avLst/>
+            </a:prstGeom>
+            <a:ln w="47625">
+              <a:tailEnd type="stealth" w="lg" len="lg"/>
+            </a:ln>
+          </p:spPr>
+          <p:style>
+            <a:lnRef idx="1">
+              <a:schemeClr val="accent1"/>
+            </a:lnRef>
+            <a:fillRef idx="0">
+              <a:schemeClr val="accent1"/>
+            </a:fillRef>
+            <a:effectRef idx="0">
+              <a:schemeClr val="accent1"/>
+            </a:effectRef>
+            <a:fontRef idx="minor">
+              <a:schemeClr val="tx1"/>
+            </a:fontRef>
+          </p:style>
+        </p:cxnSp>
+      </p:grpSp>
+    </p:spTree>
+    <p:extLst>
+      <p:ext uri="{BB962C8B-B14F-4D97-AF65-F5344CB8AC3E}">
+        <p14:creationId xmlns:p14="http://schemas.microsoft.com/office/powerpoint/2010/main" val="3549598787"/>
+      </p:ext>
+    </p:extLst>
+  </p:cSld>
+  <p:clrMapOvr>
+    <a:masterClrMapping/>
+  </p:clrMapOvr>
+</p:sld>
+</file>
+
+<file path=ppt/slides/slide30.xml><?xml version="1.0" encoding="utf-8"?>
 <p:sld xmlns:a="http://schemas.openxmlformats.org/drawingml/2006/main" xmlns:r="http://schemas.openxmlformats.org/officeDocument/2006/relationships" xmlns:p="http://schemas.openxmlformats.org/presentationml/2006/main">
   <p:cSld>
     <p:spTree>
@@ -19173,725 +19654,7 @@
 </p:sld>
 </file>
 
-<file path=ppt/slides/slide3.xml><?xml version="1.0" encoding="utf-8"?>
-<p:sld xmlns:a="http://schemas.openxmlformats.org/drawingml/2006/main" xmlns:r="http://schemas.openxmlformats.org/officeDocument/2006/relationships" xmlns:p="http://schemas.openxmlformats.org/presentationml/2006/main">
-  <p:cSld>
-    <p:spTree>
-      <p:nvGrpSpPr>
-        <p:cNvPr id="1" name=""/>
-        <p:cNvGrpSpPr/>
-        <p:nvPr/>
-      </p:nvGrpSpPr>
-      <p:grpSpPr>
-        <a:xfrm>
-          <a:off x="0" y="0"/>
-          <a:ext cx="0" cy="0"/>
-          <a:chOff x="0" y="0"/>
-          <a:chExt cx="0" cy="0"/>
-        </a:xfrm>
-      </p:grpSpPr>
-      <p:grpSp>
-        <p:nvGrpSpPr>
-          <p:cNvPr id="36" name="Group 35">
-            <a:extLst>
-              <a:ext uri="{FF2B5EF4-FFF2-40B4-BE49-F238E27FC236}">
-                <a16:creationId xmlns:a16="http://schemas.microsoft.com/office/drawing/2014/main" id="{F8A36A5D-9C52-F371-1351-0FD1A96AE0D7}"/>
-              </a:ext>
-            </a:extLst>
-          </p:cNvPr>
-          <p:cNvGrpSpPr/>
-          <p:nvPr/>
-        </p:nvGrpSpPr>
-        <p:grpSpPr>
-          <a:xfrm>
-            <a:off x="923925" y="307507"/>
-            <a:ext cx="6657975" cy="5867441"/>
-            <a:chOff x="2143125" y="278932"/>
-            <a:chExt cx="6657975" cy="5867441"/>
-          </a:xfrm>
-        </p:grpSpPr>
-        <p:pic>
-          <p:nvPicPr>
-            <p:cNvPr id="3" name="Picture 2">
-              <a:extLst>
-                <a:ext uri="{FF2B5EF4-FFF2-40B4-BE49-F238E27FC236}">
-                  <a16:creationId xmlns:a16="http://schemas.microsoft.com/office/drawing/2014/main" id="{36D787FE-7A9E-9657-BA47-A99C29A22C5D}"/>
-                </a:ext>
-              </a:extLst>
-            </p:cNvPr>
-            <p:cNvPicPr>
-              <a:picLocks noChangeAspect="1"/>
-            </p:cNvPicPr>
-            <p:nvPr/>
-          </p:nvPicPr>
-          <p:blipFill rotWithShape="1">
-            <a:blip r:embed="rId2"/>
-            <a:srcRect t="3007" r="3954" b="10074"/>
-            <a:stretch/>
-          </p:blipFill>
-          <p:spPr>
-            <a:xfrm>
-              <a:off x="3248025" y="278932"/>
-              <a:ext cx="5553075" cy="5861518"/>
-            </a:xfrm>
-            <a:prstGeom prst="rect">
-              <a:avLst/>
-            </a:prstGeom>
-          </p:spPr>
-        </p:pic>
-        <p:sp>
-          <p:nvSpPr>
-            <p:cNvPr id="4" name="Левая фигурная скобка 25">
-              <a:extLst>
-                <a:ext uri="{FF2B5EF4-FFF2-40B4-BE49-F238E27FC236}">
-                  <a16:creationId xmlns:a16="http://schemas.microsoft.com/office/drawing/2014/main" id="{6267E057-9F6F-E5A0-6A7F-0F7538961308}"/>
-                </a:ext>
-              </a:extLst>
-            </p:cNvPr>
-            <p:cNvSpPr/>
-            <p:nvPr/>
-          </p:nvSpPr>
-          <p:spPr>
-            <a:xfrm>
-              <a:off x="3395292" y="2524125"/>
-              <a:ext cx="276225" cy="612026"/>
-            </a:xfrm>
-            <a:prstGeom prst="leftBrace">
-              <a:avLst>
-                <a:gd name="adj1" fmla="val 35919"/>
-                <a:gd name="adj2" fmla="val 50629"/>
-              </a:avLst>
-            </a:prstGeom>
-            <a:ln w="28575">
-              <a:solidFill>
-                <a:srgbClr val="0070C0"/>
-              </a:solidFill>
-            </a:ln>
-          </p:spPr>
-          <p:style>
-            <a:lnRef idx="1">
-              <a:schemeClr val="accent1"/>
-            </a:lnRef>
-            <a:fillRef idx="0">
-              <a:schemeClr val="accent1"/>
-            </a:fillRef>
-            <a:effectRef idx="0">
-              <a:schemeClr val="accent1"/>
-            </a:effectRef>
-            <a:fontRef idx="minor">
-              <a:schemeClr val="tx1"/>
-            </a:fontRef>
-          </p:style>
-          <p:txBody>
-            <a:bodyPr rtlCol="0" anchor="ctr"/>
-            <a:lstStyle/>
-            <a:p>
-              <a:pPr algn="ctr"/>
-              <a:endParaRPr lang="ru-RU" sz="1100">
-                <a:latin typeface="Times New Roman" panose="02020603050405020304" pitchFamily="18" charset="0"/>
-                <a:cs typeface="Times New Roman" panose="02020603050405020304" pitchFamily="18" charset="0"/>
-              </a:endParaRPr>
-            </a:p>
-          </p:txBody>
-        </p:sp>
-        <p:sp>
-          <p:nvSpPr>
-            <p:cNvPr id="5" name="Левая фигурная скобка 26">
-              <a:extLst>
-                <a:ext uri="{FF2B5EF4-FFF2-40B4-BE49-F238E27FC236}">
-                  <a16:creationId xmlns:a16="http://schemas.microsoft.com/office/drawing/2014/main" id="{5CC620E3-FC1E-606E-2FBE-A135877146EC}"/>
-                </a:ext>
-              </a:extLst>
-            </p:cNvPr>
-            <p:cNvSpPr/>
-            <p:nvPr/>
-          </p:nvSpPr>
-          <p:spPr>
-            <a:xfrm>
-              <a:off x="3414342" y="3526677"/>
-              <a:ext cx="276225" cy="1254874"/>
-            </a:xfrm>
-            <a:prstGeom prst="leftBrace">
-              <a:avLst>
-                <a:gd name="adj1" fmla="val 35919"/>
-                <a:gd name="adj2" fmla="val 50629"/>
-              </a:avLst>
-            </a:prstGeom>
-            <a:ln w="28575">
-              <a:solidFill>
-                <a:srgbClr val="0070C0"/>
-              </a:solidFill>
-            </a:ln>
-          </p:spPr>
-          <p:style>
-            <a:lnRef idx="1">
-              <a:schemeClr val="accent1"/>
-            </a:lnRef>
-            <a:fillRef idx="0">
-              <a:schemeClr val="accent1"/>
-            </a:fillRef>
-            <a:effectRef idx="0">
-              <a:schemeClr val="accent1"/>
-            </a:effectRef>
-            <a:fontRef idx="minor">
-              <a:schemeClr val="tx1"/>
-            </a:fontRef>
-          </p:style>
-          <p:txBody>
-            <a:bodyPr rtlCol="0" anchor="ctr"/>
-            <a:lstStyle/>
-            <a:p>
-              <a:pPr algn="ctr"/>
-              <a:endParaRPr lang="ru-RU" sz="1100">
-                <a:latin typeface="Times New Roman" panose="02020603050405020304" pitchFamily="18" charset="0"/>
-                <a:cs typeface="Times New Roman" panose="02020603050405020304" pitchFamily="18" charset="0"/>
-              </a:endParaRPr>
-            </a:p>
-          </p:txBody>
-        </p:sp>
-        <p:cxnSp>
-          <p:nvCxnSpPr>
-            <p:cNvPr id="6" name="Прямая со стрелкой 27">
-              <a:extLst>
-                <a:ext uri="{FF2B5EF4-FFF2-40B4-BE49-F238E27FC236}">
-                  <a16:creationId xmlns:a16="http://schemas.microsoft.com/office/drawing/2014/main" id="{A6E118F9-80A6-FF96-513B-5DFD82BF2DEB}"/>
-                </a:ext>
-              </a:extLst>
-            </p:cNvPr>
-            <p:cNvCxnSpPr/>
-            <p:nvPr/>
-          </p:nvCxnSpPr>
-          <p:spPr>
-            <a:xfrm>
-              <a:off x="3421486" y="2078876"/>
-              <a:ext cx="269081" cy="0"/>
-            </a:xfrm>
-            <a:prstGeom prst="straightConnector1">
-              <a:avLst/>
-            </a:prstGeom>
-            <a:ln w="47625">
-              <a:tailEnd type="stealth" w="lg" len="lg"/>
-            </a:ln>
-          </p:spPr>
-          <p:style>
-            <a:lnRef idx="1">
-              <a:schemeClr val="accent1"/>
-            </a:lnRef>
-            <a:fillRef idx="0">
-              <a:schemeClr val="accent1"/>
-            </a:fillRef>
-            <a:effectRef idx="0">
-              <a:schemeClr val="accent1"/>
-            </a:effectRef>
-            <a:fontRef idx="minor">
-              <a:schemeClr val="tx1"/>
-            </a:fontRef>
-          </p:style>
-        </p:cxnSp>
-        <p:cxnSp>
-          <p:nvCxnSpPr>
-            <p:cNvPr id="7" name="Прямая со стрелкой 28">
-              <a:extLst>
-                <a:ext uri="{FF2B5EF4-FFF2-40B4-BE49-F238E27FC236}">
-                  <a16:creationId xmlns:a16="http://schemas.microsoft.com/office/drawing/2014/main" id="{24544876-6CF3-8BA6-9982-37645621893B}"/>
-                </a:ext>
-              </a:extLst>
-            </p:cNvPr>
-            <p:cNvCxnSpPr/>
-            <p:nvPr/>
-          </p:nvCxnSpPr>
-          <p:spPr>
-            <a:xfrm>
-              <a:off x="3422486" y="3326651"/>
-              <a:ext cx="269081" cy="0"/>
-            </a:xfrm>
-            <a:prstGeom prst="straightConnector1">
-              <a:avLst/>
-            </a:prstGeom>
-            <a:ln w="47625">
-              <a:tailEnd type="stealth" w="lg" len="lg"/>
-            </a:ln>
-          </p:spPr>
-          <p:style>
-            <a:lnRef idx="1">
-              <a:schemeClr val="accent1"/>
-            </a:lnRef>
-            <a:fillRef idx="0">
-              <a:schemeClr val="accent1"/>
-            </a:fillRef>
-            <a:effectRef idx="0">
-              <a:schemeClr val="accent1"/>
-            </a:effectRef>
-            <a:fontRef idx="minor">
-              <a:schemeClr val="tx1"/>
-            </a:fontRef>
-          </p:style>
-        </p:cxnSp>
-        <p:sp>
-          <p:nvSpPr>
-            <p:cNvPr id="14" name="Левая фигурная скобка 34">
-              <a:extLst>
-                <a:ext uri="{FF2B5EF4-FFF2-40B4-BE49-F238E27FC236}">
-                  <a16:creationId xmlns:a16="http://schemas.microsoft.com/office/drawing/2014/main" id="{490DC4B5-D35F-F0C4-0AA3-ED77CCC4A64A}"/>
-                </a:ext>
-              </a:extLst>
-            </p:cNvPr>
-            <p:cNvSpPr/>
-            <p:nvPr/>
-          </p:nvSpPr>
-          <p:spPr>
-            <a:xfrm>
-              <a:off x="3414939" y="5698376"/>
-              <a:ext cx="276225" cy="416674"/>
-            </a:xfrm>
-            <a:prstGeom prst="leftBrace">
-              <a:avLst>
-                <a:gd name="adj1" fmla="val 35919"/>
-                <a:gd name="adj2" fmla="val 50629"/>
-              </a:avLst>
-            </a:prstGeom>
-            <a:ln w="28575">
-              <a:solidFill>
-                <a:srgbClr val="0070C0"/>
-              </a:solidFill>
-            </a:ln>
-          </p:spPr>
-          <p:style>
-            <a:lnRef idx="1">
-              <a:schemeClr val="accent1"/>
-            </a:lnRef>
-            <a:fillRef idx="0">
-              <a:schemeClr val="accent1"/>
-            </a:fillRef>
-            <a:effectRef idx="0">
-              <a:schemeClr val="accent1"/>
-            </a:effectRef>
-            <a:fontRef idx="minor">
-              <a:schemeClr val="tx1"/>
-            </a:fontRef>
-          </p:style>
-          <p:txBody>
-            <a:bodyPr rtlCol="0" anchor="ctr"/>
-            <a:lstStyle/>
-            <a:p>
-              <a:pPr algn="ctr"/>
-              <a:endParaRPr lang="ru-RU" sz="1100">
-                <a:latin typeface="Times New Roman" panose="02020603050405020304" pitchFamily="18" charset="0"/>
-                <a:cs typeface="Times New Roman" panose="02020603050405020304" pitchFamily="18" charset="0"/>
-              </a:endParaRPr>
-            </a:p>
-          </p:txBody>
-        </p:sp>
-        <p:sp>
-          <p:nvSpPr>
-            <p:cNvPr id="15" name="Левая фигурная скобка 35">
-              <a:extLst>
-                <a:ext uri="{FF2B5EF4-FFF2-40B4-BE49-F238E27FC236}">
-                  <a16:creationId xmlns:a16="http://schemas.microsoft.com/office/drawing/2014/main" id="{1E8F8CD9-7175-3FAA-44ED-D26B5B820CE5}"/>
-                </a:ext>
-              </a:extLst>
-            </p:cNvPr>
-            <p:cNvSpPr/>
-            <p:nvPr/>
-          </p:nvSpPr>
-          <p:spPr>
-            <a:xfrm>
-              <a:off x="3413373" y="4945900"/>
-              <a:ext cx="276225" cy="645275"/>
-            </a:xfrm>
-            <a:prstGeom prst="leftBrace">
-              <a:avLst>
-                <a:gd name="adj1" fmla="val 35919"/>
-                <a:gd name="adj2" fmla="val 50629"/>
-              </a:avLst>
-            </a:prstGeom>
-            <a:ln w="28575">
-              <a:solidFill>
-                <a:srgbClr val="0070C0"/>
-              </a:solidFill>
-            </a:ln>
-          </p:spPr>
-          <p:style>
-            <a:lnRef idx="1">
-              <a:schemeClr val="accent1"/>
-            </a:lnRef>
-            <a:fillRef idx="0">
-              <a:schemeClr val="accent1"/>
-            </a:fillRef>
-            <a:effectRef idx="0">
-              <a:schemeClr val="accent1"/>
-            </a:effectRef>
-            <a:fontRef idx="minor">
-              <a:schemeClr val="tx1"/>
-            </a:fontRef>
-          </p:style>
-          <p:txBody>
-            <a:bodyPr rtlCol="0" anchor="ctr"/>
-            <a:lstStyle/>
-            <a:p>
-              <a:pPr algn="ctr"/>
-              <a:endParaRPr lang="ru-RU" sz="1100">
-                <a:latin typeface="Times New Roman" panose="02020603050405020304" pitchFamily="18" charset="0"/>
-                <a:cs typeface="Times New Roman" panose="02020603050405020304" pitchFamily="18" charset="0"/>
-              </a:endParaRPr>
-            </a:p>
-          </p:txBody>
-        </p:sp>
-        <p:cxnSp>
-          <p:nvCxnSpPr>
-            <p:cNvPr id="17" name="Прямая со стрелкой 37">
-              <a:extLst>
-                <a:ext uri="{FF2B5EF4-FFF2-40B4-BE49-F238E27FC236}">
-                  <a16:creationId xmlns:a16="http://schemas.microsoft.com/office/drawing/2014/main" id="{BF5AFA0F-990E-8A76-7522-4C5A24FFBAB4}"/>
-                </a:ext>
-              </a:extLst>
-            </p:cNvPr>
-            <p:cNvCxnSpPr/>
-            <p:nvPr/>
-          </p:nvCxnSpPr>
-          <p:spPr>
-            <a:xfrm>
-              <a:off x="3421859" y="2358707"/>
-              <a:ext cx="269081" cy="0"/>
-            </a:xfrm>
-            <a:prstGeom prst="straightConnector1">
-              <a:avLst/>
-            </a:prstGeom>
-            <a:ln w="47625">
-              <a:tailEnd type="stealth" w="lg" len="lg"/>
-            </a:ln>
-          </p:spPr>
-          <p:style>
-            <a:lnRef idx="1">
-              <a:schemeClr val="accent1"/>
-            </a:lnRef>
-            <a:fillRef idx="0">
-              <a:schemeClr val="accent1"/>
-            </a:fillRef>
-            <a:effectRef idx="0">
-              <a:schemeClr val="accent1"/>
-            </a:effectRef>
-            <a:fontRef idx="minor">
-              <a:schemeClr val="tx1"/>
-            </a:fontRef>
-          </p:style>
-        </p:cxnSp>
-        <p:sp>
-          <p:nvSpPr>
-            <p:cNvPr id="24" name="TextBox 23">
-              <a:extLst>
-                <a:ext uri="{FF2B5EF4-FFF2-40B4-BE49-F238E27FC236}">
-                  <a16:creationId xmlns:a16="http://schemas.microsoft.com/office/drawing/2014/main" id="{4857844D-20B1-E588-210C-037A3554A513}"/>
-                </a:ext>
-              </a:extLst>
-            </p:cNvPr>
-            <p:cNvSpPr txBox="1"/>
-            <p:nvPr/>
-          </p:nvSpPr>
-          <p:spPr>
-            <a:xfrm>
-              <a:off x="2716510" y="1934968"/>
-              <a:ext cx="796528" cy="261610"/>
-            </a:xfrm>
-            <a:prstGeom prst="rect">
-              <a:avLst/>
-            </a:prstGeom>
-            <a:noFill/>
-          </p:spPr>
-          <p:txBody>
-            <a:bodyPr wrap="square" rtlCol="0">
-              <a:spAutoFit/>
-            </a:bodyPr>
-            <a:lstStyle/>
-            <a:p>
-              <a:pPr algn="ctr"/>
-              <a:r>
-                <a:rPr lang="en-US" sz="1100" dirty="0">
-                  <a:latin typeface="Times New Roman" panose="02020603050405020304" pitchFamily="18" charset="0"/>
-                  <a:cs typeface="Times New Roman" panose="02020603050405020304" pitchFamily="18" charset="0"/>
-                </a:rPr>
-                <a:t>Menu</a:t>
-              </a:r>
-              <a:endParaRPr lang="ru-RU" sz="1100" dirty="0">
-                <a:latin typeface="Times New Roman" panose="02020603050405020304" pitchFamily="18" charset="0"/>
-                <a:cs typeface="Times New Roman" panose="02020603050405020304" pitchFamily="18" charset="0"/>
-              </a:endParaRPr>
-            </a:p>
-          </p:txBody>
-        </p:sp>
-        <p:sp>
-          <p:nvSpPr>
-            <p:cNvPr id="26" name="TextBox 25">
-              <a:extLst>
-                <a:ext uri="{FF2B5EF4-FFF2-40B4-BE49-F238E27FC236}">
-                  <a16:creationId xmlns:a16="http://schemas.microsoft.com/office/drawing/2014/main" id="{FB64242F-494C-1CA3-9EDC-9F070C23196D}"/>
-                </a:ext>
-              </a:extLst>
-            </p:cNvPr>
-            <p:cNvSpPr txBox="1"/>
-            <p:nvPr/>
-          </p:nvSpPr>
-          <p:spPr>
-            <a:xfrm>
-              <a:off x="2227163" y="2692915"/>
-              <a:ext cx="1209675" cy="261610"/>
-            </a:xfrm>
-            <a:prstGeom prst="rect">
-              <a:avLst/>
-            </a:prstGeom>
-            <a:noFill/>
-          </p:spPr>
-          <p:txBody>
-            <a:bodyPr wrap="square" rtlCol="0">
-              <a:spAutoFit/>
-            </a:bodyPr>
-            <a:lstStyle/>
-            <a:p>
-              <a:pPr algn="ctr"/>
-              <a:r>
-                <a:rPr lang="en-US" sz="1100" dirty="0">
-                  <a:latin typeface="Times New Roman" panose="02020603050405020304" pitchFamily="18" charset="0"/>
-                  <a:cs typeface="Times New Roman" panose="02020603050405020304" pitchFamily="18" charset="0"/>
-                </a:rPr>
-                <a:t>Layered structure</a:t>
-              </a:r>
-              <a:endParaRPr lang="ru-RU" sz="1100" dirty="0">
-                <a:latin typeface="Times New Roman" panose="02020603050405020304" pitchFamily="18" charset="0"/>
-                <a:cs typeface="Times New Roman" panose="02020603050405020304" pitchFamily="18" charset="0"/>
-              </a:endParaRPr>
-            </a:p>
-          </p:txBody>
-        </p:sp>
-        <p:sp>
-          <p:nvSpPr>
-            <p:cNvPr id="27" name="TextBox 26">
-              <a:extLst>
-                <a:ext uri="{FF2B5EF4-FFF2-40B4-BE49-F238E27FC236}">
-                  <a16:creationId xmlns:a16="http://schemas.microsoft.com/office/drawing/2014/main" id="{7C0BF45C-8903-59D8-9B27-267BB2ACBD68}"/>
-                </a:ext>
-              </a:extLst>
-            </p:cNvPr>
-            <p:cNvSpPr txBox="1"/>
-            <p:nvPr/>
-          </p:nvSpPr>
-          <p:spPr>
-            <a:xfrm>
-              <a:off x="2430165" y="3186432"/>
-              <a:ext cx="1110853" cy="261610"/>
-            </a:xfrm>
-            <a:prstGeom prst="rect">
-              <a:avLst/>
-            </a:prstGeom>
-            <a:noFill/>
-          </p:spPr>
-          <p:txBody>
-            <a:bodyPr wrap="square" rtlCol="0">
-              <a:spAutoFit/>
-            </a:bodyPr>
-            <a:lstStyle/>
-            <a:p>
-              <a:pPr algn="ctr"/>
-              <a:r>
-                <a:rPr lang="en-US" sz="1100" dirty="0">
-                  <a:latin typeface="Times New Roman" panose="02020603050405020304" pitchFamily="18" charset="0"/>
-                  <a:cs typeface="Times New Roman" panose="02020603050405020304" pitchFamily="18" charset="0"/>
-                </a:rPr>
-                <a:t>Toolbar</a:t>
-              </a:r>
-              <a:endParaRPr lang="ru-RU" sz="1100" dirty="0">
-                <a:latin typeface="Times New Roman" panose="02020603050405020304" pitchFamily="18" charset="0"/>
-                <a:cs typeface="Times New Roman" panose="02020603050405020304" pitchFamily="18" charset="0"/>
-              </a:endParaRPr>
-            </a:p>
-          </p:txBody>
-        </p:sp>
-        <p:sp>
-          <p:nvSpPr>
-            <p:cNvPr id="28" name="TextBox 27">
-              <a:extLst>
-                <a:ext uri="{FF2B5EF4-FFF2-40B4-BE49-F238E27FC236}">
-                  <a16:creationId xmlns:a16="http://schemas.microsoft.com/office/drawing/2014/main" id="{493A8704-DB96-CF3B-1320-AB023DC769A5}"/>
-                </a:ext>
-              </a:extLst>
-            </p:cNvPr>
-            <p:cNvSpPr txBox="1"/>
-            <p:nvPr/>
-          </p:nvSpPr>
-          <p:spPr>
-            <a:xfrm>
-              <a:off x="2293838" y="3954860"/>
-              <a:ext cx="1136302" cy="430887"/>
-            </a:xfrm>
-            <a:prstGeom prst="rect">
-              <a:avLst/>
-            </a:prstGeom>
-            <a:noFill/>
-          </p:spPr>
-          <p:txBody>
-            <a:bodyPr wrap="square" rtlCol="0">
-              <a:spAutoFit/>
-            </a:bodyPr>
-            <a:lstStyle/>
-            <a:p>
-              <a:pPr algn="ctr"/>
-              <a:r>
-                <a:rPr lang="en-US" sz="1100" dirty="0">
-                  <a:latin typeface="Times New Roman" panose="02020603050405020304" pitchFamily="18" charset="0"/>
-                  <a:cs typeface="Times New Roman" panose="02020603050405020304" pitchFamily="18" charset="0"/>
-                </a:rPr>
-                <a:t>Access to other windows</a:t>
-              </a:r>
-              <a:endParaRPr lang="ru-RU" sz="1100" dirty="0">
-                <a:latin typeface="Times New Roman" panose="02020603050405020304" pitchFamily="18" charset="0"/>
-                <a:cs typeface="Times New Roman" panose="02020603050405020304" pitchFamily="18" charset="0"/>
-              </a:endParaRPr>
-            </a:p>
-          </p:txBody>
-        </p:sp>
-        <p:sp>
-          <p:nvSpPr>
-            <p:cNvPr id="29" name="TextBox 28">
-              <a:extLst>
-                <a:ext uri="{FF2B5EF4-FFF2-40B4-BE49-F238E27FC236}">
-                  <a16:creationId xmlns:a16="http://schemas.microsoft.com/office/drawing/2014/main" id="{AC0F9CD0-B21E-8D20-093E-D5EC05D9DA5C}"/>
-                </a:ext>
-              </a:extLst>
-            </p:cNvPr>
-            <p:cNvSpPr txBox="1"/>
-            <p:nvPr/>
-          </p:nvSpPr>
-          <p:spPr>
-            <a:xfrm>
-              <a:off x="2258304" y="5715486"/>
-              <a:ext cx="1318841" cy="430887"/>
-            </a:xfrm>
-            <a:prstGeom prst="rect">
-              <a:avLst/>
-            </a:prstGeom>
-            <a:noFill/>
-          </p:spPr>
-          <p:txBody>
-            <a:bodyPr wrap="square" rtlCol="0">
-              <a:spAutoFit/>
-            </a:bodyPr>
-            <a:lstStyle/>
-            <a:p>
-              <a:pPr algn="ctr"/>
-              <a:r>
-                <a:rPr lang="en-US" sz="1100" dirty="0">
-                  <a:latin typeface="Times New Roman" panose="02020603050405020304" pitchFamily="18" charset="0"/>
-                  <a:cs typeface="Times New Roman" panose="02020603050405020304" pitchFamily="18" charset="0"/>
-                </a:rPr>
-                <a:t>Measured and target curves</a:t>
-              </a:r>
-              <a:endParaRPr lang="ru-RU" sz="1100" dirty="0">
-                <a:latin typeface="Times New Roman" panose="02020603050405020304" pitchFamily="18" charset="0"/>
-                <a:cs typeface="Times New Roman" panose="02020603050405020304" pitchFamily="18" charset="0"/>
-              </a:endParaRPr>
-            </a:p>
-          </p:txBody>
-        </p:sp>
-        <p:sp>
-          <p:nvSpPr>
-            <p:cNvPr id="32" name="TextBox 31">
-              <a:extLst>
-                <a:ext uri="{FF2B5EF4-FFF2-40B4-BE49-F238E27FC236}">
-                  <a16:creationId xmlns:a16="http://schemas.microsoft.com/office/drawing/2014/main" id="{296A2AFC-949B-F2C5-8067-090D9A074592}"/>
-                </a:ext>
-              </a:extLst>
-            </p:cNvPr>
-            <p:cNvSpPr txBox="1"/>
-            <p:nvPr/>
-          </p:nvSpPr>
-          <p:spPr>
-            <a:xfrm>
-              <a:off x="2234752" y="5064212"/>
-              <a:ext cx="1368773" cy="430887"/>
-            </a:xfrm>
-            <a:prstGeom prst="rect">
-              <a:avLst/>
-            </a:prstGeom>
-            <a:noFill/>
-          </p:spPr>
-          <p:txBody>
-            <a:bodyPr wrap="square" rtlCol="0">
-              <a:spAutoFit/>
-            </a:bodyPr>
-            <a:lstStyle/>
-            <a:p>
-              <a:pPr algn="ctr"/>
-              <a:r>
-                <a:rPr lang="en-US" sz="1100" dirty="0">
-                  <a:latin typeface="Times New Roman" panose="02020603050405020304" pitchFamily="18" charset="0"/>
-                  <a:cs typeface="Times New Roman" panose="02020603050405020304" pitchFamily="18" charset="0"/>
-                </a:rPr>
-                <a:t>Curves without measured data</a:t>
-              </a:r>
-              <a:endParaRPr lang="ru-RU" sz="1100" dirty="0">
-                <a:latin typeface="Times New Roman" panose="02020603050405020304" pitchFamily="18" charset="0"/>
-                <a:cs typeface="Times New Roman" panose="02020603050405020304" pitchFamily="18" charset="0"/>
-              </a:endParaRPr>
-            </a:p>
-          </p:txBody>
-        </p:sp>
-        <p:sp>
-          <p:nvSpPr>
-            <p:cNvPr id="34" name="TextBox 33">
-              <a:extLst>
-                <a:ext uri="{FF2B5EF4-FFF2-40B4-BE49-F238E27FC236}">
-                  <a16:creationId xmlns:a16="http://schemas.microsoft.com/office/drawing/2014/main" id="{5095FCD9-CE76-12C8-5305-1E2BE51A1247}"/>
-                </a:ext>
-              </a:extLst>
-            </p:cNvPr>
-            <p:cNvSpPr txBox="1"/>
-            <p:nvPr/>
-          </p:nvSpPr>
-          <p:spPr>
-            <a:xfrm>
-              <a:off x="2143125" y="2246702"/>
-              <a:ext cx="1316204" cy="261610"/>
-            </a:xfrm>
-            <a:prstGeom prst="rect">
-              <a:avLst/>
-            </a:prstGeom>
-            <a:noFill/>
-          </p:spPr>
-          <p:txBody>
-            <a:bodyPr wrap="square" rtlCol="0">
-              <a:spAutoFit/>
-            </a:bodyPr>
-            <a:lstStyle/>
-            <a:p>
-              <a:pPr algn="ctr"/>
-              <a:r>
-                <a:rPr lang="en-US" sz="1100" dirty="0">
-                  <a:latin typeface="Times New Roman" panose="02020603050405020304" pitchFamily="18" charset="0"/>
-                  <a:cs typeface="Times New Roman" panose="02020603050405020304" pitchFamily="18" charset="0"/>
-                </a:rPr>
-                <a:t>Tabs with structures</a:t>
-              </a:r>
-              <a:endParaRPr lang="ru-RU" sz="1100" dirty="0">
-                <a:latin typeface="Times New Roman" panose="02020603050405020304" pitchFamily="18" charset="0"/>
-                <a:cs typeface="Times New Roman" panose="02020603050405020304" pitchFamily="18" charset="0"/>
-              </a:endParaRPr>
-            </a:p>
-          </p:txBody>
-        </p:sp>
-      </p:grpSp>
-    </p:spTree>
-    <p:extLst>
-      <p:ext uri="{BB962C8B-B14F-4D97-AF65-F5344CB8AC3E}">
-        <p14:creationId xmlns:p14="http://schemas.microsoft.com/office/powerpoint/2010/main" val="4009726277"/>
-      </p:ext>
-    </p:extLst>
-  </p:cSld>
-  <p:clrMapOvr>
-    <a:masterClrMapping/>
-  </p:clrMapOvr>
-</p:sld>
-</file>
-
-<file path=ppt/slides/slide30.xml><?xml version="1.0" encoding="utf-8"?>
+<file path=ppt/slides/slide31.xml><?xml version="1.0" encoding="utf-8"?>
 <p:sld xmlns:a="http://schemas.openxmlformats.org/drawingml/2006/main" xmlns:r="http://schemas.openxmlformats.org/officeDocument/2006/relationships" xmlns:p="http://schemas.openxmlformats.org/presentationml/2006/main">
   <p:cSld>
     <p:spTree>
@@ -20808,7 +20571,7 @@
 </p:sld>
 </file>
 
-<file path=ppt/slides/slide31.xml><?xml version="1.0" encoding="utf-8"?>
+<file path=ppt/slides/slide32.xml><?xml version="1.0" encoding="utf-8"?>
 <p:sld xmlns:a="http://schemas.openxmlformats.org/drawingml/2006/main" xmlns:r="http://schemas.openxmlformats.org/officeDocument/2006/relationships" xmlns:p="http://schemas.openxmlformats.org/presentationml/2006/main">
   <p:cSld>
     <p:spTree>
@@ -21288,7 +21051,7 @@
 </p:sld>
 </file>
 
-<file path=ppt/slides/slide32.xml><?xml version="1.0" encoding="utf-8"?>
+<file path=ppt/slides/slide33.xml><?xml version="1.0" encoding="utf-8"?>
 <p:sld xmlns:a="http://schemas.openxmlformats.org/drawingml/2006/main" xmlns:r="http://schemas.openxmlformats.org/officeDocument/2006/relationships" xmlns:p="http://schemas.openxmlformats.org/presentationml/2006/main">
   <p:cSld>
     <p:spTree>
@@ -21695,7 +21458,7 @@
 </p:sld>
 </file>
 
-<file path=ppt/slides/slide33.xml><?xml version="1.0" encoding="utf-8"?>
+<file path=ppt/slides/slide34.xml><?xml version="1.0" encoding="utf-8"?>
 <p:sld xmlns:a="http://schemas.openxmlformats.org/drawingml/2006/main" xmlns:r="http://schemas.openxmlformats.org/officeDocument/2006/relationships" xmlns:p="http://schemas.openxmlformats.org/presentationml/2006/main">
   <p:cSld>
     <p:spTree>
@@ -22122,7 +21885,7 @@
 </p:sld>
 </file>
 
-<file path=ppt/slides/slide34.xml><?xml version="1.0" encoding="utf-8"?>
+<file path=ppt/slides/slide35.xml><?xml version="1.0" encoding="utf-8"?>
 <p:sld xmlns:a="http://schemas.openxmlformats.org/drawingml/2006/main" xmlns:r="http://schemas.openxmlformats.org/officeDocument/2006/relationships" xmlns:p="http://schemas.openxmlformats.org/presentationml/2006/main">
   <p:cSld>
     <p:spTree>
@@ -22357,7 +22120,7 @@
 </p:sld>
 </file>
 
-<file path=ppt/slides/slide35.xml><?xml version="1.0" encoding="utf-8"?>
+<file path=ppt/slides/slide36.xml><?xml version="1.0" encoding="utf-8"?>
 <p:sld xmlns:a="http://schemas.openxmlformats.org/drawingml/2006/main" xmlns:r="http://schemas.openxmlformats.org/officeDocument/2006/relationships" xmlns:p="http://schemas.openxmlformats.org/presentationml/2006/main">
   <p:cSld>
     <p:spTree>
@@ -23004,7 +22767,7 @@
 </p:sld>
 </file>
 
-<file path=ppt/slides/slide36.xml><?xml version="1.0" encoding="utf-8"?>
+<file path=ppt/slides/slide37.xml><?xml version="1.0" encoding="utf-8"?>
 <p:sld xmlns:a="http://schemas.openxmlformats.org/drawingml/2006/main" xmlns:r="http://schemas.openxmlformats.org/officeDocument/2006/relationships" xmlns:p="http://schemas.openxmlformats.org/presentationml/2006/main">
   <p:cSld>
     <p:spTree>
@@ -23578,7 +23341,7 @@
 </p:sld>
 </file>
 
-<file path=ppt/slides/slide37.xml><?xml version="1.0" encoding="utf-8"?>
+<file path=ppt/slides/slide38.xml><?xml version="1.0" encoding="utf-8"?>
 <p:sld xmlns:a="http://schemas.openxmlformats.org/drawingml/2006/main" xmlns:r="http://schemas.openxmlformats.org/officeDocument/2006/relationships" xmlns:p="http://schemas.openxmlformats.org/presentationml/2006/main">
   <p:cSld>
     <p:spTree>
@@ -25652,7 +25415,7 @@
 </p:sld>
 </file>
 
-<file path=ppt/slides/slide38.xml><?xml version="1.0" encoding="utf-8"?>
+<file path=ppt/slides/slide39.xml><?xml version="1.0" encoding="utf-8"?>
 <p:sld xmlns:a="http://schemas.openxmlformats.org/drawingml/2006/main" xmlns:r="http://schemas.openxmlformats.org/officeDocument/2006/relationships" xmlns:p="http://schemas.openxmlformats.org/presentationml/2006/main">
   <p:cSld>
     <p:spTree>
@@ -26420,7 +26183,725 @@
 </p:sld>
 </file>
 
-<file path=ppt/slides/slide39.xml><?xml version="1.0" encoding="utf-8"?>
+<file path=ppt/slides/slide4.xml><?xml version="1.0" encoding="utf-8"?>
+<p:sld xmlns:a="http://schemas.openxmlformats.org/drawingml/2006/main" xmlns:r="http://schemas.openxmlformats.org/officeDocument/2006/relationships" xmlns:p="http://schemas.openxmlformats.org/presentationml/2006/main">
+  <p:cSld>
+    <p:spTree>
+      <p:nvGrpSpPr>
+        <p:cNvPr id="1" name=""/>
+        <p:cNvGrpSpPr/>
+        <p:nvPr/>
+      </p:nvGrpSpPr>
+      <p:grpSpPr>
+        <a:xfrm>
+          <a:off x="0" y="0"/>
+          <a:ext cx="0" cy="0"/>
+          <a:chOff x="0" y="0"/>
+          <a:chExt cx="0" cy="0"/>
+        </a:xfrm>
+      </p:grpSpPr>
+      <p:grpSp>
+        <p:nvGrpSpPr>
+          <p:cNvPr id="36" name="Group 35">
+            <a:extLst>
+              <a:ext uri="{FF2B5EF4-FFF2-40B4-BE49-F238E27FC236}">
+                <a16:creationId xmlns:a16="http://schemas.microsoft.com/office/drawing/2014/main" id="{F8A36A5D-9C52-F371-1351-0FD1A96AE0D7}"/>
+              </a:ext>
+            </a:extLst>
+          </p:cNvPr>
+          <p:cNvGrpSpPr/>
+          <p:nvPr/>
+        </p:nvGrpSpPr>
+        <p:grpSpPr>
+          <a:xfrm>
+            <a:off x="923925" y="307507"/>
+            <a:ext cx="6657975" cy="5867441"/>
+            <a:chOff x="2143125" y="278932"/>
+            <a:chExt cx="6657975" cy="5867441"/>
+          </a:xfrm>
+        </p:grpSpPr>
+        <p:pic>
+          <p:nvPicPr>
+            <p:cNvPr id="3" name="Picture 2">
+              <a:extLst>
+                <a:ext uri="{FF2B5EF4-FFF2-40B4-BE49-F238E27FC236}">
+                  <a16:creationId xmlns:a16="http://schemas.microsoft.com/office/drawing/2014/main" id="{36D787FE-7A9E-9657-BA47-A99C29A22C5D}"/>
+                </a:ext>
+              </a:extLst>
+            </p:cNvPr>
+            <p:cNvPicPr>
+              <a:picLocks noChangeAspect="1"/>
+            </p:cNvPicPr>
+            <p:nvPr/>
+          </p:nvPicPr>
+          <p:blipFill rotWithShape="1">
+            <a:blip r:embed="rId2"/>
+            <a:srcRect t="3007" r="3954" b="10074"/>
+            <a:stretch/>
+          </p:blipFill>
+          <p:spPr>
+            <a:xfrm>
+              <a:off x="3248025" y="278932"/>
+              <a:ext cx="5553075" cy="5861518"/>
+            </a:xfrm>
+            <a:prstGeom prst="rect">
+              <a:avLst/>
+            </a:prstGeom>
+          </p:spPr>
+        </p:pic>
+        <p:sp>
+          <p:nvSpPr>
+            <p:cNvPr id="4" name="Левая фигурная скобка 25">
+              <a:extLst>
+                <a:ext uri="{FF2B5EF4-FFF2-40B4-BE49-F238E27FC236}">
+                  <a16:creationId xmlns:a16="http://schemas.microsoft.com/office/drawing/2014/main" id="{6267E057-9F6F-E5A0-6A7F-0F7538961308}"/>
+                </a:ext>
+              </a:extLst>
+            </p:cNvPr>
+            <p:cNvSpPr/>
+            <p:nvPr/>
+          </p:nvSpPr>
+          <p:spPr>
+            <a:xfrm>
+              <a:off x="3395292" y="2524125"/>
+              <a:ext cx="276225" cy="612026"/>
+            </a:xfrm>
+            <a:prstGeom prst="leftBrace">
+              <a:avLst>
+                <a:gd name="adj1" fmla="val 35919"/>
+                <a:gd name="adj2" fmla="val 50629"/>
+              </a:avLst>
+            </a:prstGeom>
+            <a:ln w="28575">
+              <a:solidFill>
+                <a:srgbClr val="0070C0"/>
+              </a:solidFill>
+            </a:ln>
+          </p:spPr>
+          <p:style>
+            <a:lnRef idx="1">
+              <a:schemeClr val="accent1"/>
+            </a:lnRef>
+            <a:fillRef idx="0">
+              <a:schemeClr val="accent1"/>
+            </a:fillRef>
+            <a:effectRef idx="0">
+              <a:schemeClr val="accent1"/>
+            </a:effectRef>
+            <a:fontRef idx="minor">
+              <a:schemeClr val="tx1"/>
+            </a:fontRef>
+          </p:style>
+          <p:txBody>
+            <a:bodyPr rtlCol="0" anchor="ctr"/>
+            <a:lstStyle/>
+            <a:p>
+              <a:pPr algn="ctr"/>
+              <a:endParaRPr lang="ru-RU" sz="1100">
+                <a:latin typeface="Times New Roman" panose="02020603050405020304" pitchFamily="18" charset="0"/>
+                <a:cs typeface="Times New Roman" panose="02020603050405020304" pitchFamily="18" charset="0"/>
+              </a:endParaRPr>
+            </a:p>
+          </p:txBody>
+        </p:sp>
+        <p:sp>
+          <p:nvSpPr>
+            <p:cNvPr id="5" name="Левая фигурная скобка 26">
+              <a:extLst>
+                <a:ext uri="{FF2B5EF4-FFF2-40B4-BE49-F238E27FC236}">
+                  <a16:creationId xmlns:a16="http://schemas.microsoft.com/office/drawing/2014/main" id="{5CC620E3-FC1E-606E-2FBE-A135877146EC}"/>
+                </a:ext>
+              </a:extLst>
+            </p:cNvPr>
+            <p:cNvSpPr/>
+            <p:nvPr/>
+          </p:nvSpPr>
+          <p:spPr>
+            <a:xfrm>
+              <a:off x="3414342" y="3526677"/>
+              <a:ext cx="276225" cy="1254874"/>
+            </a:xfrm>
+            <a:prstGeom prst="leftBrace">
+              <a:avLst>
+                <a:gd name="adj1" fmla="val 35919"/>
+                <a:gd name="adj2" fmla="val 50629"/>
+              </a:avLst>
+            </a:prstGeom>
+            <a:ln w="28575">
+              <a:solidFill>
+                <a:srgbClr val="0070C0"/>
+              </a:solidFill>
+            </a:ln>
+          </p:spPr>
+          <p:style>
+            <a:lnRef idx="1">
+              <a:schemeClr val="accent1"/>
+            </a:lnRef>
+            <a:fillRef idx="0">
+              <a:schemeClr val="accent1"/>
+            </a:fillRef>
+            <a:effectRef idx="0">
+              <a:schemeClr val="accent1"/>
+            </a:effectRef>
+            <a:fontRef idx="minor">
+              <a:schemeClr val="tx1"/>
+            </a:fontRef>
+          </p:style>
+          <p:txBody>
+            <a:bodyPr rtlCol="0" anchor="ctr"/>
+            <a:lstStyle/>
+            <a:p>
+              <a:pPr algn="ctr"/>
+              <a:endParaRPr lang="ru-RU" sz="1100">
+                <a:latin typeface="Times New Roman" panose="02020603050405020304" pitchFamily="18" charset="0"/>
+                <a:cs typeface="Times New Roman" panose="02020603050405020304" pitchFamily="18" charset="0"/>
+              </a:endParaRPr>
+            </a:p>
+          </p:txBody>
+        </p:sp>
+        <p:cxnSp>
+          <p:nvCxnSpPr>
+            <p:cNvPr id="6" name="Прямая со стрелкой 27">
+              <a:extLst>
+                <a:ext uri="{FF2B5EF4-FFF2-40B4-BE49-F238E27FC236}">
+                  <a16:creationId xmlns:a16="http://schemas.microsoft.com/office/drawing/2014/main" id="{A6E118F9-80A6-FF96-513B-5DFD82BF2DEB}"/>
+                </a:ext>
+              </a:extLst>
+            </p:cNvPr>
+            <p:cNvCxnSpPr/>
+            <p:nvPr/>
+          </p:nvCxnSpPr>
+          <p:spPr>
+            <a:xfrm>
+              <a:off x="3421486" y="2078876"/>
+              <a:ext cx="269081" cy="0"/>
+            </a:xfrm>
+            <a:prstGeom prst="straightConnector1">
+              <a:avLst/>
+            </a:prstGeom>
+            <a:ln w="47625">
+              <a:tailEnd type="stealth" w="lg" len="lg"/>
+            </a:ln>
+          </p:spPr>
+          <p:style>
+            <a:lnRef idx="1">
+              <a:schemeClr val="accent1"/>
+            </a:lnRef>
+            <a:fillRef idx="0">
+              <a:schemeClr val="accent1"/>
+            </a:fillRef>
+            <a:effectRef idx="0">
+              <a:schemeClr val="accent1"/>
+            </a:effectRef>
+            <a:fontRef idx="minor">
+              <a:schemeClr val="tx1"/>
+            </a:fontRef>
+          </p:style>
+        </p:cxnSp>
+        <p:cxnSp>
+          <p:nvCxnSpPr>
+            <p:cNvPr id="7" name="Прямая со стрелкой 28">
+              <a:extLst>
+                <a:ext uri="{FF2B5EF4-FFF2-40B4-BE49-F238E27FC236}">
+                  <a16:creationId xmlns:a16="http://schemas.microsoft.com/office/drawing/2014/main" id="{24544876-6CF3-8BA6-9982-37645621893B}"/>
+                </a:ext>
+              </a:extLst>
+            </p:cNvPr>
+            <p:cNvCxnSpPr/>
+            <p:nvPr/>
+          </p:nvCxnSpPr>
+          <p:spPr>
+            <a:xfrm>
+              <a:off x="3422486" y="3326651"/>
+              <a:ext cx="269081" cy="0"/>
+            </a:xfrm>
+            <a:prstGeom prst="straightConnector1">
+              <a:avLst/>
+            </a:prstGeom>
+            <a:ln w="47625">
+              <a:tailEnd type="stealth" w="lg" len="lg"/>
+            </a:ln>
+          </p:spPr>
+          <p:style>
+            <a:lnRef idx="1">
+              <a:schemeClr val="accent1"/>
+            </a:lnRef>
+            <a:fillRef idx="0">
+              <a:schemeClr val="accent1"/>
+            </a:fillRef>
+            <a:effectRef idx="0">
+              <a:schemeClr val="accent1"/>
+            </a:effectRef>
+            <a:fontRef idx="minor">
+              <a:schemeClr val="tx1"/>
+            </a:fontRef>
+          </p:style>
+        </p:cxnSp>
+        <p:sp>
+          <p:nvSpPr>
+            <p:cNvPr id="14" name="Левая фигурная скобка 34">
+              <a:extLst>
+                <a:ext uri="{FF2B5EF4-FFF2-40B4-BE49-F238E27FC236}">
+                  <a16:creationId xmlns:a16="http://schemas.microsoft.com/office/drawing/2014/main" id="{490DC4B5-D35F-F0C4-0AA3-ED77CCC4A64A}"/>
+                </a:ext>
+              </a:extLst>
+            </p:cNvPr>
+            <p:cNvSpPr/>
+            <p:nvPr/>
+          </p:nvSpPr>
+          <p:spPr>
+            <a:xfrm>
+              <a:off x="3414939" y="5698376"/>
+              <a:ext cx="276225" cy="416674"/>
+            </a:xfrm>
+            <a:prstGeom prst="leftBrace">
+              <a:avLst>
+                <a:gd name="adj1" fmla="val 35919"/>
+                <a:gd name="adj2" fmla="val 50629"/>
+              </a:avLst>
+            </a:prstGeom>
+            <a:ln w="28575">
+              <a:solidFill>
+                <a:srgbClr val="0070C0"/>
+              </a:solidFill>
+            </a:ln>
+          </p:spPr>
+          <p:style>
+            <a:lnRef idx="1">
+              <a:schemeClr val="accent1"/>
+            </a:lnRef>
+            <a:fillRef idx="0">
+              <a:schemeClr val="accent1"/>
+            </a:fillRef>
+            <a:effectRef idx="0">
+              <a:schemeClr val="accent1"/>
+            </a:effectRef>
+            <a:fontRef idx="minor">
+              <a:schemeClr val="tx1"/>
+            </a:fontRef>
+          </p:style>
+          <p:txBody>
+            <a:bodyPr rtlCol="0" anchor="ctr"/>
+            <a:lstStyle/>
+            <a:p>
+              <a:pPr algn="ctr"/>
+              <a:endParaRPr lang="ru-RU" sz="1100">
+                <a:latin typeface="Times New Roman" panose="02020603050405020304" pitchFamily="18" charset="0"/>
+                <a:cs typeface="Times New Roman" panose="02020603050405020304" pitchFamily="18" charset="0"/>
+              </a:endParaRPr>
+            </a:p>
+          </p:txBody>
+        </p:sp>
+        <p:sp>
+          <p:nvSpPr>
+            <p:cNvPr id="15" name="Левая фигурная скобка 35">
+              <a:extLst>
+                <a:ext uri="{FF2B5EF4-FFF2-40B4-BE49-F238E27FC236}">
+                  <a16:creationId xmlns:a16="http://schemas.microsoft.com/office/drawing/2014/main" id="{1E8F8CD9-7175-3FAA-44ED-D26B5B820CE5}"/>
+                </a:ext>
+              </a:extLst>
+            </p:cNvPr>
+            <p:cNvSpPr/>
+            <p:nvPr/>
+          </p:nvSpPr>
+          <p:spPr>
+            <a:xfrm>
+              <a:off x="3413373" y="4945900"/>
+              <a:ext cx="276225" cy="645275"/>
+            </a:xfrm>
+            <a:prstGeom prst="leftBrace">
+              <a:avLst>
+                <a:gd name="adj1" fmla="val 35919"/>
+                <a:gd name="adj2" fmla="val 50629"/>
+              </a:avLst>
+            </a:prstGeom>
+            <a:ln w="28575">
+              <a:solidFill>
+                <a:srgbClr val="0070C0"/>
+              </a:solidFill>
+            </a:ln>
+          </p:spPr>
+          <p:style>
+            <a:lnRef idx="1">
+              <a:schemeClr val="accent1"/>
+            </a:lnRef>
+            <a:fillRef idx="0">
+              <a:schemeClr val="accent1"/>
+            </a:fillRef>
+            <a:effectRef idx="0">
+              <a:schemeClr val="accent1"/>
+            </a:effectRef>
+            <a:fontRef idx="minor">
+              <a:schemeClr val="tx1"/>
+            </a:fontRef>
+          </p:style>
+          <p:txBody>
+            <a:bodyPr rtlCol="0" anchor="ctr"/>
+            <a:lstStyle/>
+            <a:p>
+              <a:pPr algn="ctr"/>
+              <a:endParaRPr lang="ru-RU" sz="1100">
+                <a:latin typeface="Times New Roman" panose="02020603050405020304" pitchFamily="18" charset="0"/>
+                <a:cs typeface="Times New Roman" panose="02020603050405020304" pitchFamily="18" charset="0"/>
+              </a:endParaRPr>
+            </a:p>
+          </p:txBody>
+        </p:sp>
+        <p:cxnSp>
+          <p:nvCxnSpPr>
+            <p:cNvPr id="17" name="Прямая со стрелкой 37">
+              <a:extLst>
+                <a:ext uri="{FF2B5EF4-FFF2-40B4-BE49-F238E27FC236}">
+                  <a16:creationId xmlns:a16="http://schemas.microsoft.com/office/drawing/2014/main" id="{BF5AFA0F-990E-8A76-7522-4C5A24FFBAB4}"/>
+                </a:ext>
+              </a:extLst>
+            </p:cNvPr>
+            <p:cNvCxnSpPr/>
+            <p:nvPr/>
+          </p:nvCxnSpPr>
+          <p:spPr>
+            <a:xfrm>
+              <a:off x="3421859" y="2358707"/>
+              <a:ext cx="269081" cy="0"/>
+            </a:xfrm>
+            <a:prstGeom prst="straightConnector1">
+              <a:avLst/>
+            </a:prstGeom>
+            <a:ln w="47625">
+              <a:tailEnd type="stealth" w="lg" len="lg"/>
+            </a:ln>
+          </p:spPr>
+          <p:style>
+            <a:lnRef idx="1">
+              <a:schemeClr val="accent1"/>
+            </a:lnRef>
+            <a:fillRef idx="0">
+              <a:schemeClr val="accent1"/>
+            </a:fillRef>
+            <a:effectRef idx="0">
+              <a:schemeClr val="accent1"/>
+            </a:effectRef>
+            <a:fontRef idx="minor">
+              <a:schemeClr val="tx1"/>
+            </a:fontRef>
+          </p:style>
+        </p:cxnSp>
+        <p:sp>
+          <p:nvSpPr>
+            <p:cNvPr id="24" name="TextBox 23">
+              <a:extLst>
+                <a:ext uri="{FF2B5EF4-FFF2-40B4-BE49-F238E27FC236}">
+                  <a16:creationId xmlns:a16="http://schemas.microsoft.com/office/drawing/2014/main" id="{4857844D-20B1-E588-210C-037A3554A513}"/>
+                </a:ext>
+              </a:extLst>
+            </p:cNvPr>
+            <p:cNvSpPr txBox="1"/>
+            <p:nvPr/>
+          </p:nvSpPr>
+          <p:spPr>
+            <a:xfrm>
+              <a:off x="2716510" y="1934968"/>
+              <a:ext cx="796528" cy="261610"/>
+            </a:xfrm>
+            <a:prstGeom prst="rect">
+              <a:avLst/>
+            </a:prstGeom>
+            <a:noFill/>
+          </p:spPr>
+          <p:txBody>
+            <a:bodyPr wrap="square" rtlCol="0">
+              <a:spAutoFit/>
+            </a:bodyPr>
+            <a:lstStyle/>
+            <a:p>
+              <a:pPr algn="ctr"/>
+              <a:r>
+                <a:rPr lang="en-US" sz="1100" dirty="0">
+                  <a:latin typeface="Times New Roman" panose="02020603050405020304" pitchFamily="18" charset="0"/>
+                  <a:cs typeface="Times New Roman" panose="02020603050405020304" pitchFamily="18" charset="0"/>
+                </a:rPr>
+                <a:t>Menu</a:t>
+              </a:r>
+              <a:endParaRPr lang="ru-RU" sz="1100" dirty="0">
+                <a:latin typeface="Times New Roman" panose="02020603050405020304" pitchFamily="18" charset="0"/>
+                <a:cs typeface="Times New Roman" panose="02020603050405020304" pitchFamily="18" charset="0"/>
+              </a:endParaRPr>
+            </a:p>
+          </p:txBody>
+        </p:sp>
+        <p:sp>
+          <p:nvSpPr>
+            <p:cNvPr id="26" name="TextBox 25">
+              <a:extLst>
+                <a:ext uri="{FF2B5EF4-FFF2-40B4-BE49-F238E27FC236}">
+                  <a16:creationId xmlns:a16="http://schemas.microsoft.com/office/drawing/2014/main" id="{FB64242F-494C-1CA3-9EDC-9F070C23196D}"/>
+                </a:ext>
+              </a:extLst>
+            </p:cNvPr>
+            <p:cNvSpPr txBox="1"/>
+            <p:nvPr/>
+          </p:nvSpPr>
+          <p:spPr>
+            <a:xfrm>
+              <a:off x="2227163" y="2692915"/>
+              <a:ext cx="1209675" cy="261610"/>
+            </a:xfrm>
+            <a:prstGeom prst="rect">
+              <a:avLst/>
+            </a:prstGeom>
+            <a:noFill/>
+          </p:spPr>
+          <p:txBody>
+            <a:bodyPr wrap="square" rtlCol="0">
+              <a:spAutoFit/>
+            </a:bodyPr>
+            <a:lstStyle/>
+            <a:p>
+              <a:pPr algn="ctr"/>
+              <a:r>
+                <a:rPr lang="en-US" sz="1100" dirty="0">
+                  <a:latin typeface="Times New Roman" panose="02020603050405020304" pitchFamily="18" charset="0"/>
+                  <a:cs typeface="Times New Roman" panose="02020603050405020304" pitchFamily="18" charset="0"/>
+                </a:rPr>
+                <a:t>Layered structure</a:t>
+              </a:r>
+              <a:endParaRPr lang="ru-RU" sz="1100" dirty="0">
+                <a:latin typeface="Times New Roman" panose="02020603050405020304" pitchFamily="18" charset="0"/>
+                <a:cs typeface="Times New Roman" panose="02020603050405020304" pitchFamily="18" charset="0"/>
+              </a:endParaRPr>
+            </a:p>
+          </p:txBody>
+        </p:sp>
+        <p:sp>
+          <p:nvSpPr>
+            <p:cNvPr id="27" name="TextBox 26">
+              <a:extLst>
+                <a:ext uri="{FF2B5EF4-FFF2-40B4-BE49-F238E27FC236}">
+                  <a16:creationId xmlns:a16="http://schemas.microsoft.com/office/drawing/2014/main" id="{7C0BF45C-8903-59D8-9B27-267BB2ACBD68}"/>
+                </a:ext>
+              </a:extLst>
+            </p:cNvPr>
+            <p:cNvSpPr txBox="1"/>
+            <p:nvPr/>
+          </p:nvSpPr>
+          <p:spPr>
+            <a:xfrm>
+              <a:off x="2430165" y="3186432"/>
+              <a:ext cx="1110853" cy="261610"/>
+            </a:xfrm>
+            <a:prstGeom prst="rect">
+              <a:avLst/>
+            </a:prstGeom>
+            <a:noFill/>
+          </p:spPr>
+          <p:txBody>
+            <a:bodyPr wrap="square" rtlCol="0">
+              <a:spAutoFit/>
+            </a:bodyPr>
+            <a:lstStyle/>
+            <a:p>
+              <a:pPr algn="ctr"/>
+              <a:r>
+                <a:rPr lang="en-US" sz="1100" dirty="0">
+                  <a:latin typeface="Times New Roman" panose="02020603050405020304" pitchFamily="18" charset="0"/>
+                  <a:cs typeface="Times New Roman" panose="02020603050405020304" pitchFamily="18" charset="0"/>
+                </a:rPr>
+                <a:t>Toolbar</a:t>
+              </a:r>
+              <a:endParaRPr lang="ru-RU" sz="1100" dirty="0">
+                <a:latin typeface="Times New Roman" panose="02020603050405020304" pitchFamily="18" charset="0"/>
+                <a:cs typeface="Times New Roman" panose="02020603050405020304" pitchFamily="18" charset="0"/>
+              </a:endParaRPr>
+            </a:p>
+          </p:txBody>
+        </p:sp>
+        <p:sp>
+          <p:nvSpPr>
+            <p:cNvPr id="28" name="TextBox 27">
+              <a:extLst>
+                <a:ext uri="{FF2B5EF4-FFF2-40B4-BE49-F238E27FC236}">
+                  <a16:creationId xmlns:a16="http://schemas.microsoft.com/office/drawing/2014/main" id="{493A8704-DB96-CF3B-1320-AB023DC769A5}"/>
+                </a:ext>
+              </a:extLst>
+            </p:cNvPr>
+            <p:cNvSpPr txBox="1"/>
+            <p:nvPr/>
+          </p:nvSpPr>
+          <p:spPr>
+            <a:xfrm>
+              <a:off x="2293838" y="3954860"/>
+              <a:ext cx="1136302" cy="430887"/>
+            </a:xfrm>
+            <a:prstGeom prst="rect">
+              <a:avLst/>
+            </a:prstGeom>
+            <a:noFill/>
+          </p:spPr>
+          <p:txBody>
+            <a:bodyPr wrap="square" rtlCol="0">
+              <a:spAutoFit/>
+            </a:bodyPr>
+            <a:lstStyle/>
+            <a:p>
+              <a:pPr algn="ctr"/>
+              <a:r>
+                <a:rPr lang="en-US" sz="1100" dirty="0">
+                  <a:latin typeface="Times New Roman" panose="02020603050405020304" pitchFamily="18" charset="0"/>
+                  <a:cs typeface="Times New Roman" panose="02020603050405020304" pitchFamily="18" charset="0"/>
+                </a:rPr>
+                <a:t>Access to other windows</a:t>
+              </a:r>
+              <a:endParaRPr lang="ru-RU" sz="1100" dirty="0">
+                <a:latin typeface="Times New Roman" panose="02020603050405020304" pitchFamily="18" charset="0"/>
+                <a:cs typeface="Times New Roman" panose="02020603050405020304" pitchFamily="18" charset="0"/>
+              </a:endParaRPr>
+            </a:p>
+          </p:txBody>
+        </p:sp>
+        <p:sp>
+          <p:nvSpPr>
+            <p:cNvPr id="29" name="TextBox 28">
+              <a:extLst>
+                <a:ext uri="{FF2B5EF4-FFF2-40B4-BE49-F238E27FC236}">
+                  <a16:creationId xmlns:a16="http://schemas.microsoft.com/office/drawing/2014/main" id="{AC0F9CD0-B21E-8D20-093E-D5EC05D9DA5C}"/>
+                </a:ext>
+              </a:extLst>
+            </p:cNvPr>
+            <p:cNvSpPr txBox="1"/>
+            <p:nvPr/>
+          </p:nvSpPr>
+          <p:spPr>
+            <a:xfrm>
+              <a:off x="2258304" y="5715486"/>
+              <a:ext cx="1318841" cy="430887"/>
+            </a:xfrm>
+            <a:prstGeom prst="rect">
+              <a:avLst/>
+            </a:prstGeom>
+            <a:noFill/>
+          </p:spPr>
+          <p:txBody>
+            <a:bodyPr wrap="square" rtlCol="0">
+              <a:spAutoFit/>
+            </a:bodyPr>
+            <a:lstStyle/>
+            <a:p>
+              <a:pPr algn="ctr"/>
+              <a:r>
+                <a:rPr lang="en-US" sz="1100" dirty="0">
+                  <a:latin typeface="Times New Roman" panose="02020603050405020304" pitchFamily="18" charset="0"/>
+                  <a:cs typeface="Times New Roman" panose="02020603050405020304" pitchFamily="18" charset="0"/>
+                </a:rPr>
+                <a:t>Measured and target curves</a:t>
+              </a:r>
+              <a:endParaRPr lang="ru-RU" sz="1100" dirty="0">
+                <a:latin typeface="Times New Roman" panose="02020603050405020304" pitchFamily="18" charset="0"/>
+                <a:cs typeface="Times New Roman" panose="02020603050405020304" pitchFamily="18" charset="0"/>
+              </a:endParaRPr>
+            </a:p>
+          </p:txBody>
+        </p:sp>
+        <p:sp>
+          <p:nvSpPr>
+            <p:cNvPr id="32" name="TextBox 31">
+              <a:extLst>
+                <a:ext uri="{FF2B5EF4-FFF2-40B4-BE49-F238E27FC236}">
+                  <a16:creationId xmlns:a16="http://schemas.microsoft.com/office/drawing/2014/main" id="{296A2AFC-949B-F2C5-8067-090D9A074592}"/>
+                </a:ext>
+              </a:extLst>
+            </p:cNvPr>
+            <p:cNvSpPr txBox="1"/>
+            <p:nvPr/>
+          </p:nvSpPr>
+          <p:spPr>
+            <a:xfrm>
+              <a:off x="2234752" y="5064212"/>
+              <a:ext cx="1368773" cy="430887"/>
+            </a:xfrm>
+            <a:prstGeom prst="rect">
+              <a:avLst/>
+            </a:prstGeom>
+            <a:noFill/>
+          </p:spPr>
+          <p:txBody>
+            <a:bodyPr wrap="square" rtlCol="0">
+              <a:spAutoFit/>
+            </a:bodyPr>
+            <a:lstStyle/>
+            <a:p>
+              <a:pPr algn="ctr"/>
+              <a:r>
+                <a:rPr lang="en-US" sz="1100" dirty="0">
+                  <a:latin typeface="Times New Roman" panose="02020603050405020304" pitchFamily="18" charset="0"/>
+                  <a:cs typeface="Times New Roman" panose="02020603050405020304" pitchFamily="18" charset="0"/>
+                </a:rPr>
+                <a:t>Curves without measured data</a:t>
+              </a:r>
+              <a:endParaRPr lang="ru-RU" sz="1100" dirty="0">
+                <a:latin typeface="Times New Roman" panose="02020603050405020304" pitchFamily="18" charset="0"/>
+                <a:cs typeface="Times New Roman" panose="02020603050405020304" pitchFamily="18" charset="0"/>
+              </a:endParaRPr>
+            </a:p>
+          </p:txBody>
+        </p:sp>
+        <p:sp>
+          <p:nvSpPr>
+            <p:cNvPr id="34" name="TextBox 33">
+              <a:extLst>
+                <a:ext uri="{FF2B5EF4-FFF2-40B4-BE49-F238E27FC236}">
+                  <a16:creationId xmlns:a16="http://schemas.microsoft.com/office/drawing/2014/main" id="{5095FCD9-CE76-12C8-5305-1E2BE51A1247}"/>
+                </a:ext>
+              </a:extLst>
+            </p:cNvPr>
+            <p:cNvSpPr txBox="1"/>
+            <p:nvPr/>
+          </p:nvSpPr>
+          <p:spPr>
+            <a:xfrm>
+              <a:off x="2143125" y="2246702"/>
+              <a:ext cx="1316204" cy="261610"/>
+            </a:xfrm>
+            <a:prstGeom prst="rect">
+              <a:avLst/>
+            </a:prstGeom>
+            <a:noFill/>
+          </p:spPr>
+          <p:txBody>
+            <a:bodyPr wrap="square" rtlCol="0">
+              <a:spAutoFit/>
+            </a:bodyPr>
+            <a:lstStyle/>
+            <a:p>
+              <a:pPr algn="ctr"/>
+              <a:r>
+                <a:rPr lang="en-US" sz="1100" dirty="0">
+                  <a:latin typeface="Times New Roman" panose="02020603050405020304" pitchFamily="18" charset="0"/>
+                  <a:cs typeface="Times New Roman" panose="02020603050405020304" pitchFamily="18" charset="0"/>
+                </a:rPr>
+                <a:t>Tabs with structures</a:t>
+              </a:r>
+              <a:endParaRPr lang="ru-RU" sz="1100" dirty="0">
+                <a:latin typeface="Times New Roman" panose="02020603050405020304" pitchFamily="18" charset="0"/>
+                <a:cs typeface="Times New Roman" panose="02020603050405020304" pitchFamily="18" charset="0"/>
+              </a:endParaRPr>
+            </a:p>
+          </p:txBody>
+        </p:sp>
+      </p:grpSp>
+    </p:spTree>
+    <p:extLst>
+      <p:ext uri="{BB962C8B-B14F-4D97-AF65-F5344CB8AC3E}">
+        <p14:creationId xmlns:p14="http://schemas.microsoft.com/office/powerpoint/2010/main" val="4009726277"/>
+      </p:ext>
+    </p:extLst>
+  </p:cSld>
+  <p:clrMapOvr>
+    <a:masterClrMapping/>
+  </p:clrMapOvr>
+</p:sld>
+</file>
+
+<file path=ppt/slides/slide40.xml><?xml version="1.0" encoding="utf-8"?>
 <p:sld xmlns:a="http://schemas.openxmlformats.org/drawingml/2006/main" xmlns:r="http://schemas.openxmlformats.org/officeDocument/2006/relationships" xmlns:p="http://schemas.openxmlformats.org/presentationml/2006/main">
   <p:cSld>
     <p:spTree>
@@ -26852,668 +27333,7 @@
 </p:sld>
 </file>
 
-<file path=ppt/slides/slide4.xml><?xml version="1.0" encoding="utf-8"?>
-<p:sld xmlns:a="http://schemas.openxmlformats.org/drawingml/2006/main" xmlns:r="http://schemas.openxmlformats.org/officeDocument/2006/relationships" xmlns:p="http://schemas.openxmlformats.org/presentationml/2006/main">
-  <p:cSld>
-    <p:spTree>
-      <p:nvGrpSpPr>
-        <p:cNvPr id="1" name=""/>
-        <p:cNvGrpSpPr/>
-        <p:nvPr/>
-      </p:nvGrpSpPr>
-      <p:grpSpPr>
-        <a:xfrm>
-          <a:off x="0" y="0"/>
-          <a:ext cx="0" cy="0"/>
-          <a:chOff x="0" y="0"/>
-          <a:chExt cx="0" cy="0"/>
-        </a:xfrm>
-      </p:grpSpPr>
-      <p:grpSp>
-        <p:nvGrpSpPr>
-          <p:cNvPr id="6" name="Group 5">
-            <a:extLst>
-              <a:ext uri="{FF2B5EF4-FFF2-40B4-BE49-F238E27FC236}">
-                <a16:creationId xmlns:a16="http://schemas.microsoft.com/office/drawing/2014/main" id="{00BCC187-6DE4-25B8-931F-F0403EAD6E6D}"/>
-              </a:ext>
-            </a:extLst>
-          </p:cNvPr>
-          <p:cNvGrpSpPr/>
-          <p:nvPr/>
-        </p:nvGrpSpPr>
-        <p:grpSpPr>
-          <a:xfrm>
-            <a:off x="205288" y="2162576"/>
-            <a:ext cx="2714625" cy="533400"/>
-            <a:chOff x="6006013" y="5944001"/>
-            <a:chExt cx="2714625" cy="533400"/>
-          </a:xfrm>
-        </p:grpSpPr>
-        <p:pic>
-          <p:nvPicPr>
-            <p:cNvPr id="7" name="Picture 6">
-              <a:extLst>
-                <a:ext uri="{FF2B5EF4-FFF2-40B4-BE49-F238E27FC236}">
-                  <a16:creationId xmlns:a16="http://schemas.microsoft.com/office/drawing/2014/main" id="{8965EA1A-01DE-E151-8901-A2CCB2DF3682}"/>
-                </a:ext>
-              </a:extLst>
-            </p:cNvPr>
-            <p:cNvPicPr>
-              <a:picLocks noChangeAspect="1"/>
-            </p:cNvPicPr>
-            <p:nvPr/>
-          </p:nvPicPr>
-          <p:blipFill>
-            <a:blip r:embed="rId2"/>
-            <a:stretch>
-              <a:fillRect/>
-            </a:stretch>
-          </p:blipFill>
-          <p:spPr>
-            <a:xfrm>
-              <a:off x="6006013" y="5944001"/>
-              <a:ext cx="2714625" cy="533400"/>
-            </a:xfrm>
-            <a:prstGeom prst="rect">
-              <a:avLst/>
-            </a:prstGeom>
-          </p:spPr>
-        </p:pic>
-        <p:sp>
-          <p:nvSpPr>
-            <p:cNvPr id="8" name="Rectangle: Rounded Corners 7">
-              <a:extLst>
-                <a:ext uri="{FF2B5EF4-FFF2-40B4-BE49-F238E27FC236}">
-                  <a16:creationId xmlns:a16="http://schemas.microsoft.com/office/drawing/2014/main" id="{71F8EB1A-83E0-40F9-B39C-A8B3A95DCA55}"/>
-                </a:ext>
-              </a:extLst>
-            </p:cNvPr>
-            <p:cNvSpPr/>
-            <p:nvPr/>
-          </p:nvSpPr>
-          <p:spPr>
-            <a:xfrm>
-              <a:off x="6217920" y="6126480"/>
-              <a:ext cx="2468880" cy="167640"/>
-            </a:xfrm>
-            <a:prstGeom prst="roundRect">
-              <a:avLst/>
-            </a:prstGeom>
-            <a:noFill/>
-            <a:ln w="19050">
-              <a:solidFill>
-                <a:srgbClr val="FF0000"/>
-              </a:solidFill>
-            </a:ln>
-          </p:spPr>
-          <p:style>
-            <a:lnRef idx="2">
-              <a:schemeClr val="accent6"/>
-            </a:lnRef>
-            <a:fillRef idx="1">
-              <a:schemeClr val="lt1"/>
-            </a:fillRef>
-            <a:effectRef idx="0">
-              <a:schemeClr val="accent6"/>
-            </a:effectRef>
-            <a:fontRef idx="minor">
-              <a:schemeClr val="dk1"/>
-            </a:fontRef>
-          </p:style>
-          <p:txBody>
-            <a:bodyPr rtlCol="0" anchor="ctr"/>
-            <a:lstStyle/>
-            <a:p>
-              <a:pPr algn="ctr"/>
-              <a:endParaRPr lang="en-US"/>
-            </a:p>
-          </p:txBody>
-        </p:sp>
-      </p:grpSp>
-      <p:grpSp>
-        <p:nvGrpSpPr>
-          <p:cNvPr id="9" name="Group 8">
-            <a:extLst>
-              <a:ext uri="{FF2B5EF4-FFF2-40B4-BE49-F238E27FC236}">
-                <a16:creationId xmlns:a16="http://schemas.microsoft.com/office/drawing/2014/main" id="{F993024C-1C15-2014-BA1B-ED351A76F530}"/>
-              </a:ext>
-            </a:extLst>
-          </p:cNvPr>
-          <p:cNvGrpSpPr/>
-          <p:nvPr/>
-        </p:nvGrpSpPr>
-        <p:grpSpPr>
-          <a:xfrm>
-            <a:off x="242887" y="271462"/>
-            <a:ext cx="2143125" cy="752475"/>
-            <a:chOff x="300037" y="433387"/>
-            <a:chExt cx="2143125" cy="752475"/>
-          </a:xfrm>
-        </p:grpSpPr>
-        <p:pic>
-          <p:nvPicPr>
-            <p:cNvPr id="10" name="Picture 9">
-              <a:extLst>
-                <a:ext uri="{FF2B5EF4-FFF2-40B4-BE49-F238E27FC236}">
-                  <a16:creationId xmlns:a16="http://schemas.microsoft.com/office/drawing/2014/main" id="{233488B7-8A3D-8959-D2F3-0DB362B317AC}"/>
-                </a:ext>
-              </a:extLst>
-            </p:cNvPr>
-            <p:cNvPicPr>
-              <a:picLocks noChangeAspect="1"/>
-            </p:cNvPicPr>
-            <p:nvPr/>
-          </p:nvPicPr>
-          <p:blipFill>
-            <a:blip r:embed="rId3"/>
-            <a:stretch>
-              <a:fillRect/>
-            </a:stretch>
-          </p:blipFill>
-          <p:spPr>
-            <a:xfrm>
-              <a:off x="300037" y="433387"/>
-              <a:ext cx="2143125" cy="752475"/>
-            </a:xfrm>
-            <a:prstGeom prst="rect">
-              <a:avLst/>
-            </a:prstGeom>
-          </p:spPr>
-        </p:pic>
-        <p:sp>
-          <p:nvSpPr>
-            <p:cNvPr id="11" name="Овал 5">
-              <a:extLst>
-                <a:ext uri="{FF2B5EF4-FFF2-40B4-BE49-F238E27FC236}">
-                  <a16:creationId xmlns:a16="http://schemas.microsoft.com/office/drawing/2014/main" id="{549921A8-4D5F-2F83-C69D-EF526A572DC7}"/>
-                </a:ext>
-              </a:extLst>
-            </p:cNvPr>
-            <p:cNvSpPr/>
-            <p:nvPr/>
-          </p:nvSpPr>
-          <p:spPr>
-            <a:xfrm>
-              <a:off x="893762" y="607219"/>
-              <a:ext cx="261938" cy="247650"/>
-            </a:xfrm>
-            <a:prstGeom prst="ellipse">
-              <a:avLst/>
-            </a:prstGeom>
-            <a:noFill/>
-            <a:ln w="19050">
-              <a:solidFill>
-                <a:srgbClr val="FF0000"/>
-              </a:solidFill>
-            </a:ln>
-          </p:spPr>
-          <p:style>
-            <a:lnRef idx="2">
-              <a:schemeClr val="accent1">
-                <a:shade val="50000"/>
-              </a:schemeClr>
-            </a:lnRef>
-            <a:fillRef idx="1">
-              <a:schemeClr val="accent1"/>
-            </a:fillRef>
-            <a:effectRef idx="0">
-              <a:schemeClr val="accent1"/>
-            </a:effectRef>
-            <a:fontRef idx="minor">
-              <a:schemeClr val="lt1"/>
-            </a:fontRef>
-          </p:style>
-          <p:txBody>
-            <a:bodyPr rtlCol="0" anchor="ctr"/>
-            <a:lstStyle/>
-            <a:p>
-              <a:pPr algn="ctr"/>
-              <a:endParaRPr lang="ru-RU"/>
-            </a:p>
-          </p:txBody>
-        </p:sp>
-      </p:grpSp>
-      <p:grpSp>
-        <p:nvGrpSpPr>
-          <p:cNvPr id="13" name="Group 12">
-            <a:extLst>
-              <a:ext uri="{FF2B5EF4-FFF2-40B4-BE49-F238E27FC236}">
-                <a16:creationId xmlns:a16="http://schemas.microsoft.com/office/drawing/2014/main" id="{5650C7EE-F534-A0E9-6B61-4CD7D6024DA8}"/>
-              </a:ext>
-            </a:extLst>
-          </p:cNvPr>
-          <p:cNvGrpSpPr/>
-          <p:nvPr/>
-        </p:nvGrpSpPr>
-        <p:grpSpPr>
-          <a:xfrm>
-            <a:off x="209550" y="1228725"/>
-            <a:ext cx="2914650" cy="819150"/>
-            <a:chOff x="1019175" y="4267200"/>
-            <a:chExt cx="2914650" cy="819150"/>
-          </a:xfrm>
-        </p:grpSpPr>
-        <p:pic>
-          <p:nvPicPr>
-            <p:cNvPr id="5" name="Picture 4">
-              <a:extLst>
-                <a:ext uri="{FF2B5EF4-FFF2-40B4-BE49-F238E27FC236}">
-                  <a16:creationId xmlns:a16="http://schemas.microsoft.com/office/drawing/2014/main" id="{F1B9E594-0A9C-C741-EB11-4A5B07BD4F32}"/>
-                </a:ext>
-              </a:extLst>
-            </p:cNvPr>
-            <p:cNvPicPr>
-              <a:picLocks noChangeAspect="1"/>
-            </p:cNvPicPr>
-            <p:nvPr/>
-          </p:nvPicPr>
-          <p:blipFill>
-            <a:blip r:embed="rId4"/>
-            <a:stretch>
-              <a:fillRect/>
-            </a:stretch>
-          </p:blipFill>
-          <p:spPr>
-            <a:xfrm>
-              <a:off x="1019175" y="4267200"/>
-              <a:ext cx="2914650" cy="819150"/>
-            </a:xfrm>
-            <a:prstGeom prst="rect">
-              <a:avLst/>
-            </a:prstGeom>
-          </p:spPr>
-        </p:pic>
-        <p:sp>
-          <p:nvSpPr>
-            <p:cNvPr id="12" name="Овал 5">
-              <a:extLst>
-                <a:ext uri="{FF2B5EF4-FFF2-40B4-BE49-F238E27FC236}">
-                  <a16:creationId xmlns:a16="http://schemas.microsoft.com/office/drawing/2014/main" id="{BE5BFBE9-8102-ED81-161E-4515506D6D9B}"/>
-                </a:ext>
-              </a:extLst>
-            </p:cNvPr>
-            <p:cNvSpPr/>
-            <p:nvPr/>
-          </p:nvSpPr>
-          <p:spPr>
-            <a:xfrm>
-              <a:off x="1198562" y="4683919"/>
-              <a:ext cx="687388" cy="247650"/>
-            </a:xfrm>
-            <a:prstGeom prst="ellipse">
-              <a:avLst/>
-            </a:prstGeom>
-            <a:noFill/>
-            <a:ln w="19050">
-              <a:solidFill>
-                <a:srgbClr val="FF0000"/>
-              </a:solidFill>
-            </a:ln>
-          </p:spPr>
-          <p:style>
-            <a:lnRef idx="2">
-              <a:schemeClr val="accent1">
-                <a:shade val="50000"/>
-              </a:schemeClr>
-            </a:lnRef>
-            <a:fillRef idx="1">
-              <a:schemeClr val="accent1"/>
-            </a:fillRef>
-            <a:effectRef idx="0">
-              <a:schemeClr val="accent1"/>
-            </a:effectRef>
-            <a:fontRef idx="minor">
-              <a:schemeClr val="lt1"/>
-            </a:fontRef>
-          </p:style>
-          <p:txBody>
-            <a:bodyPr rtlCol="0" anchor="ctr"/>
-            <a:lstStyle/>
-            <a:p>
-              <a:pPr algn="ctr"/>
-              <a:endParaRPr lang="ru-RU"/>
-            </a:p>
-          </p:txBody>
-        </p:sp>
-      </p:grpSp>
-      <p:grpSp>
-        <p:nvGrpSpPr>
-          <p:cNvPr id="16" name="Group 15">
-            <a:extLst>
-              <a:ext uri="{FF2B5EF4-FFF2-40B4-BE49-F238E27FC236}">
-                <a16:creationId xmlns:a16="http://schemas.microsoft.com/office/drawing/2014/main" id="{39F9778D-D193-914E-840B-EC98D0AA9D6E}"/>
-              </a:ext>
-            </a:extLst>
-          </p:cNvPr>
-          <p:cNvGrpSpPr/>
-          <p:nvPr/>
-        </p:nvGrpSpPr>
-        <p:grpSpPr>
-          <a:xfrm>
-            <a:off x="2995612" y="2233613"/>
-            <a:ext cx="942975" cy="1800225"/>
-            <a:chOff x="4624387" y="3824288"/>
-            <a:chExt cx="942975" cy="1800225"/>
-          </a:xfrm>
-        </p:grpSpPr>
-        <p:pic>
-          <p:nvPicPr>
-            <p:cNvPr id="14" name="Picture 13" descr="Graphical user interface, text&#10;&#10;Description automatically generated">
-              <a:extLst>
-                <a:ext uri="{FF2B5EF4-FFF2-40B4-BE49-F238E27FC236}">
-                  <a16:creationId xmlns:a16="http://schemas.microsoft.com/office/drawing/2014/main" id="{A19CFD31-FC2F-AAC8-2830-11A201549708}"/>
-                </a:ext>
-              </a:extLst>
-            </p:cNvPr>
-            <p:cNvPicPr>
-              <a:picLocks noChangeAspect="1"/>
-            </p:cNvPicPr>
-            <p:nvPr/>
-          </p:nvPicPr>
-          <p:blipFill>
-            <a:blip r:embed="rId5">
-              <a:extLst>
-                <a:ext uri="{28A0092B-C50C-407E-A947-70E740481C1C}">
-                  <a14:useLocalDpi xmlns:a14="http://schemas.microsoft.com/office/drawing/2010/main" val="0"/>
-                </a:ext>
-              </a:extLst>
-            </a:blip>
-            <a:stretch>
-              <a:fillRect/>
-            </a:stretch>
-          </p:blipFill>
-          <p:spPr>
-            <a:xfrm>
-              <a:off x="4624387" y="3824288"/>
-              <a:ext cx="942975" cy="1800225"/>
-            </a:xfrm>
-            <a:prstGeom prst="rect">
-              <a:avLst/>
-            </a:prstGeom>
-          </p:spPr>
-        </p:pic>
-        <p:sp>
-          <p:nvSpPr>
-            <p:cNvPr id="15" name="Овал 5">
-              <a:extLst>
-                <a:ext uri="{FF2B5EF4-FFF2-40B4-BE49-F238E27FC236}">
-                  <a16:creationId xmlns:a16="http://schemas.microsoft.com/office/drawing/2014/main" id="{849FD841-C6B2-1FC7-7E47-A02350654772}"/>
-                </a:ext>
-              </a:extLst>
-            </p:cNvPr>
-            <p:cNvSpPr/>
-            <p:nvPr/>
-          </p:nvSpPr>
-          <p:spPr>
-            <a:xfrm>
-              <a:off x="4656136" y="4219575"/>
-              <a:ext cx="868363" cy="235744"/>
-            </a:xfrm>
-            <a:prstGeom prst="ellipse">
-              <a:avLst/>
-            </a:prstGeom>
-            <a:noFill/>
-            <a:ln w="19050">
-              <a:solidFill>
-                <a:srgbClr val="FF0000"/>
-              </a:solidFill>
-            </a:ln>
-          </p:spPr>
-          <p:style>
-            <a:lnRef idx="2">
-              <a:schemeClr val="accent1">
-                <a:shade val="50000"/>
-              </a:schemeClr>
-            </a:lnRef>
-            <a:fillRef idx="1">
-              <a:schemeClr val="accent1"/>
-            </a:fillRef>
-            <a:effectRef idx="0">
-              <a:schemeClr val="accent1"/>
-            </a:effectRef>
-            <a:fontRef idx="minor">
-              <a:schemeClr val="lt1"/>
-            </a:fontRef>
-          </p:style>
-          <p:txBody>
-            <a:bodyPr rtlCol="0" anchor="ctr"/>
-            <a:lstStyle/>
-            <a:p>
-              <a:pPr algn="ctr"/>
-              <a:endParaRPr lang="ru-RU"/>
-            </a:p>
-          </p:txBody>
-        </p:sp>
-      </p:grpSp>
-      <p:grpSp>
-        <p:nvGrpSpPr>
-          <p:cNvPr id="27" name="Group 26">
-            <a:extLst>
-              <a:ext uri="{FF2B5EF4-FFF2-40B4-BE49-F238E27FC236}">
-                <a16:creationId xmlns:a16="http://schemas.microsoft.com/office/drawing/2014/main" id="{60CC4D8E-43D0-4392-2AD8-1B240B20D709}"/>
-              </a:ext>
-            </a:extLst>
-          </p:cNvPr>
-          <p:cNvGrpSpPr/>
-          <p:nvPr/>
-        </p:nvGrpSpPr>
-        <p:grpSpPr>
-          <a:xfrm>
-            <a:off x="4010626" y="-78808"/>
-            <a:ext cx="4895850" cy="6686550"/>
-            <a:chOff x="4010626" y="-78808"/>
-            <a:chExt cx="4895850" cy="6686550"/>
-          </a:xfrm>
-        </p:grpSpPr>
-        <p:pic>
-          <p:nvPicPr>
-            <p:cNvPr id="26" name="Picture 25">
-              <a:extLst>
-                <a:ext uri="{FF2B5EF4-FFF2-40B4-BE49-F238E27FC236}">
-                  <a16:creationId xmlns:a16="http://schemas.microsoft.com/office/drawing/2014/main" id="{ECCC2883-5ECD-90DD-22B9-DE009326B1F8}"/>
-                </a:ext>
-              </a:extLst>
-            </p:cNvPr>
-            <p:cNvPicPr>
-              <a:picLocks noChangeAspect="1"/>
-            </p:cNvPicPr>
-            <p:nvPr/>
-          </p:nvPicPr>
-          <p:blipFill>
-            <a:blip r:embed="rId6"/>
-            <a:stretch>
-              <a:fillRect/>
-            </a:stretch>
-          </p:blipFill>
-          <p:spPr>
-            <a:xfrm>
-              <a:off x="4010626" y="-78808"/>
-              <a:ext cx="4895850" cy="6686550"/>
-            </a:xfrm>
-            <a:prstGeom prst="rect">
-              <a:avLst/>
-            </a:prstGeom>
-          </p:spPr>
-        </p:pic>
-        <p:sp>
-          <p:nvSpPr>
-            <p:cNvPr id="19" name="Rectangle: Rounded Corners 18">
-              <a:extLst>
-                <a:ext uri="{FF2B5EF4-FFF2-40B4-BE49-F238E27FC236}">
-                  <a16:creationId xmlns:a16="http://schemas.microsoft.com/office/drawing/2014/main" id="{89CD4B43-7B54-D125-9E50-96D70B832B55}"/>
-                </a:ext>
-              </a:extLst>
-            </p:cNvPr>
-            <p:cNvSpPr/>
-            <p:nvPr/>
-          </p:nvSpPr>
-          <p:spPr>
-            <a:xfrm>
-              <a:off x="4170045" y="935354"/>
-              <a:ext cx="4507230" cy="283845"/>
-            </a:xfrm>
-            <a:prstGeom prst="roundRect">
-              <a:avLst/>
-            </a:prstGeom>
-            <a:noFill/>
-            <a:ln w="19050">
-              <a:solidFill>
-                <a:srgbClr val="FF0000"/>
-              </a:solidFill>
-            </a:ln>
-          </p:spPr>
-          <p:style>
-            <a:lnRef idx="2">
-              <a:schemeClr val="accent6"/>
-            </a:lnRef>
-            <a:fillRef idx="1">
-              <a:schemeClr val="lt1"/>
-            </a:fillRef>
-            <a:effectRef idx="0">
-              <a:schemeClr val="accent6"/>
-            </a:effectRef>
-            <a:fontRef idx="minor">
-              <a:schemeClr val="dk1"/>
-            </a:fontRef>
-          </p:style>
-          <p:txBody>
-            <a:bodyPr rtlCol="0" anchor="ctr"/>
-            <a:lstStyle/>
-            <a:p>
-              <a:pPr algn="ctr"/>
-              <a:endParaRPr lang="en-US"/>
-            </a:p>
-          </p:txBody>
-        </p:sp>
-      </p:grpSp>
-      <p:grpSp>
-        <p:nvGrpSpPr>
-          <p:cNvPr id="24" name="Group 23">
-            <a:extLst>
-              <a:ext uri="{FF2B5EF4-FFF2-40B4-BE49-F238E27FC236}">
-                <a16:creationId xmlns:a16="http://schemas.microsoft.com/office/drawing/2014/main" id="{D38278DE-0F06-C7E2-92C5-2967695849E3}"/>
-              </a:ext>
-            </a:extLst>
-          </p:cNvPr>
-          <p:cNvGrpSpPr/>
-          <p:nvPr/>
-        </p:nvGrpSpPr>
-        <p:grpSpPr>
-          <a:xfrm>
-            <a:off x="246056" y="4512945"/>
-            <a:ext cx="2895289" cy="2156460"/>
-            <a:chOff x="246056" y="4512945"/>
-            <a:chExt cx="2895289" cy="2156460"/>
-          </a:xfrm>
-        </p:grpSpPr>
-        <p:pic>
-          <p:nvPicPr>
-            <p:cNvPr id="21" name="Picture 20" descr="Graphical user interface, text, application&#10;&#10;Description automatically generated">
-              <a:extLst>
-                <a:ext uri="{FF2B5EF4-FFF2-40B4-BE49-F238E27FC236}">
-                  <a16:creationId xmlns:a16="http://schemas.microsoft.com/office/drawing/2014/main" id="{C1F9D40D-8AFA-7A3F-C30E-34130E266C55}"/>
-                </a:ext>
-              </a:extLst>
-            </p:cNvPr>
-            <p:cNvPicPr>
-              <a:picLocks noChangeAspect="1"/>
-            </p:cNvPicPr>
-            <p:nvPr/>
-          </p:nvPicPr>
-          <p:blipFill>
-            <a:blip r:embed="rId7">
-              <a:extLst>
-                <a:ext uri="{28A0092B-C50C-407E-A947-70E740481C1C}">
-                  <a14:useLocalDpi xmlns:a14="http://schemas.microsoft.com/office/drawing/2010/main" val="0"/>
-                </a:ext>
-              </a:extLst>
-            </a:blip>
-            <a:srcRect/>
-            <a:stretch>
-              <a:fillRect/>
-            </a:stretch>
-          </p:blipFill>
-          <p:spPr bwMode="auto">
-            <a:xfrm>
-              <a:off x="268605" y="4512945"/>
-              <a:ext cx="2872740" cy="2156460"/>
-            </a:xfrm>
-            <a:prstGeom prst="rect">
-              <a:avLst/>
-            </a:prstGeom>
-            <a:noFill/>
-            <a:ln>
-              <a:noFill/>
-            </a:ln>
-          </p:spPr>
-        </p:pic>
-        <p:sp>
-          <p:nvSpPr>
-            <p:cNvPr id="22" name="Овал 5">
-              <a:extLst>
-                <a:ext uri="{FF2B5EF4-FFF2-40B4-BE49-F238E27FC236}">
-                  <a16:creationId xmlns:a16="http://schemas.microsoft.com/office/drawing/2014/main" id="{2236D8DD-0156-D474-BD6A-B8EFF1C4D995}"/>
-                </a:ext>
-              </a:extLst>
-            </p:cNvPr>
-            <p:cNvSpPr/>
-            <p:nvPr/>
-          </p:nvSpPr>
-          <p:spPr>
-            <a:xfrm>
-              <a:off x="246056" y="5181599"/>
-              <a:ext cx="1516064" cy="276225"/>
-            </a:xfrm>
-            <a:prstGeom prst="ellipse">
-              <a:avLst/>
-            </a:prstGeom>
-            <a:noFill/>
-            <a:ln w="19050">
-              <a:solidFill>
-                <a:srgbClr val="FF0000"/>
-              </a:solidFill>
-            </a:ln>
-          </p:spPr>
-          <p:style>
-            <a:lnRef idx="2">
-              <a:schemeClr val="accent1">
-                <a:shade val="50000"/>
-              </a:schemeClr>
-            </a:lnRef>
-            <a:fillRef idx="1">
-              <a:schemeClr val="accent1"/>
-            </a:fillRef>
-            <a:effectRef idx="0">
-              <a:schemeClr val="accent1"/>
-            </a:effectRef>
-            <a:fontRef idx="minor">
-              <a:schemeClr val="lt1"/>
-            </a:fontRef>
-          </p:style>
-          <p:txBody>
-            <a:bodyPr rtlCol="0" anchor="ctr"/>
-            <a:lstStyle/>
-            <a:p>
-              <a:pPr algn="ctr"/>
-              <a:endParaRPr lang="ru-RU"/>
-            </a:p>
-          </p:txBody>
-        </p:sp>
-      </p:grpSp>
-    </p:spTree>
-    <p:extLst>
-      <p:ext uri="{BB962C8B-B14F-4D97-AF65-F5344CB8AC3E}">
-        <p14:creationId xmlns:p14="http://schemas.microsoft.com/office/powerpoint/2010/main" val="3231720509"/>
-      </p:ext>
-    </p:extLst>
-  </p:cSld>
-  <p:clrMapOvr>
-    <a:masterClrMapping/>
-  </p:clrMapOvr>
-</p:sld>
-</file>
-
-<file path=ppt/slides/slide40.xml><?xml version="1.0" encoding="utf-8"?>
+<file path=ppt/slides/slide41.xml><?xml version="1.0" encoding="utf-8"?>
 <p:sld xmlns:a="http://schemas.openxmlformats.org/drawingml/2006/main" xmlns:r="http://schemas.openxmlformats.org/officeDocument/2006/relationships" xmlns:p="http://schemas.openxmlformats.org/presentationml/2006/main">
   <p:cSld>
     <p:spTree>
@@ -28665,7 +28485,7 @@
 </p:sld>
 </file>
 
-<file path=ppt/slides/slide41.xml><?xml version="1.0" encoding="utf-8"?>
+<file path=ppt/slides/slide42.xml><?xml version="1.0" encoding="utf-8"?>
 <p:sld xmlns:a="http://schemas.openxmlformats.org/drawingml/2006/main" xmlns:r="http://schemas.openxmlformats.org/officeDocument/2006/relationships" xmlns:p="http://schemas.openxmlformats.org/presentationml/2006/main">
   <p:cSld>
     <p:spTree>
@@ -28961,7 +28781,7 @@
 </p:sld>
 </file>
 
-<file path=ppt/slides/slide42.xml><?xml version="1.0" encoding="utf-8"?>
+<file path=ppt/slides/slide43.xml><?xml version="1.0" encoding="utf-8"?>
 <p:sld xmlns:a="http://schemas.openxmlformats.org/drawingml/2006/main" xmlns:r="http://schemas.openxmlformats.org/officeDocument/2006/relationships" xmlns:p="http://schemas.openxmlformats.org/presentationml/2006/main">
   <p:cSld>
     <p:spTree>
@@ -29202,7 +29022,7 @@
 </p:sld>
 </file>
 
-<file path=ppt/slides/slide43.xml><?xml version="1.0" encoding="utf-8"?>
+<file path=ppt/slides/slide44.xml><?xml version="1.0" encoding="utf-8"?>
 <p:sld xmlns:a="http://schemas.openxmlformats.org/drawingml/2006/main" xmlns:r="http://schemas.openxmlformats.org/officeDocument/2006/relationships" xmlns:p="http://schemas.openxmlformats.org/presentationml/2006/main">
   <p:cSld>
     <p:spTree>
@@ -34419,7 +34239,7 @@
 </p:sld>
 </file>
 
-<file path=ppt/slides/slide44.xml><?xml version="1.0" encoding="utf-8"?>
+<file path=ppt/slides/slide45.xml><?xml version="1.0" encoding="utf-8"?>
 <p:sld xmlns:a="http://schemas.openxmlformats.org/drawingml/2006/main" xmlns:r="http://schemas.openxmlformats.org/officeDocument/2006/relationships" xmlns:p="http://schemas.openxmlformats.org/presentationml/2006/main">
   <p:cSld>
     <p:spTree>
@@ -34571,6 +34391,667 @@
       </p:grpSpPr>
       <p:grpSp>
         <p:nvGrpSpPr>
+          <p:cNvPr id="6" name="Group 5">
+            <a:extLst>
+              <a:ext uri="{FF2B5EF4-FFF2-40B4-BE49-F238E27FC236}">
+                <a16:creationId xmlns:a16="http://schemas.microsoft.com/office/drawing/2014/main" id="{00BCC187-6DE4-25B8-931F-F0403EAD6E6D}"/>
+              </a:ext>
+            </a:extLst>
+          </p:cNvPr>
+          <p:cNvGrpSpPr/>
+          <p:nvPr/>
+        </p:nvGrpSpPr>
+        <p:grpSpPr>
+          <a:xfrm>
+            <a:off x="205288" y="2162576"/>
+            <a:ext cx="2714625" cy="533400"/>
+            <a:chOff x="6006013" y="5944001"/>
+            <a:chExt cx="2714625" cy="533400"/>
+          </a:xfrm>
+        </p:grpSpPr>
+        <p:pic>
+          <p:nvPicPr>
+            <p:cNvPr id="7" name="Picture 6">
+              <a:extLst>
+                <a:ext uri="{FF2B5EF4-FFF2-40B4-BE49-F238E27FC236}">
+                  <a16:creationId xmlns:a16="http://schemas.microsoft.com/office/drawing/2014/main" id="{8965EA1A-01DE-E151-8901-A2CCB2DF3682}"/>
+                </a:ext>
+              </a:extLst>
+            </p:cNvPr>
+            <p:cNvPicPr>
+              <a:picLocks noChangeAspect="1"/>
+            </p:cNvPicPr>
+            <p:nvPr/>
+          </p:nvPicPr>
+          <p:blipFill>
+            <a:blip r:embed="rId2"/>
+            <a:stretch>
+              <a:fillRect/>
+            </a:stretch>
+          </p:blipFill>
+          <p:spPr>
+            <a:xfrm>
+              <a:off x="6006013" y="5944001"/>
+              <a:ext cx="2714625" cy="533400"/>
+            </a:xfrm>
+            <a:prstGeom prst="rect">
+              <a:avLst/>
+            </a:prstGeom>
+          </p:spPr>
+        </p:pic>
+        <p:sp>
+          <p:nvSpPr>
+            <p:cNvPr id="8" name="Rectangle: Rounded Corners 7">
+              <a:extLst>
+                <a:ext uri="{FF2B5EF4-FFF2-40B4-BE49-F238E27FC236}">
+                  <a16:creationId xmlns:a16="http://schemas.microsoft.com/office/drawing/2014/main" id="{71F8EB1A-83E0-40F9-B39C-A8B3A95DCA55}"/>
+                </a:ext>
+              </a:extLst>
+            </p:cNvPr>
+            <p:cNvSpPr/>
+            <p:nvPr/>
+          </p:nvSpPr>
+          <p:spPr>
+            <a:xfrm>
+              <a:off x="6217920" y="6126480"/>
+              <a:ext cx="2468880" cy="167640"/>
+            </a:xfrm>
+            <a:prstGeom prst="roundRect">
+              <a:avLst/>
+            </a:prstGeom>
+            <a:noFill/>
+            <a:ln w="19050">
+              <a:solidFill>
+                <a:srgbClr val="FF0000"/>
+              </a:solidFill>
+            </a:ln>
+          </p:spPr>
+          <p:style>
+            <a:lnRef idx="2">
+              <a:schemeClr val="accent6"/>
+            </a:lnRef>
+            <a:fillRef idx="1">
+              <a:schemeClr val="lt1"/>
+            </a:fillRef>
+            <a:effectRef idx="0">
+              <a:schemeClr val="accent6"/>
+            </a:effectRef>
+            <a:fontRef idx="minor">
+              <a:schemeClr val="dk1"/>
+            </a:fontRef>
+          </p:style>
+          <p:txBody>
+            <a:bodyPr rtlCol="0" anchor="ctr"/>
+            <a:lstStyle/>
+            <a:p>
+              <a:pPr algn="ctr"/>
+              <a:endParaRPr lang="en-US"/>
+            </a:p>
+          </p:txBody>
+        </p:sp>
+      </p:grpSp>
+      <p:grpSp>
+        <p:nvGrpSpPr>
+          <p:cNvPr id="9" name="Group 8">
+            <a:extLst>
+              <a:ext uri="{FF2B5EF4-FFF2-40B4-BE49-F238E27FC236}">
+                <a16:creationId xmlns:a16="http://schemas.microsoft.com/office/drawing/2014/main" id="{F993024C-1C15-2014-BA1B-ED351A76F530}"/>
+              </a:ext>
+            </a:extLst>
+          </p:cNvPr>
+          <p:cNvGrpSpPr/>
+          <p:nvPr/>
+        </p:nvGrpSpPr>
+        <p:grpSpPr>
+          <a:xfrm>
+            <a:off x="242887" y="271462"/>
+            <a:ext cx="2143125" cy="752475"/>
+            <a:chOff x="300037" y="433387"/>
+            <a:chExt cx="2143125" cy="752475"/>
+          </a:xfrm>
+        </p:grpSpPr>
+        <p:pic>
+          <p:nvPicPr>
+            <p:cNvPr id="10" name="Picture 9">
+              <a:extLst>
+                <a:ext uri="{FF2B5EF4-FFF2-40B4-BE49-F238E27FC236}">
+                  <a16:creationId xmlns:a16="http://schemas.microsoft.com/office/drawing/2014/main" id="{233488B7-8A3D-8959-D2F3-0DB362B317AC}"/>
+                </a:ext>
+              </a:extLst>
+            </p:cNvPr>
+            <p:cNvPicPr>
+              <a:picLocks noChangeAspect="1"/>
+            </p:cNvPicPr>
+            <p:nvPr/>
+          </p:nvPicPr>
+          <p:blipFill>
+            <a:blip r:embed="rId3"/>
+            <a:stretch>
+              <a:fillRect/>
+            </a:stretch>
+          </p:blipFill>
+          <p:spPr>
+            <a:xfrm>
+              <a:off x="300037" y="433387"/>
+              <a:ext cx="2143125" cy="752475"/>
+            </a:xfrm>
+            <a:prstGeom prst="rect">
+              <a:avLst/>
+            </a:prstGeom>
+          </p:spPr>
+        </p:pic>
+        <p:sp>
+          <p:nvSpPr>
+            <p:cNvPr id="11" name="Овал 5">
+              <a:extLst>
+                <a:ext uri="{FF2B5EF4-FFF2-40B4-BE49-F238E27FC236}">
+                  <a16:creationId xmlns:a16="http://schemas.microsoft.com/office/drawing/2014/main" id="{549921A8-4D5F-2F83-C69D-EF526A572DC7}"/>
+                </a:ext>
+              </a:extLst>
+            </p:cNvPr>
+            <p:cNvSpPr/>
+            <p:nvPr/>
+          </p:nvSpPr>
+          <p:spPr>
+            <a:xfrm>
+              <a:off x="893762" y="607219"/>
+              <a:ext cx="261938" cy="247650"/>
+            </a:xfrm>
+            <a:prstGeom prst="ellipse">
+              <a:avLst/>
+            </a:prstGeom>
+            <a:noFill/>
+            <a:ln w="19050">
+              <a:solidFill>
+                <a:srgbClr val="FF0000"/>
+              </a:solidFill>
+            </a:ln>
+          </p:spPr>
+          <p:style>
+            <a:lnRef idx="2">
+              <a:schemeClr val="accent1">
+                <a:shade val="50000"/>
+              </a:schemeClr>
+            </a:lnRef>
+            <a:fillRef idx="1">
+              <a:schemeClr val="accent1"/>
+            </a:fillRef>
+            <a:effectRef idx="0">
+              <a:schemeClr val="accent1"/>
+            </a:effectRef>
+            <a:fontRef idx="minor">
+              <a:schemeClr val="lt1"/>
+            </a:fontRef>
+          </p:style>
+          <p:txBody>
+            <a:bodyPr rtlCol="0" anchor="ctr"/>
+            <a:lstStyle/>
+            <a:p>
+              <a:pPr algn="ctr"/>
+              <a:endParaRPr lang="ru-RU"/>
+            </a:p>
+          </p:txBody>
+        </p:sp>
+      </p:grpSp>
+      <p:grpSp>
+        <p:nvGrpSpPr>
+          <p:cNvPr id="13" name="Group 12">
+            <a:extLst>
+              <a:ext uri="{FF2B5EF4-FFF2-40B4-BE49-F238E27FC236}">
+                <a16:creationId xmlns:a16="http://schemas.microsoft.com/office/drawing/2014/main" id="{5650C7EE-F534-A0E9-6B61-4CD7D6024DA8}"/>
+              </a:ext>
+            </a:extLst>
+          </p:cNvPr>
+          <p:cNvGrpSpPr/>
+          <p:nvPr/>
+        </p:nvGrpSpPr>
+        <p:grpSpPr>
+          <a:xfrm>
+            <a:off x="209550" y="1228725"/>
+            <a:ext cx="2914650" cy="819150"/>
+            <a:chOff x="1019175" y="4267200"/>
+            <a:chExt cx="2914650" cy="819150"/>
+          </a:xfrm>
+        </p:grpSpPr>
+        <p:pic>
+          <p:nvPicPr>
+            <p:cNvPr id="5" name="Picture 4">
+              <a:extLst>
+                <a:ext uri="{FF2B5EF4-FFF2-40B4-BE49-F238E27FC236}">
+                  <a16:creationId xmlns:a16="http://schemas.microsoft.com/office/drawing/2014/main" id="{F1B9E594-0A9C-C741-EB11-4A5B07BD4F32}"/>
+                </a:ext>
+              </a:extLst>
+            </p:cNvPr>
+            <p:cNvPicPr>
+              <a:picLocks noChangeAspect="1"/>
+            </p:cNvPicPr>
+            <p:nvPr/>
+          </p:nvPicPr>
+          <p:blipFill>
+            <a:blip r:embed="rId4"/>
+            <a:stretch>
+              <a:fillRect/>
+            </a:stretch>
+          </p:blipFill>
+          <p:spPr>
+            <a:xfrm>
+              <a:off x="1019175" y="4267200"/>
+              <a:ext cx="2914650" cy="819150"/>
+            </a:xfrm>
+            <a:prstGeom prst="rect">
+              <a:avLst/>
+            </a:prstGeom>
+          </p:spPr>
+        </p:pic>
+        <p:sp>
+          <p:nvSpPr>
+            <p:cNvPr id="12" name="Овал 5">
+              <a:extLst>
+                <a:ext uri="{FF2B5EF4-FFF2-40B4-BE49-F238E27FC236}">
+                  <a16:creationId xmlns:a16="http://schemas.microsoft.com/office/drawing/2014/main" id="{BE5BFBE9-8102-ED81-161E-4515506D6D9B}"/>
+                </a:ext>
+              </a:extLst>
+            </p:cNvPr>
+            <p:cNvSpPr/>
+            <p:nvPr/>
+          </p:nvSpPr>
+          <p:spPr>
+            <a:xfrm>
+              <a:off x="1198562" y="4683919"/>
+              <a:ext cx="687388" cy="247650"/>
+            </a:xfrm>
+            <a:prstGeom prst="ellipse">
+              <a:avLst/>
+            </a:prstGeom>
+            <a:noFill/>
+            <a:ln w="19050">
+              <a:solidFill>
+                <a:srgbClr val="FF0000"/>
+              </a:solidFill>
+            </a:ln>
+          </p:spPr>
+          <p:style>
+            <a:lnRef idx="2">
+              <a:schemeClr val="accent1">
+                <a:shade val="50000"/>
+              </a:schemeClr>
+            </a:lnRef>
+            <a:fillRef idx="1">
+              <a:schemeClr val="accent1"/>
+            </a:fillRef>
+            <a:effectRef idx="0">
+              <a:schemeClr val="accent1"/>
+            </a:effectRef>
+            <a:fontRef idx="minor">
+              <a:schemeClr val="lt1"/>
+            </a:fontRef>
+          </p:style>
+          <p:txBody>
+            <a:bodyPr rtlCol="0" anchor="ctr"/>
+            <a:lstStyle/>
+            <a:p>
+              <a:pPr algn="ctr"/>
+              <a:endParaRPr lang="ru-RU"/>
+            </a:p>
+          </p:txBody>
+        </p:sp>
+      </p:grpSp>
+      <p:grpSp>
+        <p:nvGrpSpPr>
+          <p:cNvPr id="16" name="Group 15">
+            <a:extLst>
+              <a:ext uri="{FF2B5EF4-FFF2-40B4-BE49-F238E27FC236}">
+                <a16:creationId xmlns:a16="http://schemas.microsoft.com/office/drawing/2014/main" id="{39F9778D-D193-914E-840B-EC98D0AA9D6E}"/>
+              </a:ext>
+            </a:extLst>
+          </p:cNvPr>
+          <p:cNvGrpSpPr/>
+          <p:nvPr/>
+        </p:nvGrpSpPr>
+        <p:grpSpPr>
+          <a:xfrm>
+            <a:off x="2995612" y="2233613"/>
+            <a:ext cx="942975" cy="1800225"/>
+            <a:chOff x="4624387" y="3824288"/>
+            <a:chExt cx="942975" cy="1800225"/>
+          </a:xfrm>
+        </p:grpSpPr>
+        <p:pic>
+          <p:nvPicPr>
+            <p:cNvPr id="14" name="Picture 13" descr="Graphical user interface, text&#10;&#10;Description automatically generated">
+              <a:extLst>
+                <a:ext uri="{FF2B5EF4-FFF2-40B4-BE49-F238E27FC236}">
+                  <a16:creationId xmlns:a16="http://schemas.microsoft.com/office/drawing/2014/main" id="{A19CFD31-FC2F-AAC8-2830-11A201549708}"/>
+                </a:ext>
+              </a:extLst>
+            </p:cNvPr>
+            <p:cNvPicPr>
+              <a:picLocks noChangeAspect="1"/>
+            </p:cNvPicPr>
+            <p:nvPr/>
+          </p:nvPicPr>
+          <p:blipFill>
+            <a:blip r:embed="rId5">
+              <a:extLst>
+                <a:ext uri="{28A0092B-C50C-407E-A947-70E740481C1C}">
+                  <a14:useLocalDpi xmlns:a14="http://schemas.microsoft.com/office/drawing/2010/main" val="0"/>
+                </a:ext>
+              </a:extLst>
+            </a:blip>
+            <a:stretch>
+              <a:fillRect/>
+            </a:stretch>
+          </p:blipFill>
+          <p:spPr>
+            <a:xfrm>
+              <a:off x="4624387" y="3824288"/>
+              <a:ext cx="942975" cy="1800225"/>
+            </a:xfrm>
+            <a:prstGeom prst="rect">
+              <a:avLst/>
+            </a:prstGeom>
+          </p:spPr>
+        </p:pic>
+        <p:sp>
+          <p:nvSpPr>
+            <p:cNvPr id="15" name="Овал 5">
+              <a:extLst>
+                <a:ext uri="{FF2B5EF4-FFF2-40B4-BE49-F238E27FC236}">
+                  <a16:creationId xmlns:a16="http://schemas.microsoft.com/office/drawing/2014/main" id="{849FD841-C6B2-1FC7-7E47-A02350654772}"/>
+                </a:ext>
+              </a:extLst>
+            </p:cNvPr>
+            <p:cNvSpPr/>
+            <p:nvPr/>
+          </p:nvSpPr>
+          <p:spPr>
+            <a:xfrm>
+              <a:off x="4656136" y="4219575"/>
+              <a:ext cx="868363" cy="235744"/>
+            </a:xfrm>
+            <a:prstGeom prst="ellipse">
+              <a:avLst/>
+            </a:prstGeom>
+            <a:noFill/>
+            <a:ln w="19050">
+              <a:solidFill>
+                <a:srgbClr val="FF0000"/>
+              </a:solidFill>
+            </a:ln>
+          </p:spPr>
+          <p:style>
+            <a:lnRef idx="2">
+              <a:schemeClr val="accent1">
+                <a:shade val="50000"/>
+              </a:schemeClr>
+            </a:lnRef>
+            <a:fillRef idx="1">
+              <a:schemeClr val="accent1"/>
+            </a:fillRef>
+            <a:effectRef idx="0">
+              <a:schemeClr val="accent1"/>
+            </a:effectRef>
+            <a:fontRef idx="minor">
+              <a:schemeClr val="lt1"/>
+            </a:fontRef>
+          </p:style>
+          <p:txBody>
+            <a:bodyPr rtlCol="0" anchor="ctr"/>
+            <a:lstStyle/>
+            <a:p>
+              <a:pPr algn="ctr"/>
+              <a:endParaRPr lang="ru-RU"/>
+            </a:p>
+          </p:txBody>
+        </p:sp>
+      </p:grpSp>
+      <p:grpSp>
+        <p:nvGrpSpPr>
+          <p:cNvPr id="27" name="Group 26">
+            <a:extLst>
+              <a:ext uri="{FF2B5EF4-FFF2-40B4-BE49-F238E27FC236}">
+                <a16:creationId xmlns:a16="http://schemas.microsoft.com/office/drawing/2014/main" id="{60CC4D8E-43D0-4392-2AD8-1B240B20D709}"/>
+              </a:ext>
+            </a:extLst>
+          </p:cNvPr>
+          <p:cNvGrpSpPr/>
+          <p:nvPr/>
+        </p:nvGrpSpPr>
+        <p:grpSpPr>
+          <a:xfrm>
+            <a:off x="4010626" y="-78808"/>
+            <a:ext cx="4895850" cy="6686550"/>
+            <a:chOff x="4010626" y="-78808"/>
+            <a:chExt cx="4895850" cy="6686550"/>
+          </a:xfrm>
+        </p:grpSpPr>
+        <p:pic>
+          <p:nvPicPr>
+            <p:cNvPr id="26" name="Picture 25">
+              <a:extLst>
+                <a:ext uri="{FF2B5EF4-FFF2-40B4-BE49-F238E27FC236}">
+                  <a16:creationId xmlns:a16="http://schemas.microsoft.com/office/drawing/2014/main" id="{ECCC2883-5ECD-90DD-22B9-DE009326B1F8}"/>
+                </a:ext>
+              </a:extLst>
+            </p:cNvPr>
+            <p:cNvPicPr>
+              <a:picLocks noChangeAspect="1"/>
+            </p:cNvPicPr>
+            <p:nvPr/>
+          </p:nvPicPr>
+          <p:blipFill>
+            <a:blip r:embed="rId6"/>
+            <a:stretch>
+              <a:fillRect/>
+            </a:stretch>
+          </p:blipFill>
+          <p:spPr>
+            <a:xfrm>
+              <a:off x="4010626" y="-78808"/>
+              <a:ext cx="4895850" cy="6686550"/>
+            </a:xfrm>
+            <a:prstGeom prst="rect">
+              <a:avLst/>
+            </a:prstGeom>
+          </p:spPr>
+        </p:pic>
+        <p:sp>
+          <p:nvSpPr>
+            <p:cNvPr id="19" name="Rectangle: Rounded Corners 18">
+              <a:extLst>
+                <a:ext uri="{FF2B5EF4-FFF2-40B4-BE49-F238E27FC236}">
+                  <a16:creationId xmlns:a16="http://schemas.microsoft.com/office/drawing/2014/main" id="{89CD4B43-7B54-D125-9E50-96D70B832B55}"/>
+                </a:ext>
+              </a:extLst>
+            </p:cNvPr>
+            <p:cNvSpPr/>
+            <p:nvPr/>
+          </p:nvSpPr>
+          <p:spPr>
+            <a:xfrm>
+              <a:off x="4170045" y="935354"/>
+              <a:ext cx="4507230" cy="283845"/>
+            </a:xfrm>
+            <a:prstGeom prst="roundRect">
+              <a:avLst/>
+            </a:prstGeom>
+            <a:noFill/>
+            <a:ln w="19050">
+              <a:solidFill>
+                <a:srgbClr val="FF0000"/>
+              </a:solidFill>
+            </a:ln>
+          </p:spPr>
+          <p:style>
+            <a:lnRef idx="2">
+              <a:schemeClr val="accent6"/>
+            </a:lnRef>
+            <a:fillRef idx="1">
+              <a:schemeClr val="lt1"/>
+            </a:fillRef>
+            <a:effectRef idx="0">
+              <a:schemeClr val="accent6"/>
+            </a:effectRef>
+            <a:fontRef idx="minor">
+              <a:schemeClr val="dk1"/>
+            </a:fontRef>
+          </p:style>
+          <p:txBody>
+            <a:bodyPr rtlCol="0" anchor="ctr"/>
+            <a:lstStyle/>
+            <a:p>
+              <a:pPr algn="ctr"/>
+              <a:endParaRPr lang="en-US"/>
+            </a:p>
+          </p:txBody>
+        </p:sp>
+      </p:grpSp>
+      <p:grpSp>
+        <p:nvGrpSpPr>
+          <p:cNvPr id="24" name="Group 23">
+            <a:extLst>
+              <a:ext uri="{FF2B5EF4-FFF2-40B4-BE49-F238E27FC236}">
+                <a16:creationId xmlns:a16="http://schemas.microsoft.com/office/drawing/2014/main" id="{D38278DE-0F06-C7E2-92C5-2967695849E3}"/>
+              </a:ext>
+            </a:extLst>
+          </p:cNvPr>
+          <p:cNvGrpSpPr/>
+          <p:nvPr/>
+        </p:nvGrpSpPr>
+        <p:grpSpPr>
+          <a:xfrm>
+            <a:off x="246056" y="4512945"/>
+            <a:ext cx="2895289" cy="2156460"/>
+            <a:chOff x="246056" y="4512945"/>
+            <a:chExt cx="2895289" cy="2156460"/>
+          </a:xfrm>
+        </p:grpSpPr>
+        <p:pic>
+          <p:nvPicPr>
+            <p:cNvPr id="21" name="Picture 20" descr="Graphical user interface, text, application&#10;&#10;Description automatically generated">
+              <a:extLst>
+                <a:ext uri="{FF2B5EF4-FFF2-40B4-BE49-F238E27FC236}">
+                  <a16:creationId xmlns:a16="http://schemas.microsoft.com/office/drawing/2014/main" id="{C1F9D40D-8AFA-7A3F-C30E-34130E266C55}"/>
+                </a:ext>
+              </a:extLst>
+            </p:cNvPr>
+            <p:cNvPicPr>
+              <a:picLocks noChangeAspect="1"/>
+            </p:cNvPicPr>
+            <p:nvPr/>
+          </p:nvPicPr>
+          <p:blipFill>
+            <a:blip r:embed="rId7">
+              <a:extLst>
+                <a:ext uri="{28A0092B-C50C-407E-A947-70E740481C1C}">
+                  <a14:useLocalDpi xmlns:a14="http://schemas.microsoft.com/office/drawing/2010/main" val="0"/>
+                </a:ext>
+              </a:extLst>
+            </a:blip>
+            <a:srcRect/>
+            <a:stretch>
+              <a:fillRect/>
+            </a:stretch>
+          </p:blipFill>
+          <p:spPr bwMode="auto">
+            <a:xfrm>
+              <a:off x="268605" y="4512945"/>
+              <a:ext cx="2872740" cy="2156460"/>
+            </a:xfrm>
+            <a:prstGeom prst="rect">
+              <a:avLst/>
+            </a:prstGeom>
+            <a:noFill/>
+            <a:ln>
+              <a:noFill/>
+            </a:ln>
+          </p:spPr>
+        </p:pic>
+        <p:sp>
+          <p:nvSpPr>
+            <p:cNvPr id="22" name="Овал 5">
+              <a:extLst>
+                <a:ext uri="{FF2B5EF4-FFF2-40B4-BE49-F238E27FC236}">
+                  <a16:creationId xmlns:a16="http://schemas.microsoft.com/office/drawing/2014/main" id="{2236D8DD-0156-D474-BD6A-B8EFF1C4D995}"/>
+                </a:ext>
+              </a:extLst>
+            </p:cNvPr>
+            <p:cNvSpPr/>
+            <p:nvPr/>
+          </p:nvSpPr>
+          <p:spPr>
+            <a:xfrm>
+              <a:off x="246056" y="5181599"/>
+              <a:ext cx="1516064" cy="276225"/>
+            </a:xfrm>
+            <a:prstGeom prst="ellipse">
+              <a:avLst/>
+            </a:prstGeom>
+            <a:noFill/>
+            <a:ln w="19050">
+              <a:solidFill>
+                <a:srgbClr val="FF0000"/>
+              </a:solidFill>
+            </a:ln>
+          </p:spPr>
+          <p:style>
+            <a:lnRef idx="2">
+              <a:schemeClr val="accent1">
+                <a:shade val="50000"/>
+              </a:schemeClr>
+            </a:lnRef>
+            <a:fillRef idx="1">
+              <a:schemeClr val="accent1"/>
+            </a:fillRef>
+            <a:effectRef idx="0">
+              <a:schemeClr val="accent1"/>
+            </a:effectRef>
+            <a:fontRef idx="minor">
+              <a:schemeClr val="lt1"/>
+            </a:fontRef>
+          </p:style>
+          <p:txBody>
+            <a:bodyPr rtlCol="0" anchor="ctr"/>
+            <a:lstStyle/>
+            <a:p>
+              <a:pPr algn="ctr"/>
+              <a:endParaRPr lang="ru-RU"/>
+            </a:p>
+          </p:txBody>
+        </p:sp>
+      </p:grpSp>
+    </p:spTree>
+    <p:extLst>
+      <p:ext uri="{BB962C8B-B14F-4D97-AF65-F5344CB8AC3E}">
+        <p14:creationId xmlns:p14="http://schemas.microsoft.com/office/powerpoint/2010/main" val="3231720509"/>
+      </p:ext>
+    </p:extLst>
+  </p:cSld>
+  <p:clrMapOvr>
+    <a:masterClrMapping/>
+  </p:clrMapOvr>
+</p:sld>
+</file>
+
+<file path=ppt/slides/slide6.xml><?xml version="1.0" encoding="utf-8"?>
+<p:sld xmlns:a="http://schemas.openxmlformats.org/drawingml/2006/main" xmlns:r="http://schemas.openxmlformats.org/officeDocument/2006/relationships" xmlns:p="http://schemas.openxmlformats.org/presentationml/2006/main">
+  <p:cSld>
+    <p:spTree>
+      <p:nvGrpSpPr>
+        <p:cNvPr id="1" name=""/>
+        <p:cNvGrpSpPr/>
+        <p:nvPr/>
+      </p:nvGrpSpPr>
+      <p:grpSpPr>
+        <a:xfrm>
+          <a:off x="0" y="0"/>
+          <a:ext cx="0" cy="0"/>
+          <a:chOff x="0" y="0"/>
+          <a:chExt cx="0" cy="0"/>
+        </a:xfrm>
+      </p:grpSpPr>
+      <p:grpSp>
+        <p:nvGrpSpPr>
           <p:cNvPr id="10" name="Group 9">
             <a:extLst>
               <a:ext uri="{FF2B5EF4-FFF2-40B4-BE49-F238E27FC236}">
@@ -35003,7 +35484,7 @@
 </p:sld>
 </file>
 
-<file path=ppt/slides/slide6.xml><?xml version="1.0" encoding="utf-8"?>
+<file path=ppt/slides/slide7.xml><?xml version="1.0" encoding="utf-8"?>
 <p:sld xmlns:a="http://schemas.openxmlformats.org/drawingml/2006/main" xmlns:r="http://schemas.openxmlformats.org/officeDocument/2006/relationships" xmlns:p="http://schemas.openxmlformats.org/presentationml/2006/main">
   <p:cSld>
     <p:spTree>
@@ -35649,7 +36130,7 @@
 </p:sld>
 </file>
 
-<file path=ppt/slides/slide7.xml><?xml version="1.0" encoding="utf-8"?>
+<file path=ppt/slides/slide8.xml><?xml version="1.0" encoding="utf-8"?>
 <p:sld xmlns:a="http://schemas.openxmlformats.org/drawingml/2006/main" xmlns:r="http://schemas.openxmlformats.org/officeDocument/2006/relationships" xmlns:p="http://schemas.openxmlformats.org/presentationml/2006/main">
   <p:cSld>
     <p:spTree>
@@ -36681,7 +37162,7 @@
 </p:sld>
 </file>
 
-<file path=ppt/slides/slide8.xml><?xml version="1.0" encoding="utf-8"?>
+<file path=ppt/slides/slide9.xml><?xml version="1.0" encoding="utf-8"?>
 <p:sld xmlns:a="http://schemas.openxmlformats.org/drawingml/2006/main" xmlns:r="http://schemas.openxmlformats.org/officeDocument/2006/relationships" xmlns:p="http://schemas.openxmlformats.org/presentationml/2006/main">
   <p:cSld>
     <p:spTree>
@@ -36805,412 +37286,6 @@
     <p:extLst>
       <p:ext uri="{BB962C8B-B14F-4D97-AF65-F5344CB8AC3E}">
         <p14:creationId xmlns:p14="http://schemas.microsoft.com/office/powerpoint/2010/main" val="3373592868"/>
-      </p:ext>
-    </p:extLst>
-  </p:cSld>
-  <p:clrMapOvr>
-    <a:masterClrMapping/>
-  </p:clrMapOvr>
-</p:sld>
-</file>
-
-<file path=ppt/slides/slide9.xml><?xml version="1.0" encoding="utf-8"?>
-<p:sld xmlns:a="http://schemas.openxmlformats.org/drawingml/2006/main" xmlns:r="http://schemas.openxmlformats.org/officeDocument/2006/relationships" xmlns:p="http://schemas.openxmlformats.org/presentationml/2006/main">
-  <p:cSld>
-    <p:spTree>
-      <p:nvGrpSpPr>
-        <p:cNvPr id="1" name=""/>
-        <p:cNvGrpSpPr/>
-        <p:nvPr/>
-      </p:nvGrpSpPr>
-      <p:grpSpPr>
-        <a:xfrm>
-          <a:off x="0" y="0"/>
-          <a:ext cx="0" cy="0"/>
-          <a:chOff x="0" y="0"/>
-          <a:chExt cx="0" cy="0"/>
-        </a:xfrm>
-      </p:grpSpPr>
-      <p:grpSp>
-        <p:nvGrpSpPr>
-          <p:cNvPr id="19" name="Group 18">
-            <a:extLst>
-              <a:ext uri="{FF2B5EF4-FFF2-40B4-BE49-F238E27FC236}">
-                <a16:creationId xmlns:a16="http://schemas.microsoft.com/office/drawing/2014/main" id="{E40803F0-C5B8-57BD-AF59-3089A95A0813}"/>
-              </a:ext>
-            </a:extLst>
-          </p:cNvPr>
-          <p:cNvGrpSpPr/>
-          <p:nvPr/>
-        </p:nvGrpSpPr>
-        <p:grpSpPr>
-          <a:xfrm>
-            <a:off x="1871662" y="361950"/>
-            <a:ext cx="4995863" cy="4724400"/>
-            <a:chOff x="1871662" y="361950"/>
-            <a:chExt cx="4995863" cy="4724400"/>
-          </a:xfrm>
-        </p:grpSpPr>
-        <p:grpSp>
-          <p:nvGrpSpPr>
-            <p:cNvPr id="11" name="Group 10">
-              <a:extLst>
-                <a:ext uri="{FF2B5EF4-FFF2-40B4-BE49-F238E27FC236}">
-                  <a16:creationId xmlns:a16="http://schemas.microsoft.com/office/drawing/2014/main" id="{5F94BE99-6769-97EC-62A7-86F1C0E16CE1}"/>
-                </a:ext>
-              </a:extLst>
-            </p:cNvPr>
-            <p:cNvGrpSpPr/>
-            <p:nvPr/>
-          </p:nvGrpSpPr>
-          <p:grpSpPr>
-            <a:xfrm>
-              <a:off x="1909762" y="3181350"/>
-              <a:ext cx="4848225" cy="1905000"/>
-              <a:chOff x="1814512" y="3486150"/>
-              <a:chExt cx="4848225" cy="1905000"/>
-            </a:xfrm>
-          </p:grpSpPr>
-          <p:pic>
-            <p:nvPicPr>
-              <p:cNvPr id="7" name="Picture 6">
-                <a:extLst>
-                  <a:ext uri="{FF2B5EF4-FFF2-40B4-BE49-F238E27FC236}">
-                    <a16:creationId xmlns:a16="http://schemas.microsoft.com/office/drawing/2014/main" id="{B7E7AF59-7386-5F2D-B321-896ADEE82B17}"/>
-                  </a:ext>
-                </a:extLst>
-              </p:cNvPr>
-              <p:cNvPicPr>
-                <a:picLocks noChangeAspect="1"/>
-              </p:cNvPicPr>
-              <p:nvPr/>
-            </p:nvPicPr>
-            <p:blipFill>
-              <a:blip r:embed="rId2"/>
-              <a:stretch>
-                <a:fillRect/>
-              </a:stretch>
-            </p:blipFill>
-            <p:spPr>
-              <a:xfrm>
-                <a:off x="1814512" y="3486150"/>
-                <a:ext cx="4848225" cy="1905000"/>
-              </a:xfrm>
-              <a:prstGeom prst="rect">
-                <a:avLst/>
-              </a:prstGeom>
-            </p:spPr>
-          </p:pic>
-          <p:sp>
-            <p:nvSpPr>
-              <p:cNvPr id="9" name="Овал 5">
-                <a:extLst>
-                  <a:ext uri="{FF2B5EF4-FFF2-40B4-BE49-F238E27FC236}">
-                    <a16:creationId xmlns:a16="http://schemas.microsoft.com/office/drawing/2014/main" id="{E96C2595-B012-DAE6-BE4B-2EFCA9120686}"/>
-                  </a:ext>
-                </a:extLst>
-              </p:cNvPr>
-              <p:cNvSpPr/>
-              <p:nvPr/>
-            </p:nvSpPr>
-            <p:spPr>
-              <a:xfrm>
-                <a:off x="1816779" y="4811760"/>
-                <a:ext cx="2669496" cy="293640"/>
-              </a:xfrm>
-              <a:prstGeom prst="ellipse">
-                <a:avLst/>
-              </a:prstGeom>
-              <a:noFill/>
-              <a:ln w="19050">
-                <a:solidFill>
-                  <a:srgbClr val="FF0000"/>
-                </a:solidFill>
-              </a:ln>
-            </p:spPr>
-            <p:style>
-              <a:lnRef idx="2">
-                <a:schemeClr val="accent1">
-                  <a:shade val="50000"/>
-                </a:schemeClr>
-              </a:lnRef>
-              <a:fillRef idx="1">
-                <a:schemeClr val="accent1"/>
-              </a:fillRef>
-              <a:effectRef idx="0">
-                <a:schemeClr val="accent1"/>
-              </a:effectRef>
-              <a:fontRef idx="minor">
-                <a:schemeClr val="lt1"/>
-              </a:fontRef>
-            </p:style>
-            <p:txBody>
-              <a:bodyPr rtlCol="0" anchor="ctr"/>
-              <a:lstStyle/>
-              <a:p>
-                <a:pPr algn="ctr"/>
-                <a:endParaRPr lang="ru-RU"/>
-              </a:p>
-            </p:txBody>
-          </p:sp>
-        </p:grpSp>
-        <p:sp>
-          <p:nvSpPr>
-            <p:cNvPr id="10" name="Arrow: Right 9">
-              <a:extLst>
-                <a:ext uri="{FF2B5EF4-FFF2-40B4-BE49-F238E27FC236}">
-                  <a16:creationId xmlns:a16="http://schemas.microsoft.com/office/drawing/2014/main" id="{366A1CD7-D600-9DD6-8AFE-C8C77EA296AA}"/>
-                </a:ext>
-              </a:extLst>
-            </p:cNvPr>
-            <p:cNvSpPr/>
-            <p:nvPr/>
-          </p:nvSpPr>
-          <p:spPr>
-            <a:xfrm rot="5400000">
-              <a:off x="4109947" y="2582997"/>
-              <a:ext cx="545469" cy="465826"/>
-            </a:xfrm>
-            <a:prstGeom prst="rightArrow">
-              <a:avLst>
-                <a:gd name="adj1" fmla="val 50000"/>
-                <a:gd name="adj2" fmla="val 66667"/>
-              </a:avLst>
-            </a:prstGeom>
-            <a:noFill/>
-            <a:ln w="19050">
-              <a:solidFill>
-                <a:srgbClr val="FF0000"/>
-              </a:solidFill>
-            </a:ln>
-          </p:spPr>
-          <p:style>
-            <a:lnRef idx="2">
-              <a:schemeClr val="accent1">
-                <a:shade val="50000"/>
-              </a:schemeClr>
-            </a:lnRef>
-            <a:fillRef idx="1">
-              <a:schemeClr val="accent1"/>
-            </a:fillRef>
-            <a:effectRef idx="0">
-              <a:schemeClr val="accent1"/>
-            </a:effectRef>
-            <a:fontRef idx="minor">
-              <a:schemeClr val="lt1"/>
-            </a:fontRef>
-          </p:style>
-          <p:txBody>
-            <a:bodyPr rtlCol="0" anchor="ctr"/>
-            <a:lstStyle/>
-            <a:p>
-              <a:pPr algn="ctr"/>
-              <a:endParaRPr lang="en-US"/>
-            </a:p>
-          </p:txBody>
-        </p:sp>
-        <p:grpSp>
-          <p:nvGrpSpPr>
-            <p:cNvPr id="18" name="Group 17">
-              <a:extLst>
-                <a:ext uri="{FF2B5EF4-FFF2-40B4-BE49-F238E27FC236}">
-                  <a16:creationId xmlns:a16="http://schemas.microsoft.com/office/drawing/2014/main" id="{CC72A481-81CE-85B2-50EF-CA29BFB37873}"/>
-                </a:ext>
-              </a:extLst>
-            </p:cNvPr>
-            <p:cNvGrpSpPr/>
-            <p:nvPr/>
-          </p:nvGrpSpPr>
-          <p:grpSpPr>
-            <a:xfrm>
-              <a:off x="1871662" y="361950"/>
-              <a:ext cx="4995863" cy="2076450"/>
-              <a:chOff x="1871662" y="361950"/>
-              <a:chExt cx="4995863" cy="2076450"/>
-            </a:xfrm>
-          </p:grpSpPr>
-          <p:pic>
-            <p:nvPicPr>
-              <p:cNvPr id="14" name="Picture 13">
-                <a:extLst>
-                  <a:ext uri="{FF2B5EF4-FFF2-40B4-BE49-F238E27FC236}">
-                    <a16:creationId xmlns:a16="http://schemas.microsoft.com/office/drawing/2014/main" id="{068B73BE-49CA-4EE2-E296-DCF7E8728FEA}"/>
-                  </a:ext>
-                </a:extLst>
-              </p:cNvPr>
-              <p:cNvPicPr>
-                <a:picLocks noChangeAspect="1"/>
-              </p:cNvPicPr>
-              <p:nvPr/>
-            </p:nvPicPr>
-            <p:blipFill>
-              <a:blip r:embed="rId3"/>
-              <a:stretch>
-                <a:fillRect/>
-              </a:stretch>
-            </p:blipFill>
-            <p:spPr>
-              <a:xfrm>
-                <a:off x="1871662" y="361950"/>
-                <a:ext cx="4981575" cy="2076450"/>
-              </a:xfrm>
-              <a:prstGeom prst="rect">
-                <a:avLst/>
-              </a:prstGeom>
-            </p:spPr>
-          </p:pic>
-          <p:sp>
-            <p:nvSpPr>
-              <p:cNvPr id="8" name="Овал 5">
-                <a:extLst>
-                  <a:ext uri="{FF2B5EF4-FFF2-40B4-BE49-F238E27FC236}">
-                    <a16:creationId xmlns:a16="http://schemas.microsoft.com/office/drawing/2014/main" id="{74027A3F-C505-FE9C-687A-632BB1F16BBF}"/>
-                  </a:ext>
-                </a:extLst>
-              </p:cNvPr>
-              <p:cNvSpPr/>
-              <p:nvPr/>
-            </p:nvSpPr>
-            <p:spPr>
-              <a:xfrm>
-                <a:off x="3121704" y="1706610"/>
-                <a:ext cx="1536021" cy="276225"/>
-              </a:xfrm>
-              <a:prstGeom prst="ellipse">
-                <a:avLst/>
-              </a:prstGeom>
-              <a:noFill/>
-              <a:ln w="19050">
-                <a:solidFill>
-                  <a:srgbClr val="FF0000"/>
-                </a:solidFill>
-              </a:ln>
-            </p:spPr>
-            <p:style>
-              <a:lnRef idx="2">
-                <a:schemeClr val="accent1">
-                  <a:shade val="50000"/>
-                </a:schemeClr>
-              </a:lnRef>
-              <a:fillRef idx="1">
-                <a:schemeClr val="accent1"/>
-              </a:fillRef>
-              <a:effectRef idx="0">
-                <a:schemeClr val="accent1"/>
-              </a:effectRef>
-              <a:fontRef idx="minor">
-                <a:schemeClr val="lt1"/>
-              </a:fontRef>
-            </p:style>
-            <p:txBody>
-              <a:bodyPr rtlCol="0" anchor="ctr"/>
-              <a:lstStyle/>
-              <a:p>
-                <a:pPr algn="ctr"/>
-                <a:endParaRPr lang="ru-RU"/>
-              </a:p>
-            </p:txBody>
-          </p:sp>
-          <p:sp>
-            <p:nvSpPr>
-              <p:cNvPr id="15" name="Овал 5">
-                <a:extLst>
-                  <a:ext uri="{FF2B5EF4-FFF2-40B4-BE49-F238E27FC236}">
-                    <a16:creationId xmlns:a16="http://schemas.microsoft.com/office/drawing/2014/main" id="{E44556D6-3D89-1B8B-A65E-268150311568}"/>
-                  </a:ext>
-                </a:extLst>
-              </p:cNvPr>
-              <p:cNvSpPr/>
-              <p:nvPr/>
-            </p:nvSpPr>
-            <p:spPr>
-              <a:xfrm>
-                <a:off x="6248400" y="2020935"/>
-                <a:ext cx="619125" cy="276225"/>
-              </a:xfrm>
-              <a:prstGeom prst="ellipse">
-                <a:avLst/>
-              </a:prstGeom>
-              <a:noFill/>
-              <a:ln w="19050">
-                <a:solidFill>
-                  <a:srgbClr val="FF0000"/>
-                </a:solidFill>
-              </a:ln>
-            </p:spPr>
-            <p:style>
-              <a:lnRef idx="2">
-                <a:schemeClr val="accent1">
-                  <a:shade val="50000"/>
-                </a:schemeClr>
-              </a:lnRef>
-              <a:fillRef idx="1">
-                <a:schemeClr val="accent1"/>
-              </a:fillRef>
-              <a:effectRef idx="0">
-                <a:schemeClr val="accent1"/>
-              </a:effectRef>
-              <a:fontRef idx="minor">
-                <a:schemeClr val="lt1"/>
-              </a:fontRef>
-            </p:style>
-            <p:txBody>
-              <a:bodyPr rtlCol="0" anchor="ctr"/>
-              <a:lstStyle/>
-              <a:p>
-                <a:pPr algn="ctr"/>
-                <a:endParaRPr lang="ru-RU"/>
-              </a:p>
-            </p:txBody>
-          </p:sp>
-          <p:cxnSp>
-            <p:nvCxnSpPr>
-              <p:cNvPr id="17" name="Straight Arrow Connector 16">
-                <a:extLst>
-                  <a:ext uri="{FF2B5EF4-FFF2-40B4-BE49-F238E27FC236}">
-                    <a16:creationId xmlns:a16="http://schemas.microsoft.com/office/drawing/2014/main" id="{B2C4C998-B111-6939-3439-977FD220605F}"/>
-                  </a:ext>
-                </a:extLst>
-              </p:cNvPr>
-              <p:cNvCxnSpPr/>
-              <p:nvPr/>
-            </p:nvCxnSpPr>
-            <p:spPr>
-              <a:xfrm>
-                <a:off x="4714875" y="1895475"/>
-                <a:ext cx="1419225" cy="209550"/>
-              </a:xfrm>
-              <a:prstGeom prst="straightConnector1">
-                <a:avLst/>
-              </a:prstGeom>
-              <a:ln w="19050">
-                <a:solidFill>
-                  <a:srgbClr val="FF0000"/>
-                </a:solidFill>
-                <a:tailEnd type="triangle"/>
-              </a:ln>
-            </p:spPr>
-            <p:style>
-              <a:lnRef idx="1">
-                <a:schemeClr val="accent1"/>
-              </a:lnRef>
-              <a:fillRef idx="0">
-                <a:schemeClr val="accent1"/>
-              </a:fillRef>
-              <a:effectRef idx="0">
-                <a:schemeClr val="accent1"/>
-              </a:effectRef>
-              <a:fontRef idx="minor">
-                <a:schemeClr val="tx1"/>
-              </a:fontRef>
-            </p:style>
-          </p:cxnSp>
-        </p:grpSp>
-      </p:grpSp>
-    </p:spTree>
-    <p:extLst>
-      <p:ext uri="{BB962C8B-B14F-4D97-AF65-F5344CB8AC3E}">
-        <p14:creationId xmlns:p14="http://schemas.microsoft.com/office/powerpoint/2010/main" val="2168155292"/>
       </p:ext>
     </p:extLst>
   </p:cSld>

--- a/manual/Pictures 2.0.pptx
+++ b/manual/Pictures 2.0.pptx
@@ -5,51 +5,50 @@
     <p:sldMasterId id="2147483660" r:id="rId1"/>
   </p:sldMasterIdLst>
   <p:sldIdLst>
-    <p:sldId id="306" r:id="rId2"/>
-    <p:sldId id="262" r:id="rId3"/>
-    <p:sldId id="290" r:id="rId4"/>
-    <p:sldId id="291" r:id="rId5"/>
-    <p:sldId id="292" r:id="rId6"/>
-    <p:sldId id="293" r:id="rId7"/>
-    <p:sldId id="295" r:id="rId8"/>
-    <p:sldId id="296" r:id="rId9"/>
-    <p:sldId id="297" r:id="rId10"/>
-    <p:sldId id="301" r:id="rId11"/>
-    <p:sldId id="302" r:id="rId12"/>
-    <p:sldId id="298" r:id="rId13"/>
-    <p:sldId id="299" r:id="rId14"/>
-    <p:sldId id="294" r:id="rId15"/>
-    <p:sldId id="300" r:id="rId16"/>
-    <p:sldId id="271" r:id="rId17"/>
-    <p:sldId id="303" r:id="rId18"/>
-    <p:sldId id="304" r:id="rId19"/>
-    <p:sldId id="263" r:id="rId20"/>
-    <p:sldId id="272" r:id="rId21"/>
-    <p:sldId id="270" r:id="rId22"/>
-    <p:sldId id="273" r:id="rId23"/>
-    <p:sldId id="274" r:id="rId24"/>
-    <p:sldId id="275" r:id="rId25"/>
-    <p:sldId id="276" r:id="rId26"/>
-    <p:sldId id="277" r:id="rId27"/>
-    <p:sldId id="278" r:id="rId28"/>
-    <p:sldId id="279" r:id="rId29"/>
-    <p:sldId id="264" r:id="rId30"/>
-    <p:sldId id="280" r:id="rId31"/>
-    <p:sldId id="281" r:id="rId32"/>
-    <p:sldId id="265" r:id="rId33"/>
-    <p:sldId id="283" r:id="rId34"/>
-    <p:sldId id="282" r:id="rId35"/>
-    <p:sldId id="284" r:id="rId36"/>
-    <p:sldId id="285" r:id="rId37"/>
-    <p:sldId id="266" r:id="rId38"/>
-    <p:sldId id="267" r:id="rId39"/>
-    <p:sldId id="286" r:id="rId40"/>
-    <p:sldId id="287" r:id="rId41"/>
-    <p:sldId id="268" r:id="rId42"/>
-    <p:sldId id="289" r:id="rId43"/>
-    <p:sldId id="288" r:id="rId44"/>
-    <p:sldId id="269" r:id="rId45"/>
-    <p:sldId id="305" r:id="rId46"/>
+    <p:sldId id="262" r:id="rId2"/>
+    <p:sldId id="290" r:id="rId3"/>
+    <p:sldId id="291" r:id="rId4"/>
+    <p:sldId id="292" r:id="rId5"/>
+    <p:sldId id="293" r:id="rId6"/>
+    <p:sldId id="295" r:id="rId7"/>
+    <p:sldId id="296" r:id="rId8"/>
+    <p:sldId id="297" r:id="rId9"/>
+    <p:sldId id="301" r:id="rId10"/>
+    <p:sldId id="302" r:id="rId11"/>
+    <p:sldId id="298" r:id="rId12"/>
+    <p:sldId id="299" r:id="rId13"/>
+    <p:sldId id="294" r:id="rId14"/>
+    <p:sldId id="300" r:id="rId15"/>
+    <p:sldId id="271" r:id="rId16"/>
+    <p:sldId id="303" r:id="rId17"/>
+    <p:sldId id="304" r:id="rId18"/>
+    <p:sldId id="263" r:id="rId19"/>
+    <p:sldId id="272" r:id="rId20"/>
+    <p:sldId id="270" r:id="rId21"/>
+    <p:sldId id="273" r:id="rId22"/>
+    <p:sldId id="274" r:id="rId23"/>
+    <p:sldId id="275" r:id="rId24"/>
+    <p:sldId id="276" r:id="rId25"/>
+    <p:sldId id="277" r:id="rId26"/>
+    <p:sldId id="278" r:id="rId27"/>
+    <p:sldId id="279" r:id="rId28"/>
+    <p:sldId id="264" r:id="rId29"/>
+    <p:sldId id="280" r:id="rId30"/>
+    <p:sldId id="281" r:id="rId31"/>
+    <p:sldId id="265" r:id="rId32"/>
+    <p:sldId id="283" r:id="rId33"/>
+    <p:sldId id="282" r:id="rId34"/>
+    <p:sldId id="284" r:id="rId35"/>
+    <p:sldId id="285" r:id="rId36"/>
+    <p:sldId id="266" r:id="rId37"/>
+    <p:sldId id="267" r:id="rId38"/>
+    <p:sldId id="286" r:id="rId39"/>
+    <p:sldId id="287" r:id="rId40"/>
+    <p:sldId id="268" r:id="rId41"/>
+    <p:sldId id="289" r:id="rId42"/>
+    <p:sldId id="288" r:id="rId43"/>
+    <p:sldId id="269" r:id="rId44"/>
+    <p:sldId id="305" r:id="rId45"/>
   </p:sldIdLst>
   <p:sldSz cx="9144000" cy="6858000" type="screen4x3"/>
   <p:notesSz cx="6858000" cy="9144000"/>
@@ -3026,40 +3025,1192 @@
           <a:chExt cx="0" cy="0"/>
         </a:xfrm>
       </p:grpSpPr>
-      <p:pic>
-        <p:nvPicPr>
-          <p:cNvPr id="9" name="Picture 8">
+      <p:grpSp>
+        <p:nvGrpSpPr>
+          <p:cNvPr id="7" name="Group 6">
             <a:extLst>
               <a:ext uri="{FF2B5EF4-FFF2-40B4-BE49-F238E27FC236}">
-                <a16:creationId xmlns:a16="http://schemas.microsoft.com/office/drawing/2014/main" id="{F9EC4832-21C3-889F-9610-80E78353DADE}"/>
+                <a16:creationId xmlns:a16="http://schemas.microsoft.com/office/drawing/2014/main" id="{727D2617-D46E-625C-837C-B9286B2DB8E3}"/>
               </a:ext>
             </a:extLst>
           </p:cNvPr>
-          <p:cNvPicPr>
-            <a:picLocks noChangeAspect="1"/>
-          </p:cNvPicPr>
+          <p:cNvGrpSpPr/>
           <p:nvPr/>
-        </p:nvPicPr>
-        <p:blipFill>
-          <a:blip r:embed="rId2"/>
-          <a:stretch>
-            <a:fillRect/>
-          </a:stretch>
-        </p:blipFill>
-        <p:spPr>
+        </p:nvGrpSpPr>
+        <p:grpSpPr>
           <a:xfrm>
-            <a:off x="4204128" y="2716634"/>
-            <a:ext cx="2581635" cy="2467319"/>
+            <a:off x="24813" y="575164"/>
+            <a:ext cx="4886423" cy="5848350"/>
+            <a:chOff x="24813" y="575164"/>
+            <a:chExt cx="4886423" cy="5848350"/>
           </a:xfrm>
-          <a:prstGeom prst="rect">
-            <a:avLst/>
-          </a:prstGeom>
-        </p:spPr>
-      </p:pic>
+        </p:grpSpPr>
+        <p:sp>
+          <p:nvSpPr>
+            <p:cNvPr id="26" name="Левая фигурная скобка 25"/>
+            <p:cNvSpPr/>
+            <p:nvPr/>
+          </p:nvSpPr>
+          <p:spPr>
+            <a:xfrm>
+              <a:off x="1619880" y="1422691"/>
+              <a:ext cx="276225" cy="1122910"/>
+            </a:xfrm>
+            <a:prstGeom prst="leftBrace">
+              <a:avLst>
+                <a:gd name="adj1" fmla="val 35919"/>
+                <a:gd name="adj2" fmla="val 50629"/>
+              </a:avLst>
+            </a:prstGeom>
+            <a:ln w="28575">
+              <a:solidFill>
+                <a:srgbClr val="0070C0"/>
+              </a:solidFill>
+            </a:ln>
+          </p:spPr>
+          <p:style>
+            <a:lnRef idx="1">
+              <a:schemeClr val="accent1"/>
+            </a:lnRef>
+            <a:fillRef idx="0">
+              <a:schemeClr val="accent1"/>
+            </a:fillRef>
+            <a:effectRef idx="0">
+              <a:schemeClr val="accent1"/>
+            </a:effectRef>
+            <a:fontRef idx="minor">
+              <a:schemeClr val="tx1"/>
+            </a:fontRef>
+          </p:style>
+          <p:txBody>
+            <a:bodyPr rtlCol="0" anchor="ctr"/>
+            <a:lstStyle/>
+            <a:p>
+              <a:pPr algn="ctr"/>
+              <a:endParaRPr lang="ru-RU" sz="1100">
+                <a:latin typeface="Times New Roman" panose="02020603050405020304" pitchFamily="18" charset="0"/>
+                <a:cs typeface="Times New Roman" panose="02020603050405020304" pitchFamily="18" charset="0"/>
+              </a:endParaRPr>
+            </a:p>
+          </p:txBody>
+        </p:sp>
+        <p:sp>
+          <p:nvSpPr>
+            <p:cNvPr id="27" name="Левая фигурная скобка 26"/>
+            <p:cNvSpPr/>
+            <p:nvPr/>
+          </p:nvSpPr>
+          <p:spPr>
+            <a:xfrm>
+              <a:off x="1619880" y="2907551"/>
+              <a:ext cx="276225" cy="1305163"/>
+            </a:xfrm>
+            <a:prstGeom prst="leftBrace">
+              <a:avLst>
+                <a:gd name="adj1" fmla="val 35919"/>
+                <a:gd name="adj2" fmla="val 50629"/>
+              </a:avLst>
+            </a:prstGeom>
+            <a:ln w="28575">
+              <a:solidFill>
+                <a:srgbClr val="0070C0"/>
+              </a:solidFill>
+            </a:ln>
+          </p:spPr>
+          <p:style>
+            <a:lnRef idx="1">
+              <a:schemeClr val="accent1"/>
+            </a:lnRef>
+            <a:fillRef idx="0">
+              <a:schemeClr val="accent1"/>
+            </a:fillRef>
+            <a:effectRef idx="0">
+              <a:schemeClr val="accent1"/>
+            </a:effectRef>
+            <a:fontRef idx="minor">
+              <a:schemeClr val="tx1"/>
+            </a:fontRef>
+          </p:style>
+          <p:txBody>
+            <a:bodyPr rtlCol="0" anchor="ctr"/>
+            <a:lstStyle/>
+            <a:p>
+              <a:pPr algn="ctr"/>
+              <a:endParaRPr lang="ru-RU" sz="1100">
+                <a:latin typeface="Times New Roman" panose="02020603050405020304" pitchFamily="18" charset="0"/>
+                <a:cs typeface="Times New Roman" panose="02020603050405020304" pitchFamily="18" charset="0"/>
+              </a:endParaRPr>
+            </a:p>
+          </p:txBody>
+        </p:sp>
+        <p:cxnSp>
+          <p:nvCxnSpPr>
+            <p:cNvPr id="28" name="Прямая со стрелкой 27"/>
+            <p:cNvCxnSpPr/>
+            <p:nvPr/>
+          </p:nvCxnSpPr>
+          <p:spPr>
+            <a:xfrm>
+              <a:off x="1646074" y="993026"/>
+              <a:ext cx="269081" cy="0"/>
+            </a:xfrm>
+            <a:prstGeom prst="straightConnector1">
+              <a:avLst/>
+            </a:prstGeom>
+            <a:ln w="47625">
+              <a:tailEnd type="stealth" w="lg" len="lg"/>
+            </a:ln>
+          </p:spPr>
+          <p:style>
+            <a:lnRef idx="1">
+              <a:schemeClr val="accent1"/>
+            </a:lnRef>
+            <a:fillRef idx="0">
+              <a:schemeClr val="accent1"/>
+            </a:fillRef>
+            <a:effectRef idx="0">
+              <a:schemeClr val="accent1"/>
+            </a:effectRef>
+            <a:fontRef idx="minor">
+              <a:schemeClr val="tx1"/>
+            </a:fontRef>
+          </p:style>
+        </p:cxnSp>
+        <p:cxnSp>
+          <p:nvCxnSpPr>
+            <p:cNvPr id="29" name="Прямая со стрелкой 28"/>
+            <p:cNvCxnSpPr/>
+            <p:nvPr/>
+          </p:nvCxnSpPr>
+          <p:spPr>
+            <a:xfrm>
+              <a:off x="1669886" y="2717051"/>
+              <a:ext cx="269081" cy="0"/>
+            </a:xfrm>
+            <a:prstGeom prst="straightConnector1">
+              <a:avLst/>
+            </a:prstGeom>
+            <a:ln w="47625">
+              <a:tailEnd type="stealth" w="lg" len="lg"/>
+            </a:ln>
+          </p:spPr>
+          <p:style>
+            <a:lnRef idx="1">
+              <a:schemeClr val="accent1"/>
+            </a:lnRef>
+            <a:fillRef idx="0">
+              <a:schemeClr val="accent1"/>
+            </a:fillRef>
+            <a:effectRef idx="0">
+              <a:schemeClr val="accent1"/>
+            </a:effectRef>
+            <a:fontRef idx="minor">
+              <a:schemeClr val="tx1"/>
+            </a:fontRef>
+          </p:style>
+        </p:cxnSp>
+        <p:sp>
+          <p:nvSpPr>
+            <p:cNvPr id="30" name="TextBox 29"/>
+            <p:cNvSpPr txBox="1"/>
+            <p:nvPr/>
+          </p:nvSpPr>
+          <p:spPr>
+            <a:xfrm>
+              <a:off x="991230" y="814194"/>
+              <a:ext cx="590550" cy="261610"/>
+            </a:xfrm>
+            <a:prstGeom prst="rect">
+              <a:avLst/>
+            </a:prstGeom>
+            <a:noFill/>
+          </p:spPr>
+          <p:txBody>
+            <a:bodyPr wrap="square" rtlCol="0">
+              <a:spAutoFit/>
+            </a:bodyPr>
+            <a:lstStyle/>
+            <a:p>
+              <a:pPr algn="ctr"/>
+              <a:r>
+                <a:rPr lang="ru-RU" sz="1100" dirty="0">
+                  <a:latin typeface="Times New Roman" panose="02020603050405020304" pitchFamily="18" charset="0"/>
+                  <a:cs typeface="Times New Roman" panose="02020603050405020304" pitchFamily="18" charset="0"/>
+                </a:rPr>
+                <a:t>Меню</a:t>
+              </a:r>
+            </a:p>
+          </p:txBody>
+        </p:sp>
+        <p:sp>
+          <p:nvSpPr>
+            <p:cNvPr id="31" name="TextBox 30"/>
+            <p:cNvSpPr txBox="1"/>
+            <p:nvPr/>
+          </p:nvSpPr>
+          <p:spPr>
+            <a:xfrm>
+              <a:off x="76831" y="1829316"/>
+              <a:ext cx="1485900" cy="261610"/>
+            </a:xfrm>
+            <a:prstGeom prst="rect">
+              <a:avLst/>
+            </a:prstGeom>
+            <a:noFill/>
+          </p:spPr>
+          <p:txBody>
+            <a:bodyPr wrap="square" rtlCol="0">
+              <a:spAutoFit/>
+            </a:bodyPr>
+            <a:lstStyle/>
+            <a:p>
+              <a:pPr algn="ctr"/>
+              <a:r>
+                <a:rPr lang="ru-RU" sz="1100" dirty="0">
+                  <a:latin typeface="Times New Roman" panose="02020603050405020304" pitchFamily="18" charset="0"/>
+                  <a:cs typeface="Times New Roman" panose="02020603050405020304" pitchFamily="18" charset="0"/>
+                </a:rPr>
+                <a:t>Слоистая структура</a:t>
+              </a:r>
+            </a:p>
+          </p:txBody>
+        </p:sp>
+        <p:sp>
+          <p:nvSpPr>
+            <p:cNvPr id="32" name="TextBox 31"/>
+            <p:cNvSpPr txBox="1"/>
+            <p:nvPr/>
+          </p:nvSpPr>
+          <p:spPr>
+            <a:xfrm>
+              <a:off x="372105" y="2522858"/>
+              <a:ext cx="1199555" cy="430887"/>
+            </a:xfrm>
+            <a:prstGeom prst="rect">
+              <a:avLst/>
+            </a:prstGeom>
+            <a:noFill/>
+          </p:spPr>
+          <p:txBody>
+            <a:bodyPr wrap="square" rtlCol="0">
+              <a:spAutoFit/>
+            </a:bodyPr>
+            <a:lstStyle/>
+            <a:p>
+              <a:pPr algn="ctr"/>
+              <a:r>
+                <a:rPr lang="ru-RU" sz="1100" dirty="0">
+                  <a:latin typeface="Times New Roman" panose="02020603050405020304" pitchFamily="18" charset="0"/>
+                  <a:cs typeface="Times New Roman" panose="02020603050405020304" pitchFamily="18" charset="0"/>
+                </a:rPr>
+                <a:t>Панель инструментов</a:t>
+              </a:r>
+            </a:p>
+          </p:txBody>
+        </p:sp>
+        <p:sp>
+          <p:nvSpPr>
+            <p:cNvPr id="33" name="TextBox 32"/>
+            <p:cNvSpPr txBox="1"/>
+            <p:nvPr/>
+          </p:nvSpPr>
+          <p:spPr>
+            <a:xfrm>
+              <a:off x="219705" y="3429327"/>
+              <a:ext cx="1269652" cy="430887"/>
+            </a:xfrm>
+            <a:prstGeom prst="rect">
+              <a:avLst/>
+            </a:prstGeom>
+            <a:noFill/>
+          </p:spPr>
+          <p:txBody>
+            <a:bodyPr wrap="square" rtlCol="0">
+              <a:spAutoFit/>
+            </a:bodyPr>
+            <a:lstStyle/>
+            <a:p>
+              <a:pPr algn="ctr"/>
+              <a:r>
+                <a:rPr lang="ru-RU" sz="1100" dirty="0">
+                  <a:latin typeface="Times New Roman" panose="02020603050405020304" pitchFamily="18" charset="0"/>
+                  <a:cs typeface="Times New Roman" panose="02020603050405020304" pitchFamily="18" charset="0"/>
+                </a:rPr>
+                <a:t>Доступ к остальным окнам</a:t>
+              </a:r>
+            </a:p>
+          </p:txBody>
+        </p:sp>
+        <p:sp>
+          <p:nvSpPr>
+            <p:cNvPr id="34" name="TextBox 33"/>
+            <p:cNvSpPr txBox="1"/>
+            <p:nvPr/>
+          </p:nvSpPr>
+          <p:spPr>
+            <a:xfrm>
+              <a:off x="24813" y="5479687"/>
+              <a:ext cx="1595067" cy="430887"/>
+            </a:xfrm>
+            <a:prstGeom prst="rect">
+              <a:avLst/>
+            </a:prstGeom>
+            <a:noFill/>
+          </p:spPr>
+          <p:txBody>
+            <a:bodyPr wrap="square" rtlCol="0">
+              <a:spAutoFit/>
+            </a:bodyPr>
+            <a:lstStyle/>
+            <a:p>
+              <a:pPr algn="ctr"/>
+              <a:r>
+                <a:rPr lang="ru-RU" sz="1100" dirty="0">
+                  <a:latin typeface="Times New Roman" panose="02020603050405020304" pitchFamily="18" charset="0"/>
+                  <a:cs typeface="Times New Roman" panose="02020603050405020304" pitchFamily="18" charset="0"/>
+                </a:rPr>
+                <a:t>Экспериментальные данные</a:t>
+              </a:r>
+            </a:p>
+          </p:txBody>
+        </p:sp>
+        <p:sp>
+          <p:nvSpPr>
+            <p:cNvPr id="35" name="Левая фигурная скобка 34"/>
+            <p:cNvSpPr/>
+            <p:nvPr/>
+          </p:nvSpPr>
+          <p:spPr>
+            <a:xfrm>
+              <a:off x="1620477" y="5031626"/>
+              <a:ext cx="276225" cy="1362074"/>
+            </a:xfrm>
+            <a:prstGeom prst="leftBrace">
+              <a:avLst>
+                <a:gd name="adj1" fmla="val 35919"/>
+                <a:gd name="adj2" fmla="val 50629"/>
+              </a:avLst>
+            </a:prstGeom>
+            <a:ln w="28575">
+              <a:solidFill>
+                <a:srgbClr val="0070C0"/>
+              </a:solidFill>
+            </a:ln>
+          </p:spPr>
+          <p:style>
+            <a:lnRef idx="1">
+              <a:schemeClr val="accent1"/>
+            </a:lnRef>
+            <a:fillRef idx="0">
+              <a:schemeClr val="accent1"/>
+            </a:fillRef>
+            <a:effectRef idx="0">
+              <a:schemeClr val="accent1"/>
+            </a:effectRef>
+            <a:fontRef idx="minor">
+              <a:schemeClr val="tx1"/>
+            </a:fontRef>
+          </p:style>
+          <p:txBody>
+            <a:bodyPr rtlCol="0" anchor="ctr"/>
+            <a:lstStyle/>
+            <a:p>
+              <a:pPr algn="ctr"/>
+              <a:endParaRPr lang="ru-RU" sz="1100">
+                <a:latin typeface="Times New Roman" panose="02020603050405020304" pitchFamily="18" charset="0"/>
+                <a:cs typeface="Times New Roman" panose="02020603050405020304" pitchFamily="18" charset="0"/>
+              </a:endParaRPr>
+            </a:p>
+          </p:txBody>
+        </p:sp>
+        <p:sp>
+          <p:nvSpPr>
+            <p:cNvPr id="36" name="Левая фигурная скобка 35"/>
+            <p:cNvSpPr/>
+            <p:nvPr/>
+          </p:nvSpPr>
+          <p:spPr>
+            <a:xfrm>
+              <a:off x="1618911" y="4279150"/>
+              <a:ext cx="276225" cy="673864"/>
+            </a:xfrm>
+            <a:prstGeom prst="leftBrace">
+              <a:avLst>
+                <a:gd name="adj1" fmla="val 35919"/>
+                <a:gd name="adj2" fmla="val 50629"/>
+              </a:avLst>
+            </a:prstGeom>
+            <a:ln w="28575">
+              <a:solidFill>
+                <a:srgbClr val="0070C0"/>
+              </a:solidFill>
+            </a:ln>
+          </p:spPr>
+          <p:style>
+            <a:lnRef idx="1">
+              <a:schemeClr val="accent1"/>
+            </a:lnRef>
+            <a:fillRef idx="0">
+              <a:schemeClr val="accent1"/>
+            </a:fillRef>
+            <a:effectRef idx="0">
+              <a:schemeClr val="accent1"/>
+            </a:effectRef>
+            <a:fontRef idx="minor">
+              <a:schemeClr val="tx1"/>
+            </a:fontRef>
+          </p:style>
+          <p:txBody>
+            <a:bodyPr rtlCol="0" anchor="ctr"/>
+            <a:lstStyle/>
+            <a:p>
+              <a:pPr algn="ctr"/>
+              <a:endParaRPr lang="ru-RU" sz="1100">
+                <a:latin typeface="Times New Roman" panose="02020603050405020304" pitchFamily="18" charset="0"/>
+                <a:cs typeface="Times New Roman" panose="02020603050405020304" pitchFamily="18" charset="0"/>
+              </a:endParaRPr>
+            </a:p>
+          </p:txBody>
+        </p:sp>
+        <p:sp>
+          <p:nvSpPr>
+            <p:cNvPr id="37" name="TextBox 36"/>
+            <p:cNvSpPr txBox="1"/>
+            <p:nvPr/>
+          </p:nvSpPr>
+          <p:spPr>
+            <a:xfrm>
+              <a:off x="76830" y="4331236"/>
+              <a:ext cx="1385586" cy="600164"/>
+            </a:xfrm>
+            <a:prstGeom prst="rect">
+              <a:avLst/>
+            </a:prstGeom>
+            <a:noFill/>
+          </p:spPr>
+          <p:txBody>
+            <a:bodyPr wrap="square" rtlCol="0">
+              <a:spAutoFit/>
+            </a:bodyPr>
+            <a:lstStyle/>
+            <a:p>
+              <a:pPr algn="ctr"/>
+              <a:r>
+                <a:rPr lang="ru-RU" sz="1100" dirty="0">
+                  <a:latin typeface="Times New Roman" panose="02020603050405020304" pitchFamily="18" charset="0"/>
+                  <a:cs typeface="Times New Roman" panose="02020603050405020304" pitchFamily="18" charset="0"/>
+                </a:rPr>
+                <a:t>Кривые без экспериментальных данных</a:t>
+              </a:r>
+            </a:p>
+          </p:txBody>
+        </p:sp>
+        <p:cxnSp>
+          <p:nvCxnSpPr>
+            <p:cNvPr id="38" name="Прямая со стрелкой 37"/>
+            <p:cNvCxnSpPr/>
+            <p:nvPr/>
+          </p:nvCxnSpPr>
+          <p:spPr>
+            <a:xfrm>
+              <a:off x="1655972" y="1253807"/>
+              <a:ext cx="269081" cy="0"/>
+            </a:xfrm>
+            <a:prstGeom prst="straightConnector1">
+              <a:avLst/>
+            </a:prstGeom>
+            <a:ln w="47625">
+              <a:tailEnd type="stealth" w="lg" len="lg"/>
+            </a:ln>
+          </p:spPr>
+          <p:style>
+            <a:lnRef idx="1">
+              <a:schemeClr val="accent1"/>
+            </a:lnRef>
+            <a:fillRef idx="0">
+              <a:schemeClr val="accent1"/>
+            </a:fillRef>
+            <a:effectRef idx="0">
+              <a:schemeClr val="accent1"/>
+            </a:effectRef>
+            <a:fontRef idx="minor">
+              <a:schemeClr val="tx1"/>
+            </a:fontRef>
+          </p:style>
+        </p:cxnSp>
+        <p:sp>
+          <p:nvSpPr>
+            <p:cNvPr id="39" name="TextBox 38"/>
+            <p:cNvSpPr txBox="1"/>
+            <p:nvPr/>
+          </p:nvSpPr>
+          <p:spPr>
+            <a:xfrm>
+              <a:off x="219705" y="1087827"/>
+              <a:ext cx="1426368" cy="430887"/>
+            </a:xfrm>
+            <a:prstGeom prst="rect">
+              <a:avLst/>
+            </a:prstGeom>
+            <a:noFill/>
+          </p:spPr>
+          <p:txBody>
+            <a:bodyPr wrap="square" rtlCol="0">
+              <a:spAutoFit/>
+            </a:bodyPr>
+            <a:lstStyle/>
+            <a:p>
+              <a:pPr algn="ctr"/>
+              <a:r>
+                <a:rPr lang="ru-RU" sz="1100" dirty="0">
+                  <a:latin typeface="Times New Roman" panose="02020603050405020304" pitchFamily="18" charset="0"/>
+                  <a:cs typeface="Times New Roman" panose="02020603050405020304" pitchFamily="18" charset="0"/>
+                </a:rPr>
+                <a:t>Вкладки со структурами</a:t>
+              </a:r>
+            </a:p>
+          </p:txBody>
+        </p:sp>
+        <p:pic>
+          <p:nvPicPr>
+            <p:cNvPr id="4" name="Picture 3">
+              <a:extLst>
+                <a:ext uri="{FF2B5EF4-FFF2-40B4-BE49-F238E27FC236}">
+                  <a16:creationId xmlns:a16="http://schemas.microsoft.com/office/drawing/2014/main" id="{8E344795-A679-D9AB-49CC-BEB98FE7C03A}"/>
+                </a:ext>
+              </a:extLst>
+            </p:cNvPr>
+            <p:cNvPicPr>
+              <a:picLocks noChangeAspect="1"/>
+            </p:cNvPicPr>
+            <p:nvPr/>
+          </p:nvPicPr>
+          <p:blipFill>
+            <a:blip r:embed="rId2"/>
+            <a:stretch>
+              <a:fillRect/>
+            </a:stretch>
+          </p:blipFill>
+          <p:spPr>
+            <a:xfrm>
+              <a:off x="2034686" y="575164"/>
+              <a:ext cx="2876550" cy="5848350"/>
+            </a:xfrm>
+            <a:prstGeom prst="rect">
+              <a:avLst/>
+            </a:prstGeom>
+          </p:spPr>
+        </p:pic>
+      </p:grpSp>
+      <p:grpSp>
+        <p:nvGrpSpPr>
+          <p:cNvPr id="6" name="Group 5">
+            <a:extLst>
+              <a:ext uri="{FF2B5EF4-FFF2-40B4-BE49-F238E27FC236}">
+                <a16:creationId xmlns:a16="http://schemas.microsoft.com/office/drawing/2014/main" id="{B40771BB-91BD-A6EC-7C06-DD223AC8F08C}"/>
+              </a:ext>
+            </a:extLst>
+          </p:cNvPr>
+          <p:cNvGrpSpPr/>
+          <p:nvPr/>
+        </p:nvGrpSpPr>
+        <p:grpSpPr>
+          <a:xfrm>
+            <a:off x="5533577" y="578095"/>
+            <a:ext cx="4664767" cy="5848350"/>
+            <a:chOff x="5533577" y="578095"/>
+            <a:chExt cx="4664767" cy="5848350"/>
+          </a:xfrm>
+        </p:grpSpPr>
+        <p:sp>
+          <p:nvSpPr>
+            <p:cNvPr id="9" name="Левая фигурная скобка 8"/>
+            <p:cNvSpPr/>
+            <p:nvPr/>
+          </p:nvSpPr>
+          <p:spPr>
+            <a:xfrm>
+              <a:off x="6916638" y="1422690"/>
+              <a:ext cx="276225" cy="1122910"/>
+            </a:xfrm>
+            <a:prstGeom prst="leftBrace">
+              <a:avLst>
+                <a:gd name="adj1" fmla="val 35919"/>
+                <a:gd name="adj2" fmla="val 50629"/>
+              </a:avLst>
+            </a:prstGeom>
+            <a:ln w="28575">
+              <a:solidFill>
+                <a:srgbClr val="0070C0"/>
+              </a:solidFill>
+            </a:ln>
+          </p:spPr>
+          <p:style>
+            <a:lnRef idx="1">
+              <a:schemeClr val="accent1"/>
+            </a:lnRef>
+            <a:fillRef idx="0">
+              <a:schemeClr val="accent1"/>
+            </a:fillRef>
+            <a:effectRef idx="0">
+              <a:schemeClr val="accent1"/>
+            </a:effectRef>
+            <a:fontRef idx="minor">
+              <a:schemeClr val="tx1"/>
+            </a:fontRef>
+          </p:style>
+          <p:txBody>
+            <a:bodyPr rtlCol="0" anchor="ctr"/>
+            <a:lstStyle/>
+            <a:p>
+              <a:pPr algn="ctr"/>
+              <a:endParaRPr lang="ru-RU" sz="1100">
+                <a:latin typeface="Times New Roman" panose="02020603050405020304" pitchFamily="18" charset="0"/>
+                <a:cs typeface="Times New Roman" panose="02020603050405020304" pitchFamily="18" charset="0"/>
+              </a:endParaRPr>
+            </a:p>
+          </p:txBody>
+        </p:sp>
+        <p:sp>
+          <p:nvSpPr>
+            <p:cNvPr id="10" name="Левая фигурная скобка 9"/>
+            <p:cNvSpPr/>
+            <p:nvPr/>
+          </p:nvSpPr>
+          <p:spPr>
+            <a:xfrm>
+              <a:off x="6916638" y="2907550"/>
+              <a:ext cx="276225" cy="1305163"/>
+            </a:xfrm>
+            <a:prstGeom prst="leftBrace">
+              <a:avLst>
+                <a:gd name="adj1" fmla="val 35919"/>
+                <a:gd name="adj2" fmla="val 50629"/>
+              </a:avLst>
+            </a:prstGeom>
+            <a:ln w="28575">
+              <a:solidFill>
+                <a:srgbClr val="0070C0"/>
+              </a:solidFill>
+            </a:ln>
+          </p:spPr>
+          <p:style>
+            <a:lnRef idx="1">
+              <a:schemeClr val="accent1"/>
+            </a:lnRef>
+            <a:fillRef idx="0">
+              <a:schemeClr val="accent1"/>
+            </a:fillRef>
+            <a:effectRef idx="0">
+              <a:schemeClr val="accent1"/>
+            </a:effectRef>
+            <a:fontRef idx="minor">
+              <a:schemeClr val="tx1"/>
+            </a:fontRef>
+          </p:style>
+          <p:txBody>
+            <a:bodyPr rtlCol="0" anchor="ctr"/>
+            <a:lstStyle/>
+            <a:p>
+              <a:pPr algn="ctr"/>
+              <a:endParaRPr lang="ru-RU" sz="1100">
+                <a:latin typeface="Times New Roman" panose="02020603050405020304" pitchFamily="18" charset="0"/>
+                <a:cs typeface="Times New Roman" panose="02020603050405020304" pitchFamily="18" charset="0"/>
+              </a:endParaRPr>
+            </a:p>
+          </p:txBody>
+        </p:sp>
+        <p:cxnSp>
+          <p:nvCxnSpPr>
+            <p:cNvPr id="11" name="Прямая со стрелкой 10"/>
+            <p:cNvCxnSpPr/>
+            <p:nvPr/>
+          </p:nvCxnSpPr>
+          <p:spPr>
+            <a:xfrm>
+              <a:off x="6942832" y="993025"/>
+              <a:ext cx="269081" cy="0"/>
+            </a:xfrm>
+            <a:prstGeom prst="straightConnector1">
+              <a:avLst/>
+            </a:prstGeom>
+            <a:ln w="47625">
+              <a:tailEnd type="stealth" w="lg" len="lg"/>
+            </a:ln>
+          </p:spPr>
+          <p:style>
+            <a:lnRef idx="1">
+              <a:schemeClr val="accent1"/>
+            </a:lnRef>
+            <a:fillRef idx="0">
+              <a:schemeClr val="accent1"/>
+            </a:fillRef>
+            <a:effectRef idx="0">
+              <a:schemeClr val="accent1"/>
+            </a:effectRef>
+            <a:fontRef idx="minor">
+              <a:schemeClr val="tx1"/>
+            </a:fontRef>
+          </p:style>
+        </p:cxnSp>
+        <p:cxnSp>
+          <p:nvCxnSpPr>
+            <p:cNvPr id="12" name="Прямая со стрелкой 11"/>
+            <p:cNvCxnSpPr/>
+            <p:nvPr/>
+          </p:nvCxnSpPr>
+          <p:spPr>
+            <a:xfrm>
+              <a:off x="6966644" y="2717050"/>
+              <a:ext cx="269081" cy="0"/>
+            </a:xfrm>
+            <a:prstGeom prst="straightConnector1">
+              <a:avLst/>
+            </a:prstGeom>
+            <a:ln w="47625">
+              <a:tailEnd type="stealth" w="lg" len="lg"/>
+            </a:ln>
+          </p:spPr>
+          <p:style>
+            <a:lnRef idx="1">
+              <a:schemeClr val="accent1"/>
+            </a:lnRef>
+            <a:fillRef idx="0">
+              <a:schemeClr val="accent1"/>
+            </a:fillRef>
+            <a:effectRef idx="0">
+              <a:schemeClr val="accent1"/>
+            </a:effectRef>
+            <a:fontRef idx="minor">
+              <a:schemeClr val="tx1"/>
+            </a:fontRef>
+          </p:style>
+        </p:cxnSp>
+        <p:sp>
+          <p:nvSpPr>
+            <p:cNvPr id="14" name="TextBox 13"/>
+            <p:cNvSpPr txBox="1"/>
+            <p:nvPr/>
+          </p:nvSpPr>
+          <p:spPr>
+            <a:xfrm>
+              <a:off x="6062960" y="804668"/>
+              <a:ext cx="796528" cy="261610"/>
+            </a:xfrm>
+            <a:prstGeom prst="rect">
+              <a:avLst/>
+            </a:prstGeom>
+            <a:noFill/>
+          </p:spPr>
+          <p:txBody>
+            <a:bodyPr wrap="square" rtlCol="0">
+              <a:spAutoFit/>
+            </a:bodyPr>
+            <a:lstStyle/>
+            <a:p>
+              <a:pPr algn="ctr"/>
+              <a:r>
+                <a:rPr lang="en-US" sz="1100" dirty="0">
+                  <a:latin typeface="Times New Roman" panose="02020603050405020304" pitchFamily="18" charset="0"/>
+                  <a:cs typeface="Times New Roman" panose="02020603050405020304" pitchFamily="18" charset="0"/>
+                </a:rPr>
+                <a:t>Menu</a:t>
+              </a:r>
+              <a:endParaRPr lang="ru-RU" sz="1100" dirty="0">
+                <a:latin typeface="Times New Roman" panose="02020603050405020304" pitchFamily="18" charset="0"/>
+                <a:cs typeface="Times New Roman" panose="02020603050405020304" pitchFamily="18" charset="0"/>
+              </a:endParaRPr>
+            </a:p>
+          </p:txBody>
+        </p:sp>
+        <p:sp>
+          <p:nvSpPr>
+            <p:cNvPr id="15" name="TextBox 14"/>
+            <p:cNvSpPr txBox="1"/>
+            <p:nvPr/>
+          </p:nvSpPr>
+          <p:spPr>
+            <a:xfrm>
+              <a:off x="5649813" y="1829315"/>
+              <a:ext cx="1209675" cy="261610"/>
+            </a:xfrm>
+            <a:prstGeom prst="rect">
+              <a:avLst/>
+            </a:prstGeom>
+            <a:noFill/>
+          </p:spPr>
+          <p:txBody>
+            <a:bodyPr wrap="square" rtlCol="0">
+              <a:spAutoFit/>
+            </a:bodyPr>
+            <a:lstStyle/>
+            <a:p>
+              <a:pPr algn="ctr"/>
+              <a:r>
+                <a:rPr lang="en-US" sz="1100" dirty="0">
+                  <a:latin typeface="Times New Roman" panose="02020603050405020304" pitchFamily="18" charset="0"/>
+                  <a:cs typeface="Times New Roman" panose="02020603050405020304" pitchFamily="18" charset="0"/>
+                </a:rPr>
+                <a:t>Layered structure</a:t>
+              </a:r>
+              <a:endParaRPr lang="ru-RU" sz="1100" dirty="0">
+                <a:latin typeface="Times New Roman" panose="02020603050405020304" pitchFamily="18" charset="0"/>
+                <a:cs typeface="Times New Roman" panose="02020603050405020304" pitchFamily="18" charset="0"/>
+              </a:endParaRPr>
+            </a:p>
+          </p:txBody>
+        </p:sp>
+        <p:sp>
+          <p:nvSpPr>
+            <p:cNvPr id="16" name="TextBox 15"/>
+            <p:cNvSpPr txBox="1"/>
+            <p:nvPr/>
+          </p:nvSpPr>
+          <p:spPr>
+            <a:xfrm>
+              <a:off x="5757565" y="2580007"/>
+              <a:ext cx="1110853" cy="261610"/>
+            </a:xfrm>
+            <a:prstGeom prst="rect">
+              <a:avLst/>
+            </a:prstGeom>
+            <a:noFill/>
+          </p:spPr>
+          <p:txBody>
+            <a:bodyPr wrap="square" rtlCol="0">
+              <a:spAutoFit/>
+            </a:bodyPr>
+            <a:lstStyle/>
+            <a:p>
+              <a:pPr algn="ctr"/>
+              <a:r>
+                <a:rPr lang="en-US" sz="1100" dirty="0">
+                  <a:latin typeface="Times New Roman" panose="02020603050405020304" pitchFamily="18" charset="0"/>
+                  <a:cs typeface="Times New Roman" panose="02020603050405020304" pitchFamily="18" charset="0"/>
+                </a:rPr>
+                <a:t>Toolbar</a:t>
+              </a:r>
+              <a:endParaRPr lang="ru-RU" sz="1100" dirty="0">
+                <a:latin typeface="Times New Roman" panose="02020603050405020304" pitchFamily="18" charset="0"/>
+                <a:cs typeface="Times New Roman" panose="02020603050405020304" pitchFamily="18" charset="0"/>
+              </a:endParaRPr>
+            </a:p>
+          </p:txBody>
+        </p:sp>
+        <p:sp>
+          <p:nvSpPr>
+            <p:cNvPr id="17" name="TextBox 16"/>
+            <p:cNvSpPr txBox="1"/>
+            <p:nvPr/>
+          </p:nvSpPr>
+          <p:spPr>
+            <a:xfrm>
+              <a:off x="5649813" y="3396060"/>
+              <a:ext cx="1136302" cy="430887"/>
+            </a:xfrm>
+            <a:prstGeom prst="rect">
+              <a:avLst/>
+            </a:prstGeom>
+            <a:noFill/>
+          </p:spPr>
+          <p:txBody>
+            <a:bodyPr wrap="square" rtlCol="0">
+              <a:spAutoFit/>
+            </a:bodyPr>
+            <a:lstStyle/>
+            <a:p>
+              <a:pPr algn="ctr"/>
+              <a:r>
+                <a:rPr lang="en-US" sz="1100" dirty="0">
+                  <a:latin typeface="Times New Roman" panose="02020603050405020304" pitchFamily="18" charset="0"/>
+                  <a:cs typeface="Times New Roman" panose="02020603050405020304" pitchFamily="18" charset="0"/>
+                </a:rPr>
+                <a:t>Access to other windows</a:t>
+              </a:r>
+              <a:endParaRPr lang="ru-RU" sz="1100" dirty="0">
+                <a:latin typeface="Times New Roman" panose="02020603050405020304" pitchFamily="18" charset="0"/>
+                <a:cs typeface="Times New Roman" panose="02020603050405020304" pitchFamily="18" charset="0"/>
+              </a:endParaRPr>
+            </a:p>
+          </p:txBody>
+        </p:sp>
+        <p:sp>
+          <p:nvSpPr>
+            <p:cNvPr id="18" name="TextBox 17"/>
+            <p:cNvSpPr txBox="1"/>
+            <p:nvPr/>
+          </p:nvSpPr>
+          <p:spPr>
+            <a:xfrm>
+              <a:off x="5585704" y="5471011"/>
+              <a:ext cx="1318841" cy="430887"/>
+            </a:xfrm>
+            <a:prstGeom prst="rect">
+              <a:avLst/>
+            </a:prstGeom>
+            <a:noFill/>
+          </p:spPr>
+          <p:txBody>
+            <a:bodyPr wrap="square" rtlCol="0">
+              <a:spAutoFit/>
+            </a:bodyPr>
+            <a:lstStyle/>
+            <a:p>
+              <a:pPr algn="ctr"/>
+              <a:r>
+                <a:rPr lang="en-US" sz="1100" dirty="0">
+                  <a:latin typeface="Times New Roman" panose="02020603050405020304" pitchFamily="18" charset="0"/>
+                  <a:cs typeface="Times New Roman" panose="02020603050405020304" pitchFamily="18" charset="0"/>
+                </a:rPr>
+                <a:t>Measured and target curves</a:t>
+              </a:r>
+              <a:endParaRPr lang="ru-RU" sz="1100" dirty="0">
+                <a:latin typeface="Times New Roman" panose="02020603050405020304" pitchFamily="18" charset="0"/>
+                <a:cs typeface="Times New Roman" panose="02020603050405020304" pitchFamily="18" charset="0"/>
+              </a:endParaRPr>
+            </a:p>
+          </p:txBody>
+        </p:sp>
+        <p:sp>
+          <p:nvSpPr>
+            <p:cNvPr id="19" name="Левая фигурная скобка 18"/>
+            <p:cNvSpPr/>
+            <p:nvPr/>
+          </p:nvSpPr>
+          <p:spPr>
+            <a:xfrm>
+              <a:off x="6917235" y="5031625"/>
+              <a:ext cx="276225" cy="1362074"/>
+            </a:xfrm>
+            <a:prstGeom prst="leftBrace">
+              <a:avLst>
+                <a:gd name="adj1" fmla="val 35919"/>
+                <a:gd name="adj2" fmla="val 50629"/>
+              </a:avLst>
+            </a:prstGeom>
+            <a:ln w="28575">
+              <a:solidFill>
+                <a:srgbClr val="0070C0"/>
+              </a:solidFill>
+            </a:ln>
+          </p:spPr>
+          <p:style>
+            <a:lnRef idx="1">
+              <a:schemeClr val="accent1"/>
+            </a:lnRef>
+            <a:fillRef idx="0">
+              <a:schemeClr val="accent1"/>
+            </a:fillRef>
+            <a:effectRef idx="0">
+              <a:schemeClr val="accent1"/>
+            </a:effectRef>
+            <a:fontRef idx="minor">
+              <a:schemeClr val="tx1"/>
+            </a:fontRef>
+          </p:style>
+          <p:txBody>
+            <a:bodyPr rtlCol="0" anchor="ctr"/>
+            <a:lstStyle/>
+            <a:p>
+              <a:pPr algn="ctr"/>
+              <a:endParaRPr lang="ru-RU" sz="1100">
+                <a:latin typeface="Times New Roman" panose="02020603050405020304" pitchFamily="18" charset="0"/>
+                <a:cs typeface="Times New Roman" panose="02020603050405020304" pitchFamily="18" charset="0"/>
+              </a:endParaRPr>
+            </a:p>
+          </p:txBody>
+        </p:sp>
+        <p:sp>
+          <p:nvSpPr>
+            <p:cNvPr id="20" name="Левая фигурная скобка 19"/>
+            <p:cNvSpPr/>
+            <p:nvPr/>
+          </p:nvSpPr>
+          <p:spPr>
+            <a:xfrm>
+              <a:off x="6915669" y="4279149"/>
+              <a:ext cx="276225" cy="673864"/>
+            </a:xfrm>
+            <a:prstGeom prst="leftBrace">
+              <a:avLst>
+                <a:gd name="adj1" fmla="val 35919"/>
+                <a:gd name="adj2" fmla="val 50629"/>
+              </a:avLst>
+            </a:prstGeom>
+            <a:ln w="28575">
+              <a:solidFill>
+                <a:srgbClr val="0070C0"/>
+              </a:solidFill>
+            </a:ln>
+          </p:spPr>
+          <p:style>
+            <a:lnRef idx="1">
+              <a:schemeClr val="accent1"/>
+            </a:lnRef>
+            <a:fillRef idx="0">
+              <a:schemeClr val="accent1"/>
+            </a:fillRef>
+            <a:effectRef idx="0">
+              <a:schemeClr val="accent1"/>
+            </a:effectRef>
+            <a:fontRef idx="minor">
+              <a:schemeClr val="tx1"/>
+            </a:fontRef>
+          </p:style>
+          <p:txBody>
+            <a:bodyPr rtlCol="0" anchor="ctr"/>
+            <a:lstStyle/>
+            <a:p>
+              <a:pPr algn="ctr"/>
+              <a:endParaRPr lang="ru-RU" sz="1100">
+                <a:latin typeface="Times New Roman" panose="02020603050405020304" pitchFamily="18" charset="0"/>
+                <a:cs typeface="Times New Roman" panose="02020603050405020304" pitchFamily="18" charset="0"/>
+              </a:endParaRPr>
+            </a:p>
+          </p:txBody>
+        </p:sp>
+        <p:sp>
+          <p:nvSpPr>
+            <p:cNvPr id="21" name="TextBox 20"/>
+            <p:cNvSpPr txBox="1"/>
+            <p:nvPr/>
+          </p:nvSpPr>
+          <p:spPr>
+            <a:xfrm>
+              <a:off x="5533577" y="4400637"/>
+              <a:ext cx="1368773" cy="430887"/>
+            </a:xfrm>
+            <a:prstGeom prst="rect">
+              <a:avLst/>
+            </a:prstGeom>
+            <a:noFill/>
+          </p:spPr>
+          <p:txBody>
+            <a:bodyPr wrap="square" rtlCol="0">
+              <a:spAutoFit/>
+            </a:bodyPr>
+            <a:lstStyle/>
+            <a:p>
+              <a:pPr algn="ctr"/>
+              <a:r>
+                <a:rPr lang="en-US" sz="1100" dirty="0">
+                  <a:latin typeface="Times New Roman" panose="02020603050405020304" pitchFamily="18" charset="0"/>
+                  <a:cs typeface="Times New Roman" panose="02020603050405020304" pitchFamily="18" charset="0"/>
+                </a:rPr>
+                <a:t>Curves without measured data</a:t>
+              </a:r>
+              <a:endParaRPr lang="ru-RU" sz="1100" dirty="0">
+                <a:latin typeface="Times New Roman" panose="02020603050405020304" pitchFamily="18" charset="0"/>
+                <a:cs typeface="Times New Roman" panose="02020603050405020304" pitchFamily="18" charset="0"/>
+              </a:endParaRPr>
+            </a:p>
+          </p:txBody>
+        </p:sp>
+        <p:cxnSp>
+          <p:nvCxnSpPr>
+            <p:cNvPr id="22" name="Прямая со стрелкой 21"/>
+            <p:cNvCxnSpPr/>
+            <p:nvPr/>
+          </p:nvCxnSpPr>
+          <p:spPr>
+            <a:xfrm>
+              <a:off x="6952730" y="1253806"/>
+              <a:ext cx="269081" cy="0"/>
+            </a:xfrm>
+            <a:prstGeom prst="straightConnector1">
+              <a:avLst/>
+            </a:prstGeom>
+            <a:ln w="47625">
+              <a:tailEnd type="stealth" w="lg" len="lg"/>
+            </a:ln>
+          </p:spPr>
+          <p:style>
+            <a:lnRef idx="1">
+              <a:schemeClr val="accent1"/>
+            </a:lnRef>
+            <a:fillRef idx="0">
+              <a:schemeClr val="accent1"/>
+            </a:fillRef>
+            <a:effectRef idx="0">
+              <a:schemeClr val="accent1"/>
+            </a:effectRef>
+            <a:fontRef idx="minor">
+              <a:schemeClr val="tx1"/>
+            </a:fontRef>
+          </p:style>
+        </p:cxnSp>
+        <p:sp>
+          <p:nvSpPr>
+            <p:cNvPr id="23" name="TextBox 22"/>
+            <p:cNvSpPr txBox="1"/>
+            <p:nvPr/>
+          </p:nvSpPr>
+          <p:spPr>
+            <a:xfrm>
+              <a:off x="5560645" y="1135452"/>
+              <a:ext cx="1388009" cy="261610"/>
+            </a:xfrm>
+            <a:prstGeom prst="rect">
+              <a:avLst/>
+            </a:prstGeom>
+            <a:noFill/>
+          </p:spPr>
+          <p:txBody>
+            <a:bodyPr wrap="square" rtlCol="0">
+              <a:spAutoFit/>
+            </a:bodyPr>
+            <a:lstStyle/>
+            <a:p>
+              <a:pPr algn="ctr"/>
+              <a:r>
+                <a:rPr lang="en-US" sz="1100" dirty="0">
+                  <a:latin typeface="Times New Roman" panose="02020603050405020304" pitchFamily="18" charset="0"/>
+                  <a:cs typeface="Times New Roman" panose="02020603050405020304" pitchFamily="18" charset="0"/>
+                </a:rPr>
+                <a:t>Tabs with structures</a:t>
+              </a:r>
+              <a:endParaRPr lang="ru-RU" sz="1100" dirty="0">
+                <a:latin typeface="Times New Roman" panose="02020603050405020304" pitchFamily="18" charset="0"/>
+                <a:cs typeface="Times New Roman" panose="02020603050405020304" pitchFamily="18" charset="0"/>
+              </a:endParaRPr>
+            </a:p>
+          </p:txBody>
+        </p:sp>
+        <p:pic>
+          <p:nvPicPr>
+            <p:cNvPr id="5" name="Picture 4">
+              <a:extLst>
+                <a:ext uri="{FF2B5EF4-FFF2-40B4-BE49-F238E27FC236}">
+                  <a16:creationId xmlns:a16="http://schemas.microsoft.com/office/drawing/2014/main" id="{145E3F67-D1C4-C4FE-1E9F-62BC7A80C490}"/>
+                </a:ext>
+              </a:extLst>
+            </p:cNvPr>
+            <p:cNvPicPr>
+              <a:picLocks noChangeAspect="1"/>
+            </p:cNvPicPr>
+            <p:nvPr/>
+          </p:nvPicPr>
+          <p:blipFill>
+            <a:blip r:embed="rId2"/>
+            <a:stretch>
+              <a:fillRect/>
+            </a:stretch>
+          </p:blipFill>
+          <p:spPr>
+            <a:xfrm>
+              <a:off x="7321794" y="578095"/>
+              <a:ext cx="2876550" cy="5848350"/>
+            </a:xfrm>
+            <a:prstGeom prst="rect">
+              <a:avLst/>
+            </a:prstGeom>
+          </p:spPr>
+        </p:pic>
+      </p:grpSp>
     </p:spTree>
     <p:extLst>
       <p:ext uri="{BB962C8B-B14F-4D97-AF65-F5344CB8AC3E}">
-        <p14:creationId xmlns:p14="http://schemas.microsoft.com/office/powerpoint/2010/main" val="3636461270"/>
+        <p14:creationId xmlns:p14="http://schemas.microsoft.com/office/powerpoint/2010/main" val="2879871523"/>
       </p:ext>
     </p:extLst>
   </p:cSld>
@@ -3070,412 +4221,6 @@
 </file>
 
 <file path=ppt/slides/slide10.xml><?xml version="1.0" encoding="utf-8"?>
-<p:sld xmlns:a="http://schemas.openxmlformats.org/drawingml/2006/main" xmlns:r="http://schemas.openxmlformats.org/officeDocument/2006/relationships" xmlns:p="http://schemas.openxmlformats.org/presentationml/2006/main">
-  <p:cSld>
-    <p:spTree>
-      <p:nvGrpSpPr>
-        <p:cNvPr id="1" name=""/>
-        <p:cNvGrpSpPr/>
-        <p:nvPr/>
-      </p:nvGrpSpPr>
-      <p:grpSpPr>
-        <a:xfrm>
-          <a:off x="0" y="0"/>
-          <a:ext cx="0" cy="0"/>
-          <a:chOff x="0" y="0"/>
-          <a:chExt cx="0" cy="0"/>
-        </a:xfrm>
-      </p:grpSpPr>
-      <p:grpSp>
-        <p:nvGrpSpPr>
-          <p:cNvPr id="19" name="Group 18">
-            <a:extLst>
-              <a:ext uri="{FF2B5EF4-FFF2-40B4-BE49-F238E27FC236}">
-                <a16:creationId xmlns:a16="http://schemas.microsoft.com/office/drawing/2014/main" id="{E40803F0-C5B8-57BD-AF59-3089A95A0813}"/>
-              </a:ext>
-            </a:extLst>
-          </p:cNvPr>
-          <p:cNvGrpSpPr/>
-          <p:nvPr/>
-        </p:nvGrpSpPr>
-        <p:grpSpPr>
-          <a:xfrm>
-            <a:off x="1871662" y="361950"/>
-            <a:ext cx="4995863" cy="4724400"/>
-            <a:chOff x="1871662" y="361950"/>
-            <a:chExt cx="4995863" cy="4724400"/>
-          </a:xfrm>
-        </p:grpSpPr>
-        <p:grpSp>
-          <p:nvGrpSpPr>
-            <p:cNvPr id="11" name="Group 10">
-              <a:extLst>
-                <a:ext uri="{FF2B5EF4-FFF2-40B4-BE49-F238E27FC236}">
-                  <a16:creationId xmlns:a16="http://schemas.microsoft.com/office/drawing/2014/main" id="{5F94BE99-6769-97EC-62A7-86F1C0E16CE1}"/>
-                </a:ext>
-              </a:extLst>
-            </p:cNvPr>
-            <p:cNvGrpSpPr/>
-            <p:nvPr/>
-          </p:nvGrpSpPr>
-          <p:grpSpPr>
-            <a:xfrm>
-              <a:off x="1909762" y="3181350"/>
-              <a:ext cx="4848225" cy="1905000"/>
-              <a:chOff x="1814512" y="3486150"/>
-              <a:chExt cx="4848225" cy="1905000"/>
-            </a:xfrm>
-          </p:grpSpPr>
-          <p:pic>
-            <p:nvPicPr>
-              <p:cNvPr id="7" name="Picture 6">
-                <a:extLst>
-                  <a:ext uri="{FF2B5EF4-FFF2-40B4-BE49-F238E27FC236}">
-                    <a16:creationId xmlns:a16="http://schemas.microsoft.com/office/drawing/2014/main" id="{B7E7AF59-7386-5F2D-B321-896ADEE82B17}"/>
-                  </a:ext>
-                </a:extLst>
-              </p:cNvPr>
-              <p:cNvPicPr>
-                <a:picLocks noChangeAspect="1"/>
-              </p:cNvPicPr>
-              <p:nvPr/>
-            </p:nvPicPr>
-            <p:blipFill>
-              <a:blip r:embed="rId2"/>
-              <a:stretch>
-                <a:fillRect/>
-              </a:stretch>
-            </p:blipFill>
-            <p:spPr>
-              <a:xfrm>
-                <a:off x="1814512" y="3486150"/>
-                <a:ext cx="4848225" cy="1905000"/>
-              </a:xfrm>
-              <a:prstGeom prst="rect">
-                <a:avLst/>
-              </a:prstGeom>
-            </p:spPr>
-          </p:pic>
-          <p:sp>
-            <p:nvSpPr>
-              <p:cNvPr id="9" name="Овал 5">
-                <a:extLst>
-                  <a:ext uri="{FF2B5EF4-FFF2-40B4-BE49-F238E27FC236}">
-                    <a16:creationId xmlns:a16="http://schemas.microsoft.com/office/drawing/2014/main" id="{E96C2595-B012-DAE6-BE4B-2EFCA9120686}"/>
-                  </a:ext>
-                </a:extLst>
-              </p:cNvPr>
-              <p:cNvSpPr/>
-              <p:nvPr/>
-            </p:nvSpPr>
-            <p:spPr>
-              <a:xfrm>
-                <a:off x="1816779" y="4811760"/>
-                <a:ext cx="2669496" cy="293640"/>
-              </a:xfrm>
-              <a:prstGeom prst="ellipse">
-                <a:avLst/>
-              </a:prstGeom>
-              <a:noFill/>
-              <a:ln w="19050">
-                <a:solidFill>
-                  <a:srgbClr val="FF0000"/>
-                </a:solidFill>
-              </a:ln>
-            </p:spPr>
-            <p:style>
-              <a:lnRef idx="2">
-                <a:schemeClr val="accent1">
-                  <a:shade val="50000"/>
-                </a:schemeClr>
-              </a:lnRef>
-              <a:fillRef idx="1">
-                <a:schemeClr val="accent1"/>
-              </a:fillRef>
-              <a:effectRef idx="0">
-                <a:schemeClr val="accent1"/>
-              </a:effectRef>
-              <a:fontRef idx="minor">
-                <a:schemeClr val="lt1"/>
-              </a:fontRef>
-            </p:style>
-            <p:txBody>
-              <a:bodyPr rtlCol="0" anchor="ctr"/>
-              <a:lstStyle/>
-              <a:p>
-                <a:pPr algn="ctr"/>
-                <a:endParaRPr lang="ru-RU"/>
-              </a:p>
-            </p:txBody>
-          </p:sp>
-        </p:grpSp>
-        <p:sp>
-          <p:nvSpPr>
-            <p:cNvPr id="10" name="Arrow: Right 9">
-              <a:extLst>
-                <a:ext uri="{FF2B5EF4-FFF2-40B4-BE49-F238E27FC236}">
-                  <a16:creationId xmlns:a16="http://schemas.microsoft.com/office/drawing/2014/main" id="{366A1CD7-D600-9DD6-8AFE-C8C77EA296AA}"/>
-                </a:ext>
-              </a:extLst>
-            </p:cNvPr>
-            <p:cNvSpPr/>
-            <p:nvPr/>
-          </p:nvSpPr>
-          <p:spPr>
-            <a:xfrm rot="5400000">
-              <a:off x="4109947" y="2582997"/>
-              <a:ext cx="545469" cy="465826"/>
-            </a:xfrm>
-            <a:prstGeom prst="rightArrow">
-              <a:avLst>
-                <a:gd name="adj1" fmla="val 50000"/>
-                <a:gd name="adj2" fmla="val 66667"/>
-              </a:avLst>
-            </a:prstGeom>
-            <a:noFill/>
-            <a:ln w="19050">
-              <a:solidFill>
-                <a:srgbClr val="FF0000"/>
-              </a:solidFill>
-            </a:ln>
-          </p:spPr>
-          <p:style>
-            <a:lnRef idx="2">
-              <a:schemeClr val="accent1">
-                <a:shade val="50000"/>
-              </a:schemeClr>
-            </a:lnRef>
-            <a:fillRef idx="1">
-              <a:schemeClr val="accent1"/>
-            </a:fillRef>
-            <a:effectRef idx="0">
-              <a:schemeClr val="accent1"/>
-            </a:effectRef>
-            <a:fontRef idx="minor">
-              <a:schemeClr val="lt1"/>
-            </a:fontRef>
-          </p:style>
-          <p:txBody>
-            <a:bodyPr rtlCol="0" anchor="ctr"/>
-            <a:lstStyle/>
-            <a:p>
-              <a:pPr algn="ctr"/>
-              <a:endParaRPr lang="en-US"/>
-            </a:p>
-          </p:txBody>
-        </p:sp>
-        <p:grpSp>
-          <p:nvGrpSpPr>
-            <p:cNvPr id="18" name="Group 17">
-              <a:extLst>
-                <a:ext uri="{FF2B5EF4-FFF2-40B4-BE49-F238E27FC236}">
-                  <a16:creationId xmlns:a16="http://schemas.microsoft.com/office/drawing/2014/main" id="{CC72A481-81CE-85B2-50EF-CA29BFB37873}"/>
-                </a:ext>
-              </a:extLst>
-            </p:cNvPr>
-            <p:cNvGrpSpPr/>
-            <p:nvPr/>
-          </p:nvGrpSpPr>
-          <p:grpSpPr>
-            <a:xfrm>
-              <a:off x="1871662" y="361950"/>
-              <a:ext cx="4995863" cy="2076450"/>
-              <a:chOff x="1871662" y="361950"/>
-              <a:chExt cx="4995863" cy="2076450"/>
-            </a:xfrm>
-          </p:grpSpPr>
-          <p:pic>
-            <p:nvPicPr>
-              <p:cNvPr id="14" name="Picture 13">
-                <a:extLst>
-                  <a:ext uri="{FF2B5EF4-FFF2-40B4-BE49-F238E27FC236}">
-                    <a16:creationId xmlns:a16="http://schemas.microsoft.com/office/drawing/2014/main" id="{068B73BE-49CA-4EE2-E296-DCF7E8728FEA}"/>
-                  </a:ext>
-                </a:extLst>
-              </p:cNvPr>
-              <p:cNvPicPr>
-                <a:picLocks noChangeAspect="1"/>
-              </p:cNvPicPr>
-              <p:nvPr/>
-            </p:nvPicPr>
-            <p:blipFill>
-              <a:blip r:embed="rId3"/>
-              <a:stretch>
-                <a:fillRect/>
-              </a:stretch>
-            </p:blipFill>
-            <p:spPr>
-              <a:xfrm>
-                <a:off x="1871662" y="361950"/>
-                <a:ext cx="4981575" cy="2076450"/>
-              </a:xfrm>
-              <a:prstGeom prst="rect">
-                <a:avLst/>
-              </a:prstGeom>
-            </p:spPr>
-          </p:pic>
-          <p:sp>
-            <p:nvSpPr>
-              <p:cNvPr id="8" name="Овал 5">
-                <a:extLst>
-                  <a:ext uri="{FF2B5EF4-FFF2-40B4-BE49-F238E27FC236}">
-                    <a16:creationId xmlns:a16="http://schemas.microsoft.com/office/drawing/2014/main" id="{74027A3F-C505-FE9C-687A-632BB1F16BBF}"/>
-                  </a:ext>
-                </a:extLst>
-              </p:cNvPr>
-              <p:cNvSpPr/>
-              <p:nvPr/>
-            </p:nvSpPr>
-            <p:spPr>
-              <a:xfrm>
-                <a:off x="3121704" y="1706610"/>
-                <a:ext cx="1536021" cy="276225"/>
-              </a:xfrm>
-              <a:prstGeom prst="ellipse">
-                <a:avLst/>
-              </a:prstGeom>
-              <a:noFill/>
-              <a:ln w="19050">
-                <a:solidFill>
-                  <a:srgbClr val="FF0000"/>
-                </a:solidFill>
-              </a:ln>
-            </p:spPr>
-            <p:style>
-              <a:lnRef idx="2">
-                <a:schemeClr val="accent1">
-                  <a:shade val="50000"/>
-                </a:schemeClr>
-              </a:lnRef>
-              <a:fillRef idx="1">
-                <a:schemeClr val="accent1"/>
-              </a:fillRef>
-              <a:effectRef idx="0">
-                <a:schemeClr val="accent1"/>
-              </a:effectRef>
-              <a:fontRef idx="minor">
-                <a:schemeClr val="lt1"/>
-              </a:fontRef>
-            </p:style>
-            <p:txBody>
-              <a:bodyPr rtlCol="0" anchor="ctr"/>
-              <a:lstStyle/>
-              <a:p>
-                <a:pPr algn="ctr"/>
-                <a:endParaRPr lang="ru-RU"/>
-              </a:p>
-            </p:txBody>
-          </p:sp>
-          <p:sp>
-            <p:nvSpPr>
-              <p:cNvPr id="15" name="Овал 5">
-                <a:extLst>
-                  <a:ext uri="{FF2B5EF4-FFF2-40B4-BE49-F238E27FC236}">
-                    <a16:creationId xmlns:a16="http://schemas.microsoft.com/office/drawing/2014/main" id="{E44556D6-3D89-1B8B-A65E-268150311568}"/>
-                  </a:ext>
-                </a:extLst>
-              </p:cNvPr>
-              <p:cNvSpPr/>
-              <p:nvPr/>
-            </p:nvSpPr>
-            <p:spPr>
-              <a:xfrm>
-                <a:off x="6248400" y="2020935"/>
-                <a:ext cx="619125" cy="276225"/>
-              </a:xfrm>
-              <a:prstGeom prst="ellipse">
-                <a:avLst/>
-              </a:prstGeom>
-              <a:noFill/>
-              <a:ln w="19050">
-                <a:solidFill>
-                  <a:srgbClr val="FF0000"/>
-                </a:solidFill>
-              </a:ln>
-            </p:spPr>
-            <p:style>
-              <a:lnRef idx="2">
-                <a:schemeClr val="accent1">
-                  <a:shade val="50000"/>
-                </a:schemeClr>
-              </a:lnRef>
-              <a:fillRef idx="1">
-                <a:schemeClr val="accent1"/>
-              </a:fillRef>
-              <a:effectRef idx="0">
-                <a:schemeClr val="accent1"/>
-              </a:effectRef>
-              <a:fontRef idx="minor">
-                <a:schemeClr val="lt1"/>
-              </a:fontRef>
-            </p:style>
-            <p:txBody>
-              <a:bodyPr rtlCol="0" anchor="ctr"/>
-              <a:lstStyle/>
-              <a:p>
-                <a:pPr algn="ctr"/>
-                <a:endParaRPr lang="ru-RU"/>
-              </a:p>
-            </p:txBody>
-          </p:sp>
-          <p:cxnSp>
-            <p:nvCxnSpPr>
-              <p:cNvPr id="17" name="Straight Arrow Connector 16">
-                <a:extLst>
-                  <a:ext uri="{FF2B5EF4-FFF2-40B4-BE49-F238E27FC236}">
-                    <a16:creationId xmlns:a16="http://schemas.microsoft.com/office/drawing/2014/main" id="{B2C4C998-B111-6939-3439-977FD220605F}"/>
-                  </a:ext>
-                </a:extLst>
-              </p:cNvPr>
-              <p:cNvCxnSpPr/>
-              <p:nvPr/>
-            </p:nvCxnSpPr>
-            <p:spPr>
-              <a:xfrm>
-                <a:off x="4714875" y="1895475"/>
-                <a:ext cx="1419225" cy="209550"/>
-              </a:xfrm>
-              <a:prstGeom prst="straightConnector1">
-                <a:avLst/>
-              </a:prstGeom>
-              <a:ln w="19050">
-                <a:solidFill>
-                  <a:srgbClr val="FF0000"/>
-                </a:solidFill>
-                <a:tailEnd type="triangle"/>
-              </a:ln>
-            </p:spPr>
-            <p:style>
-              <a:lnRef idx="1">
-                <a:schemeClr val="accent1"/>
-              </a:lnRef>
-              <a:fillRef idx="0">
-                <a:schemeClr val="accent1"/>
-              </a:fillRef>
-              <a:effectRef idx="0">
-                <a:schemeClr val="accent1"/>
-              </a:effectRef>
-              <a:fontRef idx="minor">
-                <a:schemeClr val="tx1"/>
-              </a:fontRef>
-            </p:style>
-          </p:cxnSp>
-        </p:grpSp>
-      </p:grpSp>
-    </p:spTree>
-    <p:extLst>
-      <p:ext uri="{BB962C8B-B14F-4D97-AF65-F5344CB8AC3E}">
-        <p14:creationId xmlns:p14="http://schemas.microsoft.com/office/powerpoint/2010/main" val="2168155292"/>
-      </p:ext>
-    </p:extLst>
-  </p:cSld>
-  <p:clrMapOvr>
-    <a:masterClrMapping/>
-  </p:clrMapOvr>
-</p:sld>
-</file>
-
-<file path=ppt/slides/slide11.xml><?xml version="1.0" encoding="utf-8"?>
 <p:sld xmlns:a="http://schemas.openxmlformats.org/drawingml/2006/main" xmlns:r="http://schemas.openxmlformats.org/officeDocument/2006/relationships" xmlns:p="http://schemas.openxmlformats.org/presentationml/2006/main">
   <p:cSld>
     <p:spTree>
@@ -3749,7 +4494,7 @@
 </p:sld>
 </file>
 
-<file path=ppt/slides/slide12.xml><?xml version="1.0" encoding="utf-8"?>
+<file path=ppt/slides/slide11.xml><?xml version="1.0" encoding="utf-8"?>
 <p:sld xmlns:a="http://schemas.openxmlformats.org/drawingml/2006/main" xmlns:r="http://schemas.openxmlformats.org/officeDocument/2006/relationships" xmlns:p="http://schemas.openxmlformats.org/presentationml/2006/main">
   <p:cSld>
     <p:bg>
@@ -3996,7 +4741,7 @@
 </p:sld>
 </file>
 
-<file path=ppt/slides/slide13.xml><?xml version="1.0" encoding="utf-8"?>
+<file path=ppt/slides/slide12.xml><?xml version="1.0" encoding="utf-8"?>
 <p:sld xmlns:a="http://schemas.openxmlformats.org/drawingml/2006/main" xmlns:r="http://schemas.openxmlformats.org/officeDocument/2006/relationships" xmlns:p="http://schemas.openxmlformats.org/presentationml/2006/main">
   <p:cSld>
     <p:spTree>
@@ -4129,7 +4874,7 @@
 </p:sld>
 </file>
 
-<file path=ppt/slides/slide14.xml><?xml version="1.0" encoding="utf-8"?>
+<file path=ppt/slides/slide13.xml><?xml version="1.0" encoding="utf-8"?>
 <p:sld xmlns:a="http://schemas.openxmlformats.org/drawingml/2006/main" xmlns:r="http://schemas.openxmlformats.org/officeDocument/2006/relationships" xmlns:p="http://schemas.openxmlformats.org/presentationml/2006/main">
   <p:cSld>
     <p:spTree>
@@ -4366,7 +5111,7 @@
 </p:sld>
 </file>
 
-<file path=ppt/slides/slide15.xml><?xml version="1.0" encoding="utf-8"?>
+<file path=ppt/slides/slide14.xml><?xml version="1.0" encoding="utf-8"?>
 <p:sld xmlns:a="http://schemas.openxmlformats.org/drawingml/2006/main" xmlns:r="http://schemas.openxmlformats.org/officeDocument/2006/relationships" xmlns:p="http://schemas.openxmlformats.org/presentationml/2006/main">
   <p:cSld>
     <p:spTree>
@@ -4725,7 +5470,7 @@
 </p:sld>
 </file>
 
-<file path=ppt/slides/slide16.xml><?xml version="1.0" encoding="utf-8"?>
+<file path=ppt/slides/slide15.xml><?xml version="1.0" encoding="utf-8"?>
 <p:sld xmlns:a="http://schemas.openxmlformats.org/drawingml/2006/main" xmlns:r="http://schemas.openxmlformats.org/officeDocument/2006/relationships" xmlns:p="http://schemas.openxmlformats.org/presentationml/2006/main">
   <p:cSld>
     <p:spTree>
@@ -4744,10 +5489,10 @@
       </p:grpSpPr>
       <p:grpSp>
         <p:nvGrpSpPr>
-          <p:cNvPr id="23" name="Group 22">
+          <p:cNvPr id="4" name="Group 3">
             <a:extLst>
               <a:ext uri="{FF2B5EF4-FFF2-40B4-BE49-F238E27FC236}">
-                <a16:creationId xmlns:a16="http://schemas.microsoft.com/office/drawing/2014/main" id="{1CDB5274-F06F-AF7D-493D-C843DE39B82B}"/>
+                <a16:creationId xmlns:a16="http://schemas.microsoft.com/office/drawing/2014/main" id="{2C5FBCC9-2488-B65D-3150-E6F29AE6E363}"/>
               </a:ext>
             </a:extLst>
           </p:cNvPr>
@@ -4756,81 +5501,42 @@
         </p:nvGrpSpPr>
         <p:grpSpPr>
           <a:xfrm>
-            <a:off x="597217" y="89059"/>
-            <a:ext cx="2333625" cy="2009775"/>
-            <a:chOff x="261938" y="309563"/>
-            <a:chExt cx="2333625" cy="2009775"/>
+            <a:off x="589597" y="35719"/>
+            <a:ext cx="2303465" cy="2192961"/>
+            <a:chOff x="589597" y="35719"/>
+            <a:chExt cx="2303465" cy="2192961"/>
           </a:xfrm>
         </p:grpSpPr>
-        <p:graphicFrame>
-          <p:nvGraphicFramePr>
-            <p:cNvPr id="11" name="Object 10">
+        <p:pic>
+          <p:nvPicPr>
+            <p:cNvPr id="3" name="Picture 2">
               <a:extLst>
                 <a:ext uri="{FF2B5EF4-FFF2-40B4-BE49-F238E27FC236}">
-                  <a16:creationId xmlns:a16="http://schemas.microsoft.com/office/drawing/2014/main" id="{61734494-B75B-40C1-0CCE-A89B8EA29435}"/>
+                  <a16:creationId xmlns:a16="http://schemas.microsoft.com/office/drawing/2014/main" id="{7FD159D1-CF64-F6D3-EE6D-232B893B8559}"/>
                 </a:ext>
               </a:extLst>
             </p:cNvPr>
-            <p:cNvGraphicFramePr>
-              <a:graphicFrameLocks noChangeAspect="1"/>
-            </p:cNvGraphicFramePr>
-            <p:nvPr>
-              <p:extLst>
-                <p:ext uri="{D42A27DB-BD31-4B8C-83A1-F6EECF244321}">
-                  <p14:modId xmlns:p14="http://schemas.microsoft.com/office/powerpoint/2010/main" val="795417189"/>
-                </p:ext>
-              </p:extLst>
-            </p:nvPr>
-          </p:nvGraphicFramePr>
-          <p:xfrm>
-            <a:off x="280988" y="328613"/>
-            <a:ext cx="2314575" cy="1990725"/>
-          </p:xfrm>
-          <a:graphic>
-            <a:graphicData uri="http://schemas.openxmlformats.org/presentationml/2006/ole">
-              <mc:AlternateContent xmlns:mc="http://schemas.openxmlformats.org/markup-compatibility/2006">
-                <mc:Choice xmlns:v="urn:schemas-microsoft-com:vml" Requires="v">
-                  <p:oleObj name="Bitmap Image" r:id="rId2" imgW="2314440" imgH="1990800" progId="PBrush">
-                    <p:embed/>
-                  </p:oleObj>
-                </mc:Choice>
-                <mc:Fallback>
-                  <p:oleObj name="Bitmap Image" r:id="rId2" imgW="2314440" imgH="1990800" progId="PBrush">
-                    <p:embed/>
-                    <p:pic>
-                      <p:nvPicPr>
-                        <p:cNvPr id="11" name="Object 10">
-                          <a:extLst>
-                            <a:ext uri="{FF2B5EF4-FFF2-40B4-BE49-F238E27FC236}">
-                              <a16:creationId xmlns:a16="http://schemas.microsoft.com/office/drawing/2014/main" id="{61734494-B75B-40C1-0CCE-A89B8EA29435}"/>
-                            </a:ext>
-                          </a:extLst>
-                        </p:cNvPr>
-                        <p:cNvPicPr/>
-                        <p:nvPr/>
-                      </p:nvPicPr>
-                      <p:blipFill>
-                        <a:blip r:embed="rId3"/>
-                        <a:stretch>
-                          <a:fillRect/>
-                        </a:stretch>
-                      </p:blipFill>
-                      <p:spPr>
-                        <a:xfrm>
-                          <a:off x="280988" y="328613"/>
-                          <a:ext cx="2314575" cy="1990725"/>
-                        </a:xfrm>
-                        <a:prstGeom prst="rect">
-                          <a:avLst/>
-                        </a:prstGeom>
-                      </p:spPr>
-                    </p:pic>
-                  </p:oleObj>
-                </mc:Fallback>
-              </mc:AlternateContent>
-            </a:graphicData>
-          </a:graphic>
-        </p:graphicFrame>
+            <p:cNvPicPr>
+              <a:picLocks noChangeAspect="1"/>
+            </p:cNvPicPr>
+            <p:nvPr/>
+          </p:nvPicPr>
+          <p:blipFill>
+            <a:blip r:embed="rId2"/>
+            <a:stretch>
+              <a:fillRect/>
+            </a:stretch>
+          </p:blipFill>
+          <p:spPr>
+            <a:xfrm>
+              <a:off x="597217" y="37624"/>
+              <a:ext cx="2295845" cy="2191056"/>
+            </a:xfrm>
+            <a:prstGeom prst="rect">
+              <a:avLst/>
+            </a:prstGeom>
+          </p:spPr>
+        </p:pic>
         <p:sp>
           <p:nvSpPr>
             <p:cNvPr id="12" name="Овал 5">
@@ -4845,7 +5551,7 @@
           </p:nvSpPr>
           <p:spPr>
             <a:xfrm>
-              <a:off x="261938" y="309563"/>
+              <a:off x="589597" y="35719"/>
               <a:ext cx="361950" cy="247650"/>
             </a:xfrm>
             <a:prstGeom prst="ellipse">
@@ -4932,12 +5638,12 @@
             <a:graphicData uri="http://schemas.openxmlformats.org/presentationml/2006/ole">
               <mc:AlternateContent xmlns:mc="http://schemas.openxmlformats.org/markup-compatibility/2006">
                 <mc:Choice xmlns:v="urn:schemas-microsoft-com:vml" Requires="v">
-                  <p:oleObj name="Bitmap Image" r:id="rId4" imgW="3276720" imgH="1162080" progId="PBrush">
+                  <p:oleObj name="Bitmap Image" r:id="rId3" imgW="3276720" imgH="1162080" progId="PBrush">
                     <p:embed/>
                   </p:oleObj>
                 </mc:Choice>
                 <mc:Fallback>
-                  <p:oleObj name="Bitmap Image" r:id="rId4" imgW="3276720" imgH="1162080" progId="PBrush">
+                  <p:oleObj name="Bitmap Image" r:id="rId3" imgW="3276720" imgH="1162080" progId="PBrush">
                     <p:embed/>
                     <p:pic>
                       <p:nvPicPr>
@@ -4952,7 +5658,7 @@
                         <p:nvPr/>
                       </p:nvPicPr>
                       <p:blipFill>
-                        <a:blip r:embed="rId5"/>
+                        <a:blip r:embed="rId4"/>
                         <a:stretch>
                           <a:fillRect/>
                         </a:stretch>
@@ -5074,12 +5780,12 @@
             <a:graphicData uri="http://schemas.openxmlformats.org/presentationml/2006/ole">
               <mc:AlternateContent xmlns:mc="http://schemas.openxmlformats.org/markup-compatibility/2006">
                 <mc:Choice xmlns:v="urn:schemas-microsoft-com:vml" Requires="v">
-                  <p:oleObj name="Bitmap Image" r:id="rId6" imgW="2809800" imgH="619200" progId="PBrush">
+                  <p:oleObj name="Bitmap Image" r:id="rId5" imgW="2809800" imgH="619200" progId="PBrush">
                     <p:embed/>
                   </p:oleObj>
                 </mc:Choice>
                 <mc:Fallback>
-                  <p:oleObj name="Bitmap Image" r:id="rId6" imgW="2809800" imgH="619200" progId="PBrush">
+                  <p:oleObj name="Bitmap Image" r:id="rId5" imgW="2809800" imgH="619200" progId="PBrush">
                     <p:embed/>
                     <p:pic>
                       <p:nvPicPr>
@@ -5094,7 +5800,7 @@
                         <p:nvPr/>
                       </p:nvPicPr>
                       <p:blipFill>
-                        <a:blip r:embed="rId7"/>
+                        <a:blip r:embed="rId6"/>
                         <a:stretch>
                           <a:fillRect/>
                         </a:stretch>
@@ -5216,12 +5922,12 @@
             <a:graphicData uri="http://schemas.openxmlformats.org/presentationml/2006/ole">
               <mc:AlternateContent xmlns:mc="http://schemas.openxmlformats.org/markup-compatibility/2006">
                 <mc:Choice xmlns:v="urn:schemas-microsoft-com:vml" Requires="v">
-                  <p:oleObj name="Bitmap Image" r:id="rId8" imgW="3848040" imgH="961920" progId="PBrush">
+                  <p:oleObj name="Bitmap Image" r:id="rId7" imgW="3848040" imgH="961920" progId="PBrush">
                     <p:embed/>
                   </p:oleObj>
                 </mc:Choice>
                 <mc:Fallback>
-                  <p:oleObj name="Bitmap Image" r:id="rId8" imgW="3848040" imgH="961920" progId="PBrush">
+                  <p:oleObj name="Bitmap Image" r:id="rId7" imgW="3848040" imgH="961920" progId="PBrush">
                     <p:embed/>
                     <p:pic>
                       <p:nvPicPr>
@@ -5236,7 +5942,7 @@
                         <p:nvPr/>
                       </p:nvPicPr>
                       <p:blipFill>
-                        <a:blip r:embed="rId9"/>
+                        <a:blip r:embed="rId8"/>
                         <a:stretch>
                           <a:fillRect/>
                         </a:stretch>
@@ -5325,7 +6031,7 @@
           <p:nvPr/>
         </p:nvPicPr>
         <p:blipFill rotWithShape="1">
-          <a:blip r:embed="rId10"/>
+          <a:blip r:embed="rId9"/>
           <a:srcRect t="12723" b="65326"/>
           <a:stretch/>
         </p:blipFill>
@@ -5354,7 +6060,7 @@
           <p:nvPr/>
         </p:nvPicPr>
         <p:blipFill>
-          <a:blip r:embed="rId11"/>
+          <a:blip r:embed="rId10"/>
           <a:stretch>
             <a:fillRect/>
           </a:stretch>
@@ -5384,7 +6090,7 @@
           <p:nvPr/>
         </p:nvPicPr>
         <p:blipFill>
-          <a:blip r:embed="rId12"/>
+          <a:blip r:embed="rId11"/>
           <a:stretch>
             <a:fillRect/>
           </a:stretch>
@@ -5434,7 +6140,7 @@
             <p:nvPr/>
           </p:nvPicPr>
           <p:blipFill>
-            <a:blip r:embed="rId13"/>
+            <a:blip r:embed="rId12"/>
             <a:stretch>
               <a:fillRect/>
             </a:stretch>
@@ -5571,7 +6277,7 @@
             <p:nvPr/>
           </p:nvPicPr>
           <p:blipFill>
-            <a:blip r:embed="rId14"/>
+            <a:blip r:embed="rId13"/>
             <a:stretch>
               <a:fillRect/>
             </a:stretch>
@@ -5652,7 +6358,7 @@
 </p:sld>
 </file>
 
-<file path=ppt/slides/slide17.xml><?xml version="1.0" encoding="utf-8"?>
+<file path=ppt/slides/slide16.xml><?xml version="1.0" encoding="utf-8"?>
 <p:sld xmlns:a="http://schemas.openxmlformats.org/drawingml/2006/main" xmlns:r="http://schemas.openxmlformats.org/officeDocument/2006/relationships" xmlns:p="http://schemas.openxmlformats.org/presentationml/2006/main">
   <p:cSld>
     <p:spTree>
@@ -5839,7 +6545,7 @@
 </p:sld>
 </file>
 
-<file path=ppt/slides/slide18.xml><?xml version="1.0" encoding="utf-8"?>
+<file path=ppt/slides/slide17.xml><?xml version="1.0" encoding="utf-8"?>
 <p:sld xmlns:a="http://schemas.openxmlformats.org/drawingml/2006/main" xmlns:r="http://schemas.openxmlformats.org/officeDocument/2006/relationships" xmlns:p="http://schemas.openxmlformats.org/presentationml/2006/main">
   <p:cSld>
     <p:spTree>
@@ -6024,7 +6730,7 @@
 </p:sld>
 </file>
 
-<file path=ppt/slides/slide19.xml><?xml version="1.0" encoding="utf-8"?>
+<file path=ppt/slides/slide18.xml><?xml version="1.0" encoding="utf-8"?>
 <p:sld xmlns:a="http://schemas.openxmlformats.org/drawingml/2006/main" xmlns:r="http://schemas.openxmlformats.org/officeDocument/2006/relationships" xmlns:p="http://schemas.openxmlformats.org/presentationml/2006/main">
   <p:cSld>
     <p:spTree>
@@ -8815,1219 +9521,7 @@
 </p:sld>
 </file>
 
-<file path=ppt/slides/slide2.xml><?xml version="1.0" encoding="utf-8"?>
-<p:sld xmlns:a="http://schemas.openxmlformats.org/drawingml/2006/main" xmlns:r="http://schemas.openxmlformats.org/officeDocument/2006/relationships" xmlns:p="http://schemas.openxmlformats.org/presentationml/2006/main">
-  <p:cSld>
-    <p:spTree>
-      <p:nvGrpSpPr>
-        <p:cNvPr id="1" name=""/>
-        <p:cNvGrpSpPr/>
-        <p:nvPr/>
-      </p:nvGrpSpPr>
-      <p:grpSpPr>
-        <a:xfrm>
-          <a:off x="0" y="0"/>
-          <a:ext cx="0" cy="0"/>
-          <a:chOff x="0" y="0"/>
-          <a:chExt cx="0" cy="0"/>
-        </a:xfrm>
-      </p:grpSpPr>
-      <p:grpSp>
-        <p:nvGrpSpPr>
-          <p:cNvPr id="7" name="Group 6">
-            <a:extLst>
-              <a:ext uri="{FF2B5EF4-FFF2-40B4-BE49-F238E27FC236}">
-                <a16:creationId xmlns:a16="http://schemas.microsoft.com/office/drawing/2014/main" id="{727D2617-D46E-625C-837C-B9286B2DB8E3}"/>
-              </a:ext>
-            </a:extLst>
-          </p:cNvPr>
-          <p:cNvGrpSpPr/>
-          <p:nvPr/>
-        </p:nvGrpSpPr>
-        <p:grpSpPr>
-          <a:xfrm>
-            <a:off x="24813" y="575164"/>
-            <a:ext cx="4886423" cy="5848350"/>
-            <a:chOff x="24813" y="575164"/>
-            <a:chExt cx="4886423" cy="5848350"/>
-          </a:xfrm>
-        </p:grpSpPr>
-        <p:sp>
-          <p:nvSpPr>
-            <p:cNvPr id="26" name="Левая фигурная скобка 25"/>
-            <p:cNvSpPr/>
-            <p:nvPr/>
-          </p:nvSpPr>
-          <p:spPr>
-            <a:xfrm>
-              <a:off x="1619880" y="1422691"/>
-              <a:ext cx="276225" cy="1122910"/>
-            </a:xfrm>
-            <a:prstGeom prst="leftBrace">
-              <a:avLst>
-                <a:gd name="adj1" fmla="val 35919"/>
-                <a:gd name="adj2" fmla="val 50629"/>
-              </a:avLst>
-            </a:prstGeom>
-            <a:ln w="28575">
-              <a:solidFill>
-                <a:srgbClr val="0070C0"/>
-              </a:solidFill>
-            </a:ln>
-          </p:spPr>
-          <p:style>
-            <a:lnRef idx="1">
-              <a:schemeClr val="accent1"/>
-            </a:lnRef>
-            <a:fillRef idx="0">
-              <a:schemeClr val="accent1"/>
-            </a:fillRef>
-            <a:effectRef idx="0">
-              <a:schemeClr val="accent1"/>
-            </a:effectRef>
-            <a:fontRef idx="minor">
-              <a:schemeClr val="tx1"/>
-            </a:fontRef>
-          </p:style>
-          <p:txBody>
-            <a:bodyPr rtlCol="0" anchor="ctr"/>
-            <a:lstStyle/>
-            <a:p>
-              <a:pPr algn="ctr"/>
-              <a:endParaRPr lang="ru-RU" sz="1100">
-                <a:latin typeface="Times New Roman" panose="02020603050405020304" pitchFamily="18" charset="0"/>
-                <a:cs typeface="Times New Roman" panose="02020603050405020304" pitchFamily="18" charset="0"/>
-              </a:endParaRPr>
-            </a:p>
-          </p:txBody>
-        </p:sp>
-        <p:sp>
-          <p:nvSpPr>
-            <p:cNvPr id="27" name="Левая фигурная скобка 26"/>
-            <p:cNvSpPr/>
-            <p:nvPr/>
-          </p:nvSpPr>
-          <p:spPr>
-            <a:xfrm>
-              <a:off x="1619880" y="2907551"/>
-              <a:ext cx="276225" cy="1305163"/>
-            </a:xfrm>
-            <a:prstGeom prst="leftBrace">
-              <a:avLst>
-                <a:gd name="adj1" fmla="val 35919"/>
-                <a:gd name="adj2" fmla="val 50629"/>
-              </a:avLst>
-            </a:prstGeom>
-            <a:ln w="28575">
-              <a:solidFill>
-                <a:srgbClr val="0070C0"/>
-              </a:solidFill>
-            </a:ln>
-          </p:spPr>
-          <p:style>
-            <a:lnRef idx="1">
-              <a:schemeClr val="accent1"/>
-            </a:lnRef>
-            <a:fillRef idx="0">
-              <a:schemeClr val="accent1"/>
-            </a:fillRef>
-            <a:effectRef idx="0">
-              <a:schemeClr val="accent1"/>
-            </a:effectRef>
-            <a:fontRef idx="minor">
-              <a:schemeClr val="tx1"/>
-            </a:fontRef>
-          </p:style>
-          <p:txBody>
-            <a:bodyPr rtlCol="0" anchor="ctr"/>
-            <a:lstStyle/>
-            <a:p>
-              <a:pPr algn="ctr"/>
-              <a:endParaRPr lang="ru-RU" sz="1100">
-                <a:latin typeface="Times New Roman" panose="02020603050405020304" pitchFamily="18" charset="0"/>
-                <a:cs typeface="Times New Roman" panose="02020603050405020304" pitchFamily="18" charset="0"/>
-              </a:endParaRPr>
-            </a:p>
-          </p:txBody>
-        </p:sp>
-        <p:cxnSp>
-          <p:nvCxnSpPr>
-            <p:cNvPr id="28" name="Прямая со стрелкой 27"/>
-            <p:cNvCxnSpPr/>
-            <p:nvPr/>
-          </p:nvCxnSpPr>
-          <p:spPr>
-            <a:xfrm>
-              <a:off x="1646074" y="993026"/>
-              <a:ext cx="269081" cy="0"/>
-            </a:xfrm>
-            <a:prstGeom prst="straightConnector1">
-              <a:avLst/>
-            </a:prstGeom>
-            <a:ln w="47625">
-              <a:tailEnd type="stealth" w="lg" len="lg"/>
-            </a:ln>
-          </p:spPr>
-          <p:style>
-            <a:lnRef idx="1">
-              <a:schemeClr val="accent1"/>
-            </a:lnRef>
-            <a:fillRef idx="0">
-              <a:schemeClr val="accent1"/>
-            </a:fillRef>
-            <a:effectRef idx="0">
-              <a:schemeClr val="accent1"/>
-            </a:effectRef>
-            <a:fontRef idx="minor">
-              <a:schemeClr val="tx1"/>
-            </a:fontRef>
-          </p:style>
-        </p:cxnSp>
-        <p:cxnSp>
-          <p:nvCxnSpPr>
-            <p:cNvPr id="29" name="Прямая со стрелкой 28"/>
-            <p:cNvCxnSpPr/>
-            <p:nvPr/>
-          </p:nvCxnSpPr>
-          <p:spPr>
-            <a:xfrm>
-              <a:off x="1669886" y="2717051"/>
-              <a:ext cx="269081" cy="0"/>
-            </a:xfrm>
-            <a:prstGeom prst="straightConnector1">
-              <a:avLst/>
-            </a:prstGeom>
-            <a:ln w="47625">
-              <a:tailEnd type="stealth" w="lg" len="lg"/>
-            </a:ln>
-          </p:spPr>
-          <p:style>
-            <a:lnRef idx="1">
-              <a:schemeClr val="accent1"/>
-            </a:lnRef>
-            <a:fillRef idx="0">
-              <a:schemeClr val="accent1"/>
-            </a:fillRef>
-            <a:effectRef idx="0">
-              <a:schemeClr val="accent1"/>
-            </a:effectRef>
-            <a:fontRef idx="minor">
-              <a:schemeClr val="tx1"/>
-            </a:fontRef>
-          </p:style>
-        </p:cxnSp>
-        <p:sp>
-          <p:nvSpPr>
-            <p:cNvPr id="30" name="TextBox 29"/>
-            <p:cNvSpPr txBox="1"/>
-            <p:nvPr/>
-          </p:nvSpPr>
-          <p:spPr>
-            <a:xfrm>
-              <a:off x="991230" y="814194"/>
-              <a:ext cx="590550" cy="261610"/>
-            </a:xfrm>
-            <a:prstGeom prst="rect">
-              <a:avLst/>
-            </a:prstGeom>
-            <a:noFill/>
-          </p:spPr>
-          <p:txBody>
-            <a:bodyPr wrap="square" rtlCol="0">
-              <a:spAutoFit/>
-            </a:bodyPr>
-            <a:lstStyle/>
-            <a:p>
-              <a:pPr algn="ctr"/>
-              <a:r>
-                <a:rPr lang="ru-RU" sz="1100" dirty="0">
-                  <a:latin typeface="Times New Roman" panose="02020603050405020304" pitchFamily="18" charset="0"/>
-                  <a:cs typeface="Times New Roman" panose="02020603050405020304" pitchFamily="18" charset="0"/>
-                </a:rPr>
-                <a:t>Меню</a:t>
-              </a:r>
-            </a:p>
-          </p:txBody>
-        </p:sp>
-        <p:sp>
-          <p:nvSpPr>
-            <p:cNvPr id="31" name="TextBox 30"/>
-            <p:cNvSpPr txBox="1"/>
-            <p:nvPr/>
-          </p:nvSpPr>
-          <p:spPr>
-            <a:xfrm>
-              <a:off x="76831" y="1829316"/>
-              <a:ext cx="1485900" cy="261610"/>
-            </a:xfrm>
-            <a:prstGeom prst="rect">
-              <a:avLst/>
-            </a:prstGeom>
-            <a:noFill/>
-          </p:spPr>
-          <p:txBody>
-            <a:bodyPr wrap="square" rtlCol="0">
-              <a:spAutoFit/>
-            </a:bodyPr>
-            <a:lstStyle/>
-            <a:p>
-              <a:pPr algn="ctr"/>
-              <a:r>
-                <a:rPr lang="ru-RU" sz="1100" dirty="0">
-                  <a:latin typeface="Times New Roman" panose="02020603050405020304" pitchFamily="18" charset="0"/>
-                  <a:cs typeface="Times New Roman" panose="02020603050405020304" pitchFamily="18" charset="0"/>
-                </a:rPr>
-                <a:t>Слоистая структура</a:t>
-              </a:r>
-            </a:p>
-          </p:txBody>
-        </p:sp>
-        <p:sp>
-          <p:nvSpPr>
-            <p:cNvPr id="32" name="TextBox 31"/>
-            <p:cNvSpPr txBox="1"/>
-            <p:nvPr/>
-          </p:nvSpPr>
-          <p:spPr>
-            <a:xfrm>
-              <a:off x="372105" y="2522858"/>
-              <a:ext cx="1199555" cy="430887"/>
-            </a:xfrm>
-            <a:prstGeom prst="rect">
-              <a:avLst/>
-            </a:prstGeom>
-            <a:noFill/>
-          </p:spPr>
-          <p:txBody>
-            <a:bodyPr wrap="square" rtlCol="0">
-              <a:spAutoFit/>
-            </a:bodyPr>
-            <a:lstStyle/>
-            <a:p>
-              <a:pPr algn="ctr"/>
-              <a:r>
-                <a:rPr lang="ru-RU" sz="1100" dirty="0">
-                  <a:latin typeface="Times New Roman" panose="02020603050405020304" pitchFamily="18" charset="0"/>
-                  <a:cs typeface="Times New Roman" panose="02020603050405020304" pitchFamily="18" charset="0"/>
-                </a:rPr>
-                <a:t>Панель инструментов</a:t>
-              </a:r>
-            </a:p>
-          </p:txBody>
-        </p:sp>
-        <p:sp>
-          <p:nvSpPr>
-            <p:cNvPr id="33" name="TextBox 32"/>
-            <p:cNvSpPr txBox="1"/>
-            <p:nvPr/>
-          </p:nvSpPr>
-          <p:spPr>
-            <a:xfrm>
-              <a:off x="219705" y="3429327"/>
-              <a:ext cx="1269652" cy="430887"/>
-            </a:xfrm>
-            <a:prstGeom prst="rect">
-              <a:avLst/>
-            </a:prstGeom>
-            <a:noFill/>
-          </p:spPr>
-          <p:txBody>
-            <a:bodyPr wrap="square" rtlCol="0">
-              <a:spAutoFit/>
-            </a:bodyPr>
-            <a:lstStyle/>
-            <a:p>
-              <a:pPr algn="ctr"/>
-              <a:r>
-                <a:rPr lang="ru-RU" sz="1100" dirty="0">
-                  <a:latin typeface="Times New Roman" panose="02020603050405020304" pitchFamily="18" charset="0"/>
-                  <a:cs typeface="Times New Roman" panose="02020603050405020304" pitchFamily="18" charset="0"/>
-                </a:rPr>
-                <a:t>Доступ к остальным окнам</a:t>
-              </a:r>
-            </a:p>
-          </p:txBody>
-        </p:sp>
-        <p:sp>
-          <p:nvSpPr>
-            <p:cNvPr id="34" name="TextBox 33"/>
-            <p:cNvSpPr txBox="1"/>
-            <p:nvPr/>
-          </p:nvSpPr>
-          <p:spPr>
-            <a:xfrm>
-              <a:off x="24813" y="5479687"/>
-              <a:ext cx="1595067" cy="430887"/>
-            </a:xfrm>
-            <a:prstGeom prst="rect">
-              <a:avLst/>
-            </a:prstGeom>
-            <a:noFill/>
-          </p:spPr>
-          <p:txBody>
-            <a:bodyPr wrap="square" rtlCol="0">
-              <a:spAutoFit/>
-            </a:bodyPr>
-            <a:lstStyle/>
-            <a:p>
-              <a:pPr algn="ctr"/>
-              <a:r>
-                <a:rPr lang="ru-RU" sz="1100" dirty="0">
-                  <a:latin typeface="Times New Roman" panose="02020603050405020304" pitchFamily="18" charset="0"/>
-                  <a:cs typeface="Times New Roman" panose="02020603050405020304" pitchFamily="18" charset="0"/>
-                </a:rPr>
-                <a:t>Экспериментальные данные</a:t>
-              </a:r>
-            </a:p>
-          </p:txBody>
-        </p:sp>
-        <p:sp>
-          <p:nvSpPr>
-            <p:cNvPr id="35" name="Левая фигурная скобка 34"/>
-            <p:cNvSpPr/>
-            <p:nvPr/>
-          </p:nvSpPr>
-          <p:spPr>
-            <a:xfrm>
-              <a:off x="1620477" y="5031626"/>
-              <a:ext cx="276225" cy="1362074"/>
-            </a:xfrm>
-            <a:prstGeom prst="leftBrace">
-              <a:avLst>
-                <a:gd name="adj1" fmla="val 35919"/>
-                <a:gd name="adj2" fmla="val 50629"/>
-              </a:avLst>
-            </a:prstGeom>
-            <a:ln w="28575">
-              <a:solidFill>
-                <a:srgbClr val="0070C0"/>
-              </a:solidFill>
-            </a:ln>
-          </p:spPr>
-          <p:style>
-            <a:lnRef idx="1">
-              <a:schemeClr val="accent1"/>
-            </a:lnRef>
-            <a:fillRef idx="0">
-              <a:schemeClr val="accent1"/>
-            </a:fillRef>
-            <a:effectRef idx="0">
-              <a:schemeClr val="accent1"/>
-            </a:effectRef>
-            <a:fontRef idx="minor">
-              <a:schemeClr val="tx1"/>
-            </a:fontRef>
-          </p:style>
-          <p:txBody>
-            <a:bodyPr rtlCol="0" anchor="ctr"/>
-            <a:lstStyle/>
-            <a:p>
-              <a:pPr algn="ctr"/>
-              <a:endParaRPr lang="ru-RU" sz="1100">
-                <a:latin typeface="Times New Roman" panose="02020603050405020304" pitchFamily="18" charset="0"/>
-                <a:cs typeface="Times New Roman" panose="02020603050405020304" pitchFamily="18" charset="0"/>
-              </a:endParaRPr>
-            </a:p>
-          </p:txBody>
-        </p:sp>
-        <p:sp>
-          <p:nvSpPr>
-            <p:cNvPr id="36" name="Левая фигурная скобка 35"/>
-            <p:cNvSpPr/>
-            <p:nvPr/>
-          </p:nvSpPr>
-          <p:spPr>
-            <a:xfrm>
-              <a:off x="1618911" y="4279150"/>
-              <a:ext cx="276225" cy="673864"/>
-            </a:xfrm>
-            <a:prstGeom prst="leftBrace">
-              <a:avLst>
-                <a:gd name="adj1" fmla="val 35919"/>
-                <a:gd name="adj2" fmla="val 50629"/>
-              </a:avLst>
-            </a:prstGeom>
-            <a:ln w="28575">
-              <a:solidFill>
-                <a:srgbClr val="0070C0"/>
-              </a:solidFill>
-            </a:ln>
-          </p:spPr>
-          <p:style>
-            <a:lnRef idx="1">
-              <a:schemeClr val="accent1"/>
-            </a:lnRef>
-            <a:fillRef idx="0">
-              <a:schemeClr val="accent1"/>
-            </a:fillRef>
-            <a:effectRef idx="0">
-              <a:schemeClr val="accent1"/>
-            </a:effectRef>
-            <a:fontRef idx="minor">
-              <a:schemeClr val="tx1"/>
-            </a:fontRef>
-          </p:style>
-          <p:txBody>
-            <a:bodyPr rtlCol="0" anchor="ctr"/>
-            <a:lstStyle/>
-            <a:p>
-              <a:pPr algn="ctr"/>
-              <a:endParaRPr lang="ru-RU" sz="1100">
-                <a:latin typeface="Times New Roman" panose="02020603050405020304" pitchFamily="18" charset="0"/>
-                <a:cs typeface="Times New Roman" panose="02020603050405020304" pitchFamily="18" charset="0"/>
-              </a:endParaRPr>
-            </a:p>
-          </p:txBody>
-        </p:sp>
-        <p:sp>
-          <p:nvSpPr>
-            <p:cNvPr id="37" name="TextBox 36"/>
-            <p:cNvSpPr txBox="1"/>
-            <p:nvPr/>
-          </p:nvSpPr>
-          <p:spPr>
-            <a:xfrm>
-              <a:off x="76830" y="4331236"/>
-              <a:ext cx="1385586" cy="600164"/>
-            </a:xfrm>
-            <a:prstGeom prst="rect">
-              <a:avLst/>
-            </a:prstGeom>
-            <a:noFill/>
-          </p:spPr>
-          <p:txBody>
-            <a:bodyPr wrap="square" rtlCol="0">
-              <a:spAutoFit/>
-            </a:bodyPr>
-            <a:lstStyle/>
-            <a:p>
-              <a:pPr algn="ctr"/>
-              <a:r>
-                <a:rPr lang="ru-RU" sz="1100" dirty="0">
-                  <a:latin typeface="Times New Roman" panose="02020603050405020304" pitchFamily="18" charset="0"/>
-                  <a:cs typeface="Times New Roman" panose="02020603050405020304" pitchFamily="18" charset="0"/>
-                </a:rPr>
-                <a:t>Кривые без экспериментальных данных</a:t>
-              </a:r>
-            </a:p>
-          </p:txBody>
-        </p:sp>
-        <p:cxnSp>
-          <p:nvCxnSpPr>
-            <p:cNvPr id="38" name="Прямая со стрелкой 37"/>
-            <p:cNvCxnSpPr/>
-            <p:nvPr/>
-          </p:nvCxnSpPr>
-          <p:spPr>
-            <a:xfrm>
-              <a:off x="1655972" y="1253807"/>
-              <a:ext cx="269081" cy="0"/>
-            </a:xfrm>
-            <a:prstGeom prst="straightConnector1">
-              <a:avLst/>
-            </a:prstGeom>
-            <a:ln w="47625">
-              <a:tailEnd type="stealth" w="lg" len="lg"/>
-            </a:ln>
-          </p:spPr>
-          <p:style>
-            <a:lnRef idx="1">
-              <a:schemeClr val="accent1"/>
-            </a:lnRef>
-            <a:fillRef idx="0">
-              <a:schemeClr val="accent1"/>
-            </a:fillRef>
-            <a:effectRef idx="0">
-              <a:schemeClr val="accent1"/>
-            </a:effectRef>
-            <a:fontRef idx="minor">
-              <a:schemeClr val="tx1"/>
-            </a:fontRef>
-          </p:style>
-        </p:cxnSp>
-        <p:sp>
-          <p:nvSpPr>
-            <p:cNvPr id="39" name="TextBox 38"/>
-            <p:cNvSpPr txBox="1"/>
-            <p:nvPr/>
-          </p:nvSpPr>
-          <p:spPr>
-            <a:xfrm>
-              <a:off x="219705" y="1087827"/>
-              <a:ext cx="1426368" cy="430887"/>
-            </a:xfrm>
-            <a:prstGeom prst="rect">
-              <a:avLst/>
-            </a:prstGeom>
-            <a:noFill/>
-          </p:spPr>
-          <p:txBody>
-            <a:bodyPr wrap="square" rtlCol="0">
-              <a:spAutoFit/>
-            </a:bodyPr>
-            <a:lstStyle/>
-            <a:p>
-              <a:pPr algn="ctr"/>
-              <a:r>
-                <a:rPr lang="ru-RU" sz="1100" dirty="0">
-                  <a:latin typeface="Times New Roman" panose="02020603050405020304" pitchFamily="18" charset="0"/>
-                  <a:cs typeface="Times New Roman" panose="02020603050405020304" pitchFamily="18" charset="0"/>
-                </a:rPr>
-                <a:t>Вкладки со структурами</a:t>
-              </a:r>
-            </a:p>
-          </p:txBody>
-        </p:sp>
-        <p:pic>
-          <p:nvPicPr>
-            <p:cNvPr id="4" name="Picture 3">
-              <a:extLst>
-                <a:ext uri="{FF2B5EF4-FFF2-40B4-BE49-F238E27FC236}">
-                  <a16:creationId xmlns:a16="http://schemas.microsoft.com/office/drawing/2014/main" id="{8E344795-A679-D9AB-49CC-BEB98FE7C03A}"/>
-                </a:ext>
-              </a:extLst>
-            </p:cNvPr>
-            <p:cNvPicPr>
-              <a:picLocks noChangeAspect="1"/>
-            </p:cNvPicPr>
-            <p:nvPr/>
-          </p:nvPicPr>
-          <p:blipFill>
-            <a:blip r:embed="rId2"/>
-            <a:stretch>
-              <a:fillRect/>
-            </a:stretch>
-          </p:blipFill>
-          <p:spPr>
-            <a:xfrm>
-              <a:off x="2034686" y="575164"/>
-              <a:ext cx="2876550" cy="5848350"/>
-            </a:xfrm>
-            <a:prstGeom prst="rect">
-              <a:avLst/>
-            </a:prstGeom>
-          </p:spPr>
-        </p:pic>
-      </p:grpSp>
-      <p:grpSp>
-        <p:nvGrpSpPr>
-          <p:cNvPr id="6" name="Group 5">
-            <a:extLst>
-              <a:ext uri="{FF2B5EF4-FFF2-40B4-BE49-F238E27FC236}">
-                <a16:creationId xmlns:a16="http://schemas.microsoft.com/office/drawing/2014/main" id="{B40771BB-91BD-A6EC-7C06-DD223AC8F08C}"/>
-              </a:ext>
-            </a:extLst>
-          </p:cNvPr>
-          <p:cNvGrpSpPr/>
-          <p:nvPr/>
-        </p:nvGrpSpPr>
-        <p:grpSpPr>
-          <a:xfrm>
-            <a:off x="5533577" y="578095"/>
-            <a:ext cx="4664767" cy="5848350"/>
-            <a:chOff x="5533577" y="578095"/>
-            <a:chExt cx="4664767" cy="5848350"/>
-          </a:xfrm>
-        </p:grpSpPr>
-        <p:sp>
-          <p:nvSpPr>
-            <p:cNvPr id="9" name="Левая фигурная скобка 8"/>
-            <p:cNvSpPr/>
-            <p:nvPr/>
-          </p:nvSpPr>
-          <p:spPr>
-            <a:xfrm>
-              <a:off x="6916638" y="1422690"/>
-              <a:ext cx="276225" cy="1122910"/>
-            </a:xfrm>
-            <a:prstGeom prst="leftBrace">
-              <a:avLst>
-                <a:gd name="adj1" fmla="val 35919"/>
-                <a:gd name="adj2" fmla="val 50629"/>
-              </a:avLst>
-            </a:prstGeom>
-            <a:ln w="28575">
-              <a:solidFill>
-                <a:srgbClr val="0070C0"/>
-              </a:solidFill>
-            </a:ln>
-          </p:spPr>
-          <p:style>
-            <a:lnRef idx="1">
-              <a:schemeClr val="accent1"/>
-            </a:lnRef>
-            <a:fillRef idx="0">
-              <a:schemeClr val="accent1"/>
-            </a:fillRef>
-            <a:effectRef idx="0">
-              <a:schemeClr val="accent1"/>
-            </a:effectRef>
-            <a:fontRef idx="minor">
-              <a:schemeClr val="tx1"/>
-            </a:fontRef>
-          </p:style>
-          <p:txBody>
-            <a:bodyPr rtlCol="0" anchor="ctr"/>
-            <a:lstStyle/>
-            <a:p>
-              <a:pPr algn="ctr"/>
-              <a:endParaRPr lang="ru-RU" sz="1100">
-                <a:latin typeface="Times New Roman" panose="02020603050405020304" pitchFamily="18" charset="0"/>
-                <a:cs typeface="Times New Roman" panose="02020603050405020304" pitchFamily="18" charset="0"/>
-              </a:endParaRPr>
-            </a:p>
-          </p:txBody>
-        </p:sp>
-        <p:sp>
-          <p:nvSpPr>
-            <p:cNvPr id="10" name="Левая фигурная скобка 9"/>
-            <p:cNvSpPr/>
-            <p:nvPr/>
-          </p:nvSpPr>
-          <p:spPr>
-            <a:xfrm>
-              <a:off x="6916638" y="2907550"/>
-              <a:ext cx="276225" cy="1305163"/>
-            </a:xfrm>
-            <a:prstGeom prst="leftBrace">
-              <a:avLst>
-                <a:gd name="adj1" fmla="val 35919"/>
-                <a:gd name="adj2" fmla="val 50629"/>
-              </a:avLst>
-            </a:prstGeom>
-            <a:ln w="28575">
-              <a:solidFill>
-                <a:srgbClr val="0070C0"/>
-              </a:solidFill>
-            </a:ln>
-          </p:spPr>
-          <p:style>
-            <a:lnRef idx="1">
-              <a:schemeClr val="accent1"/>
-            </a:lnRef>
-            <a:fillRef idx="0">
-              <a:schemeClr val="accent1"/>
-            </a:fillRef>
-            <a:effectRef idx="0">
-              <a:schemeClr val="accent1"/>
-            </a:effectRef>
-            <a:fontRef idx="minor">
-              <a:schemeClr val="tx1"/>
-            </a:fontRef>
-          </p:style>
-          <p:txBody>
-            <a:bodyPr rtlCol="0" anchor="ctr"/>
-            <a:lstStyle/>
-            <a:p>
-              <a:pPr algn="ctr"/>
-              <a:endParaRPr lang="ru-RU" sz="1100">
-                <a:latin typeface="Times New Roman" panose="02020603050405020304" pitchFamily="18" charset="0"/>
-                <a:cs typeface="Times New Roman" panose="02020603050405020304" pitchFamily="18" charset="0"/>
-              </a:endParaRPr>
-            </a:p>
-          </p:txBody>
-        </p:sp>
-        <p:cxnSp>
-          <p:nvCxnSpPr>
-            <p:cNvPr id="11" name="Прямая со стрелкой 10"/>
-            <p:cNvCxnSpPr/>
-            <p:nvPr/>
-          </p:nvCxnSpPr>
-          <p:spPr>
-            <a:xfrm>
-              <a:off x="6942832" y="993025"/>
-              <a:ext cx="269081" cy="0"/>
-            </a:xfrm>
-            <a:prstGeom prst="straightConnector1">
-              <a:avLst/>
-            </a:prstGeom>
-            <a:ln w="47625">
-              <a:tailEnd type="stealth" w="lg" len="lg"/>
-            </a:ln>
-          </p:spPr>
-          <p:style>
-            <a:lnRef idx="1">
-              <a:schemeClr val="accent1"/>
-            </a:lnRef>
-            <a:fillRef idx="0">
-              <a:schemeClr val="accent1"/>
-            </a:fillRef>
-            <a:effectRef idx="0">
-              <a:schemeClr val="accent1"/>
-            </a:effectRef>
-            <a:fontRef idx="minor">
-              <a:schemeClr val="tx1"/>
-            </a:fontRef>
-          </p:style>
-        </p:cxnSp>
-        <p:cxnSp>
-          <p:nvCxnSpPr>
-            <p:cNvPr id="12" name="Прямая со стрелкой 11"/>
-            <p:cNvCxnSpPr/>
-            <p:nvPr/>
-          </p:nvCxnSpPr>
-          <p:spPr>
-            <a:xfrm>
-              <a:off x="6966644" y="2717050"/>
-              <a:ext cx="269081" cy="0"/>
-            </a:xfrm>
-            <a:prstGeom prst="straightConnector1">
-              <a:avLst/>
-            </a:prstGeom>
-            <a:ln w="47625">
-              <a:tailEnd type="stealth" w="lg" len="lg"/>
-            </a:ln>
-          </p:spPr>
-          <p:style>
-            <a:lnRef idx="1">
-              <a:schemeClr val="accent1"/>
-            </a:lnRef>
-            <a:fillRef idx="0">
-              <a:schemeClr val="accent1"/>
-            </a:fillRef>
-            <a:effectRef idx="0">
-              <a:schemeClr val="accent1"/>
-            </a:effectRef>
-            <a:fontRef idx="minor">
-              <a:schemeClr val="tx1"/>
-            </a:fontRef>
-          </p:style>
-        </p:cxnSp>
-        <p:sp>
-          <p:nvSpPr>
-            <p:cNvPr id="14" name="TextBox 13"/>
-            <p:cNvSpPr txBox="1"/>
-            <p:nvPr/>
-          </p:nvSpPr>
-          <p:spPr>
-            <a:xfrm>
-              <a:off x="6062960" y="804668"/>
-              <a:ext cx="796528" cy="261610"/>
-            </a:xfrm>
-            <a:prstGeom prst="rect">
-              <a:avLst/>
-            </a:prstGeom>
-            <a:noFill/>
-          </p:spPr>
-          <p:txBody>
-            <a:bodyPr wrap="square" rtlCol="0">
-              <a:spAutoFit/>
-            </a:bodyPr>
-            <a:lstStyle/>
-            <a:p>
-              <a:pPr algn="ctr"/>
-              <a:r>
-                <a:rPr lang="en-US" sz="1100" dirty="0">
-                  <a:latin typeface="Times New Roman" panose="02020603050405020304" pitchFamily="18" charset="0"/>
-                  <a:cs typeface="Times New Roman" panose="02020603050405020304" pitchFamily="18" charset="0"/>
-                </a:rPr>
-                <a:t>Menu</a:t>
-              </a:r>
-              <a:endParaRPr lang="ru-RU" sz="1100" dirty="0">
-                <a:latin typeface="Times New Roman" panose="02020603050405020304" pitchFamily="18" charset="0"/>
-                <a:cs typeface="Times New Roman" panose="02020603050405020304" pitchFamily="18" charset="0"/>
-              </a:endParaRPr>
-            </a:p>
-          </p:txBody>
-        </p:sp>
-        <p:sp>
-          <p:nvSpPr>
-            <p:cNvPr id="15" name="TextBox 14"/>
-            <p:cNvSpPr txBox="1"/>
-            <p:nvPr/>
-          </p:nvSpPr>
-          <p:spPr>
-            <a:xfrm>
-              <a:off x="5649813" y="1829315"/>
-              <a:ext cx="1209675" cy="261610"/>
-            </a:xfrm>
-            <a:prstGeom prst="rect">
-              <a:avLst/>
-            </a:prstGeom>
-            <a:noFill/>
-          </p:spPr>
-          <p:txBody>
-            <a:bodyPr wrap="square" rtlCol="0">
-              <a:spAutoFit/>
-            </a:bodyPr>
-            <a:lstStyle/>
-            <a:p>
-              <a:pPr algn="ctr"/>
-              <a:r>
-                <a:rPr lang="en-US" sz="1100" dirty="0">
-                  <a:latin typeface="Times New Roman" panose="02020603050405020304" pitchFamily="18" charset="0"/>
-                  <a:cs typeface="Times New Roman" panose="02020603050405020304" pitchFamily="18" charset="0"/>
-                </a:rPr>
-                <a:t>Layered structure</a:t>
-              </a:r>
-              <a:endParaRPr lang="ru-RU" sz="1100" dirty="0">
-                <a:latin typeface="Times New Roman" panose="02020603050405020304" pitchFamily="18" charset="0"/>
-                <a:cs typeface="Times New Roman" panose="02020603050405020304" pitchFamily="18" charset="0"/>
-              </a:endParaRPr>
-            </a:p>
-          </p:txBody>
-        </p:sp>
-        <p:sp>
-          <p:nvSpPr>
-            <p:cNvPr id="16" name="TextBox 15"/>
-            <p:cNvSpPr txBox="1"/>
-            <p:nvPr/>
-          </p:nvSpPr>
-          <p:spPr>
-            <a:xfrm>
-              <a:off x="5757565" y="2580007"/>
-              <a:ext cx="1110853" cy="261610"/>
-            </a:xfrm>
-            <a:prstGeom prst="rect">
-              <a:avLst/>
-            </a:prstGeom>
-            <a:noFill/>
-          </p:spPr>
-          <p:txBody>
-            <a:bodyPr wrap="square" rtlCol="0">
-              <a:spAutoFit/>
-            </a:bodyPr>
-            <a:lstStyle/>
-            <a:p>
-              <a:pPr algn="ctr"/>
-              <a:r>
-                <a:rPr lang="en-US" sz="1100" dirty="0">
-                  <a:latin typeface="Times New Roman" panose="02020603050405020304" pitchFamily="18" charset="0"/>
-                  <a:cs typeface="Times New Roman" panose="02020603050405020304" pitchFamily="18" charset="0"/>
-                </a:rPr>
-                <a:t>Toolbar</a:t>
-              </a:r>
-              <a:endParaRPr lang="ru-RU" sz="1100" dirty="0">
-                <a:latin typeface="Times New Roman" panose="02020603050405020304" pitchFamily="18" charset="0"/>
-                <a:cs typeface="Times New Roman" panose="02020603050405020304" pitchFamily="18" charset="0"/>
-              </a:endParaRPr>
-            </a:p>
-          </p:txBody>
-        </p:sp>
-        <p:sp>
-          <p:nvSpPr>
-            <p:cNvPr id="17" name="TextBox 16"/>
-            <p:cNvSpPr txBox="1"/>
-            <p:nvPr/>
-          </p:nvSpPr>
-          <p:spPr>
-            <a:xfrm>
-              <a:off x="5649813" y="3396060"/>
-              <a:ext cx="1136302" cy="430887"/>
-            </a:xfrm>
-            <a:prstGeom prst="rect">
-              <a:avLst/>
-            </a:prstGeom>
-            <a:noFill/>
-          </p:spPr>
-          <p:txBody>
-            <a:bodyPr wrap="square" rtlCol="0">
-              <a:spAutoFit/>
-            </a:bodyPr>
-            <a:lstStyle/>
-            <a:p>
-              <a:pPr algn="ctr"/>
-              <a:r>
-                <a:rPr lang="en-US" sz="1100" dirty="0">
-                  <a:latin typeface="Times New Roman" panose="02020603050405020304" pitchFamily="18" charset="0"/>
-                  <a:cs typeface="Times New Roman" panose="02020603050405020304" pitchFamily="18" charset="0"/>
-                </a:rPr>
-                <a:t>Access to other windows</a:t>
-              </a:r>
-              <a:endParaRPr lang="ru-RU" sz="1100" dirty="0">
-                <a:latin typeface="Times New Roman" panose="02020603050405020304" pitchFamily="18" charset="0"/>
-                <a:cs typeface="Times New Roman" panose="02020603050405020304" pitchFamily="18" charset="0"/>
-              </a:endParaRPr>
-            </a:p>
-          </p:txBody>
-        </p:sp>
-        <p:sp>
-          <p:nvSpPr>
-            <p:cNvPr id="18" name="TextBox 17"/>
-            <p:cNvSpPr txBox="1"/>
-            <p:nvPr/>
-          </p:nvSpPr>
-          <p:spPr>
-            <a:xfrm>
-              <a:off x="5585704" y="5471011"/>
-              <a:ext cx="1318841" cy="430887"/>
-            </a:xfrm>
-            <a:prstGeom prst="rect">
-              <a:avLst/>
-            </a:prstGeom>
-            <a:noFill/>
-          </p:spPr>
-          <p:txBody>
-            <a:bodyPr wrap="square" rtlCol="0">
-              <a:spAutoFit/>
-            </a:bodyPr>
-            <a:lstStyle/>
-            <a:p>
-              <a:pPr algn="ctr"/>
-              <a:r>
-                <a:rPr lang="en-US" sz="1100" dirty="0">
-                  <a:latin typeface="Times New Roman" panose="02020603050405020304" pitchFamily="18" charset="0"/>
-                  <a:cs typeface="Times New Roman" panose="02020603050405020304" pitchFamily="18" charset="0"/>
-                </a:rPr>
-                <a:t>Measured and target curves</a:t>
-              </a:r>
-              <a:endParaRPr lang="ru-RU" sz="1100" dirty="0">
-                <a:latin typeface="Times New Roman" panose="02020603050405020304" pitchFamily="18" charset="0"/>
-                <a:cs typeface="Times New Roman" panose="02020603050405020304" pitchFamily="18" charset="0"/>
-              </a:endParaRPr>
-            </a:p>
-          </p:txBody>
-        </p:sp>
-        <p:sp>
-          <p:nvSpPr>
-            <p:cNvPr id="19" name="Левая фигурная скобка 18"/>
-            <p:cNvSpPr/>
-            <p:nvPr/>
-          </p:nvSpPr>
-          <p:spPr>
-            <a:xfrm>
-              <a:off x="6917235" y="5031625"/>
-              <a:ext cx="276225" cy="1362074"/>
-            </a:xfrm>
-            <a:prstGeom prst="leftBrace">
-              <a:avLst>
-                <a:gd name="adj1" fmla="val 35919"/>
-                <a:gd name="adj2" fmla="val 50629"/>
-              </a:avLst>
-            </a:prstGeom>
-            <a:ln w="28575">
-              <a:solidFill>
-                <a:srgbClr val="0070C0"/>
-              </a:solidFill>
-            </a:ln>
-          </p:spPr>
-          <p:style>
-            <a:lnRef idx="1">
-              <a:schemeClr val="accent1"/>
-            </a:lnRef>
-            <a:fillRef idx="0">
-              <a:schemeClr val="accent1"/>
-            </a:fillRef>
-            <a:effectRef idx="0">
-              <a:schemeClr val="accent1"/>
-            </a:effectRef>
-            <a:fontRef idx="minor">
-              <a:schemeClr val="tx1"/>
-            </a:fontRef>
-          </p:style>
-          <p:txBody>
-            <a:bodyPr rtlCol="0" anchor="ctr"/>
-            <a:lstStyle/>
-            <a:p>
-              <a:pPr algn="ctr"/>
-              <a:endParaRPr lang="ru-RU" sz="1100">
-                <a:latin typeface="Times New Roman" panose="02020603050405020304" pitchFamily="18" charset="0"/>
-                <a:cs typeface="Times New Roman" panose="02020603050405020304" pitchFamily="18" charset="0"/>
-              </a:endParaRPr>
-            </a:p>
-          </p:txBody>
-        </p:sp>
-        <p:sp>
-          <p:nvSpPr>
-            <p:cNvPr id="20" name="Левая фигурная скобка 19"/>
-            <p:cNvSpPr/>
-            <p:nvPr/>
-          </p:nvSpPr>
-          <p:spPr>
-            <a:xfrm>
-              <a:off x="6915669" y="4279149"/>
-              <a:ext cx="276225" cy="673864"/>
-            </a:xfrm>
-            <a:prstGeom prst="leftBrace">
-              <a:avLst>
-                <a:gd name="adj1" fmla="val 35919"/>
-                <a:gd name="adj2" fmla="val 50629"/>
-              </a:avLst>
-            </a:prstGeom>
-            <a:ln w="28575">
-              <a:solidFill>
-                <a:srgbClr val="0070C0"/>
-              </a:solidFill>
-            </a:ln>
-          </p:spPr>
-          <p:style>
-            <a:lnRef idx="1">
-              <a:schemeClr val="accent1"/>
-            </a:lnRef>
-            <a:fillRef idx="0">
-              <a:schemeClr val="accent1"/>
-            </a:fillRef>
-            <a:effectRef idx="0">
-              <a:schemeClr val="accent1"/>
-            </a:effectRef>
-            <a:fontRef idx="minor">
-              <a:schemeClr val="tx1"/>
-            </a:fontRef>
-          </p:style>
-          <p:txBody>
-            <a:bodyPr rtlCol="0" anchor="ctr"/>
-            <a:lstStyle/>
-            <a:p>
-              <a:pPr algn="ctr"/>
-              <a:endParaRPr lang="ru-RU" sz="1100">
-                <a:latin typeface="Times New Roman" panose="02020603050405020304" pitchFamily="18" charset="0"/>
-                <a:cs typeface="Times New Roman" panose="02020603050405020304" pitchFamily="18" charset="0"/>
-              </a:endParaRPr>
-            </a:p>
-          </p:txBody>
-        </p:sp>
-        <p:sp>
-          <p:nvSpPr>
-            <p:cNvPr id="21" name="TextBox 20"/>
-            <p:cNvSpPr txBox="1"/>
-            <p:nvPr/>
-          </p:nvSpPr>
-          <p:spPr>
-            <a:xfrm>
-              <a:off x="5533577" y="4400637"/>
-              <a:ext cx="1368773" cy="430887"/>
-            </a:xfrm>
-            <a:prstGeom prst="rect">
-              <a:avLst/>
-            </a:prstGeom>
-            <a:noFill/>
-          </p:spPr>
-          <p:txBody>
-            <a:bodyPr wrap="square" rtlCol="0">
-              <a:spAutoFit/>
-            </a:bodyPr>
-            <a:lstStyle/>
-            <a:p>
-              <a:pPr algn="ctr"/>
-              <a:r>
-                <a:rPr lang="en-US" sz="1100" dirty="0">
-                  <a:latin typeface="Times New Roman" panose="02020603050405020304" pitchFamily="18" charset="0"/>
-                  <a:cs typeface="Times New Roman" panose="02020603050405020304" pitchFamily="18" charset="0"/>
-                </a:rPr>
-                <a:t>Curves without measured data</a:t>
-              </a:r>
-              <a:endParaRPr lang="ru-RU" sz="1100" dirty="0">
-                <a:latin typeface="Times New Roman" panose="02020603050405020304" pitchFamily="18" charset="0"/>
-                <a:cs typeface="Times New Roman" panose="02020603050405020304" pitchFamily="18" charset="0"/>
-              </a:endParaRPr>
-            </a:p>
-          </p:txBody>
-        </p:sp>
-        <p:cxnSp>
-          <p:nvCxnSpPr>
-            <p:cNvPr id="22" name="Прямая со стрелкой 21"/>
-            <p:cNvCxnSpPr/>
-            <p:nvPr/>
-          </p:nvCxnSpPr>
-          <p:spPr>
-            <a:xfrm>
-              <a:off x="6952730" y="1253806"/>
-              <a:ext cx="269081" cy="0"/>
-            </a:xfrm>
-            <a:prstGeom prst="straightConnector1">
-              <a:avLst/>
-            </a:prstGeom>
-            <a:ln w="47625">
-              <a:tailEnd type="stealth" w="lg" len="lg"/>
-            </a:ln>
-          </p:spPr>
-          <p:style>
-            <a:lnRef idx="1">
-              <a:schemeClr val="accent1"/>
-            </a:lnRef>
-            <a:fillRef idx="0">
-              <a:schemeClr val="accent1"/>
-            </a:fillRef>
-            <a:effectRef idx="0">
-              <a:schemeClr val="accent1"/>
-            </a:effectRef>
-            <a:fontRef idx="minor">
-              <a:schemeClr val="tx1"/>
-            </a:fontRef>
-          </p:style>
-        </p:cxnSp>
-        <p:sp>
-          <p:nvSpPr>
-            <p:cNvPr id="23" name="TextBox 22"/>
-            <p:cNvSpPr txBox="1"/>
-            <p:nvPr/>
-          </p:nvSpPr>
-          <p:spPr>
-            <a:xfrm>
-              <a:off x="5560645" y="1135452"/>
-              <a:ext cx="1388009" cy="261610"/>
-            </a:xfrm>
-            <a:prstGeom prst="rect">
-              <a:avLst/>
-            </a:prstGeom>
-            <a:noFill/>
-          </p:spPr>
-          <p:txBody>
-            <a:bodyPr wrap="square" rtlCol="0">
-              <a:spAutoFit/>
-            </a:bodyPr>
-            <a:lstStyle/>
-            <a:p>
-              <a:pPr algn="ctr"/>
-              <a:r>
-                <a:rPr lang="en-US" sz="1100" dirty="0">
-                  <a:latin typeface="Times New Roman" panose="02020603050405020304" pitchFamily="18" charset="0"/>
-                  <a:cs typeface="Times New Roman" panose="02020603050405020304" pitchFamily="18" charset="0"/>
-                </a:rPr>
-                <a:t>Tabs with structures</a:t>
-              </a:r>
-              <a:endParaRPr lang="ru-RU" sz="1100" dirty="0">
-                <a:latin typeface="Times New Roman" panose="02020603050405020304" pitchFamily="18" charset="0"/>
-                <a:cs typeface="Times New Roman" panose="02020603050405020304" pitchFamily="18" charset="0"/>
-              </a:endParaRPr>
-            </a:p>
-          </p:txBody>
-        </p:sp>
-        <p:pic>
-          <p:nvPicPr>
-            <p:cNvPr id="5" name="Picture 4">
-              <a:extLst>
-                <a:ext uri="{FF2B5EF4-FFF2-40B4-BE49-F238E27FC236}">
-                  <a16:creationId xmlns:a16="http://schemas.microsoft.com/office/drawing/2014/main" id="{145E3F67-D1C4-C4FE-1E9F-62BC7A80C490}"/>
-                </a:ext>
-              </a:extLst>
-            </p:cNvPr>
-            <p:cNvPicPr>
-              <a:picLocks noChangeAspect="1"/>
-            </p:cNvPicPr>
-            <p:nvPr/>
-          </p:nvPicPr>
-          <p:blipFill>
-            <a:blip r:embed="rId2"/>
-            <a:stretch>
-              <a:fillRect/>
-            </a:stretch>
-          </p:blipFill>
-          <p:spPr>
-            <a:xfrm>
-              <a:off x="7321794" y="578095"/>
-              <a:ext cx="2876550" cy="5848350"/>
-            </a:xfrm>
-            <a:prstGeom prst="rect">
-              <a:avLst/>
-            </a:prstGeom>
-          </p:spPr>
-        </p:pic>
-      </p:grpSp>
-    </p:spTree>
-    <p:extLst>
-      <p:ext uri="{BB962C8B-B14F-4D97-AF65-F5344CB8AC3E}">
-        <p14:creationId xmlns:p14="http://schemas.microsoft.com/office/powerpoint/2010/main" val="2879871523"/>
-      </p:ext>
-    </p:extLst>
-  </p:cSld>
-  <p:clrMapOvr>
-    <a:masterClrMapping/>
-  </p:clrMapOvr>
-</p:sld>
-</file>
-
-<file path=ppt/slides/slide20.xml><?xml version="1.0" encoding="utf-8"?>
+<file path=ppt/slides/slide19.xml><?xml version="1.0" encoding="utf-8"?>
 <p:sld xmlns:a="http://schemas.openxmlformats.org/drawingml/2006/main" xmlns:r="http://schemas.openxmlformats.org/officeDocument/2006/relationships" xmlns:p="http://schemas.openxmlformats.org/presentationml/2006/main">
   <p:cSld>
     <p:spTree>
@@ -10390,7 +9884,697 @@
 </p:sld>
 </file>
 
-<file path=ppt/slides/slide21.xml><?xml version="1.0" encoding="utf-8"?>
+<file path=ppt/slides/slide2.xml><?xml version="1.0" encoding="utf-8"?>
+<p:sld xmlns:a="http://schemas.openxmlformats.org/drawingml/2006/main" xmlns:r="http://schemas.openxmlformats.org/officeDocument/2006/relationships" xmlns:p="http://schemas.openxmlformats.org/presentationml/2006/main">
+  <p:cSld>
+    <p:spTree>
+      <p:nvGrpSpPr>
+        <p:cNvPr id="1" name=""/>
+        <p:cNvGrpSpPr/>
+        <p:nvPr/>
+      </p:nvGrpSpPr>
+      <p:grpSpPr>
+        <a:xfrm>
+          <a:off x="0" y="0"/>
+          <a:ext cx="0" cy="0"/>
+          <a:chOff x="0" y="0"/>
+          <a:chExt cx="0" cy="0"/>
+        </a:xfrm>
+      </p:grpSpPr>
+      <p:grpSp>
+        <p:nvGrpSpPr>
+          <p:cNvPr id="54" name="Group 53">
+            <a:extLst>
+              <a:ext uri="{FF2B5EF4-FFF2-40B4-BE49-F238E27FC236}">
+                <a16:creationId xmlns:a16="http://schemas.microsoft.com/office/drawing/2014/main" id="{5BF7E28E-C601-E8CC-B138-F60236C980DC}"/>
+              </a:ext>
+            </a:extLst>
+          </p:cNvPr>
+          <p:cNvGrpSpPr/>
+          <p:nvPr/>
+        </p:nvGrpSpPr>
+        <p:grpSpPr>
+          <a:xfrm>
+            <a:off x="666750" y="355132"/>
+            <a:ext cx="6838950" cy="5861518"/>
+            <a:chOff x="2076450" y="136057"/>
+            <a:chExt cx="6838950" cy="5861518"/>
+          </a:xfrm>
+        </p:grpSpPr>
+        <p:sp>
+          <p:nvSpPr>
+            <p:cNvPr id="52" name="TextBox 51">
+              <a:extLst>
+                <a:ext uri="{FF2B5EF4-FFF2-40B4-BE49-F238E27FC236}">
+                  <a16:creationId xmlns:a16="http://schemas.microsoft.com/office/drawing/2014/main" id="{1DA3756F-BF91-770E-6400-9B56418B5B6E}"/>
+                </a:ext>
+              </a:extLst>
+            </p:cNvPr>
+            <p:cNvSpPr txBox="1"/>
+            <p:nvPr/>
+          </p:nvSpPr>
+          <p:spPr>
+            <a:xfrm>
+              <a:off x="2309442" y="2078427"/>
+              <a:ext cx="1426368" cy="430887"/>
+            </a:xfrm>
+            <a:prstGeom prst="rect">
+              <a:avLst/>
+            </a:prstGeom>
+            <a:noFill/>
+          </p:spPr>
+          <p:txBody>
+            <a:bodyPr wrap="square" rtlCol="0">
+              <a:spAutoFit/>
+            </a:bodyPr>
+            <a:lstStyle/>
+            <a:p>
+              <a:pPr algn="ctr"/>
+              <a:r>
+                <a:rPr lang="ru-RU" sz="1100" dirty="0">
+                  <a:latin typeface="Times New Roman" panose="02020603050405020304" pitchFamily="18" charset="0"/>
+                  <a:cs typeface="Times New Roman" panose="02020603050405020304" pitchFamily="18" charset="0"/>
+                </a:rPr>
+                <a:t>Вкладки со структурами</a:t>
+              </a:r>
+            </a:p>
+          </p:txBody>
+        </p:sp>
+        <p:pic>
+          <p:nvPicPr>
+            <p:cNvPr id="13" name="Picture 12">
+              <a:extLst>
+                <a:ext uri="{FF2B5EF4-FFF2-40B4-BE49-F238E27FC236}">
+                  <a16:creationId xmlns:a16="http://schemas.microsoft.com/office/drawing/2014/main" id="{7293C1A7-831F-3391-D34D-3D5D925583BF}"/>
+                </a:ext>
+              </a:extLst>
+            </p:cNvPr>
+            <p:cNvPicPr>
+              <a:picLocks noChangeAspect="1"/>
+            </p:cNvPicPr>
+            <p:nvPr/>
+          </p:nvPicPr>
+          <p:blipFill rotWithShape="1">
+            <a:blip r:embed="rId2"/>
+            <a:srcRect t="3007" r="3954" b="10074"/>
+            <a:stretch/>
+          </p:blipFill>
+          <p:spPr>
+            <a:xfrm>
+              <a:off x="3362325" y="136057"/>
+              <a:ext cx="5553075" cy="5861518"/>
+            </a:xfrm>
+            <a:prstGeom prst="rect">
+              <a:avLst/>
+            </a:prstGeom>
+          </p:spPr>
+        </p:pic>
+        <p:sp>
+          <p:nvSpPr>
+            <p:cNvPr id="25" name="Левая фигурная скобка 25">
+              <a:extLst>
+                <a:ext uri="{FF2B5EF4-FFF2-40B4-BE49-F238E27FC236}">
+                  <a16:creationId xmlns:a16="http://schemas.microsoft.com/office/drawing/2014/main" id="{B6614261-C60C-D958-8B3D-06F2DAFC5E84}"/>
+                </a:ext>
+              </a:extLst>
+            </p:cNvPr>
+            <p:cNvSpPr/>
+            <p:nvPr/>
+          </p:nvSpPr>
+          <p:spPr>
+            <a:xfrm>
+              <a:off x="3509592" y="2381250"/>
+              <a:ext cx="276225" cy="612026"/>
+            </a:xfrm>
+            <a:prstGeom prst="leftBrace">
+              <a:avLst>
+                <a:gd name="adj1" fmla="val 35919"/>
+                <a:gd name="adj2" fmla="val 50629"/>
+              </a:avLst>
+            </a:prstGeom>
+            <a:ln w="28575">
+              <a:solidFill>
+                <a:srgbClr val="0070C0"/>
+              </a:solidFill>
+            </a:ln>
+          </p:spPr>
+          <p:style>
+            <a:lnRef idx="1">
+              <a:schemeClr val="accent1"/>
+            </a:lnRef>
+            <a:fillRef idx="0">
+              <a:schemeClr val="accent1"/>
+            </a:fillRef>
+            <a:effectRef idx="0">
+              <a:schemeClr val="accent1"/>
+            </a:effectRef>
+            <a:fontRef idx="minor">
+              <a:schemeClr val="tx1"/>
+            </a:fontRef>
+          </p:style>
+          <p:txBody>
+            <a:bodyPr rtlCol="0" anchor="ctr"/>
+            <a:lstStyle/>
+            <a:p>
+              <a:pPr algn="ctr"/>
+              <a:endParaRPr lang="ru-RU" sz="1100">
+                <a:latin typeface="Times New Roman" panose="02020603050405020304" pitchFamily="18" charset="0"/>
+                <a:cs typeface="Times New Roman" panose="02020603050405020304" pitchFamily="18" charset="0"/>
+              </a:endParaRPr>
+            </a:p>
+          </p:txBody>
+        </p:sp>
+        <p:sp>
+          <p:nvSpPr>
+            <p:cNvPr id="40" name="Левая фигурная скобка 26">
+              <a:extLst>
+                <a:ext uri="{FF2B5EF4-FFF2-40B4-BE49-F238E27FC236}">
+                  <a16:creationId xmlns:a16="http://schemas.microsoft.com/office/drawing/2014/main" id="{76E6CBEF-42AC-A8B9-72D9-FDDEA1B7FFA3}"/>
+                </a:ext>
+              </a:extLst>
+            </p:cNvPr>
+            <p:cNvSpPr/>
+            <p:nvPr/>
+          </p:nvSpPr>
+          <p:spPr>
+            <a:xfrm>
+              <a:off x="3528642" y="3383802"/>
+              <a:ext cx="276225" cy="1254874"/>
+            </a:xfrm>
+            <a:prstGeom prst="leftBrace">
+              <a:avLst>
+                <a:gd name="adj1" fmla="val 35919"/>
+                <a:gd name="adj2" fmla="val 50629"/>
+              </a:avLst>
+            </a:prstGeom>
+            <a:ln w="28575">
+              <a:solidFill>
+                <a:srgbClr val="0070C0"/>
+              </a:solidFill>
+            </a:ln>
+          </p:spPr>
+          <p:style>
+            <a:lnRef idx="1">
+              <a:schemeClr val="accent1"/>
+            </a:lnRef>
+            <a:fillRef idx="0">
+              <a:schemeClr val="accent1"/>
+            </a:fillRef>
+            <a:effectRef idx="0">
+              <a:schemeClr val="accent1"/>
+            </a:effectRef>
+            <a:fontRef idx="minor">
+              <a:schemeClr val="tx1"/>
+            </a:fontRef>
+          </p:style>
+          <p:txBody>
+            <a:bodyPr rtlCol="0" anchor="ctr"/>
+            <a:lstStyle/>
+            <a:p>
+              <a:pPr algn="ctr"/>
+              <a:endParaRPr lang="ru-RU" sz="1100">
+                <a:latin typeface="Times New Roman" panose="02020603050405020304" pitchFamily="18" charset="0"/>
+                <a:cs typeface="Times New Roman" panose="02020603050405020304" pitchFamily="18" charset="0"/>
+              </a:endParaRPr>
+            </a:p>
+          </p:txBody>
+        </p:sp>
+        <p:cxnSp>
+          <p:nvCxnSpPr>
+            <p:cNvPr id="41" name="Прямая со стрелкой 27">
+              <a:extLst>
+                <a:ext uri="{FF2B5EF4-FFF2-40B4-BE49-F238E27FC236}">
+                  <a16:creationId xmlns:a16="http://schemas.microsoft.com/office/drawing/2014/main" id="{1C1E382F-E46E-B896-1705-4B11E87D258E}"/>
+                </a:ext>
+              </a:extLst>
+            </p:cNvPr>
+            <p:cNvCxnSpPr/>
+            <p:nvPr/>
+          </p:nvCxnSpPr>
+          <p:spPr>
+            <a:xfrm>
+              <a:off x="3535786" y="1936001"/>
+              <a:ext cx="269081" cy="0"/>
+            </a:xfrm>
+            <a:prstGeom prst="straightConnector1">
+              <a:avLst/>
+            </a:prstGeom>
+            <a:ln w="47625">
+              <a:tailEnd type="stealth" w="lg" len="lg"/>
+            </a:ln>
+          </p:spPr>
+          <p:style>
+            <a:lnRef idx="1">
+              <a:schemeClr val="accent1"/>
+            </a:lnRef>
+            <a:fillRef idx="0">
+              <a:schemeClr val="accent1"/>
+            </a:fillRef>
+            <a:effectRef idx="0">
+              <a:schemeClr val="accent1"/>
+            </a:effectRef>
+            <a:fontRef idx="minor">
+              <a:schemeClr val="tx1"/>
+            </a:fontRef>
+          </p:style>
+        </p:cxnSp>
+        <p:cxnSp>
+          <p:nvCxnSpPr>
+            <p:cNvPr id="42" name="Прямая со стрелкой 28">
+              <a:extLst>
+                <a:ext uri="{FF2B5EF4-FFF2-40B4-BE49-F238E27FC236}">
+                  <a16:creationId xmlns:a16="http://schemas.microsoft.com/office/drawing/2014/main" id="{1F3A4FFA-A1F2-2BC3-BE69-E1DCB52252EA}"/>
+                </a:ext>
+              </a:extLst>
+            </p:cNvPr>
+            <p:cNvCxnSpPr/>
+            <p:nvPr/>
+          </p:nvCxnSpPr>
+          <p:spPr>
+            <a:xfrm>
+              <a:off x="3536786" y="3183776"/>
+              <a:ext cx="269081" cy="0"/>
+            </a:xfrm>
+            <a:prstGeom prst="straightConnector1">
+              <a:avLst/>
+            </a:prstGeom>
+            <a:ln w="47625">
+              <a:tailEnd type="stealth" w="lg" len="lg"/>
+            </a:ln>
+          </p:spPr>
+          <p:style>
+            <a:lnRef idx="1">
+              <a:schemeClr val="accent1"/>
+            </a:lnRef>
+            <a:fillRef idx="0">
+              <a:schemeClr val="accent1"/>
+            </a:fillRef>
+            <a:effectRef idx="0">
+              <a:schemeClr val="accent1"/>
+            </a:effectRef>
+            <a:fontRef idx="minor">
+              <a:schemeClr val="tx1"/>
+            </a:fontRef>
+          </p:style>
+        </p:cxnSp>
+        <p:sp>
+          <p:nvSpPr>
+            <p:cNvPr id="43" name="TextBox 42">
+              <a:extLst>
+                <a:ext uri="{FF2B5EF4-FFF2-40B4-BE49-F238E27FC236}">
+                  <a16:creationId xmlns:a16="http://schemas.microsoft.com/office/drawing/2014/main" id="{E7160273-4890-950F-4CF8-0F32D60CCE82}"/>
+                </a:ext>
+              </a:extLst>
+            </p:cNvPr>
+            <p:cNvSpPr txBox="1"/>
+            <p:nvPr/>
+          </p:nvSpPr>
+          <p:spPr>
+            <a:xfrm>
+              <a:off x="2909517" y="1804794"/>
+              <a:ext cx="590550" cy="261610"/>
+            </a:xfrm>
+            <a:prstGeom prst="rect">
+              <a:avLst/>
+            </a:prstGeom>
+            <a:noFill/>
+          </p:spPr>
+          <p:txBody>
+            <a:bodyPr wrap="square" rtlCol="0">
+              <a:spAutoFit/>
+            </a:bodyPr>
+            <a:lstStyle/>
+            <a:p>
+              <a:pPr algn="ctr"/>
+              <a:r>
+                <a:rPr lang="ru-RU" sz="1100" dirty="0">
+                  <a:latin typeface="Times New Roman" panose="02020603050405020304" pitchFamily="18" charset="0"/>
+                  <a:cs typeface="Times New Roman" panose="02020603050405020304" pitchFamily="18" charset="0"/>
+                </a:rPr>
+                <a:t>Меню</a:t>
+              </a:r>
+            </a:p>
+          </p:txBody>
+        </p:sp>
+        <p:sp>
+          <p:nvSpPr>
+            <p:cNvPr id="44" name="TextBox 43">
+              <a:extLst>
+                <a:ext uri="{FF2B5EF4-FFF2-40B4-BE49-F238E27FC236}">
+                  <a16:creationId xmlns:a16="http://schemas.microsoft.com/office/drawing/2014/main" id="{94B37B5A-972E-CE73-FCE7-4D2118107393}"/>
+                </a:ext>
+              </a:extLst>
+            </p:cNvPr>
+            <p:cNvSpPr txBox="1"/>
+            <p:nvPr/>
+          </p:nvSpPr>
+          <p:spPr>
+            <a:xfrm>
+              <a:off x="2181224" y="2553216"/>
+              <a:ext cx="1375993" cy="261610"/>
+            </a:xfrm>
+            <a:prstGeom prst="rect">
+              <a:avLst/>
+            </a:prstGeom>
+            <a:noFill/>
+          </p:spPr>
+          <p:txBody>
+            <a:bodyPr wrap="square" rtlCol="0">
+              <a:spAutoFit/>
+            </a:bodyPr>
+            <a:lstStyle/>
+            <a:p>
+              <a:pPr algn="ctr"/>
+              <a:r>
+                <a:rPr lang="ru-RU" sz="1100" dirty="0">
+                  <a:latin typeface="Times New Roman" panose="02020603050405020304" pitchFamily="18" charset="0"/>
+                  <a:cs typeface="Times New Roman" panose="02020603050405020304" pitchFamily="18" charset="0"/>
+                </a:rPr>
+                <a:t>Слоистая структура</a:t>
+              </a:r>
+            </a:p>
+          </p:txBody>
+        </p:sp>
+        <p:sp>
+          <p:nvSpPr>
+            <p:cNvPr id="45" name="TextBox 44">
+              <a:extLst>
+                <a:ext uri="{FF2B5EF4-FFF2-40B4-BE49-F238E27FC236}">
+                  <a16:creationId xmlns:a16="http://schemas.microsoft.com/office/drawing/2014/main" id="{F5A6A9BE-2F9D-BC9E-FA0B-796214CF8A7B}"/>
+                </a:ext>
+              </a:extLst>
+            </p:cNvPr>
+            <p:cNvSpPr txBox="1"/>
+            <p:nvPr/>
+          </p:nvSpPr>
+          <p:spPr>
+            <a:xfrm>
+              <a:off x="2480892" y="2951483"/>
+              <a:ext cx="1199555" cy="430887"/>
+            </a:xfrm>
+            <a:prstGeom prst="rect">
+              <a:avLst/>
+            </a:prstGeom>
+            <a:noFill/>
+          </p:spPr>
+          <p:txBody>
+            <a:bodyPr wrap="square" rtlCol="0">
+              <a:spAutoFit/>
+            </a:bodyPr>
+            <a:lstStyle/>
+            <a:p>
+              <a:pPr algn="ctr"/>
+              <a:r>
+                <a:rPr lang="ru-RU" sz="1100" dirty="0">
+                  <a:latin typeface="Times New Roman" panose="02020603050405020304" pitchFamily="18" charset="0"/>
+                  <a:cs typeface="Times New Roman" panose="02020603050405020304" pitchFamily="18" charset="0"/>
+                </a:rPr>
+                <a:t>Панель инструментов</a:t>
+              </a:r>
+            </a:p>
+          </p:txBody>
+        </p:sp>
+        <p:sp>
+          <p:nvSpPr>
+            <p:cNvPr id="46" name="TextBox 45">
+              <a:extLst>
+                <a:ext uri="{FF2B5EF4-FFF2-40B4-BE49-F238E27FC236}">
+                  <a16:creationId xmlns:a16="http://schemas.microsoft.com/office/drawing/2014/main" id="{1CBFB2FA-C8D8-DFF1-DDE3-BF09F95A5E65}"/>
+                </a:ext>
+              </a:extLst>
+            </p:cNvPr>
+            <p:cNvSpPr txBox="1"/>
+            <p:nvPr/>
+          </p:nvSpPr>
+          <p:spPr>
+            <a:xfrm>
+              <a:off x="2299917" y="3810327"/>
+              <a:ext cx="1269652" cy="430887"/>
+            </a:xfrm>
+            <a:prstGeom prst="rect">
+              <a:avLst/>
+            </a:prstGeom>
+            <a:noFill/>
+          </p:spPr>
+          <p:txBody>
+            <a:bodyPr wrap="square" rtlCol="0">
+              <a:spAutoFit/>
+            </a:bodyPr>
+            <a:lstStyle/>
+            <a:p>
+              <a:pPr algn="ctr"/>
+              <a:r>
+                <a:rPr lang="ru-RU" sz="1100" dirty="0">
+                  <a:latin typeface="Times New Roman" panose="02020603050405020304" pitchFamily="18" charset="0"/>
+                  <a:cs typeface="Times New Roman" panose="02020603050405020304" pitchFamily="18" charset="0"/>
+                </a:rPr>
+                <a:t>Доступ к остальным окнам</a:t>
+              </a:r>
+            </a:p>
+          </p:txBody>
+        </p:sp>
+        <p:sp>
+          <p:nvSpPr>
+            <p:cNvPr id="47" name="TextBox 46">
+              <a:extLst>
+                <a:ext uri="{FF2B5EF4-FFF2-40B4-BE49-F238E27FC236}">
+                  <a16:creationId xmlns:a16="http://schemas.microsoft.com/office/drawing/2014/main" id="{CEE52F39-EF97-0595-15C7-8D7DC114BC09}"/>
+                </a:ext>
+              </a:extLst>
+            </p:cNvPr>
+            <p:cNvSpPr txBox="1"/>
+            <p:nvPr/>
+          </p:nvSpPr>
+          <p:spPr>
+            <a:xfrm>
+              <a:off x="2076450" y="5536837"/>
+              <a:ext cx="1595067" cy="430887"/>
+            </a:xfrm>
+            <a:prstGeom prst="rect">
+              <a:avLst/>
+            </a:prstGeom>
+            <a:noFill/>
+          </p:spPr>
+          <p:txBody>
+            <a:bodyPr wrap="square" rtlCol="0">
+              <a:spAutoFit/>
+            </a:bodyPr>
+            <a:lstStyle/>
+            <a:p>
+              <a:pPr algn="ctr"/>
+              <a:r>
+                <a:rPr lang="ru-RU" sz="1100" dirty="0">
+                  <a:latin typeface="Times New Roman" panose="02020603050405020304" pitchFamily="18" charset="0"/>
+                  <a:cs typeface="Times New Roman" panose="02020603050405020304" pitchFamily="18" charset="0"/>
+                </a:rPr>
+                <a:t>Экспериментальные данные</a:t>
+              </a:r>
+            </a:p>
+          </p:txBody>
+        </p:sp>
+        <p:sp>
+          <p:nvSpPr>
+            <p:cNvPr id="48" name="Левая фигурная скобка 34">
+              <a:extLst>
+                <a:ext uri="{FF2B5EF4-FFF2-40B4-BE49-F238E27FC236}">
+                  <a16:creationId xmlns:a16="http://schemas.microsoft.com/office/drawing/2014/main" id="{03A78AF6-4060-384E-33D6-FFB43C45FE74}"/>
+                </a:ext>
+              </a:extLst>
+            </p:cNvPr>
+            <p:cNvSpPr/>
+            <p:nvPr/>
+          </p:nvSpPr>
+          <p:spPr>
+            <a:xfrm>
+              <a:off x="3529239" y="5555501"/>
+              <a:ext cx="276225" cy="416674"/>
+            </a:xfrm>
+            <a:prstGeom prst="leftBrace">
+              <a:avLst>
+                <a:gd name="adj1" fmla="val 35919"/>
+                <a:gd name="adj2" fmla="val 50629"/>
+              </a:avLst>
+            </a:prstGeom>
+            <a:ln w="28575">
+              <a:solidFill>
+                <a:srgbClr val="0070C0"/>
+              </a:solidFill>
+            </a:ln>
+          </p:spPr>
+          <p:style>
+            <a:lnRef idx="1">
+              <a:schemeClr val="accent1"/>
+            </a:lnRef>
+            <a:fillRef idx="0">
+              <a:schemeClr val="accent1"/>
+            </a:fillRef>
+            <a:effectRef idx="0">
+              <a:schemeClr val="accent1"/>
+            </a:effectRef>
+            <a:fontRef idx="minor">
+              <a:schemeClr val="tx1"/>
+            </a:fontRef>
+          </p:style>
+          <p:txBody>
+            <a:bodyPr rtlCol="0" anchor="ctr"/>
+            <a:lstStyle/>
+            <a:p>
+              <a:pPr algn="ctr"/>
+              <a:endParaRPr lang="ru-RU" sz="1100">
+                <a:latin typeface="Times New Roman" panose="02020603050405020304" pitchFamily="18" charset="0"/>
+                <a:cs typeface="Times New Roman" panose="02020603050405020304" pitchFamily="18" charset="0"/>
+              </a:endParaRPr>
+            </a:p>
+          </p:txBody>
+        </p:sp>
+        <p:sp>
+          <p:nvSpPr>
+            <p:cNvPr id="49" name="Левая фигурная скобка 35">
+              <a:extLst>
+                <a:ext uri="{FF2B5EF4-FFF2-40B4-BE49-F238E27FC236}">
+                  <a16:creationId xmlns:a16="http://schemas.microsoft.com/office/drawing/2014/main" id="{1766ED3F-9742-4F86-6991-F2FAAB59E36B}"/>
+                </a:ext>
+              </a:extLst>
+            </p:cNvPr>
+            <p:cNvSpPr/>
+            <p:nvPr/>
+          </p:nvSpPr>
+          <p:spPr>
+            <a:xfrm>
+              <a:off x="3527673" y="4803025"/>
+              <a:ext cx="276225" cy="645275"/>
+            </a:xfrm>
+            <a:prstGeom prst="leftBrace">
+              <a:avLst>
+                <a:gd name="adj1" fmla="val 35919"/>
+                <a:gd name="adj2" fmla="val 50629"/>
+              </a:avLst>
+            </a:prstGeom>
+            <a:ln w="28575">
+              <a:solidFill>
+                <a:srgbClr val="0070C0"/>
+              </a:solidFill>
+            </a:ln>
+          </p:spPr>
+          <p:style>
+            <a:lnRef idx="1">
+              <a:schemeClr val="accent1"/>
+            </a:lnRef>
+            <a:fillRef idx="0">
+              <a:schemeClr val="accent1"/>
+            </a:fillRef>
+            <a:effectRef idx="0">
+              <a:schemeClr val="accent1"/>
+            </a:effectRef>
+            <a:fontRef idx="minor">
+              <a:schemeClr val="tx1"/>
+            </a:fontRef>
+          </p:style>
+          <p:txBody>
+            <a:bodyPr rtlCol="0" anchor="ctr"/>
+            <a:lstStyle/>
+            <a:p>
+              <a:pPr algn="ctr"/>
+              <a:endParaRPr lang="ru-RU" sz="1100">
+                <a:latin typeface="Times New Roman" panose="02020603050405020304" pitchFamily="18" charset="0"/>
+                <a:cs typeface="Times New Roman" panose="02020603050405020304" pitchFamily="18" charset="0"/>
+              </a:endParaRPr>
+            </a:p>
+          </p:txBody>
+        </p:sp>
+        <p:sp>
+          <p:nvSpPr>
+            <p:cNvPr id="50" name="TextBox 49">
+              <a:extLst>
+                <a:ext uri="{FF2B5EF4-FFF2-40B4-BE49-F238E27FC236}">
+                  <a16:creationId xmlns:a16="http://schemas.microsoft.com/office/drawing/2014/main" id="{B9C535DB-66CC-4BFA-96B8-08C9F4647FE8}"/>
+                </a:ext>
+              </a:extLst>
+            </p:cNvPr>
+            <p:cNvSpPr txBox="1"/>
+            <p:nvPr/>
+          </p:nvSpPr>
+          <p:spPr>
+            <a:xfrm>
+              <a:off x="2137992" y="4759861"/>
+              <a:ext cx="1385586" cy="600164"/>
+            </a:xfrm>
+            <a:prstGeom prst="rect">
+              <a:avLst/>
+            </a:prstGeom>
+            <a:noFill/>
+          </p:spPr>
+          <p:txBody>
+            <a:bodyPr wrap="square" rtlCol="0">
+              <a:spAutoFit/>
+            </a:bodyPr>
+            <a:lstStyle/>
+            <a:p>
+              <a:pPr algn="ctr"/>
+              <a:r>
+                <a:rPr lang="ru-RU" sz="1100" dirty="0">
+                  <a:latin typeface="Times New Roman" panose="02020603050405020304" pitchFamily="18" charset="0"/>
+                  <a:cs typeface="Times New Roman" panose="02020603050405020304" pitchFamily="18" charset="0"/>
+                </a:rPr>
+                <a:t>Кривые без экспериментальных данных</a:t>
+              </a:r>
+            </a:p>
+          </p:txBody>
+        </p:sp>
+        <p:cxnSp>
+          <p:nvCxnSpPr>
+            <p:cNvPr id="51" name="Прямая со стрелкой 37">
+              <a:extLst>
+                <a:ext uri="{FF2B5EF4-FFF2-40B4-BE49-F238E27FC236}">
+                  <a16:creationId xmlns:a16="http://schemas.microsoft.com/office/drawing/2014/main" id="{67ED0BE8-BCFB-B8BB-6B76-D8211AFEAB27}"/>
+                </a:ext>
+              </a:extLst>
+            </p:cNvPr>
+            <p:cNvCxnSpPr/>
+            <p:nvPr/>
+          </p:nvCxnSpPr>
+          <p:spPr>
+            <a:xfrm>
+              <a:off x="3536159" y="2215832"/>
+              <a:ext cx="269081" cy="0"/>
+            </a:xfrm>
+            <a:prstGeom prst="straightConnector1">
+              <a:avLst/>
+            </a:prstGeom>
+            <a:ln w="47625">
+              <a:tailEnd type="stealth" w="lg" len="lg"/>
+            </a:ln>
+          </p:spPr>
+          <p:style>
+            <a:lnRef idx="1">
+              <a:schemeClr val="accent1"/>
+            </a:lnRef>
+            <a:fillRef idx="0">
+              <a:schemeClr val="accent1"/>
+            </a:fillRef>
+            <a:effectRef idx="0">
+              <a:schemeClr val="accent1"/>
+            </a:effectRef>
+            <a:fontRef idx="minor">
+              <a:schemeClr val="tx1"/>
+            </a:fontRef>
+          </p:style>
+        </p:cxnSp>
+      </p:grpSp>
+    </p:spTree>
+    <p:extLst>
+      <p:ext uri="{BB962C8B-B14F-4D97-AF65-F5344CB8AC3E}">
+        <p14:creationId xmlns:p14="http://schemas.microsoft.com/office/powerpoint/2010/main" val="3549598787"/>
+      </p:ext>
+    </p:extLst>
+  </p:cSld>
+  <p:clrMapOvr>
+    <a:masterClrMapping/>
+  </p:clrMapOvr>
+</p:sld>
+</file>
+
+<file path=ppt/slides/slide20.xml><?xml version="1.0" encoding="utf-8"?>
 <p:sld xmlns:a="http://schemas.openxmlformats.org/drawingml/2006/main" xmlns:r="http://schemas.openxmlformats.org/officeDocument/2006/relationships" xmlns:p="http://schemas.openxmlformats.org/presentationml/2006/main">
   <p:cSld>
     <p:spTree>
@@ -10962,7 +11146,7 @@
 </p:sld>
 </file>
 
-<file path=ppt/slides/slide22.xml><?xml version="1.0" encoding="utf-8"?>
+<file path=ppt/slides/slide21.xml><?xml version="1.0" encoding="utf-8"?>
 <p:sld xmlns:a="http://schemas.openxmlformats.org/drawingml/2006/main" xmlns:r="http://schemas.openxmlformats.org/officeDocument/2006/relationships" xmlns:p="http://schemas.openxmlformats.org/presentationml/2006/main">
   <p:cSld>
     <p:spTree>
@@ -11754,7 +11938,7 @@
 </p:sld>
 </file>
 
-<file path=ppt/slides/slide23.xml><?xml version="1.0" encoding="utf-8"?>
+<file path=ppt/slides/slide22.xml><?xml version="1.0" encoding="utf-8"?>
 <p:sld xmlns:a="http://schemas.openxmlformats.org/drawingml/2006/main" xmlns:r="http://schemas.openxmlformats.org/officeDocument/2006/relationships" xmlns:p="http://schemas.openxmlformats.org/presentationml/2006/main">
   <p:cSld>
     <p:spTree>
@@ -11947,35 +12131,6 @@
       </p:pic>
       <p:pic>
         <p:nvPicPr>
-          <p:cNvPr id="18" name="Picture 17">
-            <a:extLst>
-              <a:ext uri="{FF2B5EF4-FFF2-40B4-BE49-F238E27FC236}">
-                <a16:creationId xmlns:a16="http://schemas.microsoft.com/office/drawing/2014/main" id="{E3C3C740-5865-92E0-5539-02D6283D007F}"/>
-              </a:ext>
-            </a:extLst>
-          </p:cNvPr>
-          <p:cNvPicPr>
-            <a:picLocks noChangeAspect="1"/>
-          </p:cNvPicPr>
-          <p:nvPr/>
-        </p:nvPicPr>
-        <p:blipFill rotWithShape="1">
-          <a:blip r:embed="rId5"/>
-          <a:srcRect t="49937" b="40881"/>
-          <a:stretch/>
-        </p:blipFill>
-        <p:spPr>
-          <a:xfrm>
-            <a:off x="841006" y="3079630"/>
-            <a:ext cx="7565508" cy="629729"/>
-          </a:xfrm>
-          <a:prstGeom prst="rect">
-            <a:avLst/>
-          </a:prstGeom>
-        </p:spPr>
-      </p:pic>
-      <p:pic>
-        <p:nvPicPr>
           <p:cNvPr id="19" name="Picture 18">
             <a:extLst>
               <a:ext uri="{FF2B5EF4-FFF2-40B4-BE49-F238E27FC236}">
@@ -11989,7 +12144,7 @@
           <p:nvPr/>
         </p:nvPicPr>
         <p:blipFill rotWithShape="1">
-          <a:blip r:embed="rId6"/>
+          <a:blip r:embed="rId5"/>
           <a:srcRect t="65534" b="25032"/>
           <a:stretch/>
         </p:blipFill>
@@ -12018,7 +12173,7 @@
           <p:nvPr/>
         </p:nvPicPr>
         <p:blipFill>
-          <a:blip r:embed="rId7"/>
+          <a:blip r:embed="rId6"/>
           <a:stretch>
             <a:fillRect/>
           </a:stretch>
@@ -12027,6 +12182,36 @@
           <a:xfrm>
             <a:off x="-695325" y="6677025"/>
             <a:ext cx="8991600" cy="781050"/>
+          </a:xfrm>
+          <a:prstGeom prst="rect">
+            <a:avLst/>
+          </a:prstGeom>
+        </p:spPr>
+      </p:pic>
+      <p:pic>
+        <p:nvPicPr>
+          <p:cNvPr id="4" name="Picture 3">
+            <a:extLst>
+              <a:ext uri="{FF2B5EF4-FFF2-40B4-BE49-F238E27FC236}">
+                <a16:creationId xmlns:a16="http://schemas.microsoft.com/office/drawing/2014/main" id="{E9D0B084-3044-B39F-7925-B8D6805CE419}"/>
+              </a:ext>
+            </a:extLst>
+          </p:cNvPr>
+          <p:cNvPicPr>
+            <a:picLocks noChangeAspect="1"/>
+          </p:cNvPicPr>
+          <p:nvPr/>
+        </p:nvPicPr>
+        <p:blipFill>
+          <a:blip r:embed="rId7"/>
+          <a:stretch>
+            <a:fillRect/>
+          </a:stretch>
+        </p:blipFill>
+        <p:spPr>
+          <a:xfrm>
+            <a:off x="556461" y="3090996"/>
+            <a:ext cx="7552498" cy="601953"/>
           </a:xfrm>
           <a:prstGeom prst="rect">
             <a:avLst/>
@@ -12046,7 +12231,7 @@
 </p:sld>
 </file>
 
-<file path=ppt/slides/slide24.xml><?xml version="1.0" encoding="utf-8"?>
+<file path=ppt/slides/slide23.xml><?xml version="1.0" encoding="utf-8"?>
 <p:sld xmlns:a="http://schemas.openxmlformats.org/drawingml/2006/main" xmlns:r="http://schemas.openxmlformats.org/officeDocument/2006/relationships" xmlns:p="http://schemas.openxmlformats.org/presentationml/2006/main">
   <p:cSld>
     <p:spTree>
@@ -12776,7 +12961,7 @@
 </p:sld>
 </file>
 
-<file path=ppt/slides/slide25.xml><?xml version="1.0" encoding="utf-8"?>
+<file path=ppt/slides/slide24.xml><?xml version="1.0" encoding="utf-8"?>
 <p:sld xmlns:a="http://schemas.openxmlformats.org/drawingml/2006/main" xmlns:r="http://schemas.openxmlformats.org/officeDocument/2006/relationships" xmlns:p="http://schemas.openxmlformats.org/presentationml/2006/main">
   <p:cSld>
     <p:spTree>
@@ -13202,7 +13387,7 @@
 </p:sld>
 </file>
 
-<file path=ppt/slides/slide26.xml><?xml version="1.0" encoding="utf-8"?>
+<file path=ppt/slides/slide25.xml><?xml version="1.0" encoding="utf-8"?>
 <p:sld xmlns:a="http://schemas.openxmlformats.org/drawingml/2006/main" xmlns:r="http://schemas.openxmlformats.org/officeDocument/2006/relationships" xmlns:p="http://schemas.openxmlformats.org/presentationml/2006/main">
   <p:cSld>
     <p:spTree>
@@ -14562,7 +14747,7 @@
 </p:sld>
 </file>
 
-<file path=ppt/slides/slide27.xml><?xml version="1.0" encoding="utf-8"?>
+<file path=ppt/slides/slide26.xml><?xml version="1.0" encoding="utf-8"?>
 <p:sld xmlns:a="http://schemas.openxmlformats.org/drawingml/2006/main" xmlns:r="http://schemas.openxmlformats.org/officeDocument/2006/relationships" xmlns:p="http://schemas.openxmlformats.org/presentationml/2006/main">
   <p:cSld>
     <p:spTree>
@@ -15369,7 +15554,7 @@
 </p:sld>
 </file>
 
-<file path=ppt/slides/slide28.xml><?xml version="1.0" encoding="utf-8"?>
+<file path=ppt/slides/slide27.xml><?xml version="1.0" encoding="utf-8"?>
 <p:sld xmlns:a="http://schemas.openxmlformats.org/drawingml/2006/main" xmlns:r="http://schemas.openxmlformats.org/officeDocument/2006/relationships" xmlns:p="http://schemas.openxmlformats.org/presentationml/2006/main">
   <p:cSld>
     <p:spTree>
@@ -16631,7 +16816,7 @@
 </p:sld>
 </file>
 
-<file path=ppt/slides/slide29.xml><?xml version="1.0" encoding="utf-8"?>
+<file path=ppt/slides/slide28.xml><?xml version="1.0" encoding="utf-8"?>
 <p:sld xmlns:a="http://schemas.openxmlformats.org/drawingml/2006/main" xmlns:r="http://schemas.openxmlformats.org/officeDocument/2006/relationships" xmlns:p="http://schemas.openxmlformats.org/presentationml/2006/main">
   <p:cSld>
     <p:spTree>
@@ -17426,697 +17611,7 @@
 </p:sld>
 </file>
 
-<file path=ppt/slides/slide3.xml><?xml version="1.0" encoding="utf-8"?>
-<p:sld xmlns:a="http://schemas.openxmlformats.org/drawingml/2006/main" xmlns:r="http://schemas.openxmlformats.org/officeDocument/2006/relationships" xmlns:p="http://schemas.openxmlformats.org/presentationml/2006/main">
-  <p:cSld>
-    <p:spTree>
-      <p:nvGrpSpPr>
-        <p:cNvPr id="1" name=""/>
-        <p:cNvGrpSpPr/>
-        <p:nvPr/>
-      </p:nvGrpSpPr>
-      <p:grpSpPr>
-        <a:xfrm>
-          <a:off x="0" y="0"/>
-          <a:ext cx="0" cy="0"/>
-          <a:chOff x="0" y="0"/>
-          <a:chExt cx="0" cy="0"/>
-        </a:xfrm>
-      </p:grpSpPr>
-      <p:grpSp>
-        <p:nvGrpSpPr>
-          <p:cNvPr id="54" name="Group 53">
-            <a:extLst>
-              <a:ext uri="{FF2B5EF4-FFF2-40B4-BE49-F238E27FC236}">
-                <a16:creationId xmlns:a16="http://schemas.microsoft.com/office/drawing/2014/main" id="{5BF7E28E-C601-E8CC-B138-F60236C980DC}"/>
-              </a:ext>
-            </a:extLst>
-          </p:cNvPr>
-          <p:cNvGrpSpPr/>
-          <p:nvPr/>
-        </p:nvGrpSpPr>
-        <p:grpSpPr>
-          <a:xfrm>
-            <a:off x="666750" y="355132"/>
-            <a:ext cx="6838950" cy="5861518"/>
-            <a:chOff x="2076450" y="136057"/>
-            <a:chExt cx="6838950" cy="5861518"/>
-          </a:xfrm>
-        </p:grpSpPr>
-        <p:sp>
-          <p:nvSpPr>
-            <p:cNvPr id="52" name="TextBox 51">
-              <a:extLst>
-                <a:ext uri="{FF2B5EF4-FFF2-40B4-BE49-F238E27FC236}">
-                  <a16:creationId xmlns:a16="http://schemas.microsoft.com/office/drawing/2014/main" id="{1DA3756F-BF91-770E-6400-9B56418B5B6E}"/>
-                </a:ext>
-              </a:extLst>
-            </p:cNvPr>
-            <p:cNvSpPr txBox="1"/>
-            <p:nvPr/>
-          </p:nvSpPr>
-          <p:spPr>
-            <a:xfrm>
-              <a:off x="2309442" y="2078427"/>
-              <a:ext cx="1426368" cy="430887"/>
-            </a:xfrm>
-            <a:prstGeom prst="rect">
-              <a:avLst/>
-            </a:prstGeom>
-            <a:noFill/>
-          </p:spPr>
-          <p:txBody>
-            <a:bodyPr wrap="square" rtlCol="0">
-              <a:spAutoFit/>
-            </a:bodyPr>
-            <a:lstStyle/>
-            <a:p>
-              <a:pPr algn="ctr"/>
-              <a:r>
-                <a:rPr lang="ru-RU" sz="1100" dirty="0">
-                  <a:latin typeface="Times New Roman" panose="02020603050405020304" pitchFamily="18" charset="0"/>
-                  <a:cs typeface="Times New Roman" panose="02020603050405020304" pitchFamily="18" charset="0"/>
-                </a:rPr>
-                <a:t>Вкладки со структурами</a:t>
-              </a:r>
-            </a:p>
-          </p:txBody>
-        </p:sp>
-        <p:pic>
-          <p:nvPicPr>
-            <p:cNvPr id="13" name="Picture 12">
-              <a:extLst>
-                <a:ext uri="{FF2B5EF4-FFF2-40B4-BE49-F238E27FC236}">
-                  <a16:creationId xmlns:a16="http://schemas.microsoft.com/office/drawing/2014/main" id="{7293C1A7-831F-3391-D34D-3D5D925583BF}"/>
-                </a:ext>
-              </a:extLst>
-            </p:cNvPr>
-            <p:cNvPicPr>
-              <a:picLocks noChangeAspect="1"/>
-            </p:cNvPicPr>
-            <p:nvPr/>
-          </p:nvPicPr>
-          <p:blipFill rotWithShape="1">
-            <a:blip r:embed="rId2"/>
-            <a:srcRect t="3007" r="3954" b="10074"/>
-            <a:stretch/>
-          </p:blipFill>
-          <p:spPr>
-            <a:xfrm>
-              <a:off x="3362325" y="136057"/>
-              <a:ext cx="5553075" cy="5861518"/>
-            </a:xfrm>
-            <a:prstGeom prst="rect">
-              <a:avLst/>
-            </a:prstGeom>
-          </p:spPr>
-        </p:pic>
-        <p:sp>
-          <p:nvSpPr>
-            <p:cNvPr id="25" name="Левая фигурная скобка 25">
-              <a:extLst>
-                <a:ext uri="{FF2B5EF4-FFF2-40B4-BE49-F238E27FC236}">
-                  <a16:creationId xmlns:a16="http://schemas.microsoft.com/office/drawing/2014/main" id="{B6614261-C60C-D958-8B3D-06F2DAFC5E84}"/>
-                </a:ext>
-              </a:extLst>
-            </p:cNvPr>
-            <p:cNvSpPr/>
-            <p:nvPr/>
-          </p:nvSpPr>
-          <p:spPr>
-            <a:xfrm>
-              <a:off x="3509592" y="2381250"/>
-              <a:ext cx="276225" cy="612026"/>
-            </a:xfrm>
-            <a:prstGeom prst="leftBrace">
-              <a:avLst>
-                <a:gd name="adj1" fmla="val 35919"/>
-                <a:gd name="adj2" fmla="val 50629"/>
-              </a:avLst>
-            </a:prstGeom>
-            <a:ln w="28575">
-              <a:solidFill>
-                <a:srgbClr val="0070C0"/>
-              </a:solidFill>
-            </a:ln>
-          </p:spPr>
-          <p:style>
-            <a:lnRef idx="1">
-              <a:schemeClr val="accent1"/>
-            </a:lnRef>
-            <a:fillRef idx="0">
-              <a:schemeClr val="accent1"/>
-            </a:fillRef>
-            <a:effectRef idx="0">
-              <a:schemeClr val="accent1"/>
-            </a:effectRef>
-            <a:fontRef idx="minor">
-              <a:schemeClr val="tx1"/>
-            </a:fontRef>
-          </p:style>
-          <p:txBody>
-            <a:bodyPr rtlCol="0" anchor="ctr"/>
-            <a:lstStyle/>
-            <a:p>
-              <a:pPr algn="ctr"/>
-              <a:endParaRPr lang="ru-RU" sz="1100">
-                <a:latin typeface="Times New Roman" panose="02020603050405020304" pitchFamily="18" charset="0"/>
-                <a:cs typeface="Times New Roman" panose="02020603050405020304" pitchFamily="18" charset="0"/>
-              </a:endParaRPr>
-            </a:p>
-          </p:txBody>
-        </p:sp>
-        <p:sp>
-          <p:nvSpPr>
-            <p:cNvPr id="40" name="Левая фигурная скобка 26">
-              <a:extLst>
-                <a:ext uri="{FF2B5EF4-FFF2-40B4-BE49-F238E27FC236}">
-                  <a16:creationId xmlns:a16="http://schemas.microsoft.com/office/drawing/2014/main" id="{76E6CBEF-42AC-A8B9-72D9-FDDEA1B7FFA3}"/>
-                </a:ext>
-              </a:extLst>
-            </p:cNvPr>
-            <p:cNvSpPr/>
-            <p:nvPr/>
-          </p:nvSpPr>
-          <p:spPr>
-            <a:xfrm>
-              <a:off x="3528642" y="3383802"/>
-              <a:ext cx="276225" cy="1254874"/>
-            </a:xfrm>
-            <a:prstGeom prst="leftBrace">
-              <a:avLst>
-                <a:gd name="adj1" fmla="val 35919"/>
-                <a:gd name="adj2" fmla="val 50629"/>
-              </a:avLst>
-            </a:prstGeom>
-            <a:ln w="28575">
-              <a:solidFill>
-                <a:srgbClr val="0070C0"/>
-              </a:solidFill>
-            </a:ln>
-          </p:spPr>
-          <p:style>
-            <a:lnRef idx="1">
-              <a:schemeClr val="accent1"/>
-            </a:lnRef>
-            <a:fillRef idx="0">
-              <a:schemeClr val="accent1"/>
-            </a:fillRef>
-            <a:effectRef idx="0">
-              <a:schemeClr val="accent1"/>
-            </a:effectRef>
-            <a:fontRef idx="minor">
-              <a:schemeClr val="tx1"/>
-            </a:fontRef>
-          </p:style>
-          <p:txBody>
-            <a:bodyPr rtlCol="0" anchor="ctr"/>
-            <a:lstStyle/>
-            <a:p>
-              <a:pPr algn="ctr"/>
-              <a:endParaRPr lang="ru-RU" sz="1100">
-                <a:latin typeface="Times New Roman" panose="02020603050405020304" pitchFamily="18" charset="0"/>
-                <a:cs typeface="Times New Roman" panose="02020603050405020304" pitchFamily="18" charset="0"/>
-              </a:endParaRPr>
-            </a:p>
-          </p:txBody>
-        </p:sp>
-        <p:cxnSp>
-          <p:nvCxnSpPr>
-            <p:cNvPr id="41" name="Прямая со стрелкой 27">
-              <a:extLst>
-                <a:ext uri="{FF2B5EF4-FFF2-40B4-BE49-F238E27FC236}">
-                  <a16:creationId xmlns:a16="http://schemas.microsoft.com/office/drawing/2014/main" id="{1C1E382F-E46E-B896-1705-4B11E87D258E}"/>
-                </a:ext>
-              </a:extLst>
-            </p:cNvPr>
-            <p:cNvCxnSpPr/>
-            <p:nvPr/>
-          </p:nvCxnSpPr>
-          <p:spPr>
-            <a:xfrm>
-              <a:off x="3535786" y="1936001"/>
-              <a:ext cx="269081" cy="0"/>
-            </a:xfrm>
-            <a:prstGeom prst="straightConnector1">
-              <a:avLst/>
-            </a:prstGeom>
-            <a:ln w="47625">
-              <a:tailEnd type="stealth" w="lg" len="lg"/>
-            </a:ln>
-          </p:spPr>
-          <p:style>
-            <a:lnRef idx="1">
-              <a:schemeClr val="accent1"/>
-            </a:lnRef>
-            <a:fillRef idx="0">
-              <a:schemeClr val="accent1"/>
-            </a:fillRef>
-            <a:effectRef idx="0">
-              <a:schemeClr val="accent1"/>
-            </a:effectRef>
-            <a:fontRef idx="minor">
-              <a:schemeClr val="tx1"/>
-            </a:fontRef>
-          </p:style>
-        </p:cxnSp>
-        <p:cxnSp>
-          <p:nvCxnSpPr>
-            <p:cNvPr id="42" name="Прямая со стрелкой 28">
-              <a:extLst>
-                <a:ext uri="{FF2B5EF4-FFF2-40B4-BE49-F238E27FC236}">
-                  <a16:creationId xmlns:a16="http://schemas.microsoft.com/office/drawing/2014/main" id="{1F3A4FFA-A1F2-2BC3-BE69-E1DCB52252EA}"/>
-                </a:ext>
-              </a:extLst>
-            </p:cNvPr>
-            <p:cNvCxnSpPr/>
-            <p:nvPr/>
-          </p:nvCxnSpPr>
-          <p:spPr>
-            <a:xfrm>
-              <a:off x="3536786" y="3183776"/>
-              <a:ext cx="269081" cy="0"/>
-            </a:xfrm>
-            <a:prstGeom prst="straightConnector1">
-              <a:avLst/>
-            </a:prstGeom>
-            <a:ln w="47625">
-              <a:tailEnd type="stealth" w="lg" len="lg"/>
-            </a:ln>
-          </p:spPr>
-          <p:style>
-            <a:lnRef idx="1">
-              <a:schemeClr val="accent1"/>
-            </a:lnRef>
-            <a:fillRef idx="0">
-              <a:schemeClr val="accent1"/>
-            </a:fillRef>
-            <a:effectRef idx="0">
-              <a:schemeClr val="accent1"/>
-            </a:effectRef>
-            <a:fontRef idx="minor">
-              <a:schemeClr val="tx1"/>
-            </a:fontRef>
-          </p:style>
-        </p:cxnSp>
-        <p:sp>
-          <p:nvSpPr>
-            <p:cNvPr id="43" name="TextBox 42">
-              <a:extLst>
-                <a:ext uri="{FF2B5EF4-FFF2-40B4-BE49-F238E27FC236}">
-                  <a16:creationId xmlns:a16="http://schemas.microsoft.com/office/drawing/2014/main" id="{E7160273-4890-950F-4CF8-0F32D60CCE82}"/>
-                </a:ext>
-              </a:extLst>
-            </p:cNvPr>
-            <p:cNvSpPr txBox="1"/>
-            <p:nvPr/>
-          </p:nvSpPr>
-          <p:spPr>
-            <a:xfrm>
-              <a:off x="2909517" y="1804794"/>
-              <a:ext cx="590550" cy="261610"/>
-            </a:xfrm>
-            <a:prstGeom prst="rect">
-              <a:avLst/>
-            </a:prstGeom>
-            <a:noFill/>
-          </p:spPr>
-          <p:txBody>
-            <a:bodyPr wrap="square" rtlCol="0">
-              <a:spAutoFit/>
-            </a:bodyPr>
-            <a:lstStyle/>
-            <a:p>
-              <a:pPr algn="ctr"/>
-              <a:r>
-                <a:rPr lang="ru-RU" sz="1100" dirty="0">
-                  <a:latin typeface="Times New Roman" panose="02020603050405020304" pitchFamily="18" charset="0"/>
-                  <a:cs typeface="Times New Roman" panose="02020603050405020304" pitchFamily="18" charset="0"/>
-                </a:rPr>
-                <a:t>Меню</a:t>
-              </a:r>
-            </a:p>
-          </p:txBody>
-        </p:sp>
-        <p:sp>
-          <p:nvSpPr>
-            <p:cNvPr id="44" name="TextBox 43">
-              <a:extLst>
-                <a:ext uri="{FF2B5EF4-FFF2-40B4-BE49-F238E27FC236}">
-                  <a16:creationId xmlns:a16="http://schemas.microsoft.com/office/drawing/2014/main" id="{94B37B5A-972E-CE73-FCE7-4D2118107393}"/>
-                </a:ext>
-              </a:extLst>
-            </p:cNvPr>
-            <p:cNvSpPr txBox="1"/>
-            <p:nvPr/>
-          </p:nvSpPr>
-          <p:spPr>
-            <a:xfrm>
-              <a:off x="2181224" y="2553216"/>
-              <a:ext cx="1375993" cy="261610"/>
-            </a:xfrm>
-            <a:prstGeom prst="rect">
-              <a:avLst/>
-            </a:prstGeom>
-            <a:noFill/>
-          </p:spPr>
-          <p:txBody>
-            <a:bodyPr wrap="square" rtlCol="0">
-              <a:spAutoFit/>
-            </a:bodyPr>
-            <a:lstStyle/>
-            <a:p>
-              <a:pPr algn="ctr"/>
-              <a:r>
-                <a:rPr lang="ru-RU" sz="1100" dirty="0">
-                  <a:latin typeface="Times New Roman" panose="02020603050405020304" pitchFamily="18" charset="0"/>
-                  <a:cs typeface="Times New Roman" panose="02020603050405020304" pitchFamily="18" charset="0"/>
-                </a:rPr>
-                <a:t>Слоистая структура</a:t>
-              </a:r>
-            </a:p>
-          </p:txBody>
-        </p:sp>
-        <p:sp>
-          <p:nvSpPr>
-            <p:cNvPr id="45" name="TextBox 44">
-              <a:extLst>
-                <a:ext uri="{FF2B5EF4-FFF2-40B4-BE49-F238E27FC236}">
-                  <a16:creationId xmlns:a16="http://schemas.microsoft.com/office/drawing/2014/main" id="{F5A6A9BE-2F9D-BC9E-FA0B-796214CF8A7B}"/>
-                </a:ext>
-              </a:extLst>
-            </p:cNvPr>
-            <p:cNvSpPr txBox="1"/>
-            <p:nvPr/>
-          </p:nvSpPr>
-          <p:spPr>
-            <a:xfrm>
-              <a:off x="2480892" y="2951483"/>
-              <a:ext cx="1199555" cy="430887"/>
-            </a:xfrm>
-            <a:prstGeom prst="rect">
-              <a:avLst/>
-            </a:prstGeom>
-            <a:noFill/>
-          </p:spPr>
-          <p:txBody>
-            <a:bodyPr wrap="square" rtlCol="0">
-              <a:spAutoFit/>
-            </a:bodyPr>
-            <a:lstStyle/>
-            <a:p>
-              <a:pPr algn="ctr"/>
-              <a:r>
-                <a:rPr lang="ru-RU" sz="1100" dirty="0">
-                  <a:latin typeface="Times New Roman" panose="02020603050405020304" pitchFamily="18" charset="0"/>
-                  <a:cs typeface="Times New Roman" panose="02020603050405020304" pitchFamily="18" charset="0"/>
-                </a:rPr>
-                <a:t>Панель инструментов</a:t>
-              </a:r>
-            </a:p>
-          </p:txBody>
-        </p:sp>
-        <p:sp>
-          <p:nvSpPr>
-            <p:cNvPr id="46" name="TextBox 45">
-              <a:extLst>
-                <a:ext uri="{FF2B5EF4-FFF2-40B4-BE49-F238E27FC236}">
-                  <a16:creationId xmlns:a16="http://schemas.microsoft.com/office/drawing/2014/main" id="{1CBFB2FA-C8D8-DFF1-DDE3-BF09F95A5E65}"/>
-                </a:ext>
-              </a:extLst>
-            </p:cNvPr>
-            <p:cNvSpPr txBox="1"/>
-            <p:nvPr/>
-          </p:nvSpPr>
-          <p:spPr>
-            <a:xfrm>
-              <a:off x="2299917" y="3810327"/>
-              <a:ext cx="1269652" cy="430887"/>
-            </a:xfrm>
-            <a:prstGeom prst="rect">
-              <a:avLst/>
-            </a:prstGeom>
-            <a:noFill/>
-          </p:spPr>
-          <p:txBody>
-            <a:bodyPr wrap="square" rtlCol="0">
-              <a:spAutoFit/>
-            </a:bodyPr>
-            <a:lstStyle/>
-            <a:p>
-              <a:pPr algn="ctr"/>
-              <a:r>
-                <a:rPr lang="ru-RU" sz="1100" dirty="0">
-                  <a:latin typeface="Times New Roman" panose="02020603050405020304" pitchFamily="18" charset="0"/>
-                  <a:cs typeface="Times New Roman" panose="02020603050405020304" pitchFamily="18" charset="0"/>
-                </a:rPr>
-                <a:t>Доступ к остальным окнам</a:t>
-              </a:r>
-            </a:p>
-          </p:txBody>
-        </p:sp>
-        <p:sp>
-          <p:nvSpPr>
-            <p:cNvPr id="47" name="TextBox 46">
-              <a:extLst>
-                <a:ext uri="{FF2B5EF4-FFF2-40B4-BE49-F238E27FC236}">
-                  <a16:creationId xmlns:a16="http://schemas.microsoft.com/office/drawing/2014/main" id="{CEE52F39-EF97-0595-15C7-8D7DC114BC09}"/>
-                </a:ext>
-              </a:extLst>
-            </p:cNvPr>
-            <p:cNvSpPr txBox="1"/>
-            <p:nvPr/>
-          </p:nvSpPr>
-          <p:spPr>
-            <a:xfrm>
-              <a:off x="2076450" y="5536837"/>
-              <a:ext cx="1595067" cy="430887"/>
-            </a:xfrm>
-            <a:prstGeom prst="rect">
-              <a:avLst/>
-            </a:prstGeom>
-            <a:noFill/>
-          </p:spPr>
-          <p:txBody>
-            <a:bodyPr wrap="square" rtlCol="0">
-              <a:spAutoFit/>
-            </a:bodyPr>
-            <a:lstStyle/>
-            <a:p>
-              <a:pPr algn="ctr"/>
-              <a:r>
-                <a:rPr lang="ru-RU" sz="1100" dirty="0">
-                  <a:latin typeface="Times New Roman" panose="02020603050405020304" pitchFamily="18" charset="0"/>
-                  <a:cs typeface="Times New Roman" panose="02020603050405020304" pitchFamily="18" charset="0"/>
-                </a:rPr>
-                <a:t>Экспериментальные данные</a:t>
-              </a:r>
-            </a:p>
-          </p:txBody>
-        </p:sp>
-        <p:sp>
-          <p:nvSpPr>
-            <p:cNvPr id="48" name="Левая фигурная скобка 34">
-              <a:extLst>
-                <a:ext uri="{FF2B5EF4-FFF2-40B4-BE49-F238E27FC236}">
-                  <a16:creationId xmlns:a16="http://schemas.microsoft.com/office/drawing/2014/main" id="{03A78AF6-4060-384E-33D6-FFB43C45FE74}"/>
-                </a:ext>
-              </a:extLst>
-            </p:cNvPr>
-            <p:cNvSpPr/>
-            <p:nvPr/>
-          </p:nvSpPr>
-          <p:spPr>
-            <a:xfrm>
-              <a:off x="3529239" y="5555501"/>
-              <a:ext cx="276225" cy="416674"/>
-            </a:xfrm>
-            <a:prstGeom prst="leftBrace">
-              <a:avLst>
-                <a:gd name="adj1" fmla="val 35919"/>
-                <a:gd name="adj2" fmla="val 50629"/>
-              </a:avLst>
-            </a:prstGeom>
-            <a:ln w="28575">
-              <a:solidFill>
-                <a:srgbClr val="0070C0"/>
-              </a:solidFill>
-            </a:ln>
-          </p:spPr>
-          <p:style>
-            <a:lnRef idx="1">
-              <a:schemeClr val="accent1"/>
-            </a:lnRef>
-            <a:fillRef idx="0">
-              <a:schemeClr val="accent1"/>
-            </a:fillRef>
-            <a:effectRef idx="0">
-              <a:schemeClr val="accent1"/>
-            </a:effectRef>
-            <a:fontRef idx="minor">
-              <a:schemeClr val="tx1"/>
-            </a:fontRef>
-          </p:style>
-          <p:txBody>
-            <a:bodyPr rtlCol="0" anchor="ctr"/>
-            <a:lstStyle/>
-            <a:p>
-              <a:pPr algn="ctr"/>
-              <a:endParaRPr lang="ru-RU" sz="1100">
-                <a:latin typeface="Times New Roman" panose="02020603050405020304" pitchFamily="18" charset="0"/>
-                <a:cs typeface="Times New Roman" panose="02020603050405020304" pitchFamily="18" charset="0"/>
-              </a:endParaRPr>
-            </a:p>
-          </p:txBody>
-        </p:sp>
-        <p:sp>
-          <p:nvSpPr>
-            <p:cNvPr id="49" name="Левая фигурная скобка 35">
-              <a:extLst>
-                <a:ext uri="{FF2B5EF4-FFF2-40B4-BE49-F238E27FC236}">
-                  <a16:creationId xmlns:a16="http://schemas.microsoft.com/office/drawing/2014/main" id="{1766ED3F-9742-4F86-6991-F2FAAB59E36B}"/>
-                </a:ext>
-              </a:extLst>
-            </p:cNvPr>
-            <p:cNvSpPr/>
-            <p:nvPr/>
-          </p:nvSpPr>
-          <p:spPr>
-            <a:xfrm>
-              <a:off x="3527673" y="4803025"/>
-              <a:ext cx="276225" cy="645275"/>
-            </a:xfrm>
-            <a:prstGeom prst="leftBrace">
-              <a:avLst>
-                <a:gd name="adj1" fmla="val 35919"/>
-                <a:gd name="adj2" fmla="val 50629"/>
-              </a:avLst>
-            </a:prstGeom>
-            <a:ln w="28575">
-              <a:solidFill>
-                <a:srgbClr val="0070C0"/>
-              </a:solidFill>
-            </a:ln>
-          </p:spPr>
-          <p:style>
-            <a:lnRef idx="1">
-              <a:schemeClr val="accent1"/>
-            </a:lnRef>
-            <a:fillRef idx="0">
-              <a:schemeClr val="accent1"/>
-            </a:fillRef>
-            <a:effectRef idx="0">
-              <a:schemeClr val="accent1"/>
-            </a:effectRef>
-            <a:fontRef idx="minor">
-              <a:schemeClr val="tx1"/>
-            </a:fontRef>
-          </p:style>
-          <p:txBody>
-            <a:bodyPr rtlCol="0" anchor="ctr"/>
-            <a:lstStyle/>
-            <a:p>
-              <a:pPr algn="ctr"/>
-              <a:endParaRPr lang="ru-RU" sz="1100">
-                <a:latin typeface="Times New Roman" panose="02020603050405020304" pitchFamily="18" charset="0"/>
-                <a:cs typeface="Times New Roman" panose="02020603050405020304" pitchFamily="18" charset="0"/>
-              </a:endParaRPr>
-            </a:p>
-          </p:txBody>
-        </p:sp>
-        <p:sp>
-          <p:nvSpPr>
-            <p:cNvPr id="50" name="TextBox 49">
-              <a:extLst>
-                <a:ext uri="{FF2B5EF4-FFF2-40B4-BE49-F238E27FC236}">
-                  <a16:creationId xmlns:a16="http://schemas.microsoft.com/office/drawing/2014/main" id="{B9C535DB-66CC-4BFA-96B8-08C9F4647FE8}"/>
-                </a:ext>
-              </a:extLst>
-            </p:cNvPr>
-            <p:cNvSpPr txBox="1"/>
-            <p:nvPr/>
-          </p:nvSpPr>
-          <p:spPr>
-            <a:xfrm>
-              <a:off x="2137992" y="4759861"/>
-              <a:ext cx="1385586" cy="600164"/>
-            </a:xfrm>
-            <a:prstGeom prst="rect">
-              <a:avLst/>
-            </a:prstGeom>
-            <a:noFill/>
-          </p:spPr>
-          <p:txBody>
-            <a:bodyPr wrap="square" rtlCol="0">
-              <a:spAutoFit/>
-            </a:bodyPr>
-            <a:lstStyle/>
-            <a:p>
-              <a:pPr algn="ctr"/>
-              <a:r>
-                <a:rPr lang="ru-RU" sz="1100" dirty="0">
-                  <a:latin typeface="Times New Roman" panose="02020603050405020304" pitchFamily="18" charset="0"/>
-                  <a:cs typeface="Times New Roman" panose="02020603050405020304" pitchFamily="18" charset="0"/>
-                </a:rPr>
-                <a:t>Кривые без экспериментальных данных</a:t>
-              </a:r>
-            </a:p>
-          </p:txBody>
-        </p:sp>
-        <p:cxnSp>
-          <p:nvCxnSpPr>
-            <p:cNvPr id="51" name="Прямая со стрелкой 37">
-              <a:extLst>
-                <a:ext uri="{FF2B5EF4-FFF2-40B4-BE49-F238E27FC236}">
-                  <a16:creationId xmlns:a16="http://schemas.microsoft.com/office/drawing/2014/main" id="{67ED0BE8-BCFB-B8BB-6B76-D8211AFEAB27}"/>
-                </a:ext>
-              </a:extLst>
-            </p:cNvPr>
-            <p:cNvCxnSpPr/>
-            <p:nvPr/>
-          </p:nvCxnSpPr>
-          <p:spPr>
-            <a:xfrm>
-              <a:off x="3536159" y="2215832"/>
-              <a:ext cx="269081" cy="0"/>
-            </a:xfrm>
-            <a:prstGeom prst="straightConnector1">
-              <a:avLst/>
-            </a:prstGeom>
-            <a:ln w="47625">
-              <a:tailEnd type="stealth" w="lg" len="lg"/>
-            </a:ln>
-          </p:spPr>
-          <p:style>
-            <a:lnRef idx="1">
-              <a:schemeClr val="accent1"/>
-            </a:lnRef>
-            <a:fillRef idx="0">
-              <a:schemeClr val="accent1"/>
-            </a:fillRef>
-            <a:effectRef idx="0">
-              <a:schemeClr val="accent1"/>
-            </a:effectRef>
-            <a:fontRef idx="minor">
-              <a:schemeClr val="tx1"/>
-            </a:fontRef>
-          </p:style>
-        </p:cxnSp>
-      </p:grpSp>
-    </p:spTree>
-    <p:extLst>
-      <p:ext uri="{BB962C8B-B14F-4D97-AF65-F5344CB8AC3E}">
-        <p14:creationId xmlns:p14="http://schemas.microsoft.com/office/powerpoint/2010/main" val="3549598787"/>
-      </p:ext>
-    </p:extLst>
-  </p:cSld>
-  <p:clrMapOvr>
-    <a:masterClrMapping/>
-  </p:clrMapOvr>
-</p:sld>
-</file>
-
-<file path=ppt/slides/slide30.xml><?xml version="1.0" encoding="utf-8"?>
+<file path=ppt/slides/slide29.xml><?xml version="1.0" encoding="utf-8"?>
 <p:sld xmlns:a="http://schemas.openxmlformats.org/drawingml/2006/main" xmlns:r="http://schemas.openxmlformats.org/officeDocument/2006/relationships" xmlns:p="http://schemas.openxmlformats.org/presentationml/2006/main">
   <p:cSld>
     <p:spTree>
@@ -19654,7 +19149,725 @@
 </p:sld>
 </file>
 
-<file path=ppt/slides/slide31.xml><?xml version="1.0" encoding="utf-8"?>
+<file path=ppt/slides/slide3.xml><?xml version="1.0" encoding="utf-8"?>
+<p:sld xmlns:a="http://schemas.openxmlformats.org/drawingml/2006/main" xmlns:r="http://schemas.openxmlformats.org/officeDocument/2006/relationships" xmlns:p="http://schemas.openxmlformats.org/presentationml/2006/main">
+  <p:cSld>
+    <p:spTree>
+      <p:nvGrpSpPr>
+        <p:cNvPr id="1" name=""/>
+        <p:cNvGrpSpPr/>
+        <p:nvPr/>
+      </p:nvGrpSpPr>
+      <p:grpSpPr>
+        <a:xfrm>
+          <a:off x="0" y="0"/>
+          <a:ext cx="0" cy="0"/>
+          <a:chOff x="0" y="0"/>
+          <a:chExt cx="0" cy="0"/>
+        </a:xfrm>
+      </p:grpSpPr>
+      <p:grpSp>
+        <p:nvGrpSpPr>
+          <p:cNvPr id="36" name="Group 35">
+            <a:extLst>
+              <a:ext uri="{FF2B5EF4-FFF2-40B4-BE49-F238E27FC236}">
+                <a16:creationId xmlns:a16="http://schemas.microsoft.com/office/drawing/2014/main" id="{F8A36A5D-9C52-F371-1351-0FD1A96AE0D7}"/>
+              </a:ext>
+            </a:extLst>
+          </p:cNvPr>
+          <p:cNvGrpSpPr/>
+          <p:nvPr/>
+        </p:nvGrpSpPr>
+        <p:grpSpPr>
+          <a:xfrm>
+            <a:off x="923925" y="307507"/>
+            <a:ext cx="6657975" cy="5867441"/>
+            <a:chOff x="2143125" y="278932"/>
+            <a:chExt cx="6657975" cy="5867441"/>
+          </a:xfrm>
+        </p:grpSpPr>
+        <p:pic>
+          <p:nvPicPr>
+            <p:cNvPr id="3" name="Picture 2">
+              <a:extLst>
+                <a:ext uri="{FF2B5EF4-FFF2-40B4-BE49-F238E27FC236}">
+                  <a16:creationId xmlns:a16="http://schemas.microsoft.com/office/drawing/2014/main" id="{36D787FE-7A9E-9657-BA47-A99C29A22C5D}"/>
+                </a:ext>
+              </a:extLst>
+            </p:cNvPr>
+            <p:cNvPicPr>
+              <a:picLocks noChangeAspect="1"/>
+            </p:cNvPicPr>
+            <p:nvPr/>
+          </p:nvPicPr>
+          <p:blipFill rotWithShape="1">
+            <a:blip r:embed="rId2"/>
+            <a:srcRect t="3007" r="3954" b="10074"/>
+            <a:stretch/>
+          </p:blipFill>
+          <p:spPr>
+            <a:xfrm>
+              <a:off x="3248025" y="278932"/>
+              <a:ext cx="5553075" cy="5861518"/>
+            </a:xfrm>
+            <a:prstGeom prst="rect">
+              <a:avLst/>
+            </a:prstGeom>
+          </p:spPr>
+        </p:pic>
+        <p:sp>
+          <p:nvSpPr>
+            <p:cNvPr id="4" name="Левая фигурная скобка 25">
+              <a:extLst>
+                <a:ext uri="{FF2B5EF4-FFF2-40B4-BE49-F238E27FC236}">
+                  <a16:creationId xmlns:a16="http://schemas.microsoft.com/office/drawing/2014/main" id="{6267E057-9F6F-E5A0-6A7F-0F7538961308}"/>
+                </a:ext>
+              </a:extLst>
+            </p:cNvPr>
+            <p:cNvSpPr/>
+            <p:nvPr/>
+          </p:nvSpPr>
+          <p:spPr>
+            <a:xfrm>
+              <a:off x="3395292" y="2524125"/>
+              <a:ext cx="276225" cy="612026"/>
+            </a:xfrm>
+            <a:prstGeom prst="leftBrace">
+              <a:avLst>
+                <a:gd name="adj1" fmla="val 35919"/>
+                <a:gd name="adj2" fmla="val 50629"/>
+              </a:avLst>
+            </a:prstGeom>
+            <a:ln w="28575">
+              <a:solidFill>
+                <a:srgbClr val="0070C0"/>
+              </a:solidFill>
+            </a:ln>
+          </p:spPr>
+          <p:style>
+            <a:lnRef idx="1">
+              <a:schemeClr val="accent1"/>
+            </a:lnRef>
+            <a:fillRef idx="0">
+              <a:schemeClr val="accent1"/>
+            </a:fillRef>
+            <a:effectRef idx="0">
+              <a:schemeClr val="accent1"/>
+            </a:effectRef>
+            <a:fontRef idx="minor">
+              <a:schemeClr val="tx1"/>
+            </a:fontRef>
+          </p:style>
+          <p:txBody>
+            <a:bodyPr rtlCol="0" anchor="ctr"/>
+            <a:lstStyle/>
+            <a:p>
+              <a:pPr algn="ctr"/>
+              <a:endParaRPr lang="ru-RU" sz="1100">
+                <a:latin typeface="Times New Roman" panose="02020603050405020304" pitchFamily="18" charset="0"/>
+                <a:cs typeface="Times New Roman" panose="02020603050405020304" pitchFamily="18" charset="0"/>
+              </a:endParaRPr>
+            </a:p>
+          </p:txBody>
+        </p:sp>
+        <p:sp>
+          <p:nvSpPr>
+            <p:cNvPr id="5" name="Левая фигурная скобка 26">
+              <a:extLst>
+                <a:ext uri="{FF2B5EF4-FFF2-40B4-BE49-F238E27FC236}">
+                  <a16:creationId xmlns:a16="http://schemas.microsoft.com/office/drawing/2014/main" id="{5CC620E3-FC1E-606E-2FBE-A135877146EC}"/>
+                </a:ext>
+              </a:extLst>
+            </p:cNvPr>
+            <p:cNvSpPr/>
+            <p:nvPr/>
+          </p:nvSpPr>
+          <p:spPr>
+            <a:xfrm>
+              <a:off x="3414342" y="3526677"/>
+              <a:ext cx="276225" cy="1254874"/>
+            </a:xfrm>
+            <a:prstGeom prst="leftBrace">
+              <a:avLst>
+                <a:gd name="adj1" fmla="val 35919"/>
+                <a:gd name="adj2" fmla="val 50629"/>
+              </a:avLst>
+            </a:prstGeom>
+            <a:ln w="28575">
+              <a:solidFill>
+                <a:srgbClr val="0070C0"/>
+              </a:solidFill>
+            </a:ln>
+          </p:spPr>
+          <p:style>
+            <a:lnRef idx="1">
+              <a:schemeClr val="accent1"/>
+            </a:lnRef>
+            <a:fillRef idx="0">
+              <a:schemeClr val="accent1"/>
+            </a:fillRef>
+            <a:effectRef idx="0">
+              <a:schemeClr val="accent1"/>
+            </a:effectRef>
+            <a:fontRef idx="minor">
+              <a:schemeClr val="tx1"/>
+            </a:fontRef>
+          </p:style>
+          <p:txBody>
+            <a:bodyPr rtlCol="0" anchor="ctr"/>
+            <a:lstStyle/>
+            <a:p>
+              <a:pPr algn="ctr"/>
+              <a:endParaRPr lang="ru-RU" sz="1100">
+                <a:latin typeface="Times New Roman" panose="02020603050405020304" pitchFamily="18" charset="0"/>
+                <a:cs typeface="Times New Roman" panose="02020603050405020304" pitchFamily="18" charset="0"/>
+              </a:endParaRPr>
+            </a:p>
+          </p:txBody>
+        </p:sp>
+        <p:cxnSp>
+          <p:nvCxnSpPr>
+            <p:cNvPr id="6" name="Прямая со стрелкой 27">
+              <a:extLst>
+                <a:ext uri="{FF2B5EF4-FFF2-40B4-BE49-F238E27FC236}">
+                  <a16:creationId xmlns:a16="http://schemas.microsoft.com/office/drawing/2014/main" id="{A6E118F9-80A6-FF96-513B-5DFD82BF2DEB}"/>
+                </a:ext>
+              </a:extLst>
+            </p:cNvPr>
+            <p:cNvCxnSpPr/>
+            <p:nvPr/>
+          </p:nvCxnSpPr>
+          <p:spPr>
+            <a:xfrm>
+              <a:off x="3421486" y="2078876"/>
+              <a:ext cx="269081" cy="0"/>
+            </a:xfrm>
+            <a:prstGeom prst="straightConnector1">
+              <a:avLst/>
+            </a:prstGeom>
+            <a:ln w="47625">
+              <a:tailEnd type="stealth" w="lg" len="lg"/>
+            </a:ln>
+          </p:spPr>
+          <p:style>
+            <a:lnRef idx="1">
+              <a:schemeClr val="accent1"/>
+            </a:lnRef>
+            <a:fillRef idx="0">
+              <a:schemeClr val="accent1"/>
+            </a:fillRef>
+            <a:effectRef idx="0">
+              <a:schemeClr val="accent1"/>
+            </a:effectRef>
+            <a:fontRef idx="minor">
+              <a:schemeClr val="tx1"/>
+            </a:fontRef>
+          </p:style>
+        </p:cxnSp>
+        <p:cxnSp>
+          <p:nvCxnSpPr>
+            <p:cNvPr id="7" name="Прямая со стрелкой 28">
+              <a:extLst>
+                <a:ext uri="{FF2B5EF4-FFF2-40B4-BE49-F238E27FC236}">
+                  <a16:creationId xmlns:a16="http://schemas.microsoft.com/office/drawing/2014/main" id="{24544876-6CF3-8BA6-9982-37645621893B}"/>
+                </a:ext>
+              </a:extLst>
+            </p:cNvPr>
+            <p:cNvCxnSpPr/>
+            <p:nvPr/>
+          </p:nvCxnSpPr>
+          <p:spPr>
+            <a:xfrm>
+              <a:off x="3422486" y="3326651"/>
+              <a:ext cx="269081" cy="0"/>
+            </a:xfrm>
+            <a:prstGeom prst="straightConnector1">
+              <a:avLst/>
+            </a:prstGeom>
+            <a:ln w="47625">
+              <a:tailEnd type="stealth" w="lg" len="lg"/>
+            </a:ln>
+          </p:spPr>
+          <p:style>
+            <a:lnRef idx="1">
+              <a:schemeClr val="accent1"/>
+            </a:lnRef>
+            <a:fillRef idx="0">
+              <a:schemeClr val="accent1"/>
+            </a:fillRef>
+            <a:effectRef idx="0">
+              <a:schemeClr val="accent1"/>
+            </a:effectRef>
+            <a:fontRef idx="minor">
+              <a:schemeClr val="tx1"/>
+            </a:fontRef>
+          </p:style>
+        </p:cxnSp>
+        <p:sp>
+          <p:nvSpPr>
+            <p:cNvPr id="14" name="Левая фигурная скобка 34">
+              <a:extLst>
+                <a:ext uri="{FF2B5EF4-FFF2-40B4-BE49-F238E27FC236}">
+                  <a16:creationId xmlns:a16="http://schemas.microsoft.com/office/drawing/2014/main" id="{490DC4B5-D35F-F0C4-0AA3-ED77CCC4A64A}"/>
+                </a:ext>
+              </a:extLst>
+            </p:cNvPr>
+            <p:cNvSpPr/>
+            <p:nvPr/>
+          </p:nvSpPr>
+          <p:spPr>
+            <a:xfrm>
+              <a:off x="3414939" y="5698376"/>
+              <a:ext cx="276225" cy="416674"/>
+            </a:xfrm>
+            <a:prstGeom prst="leftBrace">
+              <a:avLst>
+                <a:gd name="adj1" fmla="val 35919"/>
+                <a:gd name="adj2" fmla="val 50629"/>
+              </a:avLst>
+            </a:prstGeom>
+            <a:ln w="28575">
+              <a:solidFill>
+                <a:srgbClr val="0070C0"/>
+              </a:solidFill>
+            </a:ln>
+          </p:spPr>
+          <p:style>
+            <a:lnRef idx="1">
+              <a:schemeClr val="accent1"/>
+            </a:lnRef>
+            <a:fillRef idx="0">
+              <a:schemeClr val="accent1"/>
+            </a:fillRef>
+            <a:effectRef idx="0">
+              <a:schemeClr val="accent1"/>
+            </a:effectRef>
+            <a:fontRef idx="minor">
+              <a:schemeClr val="tx1"/>
+            </a:fontRef>
+          </p:style>
+          <p:txBody>
+            <a:bodyPr rtlCol="0" anchor="ctr"/>
+            <a:lstStyle/>
+            <a:p>
+              <a:pPr algn="ctr"/>
+              <a:endParaRPr lang="ru-RU" sz="1100">
+                <a:latin typeface="Times New Roman" panose="02020603050405020304" pitchFamily="18" charset="0"/>
+                <a:cs typeface="Times New Roman" panose="02020603050405020304" pitchFamily="18" charset="0"/>
+              </a:endParaRPr>
+            </a:p>
+          </p:txBody>
+        </p:sp>
+        <p:sp>
+          <p:nvSpPr>
+            <p:cNvPr id="15" name="Левая фигурная скобка 35">
+              <a:extLst>
+                <a:ext uri="{FF2B5EF4-FFF2-40B4-BE49-F238E27FC236}">
+                  <a16:creationId xmlns:a16="http://schemas.microsoft.com/office/drawing/2014/main" id="{1E8F8CD9-7175-3FAA-44ED-D26B5B820CE5}"/>
+                </a:ext>
+              </a:extLst>
+            </p:cNvPr>
+            <p:cNvSpPr/>
+            <p:nvPr/>
+          </p:nvSpPr>
+          <p:spPr>
+            <a:xfrm>
+              <a:off x="3413373" y="4945900"/>
+              <a:ext cx="276225" cy="645275"/>
+            </a:xfrm>
+            <a:prstGeom prst="leftBrace">
+              <a:avLst>
+                <a:gd name="adj1" fmla="val 35919"/>
+                <a:gd name="adj2" fmla="val 50629"/>
+              </a:avLst>
+            </a:prstGeom>
+            <a:ln w="28575">
+              <a:solidFill>
+                <a:srgbClr val="0070C0"/>
+              </a:solidFill>
+            </a:ln>
+          </p:spPr>
+          <p:style>
+            <a:lnRef idx="1">
+              <a:schemeClr val="accent1"/>
+            </a:lnRef>
+            <a:fillRef idx="0">
+              <a:schemeClr val="accent1"/>
+            </a:fillRef>
+            <a:effectRef idx="0">
+              <a:schemeClr val="accent1"/>
+            </a:effectRef>
+            <a:fontRef idx="minor">
+              <a:schemeClr val="tx1"/>
+            </a:fontRef>
+          </p:style>
+          <p:txBody>
+            <a:bodyPr rtlCol="0" anchor="ctr"/>
+            <a:lstStyle/>
+            <a:p>
+              <a:pPr algn="ctr"/>
+              <a:endParaRPr lang="ru-RU" sz="1100">
+                <a:latin typeface="Times New Roman" panose="02020603050405020304" pitchFamily="18" charset="0"/>
+                <a:cs typeface="Times New Roman" panose="02020603050405020304" pitchFamily="18" charset="0"/>
+              </a:endParaRPr>
+            </a:p>
+          </p:txBody>
+        </p:sp>
+        <p:cxnSp>
+          <p:nvCxnSpPr>
+            <p:cNvPr id="17" name="Прямая со стрелкой 37">
+              <a:extLst>
+                <a:ext uri="{FF2B5EF4-FFF2-40B4-BE49-F238E27FC236}">
+                  <a16:creationId xmlns:a16="http://schemas.microsoft.com/office/drawing/2014/main" id="{BF5AFA0F-990E-8A76-7522-4C5A24FFBAB4}"/>
+                </a:ext>
+              </a:extLst>
+            </p:cNvPr>
+            <p:cNvCxnSpPr/>
+            <p:nvPr/>
+          </p:nvCxnSpPr>
+          <p:spPr>
+            <a:xfrm>
+              <a:off x="3421859" y="2358707"/>
+              <a:ext cx="269081" cy="0"/>
+            </a:xfrm>
+            <a:prstGeom prst="straightConnector1">
+              <a:avLst/>
+            </a:prstGeom>
+            <a:ln w="47625">
+              <a:tailEnd type="stealth" w="lg" len="lg"/>
+            </a:ln>
+          </p:spPr>
+          <p:style>
+            <a:lnRef idx="1">
+              <a:schemeClr val="accent1"/>
+            </a:lnRef>
+            <a:fillRef idx="0">
+              <a:schemeClr val="accent1"/>
+            </a:fillRef>
+            <a:effectRef idx="0">
+              <a:schemeClr val="accent1"/>
+            </a:effectRef>
+            <a:fontRef idx="minor">
+              <a:schemeClr val="tx1"/>
+            </a:fontRef>
+          </p:style>
+        </p:cxnSp>
+        <p:sp>
+          <p:nvSpPr>
+            <p:cNvPr id="24" name="TextBox 23">
+              <a:extLst>
+                <a:ext uri="{FF2B5EF4-FFF2-40B4-BE49-F238E27FC236}">
+                  <a16:creationId xmlns:a16="http://schemas.microsoft.com/office/drawing/2014/main" id="{4857844D-20B1-E588-210C-037A3554A513}"/>
+                </a:ext>
+              </a:extLst>
+            </p:cNvPr>
+            <p:cNvSpPr txBox="1"/>
+            <p:nvPr/>
+          </p:nvSpPr>
+          <p:spPr>
+            <a:xfrm>
+              <a:off x="2716510" y="1934968"/>
+              <a:ext cx="796528" cy="261610"/>
+            </a:xfrm>
+            <a:prstGeom prst="rect">
+              <a:avLst/>
+            </a:prstGeom>
+            <a:noFill/>
+          </p:spPr>
+          <p:txBody>
+            <a:bodyPr wrap="square" rtlCol="0">
+              <a:spAutoFit/>
+            </a:bodyPr>
+            <a:lstStyle/>
+            <a:p>
+              <a:pPr algn="ctr"/>
+              <a:r>
+                <a:rPr lang="en-US" sz="1100" dirty="0">
+                  <a:latin typeface="Times New Roman" panose="02020603050405020304" pitchFamily="18" charset="0"/>
+                  <a:cs typeface="Times New Roman" panose="02020603050405020304" pitchFamily="18" charset="0"/>
+                </a:rPr>
+                <a:t>Menu</a:t>
+              </a:r>
+              <a:endParaRPr lang="ru-RU" sz="1100" dirty="0">
+                <a:latin typeface="Times New Roman" panose="02020603050405020304" pitchFamily="18" charset="0"/>
+                <a:cs typeface="Times New Roman" panose="02020603050405020304" pitchFamily="18" charset="0"/>
+              </a:endParaRPr>
+            </a:p>
+          </p:txBody>
+        </p:sp>
+        <p:sp>
+          <p:nvSpPr>
+            <p:cNvPr id="26" name="TextBox 25">
+              <a:extLst>
+                <a:ext uri="{FF2B5EF4-FFF2-40B4-BE49-F238E27FC236}">
+                  <a16:creationId xmlns:a16="http://schemas.microsoft.com/office/drawing/2014/main" id="{FB64242F-494C-1CA3-9EDC-9F070C23196D}"/>
+                </a:ext>
+              </a:extLst>
+            </p:cNvPr>
+            <p:cNvSpPr txBox="1"/>
+            <p:nvPr/>
+          </p:nvSpPr>
+          <p:spPr>
+            <a:xfrm>
+              <a:off x="2227163" y="2692915"/>
+              <a:ext cx="1209675" cy="261610"/>
+            </a:xfrm>
+            <a:prstGeom prst="rect">
+              <a:avLst/>
+            </a:prstGeom>
+            <a:noFill/>
+          </p:spPr>
+          <p:txBody>
+            <a:bodyPr wrap="square" rtlCol="0">
+              <a:spAutoFit/>
+            </a:bodyPr>
+            <a:lstStyle/>
+            <a:p>
+              <a:pPr algn="ctr"/>
+              <a:r>
+                <a:rPr lang="en-US" sz="1100" dirty="0">
+                  <a:latin typeface="Times New Roman" panose="02020603050405020304" pitchFamily="18" charset="0"/>
+                  <a:cs typeface="Times New Roman" panose="02020603050405020304" pitchFamily="18" charset="0"/>
+                </a:rPr>
+                <a:t>Layered structure</a:t>
+              </a:r>
+              <a:endParaRPr lang="ru-RU" sz="1100" dirty="0">
+                <a:latin typeface="Times New Roman" panose="02020603050405020304" pitchFamily="18" charset="0"/>
+                <a:cs typeface="Times New Roman" panose="02020603050405020304" pitchFamily="18" charset="0"/>
+              </a:endParaRPr>
+            </a:p>
+          </p:txBody>
+        </p:sp>
+        <p:sp>
+          <p:nvSpPr>
+            <p:cNvPr id="27" name="TextBox 26">
+              <a:extLst>
+                <a:ext uri="{FF2B5EF4-FFF2-40B4-BE49-F238E27FC236}">
+                  <a16:creationId xmlns:a16="http://schemas.microsoft.com/office/drawing/2014/main" id="{7C0BF45C-8903-59D8-9B27-267BB2ACBD68}"/>
+                </a:ext>
+              </a:extLst>
+            </p:cNvPr>
+            <p:cNvSpPr txBox="1"/>
+            <p:nvPr/>
+          </p:nvSpPr>
+          <p:spPr>
+            <a:xfrm>
+              <a:off x="2430165" y="3186432"/>
+              <a:ext cx="1110853" cy="261610"/>
+            </a:xfrm>
+            <a:prstGeom prst="rect">
+              <a:avLst/>
+            </a:prstGeom>
+            <a:noFill/>
+          </p:spPr>
+          <p:txBody>
+            <a:bodyPr wrap="square" rtlCol="0">
+              <a:spAutoFit/>
+            </a:bodyPr>
+            <a:lstStyle/>
+            <a:p>
+              <a:pPr algn="ctr"/>
+              <a:r>
+                <a:rPr lang="en-US" sz="1100" dirty="0">
+                  <a:latin typeface="Times New Roman" panose="02020603050405020304" pitchFamily="18" charset="0"/>
+                  <a:cs typeface="Times New Roman" panose="02020603050405020304" pitchFamily="18" charset="0"/>
+                </a:rPr>
+                <a:t>Toolbar</a:t>
+              </a:r>
+              <a:endParaRPr lang="ru-RU" sz="1100" dirty="0">
+                <a:latin typeface="Times New Roman" panose="02020603050405020304" pitchFamily="18" charset="0"/>
+                <a:cs typeface="Times New Roman" panose="02020603050405020304" pitchFamily="18" charset="0"/>
+              </a:endParaRPr>
+            </a:p>
+          </p:txBody>
+        </p:sp>
+        <p:sp>
+          <p:nvSpPr>
+            <p:cNvPr id="28" name="TextBox 27">
+              <a:extLst>
+                <a:ext uri="{FF2B5EF4-FFF2-40B4-BE49-F238E27FC236}">
+                  <a16:creationId xmlns:a16="http://schemas.microsoft.com/office/drawing/2014/main" id="{493A8704-DB96-CF3B-1320-AB023DC769A5}"/>
+                </a:ext>
+              </a:extLst>
+            </p:cNvPr>
+            <p:cNvSpPr txBox="1"/>
+            <p:nvPr/>
+          </p:nvSpPr>
+          <p:spPr>
+            <a:xfrm>
+              <a:off x="2293838" y="3954860"/>
+              <a:ext cx="1136302" cy="430887"/>
+            </a:xfrm>
+            <a:prstGeom prst="rect">
+              <a:avLst/>
+            </a:prstGeom>
+            <a:noFill/>
+          </p:spPr>
+          <p:txBody>
+            <a:bodyPr wrap="square" rtlCol="0">
+              <a:spAutoFit/>
+            </a:bodyPr>
+            <a:lstStyle/>
+            <a:p>
+              <a:pPr algn="ctr"/>
+              <a:r>
+                <a:rPr lang="en-US" sz="1100" dirty="0">
+                  <a:latin typeface="Times New Roman" panose="02020603050405020304" pitchFamily="18" charset="0"/>
+                  <a:cs typeface="Times New Roman" panose="02020603050405020304" pitchFamily="18" charset="0"/>
+                </a:rPr>
+                <a:t>Access to other windows</a:t>
+              </a:r>
+              <a:endParaRPr lang="ru-RU" sz="1100" dirty="0">
+                <a:latin typeface="Times New Roman" panose="02020603050405020304" pitchFamily="18" charset="0"/>
+                <a:cs typeface="Times New Roman" panose="02020603050405020304" pitchFamily="18" charset="0"/>
+              </a:endParaRPr>
+            </a:p>
+          </p:txBody>
+        </p:sp>
+        <p:sp>
+          <p:nvSpPr>
+            <p:cNvPr id="29" name="TextBox 28">
+              <a:extLst>
+                <a:ext uri="{FF2B5EF4-FFF2-40B4-BE49-F238E27FC236}">
+                  <a16:creationId xmlns:a16="http://schemas.microsoft.com/office/drawing/2014/main" id="{AC0F9CD0-B21E-8D20-093E-D5EC05D9DA5C}"/>
+                </a:ext>
+              </a:extLst>
+            </p:cNvPr>
+            <p:cNvSpPr txBox="1"/>
+            <p:nvPr/>
+          </p:nvSpPr>
+          <p:spPr>
+            <a:xfrm>
+              <a:off x="2258304" y="5715486"/>
+              <a:ext cx="1318841" cy="430887"/>
+            </a:xfrm>
+            <a:prstGeom prst="rect">
+              <a:avLst/>
+            </a:prstGeom>
+            <a:noFill/>
+          </p:spPr>
+          <p:txBody>
+            <a:bodyPr wrap="square" rtlCol="0">
+              <a:spAutoFit/>
+            </a:bodyPr>
+            <a:lstStyle/>
+            <a:p>
+              <a:pPr algn="ctr"/>
+              <a:r>
+                <a:rPr lang="en-US" sz="1100" dirty="0">
+                  <a:latin typeface="Times New Roman" panose="02020603050405020304" pitchFamily="18" charset="0"/>
+                  <a:cs typeface="Times New Roman" panose="02020603050405020304" pitchFamily="18" charset="0"/>
+                </a:rPr>
+                <a:t>Measured and target curves</a:t>
+              </a:r>
+              <a:endParaRPr lang="ru-RU" sz="1100" dirty="0">
+                <a:latin typeface="Times New Roman" panose="02020603050405020304" pitchFamily="18" charset="0"/>
+                <a:cs typeface="Times New Roman" panose="02020603050405020304" pitchFamily="18" charset="0"/>
+              </a:endParaRPr>
+            </a:p>
+          </p:txBody>
+        </p:sp>
+        <p:sp>
+          <p:nvSpPr>
+            <p:cNvPr id="32" name="TextBox 31">
+              <a:extLst>
+                <a:ext uri="{FF2B5EF4-FFF2-40B4-BE49-F238E27FC236}">
+                  <a16:creationId xmlns:a16="http://schemas.microsoft.com/office/drawing/2014/main" id="{296A2AFC-949B-F2C5-8067-090D9A074592}"/>
+                </a:ext>
+              </a:extLst>
+            </p:cNvPr>
+            <p:cNvSpPr txBox="1"/>
+            <p:nvPr/>
+          </p:nvSpPr>
+          <p:spPr>
+            <a:xfrm>
+              <a:off x="2234752" y="5064212"/>
+              <a:ext cx="1368773" cy="430887"/>
+            </a:xfrm>
+            <a:prstGeom prst="rect">
+              <a:avLst/>
+            </a:prstGeom>
+            <a:noFill/>
+          </p:spPr>
+          <p:txBody>
+            <a:bodyPr wrap="square" rtlCol="0">
+              <a:spAutoFit/>
+            </a:bodyPr>
+            <a:lstStyle/>
+            <a:p>
+              <a:pPr algn="ctr"/>
+              <a:r>
+                <a:rPr lang="en-US" sz="1100" dirty="0">
+                  <a:latin typeface="Times New Roman" panose="02020603050405020304" pitchFamily="18" charset="0"/>
+                  <a:cs typeface="Times New Roman" panose="02020603050405020304" pitchFamily="18" charset="0"/>
+                </a:rPr>
+                <a:t>Curves without measured data</a:t>
+              </a:r>
+              <a:endParaRPr lang="ru-RU" sz="1100" dirty="0">
+                <a:latin typeface="Times New Roman" panose="02020603050405020304" pitchFamily="18" charset="0"/>
+                <a:cs typeface="Times New Roman" panose="02020603050405020304" pitchFamily="18" charset="0"/>
+              </a:endParaRPr>
+            </a:p>
+          </p:txBody>
+        </p:sp>
+        <p:sp>
+          <p:nvSpPr>
+            <p:cNvPr id="34" name="TextBox 33">
+              <a:extLst>
+                <a:ext uri="{FF2B5EF4-FFF2-40B4-BE49-F238E27FC236}">
+                  <a16:creationId xmlns:a16="http://schemas.microsoft.com/office/drawing/2014/main" id="{5095FCD9-CE76-12C8-5305-1E2BE51A1247}"/>
+                </a:ext>
+              </a:extLst>
+            </p:cNvPr>
+            <p:cNvSpPr txBox="1"/>
+            <p:nvPr/>
+          </p:nvSpPr>
+          <p:spPr>
+            <a:xfrm>
+              <a:off x="2143125" y="2246702"/>
+              <a:ext cx="1316204" cy="261610"/>
+            </a:xfrm>
+            <a:prstGeom prst="rect">
+              <a:avLst/>
+            </a:prstGeom>
+            <a:noFill/>
+          </p:spPr>
+          <p:txBody>
+            <a:bodyPr wrap="square" rtlCol="0">
+              <a:spAutoFit/>
+            </a:bodyPr>
+            <a:lstStyle/>
+            <a:p>
+              <a:pPr algn="ctr"/>
+              <a:r>
+                <a:rPr lang="en-US" sz="1100" dirty="0">
+                  <a:latin typeface="Times New Roman" panose="02020603050405020304" pitchFamily="18" charset="0"/>
+                  <a:cs typeface="Times New Roman" panose="02020603050405020304" pitchFamily="18" charset="0"/>
+                </a:rPr>
+                <a:t>Tabs with structures</a:t>
+              </a:r>
+              <a:endParaRPr lang="ru-RU" sz="1100" dirty="0">
+                <a:latin typeface="Times New Roman" panose="02020603050405020304" pitchFamily="18" charset="0"/>
+                <a:cs typeface="Times New Roman" panose="02020603050405020304" pitchFamily="18" charset="0"/>
+              </a:endParaRPr>
+            </a:p>
+          </p:txBody>
+        </p:sp>
+      </p:grpSp>
+    </p:spTree>
+    <p:extLst>
+      <p:ext uri="{BB962C8B-B14F-4D97-AF65-F5344CB8AC3E}">
+        <p14:creationId xmlns:p14="http://schemas.microsoft.com/office/powerpoint/2010/main" val="4009726277"/>
+      </p:ext>
+    </p:extLst>
+  </p:cSld>
+  <p:clrMapOvr>
+    <a:masterClrMapping/>
+  </p:clrMapOvr>
+</p:sld>
+</file>
+
+<file path=ppt/slides/slide30.xml><?xml version="1.0" encoding="utf-8"?>
 <p:sld xmlns:a="http://schemas.openxmlformats.org/drawingml/2006/main" xmlns:r="http://schemas.openxmlformats.org/officeDocument/2006/relationships" xmlns:p="http://schemas.openxmlformats.org/presentationml/2006/main">
   <p:cSld>
     <p:spTree>
@@ -20571,7 +20784,7 @@
 </p:sld>
 </file>
 
-<file path=ppt/slides/slide32.xml><?xml version="1.0" encoding="utf-8"?>
+<file path=ppt/slides/slide31.xml><?xml version="1.0" encoding="utf-8"?>
 <p:sld xmlns:a="http://schemas.openxmlformats.org/drawingml/2006/main" xmlns:r="http://schemas.openxmlformats.org/officeDocument/2006/relationships" xmlns:p="http://schemas.openxmlformats.org/presentationml/2006/main">
   <p:cSld>
     <p:spTree>
@@ -21051,7 +21264,7 @@
 </p:sld>
 </file>
 
-<file path=ppt/slides/slide33.xml><?xml version="1.0" encoding="utf-8"?>
+<file path=ppt/slides/slide32.xml><?xml version="1.0" encoding="utf-8"?>
 <p:sld xmlns:a="http://schemas.openxmlformats.org/drawingml/2006/main" xmlns:r="http://schemas.openxmlformats.org/officeDocument/2006/relationships" xmlns:p="http://schemas.openxmlformats.org/presentationml/2006/main">
   <p:cSld>
     <p:spTree>
@@ -21458,7 +21671,7 @@
 </p:sld>
 </file>
 
-<file path=ppt/slides/slide34.xml><?xml version="1.0" encoding="utf-8"?>
+<file path=ppt/slides/slide33.xml><?xml version="1.0" encoding="utf-8"?>
 <p:sld xmlns:a="http://schemas.openxmlformats.org/drawingml/2006/main" xmlns:r="http://schemas.openxmlformats.org/officeDocument/2006/relationships" xmlns:p="http://schemas.openxmlformats.org/presentationml/2006/main">
   <p:cSld>
     <p:spTree>
@@ -21885,7 +22098,7 @@
 </p:sld>
 </file>
 
-<file path=ppt/slides/slide35.xml><?xml version="1.0" encoding="utf-8"?>
+<file path=ppt/slides/slide34.xml><?xml version="1.0" encoding="utf-8"?>
 <p:sld xmlns:a="http://schemas.openxmlformats.org/drawingml/2006/main" xmlns:r="http://schemas.openxmlformats.org/officeDocument/2006/relationships" xmlns:p="http://schemas.openxmlformats.org/presentationml/2006/main">
   <p:cSld>
     <p:spTree>
@@ -22120,7 +22333,7 @@
 </p:sld>
 </file>
 
-<file path=ppt/slides/slide36.xml><?xml version="1.0" encoding="utf-8"?>
+<file path=ppt/slides/slide35.xml><?xml version="1.0" encoding="utf-8"?>
 <p:sld xmlns:a="http://schemas.openxmlformats.org/drawingml/2006/main" xmlns:r="http://schemas.openxmlformats.org/officeDocument/2006/relationships" xmlns:p="http://schemas.openxmlformats.org/presentationml/2006/main">
   <p:cSld>
     <p:spTree>
@@ -22767,7 +22980,7 @@
 </p:sld>
 </file>
 
-<file path=ppt/slides/slide37.xml><?xml version="1.0" encoding="utf-8"?>
+<file path=ppt/slides/slide36.xml><?xml version="1.0" encoding="utf-8"?>
 <p:sld xmlns:a="http://schemas.openxmlformats.org/drawingml/2006/main" xmlns:r="http://schemas.openxmlformats.org/officeDocument/2006/relationships" xmlns:p="http://schemas.openxmlformats.org/presentationml/2006/main">
   <p:cSld>
     <p:spTree>
@@ -23341,7 +23554,7 @@
 </p:sld>
 </file>
 
-<file path=ppt/slides/slide38.xml><?xml version="1.0" encoding="utf-8"?>
+<file path=ppt/slides/slide37.xml><?xml version="1.0" encoding="utf-8"?>
 <p:sld xmlns:a="http://schemas.openxmlformats.org/drawingml/2006/main" xmlns:r="http://schemas.openxmlformats.org/officeDocument/2006/relationships" xmlns:p="http://schemas.openxmlformats.org/presentationml/2006/main">
   <p:cSld>
     <p:spTree>
@@ -25415,7 +25628,7 @@
 </p:sld>
 </file>
 
-<file path=ppt/slides/slide39.xml><?xml version="1.0" encoding="utf-8"?>
+<file path=ppt/slides/slide38.xml><?xml version="1.0" encoding="utf-8"?>
 <p:sld xmlns:a="http://schemas.openxmlformats.org/drawingml/2006/main" xmlns:r="http://schemas.openxmlformats.org/officeDocument/2006/relationships" xmlns:p="http://schemas.openxmlformats.org/presentationml/2006/main">
   <p:cSld>
     <p:spTree>
@@ -26183,725 +26396,7 @@
 </p:sld>
 </file>
 
-<file path=ppt/slides/slide4.xml><?xml version="1.0" encoding="utf-8"?>
-<p:sld xmlns:a="http://schemas.openxmlformats.org/drawingml/2006/main" xmlns:r="http://schemas.openxmlformats.org/officeDocument/2006/relationships" xmlns:p="http://schemas.openxmlformats.org/presentationml/2006/main">
-  <p:cSld>
-    <p:spTree>
-      <p:nvGrpSpPr>
-        <p:cNvPr id="1" name=""/>
-        <p:cNvGrpSpPr/>
-        <p:nvPr/>
-      </p:nvGrpSpPr>
-      <p:grpSpPr>
-        <a:xfrm>
-          <a:off x="0" y="0"/>
-          <a:ext cx="0" cy="0"/>
-          <a:chOff x="0" y="0"/>
-          <a:chExt cx="0" cy="0"/>
-        </a:xfrm>
-      </p:grpSpPr>
-      <p:grpSp>
-        <p:nvGrpSpPr>
-          <p:cNvPr id="36" name="Group 35">
-            <a:extLst>
-              <a:ext uri="{FF2B5EF4-FFF2-40B4-BE49-F238E27FC236}">
-                <a16:creationId xmlns:a16="http://schemas.microsoft.com/office/drawing/2014/main" id="{F8A36A5D-9C52-F371-1351-0FD1A96AE0D7}"/>
-              </a:ext>
-            </a:extLst>
-          </p:cNvPr>
-          <p:cNvGrpSpPr/>
-          <p:nvPr/>
-        </p:nvGrpSpPr>
-        <p:grpSpPr>
-          <a:xfrm>
-            <a:off x="923925" y="307507"/>
-            <a:ext cx="6657975" cy="5867441"/>
-            <a:chOff x="2143125" y="278932"/>
-            <a:chExt cx="6657975" cy="5867441"/>
-          </a:xfrm>
-        </p:grpSpPr>
-        <p:pic>
-          <p:nvPicPr>
-            <p:cNvPr id="3" name="Picture 2">
-              <a:extLst>
-                <a:ext uri="{FF2B5EF4-FFF2-40B4-BE49-F238E27FC236}">
-                  <a16:creationId xmlns:a16="http://schemas.microsoft.com/office/drawing/2014/main" id="{36D787FE-7A9E-9657-BA47-A99C29A22C5D}"/>
-                </a:ext>
-              </a:extLst>
-            </p:cNvPr>
-            <p:cNvPicPr>
-              <a:picLocks noChangeAspect="1"/>
-            </p:cNvPicPr>
-            <p:nvPr/>
-          </p:nvPicPr>
-          <p:blipFill rotWithShape="1">
-            <a:blip r:embed="rId2"/>
-            <a:srcRect t="3007" r="3954" b="10074"/>
-            <a:stretch/>
-          </p:blipFill>
-          <p:spPr>
-            <a:xfrm>
-              <a:off x="3248025" y="278932"/>
-              <a:ext cx="5553075" cy="5861518"/>
-            </a:xfrm>
-            <a:prstGeom prst="rect">
-              <a:avLst/>
-            </a:prstGeom>
-          </p:spPr>
-        </p:pic>
-        <p:sp>
-          <p:nvSpPr>
-            <p:cNvPr id="4" name="Левая фигурная скобка 25">
-              <a:extLst>
-                <a:ext uri="{FF2B5EF4-FFF2-40B4-BE49-F238E27FC236}">
-                  <a16:creationId xmlns:a16="http://schemas.microsoft.com/office/drawing/2014/main" id="{6267E057-9F6F-E5A0-6A7F-0F7538961308}"/>
-                </a:ext>
-              </a:extLst>
-            </p:cNvPr>
-            <p:cNvSpPr/>
-            <p:nvPr/>
-          </p:nvSpPr>
-          <p:spPr>
-            <a:xfrm>
-              <a:off x="3395292" y="2524125"/>
-              <a:ext cx="276225" cy="612026"/>
-            </a:xfrm>
-            <a:prstGeom prst="leftBrace">
-              <a:avLst>
-                <a:gd name="adj1" fmla="val 35919"/>
-                <a:gd name="adj2" fmla="val 50629"/>
-              </a:avLst>
-            </a:prstGeom>
-            <a:ln w="28575">
-              <a:solidFill>
-                <a:srgbClr val="0070C0"/>
-              </a:solidFill>
-            </a:ln>
-          </p:spPr>
-          <p:style>
-            <a:lnRef idx="1">
-              <a:schemeClr val="accent1"/>
-            </a:lnRef>
-            <a:fillRef idx="0">
-              <a:schemeClr val="accent1"/>
-            </a:fillRef>
-            <a:effectRef idx="0">
-              <a:schemeClr val="accent1"/>
-            </a:effectRef>
-            <a:fontRef idx="minor">
-              <a:schemeClr val="tx1"/>
-            </a:fontRef>
-          </p:style>
-          <p:txBody>
-            <a:bodyPr rtlCol="0" anchor="ctr"/>
-            <a:lstStyle/>
-            <a:p>
-              <a:pPr algn="ctr"/>
-              <a:endParaRPr lang="ru-RU" sz="1100">
-                <a:latin typeface="Times New Roman" panose="02020603050405020304" pitchFamily="18" charset="0"/>
-                <a:cs typeface="Times New Roman" panose="02020603050405020304" pitchFamily="18" charset="0"/>
-              </a:endParaRPr>
-            </a:p>
-          </p:txBody>
-        </p:sp>
-        <p:sp>
-          <p:nvSpPr>
-            <p:cNvPr id="5" name="Левая фигурная скобка 26">
-              <a:extLst>
-                <a:ext uri="{FF2B5EF4-FFF2-40B4-BE49-F238E27FC236}">
-                  <a16:creationId xmlns:a16="http://schemas.microsoft.com/office/drawing/2014/main" id="{5CC620E3-FC1E-606E-2FBE-A135877146EC}"/>
-                </a:ext>
-              </a:extLst>
-            </p:cNvPr>
-            <p:cNvSpPr/>
-            <p:nvPr/>
-          </p:nvSpPr>
-          <p:spPr>
-            <a:xfrm>
-              <a:off x="3414342" y="3526677"/>
-              <a:ext cx="276225" cy="1254874"/>
-            </a:xfrm>
-            <a:prstGeom prst="leftBrace">
-              <a:avLst>
-                <a:gd name="adj1" fmla="val 35919"/>
-                <a:gd name="adj2" fmla="val 50629"/>
-              </a:avLst>
-            </a:prstGeom>
-            <a:ln w="28575">
-              <a:solidFill>
-                <a:srgbClr val="0070C0"/>
-              </a:solidFill>
-            </a:ln>
-          </p:spPr>
-          <p:style>
-            <a:lnRef idx="1">
-              <a:schemeClr val="accent1"/>
-            </a:lnRef>
-            <a:fillRef idx="0">
-              <a:schemeClr val="accent1"/>
-            </a:fillRef>
-            <a:effectRef idx="0">
-              <a:schemeClr val="accent1"/>
-            </a:effectRef>
-            <a:fontRef idx="minor">
-              <a:schemeClr val="tx1"/>
-            </a:fontRef>
-          </p:style>
-          <p:txBody>
-            <a:bodyPr rtlCol="0" anchor="ctr"/>
-            <a:lstStyle/>
-            <a:p>
-              <a:pPr algn="ctr"/>
-              <a:endParaRPr lang="ru-RU" sz="1100">
-                <a:latin typeface="Times New Roman" panose="02020603050405020304" pitchFamily="18" charset="0"/>
-                <a:cs typeface="Times New Roman" panose="02020603050405020304" pitchFamily="18" charset="0"/>
-              </a:endParaRPr>
-            </a:p>
-          </p:txBody>
-        </p:sp>
-        <p:cxnSp>
-          <p:nvCxnSpPr>
-            <p:cNvPr id="6" name="Прямая со стрелкой 27">
-              <a:extLst>
-                <a:ext uri="{FF2B5EF4-FFF2-40B4-BE49-F238E27FC236}">
-                  <a16:creationId xmlns:a16="http://schemas.microsoft.com/office/drawing/2014/main" id="{A6E118F9-80A6-FF96-513B-5DFD82BF2DEB}"/>
-                </a:ext>
-              </a:extLst>
-            </p:cNvPr>
-            <p:cNvCxnSpPr/>
-            <p:nvPr/>
-          </p:nvCxnSpPr>
-          <p:spPr>
-            <a:xfrm>
-              <a:off x="3421486" y="2078876"/>
-              <a:ext cx="269081" cy="0"/>
-            </a:xfrm>
-            <a:prstGeom prst="straightConnector1">
-              <a:avLst/>
-            </a:prstGeom>
-            <a:ln w="47625">
-              <a:tailEnd type="stealth" w="lg" len="lg"/>
-            </a:ln>
-          </p:spPr>
-          <p:style>
-            <a:lnRef idx="1">
-              <a:schemeClr val="accent1"/>
-            </a:lnRef>
-            <a:fillRef idx="0">
-              <a:schemeClr val="accent1"/>
-            </a:fillRef>
-            <a:effectRef idx="0">
-              <a:schemeClr val="accent1"/>
-            </a:effectRef>
-            <a:fontRef idx="minor">
-              <a:schemeClr val="tx1"/>
-            </a:fontRef>
-          </p:style>
-        </p:cxnSp>
-        <p:cxnSp>
-          <p:nvCxnSpPr>
-            <p:cNvPr id="7" name="Прямая со стрелкой 28">
-              <a:extLst>
-                <a:ext uri="{FF2B5EF4-FFF2-40B4-BE49-F238E27FC236}">
-                  <a16:creationId xmlns:a16="http://schemas.microsoft.com/office/drawing/2014/main" id="{24544876-6CF3-8BA6-9982-37645621893B}"/>
-                </a:ext>
-              </a:extLst>
-            </p:cNvPr>
-            <p:cNvCxnSpPr/>
-            <p:nvPr/>
-          </p:nvCxnSpPr>
-          <p:spPr>
-            <a:xfrm>
-              <a:off x="3422486" y="3326651"/>
-              <a:ext cx="269081" cy="0"/>
-            </a:xfrm>
-            <a:prstGeom prst="straightConnector1">
-              <a:avLst/>
-            </a:prstGeom>
-            <a:ln w="47625">
-              <a:tailEnd type="stealth" w="lg" len="lg"/>
-            </a:ln>
-          </p:spPr>
-          <p:style>
-            <a:lnRef idx="1">
-              <a:schemeClr val="accent1"/>
-            </a:lnRef>
-            <a:fillRef idx="0">
-              <a:schemeClr val="accent1"/>
-            </a:fillRef>
-            <a:effectRef idx="0">
-              <a:schemeClr val="accent1"/>
-            </a:effectRef>
-            <a:fontRef idx="minor">
-              <a:schemeClr val="tx1"/>
-            </a:fontRef>
-          </p:style>
-        </p:cxnSp>
-        <p:sp>
-          <p:nvSpPr>
-            <p:cNvPr id="14" name="Левая фигурная скобка 34">
-              <a:extLst>
-                <a:ext uri="{FF2B5EF4-FFF2-40B4-BE49-F238E27FC236}">
-                  <a16:creationId xmlns:a16="http://schemas.microsoft.com/office/drawing/2014/main" id="{490DC4B5-D35F-F0C4-0AA3-ED77CCC4A64A}"/>
-                </a:ext>
-              </a:extLst>
-            </p:cNvPr>
-            <p:cNvSpPr/>
-            <p:nvPr/>
-          </p:nvSpPr>
-          <p:spPr>
-            <a:xfrm>
-              <a:off x="3414939" y="5698376"/>
-              <a:ext cx="276225" cy="416674"/>
-            </a:xfrm>
-            <a:prstGeom prst="leftBrace">
-              <a:avLst>
-                <a:gd name="adj1" fmla="val 35919"/>
-                <a:gd name="adj2" fmla="val 50629"/>
-              </a:avLst>
-            </a:prstGeom>
-            <a:ln w="28575">
-              <a:solidFill>
-                <a:srgbClr val="0070C0"/>
-              </a:solidFill>
-            </a:ln>
-          </p:spPr>
-          <p:style>
-            <a:lnRef idx="1">
-              <a:schemeClr val="accent1"/>
-            </a:lnRef>
-            <a:fillRef idx="0">
-              <a:schemeClr val="accent1"/>
-            </a:fillRef>
-            <a:effectRef idx="0">
-              <a:schemeClr val="accent1"/>
-            </a:effectRef>
-            <a:fontRef idx="minor">
-              <a:schemeClr val="tx1"/>
-            </a:fontRef>
-          </p:style>
-          <p:txBody>
-            <a:bodyPr rtlCol="0" anchor="ctr"/>
-            <a:lstStyle/>
-            <a:p>
-              <a:pPr algn="ctr"/>
-              <a:endParaRPr lang="ru-RU" sz="1100">
-                <a:latin typeface="Times New Roman" panose="02020603050405020304" pitchFamily="18" charset="0"/>
-                <a:cs typeface="Times New Roman" panose="02020603050405020304" pitchFamily="18" charset="0"/>
-              </a:endParaRPr>
-            </a:p>
-          </p:txBody>
-        </p:sp>
-        <p:sp>
-          <p:nvSpPr>
-            <p:cNvPr id="15" name="Левая фигурная скобка 35">
-              <a:extLst>
-                <a:ext uri="{FF2B5EF4-FFF2-40B4-BE49-F238E27FC236}">
-                  <a16:creationId xmlns:a16="http://schemas.microsoft.com/office/drawing/2014/main" id="{1E8F8CD9-7175-3FAA-44ED-D26B5B820CE5}"/>
-                </a:ext>
-              </a:extLst>
-            </p:cNvPr>
-            <p:cNvSpPr/>
-            <p:nvPr/>
-          </p:nvSpPr>
-          <p:spPr>
-            <a:xfrm>
-              <a:off x="3413373" y="4945900"/>
-              <a:ext cx="276225" cy="645275"/>
-            </a:xfrm>
-            <a:prstGeom prst="leftBrace">
-              <a:avLst>
-                <a:gd name="adj1" fmla="val 35919"/>
-                <a:gd name="adj2" fmla="val 50629"/>
-              </a:avLst>
-            </a:prstGeom>
-            <a:ln w="28575">
-              <a:solidFill>
-                <a:srgbClr val="0070C0"/>
-              </a:solidFill>
-            </a:ln>
-          </p:spPr>
-          <p:style>
-            <a:lnRef idx="1">
-              <a:schemeClr val="accent1"/>
-            </a:lnRef>
-            <a:fillRef idx="0">
-              <a:schemeClr val="accent1"/>
-            </a:fillRef>
-            <a:effectRef idx="0">
-              <a:schemeClr val="accent1"/>
-            </a:effectRef>
-            <a:fontRef idx="minor">
-              <a:schemeClr val="tx1"/>
-            </a:fontRef>
-          </p:style>
-          <p:txBody>
-            <a:bodyPr rtlCol="0" anchor="ctr"/>
-            <a:lstStyle/>
-            <a:p>
-              <a:pPr algn="ctr"/>
-              <a:endParaRPr lang="ru-RU" sz="1100">
-                <a:latin typeface="Times New Roman" panose="02020603050405020304" pitchFamily="18" charset="0"/>
-                <a:cs typeface="Times New Roman" panose="02020603050405020304" pitchFamily="18" charset="0"/>
-              </a:endParaRPr>
-            </a:p>
-          </p:txBody>
-        </p:sp>
-        <p:cxnSp>
-          <p:nvCxnSpPr>
-            <p:cNvPr id="17" name="Прямая со стрелкой 37">
-              <a:extLst>
-                <a:ext uri="{FF2B5EF4-FFF2-40B4-BE49-F238E27FC236}">
-                  <a16:creationId xmlns:a16="http://schemas.microsoft.com/office/drawing/2014/main" id="{BF5AFA0F-990E-8A76-7522-4C5A24FFBAB4}"/>
-                </a:ext>
-              </a:extLst>
-            </p:cNvPr>
-            <p:cNvCxnSpPr/>
-            <p:nvPr/>
-          </p:nvCxnSpPr>
-          <p:spPr>
-            <a:xfrm>
-              <a:off x="3421859" y="2358707"/>
-              <a:ext cx="269081" cy="0"/>
-            </a:xfrm>
-            <a:prstGeom prst="straightConnector1">
-              <a:avLst/>
-            </a:prstGeom>
-            <a:ln w="47625">
-              <a:tailEnd type="stealth" w="lg" len="lg"/>
-            </a:ln>
-          </p:spPr>
-          <p:style>
-            <a:lnRef idx="1">
-              <a:schemeClr val="accent1"/>
-            </a:lnRef>
-            <a:fillRef idx="0">
-              <a:schemeClr val="accent1"/>
-            </a:fillRef>
-            <a:effectRef idx="0">
-              <a:schemeClr val="accent1"/>
-            </a:effectRef>
-            <a:fontRef idx="minor">
-              <a:schemeClr val="tx1"/>
-            </a:fontRef>
-          </p:style>
-        </p:cxnSp>
-        <p:sp>
-          <p:nvSpPr>
-            <p:cNvPr id="24" name="TextBox 23">
-              <a:extLst>
-                <a:ext uri="{FF2B5EF4-FFF2-40B4-BE49-F238E27FC236}">
-                  <a16:creationId xmlns:a16="http://schemas.microsoft.com/office/drawing/2014/main" id="{4857844D-20B1-E588-210C-037A3554A513}"/>
-                </a:ext>
-              </a:extLst>
-            </p:cNvPr>
-            <p:cNvSpPr txBox="1"/>
-            <p:nvPr/>
-          </p:nvSpPr>
-          <p:spPr>
-            <a:xfrm>
-              <a:off x="2716510" y="1934968"/>
-              <a:ext cx="796528" cy="261610"/>
-            </a:xfrm>
-            <a:prstGeom prst="rect">
-              <a:avLst/>
-            </a:prstGeom>
-            <a:noFill/>
-          </p:spPr>
-          <p:txBody>
-            <a:bodyPr wrap="square" rtlCol="0">
-              <a:spAutoFit/>
-            </a:bodyPr>
-            <a:lstStyle/>
-            <a:p>
-              <a:pPr algn="ctr"/>
-              <a:r>
-                <a:rPr lang="en-US" sz="1100" dirty="0">
-                  <a:latin typeface="Times New Roman" panose="02020603050405020304" pitchFamily="18" charset="0"/>
-                  <a:cs typeface="Times New Roman" panose="02020603050405020304" pitchFamily="18" charset="0"/>
-                </a:rPr>
-                <a:t>Menu</a:t>
-              </a:r>
-              <a:endParaRPr lang="ru-RU" sz="1100" dirty="0">
-                <a:latin typeface="Times New Roman" panose="02020603050405020304" pitchFamily="18" charset="0"/>
-                <a:cs typeface="Times New Roman" panose="02020603050405020304" pitchFamily="18" charset="0"/>
-              </a:endParaRPr>
-            </a:p>
-          </p:txBody>
-        </p:sp>
-        <p:sp>
-          <p:nvSpPr>
-            <p:cNvPr id="26" name="TextBox 25">
-              <a:extLst>
-                <a:ext uri="{FF2B5EF4-FFF2-40B4-BE49-F238E27FC236}">
-                  <a16:creationId xmlns:a16="http://schemas.microsoft.com/office/drawing/2014/main" id="{FB64242F-494C-1CA3-9EDC-9F070C23196D}"/>
-                </a:ext>
-              </a:extLst>
-            </p:cNvPr>
-            <p:cNvSpPr txBox="1"/>
-            <p:nvPr/>
-          </p:nvSpPr>
-          <p:spPr>
-            <a:xfrm>
-              <a:off x="2227163" y="2692915"/>
-              <a:ext cx="1209675" cy="261610"/>
-            </a:xfrm>
-            <a:prstGeom prst="rect">
-              <a:avLst/>
-            </a:prstGeom>
-            <a:noFill/>
-          </p:spPr>
-          <p:txBody>
-            <a:bodyPr wrap="square" rtlCol="0">
-              <a:spAutoFit/>
-            </a:bodyPr>
-            <a:lstStyle/>
-            <a:p>
-              <a:pPr algn="ctr"/>
-              <a:r>
-                <a:rPr lang="en-US" sz="1100" dirty="0">
-                  <a:latin typeface="Times New Roman" panose="02020603050405020304" pitchFamily="18" charset="0"/>
-                  <a:cs typeface="Times New Roman" panose="02020603050405020304" pitchFamily="18" charset="0"/>
-                </a:rPr>
-                <a:t>Layered structure</a:t>
-              </a:r>
-              <a:endParaRPr lang="ru-RU" sz="1100" dirty="0">
-                <a:latin typeface="Times New Roman" panose="02020603050405020304" pitchFamily="18" charset="0"/>
-                <a:cs typeface="Times New Roman" panose="02020603050405020304" pitchFamily="18" charset="0"/>
-              </a:endParaRPr>
-            </a:p>
-          </p:txBody>
-        </p:sp>
-        <p:sp>
-          <p:nvSpPr>
-            <p:cNvPr id="27" name="TextBox 26">
-              <a:extLst>
-                <a:ext uri="{FF2B5EF4-FFF2-40B4-BE49-F238E27FC236}">
-                  <a16:creationId xmlns:a16="http://schemas.microsoft.com/office/drawing/2014/main" id="{7C0BF45C-8903-59D8-9B27-267BB2ACBD68}"/>
-                </a:ext>
-              </a:extLst>
-            </p:cNvPr>
-            <p:cNvSpPr txBox="1"/>
-            <p:nvPr/>
-          </p:nvSpPr>
-          <p:spPr>
-            <a:xfrm>
-              <a:off x="2430165" y="3186432"/>
-              <a:ext cx="1110853" cy="261610"/>
-            </a:xfrm>
-            <a:prstGeom prst="rect">
-              <a:avLst/>
-            </a:prstGeom>
-            <a:noFill/>
-          </p:spPr>
-          <p:txBody>
-            <a:bodyPr wrap="square" rtlCol="0">
-              <a:spAutoFit/>
-            </a:bodyPr>
-            <a:lstStyle/>
-            <a:p>
-              <a:pPr algn="ctr"/>
-              <a:r>
-                <a:rPr lang="en-US" sz="1100" dirty="0">
-                  <a:latin typeface="Times New Roman" panose="02020603050405020304" pitchFamily="18" charset="0"/>
-                  <a:cs typeface="Times New Roman" panose="02020603050405020304" pitchFamily="18" charset="0"/>
-                </a:rPr>
-                <a:t>Toolbar</a:t>
-              </a:r>
-              <a:endParaRPr lang="ru-RU" sz="1100" dirty="0">
-                <a:latin typeface="Times New Roman" panose="02020603050405020304" pitchFamily="18" charset="0"/>
-                <a:cs typeface="Times New Roman" panose="02020603050405020304" pitchFamily="18" charset="0"/>
-              </a:endParaRPr>
-            </a:p>
-          </p:txBody>
-        </p:sp>
-        <p:sp>
-          <p:nvSpPr>
-            <p:cNvPr id="28" name="TextBox 27">
-              <a:extLst>
-                <a:ext uri="{FF2B5EF4-FFF2-40B4-BE49-F238E27FC236}">
-                  <a16:creationId xmlns:a16="http://schemas.microsoft.com/office/drawing/2014/main" id="{493A8704-DB96-CF3B-1320-AB023DC769A5}"/>
-                </a:ext>
-              </a:extLst>
-            </p:cNvPr>
-            <p:cNvSpPr txBox="1"/>
-            <p:nvPr/>
-          </p:nvSpPr>
-          <p:spPr>
-            <a:xfrm>
-              <a:off x="2293838" y="3954860"/>
-              <a:ext cx="1136302" cy="430887"/>
-            </a:xfrm>
-            <a:prstGeom prst="rect">
-              <a:avLst/>
-            </a:prstGeom>
-            <a:noFill/>
-          </p:spPr>
-          <p:txBody>
-            <a:bodyPr wrap="square" rtlCol="0">
-              <a:spAutoFit/>
-            </a:bodyPr>
-            <a:lstStyle/>
-            <a:p>
-              <a:pPr algn="ctr"/>
-              <a:r>
-                <a:rPr lang="en-US" sz="1100" dirty="0">
-                  <a:latin typeface="Times New Roman" panose="02020603050405020304" pitchFamily="18" charset="0"/>
-                  <a:cs typeface="Times New Roman" panose="02020603050405020304" pitchFamily="18" charset="0"/>
-                </a:rPr>
-                <a:t>Access to other windows</a:t>
-              </a:r>
-              <a:endParaRPr lang="ru-RU" sz="1100" dirty="0">
-                <a:latin typeface="Times New Roman" panose="02020603050405020304" pitchFamily="18" charset="0"/>
-                <a:cs typeface="Times New Roman" panose="02020603050405020304" pitchFamily="18" charset="0"/>
-              </a:endParaRPr>
-            </a:p>
-          </p:txBody>
-        </p:sp>
-        <p:sp>
-          <p:nvSpPr>
-            <p:cNvPr id="29" name="TextBox 28">
-              <a:extLst>
-                <a:ext uri="{FF2B5EF4-FFF2-40B4-BE49-F238E27FC236}">
-                  <a16:creationId xmlns:a16="http://schemas.microsoft.com/office/drawing/2014/main" id="{AC0F9CD0-B21E-8D20-093E-D5EC05D9DA5C}"/>
-                </a:ext>
-              </a:extLst>
-            </p:cNvPr>
-            <p:cNvSpPr txBox="1"/>
-            <p:nvPr/>
-          </p:nvSpPr>
-          <p:spPr>
-            <a:xfrm>
-              <a:off x="2258304" y="5715486"/>
-              <a:ext cx="1318841" cy="430887"/>
-            </a:xfrm>
-            <a:prstGeom prst="rect">
-              <a:avLst/>
-            </a:prstGeom>
-            <a:noFill/>
-          </p:spPr>
-          <p:txBody>
-            <a:bodyPr wrap="square" rtlCol="0">
-              <a:spAutoFit/>
-            </a:bodyPr>
-            <a:lstStyle/>
-            <a:p>
-              <a:pPr algn="ctr"/>
-              <a:r>
-                <a:rPr lang="en-US" sz="1100" dirty="0">
-                  <a:latin typeface="Times New Roman" panose="02020603050405020304" pitchFamily="18" charset="0"/>
-                  <a:cs typeface="Times New Roman" panose="02020603050405020304" pitchFamily="18" charset="0"/>
-                </a:rPr>
-                <a:t>Measured and target curves</a:t>
-              </a:r>
-              <a:endParaRPr lang="ru-RU" sz="1100" dirty="0">
-                <a:latin typeface="Times New Roman" panose="02020603050405020304" pitchFamily="18" charset="0"/>
-                <a:cs typeface="Times New Roman" panose="02020603050405020304" pitchFamily="18" charset="0"/>
-              </a:endParaRPr>
-            </a:p>
-          </p:txBody>
-        </p:sp>
-        <p:sp>
-          <p:nvSpPr>
-            <p:cNvPr id="32" name="TextBox 31">
-              <a:extLst>
-                <a:ext uri="{FF2B5EF4-FFF2-40B4-BE49-F238E27FC236}">
-                  <a16:creationId xmlns:a16="http://schemas.microsoft.com/office/drawing/2014/main" id="{296A2AFC-949B-F2C5-8067-090D9A074592}"/>
-                </a:ext>
-              </a:extLst>
-            </p:cNvPr>
-            <p:cNvSpPr txBox="1"/>
-            <p:nvPr/>
-          </p:nvSpPr>
-          <p:spPr>
-            <a:xfrm>
-              <a:off x="2234752" y="5064212"/>
-              <a:ext cx="1368773" cy="430887"/>
-            </a:xfrm>
-            <a:prstGeom prst="rect">
-              <a:avLst/>
-            </a:prstGeom>
-            <a:noFill/>
-          </p:spPr>
-          <p:txBody>
-            <a:bodyPr wrap="square" rtlCol="0">
-              <a:spAutoFit/>
-            </a:bodyPr>
-            <a:lstStyle/>
-            <a:p>
-              <a:pPr algn="ctr"/>
-              <a:r>
-                <a:rPr lang="en-US" sz="1100" dirty="0">
-                  <a:latin typeface="Times New Roman" panose="02020603050405020304" pitchFamily="18" charset="0"/>
-                  <a:cs typeface="Times New Roman" panose="02020603050405020304" pitchFamily="18" charset="0"/>
-                </a:rPr>
-                <a:t>Curves without measured data</a:t>
-              </a:r>
-              <a:endParaRPr lang="ru-RU" sz="1100" dirty="0">
-                <a:latin typeface="Times New Roman" panose="02020603050405020304" pitchFamily="18" charset="0"/>
-                <a:cs typeface="Times New Roman" panose="02020603050405020304" pitchFamily="18" charset="0"/>
-              </a:endParaRPr>
-            </a:p>
-          </p:txBody>
-        </p:sp>
-        <p:sp>
-          <p:nvSpPr>
-            <p:cNvPr id="34" name="TextBox 33">
-              <a:extLst>
-                <a:ext uri="{FF2B5EF4-FFF2-40B4-BE49-F238E27FC236}">
-                  <a16:creationId xmlns:a16="http://schemas.microsoft.com/office/drawing/2014/main" id="{5095FCD9-CE76-12C8-5305-1E2BE51A1247}"/>
-                </a:ext>
-              </a:extLst>
-            </p:cNvPr>
-            <p:cNvSpPr txBox="1"/>
-            <p:nvPr/>
-          </p:nvSpPr>
-          <p:spPr>
-            <a:xfrm>
-              <a:off x="2143125" y="2246702"/>
-              <a:ext cx="1316204" cy="261610"/>
-            </a:xfrm>
-            <a:prstGeom prst="rect">
-              <a:avLst/>
-            </a:prstGeom>
-            <a:noFill/>
-          </p:spPr>
-          <p:txBody>
-            <a:bodyPr wrap="square" rtlCol="0">
-              <a:spAutoFit/>
-            </a:bodyPr>
-            <a:lstStyle/>
-            <a:p>
-              <a:pPr algn="ctr"/>
-              <a:r>
-                <a:rPr lang="en-US" sz="1100" dirty="0">
-                  <a:latin typeface="Times New Roman" panose="02020603050405020304" pitchFamily="18" charset="0"/>
-                  <a:cs typeface="Times New Roman" panose="02020603050405020304" pitchFamily="18" charset="0"/>
-                </a:rPr>
-                <a:t>Tabs with structures</a:t>
-              </a:r>
-              <a:endParaRPr lang="ru-RU" sz="1100" dirty="0">
-                <a:latin typeface="Times New Roman" panose="02020603050405020304" pitchFamily="18" charset="0"/>
-                <a:cs typeface="Times New Roman" panose="02020603050405020304" pitchFamily="18" charset="0"/>
-              </a:endParaRPr>
-            </a:p>
-          </p:txBody>
-        </p:sp>
-      </p:grpSp>
-    </p:spTree>
-    <p:extLst>
-      <p:ext uri="{BB962C8B-B14F-4D97-AF65-F5344CB8AC3E}">
-        <p14:creationId xmlns:p14="http://schemas.microsoft.com/office/powerpoint/2010/main" val="4009726277"/>
-      </p:ext>
-    </p:extLst>
-  </p:cSld>
-  <p:clrMapOvr>
-    <a:masterClrMapping/>
-  </p:clrMapOvr>
-</p:sld>
-</file>
-
-<file path=ppt/slides/slide40.xml><?xml version="1.0" encoding="utf-8"?>
+<file path=ppt/slides/slide39.xml><?xml version="1.0" encoding="utf-8"?>
 <p:sld xmlns:a="http://schemas.openxmlformats.org/drawingml/2006/main" xmlns:r="http://schemas.openxmlformats.org/officeDocument/2006/relationships" xmlns:p="http://schemas.openxmlformats.org/presentationml/2006/main">
   <p:cSld>
     <p:spTree>
@@ -27333,7 +26828,668 @@
 </p:sld>
 </file>
 
-<file path=ppt/slides/slide41.xml><?xml version="1.0" encoding="utf-8"?>
+<file path=ppt/slides/slide4.xml><?xml version="1.0" encoding="utf-8"?>
+<p:sld xmlns:a="http://schemas.openxmlformats.org/drawingml/2006/main" xmlns:r="http://schemas.openxmlformats.org/officeDocument/2006/relationships" xmlns:p="http://schemas.openxmlformats.org/presentationml/2006/main">
+  <p:cSld>
+    <p:spTree>
+      <p:nvGrpSpPr>
+        <p:cNvPr id="1" name=""/>
+        <p:cNvGrpSpPr/>
+        <p:nvPr/>
+      </p:nvGrpSpPr>
+      <p:grpSpPr>
+        <a:xfrm>
+          <a:off x="0" y="0"/>
+          <a:ext cx="0" cy="0"/>
+          <a:chOff x="0" y="0"/>
+          <a:chExt cx="0" cy="0"/>
+        </a:xfrm>
+      </p:grpSpPr>
+      <p:grpSp>
+        <p:nvGrpSpPr>
+          <p:cNvPr id="6" name="Group 5">
+            <a:extLst>
+              <a:ext uri="{FF2B5EF4-FFF2-40B4-BE49-F238E27FC236}">
+                <a16:creationId xmlns:a16="http://schemas.microsoft.com/office/drawing/2014/main" id="{00BCC187-6DE4-25B8-931F-F0403EAD6E6D}"/>
+              </a:ext>
+            </a:extLst>
+          </p:cNvPr>
+          <p:cNvGrpSpPr/>
+          <p:nvPr/>
+        </p:nvGrpSpPr>
+        <p:grpSpPr>
+          <a:xfrm>
+            <a:off x="205288" y="2162576"/>
+            <a:ext cx="2714625" cy="533400"/>
+            <a:chOff x="6006013" y="5944001"/>
+            <a:chExt cx="2714625" cy="533400"/>
+          </a:xfrm>
+        </p:grpSpPr>
+        <p:pic>
+          <p:nvPicPr>
+            <p:cNvPr id="7" name="Picture 6">
+              <a:extLst>
+                <a:ext uri="{FF2B5EF4-FFF2-40B4-BE49-F238E27FC236}">
+                  <a16:creationId xmlns:a16="http://schemas.microsoft.com/office/drawing/2014/main" id="{8965EA1A-01DE-E151-8901-A2CCB2DF3682}"/>
+                </a:ext>
+              </a:extLst>
+            </p:cNvPr>
+            <p:cNvPicPr>
+              <a:picLocks noChangeAspect="1"/>
+            </p:cNvPicPr>
+            <p:nvPr/>
+          </p:nvPicPr>
+          <p:blipFill>
+            <a:blip r:embed="rId2"/>
+            <a:stretch>
+              <a:fillRect/>
+            </a:stretch>
+          </p:blipFill>
+          <p:spPr>
+            <a:xfrm>
+              <a:off x="6006013" y="5944001"/>
+              <a:ext cx="2714625" cy="533400"/>
+            </a:xfrm>
+            <a:prstGeom prst="rect">
+              <a:avLst/>
+            </a:prstGeom>
+          </p:spPr>
+        </p:pic>
+        <p:sp>
+          <p:nvSpPr>
+            <p:cNvPr id="8" name="Rectangle: Rounded Corners 7">
+              <a:extLst>
+                <a:ext uri="{FF2B5EF4-FFF2-40B4-BE49-F238E27FC236}">
+                  <a16:creationId xmlns:a16="http://schemas.microsoft.com/office/drawing/2014/main" id="{71F8EB1A-83E0-40F9-B39C-A8B3A95DCA55}"/>
+                </a:ext>
+              </a:extLst>
+            </p:cNvPr>
+            <p:cNvSpPr/>
+            <p:nvPr/>
+          </p:nvSpPr>
+          <p:spPr>
+            <a:xfrm>
+              <a:off x="6217920" y="6126480"/>
+              <a:ext cx="2468880" cy="167640"/>
+            </a:xfrm>
+            <a:prstGeom prst="roundRect">
+              <a:avLst/>
+            </a:prstGeom>
+            <a:noFill/>
+            <a:ln w="19050">
+              <a:solidFill>
+                <a:srgbClr val="FF0000"/>
+              </a:solidFill>
+            </a:ln>
+          </p:spPr>
+          <p:style>
+            <a:lnRef idx="2">
+              <a:schemeClr val="accent6"/>
+            </a:lnRef>
+            <a:fillRef idx="1">
+              <a:schemeClr val="lt1"/>
+            </a:fillRef>
+            <a:effectRef idx="0">
+              <a:schemeClr val="accent6"/>
+            </a:effectRef>
+            <a:fontRef idx="minor">
+              <a:schemeClr val="dk1"/>
+            </a:fontRef>
+          </p:style>
+          <p:txBody>
+            <a:bodyPr rtlCol="0" anchor="ctr"/>
+            <a:lstStyle/>
+            <a:p>
+              <a:pPr algn="ctr"/>
+              <a:endParaRPr lang="en-US"/>
+            </a:p>
+          </p:txBody>
+        </p:sp>
+      </p:grpSp>
+      <p:grpSp>
+        <p:nvGrpSpPr>
+          <p:cNvPr id="9" name="Group 8">
+            <a:extLst>
+              <a:ext uri="{FF2B5EF4-FFF2-40B4-BE49-F238E27FC236}">
+                <a16:creationId xmlns:a16="http://schemas.microsoft.com/office/drawing/2014/main" id="{F993024C-1C15-2014-BA1B-ED351A76F530}"/>
+              </a:ext>
+            </a:extLst>
+          </p:cNvPr>
+          <p:cNvGrpSpPr/>
+          <p:nvPr/>
+        </p:nvGrpSpPr>
+        <p:grpSpPr>
+          <a:xfrm>
+            <a:off x="242887" y="271462"/>
+            <a:ext cx="2143125" cy="752475"/>
+            <a:chOff x="300037" y="433387"/>
+            <a:chExt cx="2143125" cy="752475"/>
+          </a:xfrm>
+        </p:grpSpPr>
+        <p:pic>
+          <p:nvPicPr>
+            <p:cNvPr id="10" name="Picture 9">
+              <a:extLst>
+                <a:ext uri="{FF2B5EF4-FFF2-40B4-BE49-F238E27FC236}">
+                  <a16:creationId xmlns:a16="http://schemas.microsoft.com/office/drawing/2014/main" id="{233488B7-8A3D-8959-D2F3-0DB362B317AC}"/>
+                </a:ext>
+              </a:extLst>
+            </p:cNvPr>
+            <p:cNvPicPr>
+              <a:picLocks noChangeAspect="1"/>
+            </p:cNvPicPr>
+            <p:nvPr/>
+          </p:nvPicPr>
+          <p:blipFill>
+            <a:blip r:embed="rId3"/>
+            <a:stretch>
+              <a:fillRect/>
+            </a:stretch>
+          </p:blipFill>
+          <p:spPr>
+            <a:xfrm>
+              <a:off x="300037" y="433387"/>
+              <a:ext cx="2143125" cy="752475"/>
+            </a:xfrm>
+            <a:prstGeom prst="rect">
+              <a:avLst/>
+            </a:prstGeom>
+          </p:spPr>
+        </p:pic>
+        <p:sp>
+          <p:nvSpPr>
+            <p:cNvPr id="11" name="Овал 5">
+              <a:extLst>
+                <a:ext uri="{FF2B5EF4-FFF2-40B4-BE49-F238E27FC236}">
+                  <a16:creationId xmlns:a16="http://schemas.microsoft.com/office/drawing/2014/main" id="{549921A8-4D5F-2F83-C69D-EF526A572DC7}"/>
+                </a:ext>
+              </a:extLst>
+            </p:cNvPr>
+            <p:cNvSpPr/>
+            <p:nvPr/>
+          </p:nvSpPr>
+          <p:spPr>
+            <a:xfrm>
+              <a:off x="893762" y="607219"/>
+              <a:ext cx="261938" cy="247650"/>
+            </a:xfrm>
+            <a:prstGeom prst="ellipse">
+              <a:avLst/>
+            </a:prstGeom>
+            <a:noFill/>
+            <a:ln w="19050">
+              <a:solidFill>
+                <a:srgbClr val="FF0000"/>
+              </a:solidFill>
+            </a:ln>
+          </p:spPr>
+          <p:style>
+            <a:lnRef idx="2">
+              <a:schemeClr val="accent1">
+                <a:shade val="50000"/>
+              </a:schemeClr>
+            </a:lnRef>
+            <a:fillRef idx="1">
+              <a:schemeClr val="accent1"/>
+            </a:fillRef>
+            <a:effectRef idx="0">
+              <a:schemeClr val="accent1"/>
+            </a:effectRef>
+            <a:fontRef idx="minor">
+              <a:schemeClr val="lt1"/>
+            </a:fontRef>
+          </p:style>
+          <p:txBody>
+            <a:bodyPr rtlCol="0" anchor="ctr"/>
+            <a:lstStyle/>
+            <a:p>
+              <a:pPr algn="ctr"/>
+              <a:endParaRPr lang="ru-RU"/>
+            </a:p>
+          </p:txBody>
+        </p:sp>
+      </p:grpSp>
+      <p:grpSp>
+        <p:nvGrpSpPr>
+          <p:cNvPr id="13" name="Group 12">
+            <a:extLst>
+              <a:ext uri="{FF2B5EF4-FFF2-40B4-BE49-F238E27FC236}">
+                <a16:creationId xmlns:a16="http://schemas.microsoft.com/office/drawing/2014/main" id="{5650C7EE-F534-A0E9-6B61-4CD7D6024DA8}"/>
+              </a:ext>
+            </a:extLst>
+          </p:cNvPr>
+          <p:cNvGrpSpPr/>
+          <p:nvPr/>
+        </p:nvGrpSpPr>
+        <p:grpSpPr>
+          <a:xfrm>
+            <a:off x="209550" y="1228725"/>
+            <a:ext cx="2914650" cy="819150"/>
+            <a:chOff x="1019175" y="4267200"/>
+            <a:chExt cx="2914650" cy="819150"/>
+          </a:xfrm>
+        </p:grpSpPr>
+        <p:pic>
+          <p:nvPicPr>
+            <p:cNvPr id="5" name="Picture 4">
+              <a:extLst>
+                <a:ext uri="{FF2B5EF4-FFF2-40B4-BE49-F238E27FC236}">
+                  <a16:creationId xmlns:a16="http://schemas.microsoft.com/office/drawing/2014/main" id="{F1B9E594-0A9C-C741-EB11-4A5B07BD4F32}"/>
+                </a:ext>
+              </a:extLst>
+            </p:cNvPr>
+            <p:cNvPicPr>
+              <a:picLocks noChangeAspect="1"/>
+            </p:cNvPicPr>
+            <p:nvPr/>
+          </p:nvPicPr>
+          <p:blipFill>
+            <a:blip r:embed="rId4"/>
+            <a:stretch>
+              <a:fillRect/>
+            </a:stretch>
+          </p:blipFill>
+          <p:spPr>
+            <a:xfrm>
+              <a:off x="1019175" y="4267200"/>
+              <a:ext cx="2914650" cy="819150"/>
+            </a:xfrm>
+            <a:prstGeom prst="rect">
+              <a:avLst/>
+            </a:prstGeom>
+          </p:spPr>
+        </p:pic>
+        <p:sp>
+          <p:nvSpPr>
+            <p:cNvPr id="12" name="Овал 5">
+              <a:extLst>
+                <a:ext uri="{FF2B5EF4-FFF2-40B4-BE49-F238E27FC236}">
+                  <a16:creationId xmlns:a16="http://schemas.microsoft.com/office/drawing/2014/main" id="{BE5BFBE9-8102-ED81-161E-4515506D6D9B}"/>
+                </a:ext>
+              </a:extLst>
+            </p:cNvPr>
+            <p:cNvSpPr/>
+            <p:nvPr/>
+          </p:nvSpPr>
+          <p:spPr>
+            <a:xfrm>
+              <a:off x="1198562" y="4683919"/>
+              <a:ext cx="687388" cy="247650"/>
+            </a:xfrm>
+            <a:prstGeom prst="ellipse">
+              <a:avLst/>
+            </a:prstGeom>
+            <a:noFill/>
+            <a:ln w="19050">
+              <a:solidFill>
+                <a:srgbClr val="FF0000"/>
+              </a:solidFill>
+            </a:ln>
+          </p:spPr>
+          <p:style>
+            <a:lnRef idx="2">
+              <a:schemeClr val="accent1">
+                <a:shade val="50000"/>
+              </a:schemeClr>
+            </a:lnRef>
+            <a:fillRef idx="1">
+              <a:schemeClr val="accent1"/>
+            </a:fillRef>
+            <a:effectRef idx="0">
+              <a:schemeClr val="accent1"/>
+            </a:effectRef>
+            <a:fontRef idx="minor">
+              <a:schemeClr val="lt1"/>
+            </a:fontRef>
+          </p:style>
+          <p:txBody>
+            <a:bodyPr rtlCol="0" anchor="ctr"/>
+            <a:lstStyle/>
+            <a:p>
+              <a:pPr algn="ctr"/>
+              <a:endParaRPr lang="ru-RU"/>
+            </a:p>
+          </p:txBody>
+        </p:sp>
+      </p:grpSp>
+      <p:grpSp>
+        <p:nvGrpSpPr>
+          <p:cNvPr id="16" name="Group 15">
+            <a:extLst>
+              <a:ext uri="{FF2B5EF4-FFF2-40B4-BE49-F238E27FC236}">
+                <a16:creationId xmlns:a16="http://schemas.microsoft.com/office/drawing/2014/main" id="{39F9778D-D193-914E-840B-EC98D0AA9D6E}"/>
+              </a:ext>
+            </a:extLst>
+          </p:cNvPr>
+          <p:cNvGrpSpPr/>
+          <p:nvPr/>
+        </p:nvGrpSpPr>
+        <p:grpSpPr>
+          <a:xfrm>
+            <a:off x="2995612" y="2233613"/>
+            <a:ext cx="942975" cy="1800225"/>
+            <a:chOff x="4624387" y="3824288"/>
+            <a:chExt cx="942975" cy="1800225"/>
+          </a:xfrm>
+        </p:grpSpPr>
+        <p:pic>
+          <p:nvPicPr>
+            <p:cNvPr id="14" name="Picture 13" descr="Graphical user interface, text&#10;&#10;Description automatically generated">
+              <a:extLst>
+                <a:ext uri="{FF2B5EF4-FFF2-40B4-BE49-F238E27FC236}">
+                  <a16:creationId xmlns:a16="http://schemas.microsoft.com/office/drawing/2014/main" id="{A19CFD31-FC2F-AAC8-2830-11A201549708}"/>
+                </a:ext>
+              </a:extLst>
+            </p:cNvPr>
+            <p:cNvPicPr>
+              <a:picLocks noChangeAspect="1"/>
+            </p:cNvPicPr>
+            <p:nvPr/>
+          </p:nvPicPr>
+          <p:blipFill>
+            <a:blip r:embed="rId5">
+              <a:extLst>
+                <a:ext uri="{28A0092B-C50C-407E-A947-70E740481C1C}">
+                  <a14:useLocalDpi xmlns:a14="http://schemas.microsoft.com/office/drawing/2010/main" val="0"/>
+                </a:ext>
+              </a:extLst>
+            </a:blip>
+            <a:stretch>
+              <a:fillRect/>
+            </a:stretch>
+          </p:blipFill>
+          <p:spPr>
+            <a:xfrm>
+              <a:off x="4624387" y="3824288"/>
+              <a:ext cx="942975" cy="1800225"/>
+            </a:xfrm>
+            <a:prstGeom prst="rect">
+              <a:avLst/>
+            </a:prstGeom>
+          </p:spPr>
+        </p:pic>
+        <p:sp>
+          <p:nvSpPr>
+            <p:cNvPr id="15" name="Овал 5">
+              <a:extLst>
+                <a:ext uri="{FF2B5EF4-FFF2-40B4-BE49-F238E27FC236}">
+                  <a16:creationId xmlns:a16="http://schemas.microsoft.com/office/drawing/2014/main" id="{849FD841-C6B2-1FC7-7E47-A02350654772}"/>
+                </a:ext>
+              </a:extLst>
+            </p:cNvPr>
+            <p:cNvSpPr/>
+            <p:nvPr/>
+          </p:nvSpPr>
+          <p:spPr>
+            <a:xfrm>
+              <a:off x="4656136" y="4219575"/>
+              <a:ext cx="868363" cy="235744"/>
+            </a:xfrm>
+            <a:prstGeom prst="ellipse">
+              <a:avLst/>
+            </a:prstGeom>
+            <a:noFill/>
+            <a:ln w="19050">
+              <a:solidFill>
+                <a:srgbClr val="FF0000"/>
+              </a:solidFill>
+            </a:ln>
+          </p:spPr>
+          <p:style>
+            <a:lnRef idx="2">
+              <a:schemeClr val="accent1">
+                <a:shade val="50000"/>
+              </a:schemeClr>
+            </a:lnRef>
+            <a:fillRef idx="1">
+              <a:schemeClr val="accent1"/>
+            </a:fillRef>
+            <a:effectRef idx="0">
+              <a:schemeClr val="accent1"/>
+            </a:effectRef>
+            <a:fontRef idx="minor">
+              <a:schemeClr val="lt1"/>
+            </a:fontRef>
+          </p:style>
+          <p:txBody>
+            <a:bodyPr rtlCol="0" anchor="ctr"/>
+            <a:lstStyle/>
+            <a:p>
+              <a:pPr algn="ctr"/>
+              <a:endParaRPr lang="ru-RU"/>
+            </a:p>
+          </p:txBody>
+        </p:sp>
+      </p:grpSp>
+      <p:grpSp>
+        <p:nvGrpSpPr>
+          <p:cNvPr id="27" name="Group 26">
+            <a:extLst>
+              <a:ext uri="{FF2B5EF4-FFF2-40B4-BE49-F238E27FC236}">
+                <a16:creationId xmlns:a16="http://schemas.microsoft.com/office/drawing/2014/main" id="{60CC4D8E-43D0-4392-2AD8-1B240B20D709}"/>
+              </a:ext>
+            </a:extLst>
+          </p:cNvPr>
+          <p:cNvGrpSpPr/>
+          <p:nvPr/>
+        </p:nvGrpSpPr>
+        <p:grpSpPr>
+          <a:xfrm>
+            <a:off x="4010626" y="-78808"/>
+            <a:ext cx="4895850" cy="6686550"/>
+            <a:chOff x="4010626" y="-78808"/>
+            <a:chExt cx="4895850" cy="6686550"/>
+          </a:xfrm>
+        </p:grpSpPr>
+        <p:pic>
+          <p:nvPicPr>
+            <p:cNvPr id="26" name="Picture 25">
+              <a:extLst>
+                <a:ext uri="{FF2B5EF4-FFF2-40B4-BE49-F238E27FC236}">
+                  <a16:creationId xmlns:a16="http://schemas.microsoft.com/office/drawing/2014/main" id="{ECCC2883-5ECD-90DD-22B9-DE009326B1F8}"/>
+                </a:ext>
+              </a:extLst>
+            </p:cNvPr>
+            <p:cNvPicPr>
+              <a:picLocks noChangeAspect="1"/>
+            </p:cNvPicPr>
+            <p:nvPr/>
+          </p:nvPicPr>
+          <p:blipFill>
+            <a:blip r:embed="rId6"/>
+            <a:stretch>
+              <a:fillRect/>
+            </a:stretch>
+          </p:blipFill>
+          <p:spPr>
+            <a:xfrm>
+              <a:off x="4010626" y="-78808"/>
+              <a:ext cx="4895850" cy="6686550"/>
+            </a:xfrm>
+            <a:prstGeom prst="rect">
+              <a:avLst/>
+            </a:prstGeom>
+          </p:spPr>
+        </p:pic>
+        <p:sp>
+          <p:nvSpPr>
+            <p:cNvPr id="19" name="Rectangle: Rounded Corners 18">
+              <a:extLst>
+                <a:ext uri="{FF2B5EF4-FFF2-40B4-BE49-F238E27FC236}">
+                  <a16:creationId xmlns:a16="http://schemas.microsoft.com/office/drawing/2014/main" id="{89CD4B43-7B54-D125-9E50-96D70B832B55}"/>
+                </a:ext>
+              </a:extLst>
+            </p:cNvPr>
+            <p:cNvSpPr/>
+            <p:nvPr/>
+          </p:nvSpPr>
+          <p:spPr>
+            <a:xfrm>
+              <a:off x="4170045" y="935354"/>
+              <a:ext cx="4507230" cy="283845"/>
+            </a:xfrm>
+            <a:prstGeom prst="roundRect">
+              <a:avLst/>
+            </a:prstGeom>
+            <a:noFill/>
+            <a:ln w="19050">
+              <a:solidFill>
+                <a:srgbClr val="FF0000"/>
+              </a:solidFill>
+            </a:ln>
+          </p:spPr>
+          <p:style>
+            <a:lnRef idx="2">
+              <a:schemeClr val="accent6"/>
+            </a:lnRef>
+            <a:fillRef idx="1">
+              <a:schemeClr val="lt1"/>
+            </a:fillRef>
+            <a:effectRef idx="0">
+              <a:schemeClr val="accent6"/>
+            </a:effectRef>
+            <a:fontRef idx="minor">
+              <a:schemeClr val="dk1"/>
+            </a:fontRef>
+          </p:style>
+          <p:txBody>
+            <a:bodyPr rtlCol="0" anchor="ctr"/>
+            <a:lstStyle/>
+            <a:p>
+              <a:pPr algn="ctr"/>
+              <a:endParaRPr lang="en-US"/>
+            </a:p>
+          </p:txBody>
+        </p:sp>
+      </p:grpSp>
+      <p:grpSp>
+        <p:nvGrpSpPr>
+          <p:cNvPr id="24" name="Group 23">
+            <a:extLst>
+              <a:ext uri="{FF2B5EF4-FFF2-40B4-BE49-F238E27FC236}">
+                <a16:creationId xmlns:a16="http://schemas.microsoft.com/office/drawing/2014/main" id="{D38278DE-0F06-C7E2-92C5-2967695849E3}"/>
+              </a:ext>
+            </a:extLst>
+          </p:cNvPr>
+          <p:cNvGrpSpPr/>
+          <p:nvPr/>
+        </p:nvGrpSpPr>
+        <p:grpSpPr>
+          <a:xfrm>
+            <a:off x="246056" y="4512945"/>
+            <a:ext cx="2895289" cy="2156460"/>
+            <a:chOff x="246056" y="4512945"/>
+            <a:chExt cx="2895289" cy="2156460"/>
+          </a:xfrm>
+        </p:grpSpPr>
+        <p:pic>
+          <p:nvPicPr>
+            <p:cNvPr id="21" name="Picture 20" descr="Graphical user interface, text, application&#10;&#10;Description automatically generated">
+              <a:extLst>
+                <a:ext uri="{FF2B5EF4-FFF2-40B4-BE49-F238E27FC236}">
+                  <a16:creationId xmlns:a16="http://schemas.microsoft.com/office/drawing/2014/main" id="{C1F9D40D-8AFA-7A3F-C30E-34130E266C55}"/>
+                </a:ext>
+              </a:extLst>
+            </p:cNvPr>
+            <p:cNvPicPr>
+              <a:picLocks noChangeAspect="1"/>
+            </p:cNvPicPr>
+            <p:nvPr/>
+          </p:nvPicPr>
+          <p:blipFill>
+            <a:blip r:embed="rId7">
+              <a:extLst>
+                <a:ext uri="{28A0092B-C50C-407E-A947-70E740481C1C}">
+                  <a14:useLocalDpi xmlns:a14="http://schemas.microsoft.com/office/drawing/2010/main" val="0"/>
+                </a:ext>
+              </a:extLst>
+            </a:blip>
+            <a:srcRect/>
+            <a:stretch>
+              <a:fillRect/>
+            </a:stretch>
+          </p:blipFill>
+          <p:spPr bwMode="auto">
+            <a:xfrm>
+              <a:off x="268605" y="4512945"/>
+              <a:ext cx="2872740" cy="2156460"/>
+            </a:xfrm>
+            <a:prstGeom prst="rect">
+              <a:avLst/>
+            </a:prstGeom>
+            <a:noFill/>
+            <a:ln>
+              <a:noFill/>
+            </a:ln>
+          </p:spPr>
+        </p:pic>
+        <p:sp>
+          <p:nvSpPr>
+            <p:cNvPr id="22" name="Овал 5">
+              <a:extLst>
+                <a:ext uri="{FF2B5EF4-FFF2-40B4-BE49-F238E27FC236}">
+                  <a16:creationId xmlns:a16="http://schemas.microsoft.com/office/drawing/2014/main" id="{2236D8DD-0156-D474-BD6A-B8EFF1C4D995}"/>
+                </a:ext>
+              </a:extLst>
+            </p:cNvPr>
+            <p:cNvSpPr/>
+            <p:nvPr/>
+          </p:nvSpPr>
+          <p:spPr>
+            <a:xfrm>
+              <a:off x="246056" y="5181599"/>
+              <a:ext cx="1516064" cy="276225"/>
+            </a:xfrm>
+            <a:prstGeom prst="ellipse">
+              <a:avLst/>
+            </a:prstGeom>
+            <a:noFill/>
+            <a:ln w="19050">
+              <a:solidFill>
+                <a:srgbClr val="FF0000"/>
+              </a:solidFill>
+            </a:ln>
+          </p:spPr>
+          <p:style>
+            <a:lnRef idx="2">
+              <a:schemeClr val="accent1">
+                <a:shade val="50000"/>
+              </a:schemeClr>
+            </a:lnRef>
+            <a:fillRef idx="1">
+              <a:schemeClr val="accent1"/>
+            </a:fillRef>
+            <a:effectRef idx="0">
+              <a:schemeClr val="accent1"/>
+            </a:effectRef>
+            <a:fontRef idx="minor">
+              <a:schemeClr val="lt1"/>
+            </a:fontRef>
+          </p:style>
+          <p:txBody>
+            <a:bodyPr rtlCol="0" anchor="ctr"/>
+            <a:lstStyle/>
+            <a:p>
+              <a:pPr algn="ctr"/>
+              <a:endParaRPr lang="ru-RU"/>
+            </a:p>
+          </p:txBody>
+        </p:sp>
+      </p:grpSp>
+    </p:spTree>
+    <p:extLst>
+      <p:ext uri="{BB962C8B-B14F-4D97-AF65-F5344CB8AC3E}">
+        <p14:creationId xmlns:p14="http://schemas.microsoft.com/office/powerpoint/2010/main" val="3231720509"/>
+      </p:ext>
+    </p:extLst>
+  </p:cSld>
+  <p:clrMapOvr>
+    <a:masterClrMapping/>
+  </p:clrMapOvr>
+</p:sld>
+</file>
+
+<file path=ppt/slides/slide40.xml><?xml version="1.0" encoding="utf-8"?>
 <p:sld xmlns:a="http://schemas.openxmlformats.org/drawingml/2006/main" xmlns:r="http://schemas.openxmlformats.org/officeDocument/2006/relationships" xmlns:p="http://schemas.openxmlformats.org/presentationml/2006/main">
   <p:cSld>
     <p:spTree>
@@ -28485,7 +28641,7 @@
 </p:sld>
 </file>
 
-<file path=ppt/slides/slide42.xml><?xml version="1.0" encoding="utf-8"?>
+<file path=ppt/slides/slide41.xml><?xml version="1.0" encoding="utf-8"?>
 <p:sld xmlns:a="http://schemas.openxmlformats.org/drawingml/2006/main" xmlns:r="http://schemas.openxmlformats.org/officeDocument/2006/relationships" xmlns:p="http://schemas.openxmlformats.org/presentationml/2006/main">
   <p:cSld>
     <p:spTree>
@@ -28781,7 +28937,7 @@
 </p:sld>
 </file>
 
-<file path=ppt/slides/slide43.xml><?xml version="1.0" encoding="utf-8"?>
+<file path=ppt/slides/slide42.xml><?xml version="1.0" encoding="utf-8"?>
 <p:sld xmlns:a="http://schemas.openxmlformats.org/drawingml/2006/main" xmlns:r="http://schemas.openxmlformats.org/officeDocument/2006/relationships" xmlns:p="http://schemas.openxmlformats.org/presentationml/2006/main">
   <p:cSld>
     <p:spTree>
@@ -29022,7 +29178,7 @@
 </p:sld>
 </file>
 
-<file path=ppt/slides/slide44.xml><?xml version="1.0" encoding="utf-8"?>
+<file path=ppt/slides/slide43.xml><?xml version="1.0" encoding="utf-8"?>
 <p:sld xmlns:a="http://schemas.openxmlformats.org/drawingml/2006/main" xmlns:r="http://schemas.openxmlformats.org/officeDocument/2006/relationships" xmlns:p="http://schemas.openxmlformats.org/presentationml/2006/main">
   <p:cSld>
     <p:spTree>
@@ -34239,7 +34395,7 @@
 </p:sld>
 </file>
 
-<file path=ppt/slides/slide45.xml><?xml version="1.0" encoding="utf-8"?>
+<file path=ppt/slides/slide44.xml><?xml version="1.0" encoding="utf-8"?>
 <p:sld xmlns:a="http://schemas.openxmlformats.org/drawingml/2006/main" xmlns:r="http://schemas.openxmlformats.org/officeDocument/2006/relationships" xmlns:p="http://schemas.openxmlformats.org/presentationml/2006/main">
   <p:cSld>
     <p:spTree>
@@ -34391,667 +34547,6 @@
       </p:grpSpPr>
       <p:grpSp>
         <p:nvGrpSpPr>
-          <p:cNvPr id="6" name="Group 5">
-            <a:extLst>
-              <a:ext uri="{FF2B5EF4-FFF2-40B4-BE49-F238E27FC236}">
-                <a16:creationId xmlns:a16="http://schemas.microsoft.com/office/drawing/2014/main" id="{00BCC187-6DE4-25B8-931F-F0403EAD6E6D}"/>
-              </a:ext>
-            </a:extLst>
-          </p:cNvPr>
-          <p:cNvGrpSpPr/>
-          <p:nvPr/>
-        </p:nvGrpSpPr>
-        <p:grpSpPr>
-          <a:xfrm>
-            <a:off x="205288" y="2162576"/>
-            <a:ext cx="2714625" cy="533400"/>
-            <a:chOff x="6006013" y="5944001"/>
-            <a:chExt cx="2714625" cy="533400"/>
-          </a:xfrm>
-        </p:grpSpPr>
-        <p:pic>
-          <p:nvPicPr>
-            <p:cNvPr id="7" name="Picture 6">
-              <a:extLst>
-                <a:ext uri="{FF2B5EF4-FFF2-40B4-BE49-F238E27FC236}">
-                  <a16:creationId xmlns:a16="http://schemas.microsoft.com/office/drawing/2014/main" id="{8965EA1A-01DE-E151-8901-A2CCB2DF3682}"/>
-                </a:ext>
-              </a:extLst>
-            </p:cNvPr>
-            <p:cNvPicPr>
-              <a:picLocks noChangeAspect="1"/>
-            </p:cNvPicPr>
-            <p:nvPr/>
-          </p:nvPicPr>
-          <p:blipFill>
-            <a:blip r:embed="rId2"/>
-            <a:stretch>
-              <a:fillRect/>
-            </a:stretch>
-          </p:blipFill>
-          <p:spPr>
-            <a:xfrm>
-              <a:off x="6006013" y="5944001"/>
-              <a:ext cx="2714625" cy="533400"/>
-            </a:xfrm>
-            <a:prstGeom prst="rect">
-              <a:avLst/>
-            </a:prstGeom>
-          </p:spPr>
-        </p:pic>
-        <p:sp>
-          <p:nvSpPr>
-            <p:cNvPr id="8" name="Rectangle: Rounded Corners 7">
-              <a:extLst>
-                <a:ext uri="{FF2B5EF4-FFF2-40B4-BE49-F238E27FC236}">
-                  <a16:creationId xmlns:a16="http://schemas.microsoft.com/office/drawing/2014/main" id="{71F8EB1A-83E0-40F9-B39C-A8B3A95DCA55}"/>
-                </a:ext>
-              </a:extLst>
-            </p:cNvPr>
-            <p:cNvSpPr/>
-            <p:nvPr/>
-          </p:nvSpPr>
-          <p:spPr>
-            <a:xfrm>
-              <a:off x="6217920" y="6126480"/>
-              <a:ext cx="2468880" cy="167640"/>
-            </a:xfrm>
-            <a:prstGeom prst="roundRect">
-              <a:avLst/>
-            </a:prstGeom>
-            <a:noFill/>
-            <a:ln w="19050">
-              <a:solidFill>
-                <a:srgbClr val="FF0000"/>
-              </a:solidFill>
-            </a:ln>
-          </p:spPr>
-          <p:style>
-            <a:lnRef idx="2">
-              <a:schemeClr val="accent6"/>
-            </a:lnRef>
-            <a:fillRef idx="1">
-              <a:schemeClr val="lt1"/>
-            </a:fillRef>
-            <a:effectRef idx="0">
-              <a:schemeClr val="accent6"/>
-            </a:effectRef>
-            <a:fontRef idx="minor">
-              <a:schemeClr val="dk1"/>
-            </a:fontRef>
-          </p:style>
-          <p:txBody>
-            <a:bodyPr rtlCol="0" anchor="ctr"/>
-            <a:lstStyle/>
-            <a:p>
-              <a:pPr algn="ctr"/>
-              <a:endParaRPr lang="en-US"/>
-            </a:p>
-          </p:txBody>
-        </p:sp>
-      </p:grpSp>
-      <p:grpSp>
-        <p:nvGrpSpPr>
-          <p:cNvPr id="9" name="Group 8">
-            <a:extLst>
-              <a:ext uri="{FF2B5EF4-FFF2-40B4-BE49-F238E27FC236}">
-                <a16:creationId xmlns:a16="http://schemas.microsoft.com/office/drawing/2014/main" id="{F993024C-1C15-2014-BA1B-ED351A76F530}"/>
-              </a:ext>
-            </a:extLst>
-          </p:cNvPr>
-          <p:cNvGrpSpPr/>
-          <p:nvPr/>
-        </p:nvGrpSpPr>
-        <p:grpSpPr>
-          <a:xfrm>
-            <a:off x="242887" y="271462"/>
-            <a:ext cx="2143125" cy="752475"/>
-            <a:chOff x="300037" y="433387"/>
-            <a:chExt cx="2143125" cy="752475"/>
-          </a:xfrm>
-        </p:grpSpPr>
-        <p:pic>
-          <p:nvPicPr>
-            <p:cNvPr id="10" name="Picture 9">
-              <a:extLst>
-                <a:ext uri="{FF2B5EF4-FFF2-40B4-BE49-F238E27FC236}">
-                  <a16:creationId xmlns:a16="http://schemas.microsoft.com/office/drawing/2014/main" id="{233488B7-8A3D-8959-D2F3-0DB362B317AC}"/>
-                </a:ext>
-              </a:extLst>
-            </p:cNvPr>
-            <p:cNvPicPr>
-              <a:picLocks noChangeAspect="1"/>
-            </p:cNvPicPr>
-            <p:nvPr/>
-          </p:nvPicPr>
-          <p:blipFill>
-            <a:blip r:embed="rId3"/>
-            <a:stretch>
-              <a:fillRect/>
-            </a:stretch>
-          </p:blipFill>
-          <p:spPr>
-            <a:xfrm>
-              <a:off x="300037" y="433387"/>
-              <a:ext cx="2143125" cy="752475"/>
-            </a:xfrm>
-            <a:prstGeom prst="rect">
-              <a:avLst/>
-            </a:prstGeom>
-          </p:spPr>
-        </p:pic>
-        <p:sp>
-          <p:nvSpPr>
-            <p:cNvPr id="11" name="Овал 5">
-              <a:extLst>
-                <a:ext uri="{FF2B5EF4-FFF2-40B4-BE49-F238E27FC236}">
-                  <a16:creationId xmlns:a16="http://schemas.microsoft.com/office/drawing/2014/main" id="{549921A8-4D5F-2F83-C69D-EF526A572DC7}"/>
-                </a:ext>
-              </a:extLst>
-            </p:cNvPr>
-            <p:cNvSpPr/>
-            <p:nvPr/>
-          </p:nvSpPr>
-          <p:spPr>
-            <a:xfrm>
-              <a:off x="893762" y="607219"/>
-              <a:ext cx="261938" cy="247650"/>
-            </a:xfrm>
-            <a:prstGeom prst="ellipse">
-              <a:avLst/>
-            </a:prstGeom>
-            <a:noFill/>
-            <a:ln w="19050">
-              <a:solidFill>
-                <a:srgbClr val="FF0000"/>
-              </a:solidFill>
-            </a:ln>
-          </p:spPr>
-          <p:style>
-            <a:lnRef idx="2">
-              <a:schemeClr val="accent1">
-                <a:shade val="50000"/>
-              </a:schemeClr>
-            </a:lnRef>
-            <a:fillRef idx="1">
-              <a:schemeClr val="accent1"/>
-            </a:fillRef>
-            <a:effectRef idx="0">
-              <a:schemeClr val="accent1"/>
-            </a:effectRef>
-            <a:fontRef idx="minor">
-              <a:schemeClr val="lt1"/>
-            </a:fontRef>
-          </p:style>
-          <p:txBody>
-            <a:bodyPr rtlCol="0" anchor="ctr"/>
-            <a:lstStyle/>
-            <a:p>
-              <a:pPr algn="ctr"/>
-              <a:endParaRPr lang="ru-RU"/>
-            </a:p>
-          </p:txBody>
-        </p:sp>
-      </p:grpSp>
-      <p:grpSp>
-        <p:nvGrpSpPr>
-          <p:cNvPr id="13" name="Group 12">
-            <a:extLst>
-              <a:ext uri="{FF2B5EF4-FFF2-40B4-BE49-F238E27FC236}">
-                <a16:creationId xmlns:a16="http://schemas.microsoft.com/office/drawing/2014/main" id="{5650C7EE-F534-A0E9-6B61-4CD7D6024DA8}"/>
-              </a:ext>
-            </a:extLst>
-          </p:cNvPr>
-          <p:cNvGrpSpPr/>
-          <p:nvPr/>
-        </p:nvGrpSpPr>
-        <p:grpSpPr>
-          <a:xfrm>
-            <a:off x="209550" y="1228725"/>
-            <a:ext cx="2914650" cy="819150"/>
-            <a:chOff x="1019175" y="4267200"/>
-            <a:chExt cx="2914650" cy="819150"/>
-          </a:xfrm>
-        </p:grpSpPr>
-        <p:pic>
-          <p:nvPicPr>
-            <p:cNvPr id="5" name="Picture 4">
-              <a:extLst>
-                <a:ext uri="{FF2B5EF4-FFF2-40B4-BE49-F238E27FC236}">
-                  <a16:creationId xmlns:a16="http://schemas.microsoft.com/office/drawing/2014/main" id="{F1B9E594-0A9C-C741-EB11-4A5B07BD4F32}"/>
-                </a:ext>
-              </a:extLst>
-            </p:cNvPr>
-            <p:cNvPicPr>
-              <a:picLocks noChangeAspect="1"/>
-            </p:cNvPicPr>
-            <p:nvPr/>
-          </p:nvPicPr>
-          <p:blipFill>
-            <a:blip r:embed="rId4"/>
-            <a:stretch>
-              <a:fillRect/>
-            </a:stretch>
-          </p:blipFill>
-          <p:spPr>
-            <a:xfrm>
-              <a:off x="1019175" y="4267200"/>
-              <a:ext cx="2914650" cy="819150"/>
-            </a:xfrm>
-            <a:prstGeom prst="rect">
-              <a:avLst/>
-            </a:prstGeom>
-          </p:spPr>
-        </p:pic>
-        <p:sp>
-          <p:nvSpPr>
-            <p:cNvPr id="12" name="Овал 5">
-              <a:extLst>
-                <a:ext uri="{FF2B5EF4-FFF2-40B4-BE49-F238E27FC236}">
-                  <a16:creationId xmlns:a16="http://schemas.microsoft.com/office/drawing/2014/main" id="{BE5BFBE9-8102-ED81-161E-4515506D6D9B}"/>
-                </a:ext>
-              </a:extLst>
-            </p:cNvPr>
-            <p:cNvSpPr/>
-            <p:nvPr/>
-          </p:nvSpPr>
-          <p:spPr>
-            <a:xfrm>
-              <a:off x="1198562" y="4683919"/>
-              <a:ext cx="687388" cy="247650"/>
-            </a:xfrm>
-            <a:prstGeom prst="ellipse">
-              <a:avLst/>
-            </a:prstGeom>
-            <a:noFill/>
-            <a:ln w="19050">
-              <a:solidFill>
-                <a:srgbClr val="FF0000"/>
-              </a:solidFill>
-            </a:ln>
-          </p:spPr>
-          <p:style>
-            <a:lnRef idx="2">
-              <a:schemeClr val="accent1">
-                <a:shade val="50000"/>
-              </a:schemeClr>
-            </a:lnRef>
-            <a:fillRef idx="1">
-              <a:schemeClr val="accent1"/>
-            </a:fillRef>
-            <a:effectRef idx="0">
-              <a:schemeClr val="accent1"/>
-            </a:effectRef>
-            <a:fontRef idx="minor">
-              <a:schemeClr val="lt1"/>
-            </a:fontRef>
-          </p:style>
-          <p:txBody>
-            <a:bodyPr rtlCol="0" anchor="ctr"/>
-            <a:lstStyle/>
-            <a:p>
-              <a:pPr algn="ctr"/>
-              <a:endParaRPr lang="ru-RU"/>
-            </a:p>
-          </p:txBody>
-        </p:sp>
-      </p:grpSp>
-      <p:grpSp>
-        <p:nvGrpSpPr>
-          <p:cNvPr id="16" name="Group 15">
-            <a:extLst>
-              <a:ext uri="{FF2B5EF4-FFF2-40B4-BE49-F238E27FC236}">
-                <a16:creationId xmlns:a16="http://schemas.microsoft.com/office/drawing/2014/main" id="{39F9778D-D193-914E-840B-EC98D0AA9D6E}"/>
-              </a:ext>
-            </a:extLst>
-          </p:cNvPr>
-          <p:cNvGrpSpPr/>
-          <p:nvPr/>
-        </p:nvGrpSpPr>
-        <p:grpSpPr>
-          <a:xfrm>
-            <a:off x="2995612" y="2233613"/>
-            <a:ext cx="942975" cy="1800225"/>
-            <a:chOff x="4624387" y="3824288"/>
-            <a:chExt cx="942975" cy="1800225"/>
-          </a:xfrm>
-        </p:grpSpPr>
-        <p:pic>
-          <p:nvPicPr>
-            <p:cNvPr id="14" name="Picture 13" descr="Graphical user interface, text&#10;&#10;Description automatically generated">
-              <a:extLst>
-                <a:ext uri="{FF2B5EF4-FFF2-40B4-BE49-F238E27FC236}">
-                  <a16:creationId xmlns:a16="http://schemas.microsoft.com/office/drawing/2014/main" id="{A19CFD31-FC2F-AAC8-2830-11A201549708}"/>
-                </a:ext>
-              </a:extLst>
-            </p:cNvPr>
-            <p:cNvPicPr>
-              <a:picLocks noChangeAspect="1"/>
-            </p:cNvPicPr>
-            <p:nvPr/>
-          </p:nvPicPr>
-          <p:blipFill>
-            <a:blip r:embed="rId5">
-              <a:extLst>
-                <a:ext uri="{28A0092B-C50C-407E-A947-70E740481C1C}">
-                  <a14:useLocalDpi xmlns:a14="http://schemas.microsoft.com/office/drawing/2010/main" val="0"/>
-                </a:ext>
-              </a:extLst>
-            </a:blip>
-            <a:stretch>
-              <a:fillRect/>
-            </a:stretch>
-          </p:blipFill>
-          <p:spPr>
-            <a:xfrm>
-              <a:off x="4624387" y="3824288"/>
-              <a:ext cx="942975" cy="1800225"/>
-            </a:xfrm>
-            <a:prstGeom prst="rect">
-              <a:avLst/>
-            </a:prstGeom>
-          </p:spPr>
-        </p:pic>
-        <p:sp>
-          <p:nvSpPr>
-            <p:cNvPr id="15" name="Овал 5">
-              <a:extLst>
-                <a:ext uri="{FF2B5EF4-FFF2-40B4-BE49-F238E27FC236}">
-                  <a16:creationId xmlns:a16="http://schemas.microsoft.com/office/drawing/2014/main" id="{849FD841-C6B2-1FC7-7E47-A02350654772}"/>
-                </a:ext>
-              </a:extLst>
-            </p:cNvPr>
-            <p:cNvSpPr/>
-            <p:nvPr/>
-          </p:nvSpPr>
-          <p:spPr>
-            <a:xfrm>
-              <a:off x="4656136" y="4219575"/>
-              <a:ext cx="868363" cy="235744"/>
-            </a:xfrm>
-            <a:prstGeom prst="ellipse">
-              <a:avLst/>
-            </a:prstGeom>
-            <a:noFill/>
-            <a:ln w="19050">
-              <a:solidFill>
-                <a:srgbClr val="FF0000"/>
-              </a:solidFill>
-            </a:ln>
-          </p:spPr>
-          <p:style>
-            <a:lnRef idx="2">
-              <a:schemeClr val="accent1">
-                <a:shade val="50000"/>
-              </a:schemeClr>
-            </a:lnRef>
-            <a:fillRef idx="1">
-              <a:schemeClr val="accent1"/>
-            </a:fillRef>
-            <a:effectRef idx="0">
-              <a:schemeClr val="accent1"/>
-            </a:effectRef>
-            <a:fontRef idx="minor">
-              <a:schemeClr val="lt1"/>
-            </a:fontRef>
-          </p:style>
-          <p:txBody>
-            <a:bodyPr rtlCol="0" anchor="ctr"/>
-            <a:lstStyle/>
-            <a:p>
-              <a:pPr algn="ctr"/>
-              <a:endParaRPr lang="ru-RU"/>
-            </a:p>
-          </p:txBody>
-        </p:sp>
-      </p:grpSp>
-      <p:grpSp>
-        <p:nvGrpSpPr>
-          <p:cNvPr id="27" name="Group 26">
-            <a:extLst>
-              <a:ext uri="{FF2B5EF4-FFF2-40B4-BE49-F238E27FC236}">
-                <a16:creationId xmlns:a16="http://schemas.microsoft.com/office/drawing/2014/main" id="{60CC4D8E-43D0-4392-2AD8-1B240B20D709}"/>
-              </a:ext>
-            </a:extLst>
-          </p:cNvPr>
-          <p:cNvGrpSpPr/>
-          <p:nvPr/>
-        </p:nvGrpSpPr>
-        <p:grpSpPr>
-          <a:xfrm>
-            <a:off x="4010626" y="-78808"/>
-            <a:ext cx="4895850" cy="6686550"/>
-            <a:chOff x="4010626" y="-78808"/>
-            <a:chExt cx="4895850" cy="6686550"/>
-          </a:xfrm>
-        </p:grpSpPr>
-        <p:pic>
-          <p:nvPicPr>
-            <p:cNvPr id="26" name="Picture 25">
-              <a:extLst>
-                <a:ext uri="{FF2B5EF4-FFF2-40B4-BE49-F238E27FC236}">
-                  <a16:creationId xmlns:a16="http://schemas.microsoft.com/office/drawing/2014/main" id="{ECCC2883-5ECD-90DD-22B9-DE009326B1F8}"/>
-                </a:ext>
-              </a:extLst>
-            </p:cNvPr>
-            <p:cNvPicPr>
-              <a:picLocks noChangeAspect="1"/>
-            </p:cNvPicPr>
-            <p:nvPr/>
-          </p:nvPicPr>
-          <p:blipFill>
-            <a:blip r:embed="rId6"/>
-            <a:stretch>
-              <a:fillRect/>
-            </a:stretch>
-          </p:blipFill>
-          <p:spPr>
-            <a:xfrm>
-              <a:off x="4010626" y="-78808"/>
-              <a:ext cx="4895850" cy="6686550"/>
-            </a:xfrm>
-            <a:prstGeom prst="rect">
-              <a:avLst/>
-            </a:prstGeom>
-          </p:spPr>
-        </p:pic>
-        <p:sp>
-          <p:nvSpPr>
-            <p:cNvPr id="19" name="Rectangle: Rounded Corners 18">
-              <a:extLst>
-                <a:ext uri="{FF2B5EF4-FFF2-40B4-BE49-F238E27FC236}">
-                  <a16:creationId xmlns:a16="http://schemas.microsoft.com/office/drawing/2014/main" id="{89CD4B43-7B54-D125-9E50-96D70B832B55}"/>
-                </a:ext>
-              </a:extLst>
-            </p:cNvPr>
-            <p:cNvSpPr/>
-            <p:nvPr/>
-          </p:nvSpPr>
-          <p:spPr>
-            <a:xfrm>
-              <a:off x="4170045" y="935354"/>
-              <a:ext cx="4507230" cy="283845"/>
-            </a:xfrm>
-            <a:prstGeom prst="roundRect">
-              <a:avLst/>
-            </a:prstGeom>
-            <a:noFill/>
-            <a:ln w="19050">
-              <a:solidFill>
-                <a:srgbClr val="FF0000"/>
-              </a:solidFill>
-            </a:ln>
-          </p:spPr>
-          <p:style>
-            <a:lnRef idx="2">
-              <a:schemeClr val="accent6"/>
-            </a:lnRef>
-            <a:fillRef idx="1">
-              <a:schemeClr val="lt1"/>
-            </a:fillRef>
-            <a:effectRef idx="0">
-              <a:schemeClr val="accent6"/>
-            </a:effectRef>
-            <a:fontRef idx="minor">
-              <a:schemeClr val="dk1"/>
-            </a:fontRef>
-          </p:style>
-          <p:txBody>
-            <a:bodyPr rtlCol="0" anchor="ctr"/>
-            <a:lstStyle/>
-            <a:p>
-              <a:pPr algn="ctr"/>
-              <a:endParaRPr lang="en-US"/>
-            </a:p>
-          </p:txBody>
-        </p:sp>
-      </p:grpSp>
-      <p:grpSp>
-        <p:nvGrpSpPr>
-          <p:cNvPr id="24" name="Group 23">
-            <a:extLst>
-              <a:ext uri="{FF2B5EF4-FFF2-40B4-BE49-F238E27FC236}">
-                <a16:creationId xmlns:a16="http://schemas.microsoft.com/office/drawing/2014/main" id="{D38278DE-0F06-C7E2-92C5-2967695849E3}"/>
-              </a:ext>
-            </a:extLst>
-          </p:cNvPr>
-          <p:cNvGrpSpPr/>
-          <p:nvPr/>
-        </p:nvGrpSpPr>
-        <p:grpSpPr>
-          <a:xfrm>
-            <a:off x="246056" y="4512945"/>
-            <a:ext cx="2895289" cy="2156460"/>
-            <a:chOff x="246056" y="4512945"/>
-            <a:chExt cx="2895289" cy="2156460"/>
-          </a:xfrm>
-        </p:grpSpPr>
-        <p:pic>
-          <p:nvPicPr>
-            <p:cNvPr id="21" name="Picture 20" descr="Graphical user interface, text, application&#10;&#10;Description automatically generated">
-              <a:extLst>
-                <a:ext uri="{FF2B5EF4-FFF2-40B4-BE49-F238E27FC236}">
-                  <a16:creationId xmlns:a16="http://schemas.microsoft.com/office/drawing/2014/main" id="{C1F9D40D-8AFA-7A3F-C30E-34130E266C55}"/>
-                </a:ext>
-              </a:extLst>
-            </p:cNvPr>
-            <p:cNvPicPr>
-              <a:picLocks noChangeAspect="1"/>
-            </p:cNvPicPr>
-            <p:nvPr/>
-          </p:nvPicPr>
-          <p:blipFill>
-            <a:blip r:embed="rId7">
-              <a:extLst>
-                <a:ext uri="{28A0092B-C50C-407E-A947-70E740481C1C}">
-                  <a14:useLocalDpi xmlns:a14="http://schemas.microsoft.com/office/drawing/2010/main" val="0"/>
-                </a:ext>
-              </a:extLst>
-            </a:blip>
-            <a:srcRect/>
-            <a:stretch>
-              <a:fillRect/>
-            </a:stretch>
-          </p:blipFill>
-          <p:spPr bwMode="auto">
-            <a:xfrm>
-              <a:off x="268605" y="4512945"/>
-              <a:ext cx="2872740" cy="2156460"/>
-            </a:xfrm>
-            <a:prstGeom prst="rect">
-              <a:avLst/>
-            </a:prstGeom>
-            <a:noFill/>
-            <a:ln>
-              <a:noFill/>
-            </a:ln>
-          </p:spPr>
-        </p:pic>
-        <p:sp>
-          <p:nvSpPr>
-            <p:cNvPr id="22" name="Овал 5">
-              <a:extLst>
-                <a:ext uri="{FF2B5EF4-FFF2-40B4-BE49-F238E27FC236}">
-                  <a16:creationId xmlns:a16="http://schemas.microsoft.com/office/drawing/2014/main" id="{2236D8DD-0156-D474-BD6A-B8EFF1C4D995}"/>
-                </a:ext>
-              </a:extLst>
-            </p:cNvPr>
-            <p:cNvSpPr/>
-            <p:nvPr/>
-          </p:nvSpPr>
-          <p:spPr>
-            <a:xfrm>
-              <a:off x="246056" y="5181599"/>
-              <a:ext cx="1516064" cy="276225"/>
-            </a:xfrm>
-            <a:prstGeom prst="ellipse">
-              <a:avLst/>
-            </a:prstGeom>
-            <a:noFill/>
-            <a:ln w="19050">
-              <a:solidFill>
-                <a:srgbClr val="FF0000"/>
-              </a:solidFill>
-            </a:ln>
-          </p:spPr>
-          <p:style>
-            <a:lnRef idx="2">
-              <a:schemeClr val="accent1">
-                <a:shade val="50000"/>
-              </a:schemeClr>
-            </a:lnRef>
-            <a:fillRef idx="1">
-              <a:schemeClr val="accent1"/>
-            </a:fillRef>
-            <a:effectRef idx="0">
-              <a:schemeClr val="accent1"/>
-            </a:effectRef>
-            <a:fontRef idx="minor">
-              <a:schemeClr val="lt1"/>
-            </a:fontRef>
-          </p:style>
-          <p:txBody>
-            <a:bodyPr rtlCol="0" anchor="ctr"/>
-            <a:lstStyle/>
-            <a:p>
-              <a:pPr algn="ctr"/>
-              <a:endParaRPr lang="ru-RU"/>
-            </a:p>
-          </p:txBody>
-        </p:sp>
-      </p:grpSp>
-    </p:spTree>
-    <p:extLst>
-      <p:ext uri="{BB962C8B-B14F-4D97-AF65-F5344CB8AC3E}">
-        <p14:creationId xmlns:p14="http://schemas.microsoft.com/office/powerpoint/2010/main" val="3231720509"/>
-      </p:ext>
-    </p:extLst>
-  </p:cSld>
-  <p:clrMapOvr>
-    <a:masterClrMapping/>
-  </p:clrMapOvr>
-</p:sld>
-</file>
-
-<file path=ppt/slides/slide6.xml><?xml version="1.0" encoding="utf-8"?>
-<p:sld xmlns:a="http://schemas.openxmlformats.org/drawingml/2006/main" xmlns:r="http://schemas.openxmlformats.org/officeDocument/2006/relationships" xmlns:p="http://schemas.openxmlformats.org/presentationml/2006/main">
-  <p:cSld>
-    <p:spTree>
-      <p:nvGrpSpPr>
-        <p:cNvPr id="1" name=""/>
-        <p:cNvGrpSpPr/>
-        <p:nvPr/>
-      </p:nvGrpSpPr>
-      <p:grpSpPr>
-        <a:xfrm>
-          <a:off x="0" y="0"/>
-          <a:ext cx="0" cy="0"/>
-          <a:chOff x="0" y="0"/>
-          <a:chExt cx="0" cy="0"/>
-        </a:xfrm>
-      </p:grpSpPr>
-      <p:grpSp>
-        <p:nvGrpSpPr>
           <p:cNvPr id="10" name="Group 9">
             <a:extLst>
               <a:ext uri="{FF2B5EF4-FFF2-40B4-BE49-F238E27FC236}">
@@ -35484,7 +34979,7 @@
 </p:sld>
 </file>
 
-<file path=ppt/slides/slide7.xml><?xml version="1.0" encoding="utf-8"?>
+<file path=ppt/slides/slide6.xml><?xml version="1.0" encoding="utf-8"?>
 <p:sld xmlns:a="http://schemas.openxmlformats.org/drawingml/2006/main" xmlns:r="http://schemas.openxmlformats.org/officeDocument/2006/relationships" xmlns:p="http://schemas.openxmlformats.org/presentationml/2006/main">
   <p:cSld>
     <p:spTree>
@@ -36130,7 +35625,7 @@
 </p:sld>
 </file>
 
-<file path=ppt/slides/slide8.xml><?xml version="1.0" encoding="utf-8"?>
+<file path=ppt/slides/slide7.xml><?xml version="1.0" encoding="utf-8"?>
 <p:sld xmlns:a="http://schemas.openxmlformats.org/drawingml/2006/main" xmlns:r="http://schemas.openxmlformats.org/officeDocument/2006/relationships" xmlns:p="http://schemas.openxmlformats.org/presentationml/2006/main">
   <p:cSld>
     <p:spTree>
@@ -37162,7 +36657,7 @@
 </p:sld>
 </file>
 
-<file path=ppt/slides/slide9.xml><?xml version="1.0" encoding="utf-8"?>
+<file path=ppt/slides/slide8.xml><?xml version="1.0" encoding="utf-8"?>
 <p:sld xmlns:a="http://schemas.openxmlformats.org/drawingml/2006/main" xmlns:r="http://schemas.openxmlformats.org/officeDocument/2006/relationships" xmlns:p="http://schemas.openxmlformats.org/presentationml/2006/main">
   <p:cSld>
     <p:spTree>
@@ -37286,6 +36781,412 @@
     <p:extLst>
       <p:ext uri="{BB962C8B-B14F-4D97-AF65-F5344CB8AC3E}">
         <p14:creationId xmlns:p14="http://schemas.microsoft.com/office/powerpoint/2010/main" val="3373592868"/>
+      </p:ext>
+    </p:extLst>
+  </p:cSld>
+  <p:clrMapOvr>
+    <a:masterClrMapping/>
+  </p:clrMapOvr>
+</p:sld>
+</file>
+
+<file path=ppt/slides/slide9.xml><?xml version="1.0" encoding="utf-8"?>
+<p:sld xmlns:a="http://schemas.openxmlformats.org/drawingml/2006/main" xmlns:r="http://schemas.openxmlformats.org/officeDocument/2006/relationships" xmlns:p="http://schemas.openxmlformats.org/presentationml/2006/main">
+  <p:cSld>
+    <p:spTree>
+      <p:nvGrpSpPr>
+        <p:cNvPr id="1" name=""/>
+        <p:cNvGrpSpPr/>
+        <p:nvPr/>
+      </p:nvGrpSpPr>
+      <p:grpSpPr>
+        <a:xfrm>
+          <a:off x="0" y="0"/>
+          <a:ext cx="0" cy="0"/>
+          <a:chOff x="0" y="0"/>
+          <a:chExt cx="0" cy="0"/>
+        </a:xfrm>
+      </p:grpSpPr>
+      <p:grpSp>
+        <p:nvGrpSpPr>
+          <p:cNvPr id="19" name="Group 18">
+            <a:extLst>
+              <a:ext uri="{FF2B5EF4-FFF2-40B4-BE49-F238E27FC236}">
+                <a16:creationId xmlns:a16="http://schemas.microsoft.com/office/drawing/2014/main" id="{E40803F0-C5B8-57BD-AF59-3089A95A0813}"/>
+              </a:ext>
+            </a:extLst>
+          </p:cNvPr>
+          <p:cNvGrpSpPr/>
+          <p:nvPr/>
+        </p:nvGrpSpPr>
+        <p:grpSpPr>
+          <a:xfrm>
+            <a:off x="1871662" y="361950"/>
+            <a:ext cx="4995863" cy="4724400"/>
+            <a:chOff x="1871662" y="361950"/>
+            <a:chExt cx="4995863" cy="4724400"/>
+          </a:xfrm>
+        </p:grpSpPr>
+        <p:grpSp>
+          <p:nvGrpSpPr>
+            <p:cNvPr id="11" name="Group 10">
+              <a:extLst>
+                <a:ext uri="{FF2B5EF4-FFF2-40B4-BE49-F238E27FC236}">
+                  <a16:creationId xmlns:a16="http://schemas.microsoft.com/office/drawing/2014/main" id="{5F94BE99-6769-97EC-62A7-86F1C0E16CE1}"/>
+                </a:ext>
+              </a:extLst>
+            </p:cNvPr>
+            <p:cNvGrpSpPr/>
+            <p:nvPr/>
+          </p:nvGrpSpPr>
+          <p:grpSpPr>
+            <a:xfrm>
+              <a:off x="1909762" y="3181350"/>
+              <a:ext cx="4848225" cy="1905000"/>
+              <a:chOff x="1814512" y="3486150"/>
+              <a:chExt cx="4848225" cy="1905000"/>
+            </a:xfrm>
+          </p:grpSpPr>
+          <p:pic>
+            <p:nvPicPr>
+              <p:cNvPr id="7" name="Picture 6">
+                <a:extLst>
+                  <a:ext uri="{FF2B5EF4-FFF2-40B4-BE49-F238E27FC236}">
+                    <a16:creationId xmlns:a16="http://schemas.microsoft.com/office/drawing/2014/main" id="{B7E7AF59-7386-5F2D-B321-896ADEE82B17}"/>
+                  </a:ext>
+                </a:extLst>
+              </p:cNvPr>
+              <p:cNvPicPr>
+                <a:picLocks noChangeAspect="1"/>
+              </p:cNvPicPr>
+              <p:nvPr/>
+            </p:nvPicPr>
+            <p:blipFill>
+              <a:blip r:embed="rId2"/>
+              <a:stretch>
+                <a:fillRect/>
+              </a:stretch>
+            </p:blipFill>
+            <p:spPr>
+              <a:xfrm>
+                <a:off x="1814512" y="3486150"/>
+                <a:ext cx="4848225" cy="1905000"/>
+              </a:xfrm>
+              <a:prstGeom prst="rect">
+                <a:avLst/>
+              </a:prstGeom>
+            </p:spPr>
+          </p:pic>
+          <p:sp>
+            <p:nvSpPr>
+              <p:cNvPr id="9" name="Овал 5">
+                <a:extLst>
+                  <a:ext uri="{FF2B5EF4-FFF2-40B4-BE49-F238E27FC236}">
+                    <a16:creationId xmlns:a16="http://schemas.microsoft.com/office/drawing/2014/main" id="{E96C2595-B012-DAE6-BE4B-2EFCA9120686}"/>
+                  </a:ext>
+                </a:extLst>
+              </p:cNvPr>
+              <p:cNvSpPr/>
+              <p:nvPr/>
+            </p:nvSpPr>
+            <p:spPr>
+              <a:xfrm>
+                <a:off x="1816779" y="4811760"/>
+                <a:ext cx="2669496" cy="293640"/>
+              </a:xfrm>
+              <a:prstGeom prst="ellipse">
+                <a:avLst/>
+              </a:prstGeom>
+              <a:noFill/>
+              <a:ln w="19050">
+                <a:solidFill>
+                  <a:srgbClr val="FF0000"/>
+                </a:solidFill>
+              </a:ln>
+            </p:spPr>
+            <p:style>
+              <a:lnRef idx="2">
+                <a:schemeClr val="accent1">
+                  <a:shade val="50000"/>
+                </a:schemeClr>
+              </a:lnRef>
+              <a:fillRef idx="1">
+                <a:schemeClr val="accent1"/>
+              </a:fillRef>
+              <a:effectRef idx="0">
+                <a:schemeClr val="accent1"/>
+              </a:effectRef>
+              <a:fontRef idx="minor">
+                <a:schemeClr val="lt1"/>
+              </a:fontRef>
+            </p:style>
+            <p:txBody>
+              <a:bodyPr rtlCol="0" anchor="ctr"/>
+              <a:lstStyle/>
+              <a:p>
+                <a:pPr algn="ctr"/>
+                <a:endParaRPr lang="ru-RU"/>
+              </a:p>
+            </p:txBody>
+          </p:sp>
+        </p:grpSp>
+        <p:sp>
+          <p:nvSpPr>
+            <p:cNvPr id="10" name="Arrow: Right 9">
+              <a:extLst>
+                <a:ext uri="{FF2B5EF4-FFF2-40B4-BE49-F238E27FC236}">
+                  <a16:creationId xmlns:a16="http://schemas.microsoft.com/office/drawing/2014/main" id="{366A1CD7-D600-9DD6-8AFE-C8C77EA296AA}"/>
+                </a:ext>
+              </a:extLst>
+            </p:cNvPr>
+            <p:cNvSpPr/>
+            <p:nvPr/>
+          </p:nvSpPr>
+          <p:spPr>
+            <a:xfrm rot="5400000">
+              <a:off x="4109947" y="2582997"/>
+              <a:ext cx="545469" cy="465826"/>
+            </a:xfrm>
+            <a:prstGeom prst="rightArrow">
+              <a:avLst>
+                <a:gd name="adj1" fmla="val 50000"/>
+                <a:gd name="adj2" fmla="val 66667"/>
+              </a:avLst>
+            </a:prstGeom>
+            <a:noFill/>
+            <a:ln w="19050">
+              <a:solidFill>
+                <a:srgbClr val="FF0000"/>
+              </a:solidFill>
+            </a:ln>
+          </p:spPr>
+          <p:style>
+            <a:lnRef idx="2">
+              <a:schemeClr val="accent1">
+                <a:shade val="50000"/>
+              </a:schemeClr>
+            </a:lnRef>
+            <a:fillRef idx="1">
+              <a:schemeClr val="accent1"/>
+            </a:fillRef>
+            <a:effectRef idx="0">
+              <a:schemeClr val="accent1"/>
+            </a:effectRef>
+            <a:fontRef idx="minor">
+              <a:schemeClr val="lt1"/>
+            </a:fontRef>
+          </p:style>
+          <p:txBody>
+            <a:bodyPr rtlCol="0" anchor="ctr"/>
+            <a:lstStyle/>
+            <a:p>
+              <a:pPr algn="ctr"/>
+              <a:endParaRPr lang="en-US"/>
+            </a:p>
+          </p:txBody>
+        </p:sp>
+        <p:grpSp>
+          <p:nvGrpSpPr>
+            <p:cNvPr id="18" name="Group 17">
+              <a:extLst>
+                <a:ext uri="{FF2B5EF4-FFF2-40B4-BE49-F238E27FC236}">
+                  <a16:creationId xmlns:a16="http://schemas.microsoft.com/office/drawing/2014/main" id="{CC72A481-81CE-85B2-50EF-CA29BFB37873}"/>
+                </a:ext>
+              </a:extLst>
+            </p:cNvPr>
+            <p:cNvGrpSpPr/>
+            <p:nvPr/>
+          </p:nvGrpSpPr>
+          <p:grpSpPr>
+            <a:xfrm>
+              <a:off x="1871662" y="361950"/>
+              <a:ext cx="4995863" cy="2076450"/>
+              <a:chOff x="1871662" y="361950"/>
+              <a:chExt cx="4995863" cy="2076450"/>
+            </a:xfrm>
+          </p:grpSpPr>
+          <p:pic>
+            <p:nvPicPr>
+              <p:cNvPr id="14" name="Picture 13">
+                <a:extLst>
+                  <a:ext uri="{FF2B5EF4-FFF2-40B4-BE49-F238E27FC236}">
+                    <a16:creationId xmlns:a16="http://schemas.microsoft.com/office/drawing/2014/main" id="{068B73BE-49CA-4EE2-E296-DCF7E8728FEA}"/>
+                  </a:ext>
+                </a:extLst>
+              </p:cNvPr>
+              <p:cNvPicPr>
+                <a:picLocks noChangeAspect="1"/>
+              </p:cNvPicPr>
+              <p:nvPr/>
+            </p:nvPicPr>
+            <p:blipFill>
+              <a:blip r:embed="rId3"/>
+              <a:stretch>
+                <a:fillRect/>
+              </a:stretch>
+            </p:blipFill>
+            <p:spPr>
+              <a:xfrm>
+                <a:off x="1871662" y="361950"/>
+                <a:ext cx="4981575" cy="2076450"/>
+              </a:xfrm>
+              <a:prstGeom prst="rect">
+                <a:avLst/>
+              </a:prstGeom>
+            </p:spPr>
+          </p:pic>
+          <p:sp>
+            <p:nvSpPr>
+              <p:cNvPr id="8" name="Овал 5">
+                <a:extLst>
+                  <a:ext uri="{FF2B5EF4-FFF2-40B4-BE49-F238E27FC236}">
+                    <a16:creationId xmlns:a16="http://schemas.microsoft.com/office/drawing/2014/main" id="{74027A3F-C505-FE9C-687A-632BB1F16BBF}"/>
+                  </a:ext>
+                </a:extLst>
+              </p:cNvPr>
+              <p:cNvSpPr/>
+              <p:nvPr/>
+            </p:nvSpPr>
+            <p:spPr>
+              <a:xfrm>
+                <a:off x="3121704" y="1706610"/>
+                <a:ext cx="1536021" cy="276225"/>
+              </a:xfrm>
+              <a:prstGeom prst="ellipse">
+                <a:avLst/>
+              </a:prstGeom>
+              <a:noFill/>
+              <a:ln w="19050">
+                <a:solidFill>
+                  <a:srgbClr val="FF0000"/>
+                </a:solidFill>
+              </a:ln>
+            </p:spPr>
+            <p:style>
+              <a:lnRef idx="2">
+                <a:schemeClr val="accent1">
+                  <a:shade val="50000"/>
+                </a:schemeClr>
+              </a:lnRef>
+              <a:fillRef idx="1">
+                <a:schemeClr val="accent1"/>
+              </a:fillRef>
+              <a:effectRef idx="0">
+                <a:schemeClr val="accent1"/>
+              </a:effectRef>
+              <a:fontRef idx="minor">
+                <a:schemeClr val="lt1"/>
+              </a:fontRef>
+            </p:style>
+            <p:txBody>
+              <a:bodyPr rtlCol="0" anchor="ctr"/>
+              <a:lstStyle/>
+              <a:p>
+                <a:pPr algn="ctr"/>
+                <a:endParaRPr lang="ru-RU"/>
+              </a:p>
+            </p:txBody>
+          </p:sp>
+          <p:sp>
+            <p:nvSpPr>
+              <p:cNvPr id="15" name="Овал 5">
+                <a:extLst>
+                  <a:ext uri="{FF2B5EF4-FFF2-40B4-BE49-F238E27FC236}">
+                    <a16:creationId xmlns:a16="http://schemas.microsoft.com/office/drawing/2014/main" id="{E44556D6-3D89-1B8B-A65E-268150311568}"/>
+                  </a:ext>
+                </a:extLst>
+              </p:cNvPr>
+              <p:cNvSpPr/>
+              <p:nvPr/>
+            </p:nvSpPr>
+            <p:spPr>
+              <a:xfrm>
+                <a:off x="6248400" y="2020935"/>
+                <a:ext cx="619125" cy="276225"/>
+              </a:xfrm>
+              <a:prstGeom prst="ellipse">
+                <a:avLst/>
+              </a:prstGeom>
+              <a:noFill/>
+              <a:ln w="19050">
+                <a:solidFill>
+                  <a:srgbClr val="FF0000"/>
+                </a:solidFill>
+              </a:ln>
+            </p:spPr>
+            <p:style>
+              <a:lnRef idx="2">
+                <a:schemeClr val="accent1">
+                  <a:shade val="50000"/>
+                </a:schemeClr>
+              </a:lnRef>
+              <a:fillRef idx="1">
+                <a:schemeClr val="accent1"/>
+              </a:fillRef>
+              <a:effectRef idx="0">
+                <a:schemeClr val="accent1"/>
+              </a:effectRef>
+              <a:fontRef idx="minor">
+                <a:schemeClr val="lt1"/>
+              </a:fontRef>
+            </p:style>
+            <p:txBody>
+              <a:bodyPr rtlCol="0" anchor="ctr"/>
+              <a:lstStyle/>
+              <a:p>
+                <a:pPr algn="ctr"/>
+                <a:endParaRPr lang="ru-RU"/>
+              </a:p>
+            </p:txBody>
+          </p:sp>
+          <p:cxnSp>
+            <p:nvCxnSpPr>
+              <p:cNvPr id="17" name="Straight Arrow Connector 16">
+                <a:extLst>
+                  <a:ext uri="{FF2B5EF4-FFF2-40B4-BE49-F238E27FC236}">
+                    <a16:creationId xmlns:a16="http://schemas.microsoft.com/office/drawing/2014/main" id="{B2C4C998-B111-6939-3439-977FD220605F}"/>
+                  </a:ext>
+                </a:extLst>
+              </p:cNvPr>
+              <p:cNvCxnSpPr/>
+              <p:nvPr/>
+            </p:nvCxnSpPr>
+            <p:spPr>
+              <a:xfrm>
+                <a:off x="4714875" y="1895475"/>
+                <a:ext cx="1419225" cy="209550"/>
+              </a:xfrm>
+              <a:prstGeom prst="straightConnector1">
+                <a:avLst/>
+              </a:prstGeom>
+              <a:ln w="19050">
+                <a:solidFill>
+                  <a:srgbClr val="FF0000"/>
+                </a:solidFill>
+                <a:tailEnd type="triangle"/>
+              </a:ln>
+            </p:spPr>
+            <p:style>
+              <a:lnRef idx="1">
+                <a:schemeClr val="accent1"/>
+              </a:lnRef>
+              <a:fillRef idx="0">
+                <a:schemeClr val="accent1"/>
+              </a:fillRef>
+              <a:effectRef idx="0">
+                <a:schemeClr val="accent1"/>
+              </a:effectRef>
+              <a:fontRef idx="minor">
+                <a:schemeClr val="tx1"/>
+              </a:fontRef>
+            </p:style>
+          </p:cxnSp>
+        </p:grpSp>
+      </p:grpSp>
+    </p:spTree>
+    <p:extLst>
+      <p:ext uri="{BB962C8B-B14F-4D97-AF65-F5344CB8AC3E}">
+        <p14:creationId xmlns:p14="http://schemas.microsoft.com/office/powerpoint/2010/main" val="2168155292"/>
       </p:ext>
     </p:extLst>
   </p:cSld>
